--- a/Content/Stream Analytics/Azure Stream Analytics.pptx
+++ b/Content/Stream Analytics/Azure Stream Analytics.pptx
@@ -11461,16 +11461,7 @@
                 </a:solidFill>
                 <a:latin typeface="Lucida Console" panose="020B0609040504020204" pitchFamily="49" charset="0"/>
               </a:rPr>
-              <a:t> </a:t>
-            </a:r>
-            <a:r>
-              <a:rPr lang="en-US" sz="2200" dirty="0">
-                <a:solidFill>
-                  <a:schemeClr val="tx1"/>
-                </a:solidFill>
-                <a:latin typeface="Lucida Console" panose="020B0609040504020204" pitchFamily="49" charset="0"/>
-              </a:rPr>
-              <a:t>SELECT </a:t>
+              <a:t> SELECT </a:t>
             </a:r>
             <a:r>
               <a:rPr lang="en-US" sz="2200" dirty="0" smtClean="0">
@@ -11620,15 +11611,41 @@
               </a:rPr>
               <a:t>DATEDIFF(s, s1, s2) BETWEEN 0 AND 5</a:t>
             </a:r>
-            <a:endParaRPr lang="en-US" sz="2200" dirty="0">
-              <a:solidFill>
-                <a:schemeClr val="tx1"/>
-              </a:solidFill>
-              <a:latin typeface="Lucida Console" panose="020B0609040504020204" pitchFamily="49" charset="0"/>
-            </a:endParaRPr>
           </a:p>
         </p:txBody>
       </p:sp>
+      <p:pic>
+        <p:nvPicPr>
+          <p:cNvPr id="3" name="Picture 2"/>
+          <p:cNvPicPr>
+            <a:picLocks noChangeAspect="1"/>
+          </p:cNvPicPr>
+          <p:nvPr/>
+        </p:nvPicPr>
+        <p:blipFill>
+          <a:blip r:embed="rId2"/>
+          <a:stretch>
+            <a:fillRect/>
+          </a:stretch>
+        </p:blipFill>
+        <p:spPr>
+          <a:xfrm>
+            <a:off x="876001" y="4501243"/>
+            <a:ext cx="10474672" cy="1246414"/>
+          </a:xfrm>
+          <a:prstGeom prst="rect">
+            <a:avLst/>
+          </a:prstGeom>
+          <a:ln>
+            <a:solidFill>
+              <a:schemeClr val="tx1">
+                <a:lumMod val="25000"/>
+                <a:lumOff val="75000"/>
+              </a:schemeClr>
+            </a:solidFill>
+          </a:ln>
+        </p:spPr>
+      </p:pic>
     </p:spTree>
     <p:extLst>
       <p:ext uri="{BB962C8B-B14F-4D97-AF65-F5344CB8AC3E}">
@@ -11691,15 +11708,7 @@
           <a:p>
             <a:r>
               <a:rPr lang="en-US" dirty="0" smtClean="0"/>
-              <a:t>Replacing Arrival Time </a:t>
-            </a:r>
-            <a:r>
-              <a:rPr lang="en-US" dirty="0" smtClean="0"/>
-              <a:t>with </a:t>
-            </a:r>
-            <a:r>
-              <a:rPr lang="en-US" dirty="0" smtClean="0"/>
-              <a:t>Event Time</a:t>
+              <a:t>Replacing Arrival Time with Event Time</a:t>
             </a:r>
             <a:endParaRPr lang="en-US" dirty="0"/>
           </a:p>
@@ -11774,16 +11783,7 @@
                 </a:solidFill>
                 <a:latin typeface="Lucida Console" panose="020B0609040504020204" pitchFamily="49" charset="0"/>
               </a:rPr>
-              <a:t> </a:t>
-            </a:r>
-            <a:r>
-              <a:rPr lang="en-US" sz="2200" dirty="0">
-                <a:solidFill>
-                  <a:schemeClr val="tx1"/>
-                </a:solidFill>
-                <a:latin typeface="Lucida Console" panose="020B0609040504020204" pitchFamily="49" charset="0"/>
-              </a:rPr>
-              <a:t>SELECT S1.ID, S1.Temperature, S2.Voltage</a:t>
+              <a:t> SELECT S1.ID, S1.Temperature, S2.Voltage</a:t>
             </a:r>
           </a:p>
           <a:p>
@@ -11963,15 +11963,41 @@
               </a:rPr>
               <a:t>DATEDIFF(s, s1, s2) BETWEEN 0 AND 5</a:t>
             </a:r>
-            <a:endParaRPr lang="en-US" sz="2200" dirty="0">
-              <a:solidFill>
-                <a:schemeClr val="tx1"/>
-              </a:solidFill>
-              <a:latin typeface="Lucida Console" panose="020B0609040504020204" pitchFamily="49" charset="0"/>
-            </a:endParaRPr>
           </a:p>
         </p:txBody>
       </p:sp>
+      <p:pic>
+        <p:nvPicPr>
+          <p:cNvPr id="3" name="Picture 2"/>
+          <p:cNvPicPr>
+            <a:picLocks noChangeAspect="1"/>
+          </p:cNvPicPr>
+          <p:nvPr/>
+        </p:nvPicPr>
+        <p:blipFill>
+          <a:blip r:embed="rId2"/>
+          <a:stretch>
+            <a:fillRect/>
+          </a:stretch>
+        </p:blipFill>
+        <p:spPr>
+          <a:xfrm>
+            <a:off x="876001" y="4508356"/>
+            <a:ext cx="10489346" cy="1263052"/>
+          </a:xfrm>
+          <a:prstGeom prst="rect">
+            <a:avLst/>
+          </a:prstGeom>
+          <a:ln>
+            <a:solidFill>
+              <a:schemeClr val="tx1">
+                <a:lumMod val="25000"/>
+                <a:lumOff val="75000"/>
+              </a:schemeClr>
+            </a:solidFill>
+          </a:ln>
+        </p:spPr>
+      </p:pic>
     </p:spTree>
     <p:extLst>
       <p:ext uri="{BB962C8B-B14F-4D97-AF65-F5344CB8AC3E}">
@@ -12521,7 +12547,7 @@
         </p:nvSpPr>
         <p:spPr bwMode="auto">
           <a:xfrm>
-            <a:off x="2161304" y="3681349"/>
+            <a:off x="2161304" y="4548248"/>
             <a:ext cx="1472542" cy="866899"/>
           </a:xfrm>
           <a:prstGeom prst="rect">
@@ -12801,7 +12827,7 @@
         </p:nvSpPr>
         <p:spPr bwMode="auto">
           <a:xfrm>
-            <a:off x="2636317" y="4006249"/>
+            <a:off x="2636317" y="4873148"/>
             <a:ext cx="95002" cy="148441"/>
           </a:xfrm>
           <a:prstGeom prst="rect">
@@ -12871,7 +12897,7 @@
         </p:nvSpPr>
         <p:spPr bwMode="auto">
           <a:xfrm>
-            <a:off x="2826323" y="4006249"/>
+            <a:off x="2826323" y="4873148"/>
             <a:ext cx="95002" cy="148441"/>
           </a:xfrm>
           <a:prstGeom prst="rect">
@@ -13713,146 +13739,6 @@
       </p:sp>
       <p:sp>
         <p:nvSpPr>
-          <p:cNvPr id="37" name="Rectangle 36"/>
-          <p:cNvSpPr/>
-          <p:nvPr/>
-        </p:nvSpPr>
-        <p:spPr bwMode="auto">
-          <a:xfrm>
-            <a:off x="6388924" y="4006249"/>
-            <a:ext cx="95002" cy="148441"/>
-          </a:xfrm>
-          <a:prstGeom prst="rect">
-            <a:avLst/>
-          </a:prstGeom>
-          <a:solidFill>
-            <a:schemeClr val="accent2"/>
-          </a:solidFill>
-          <a:ln>
-            <a:noFill/>
-            <a:headEnd type="none" w="med" len="med"/>
-            <a:tailEnd type="none" w="med" len="med"/>
-          </a:ln>
-          <a:effectLst/>
-        </p:spPr>
-        <p:style>
-          <a:lnRef idx="1">
-            <a:schemeClr val="accent2"/>
-          </a:lnRef>
-          <a:fillRef idx="3">
-            <a:schemeClr val="accent2"/>
-          </a:fillRef>
-          <a:effectRef idx="2">
-            <a:schemeClr val="accent2"/>
-          </a:effectRef>
-          <a:fontRef idx="minor">
-            <a:schemeClr val="lt1"/>
-          </a:fontRef>
-        </p:style>
-        <p:txBody>
-          <a:bodyPr vert="horz" wrap="square" lIns="91436" tIns="45718" rIns="91436" bIns="45718" numCol="1" rtlCol="0" anchor="ctr" anchorCtr="0" compatLnSpc="1">
-            <a:prstTxWarp prst="textNoShape">
-              <a:avLst/>
-            </a:prstTxWarp>
-          </a:bodyPr>
-          <a:lstStyle/>
-          <a:p>
-            <a:pPr algn="ctr" defTabSz="914099" fontAlgn="base">
-              <a:spcBef>
-                <a:spcPct val="0"/>
-              </a:spcBef>
-              <a:spcAft>
-                <a:spcPct val="0"/>
-              </a:spcAft>
-            </a:pPr>
-            <a:endParaRPr lang="en-US" sz="2200" dirty="0" smtClean="0">
-              <a:gradFill>
-                <a:gsLst>
-                  <a:gs pos="0">
-                    <a:srgbClr val="FFFFFF"/>
-                  </a:gs>
-                  <a:gs pos="100000">
-                    <a:srgbClr val="FFFFFF"/>
-                  </a:gs>
-                </a:gsLst>
-                <a:lin ang="5400000" scaled="0"/>
-              </a:gradFill>
-            </a:endParaRPr>
-          </a:p>
-        </p:txBody>
-      </p:sp>
-      <p:sp>
-        <p:nvSpPr>
-          <p:cNvPr id="38" name="Rectangle 37"/>
-          <p:cNvSpPr/>
-          <p:nvPr/>
-        </p:nvSpPr>
-        <p:spPr bwMode="auto">
-          <a:xfrm>
-            <a:off x="6578930" y="4006249"/>
-            <a:ext cx="95002" cy="148441"/>
-          </a:xfrm>
-          <a:prstGeom prst="rect">
-            <a:avLst/>
-          </a:prstGeom>
-          <a:solidFill>
-            <a:schemeClr val="accent2"/>
-          </a:solidFill>
-          <a:ln>
-            <a:noFill/>
-            <a:headEnd type="none" w="med" len="med"/>
-            <a:tailEnd type="none" w="med" len="med"/>
-          </a:ln>
-          <a:effectLst/>
-        </p:spPr>
-        <p:style>
-          <a:lnRef idx="1">
-            <a:schemeClr val="accent2"/>
-          </a:lnRef>
-          <a:fillRef idx="3">
-            <a:schemeClr val="accent2"/>
-          </a:fillRef>
-          <a:effectRef idx="2">
-            <a:schemeClr val="accent2"/>
-          </a:effectRef>
-          <a:fontRef idx="minor">
-            <a:schemeClr val="lt1"/>
-          </a:fontRef>
-        </p:style>
-        <p:txBody>
-          <a:bodyPr vert="horz" wrap="square" lIns="91436" tIns="45718" rIns="91436" bIns="45718" numCol="1" rtlCol="0" anchor="ctr" anchorCtr="0" compatLnSpc="1">
-            <a:prstTxWarp prst="textNoShape">
-              <a:avLst/>
-            </a:prstTxWarp>
-          </a:bodyPr>
-          <a:lstStyle/>
-          <a:p>
-            <a:pPr algn="ctr" defTabSz="914099" fontAlgn="base">
-              <a:spcBef>
-                <a:spcPct val="0"/>
-              </a:spcBef>
-              <a:spcAft>
-                <a:spcPct val="0"/>
-              </a:spcAft>
-            </a:pPr>
-            <a:endParaRPr lang="en-US" sz="2200" dirty="0" smtClean="0">
-              <a:gradFill>
-                <a:gsLst>
-                  <a:gs pos="0">
-                    <a:srgbClr val="FFFFFF"/>
-                  </a:gs>
-                  <a:gs pos="100000">
-                    <a:srgbClr val="FFFFFF"/>
-                  </a:gs>
-                </a:gsLst>
-                <a:lin ang="5400000" scaled="0"/>
-              </a:gradFill>
-            </a:endParaRPr>
-          </a:p>
-        </p:txBody>
-      </p:sp>
-      <p:sp>
-        <p:nvSpPr>
           <p:cNvPr id="39" name="TextBox 38"/>
           <p:cNvSpPr txBox="1"/>
           <p:nvPr/>
@@ -14357,7 +14243,7 @@
         </p:nvSpPr>
         <p:spPr bwMode="auto">
           <a:xfrm>
-            <a:off x="10046524" y="3681349"/>
+            <a:off x="10046524" y="4548248"/>
             <a:ext cx="1472542" cy="866899"/>
           </a:xfrm>
           <a:prstGeom prst="rect">
@@ -14637,7 +14523,7 @@
         </p:nvSpPr>
         <p:spPr bwMode="auto">
           <a:xfrm>
-            <a:off x="10046524" y="4006249"/>
+            <a:off x="10046524" y="4873148"/>
             <a:ext cx="95002" cy="148441"/>
           </a:xfrm>
           <a:prstGeom prst="rect">
@@ -14707,7 +14593,7 @@
         </p:nvSpPr>
         <p:spPr bwMode="auto">
           <a:xfrm>
-            <a:off x="10236530" y="4006249"/>
+            <a:off x="10236530" y="4873148"/>
             <a:ext cx="95002" cy="148441"/>
           </a:xfrm>
           <a:prstGeom prst="rect">
@@ -15458,7 +15344,16 @@
                 </a:solidFill>
                 <a:latin typeface="Lucida Console" panose="020B0609040504020204" pitchFamily="49" charset="0"/>
               </a:rPr>
-              <a:t>, 5), ID</a:t>
+              <a:t>, 5</a:t>
+            </a:r>
+            <a:r>
+              <a:rPr lang="en-US" sz="2200" dirty="0" smtClean="0">
+                <a:solidFill>
+                  <a:schemeClr val="accent1"/>
+                </a:solidFill>
+                <a:latin typeface="Lucida Console" panose="020B0609040504020204" pitchFamily="49" charset="0"/>
+              </a:rPr>
+              <a:t>)</a:t>
             </a:r>
             <a:endParaRPr lang="en-US" sz="2200" dirty="0">
               <a:solidFill>
@@ -15469,6 +15364,38 @@
           </a:p>
         </p:txBody>
       </p:sp>
+      <p:pic>
+        <p:nvPicPr>
+          <p:cNvPr id="3" name="Picture 2"/>
+          <p:cNvPicPr>
+            <a:picLocks noChangeAspect="1"/>
+          </p:cNvPicPr>
+          <p:nvPr/>
+        </p:nvPicPr>
+        <p:blipFill>
+          <a:blip r:embed="rId2"/>
+          <a:stretch>
+            <a:fillRect/>
+          </a:stretch>
+        </p:blipFill>
+        <p:spPr>
+          <a:xfrm>
+            <a:off x="876001" y="4111336"/>
+            <a:ext cx="10438410" cy="1683822"/>
+          </a:xfrm>
+          <a:prstGeom prst="rect">
+            <a:avLst/>
+          </a:prstGeom>
+          <a:ln>
+            <a:solidFill>
+              <a:schemeClr val="tx1">
+                <a:lumMod val="25000"/>
+                <a:lumOff val="75000"/>
+              </a:schemeClr>
+            </a:solidFill>
+          </a:ln>
+        </p:spPr>
+      </p:pic>
     </p:spTree>
     <p:extLst>
       <p:ext uri="{BB962C8B-B14F-4D97-AF65-F5344CB8AC3E}">
@@ -15777,11 +15704,7 @@
           <a:p>
             <a:r>
               <a:rPr lang="en-US" dirty="0" smtClean="0"/>
-              <a:t>Fully managed cloud-based service for analyzing high-volume, high-velocity, highly dynamic data </a:t>
-            </a:r>
-            <a:r>
-              <a:rPr lang="en-US" dirty="0" smtClean="0"/>
-              <a:t>streams</a:t>
+              <a:t>Fully managed cloud-based service for analyzing high-volume, high-velocity, highly dynamic data streams</a:t>
             </a:r>
           </a:p>
           <a:p>
@@ -15838,7 +15761,6 @@
               <a:rPr lang="en-US" dirty="0" smtClean="0"/>
               <a:t>) devices, applications, Web sites, and more</a:t>
             </a:r>
-            <a:endParaRPr lang="en-US" dirty="0" smtClean="0"/>
           </a:p>
         </p:txBody>
       </p:sp>
@@ -16449,23 +16371,33 @@
           <a:p>
             <a:r>
               <a:rPr lang="en-US" dirty="0" smtClean="0"/>
-              <a:t>Supports </a:t>
-            </a:r>
+              <a:t>Supports temporal grouping of events via "windowing"</a:t>
+            </a:r>
+          </a:p>
+          <a:p>
             <a:r>
               <a:rPr lang="en-US" dirty="0" smtClean="0"/>
-              <a:t>temporal grouping of events via "windowing"</a:t>
-            </a:r>
-            <a:endParaRPr lang="en-US" dirty="0" smtClean="0"/>
-          </a:p>
-          <a:p>
-            <a:r>
-              <a:rPr lang="en-US" dirty="0" smtClean="0"/>
-              <a:t>Reference located at https</a:t>
-            </a:r>
-            <a:r>
-              <a:rPr lang="en-US" dirty="0"/>
-              <a:t>://msdn.microsoft.com/en-us/library/azure/dn834998.aspx</a:t>
-            </a:r>
+              <a:t>Reference located at </a:t>
+            </a:r>
+            <a:r>
+              <a:rPr lang="en-US" dirty="0" smtClean="0">
+                <a:hlinkClick r:id="rId2"/>
+              </a:rPr>
+              <a:t>https</a:t>
+            </a:r>
+            <a:r>
+              <a:rPr lang="en-US" dirty="0">
+                <a:hlinkClick r:id="rId2"/>
+              </a:rPr>
+              <a:t>://</a:t>
+            </a:r>
+            <a:r>
+              <a:rPr lang="en-US" dirty="0" smtClean="0">
+                <a:hlinkClick r:id="rId2"/>
+              </a:rPr>
+              <a:t>msdn.microsoft.com/en-us/library/azure/dn834998.aspx</a:t>
+            </a:r>
+            <a:endParaRPr lang="en-US" dirty="0"/>
           </a:p>
         </p:txBody>
       </p:sp>
@@ -17577,15 +17509,41 @@
               </a:rPr>
               <a:t>Temperature &gt; 150</a:t>
             </a:r>
-            <a:endParaRPr lang="en-US" sz="2200" dirty="0">
-              <a:solidFill>
-                <a:schemeClr val="tx1"/>
-              </a:solidFill>
-              <a:latin typeface="Lucida Console" panose="020B0609040504020204" pitchFamily="49" charset="0"/>
-            </a:endParaRPr>
           </a:p>
         </p:txBody>
       </p:sp>
+      <p:pic>
+        <p:nvPicPr>
+          <p:cNvPr id="3" name="Picture 2"/>
+          <p:cNvPicPr>
+            <a:picLocks noChangeAspect="1"/>
+          </p:cNvPicPr>
+          <p:nvPr/>
+        </p:nvPicPr>
+        <p:blipFill>
+          <a:blip r:embed="rId2"/>
+          <a:stretch>
+            <a:fillRect/>
+          </a:stretch>
+        </p:blipFill>
+        <p:spPr>
+          <a:xfrm>
+            <a:off x="876001" y="3914960"/>
+            <a:ext cx="10438410" cy="977674"/>
+          </a:xfrm>
+          <a:prstGeom prst="rect">
+            <a:avLst/>
+          </a:prstGeom>
+          <a:ln>
+            <a:solidFill>
+              <a:schemeClr val="tx1">
+                <a:lumMod val="25000"/>
+                <a:lumOff val="75000"/>
+              </a:schemeClr>
+            </a:solidFill>
+          </a:ln>
+        </p:spPr>
+      </p:pic>
     </p:spTree>
     <p:extLst>
       <p:ext uri="{BB962C8B-B14F-4D97-AF65-F5344CB8AC3E}">

--- a/Content/Stream Analytics/Azure Stream Analytics.pptx
+++ b/Content/Stream Analytics/Azure Stream Analytics.pptx
@@ -11400,8 +11400,8 @@
         </p:nvSpPr>
         <p:spPr bwMode="auto">
           <a:xfrm>
-            <a:off x="876001" y="1696128"/>
-            <a:ext cx="10438410" cy="2329607"/>
+            <a:off x="876001" y="1696127"/>
+            <a:ext cx="10438410" cy="2662117"/>
           </a:xfrm>
           <a:prstGeom prst="rect">
             <a:avLst/>
@@ -11609,8 +11609,51 @@
                 </a:solidFill>
                 <a:latin typeface="Lucida Console" panose="020B0609040504020204" pitchFamily="49" charset="0"/>
               </a:rPr>
-              <a:t>DATEDIFF(s, s1, s2) BETWEEN 0 AND 5</a:t>
-            </a:r>
+              <a:t>DATEDIFF(s, s1, s2) BETWEEN 0 AND </a:t>
+            </a:r>
+            <a:r>
+              <a:rPr lang="en-US" sz="2200" dirty="0" smtClean="0">
+                <a:solidFill>
+                  <a:schemeClr val="tx1"/>
+                </a:solidFill>
+                <a:latin typeface="Lucida Console" panose="020B0609040504020204" pitchFamily="49" charset="0"/>
+              </a:rPr>
+              <a:t>5</a:t>
+            </a:r>
+          </a:p>
+          <a:p>
+            <a:pPr defTabSz="914099" fontAlgn="base">
+              <a:spcBef>
+                <a:spcPct val="0"/>
+              </a:spcBef>
+              <a:spcAft>
+                <a:spcPct val="0"/>
+              </a:spcAft>
+            </a:pPr>
+            <a:r>
+              <a:rPr lang="en-US" sz="2200" dirty="0">
+                <a:solidFill>
+                  <a:schemeClr val="tx1"/>
+                </a:solidFill>
+                <a:latin typeface="Lucida Console" panose="020B0609040504020204" pitchFamily="49" charset="0"/>
+              </a:rPr>
+              <a:t> </a:t>
+            </a:r>
+            <a:r>
+              <a:rPr lang="en-US" sz="2200" dirty="0" smtClean="0">
+                <a:solidFill>
+                  <a:schemeClr val="tx1"/>
+                </a:solidFill>
+                <a:latin typeface="Lucida Console" panose="020B0609040504020204" pitchFamily="49" charset="0"/>
+              </a:rPr>
+              <a:t>WHERE S1.Temperature &gt; 150 OR S2.Voltage &gt; 32</a:t>
+            </a:r>
+            <a:endParaRPr lang="en-US" sz="2200" dirty="0">
+              <a:solidFill>
+                <a:schemeClr val="tx1"/>
+              </a:solidFill>
+              <a:latin typeface="Lucida Console" panose="020B0609040504020204" pitchFamily="49" charset="0"/>
+            </a:endParaRPr>
           </a:p>
         </p:txBody>
       </p:sp>
@@ -11630,7 +11673,7 @@
         </p:blipFill>
         <p:spPr>
           <a:xfrm>
-            <a:off x="876001" y="4501243"/>
+            <a:off x="876001" y="4726874"/>
             <a:ext cx="10474672" cy="1246414"/>
           </a:xfrm>
           <a:prstGeom prst="rect">
@@ -11723,7 +11766,7 @@
         <p:spPr bwMode="auto">
           <a:xfrm>
             <a:off x="876001" y="1696128"/>
-            <a:ext cx="10438410" cy="2329607"/>
+            <a:ext cx="10438410" cy="2662116"/>
           </a:xfrm>
           <a:prstGeom prst="rect">
             <a:avLst/>
@@ -11961,8 +12004,60 @@
                 </a:solidFill>
                 <a:latin typeface="Lucida Console" panose="020B0609040504020204" pitchFamily="49" charset="0"/>
               </a:rPr>
-              <a:t>DATEDIFF(s, s1, s2) BETWEEN 0 AND 5</a:t>
-            </a:r>
+              <a:t>DATEDIFF(s, s1, s2) BETWEEN 0 AND </a:t>
+            </a:r>
+            <a:r>
+              <a:rPr lang="en-US" sz="2200" dirty="0" smtClean="0">
+                <a:solidFill>
+                  <a:schemeClr val="tx1"/>
+                </a:solidFill>
+                <a:latin typeface="Lucida Console" panose="020B0609040504020204" pitchFamily="49" charset="0"/>
+              </a:rPr>
+              <a:t>5</a:t>
+            </a:r>
+          </a:p>
+          <a:p>
+            <a:pPr defTabSz="914099" fontAlgn="base">
+              <a:spcBef>
+                <a:spcPct val="0"/>
+              </a:spcBef>
+              <a:spcAft>
+                <a:spcPct val="0"/>
+              </a:spcAft>
+            </a:pPr>
+            <a:r>
+              <a:rPr lang="en-US" sz="2200" dirty="0" smtClean="0">
+                <a:solidFill>
+                  <a:schemeClr val="tx1"/>
+                </a:solidFill>
+                <a:latin typeface="Lucida Console" panose="020B0609040504020204" pitchFamily="49" charset="0"/>
+              </a:rPr>
+              <a:t> WHERE </a:t>
+            </a:r>
+            <a:r>
+              <a:rPr lang="en-US" sz="2200" dirty="0">
+                <a:solidFill>
+                  <a:schemeClr val="tx1"/>
+                </a:solidFill>
+                <a:latin typeface="Lucida Console" panose="020B0609040504020204" pitchFamily="49" charset="0"/>
+              </a:rPr>
+              <a:t>S1.Temperature &gt; 150 OR S2.Voltage &gt; </a:t>
+            </a:r>
+            <a:r>
+              <a:rPr lang="en-US" sz="2200" dirty="0" smtClean="0">
+                <a:solidFill>
+                  <a:schemeClr val="tx1"/>
+                </a:solidFill>
+                <a:latin typeface="Lucida Console" panose="020B0609040504020204" pitchFamily="49" charset="0"/>
+              </a:rPr>
+              <a:t>32</a:t>
+            </a:r>
+            <a:endParaRPr lang="en-US" sz="2200" dirty="0">
+              <a:solidFill>
+                <a:schemeClr val="tx1"/>
+              </a:solidFill>
+              <a:latin typeface="Lucida Console" panose="020B0609040504020204" pitchFamily="49" charset="0"/>
+            </a:endParaRPr>
           </a:p>
         </p:txBody>
       </p:sp>
@@ -11982,7 +12077,7 @@
         </p:blipFill>
         <p:spPr>
           <a:xfrm>
-            <a:off x="876001" y="4508356"/>
+            <a:off x="876001" y="4726873"/>
             <a:ext cx="10489346" cy="1263052"/>
           </a:xfrm>
           <a:prstGeom prst="rect">
@@ -12968,7 +13063,7 @@
         <p:spPr>
           <a:xfrm>
             <a:off x="688762" y="2666899"/>
-            <a:ext cx="2945084" cy="332399"/>
+            <a:ext cx="2945084" cy="387798"/>
           </a:xfrm>
           <a:prstGeom prst="rect">
             <a:avLst/>
@@ -12991,14 +13086,14 @@
               <a:buSzPct val="80000"/>
             </a:pPr>
             <a:r>
-              <a:rPr lang="en-US" sz="2400" dirty="0" smtClean="0">
+              <a:rPr lang="en-US" sz="2800" dirty="0" smtClean="0">
                 <a:solidFill>
                   <a:schemeClr val="accent1"/>
                 </a:solidFill>
               </a:rPr>
               <a:t>Tumbling Window</a:t>
             </a:r>
-            <a:endParaRPr lang="en-US" sz="2400" dirty="0">
+            <a:endParaRPr lang="en-US" sz="2800" dirty="0">
               <a:solidFill>
                 <a:schemeClr val="accent1"/>
               </a:solidFill>
@@ -13746,7 +13841,7 @@
         <p:spPr>
           <a:xfrm>
             <a:off x="4441369" y="2666899"/>
-            <a:ext cx="2945084" cy="332399"/>
+            <a:ext cx="2945084" cy="387798"/>
           </a:xfrm>
           <a:prstGeom prst="rect">
             <a:avLst/>
@@ -13769,14 +13864,14 @@
               <a:buSzPct val="80000"/>
             </a:pPr>
             <a:r>
-              <a:rPr lang="en-US" sz="2400" dirty="0" smtClean="0">
+              <a:rPr lang="en-US" sz="2800" dirty="0" smtClean="0">
                 <a:solidFill>
                   <a:schemeClr val="accent1"/>
                 </a:solidFill>
               </a:rPr>
               <a:t>Hopping Window</a:t>
             </a:r>
-            <a:endParaRPr lang="en-US" sz="2400" dirty="0">
+            <a:endParaRPr lang="en-US" sz="2800" dirty="0">
               <a:solidFill>
                 <a:schemeClr val="accent1"/>
               </a:solidFill>
@@ -14664,7 +14759,7 @@
         <p:spPr>
           <a:xfrm>
             <a:off x="8098969" y="2666899"/>
-            <a:ext cx="2945084" cy="332399"/>
+            <a:ext cx="2945084" cy="387798"/>
           </a:xfrm>
           <a:prstGeom prst="rect">
             <a:avLst/>
@@ -14687,14 +14782,14 @@
               <a:buSzPct val="80000"/>
             </a:pPr>
             <a:r>
-              <a:rPr lang="en-US" sz="2400" dirty="0" smtClean="0">
+              <a:rPr lang="en-US" sz="2800" dirty="0" smtClean="0">
                 <a:solidFill>
                   <a:schemeClr val="accent1"/>
                 </a:solidFill>
               </a:rPr>
               <a:t>Sliding Window</a:t>
             </a:r>
-            <a:endParaRPr lang="en-US" sz="2400" dirty="0">
+            <a:endParaRPr lang="en-US" sz="2800" dirty="0">
               <a:solidFill>
                 <a:schemeClr val="accent1"/>
               </a:solidFill>

--- a/Content/Stream Analytics/Azure Stream Analytics.pptx
+++ b/Content/Stream Analytics/Azure Stream Analytics.pptx
@@ -5,7 +5,7 @@
     <p:sldMasterId id="2147483680" r:id="rId1"/>
   </p:sldMasterIdLst>
   <p:notesMasterIdLst>
-    <p:notesMasterId r:id="rId17"/>
+    <p:notesMasterId r:id="rId14"/>
   </p:notesMasterIdLst>
   <p:sldIdLst>
     <p:sldId id="256" r:id="rId2"/>
@@ -13,16 +13,13 @@
     <p:sldId id="292" r:id="rId4"/>
     <p:sldId id="298" r:id="rId5"/>
     <p:sldId id="299" r:id="rId6"/>
-    <p:sldId id="293" r:id="rId7"/>
-    <p:sldId id="277" r:id="rId8"/>
-    <p:sldId id="285" r:id="rId9"/>
-    <p:sldId id="300" r:id="rId10"/>
-    <p:sldId id="301" r:id="rId11"/>
-    <p:sldId id="291" r:id="rId12"/>
-    <p:sldId id="282" r:id="rId13"/>
-    <p:sldId id="287" r:id="rId14"/>
-    <p:sldId id="270" r:id="rId15"/>
-    <p:sldId id="271" r:id="rId16"/>
+    <p:sldId id="277" r:id="rId7"/>
+    <p:sldId id="300" r:id="rId8"/>
+    <p:sldId id="301" r:id="rId9"/>
+    <p:sldId id="291" r:id="rId10"/>
+    <p:sldId id="282" r:id="rId11"/>
+    <p:sldId id="287" r:id="rId12"/>
+    <p:sldId id="271" r:id="rId13"/>
   </p:sldIdLst>
   <p:sldSz cx="12192000" cy="6858000"/>
   <p:notesSz cx="6858000" cy="9144000"/>
@@ -211,7 +208,7 @@
           <a:p>
             <a:fld id="{2E5CA586-3557-4985-BCD4-35EF5AC8B4A4}" type="datetimeFigureOut">
               <a:rPr lang="en-US" smtClean="0"/>
-              <a:t>9/14/2015</a:t>
+              <a:t>10/6/2015</a:t>
             </a:fld>
             <a:endParaRPr lang="en-US"/>
           </a:p>
@@ -11386,770 +11383,6 @@
           <a:p>
             <a:r>
               <a:rPr lang="en-US" dirty="0" smtClean="0"/>
-              <a:t>Joining Two Inputs</a:t>
-            </a:r>
-            <a:endParaRPr lang="en-US" dirty="0"/>
-          </a:p>
-        </p:txBody>
-      </p:sp>
-      <p:sp>
-        <p:nvSpPr>
-          <p:cNvPr id="4" name="Rectangle 3"/>
-          <p:cNvSpPr/>
-          <p:nvPr/>
-        </p:nvSpPr>
-        <p:spPr bwMode="auto">
-          <a:xfrm>
-            <a:off x="876001" y="1696127"/>
-            <a:ext cx="10438410" cy="2662117"/>
-          </a:xfrm>
-          <a:prstGeom prst="rect">
-            <a:avLst/>
-          </a:prstGeom>
-          <a:solidFill>
-            <a:schemeClr val="tx1">
-              <a:lumMod val="10000"/>
-              <a:lumOff val="90000"/>
-            </a:schemeClr>
-          </a:solidFill>
-          <a:ln w="38100">
-            <a:solidFill>
-              <a:schemeClr val="tx1">
-                <a:lumMod val="50000"/>
-                <a:lumOff val="50000"/>
-              </a:schemeClr>
-            </a:solidFill>
-            <a:headEnd type="none" w="med" len="med"/>
-            <a:tailEnd type="none" w="med" len="med"/>
-          </a:ln>
-          <a:effectLst/>
-        </p:spPr>
-        <p:style>
-          <a:lnRef idx="1">
-            <a:schemeClr val="accent2"/>
-          </a:lnRef>
-          <a:fillRef idx="3">
-            <a:schemeClr val="accent2"/>
-          </a:fillRef>
-          <a:effectRef idx="2">
-            <a:schemeClr val="accent2"/>
-          </a:effectRef>
-          <a:fontRef idx="minor">
-            <a:schemeClr val="lt1"/>
-          </a:fontRef>
-        </p:style>
-        <p:txBody>
-          <a:bodyPr vert="horz" wrap="square" lIns="91436" tIns="45718" rIns="91436" bIns="45718" numCol="1" rtlCol="0" anchor="ctr" anchorCtr="0" compatLnSpc="1">
-            <a:prstTxWarp prst="textNoShape">
-              <a:avLst/>
-            </a:prstTxWarp>
-          </a:bodyPr>
-          <a:lstStyle/>
-          <a:p>
-            <a:pPr defTabSz="914099" fontAlgn="base">
-              <a:spcBef>
-                <a:spcPct val="0"/>
-              </a:spcBef>
-              <a:spcAft>
-                <a:spcPct val="0"/>
-              </a:spcAft>
-            </a:pPr>
-            <a:r>
-              <a:rPr lang="en-US" sz="2200" dirty="0">
-                <a:solidFill>
-                  <a:schemeClr val="tx1"/>
-                </a:solidFill>
-                <a:latin typeface="Lucida Console" panose="020B0609040504020204" pitchFamily="49" charset="0"/>
-              </a:rPr>
-              <a:t> SELECT </a:t>
-            </a:r>
-            <a:r>
-              <a:rPr lang="en-US" sz="2200" dirty="0" smtClean="0">
-                <a:solidFill>
-                  <a:schemeClr val="tx1"/>
-                </a:solidFill>
-                <a:latin typeface="Lucida Console" panose="020B0609040504020204" pitchFamily="49" charset="0"/>
-              </a:rPr>
-              <a:t>S1.Time, S1.ID</a:t>
-            </a:r>
-            <a:r>
-              <a:rPr lang="en-US" sz="2200" dirty="0">
-                <a:solidFill>
-                  <a:schemeClr val="tx1"/>
-                </a:solidFill>
-                <a:latin typeface="Lucida Console" panose="020B0609040504020204" pitchFamily="49" charset="0"/>
-              </a:rPr>
-              <a:t>, S1.Temperature, S2.Voltage</a:t>
-            </a:r>
-          </a:p>
-          <a:p>
-            <a:pPr defTabSz="914099" fontAlgn="base">
-              <a:spcBef>
-                <a:spcPct val="0"/>
-              </a:spcBef>
-              <a:spcAft>
-                <a:spcPct val="0"/>
-              </a:spcAft>
-            </a:pPr>
-            <a:r>
-              <a:rPr lang="en-US" sz="2200" dirty="0" smtClean="0">
-                <a:solidFill>
-                  <a:schemeClr val="tx1"/>
-                </a:solidFill>
-                <a:latin typeface="Lucida Console" panose="020B0609040504020204" pitchFamily="49" charset="0"/>
-              </a:rPr>
-              <a:t> FROM </a:t>
-            </a:r>
-            <a:r>
-              <a:rPr lang="en-US" sz="2200" dirty="0" err="1">
-                <a:solidFill>
-                  <a:schemeClr val="tx1"/>
-                </a:solidFill>
-                <a:latin typeface="Lucida Console" panose="020B0609040504020204" pitchFamily="49" charset="0"/>
-              </a:rPr>
-              <a:t>TemperatureData</a:t>
-            </a:r>
-            <a:r>
-              <a:rPr lang="en-US" sz="2200" dirty="0">
-                <a:solidFill>
-                  <a:schemeClr val="tx1"/>
-                </a:solidFill>
-                <a:latin typeface="Lucida Console" panose="020B0609040504020204" pitchFamily="49" charset="0"/>
-              </a:rPr>
-              <a:t> S1</a:t>
-            </a:r>
-          </a:p>
-          <a:p>
-            <a:pPr defTabSz="914099" fontAlgn="base">
-              <a:spcBef>
-                <a:spcPct val="0"/>
-              </a:spcBef>
-              <a:spcAft>
-                <a:spcPct val="0"/>
-              </a:spcAft>
-            </a:pPr>
-            <a:r>
-              <a:rPr lang="en-US" sz="2200" dirty="0" smtClean="0">
-                <a:solidFill>
-                  <a:schemeClr val="tx1"/>
-                </a:solidFill>
-                <a:latin typeface="Lucida Console" panose="020B0609040504020204" pitchFamily="49" charset="0"/>
-              </a:rPr>
-              <a:t> JOIN </a:t>
-            </a:r>
-            <a:r>
-              <a:rPr lang="en-US" sz="2200" dirty="0" err="1">
-                <a:solidFill>
-                  <a:schemeClr val="tx1"/>
-                </a:solidFill>
-                <a:latin typeface="Lucida Console" panose="020B0609040504020204" pitchFamily="49" charset="0"/>
-              </a:rPr>
-              <a:t>VoltageData</a:t>
-            </a:r>
-            <a:r>
-              <a:rPr lang="en-US" sz="2200" dirty="0">
-                <a:solidFill>
-                  <a:schemeClr val="tx1"/>
-                </a:solidFill>
-                <a:latin typeface="Lucida Console" panose="020B0609040504020204" pitchFamily="49" charset="0"/>
-              </a:rPr>
-              <a:t> S2</a:t>
-            </a:r>
-          </a:p>
-          <a:p>
-            <a:pPr defTabSz="914099" fontAlgn="base">
-              <a:spcBef>
-                <a:spcPct val="0"/>
-              </a:spcBef>
-              <a:spcAft>
-                <a:spcPct val="0"/>
-              </a:spcAft>
-            </a:pPr>
-            <a:r>
-              <a:rPr lang="en-US" sz="2200" dirty="0" smtClean="0">
-                <a:solidFill>
-                  <a:schemeClr val="tx1"/>
-                </a:solidFill>
-                <a:latin typeface="Lucida Console" panose="020B0609040504020204" pitchFamily="49" charset="0"/>
-              </a:rPr>
-              <a:t> ON </a:t>
-            </a:r>
-            <a:r>
-              <a:rPr lang="en-US" sz="2200" dirty="0">
-                <a:solidFill>
-                  <a:schemeClr val="tx1"/>
-                </a:solidFill>
-                <a:latin typeface="Lucida Console" panose="020B0609040504020204" pitchFamily="49" charset="0"/>
-              </a:rPr>
-              <a:t>S1.ID = S2.ID</a:t>
-            </a:r>
-          </a:p>
-          <a:p>
-            <a:pPr defTabSz="914099" fontAlgn="base">
-              <a:spcBef>
-                <a:spcPct val="0"/>
-              </a:spcBef>
-              <a:spcAft>
-                <a:spcPct val="0"/>
-              </a:spcAft>
-            </a:pPr>
-            <a:r>
-              <a:rPr lang="en-US" sz="2200" dirty="0" smtClean="0">
-                <a:solidFill>
-                  <a:schemeClr val="tx1"/>
-                </a:solidFill>
-                <a:latin typeface="Lucida Console" panose="020B0609040504020204" pitchFamily="49" charset="0"/>
-              </a:rPr>
-              <a:t> AND </a:t>
-            </a:r>
-            <a:r>
-              <a:rPr lang="en-US" sz="2200" dirty="0">
-                <a:solidFill>
-                  <a:schemeClr val="tx1"/>
-                </a:solidFill>
-                <a:latin typeface="Lucida Console" panose="020B0609040504020204" pitchFamily="49" charset="0"/>
-              </a:rPr>
-              <a:t>DATEDIFF(s, s1, s2) BETWEEN 0 AND </a:t>
-            </a:r>
-            <a:r>
-              <a:rPr lang="en-US" sz="2200" dirty="0" smtClean="0">
-                <a:solidFill>
-                  <a:schemeClr val="tx1"/>
-                </a:solidFill>
-                <a:latin typeface="Lucida Console" panose="020B0609040504020204" pitchFamily="49" charset="0"/>
-              </a:rPr>
-              <a:t>5</a:t>
-            </a:r>
-          </a:p>
-          <a:p>
-            <a:pPr defTabSz="914099" fontAlgn="base">
-              <a:spcBef>
-                <a:spcPct val="0"/>
-              </a:spcBef>
-              <a:spcAft>
-                <a:spcPct val="0"/>
-              </a:spcAft>
-            </a:pPr>
-            <a:r>
-              <a:rPr lang="en-US" sz="2200" dirty="0">
-                <a:solidFill>
-                  <a:schemeClr val="tx1"/>
-                </a:solidFill>
-                <a:latin typeface="Lucida Console" panose="020B0609040504020204" pitchFamily="49" charset="0"/>
-              </a:rPr>
-              <a:t> </a:t>
-            </a:r>
-            <a:r>
-              <a:rPr lang="en-US" sz="2200" dirty="0" smtClean="0">
-                <a:solidFill>
-                  <a:schemeClr val="tx1"/>
-                </a:solidFill>
-                <a:latin typeface="Lucida Console" panose="020B0609040504020204" pitchFamily="49" charset="0"/>
-              </a:rPr>
-              <a:t>WHERE S1.Temperature &gt; 150 OR S2.Voltage &gt; 32</a:t>
-            </a:r>
-            <a:endParaRPr lang="en-US" sz="2200" dirty="0">
-              <a:solidFill>
-                <a:schemeClr val="tx1"/>
-              </a:solidFill>
-              <a:latin typeface="Lucida Console" panose="020B0609040504020204" pitchFamily="49" charset="0"/>
-            </a:endParaRPr>
-          </a:p>
-        </p:txBody>
-      </p:sp>
-      <p:pic>
-        <p:nvPicPr>
-          <p:cNvPr id="3" name="Picture 2"/>
-          <p:cNvPicPr>
-            <a:picLocks noChangeAspect="1"/>
-          </p:cNvPicPr>
-          <p:nvPr/>
-        </p:nvPicPr>
-        <p:blipFill>
-          <a:blip r:embed="rId2"/>
-          <a:stretch>
-            <a:fillRect/>
-          </a:stretch>
-        </p:blipFill>
-        <p:spPr>
-          <a:xfrm>
-            <a:off x="876001" y="4726874"/>
-            <a:ext cx="10474672" cy="1246414"/>
-          </a:xfrm>
-          <a:prstGeom prst="rect">
-            <a:avLst/>
-          </a:prstGeom>
-          <a:ln>
-            <a:solidFill>
-              <a:schemeClr val="tx1">
-                <a:lumMod val="25000"/>
-                <a:lumOff val="75000"/>
-              </a:schemeClr>
-            </a:solidFill>
-          </a:ln>
-        </p:spPr>
-      </p:pic>
-    </p:spTree>
-    <p:extLst>
-      <p:ext uri="{BB962C8B-B14F-4D97-AF65-F5344CB8AC3E}">
-        <p14:creationId xmlns:p14="http://schemas.microsoft.com/office/powerpoint/2010/main" val="3214649679"/>
-      </p:ext>
-    </p:extLst>
-  </p:cSld>
-  <p:clrMapOvr>
-    <a:masterClrMapping/>
-  </p:clrMapOvr>
-  <p:transition>
-    <p:fade/>
-  </p:transition>
-  <p:timing>
-    <p:tnLst>
-      <p:par>
-        <p:cTn id="1" dur="indefinite" restart="never" nodeType="tmRoot"/>
-      </p:par>
-    </p:tnLst>
-  </p:timing>
-</p:sld>
-</file>
-
-<file path=ppt/slides/slide11.xml><?xml version="1.0" encoding="utf-8"?>
-<p:sld xmlns:a="http://schemas.openxmlformats.org/drawingml/2006/main" xmlns:r="http://schemas.openxmlformats.org/officeDocument/2006/relationships" xmlns:p="http://schemas.openxmlformats.org/presentationml/2006/main">
-  <p:cSld>
-    <p:spTree>
-      <p:nvGrpSpPr>
-        <p:cNvPr id="1" name=""/>
-        <p:cNvGrpSpPr/>
-        <p:nvPr/>
-      </p:nvGrpSpPr>
-      <p:grpSpPr>
-        <a:xfrm>
-          <a:off x="0" y="0"/>
-          <a:ext cx="0" cy="0"/>
-          <a:chOff x="0" y="0"/>
-          <a:chExt cx="0" cy="0"/>
-        </a:xfrm>
-      </p:grpSpPr>
-      <p:sp>
-        <p:nvSpPr>
-          <p:cNvPr id="2" name="Title 1"/>
-          <p:cNvSpPr>
-            <a:spLocks noGrp="1"/>
-          </p:cNvSpPr>
-          <p:nvPr>
-            <p:ph type="title"/>
-          </p:nvPr>
-        </p:nvSpPr>
-        <p:spPr>
-          <a:xfrm>
-            <a:off x="519249" y="228603"/>
-            <a:ext cx="11151917" cy="747641"/>
-          </a:xfrm>
-        </p:spPr>
-        <p:txBody>
-          <a:bodyPr/>
-          <a:lstStyle/>
-          <a:p>
-            <a:r>
-              <a:rPr lang="en-US" dirty="0" smtClean="0"/>
-              <a:t>Replacing Arrival Time with Event Time</a:t>
-            </a:r>
-            <a:endParaRPr lang="en-US" dirty="0"/>
-          </a:p>
-        </p:txBody>
-      </p:sp>
-      <p:sp>
-        <p:nvSpPr>
-          <p:cNvPr id="4" name="Rectangle 3"/>
-          <p:cNvSpPr/>
-          <p:nvPr/>
-        </p:nvSpPr>
-        <p:spPr bwMode="auto">
-          <a:xfrm>
-            <a:off x="876001" y="1696128"/>
-            <a:ext cx="10438410" cy="2662116"/>
-          </a:xfrm>
-          <a:prstGeom prst="rect">
-            <a:avLst/>
-          </a:prstGeom>
-          <a:solidFill>
-            <a:schemeClr val="tx1">
-              <a:lumMod val="10000"/>
-              <a:lumOff val="90000"/>
-            </a:schemeClr>
-          </a:solidFill>
-          <a:ln w="38100">
-            <a:solidFill>
-              <a:schemeClr val="tx1">
-                <a:lumMod val="50000"/>
-                <a:lumOff val="50000"/>
-              </a:schemeClr>
-            </a:solidFill>
-            <a:headEnd type="none" w="med" len="med"/>
-            <a:tailEnd type="none" w="med" len="med"/>
-          </a:ln>
-          <a:effectLst/>
-        </p:spPr>
-        <p:style>
-          <a:lnRef idx="1">
-            <a:schemeClr val="accent2"/>
-          </a:lnRef>
-          <a:fillRef idx="3">
-            <a:schemeClr val="accent2"/>
-          </a:fillRef>
-          <a:effectRef idx="2">
-            <a:schemeClr val="accent2"/>
-          </a:effectRef>
-          <a:fontRef idx="minor">
-            <a:schemeClr val="lt1"/>
-          </a:fontRef>
-        </p:style>
-        <p:txBody>
-          <a:bodyPr vert="horz" wrap="square" lIns="91436" tIns="45718" rIns="91436" bIns="45718" numCol="1" rtlCol="0" anchor="ctr" anchorCtr="0" compatLnSpc="1">
-            <a:prstTxWarp prst="textNoShape">
-              <a:avLst/>
-            </a:prstTxWarp>
-          </a:bodyPr>
-          <a:lstStyle/>
-          <a:p>
-            <a:pPr defTabSz="914099" fontAlgn="base">
-              <a:spcBef>
-                <a:spcPct val="0"/>
-              </a:spcBef>
-              <a:spcAft>
-                <a:spcPct val="0"/>
-              </a:spcAft>
-            </a:pPr>
-            <a:r>
-              <a:rPr lang="en-US" sz="2200" dirty="0">
-                <a:solidFill>
-                  <a:schemeClr val="tx1"/>
-                </a:solidFill>
-                <a:latin typeface="Lucida Console" panose="020B0609040504020204" pitchFamily="49" charset="0"/>
-              </a:rPr>
-              <a:t> SELECT S1.ID, S1.Temperature, S2.Voltage</a:t>
-            </a:r>
-          </a:p>
-          <a:p>
-            <a:pPr defTabSz="914099" fontAlgn="base">
-              <a:spcBef>
-                <a:spcPct val="0"/>
-              </a:spcBef>
-              <a:spcAft>
-                <a:spcPct val="0"/>
-              </a:spcAft>
-            </a:pPr>
-            <a:r>
-              <a:rPr lang="en-US" sz="2200" dirty="0" smtClean="0">
-                <a:solidFill>
-                  <a:schemeClr val="tx1"/>
-                </a:solidFill>
-                <a:latin typeface="Lucida Console" panose="020B0609040504020204" pitchFamily="49" charset="0"/>
-              </a:rPr>
-              <a:t> FROM </a:t>
-            </a:r>
-            <a:r>
-              <a:rPr lang="en-US" sz="2200" dirty="0" err="1">
-                <a:solidFill>
-                  <a:schemeClr val="tx1"/>
-                </a:solidFill>
-                <a:latin typeface="Lucida Console" panose="020B0609040504020204" pitchFamily="49" charset="0"/>
-              </a:rPr>
-              <a:t>TemperatureData</a:t>
-            </a:r>
-            <a:r>
-              <a:rPr lang="en-US" sz="2200" dirty="0">
-                <a:solidFill>
-                  <a:schemeClr val="tx1"/>
-                </a:solidFill>
-                <a:latin typeface="Lucida Console" panose="020B0609040504020204" pitchFamily="49" charset="0"/>
-              </a:rPr>
-              <a:t> </a:t>
-            </a:r>
-            <a:r>
-              <a:rPr lang="en-US" sz="2200" dirty="0" smtClean="0">
-                <a:solidFill>
-                  <a:schemeClr val="tx1"/>
-                </a:solidFill>
-                <a:latin typeface="Lucida Console" panose="020B0609040504020204" pitchFamily="49" charset="0"/>
-              </a:rPr>
-              <a:t>S1 </a:t>
-            </a:r>
-            <a:r>
-              <a:rPr lang="en-US" sz="2200" dirty="0" smtClean="0">
-                <a:solidFill>
-                  <a:schemeClr val="accent1"/>
-                </a:solidFill>
-                <a:latin typeface="Lucida Console" panose="020B0609040504020204" pitchFamily="49" charset="0"/>
-              </a:rPr>
-              <a:t>TIMESTAMP BY Time</a:t>
-            </a:r>
-            <a:endParaRPr lang="en-US" sz="2200" dirty="0">
-              <a:solidFill>
-                <a:schemeClr val="accent1"/>
-              </a:solidFill>
-              <a:latin typeface="Lucida Console" panose="020B0609040504020204" pitchFamily="49" charset="0"/>
-            </a:endParaRPr>
-          </a:p>
-          <a:p>
-            <a:pPr defTabSz="914099" fontAlgn="base">
-              <a:spcBef>
-                <a:spcPct val="0"/>
-              </a:spcBef>
-              <a:spcAft>
-                <a:spcPct val="0"/>
-              </a:spcAft>
-            </a:pPr>
-            <a:r>
-              <a:rPr lang="en-US" sz="2200" dirty="0" smtClean="0">
-                <a:solidFill>
-                  <a:schemeClr val="tx1"/>
-                </a:solidFill>
-                <a:latin typeface="Lucida Console" panose="020B0609040504020204" pitchFamily="49" charset="0"/>
-              </a:rPr>
-              <a:t> JOIN </a:t>
-            </a:r>
-            <a:r>
-              <a:rPr lang="en-US" sz="2200" dirty="0" err="1">
-                <a:solidFill>
-                  <a:schemeClr val="tx1"/>
-                </a:solidFill>
-                <a:latin typeface="Lucida Console" panose="020B0609040504020204" pitchFamily="49" charset="0"/>
-              </a:rPr>
-              <a:t>VoltageData</a:t>
-            </a:r>
-            <a:r>
-              <a:rPr lang="en-US" sz="2200" dirty="0">
-                <a:solidFill>
-                  <a:schemeClr val="tx1"/>
-                </a:solidFill>
-                <a:latin typeface="Lucida Console" panose="020B0609040504020204" pitchFamily="49" charset="0"/>
-              </a:rPr>
-              <a:t> </a:t>
-            </a:r>
-            <a:r>
-              <a:rPr lang="en-US" sz="2200" dirty="0" smtClean="0">
-                <a:solidFill>
-                  <a:schemeClr val="tx1"/>
-                </a:solidFill>
-                <a:latin typeface="Lucida Console" panose="020B0609040504020204" pitchFamily="49" charset="0"/>
-              </a:rPr>
-              <a:t>S2 </a:t>
-            </a:r>
-            <a:r>
-              <a:rPr lang="en-US" sz="2200" dirty="0" smtClean="0">
-                <a:solidFill>
-                  <a:schemeClr val="accent1"/>
-                </a:solidFill>
-                <a:latin typeface="Lucida Console" panose="020B0609040504020204" pitchFamily="49" charset="0"/>
-              </a:rPr>
-              <a:t>TIMESTAMP BY Time</a:t>
-            </a:r>
-            <a:endParaRPr lang="en-US" sz="2200" dirty="0">
-              <a:solidFill>
-                <a:schemeClr val="accent1"/>
-              </a:solidFill>
-              <a:latin typeface="Lucida Console" panose="020B0609040504020204" pitchFamily="49" charset="0"/>
-            </a:endParaRPr>
-          </a:p>
-          <a:p>
-            <a:pPr defTabSz="914099" fontAlgn="base">
-              <a:spcBef>
-                <a:spcPct val="0"/>
-              </a:spcBef>
-              <a:spcAft>
-                <a:spcPct val="0"/>
-              </a:spcAft>
-            </a:pPr>
-            <a:r>
-              <a:rPr lang="en-US" sz="2200" dirty="0" smtClean="0">
-                <a:solidFill>
-                  <a:schemeClr val="tx1"/>
-                </a:solidFill>
-                <a:latin typeface="Lucida Console" panose="020B0609040504020204" pitchFamily="49" charset="0"/>
-              </a:rPr>
-              <a:t> ON </a:t>
-            </a:r>
-            <a:r>
-              <a:rPr lang="en-US" sz="2200" dirty="0">
-                <a:solidFill>
-                  <a:schemeClr val="tx1"/>
-                </a:solidFill>
-                <a:latin typeface="Lucida Console" panose="020B0609040504020204" pitchFamily="49" charset="0"/>
-              </a:rPr>
-              <a:t>S1.ID = S2.ID</a:t>
-            </a:r>
-          </a:p>
-          <a:p>
-            <a:pPr defTabSz="914099" fontAlgn="base">
-              <a:spcBef>
-                <a:spcPct val="0"/>
-              </a:spcBef>
-              <a:spcAft>
-                <a:spcPct val="0"/>
-              </a:spcAft>
-            </a:pPr>
-            <a:r>
-              <a:rPr lang="en-US" sz="2200" dirty="0" smtClean="0">
-                <a:solidFill>
-                  <a:schemeClr val="tx1"/>
-                </a:solidFill>
-                <a:latin typeface="Lucida Console" panose="020B0609040504020204" pitchFamily="49" charset="0"/>
-              </a:rPr>
-              <a:t> AND </a:t>
-            </a:r>
-            <a:r>
-              <a:rPr lang="en-US" sz="2200" dirty="0">
-                <a:solidFill>
-                  <a:schemeClr val="tx1"/>
-                </a:solidFill>
-                <a:latin typeface="Lucida Console" panose="020B0609040504020204" pitchFamily="49" charset="0"/>
-              </a:rPr>
-              <a:t>DATEDIFF(s, s1, s2) BETWEEN 0 AND </a:t>
-            </a:r>
-            <a:r>
-              <a:rPr lang="en-US" sz="2200" dirty="0" smtClean="0">
-                <a:solidFill>
-                  <a:schemeClr val="tx1"/>
-                </a:solidFill>
-                <a:latin typeface="Lucida Console" panose="020B0609040504020204" pitchFamily="49" charset="0"/>
-              </a:rPr>
-              <a:t>5</a:t>
-            </a:r>
-          </a:p>
-          <a:p>
-            <a:pPr defTabSz="914099" fontAlgn="base">
-              <a:spcBef>
-                <a:spcPct val="0"/>
-              </a:spcBef>
-              <a:spcAft>
-                <a:spcPct val="0"/>
-              </a:spcAft>
-            </a:pPr>
-            <a:r>
-              <a:rPr lang="en-US" sz="2200" dirty="0" smtClean="0">
-                <a:solidFill>
-                  <a:schemeClr val="tx1"/>
-                </a:solidFill>
-                <a:latin typeface="Lucida Console" panose="020B0609040504020204" pitchFamily="49" charset="0"/>
-              </a:rPr>
-              <a:t> WHERE </a:t>
-            </a:r>
-            <a:r>
-              <a:rPr lang="en-US" sz="2200" dirty="0">
-                <a:solidFill>
-                  <a:schemeClr val="tx1"/>
-                </a:solidFill>
-                <a:latin typeface="Lucida Console" panose="020B0609040504020204" pitchFamily="49" charset="0"/>
-              </a:rPr>
-              <a:t>S1.Temperature &gt; 150 OR S2.Voltage &gt; </a:t>
-            </a:r>
-            <a:r>
-              <a:rPr lang="en-US" sz="2200" dirty="0" smtClean="0">
-                <a:solidFill>
-                  <a:schemeClr val="tx1"/>
-                </a:solidFill>
-                <a:latin typeface="Lucida Console" panose="020B0609040504020204" pitchFamily="49" charset="0"/>
-              </a:rPr>
-              <a:t>32</a:t>
-            </a:r>
-            <a:endParaRPr lang="en-US" sz="2200" dirty="0">
-              <a:solidFill>
-                <a:schemeClr val="tx1"/>
-              </a:solidFill>
-              <a:latin typeface="Lucida Console" panose="020B0609040504020204" pitchFamily="49" charset="0"/>
-            </a:endParaRPr>
-          </a:p>
-        </p:txBody>
-      </p:sp>
-      <p:pic>
-        <p:nvPicPr>
-          <p:cNvPr id="3" name="Picture 2"/>
-          <p:cNvPicPr>
-            <a:picLocks noChangeAspect="1"/>
-          </p:cNvPicPr>
-          <p:nvPr/>
-        </p:nvPicPr>
-        <p:blipFill>
-          <a:blip r:embed="rId2"/>
-          <a:stretch>
-            <a:fillRect/>
-          </a:stretch>
-        </p:blipFill>
-        <p:spPr>
-          <a:xfrm>
-            <a:off x="876001" y="4726873"/>
-            <a:ext cx="10489346" cy="1263052"/>
-          </a:xfrm>
-          <a:prstGeom prst="rect">
-            <a:avLst/>
-          </a:prstGeom>
-          <a:ln>
-            <a:solidFill>
-              <a:schemeClr val="tx1">
-                <a:lumMod val="25000"/>
-                <a:lumOff val="75000"/>
-              </a:schemeClr>
-            </a:solidFill>
-          </a:ln>
-        </p:spPr>
-      </p:pic>
-    </p:spTree>
-    <p:extLst>
-      <p:ext uri="{BB962C8B-B14F-4D97-AF65-F5344CB8AC3E}">
-        <p14:creationId xmlns:p14="http://schemas.microsoft.com/office/powerpoint/2010/main" val="4025450887"/>
-      </p:ext>
-    </p:extLst>
-  </p:cSld>
-  <p:clrMapOvr>
-    <a:masterClrMapping/>
-  </p:clrMapOvr>
-  <p:transition>
-    <p:fade/>
-  </p:transition>
-  <p:timing>
-    <p:tnLst>
-      <p:par>
-        <p:cTn id="1" dur="indefinite" restart="never" nodeType="tmRoot"/>
-      </p:par>
-    </p:tnLst>
-  </p:timing>
-</p:sld>
-</file>
-
-<file path=ppt/slides/slide12.xml><?xml version="1.0" encoding="utf-8"?>
-<p:sld xmlns:a="http://schemas.openxmlformats.org/drawingml/2006/main" xmlns:r="http://schemas.openxmlformats.org/officeDocument/2006/relationships" xmlns:p="http://schemas.openxmlformats.org/presentationml/2006/main">
-  <p:cSld>
-    <p:spTree>
-      <p:nvGrpSpPr>
-        <p:cNvPr id="1" name=""/>
-        <p:cNvGrpSpPr/>
-        <p:nvPr/>
-      </p:nvGrpSpPr>
-      <p:grpSpPr>
-        <a:xfrm>
-          <a:off x="0" y="0"/>
-          <a:ext cx="0" cy="0"/>
-          <a:chOff x="0" y="0"/>
-          <a:chExt cx="0" cy="0"/>
-        </a:xfrm>
-      </p:grpSpPr>
-      <p:sp>
-        <p:nvSpPr>
-          <p:cNvPr id="2" name="Title 1"/>
-          <p:cNvSpPr>
-            <a:spLocks noGrp="1"/>
-          </p:cNvSpPr>
-          <p:nvPr>
-            <p:ph type="title"/>
-          </p:nvPr>
-        </p:nvSpPr>
-        <p:spPr/>
-        <p:txBody>
-          <a:bodyPr/>
-          <a:lstStyle/>
-          <a:p>
-            <a:r>
-              <a:rPr lang="en-US" dirty="0" smtClean="0"/>
               <a:t>Windowing</a:t>
             </a:r>
             <a:endParaRPr lang="en-US" dirty="0"/>
@@ -15170,7 +14403,7 @@
 </p:sld>
 </file>
 
-<file path=ppt/slides/slide13.xml><?xml version="1.0" encoding="utf-8"?>
+<file path=ppt/slides/slide11.xml><?xml version="1.0" encoding="utf-8"?>
 <p:sld xmlns:a="http://schemas.openxmlformats.org/drawingml/2006/main" xmlns:r="http://schemas.openxmlformats.org/officeDocument/2006/relationships" xmlns:p="http://schemas.openxmlformats.org/presentationml/2006/main">
   <p:cSld>
     <p:spTree>
@@ -15514,117 +14747,7 @@
 </p:sld>
 </file>
 
-<file path=ppt/slides/slide14.xml><?xml version="1.0" encoding="utf-8"?>
-<p:sld xmlns:a="http://schemas.openxmlformats.org/drawingml/2006/main" xmlns:r="http://schemas.openxmlformats.org/officeDocument/2006/relationships" xmlns:p="http://schemas.openxmlformats.org/presentationml/2006/main">
-  <p:cSld>
-    <p:spTree>
-      <p:nvGrpSpPr>
-        <p:cNvPr id="1" name=""/>
-        <p:cNvGrpSpPr/>
-        <p:nvPr/>
-      </p:nvGrpSpPr>
-      <p:grpSpPr>
-        <a:xfrm>
-          <a:off x="0" y="0"/>
-          <a:ext cx="0" cy="0"/>
-          <a:chOff x="0" y="0"/>
-          <a:chExt cx="0" cy="0"/>
-        </a:xfrm>
-      </p:grpSpPr>
-      <p:sp>
-        <p:nvSpPr>
-          <p:cNvPr id="2" name="Title 1"/>
-          <p:cNvSpPr>
-            <a:spLocks noGrp="1"/>
-          </p:cNvSpPr>
-          <p:nvPr>
-            <p:ph type="ctrTitle"/>
-          </p:nvPr>
-        </p:nvSpPr>
-        <p:spPr>
-          <a:xfrm>
-            <a:off x="1889616" y="1447800"/>
-            <a:ext cx="7076253" cy="1523494"/>
-          </a:xfrm>
-        </p:spPr>
-        <p:txBody>
-          <a:bodyPr/>
-          <a:lstStyle/>
-          <a:p>
-            <a:r>
-              <a:rPr lang="en-US" dirty="0" smtClean="0"/>
-              <a:t>Demo</a:t>
-            </a:r>
-            <a:endParaRPr lang="en-US" dirty="0"/>
-          </a:p>
-        </p:txBody>
-      </p:sp>
-      <p:sp>
-        <p:nvSpPr>
-          <p:cNvPr id="3" name="Subtitle 2"/>
-          <p:cNvSpPr>
-            <a:spLocks noGrp="1"/>
-          </p:cNvSpPr>
-          <p:nvPr>
-            <p:ph type="subTitle" idx="1"/>
-          </p:nvPr>
-        </p:nvSpPr>
-        <p:spPr/>
-        <p:txBody>
-          <a:bodyPr/>
-          <a:lstStyle/>
-          <a:p>
-            <a:endParaRPr lang="en-US"/>
-          </a:p>
-        </p:txBody>
-      </p:sp>
-      <p:sp>
-        <p:nvSpPr>
-          <p:cNvPr id="4" name="Text Placeholder 3"/>
-          <p:cNvSpPr>
-            <a:spLocks noGrp="1"/>
-          </p:cNvSpPr>
-          <p:nvPr>
-            <p:ph type="body" sz="quarter" idx="10"/>
-          </p:nvPr>
-        </p:nvSpPr>
-        <p:spPr/>
-        <p:txBody>
-          <a:bodyPr/>
-          <a:lstStyle/>
-          <a:p>
-            <a:r>
-              <a:rPr lang="en-US" dirty="0" smtClean="0"/>
-              <a:t>Stream Analytics Queries</a:t>
-            </a:r>
-            <a:endParaRPr lang="en-US" dirty="0"/>
-          </a:p>
-        </p:txBody>
-      </p:sp>
-    </p:spTree>
-    <p:extLst>
-      <p:ext uri="{BB962C8B-B14F-4D97-AF65-F5344CB8AC3E}">
-        <p14:creationId xmlns:p14="http://schemas.microsoft.com/office/powerpoint/2010/main" val="505314086"/>
-      </p:ext>
-    </p:extLst>
-  </p:cSld>
-  <p:clrMapOvr>
-    <a:masterClrMapping/>
-  </p:clrMapOvr>
-  <p:transition>
-    <p:fade/>
-  </p:transition>
-  <p:timing>
-    <p:tnLst>
-      <p:par>
-        <p:cTn id="1" dur="indefinite" restart="never" nodeType="tmRoot"/>
-      </p:par>
-    </p:tnLst>
-  </p:timing>
-</p:sld>
-</file>
-
-<file path=ppt/slides/slide15.xml><?xml version="1.0" encoding="utf-8"?>
+<file path=ppt/slides/slide12.xml><?xml version="1.0" encoding="utf-8"?>
 <p:sld xmlns:a="http://schemas.openxmlformats.org/drawingml/2006/main" xmlns:r="http://schemas.openxmlformats.org/officeDocument/2006/relationships" xmlns:p="http://schemas.openxmlformats.org/presentationml/2006/main">
   <p:cSld>
     <p:spTree>
@@ -16265,111 +15388,6 @@
             <a:spLocks noGrp="1"/>
           </p:cNvSpPr>
           <p:nvPr>
-            <p:ph type="ctrTitle"/>
-          </p:nvPr>
-        </p:nvSpPr>
-        <p:spPr/>
-        <p:txBody>
-          <a:bodyPr/>
-          <a:lstStyle/>
-          <a:p>
-            <a:r>
-              <a:rPr lang="en-US" dirty="0" smtClean="0"/>
-              <a:t>Demo</a:t>
-            </a:r>
-            <a:endParaRPr lang="en-US" dirty="0"/>
-          </a:p>
-        </p:txBody>
-      </p:sp>
-      <p:sp>
-        <p:nvSpPr>
-          <p:cNvPr id="3" name="Subtitle 2"/>
-          <p:cNvSpPr>
-            <a:spLocks noGrp="1"/>
-          </p:cNvSpPr>
-          <p:nvPr>
-            <p:ph type="subTitle" idx="1"/>
-          </p:nvPr>
-        </p:nvSpPr>
-        <p:spPr/>
-        <p:txBody>
-          <a:bodyPr/>
-          <a:lstStyle/>
-          <a:p>
-            <a:endParaRPr lang="en-US"/>
-          </a:p>
-        </p:txBody>
-      </p:sp>
-      <p:sp>
-        <p:nvSpPr>
-          <p:cNvPr id="4" name="Text Placeholder 3"/>
-          <p:cNvSpPr>
-            <a:spLocks noGrp="1"/>
-          </p:cNvSpPr>
-          <p:nvPr>
-            <p:ph type="body" sz="quarter" idx="10"/>
-          </p:nvPr>
-        </p:nvSpPr>
-        <p:spPr/>
-        <p:txBody>
-          <a:bodyPr/>
-          <a:lstStyle/>
-          <a:p>
-            <a:r>
-              <a:rPr lang="en-US" dirty="0" smtClean="0"/>
-              <a:t>Creating a Stream Analytics Job</a:t>
-            </a:r>
-            <a:endParaRPr lang="en-US" dirty="0"/>
-          </a:p>
-        </p:txBody>
-      </p:sp>
-    </p:spTree>
-    <p:extLst>
-      <p:ext uri="{BB962C8B-B14F-4D97-AF65-F5344CB8AC3E}">
-        <p14:creationId xmlns:p14="http://schemas.microsoft.com/office/powerpoint/2010/main" val="1806792194"/>
-      </p:ext>
-    </p:extLst>
-  </p:cSld>
-  <p:clrMapOvr>
-    <a:masterClrMapping/>
-  </p:clrMapOvr>
-  <p:transition>
-    <p:fade/>
-  </p:transition>
-  <p:timing>
-    <p:tnLst>
-      <p:par>
-        <p:cTn id="1" dur="indefinite" restart="never" nodeType="tmRoot"/>
-      </p:par>
-    </p:tnLst>
-  </p:timing>
-</p:sld>
-</file>
-
-<file path=ppt/slides/slide7.xml><?xml version="1.0" encoding="utf-8"?>
-<p:sld xmlns:a="http://schemas.openxmlformats.org/drawingml/2006/main" xmlns:r="http://schemas.openxmlformats.org/officeDocument/2006/relationships" xmlns:p="http://schemas.openxmlformats.org/presentationml/2006/main">
-  <p:cSld>
-    <p:spTree>
-      <p:nvGrpSpPr>
-        <p:cNvPr id="1" name=""/>
-        <p:cNvGrpSpPr/>
-        <p:nvPr/>
-      </p:nvGrpSpPr>
-      <p:grpSpPr>
-        <a:xfrm>
-          <a:off x="0" y="0"/>
-          <a:ext cx="0" cy="0"/>
-          <a:chOff x="0" y="0"/>
-          <a:chExt cx="0" cy="0"/>
-        </a:xfrm>
-      </p:grpSpPr>
-      <p:sp>
-        <p:nvSpPr>
-          <p:cNvPr id="2" name="Title 1"/>
-          <p:cNvSpPr>
-            <a:spLocks noGrp="1"/>
-          </p:cNvSpPr>
-          <p:nvPr>
             <p:ph type="title"/>
           </p:nvPr>
         </p:nvSpPr>
@@ -16519,910 +15537,7 @@
 </p:sld>
 </file>
 
-<file path=ppt/slides/slide8.xml><?xml version="1.0" encoding="utf-8"?>
-<p:sld xmlns:a="http://schemas.openxmlformats.org/drawingml/2006/main" xmlns:r="http://schemas.openxmlformats.org/officeDocument/2006/relationships" xmlns:p="http://schemas.openxmlformats.org/presentationml/2006/main">
-  <p:cSld>
-    <p:spTree>
-      <p:nvGrpSpPr>
-        <p:cNvPr id="1" name=""/>
-        <p:cNvGrpSpPr/>
-        <p:nvPr/>
-      </p:nvGrpSpPr>
-      <p:grpSpPr>
-        <a:xfrm>
-          <a:off x="0" y="0"/>
-          <a:ext cx="0" cy="0"/>
-          <a:chOff x="0" y="0"/>
-          <a:chExt cx="0" cy="0"/>
-        </a:xfrm>
-      </p:grpSpPr>
-      <p:sp>
-        <p:nvSpPr>
-          <p:cNvPr id="2" name="Title 1"/>
-          <p:cNvSpPr>
-            <a:spLocks noGrp="1"/>
-          </p:cNvSpPr>
-          <p:nvPr>
-            <p:ph type="title"/>
-          </p:nvPr>
-        </p:nvSpPr>
-        <p:spPr/>
-        <p:txBody>
-          <a:bodyPr/>
-          <a:lstStyle/>
-          <a:p>
-            <a:r>
-              <a:rPr lang="en-US" dirty="0" smtClean="0"/>
-              <a:t>Data Manipulation Language (DML)</a:t>
-            </a:r>
-            <a:endParaRPr lang="en-US" dirty="0"/>
-          </a:p>
-        </p:txBody>
-      </p:sp>
-      <p:sp>
-        <p:nvSpPr>
-          <p:cNvPr id="4" name="Rectangle 3"/>
-          <p:cNvSpPr/>
-          <p:nvPr/>
-        </p:nvSpPr>
-        <p:spPr bwMode="auto">
-          <a:xfrm>
-            <a:off x="1092530" y="2006931"/>
-            <a:ext cx="3301340" cy="783771"/>
-          </a:xfrm>
-          <a:prstGeom prst="rect">
-            <a:avLst/>
-          </a:prstGeom>
-          <a:noFill/>
-          <a:ln w="57150">
-            <a:solidFill>
-              <a:srgbClr val="00AEEF"/>
-            </a:solidFill>
-            <a:headEnd type="none" w="med" len="med"/>
-            <a:tailEnd type="none" w="med" len="med"/>
-          </a:ln>
-          <a:effectLst/>
-        </p:spPr>
-        <p:style>
-          <a:lnRef idx="1">
-            <a:schemeClr val="accent2"/>
-          </a:lnRef>
-          <a:fillRef idx="3">
-            <a:schemeClr val="accent2"/>
-          </a:fillRef>
-          <a:effectRef idx="2">
-            <a:schemeClr val="accent2"/>
-          </a:effectRef>
-          <a:fontRef idx="minor">
-            <a:schemeClr val="lt1"/>
-          </a:fontRef>
-        </p:style>
-        <p:txBody>
-          <a:bodyPr vert="horz" wrap="square" lIns="91436" tIns="45718" rIns="91436" bIns="45718" numCol="1" rtlCol="0" anchor="ctr" anchorCtr="0" compatLnSpc="1">
-            <a:prstTxWarp prst="textNoShape">
-              <a:avLst/>
-            </a:prstTxWarp>
-          </a:bodyPr>
-          <a:lstStyle/>
-          <a:p>
-            <a:pPr algn="ctr" defTabSz="914099" fontAlgn="base">
-              <a:spcBef>
-                <a:spcPct val="0"/>
-              </a:spcBef>
-              <a:spcAft>
-                <a:spcPct val="0"/>
-              </a:spcAft>
-            </a:pPr>
-            <a:r>
-              <a:rPr lang="en-US" sz="2800" dirty="0" smtClean="0">
-                <a:solidFill>
-                  <a:srgbClr val="00AEEF"/>
-                </a:solidFill>
-              </a:rPr>
-              <a:t>SELECT</a:t>
-            </a:r>
-            <a:endParaRPr lang="en-US" sz="2200" dirty="0" smtClean="0">
-              <a:solidFill>
-                <a:srgbClr val="00AEEF"/>
-              </a:solidFill>
-            </a:endParaRPr>
-          </a:p>
-        </p:txBody>
-      </p:sp>
-      <p:sp>
-        <p:nvSpPr>
-          <p:cNvPr id="7" name="Rectangle 6"/>
-          <p:cNvSpPr/>
-          <p:nvPr/>
-        </p:nvSpPr>
-        <p:spPr bwMode="auto">
-          <a:xfrm>
-            <a:off x="1092530" y="2790702"/>
-            <a:ext cx="3301340" cy="783771"/>
-          </a:xfrm>
-          <a:prstGeom prst="rect">
-            <a:avLst/>
-          </a:prstGeom>
-          <a:noFill/>
-          <a:ln w="57150">
-            <a:solidFill>
-              <a:srgbClr val="00AEEF"/>
-            </a:solidFill>
-            <a:headEnd type="none" w="med" len="med"/>
-            <a:tailEnd type="none" w="med" len="med"/>
-          </a:ln>
-          <a:effectLst/>
-        </p:spPr>
-        <p:style>
-          <a:lnRef idx="1">
-            <a:schemeClr val="accent2"/>
-          </a:lnRef>
-          <a:fillRef idx="3">
-            <a:schemeClr val="accent2"/>
-          </a:fillRef>
-          <a:effectRef idx="2">
-            <a:schemeClr val="accent2"/>
-          </a:effectRef>
-          <a:fontRef idx="minor">
-            <a:schemeClr val="lt1"/>
-          </a:fontRef>
-        </p:style>
-        <p:txBody>
-          <a:bodyPr vert="horz" wrap="square" lIns="91436" tIns="45718" rIns="91436" bIns="45718" numCol="1" rtlCol="0" anchor="ctr" anchorCtr="0" compatLnSpc="1">
-            <a:prstTxWarp prst="textNoShape">
-              <a:avLst/>
-            </a:prstTxWarp>
-          </a:bodyPr>
-          <a:lstStyle/>
-          <a:p>
-            <a:pPr algn="ctr" defTabSz="914099" fontAlgn="base">
-              <a:spcBef>
-                <a:spcPct val="0"/>
-              </a:spcBef>
-              <a:spcAft>
-                <a:spcPct val="0"/>
-              </a:spcAft>
-            </a:pPr>
-            <a:r>
-              <a:rPr lang="en-US" sz="2800" dirty="0" smtClean="0">
-                <a:solidFill>
-                  <a:srgbClr val="00AEEF"/>
-                </a:solidFill>
-              </a:rPr>
-              <a:t>WHERE</a:t>
-            </a:r>
-            <a:endParaRPr lang="en-US" sz="2800" dirty="0">
-              <a:solidFill>
-                <a:srgbClr val="00AEEF"/>
-              </a:solidFill>
-            </a:endParaRPr>
-          </a:p>
-        </p:txBody>
-      </p:sp>
-      <p:sp>
-        <p:nvSpPr>
-          <p:cNvPr id="16" name="Rectangle 15"/>
-          <p:cNvSpPr/>
-          <p:nvPr/>
-        </p:nvSpPr>
-        <p:spPr bwMode="auto">
-          <a:xfrm>
-            <a:off x="1092530" y="3574473"/>
-            <a:ext cx="3301340" cy="783771"/>
-          </a:xfrm>
-          <a:prstGeom prst="rect">
-            <a:avLst/>
-          </a:prstGeom>
-          <a:noFill/>
-          <a:ln w="57150">
-            <a:solidFill>
-              <a:srgbClr val="00AEEF"/>
-            </a:solidFill>
-            <a:headEnd type="none" w="med" len="med"/>
-            <a:tailEnd type="none" w="med" len="med"/>
-          </a:ln>
-          <a:effectLst/>
-        </p:spPr>
-        <p:style>
-          <a:lnRef idx="1">
-            <a:schemeClr val="accent2"/>
-          </a:lnRef>
-          <a:fillRef idx="3">
-            <a:schemeClr val="accent2"/>
-          </a:fillRef>
-          <a:effectRef idx="2">
-            <a:schemeClr val="accent2"/>
-          </a:effectRef>
-          <a:fontRef idx="minor">
-            <a:schemeClr val="lt1"/>
-          </a:fontRef>
-        </p:style>
-        <p:txBody>
-          <a:bodyPr vert="horz" wrap="square" lIns="91436" tIns="45718" rIns="91436" bIns="45718" numCol="1" rtlCol="0" anchor="ctr" anchorCtr="0" compatLnSpc="1">
-            <a:prstTxWarp prst="textNoShape">
-              <a:avLst/>
-            </a:prstTxWarp>
-          </a:bodyPr>
-          <a:lstStyle/>
-          <a:p>
-            <a:pPr algn="ctr" defTabSz="914099" fontAlgn="base">
-              <a:spcBef>
-                <a:spcPct val="0"/>
-              </a:spcBef>
-              <a:spcAft>
-                <a:spcPct val="0"/>
-              </a:spcAft>
-            </a:pPr>
-            <a:r>
-              <a:rPr lang="en-US" sz="2800" dirty="0" smtClean="0">
-                <a:solidFill>
-                  <a:srgbClr val="00AEEF"/>
-                </a:solidFill>
-              </a:rPr>
-              <a:t>CASE</a:t>
-            </a:r>
-            <a:endParaRPr lang="en-US" sz="2800" dirty="0">
-              <a:solidFill>
-                <a:srgbClr val="00AEEF"/>
-              </a:solidFill>
-            </a:endParaRPr>
-          </a:p>
-        </p:txBody>
-      </p:sp>
-      <p:sp>
-        <p:nvSpPr>
-          <p:cNvPr id="17" name="Rectangle 16"/>
-          <p:cNvSpPr/>
-          <p:nvPr/>
-        </p:nvSpPr>
-        <p:spPr bwMode="auto">
-          <a:xfrm>
-            <a:off x="1092530" y="4358244"/>
-            <a:ext cx="3301340" cy="783771"/>
-          </a:xfrm>
-          <a:prstGeom prst="rect">
-            <a:avLst/>
-          </a:prstGeom>
-          <a:noFill/>
-          <a:ln w="57150">
-            <a:solidFill>
-              <a:srgbClr val="00AEEF"/>
-            </a:solidFill>
-            <a:headEnd type="none" w="med" len="med"/>
-            <a:tailEnd type="none" w="med" len="med"/>
-          </a:ln>
-          <a:effectLst/>
-        </p:spPr>
-        <p:style>
-          <a:lnRef idx="1">
-            <a:schemeClr val="accent2"/>
-          </a:lnRef>
-          <a:fillRef idx="3">
-            <a:schemeClr val="accent2"/>
-          </a:fillRef>
-          <a:effectRef idx="2">
-            <a:schemeClr val="accent2"/>
-          </a:effectRef>
-          <a:fontRef idx="minor">
-            <a:schemeClr val="lt1"/>
-          </a:fontRef>
-        </p:style>
-        <p:txBody>
-          <a:bodyPr vert="horz" wrap="square" lIns="91436" tIns="45718" rIns="91436" bIns="45718" numCol="1" rtlCol="0" anchor="ctr" anchorCtr="0" compatLnSpc="1">
-            <a:prstTxWarp prst="textNoShape">
-              <a:avLst/>
-            </a:prstTxWarp>
-          </a:bodyPr>
-          <a:lstStyle/>
-          <a:p>
-            <a:pPr algn="ctr" defTabSz="914099" fontAlgn="base">
-              <a:spcBef>
-                <a:spcPct val="0"/>
-              </a:spcBef>
-              <a:spcAft>
-                <a:spcPct val="0"/>
-              </a:spcAft>
-            </a:pPr>
-            <a:r>
-              <a:rPr lang="en-US" sz="2800" dirty="0" smtClean="0">
-                <a:solidFill>
-                  <a:srgbClr val="00AEEF"/>
-                </a:solidFill>
-              </a:rPr>
-              <a:t>UNION</a:t>
-            </a:r>
-            <a:endParaRPr lang="en-US" sz="2800" dirty="0">
-              <a:solidFill>
-                <a:srgbClr val="00AEEF"/>
-              </a:solidFill>
-            </a:endParaRPr>
-          </a:p>
-        </p:txBody>
-      </p:sp>
-      <p:sp>
-        <p:nvSpPr>
-          <p:cNvPr id="18" name="Rectangle 17"/>
-          <p:cNvSpPr/>
-          <p:nvPr/>
-        </p:nvSpPr>
-        <p:spPr bwMode="auto">
-          <a:xfrm>
-            <a:off x="4393870" y="2006931"/>
-            <a:ext cx="3301340" cy="783771"/>
-          </a:xfrm>
-          <a:prstGeom prst="rect">
-            <a:avLst/>
-          </a:prstGeom>
-          <a:noFill/>
-          <a:ln w="57150">
-            <a:solidFill>
-              <a:srgbClr val="00AEEF"/>
-            </a:solidFill>
-            <a:headEnd type="none" w="med" len="med"/>
-            <a:tailEnd type="none" w="med" len="med"/>
-          </a:ln>
-          <a:effectLst/>
-        </p:spPr>
-        <p:style>
-          <a:lnRef idx="1">
-            <a:schemeClr val="accent2"/>
-          </a:lnRef>
-          <a:fillRef idx="3">
-            <a:schemeClr val="accent2"/>
-          </a:fillRef>
-          <a:effectRef idx="2">
-            <a:schemeClr val="accent2"/>
-          </a:effectRef>
-          <a:fontRef idx="minor">
-            <a:schemeClr val="lt1"/>
-          </a:fontRef>
-        </p:style>
-        <p:txBody>
-          <a:bodyPr vert="horz" wrap="square" lIns="91436" tIns="45718" rIns="91436" bIns="45718" numCol="1" rtlCol="0" anchor="ctr" anchorCtr="0" compatLnSpc="1">
-            <a:prstTxWarp prst="textNoShape">
-              <a:avLst/>
-            </a:prstTxWarp>
-          </a:bodyPr>
-          <a:lstStyle/>
-          <a:p>
-            <a:pPr algn="ctr" defTabSz="914099" fontAlgn="base">
-              <a:spcBef>
-                <a:spcPct val="0"/>
-              </a:spcBef>
-              <a:spcAft>
-                <a:spcPct val="0"/>
-              </a:spcAft>
-            </a:pPr>
-            <a:r>
-              <a:rPr lang="en-US" sz="2800" dirty="0" smtClean="0">
-                <a:solidFill>
-                  <a:srgbClr val="00AEEF"/>
-                </a:solidFill>
-              </a:rPr>
-              <a:t>INTO</a:t>
-            </a:r>
-            <a:endParaRPr lang="en-US" sz="2200" dirty="0" smtClean="0">
-              <a:solidFill>
-                <a:srgbClr val="00AEEF"/>
-              </a:solidFill>
-            </a:endParaRPr>
-          </a:p>
-        </p:txBody>
-      </p:sp>
-      <p:sp>
-        <p:nvSpPr>
-          <p:cNvPr id="19" name="Rectangle 18"/>
-          <p:cNvSpPr/>
-          <p:nvPr/>
-        </p:nvSpPr>
-        <p:spPr bwMode="auto">
-          <a:xfrm>
-            <a:off x="4393870" y="2790702"/>
-            <a:ext cx="3301340" cy="783771"/>
-          </a:xfrm>
-          <a:prstGeom prst="rect">
-            <a:avLst/>
-          </a:prstGeom>
-          <a:noFill/>
-          <a:ln w="57150">
-            <a:solidFill>
-              <a:srgbClr val="00AEEF"/>
-            </a:solidFill>
-            <a:headEnd type="none" w="med" len="med"/>
-            <a:tailEnd type="none" w="med" len="med"/>
-          </a:ln>
-          <a:effectLst/>
-        </p:spPr>
-        <p:style>
-          <a:lnRef idx="1">
-            <a:schemeClr val="accent2"/>
-          </a:lnRef>
-          <a:fillRef idx="3">
-            <a:schemeClr val="accent2"/>
-          </a:fillRef>
-          <a:effectRef idx="2">
-            <a:schemeClr val="accent2"/>
-          </a:effectRef>
-          <a:fontRef idx="minor">
-            <a:schemeClr val="lt1"/>
-          </a:fontRef>
-        </p:style>
-        <p:txBody>
-          <a:bodyPr vert="horz" wrap="square" lIns="91436" tIns="45718" rIns="91436" bIns="45718" numCol="1" rtlCol="0" anchor="ctr" anchorCtr="0" compatLnSpc="1">
-            <a:prstTxWarp prst="textNoShape">
-              <a:avLst/>
-            </a:prstTxWarp>
-          </a:bodyPr>
-          <a:lstStyle/>
-          <a:p>
-            <a:pPr algn="ctr" defTabSz="914099" fontAlgn="base">
-              <a:spcBef>
-                <a:spcPct val="0"/>
-              </a:spcBef>
-              <a:spcAft>
-                <a:spcPct val="0"/>
-              </a:spcAft>
-            </a:pPr>
-            <a:r>
-              <a:rPr lang="en-US" sz="2800" dirty="0" smtClean="0">
-                <a:solidFill>
-                  <a:srgbClr val="00AEEF"/>
-                </a:solidFill>
-              </a:rPr>
-              <a:t>GROUP BY</a:t>
-            </a:r>
-            <a:endParaRPr lang="en-US" sz="2800" dirty="0">
-              <a:solidFill>
-                <a:srgbClr val="00AEEF"/>
-              </a:solidFill>
-            </a:endParaRPr>
-          </a:p>
-        </p:txBody>
-      </p:sp>
-      <p:sp>
-        <p:nvSpPr>
-          <p:cNvPr id="20" name="Rectangle 19"/>
-          <p:cNvSpPr/>
-          <p:nvPr/>
-        </p:nvSpPr>
-        <p:spPr bwMode="auto">
-          <a:xfrm>
-            <a:off x="4393870" y="3574473"/>
-            <a:ext cx="3301340" cy="783771"/>
-          </a:xfrm>
-          <a:prstGeom prst="rect">
-            <a:avLst/>
-          </a:prstGeom>
-          <a:noFill/>
-          <a:ln w="57150">
-            <a:solidFill>
-              <a:srgbClr val="00AEEF"/>
-            </a:solidFill>
-            <a:headEnd type="none" w="med" len="med"/>
-            <a:tailEnd type="none" w="med" len="med"/>
-          </a:ln>
-          <a:effectLst/>
-        </p:spPr>
-        <p:style>
-          <a:lnRef idx="1">
-            <a:schemeClr val="accent2"/>
-          </a:lnRef>
-          <a:fillRef idx="3">
-            <a:schemeClr val="accent2"/>
-          </a:fillRef>
-          <a:effectRef idx="2">
-            <a:schemeClr val="accent2"/>
-          </a:effectRef>
-          <a:fontRef idx="minor">
-            <a:schemeClr val="lt1"/>
-          </a:fontRef>
-        </p:style>
-        <p:txBody>
-          <a:bodyPr vert="horz" wrap="square" lIns="91436" tIns="45718" rIns="91436" bIns="45718" numCol="1" rtlCol="0" anchor="ctr" anchorCtr="0" compatLnSpc="1">
-            <a:prstTxWarp prst="textNoShape">
-              <a:avLst/>
-            </a:prstTxWarp>
-          </a:bodyPr>
-          <a:lstStyle/>
-          <a:p>
-            <a:pPr algn="ctr" defTabSz="914099" fontAlgn="base">
-              <a:spcBef>
-                <a:spcPct val="0"/>
-              </a:spcBef>
-              <a:spcAft>
-                <a:spcPct val="0"/>
-              </a:spcAft>
-            </a:pPr>
-            <a:r>
-              <a:rPr lang="en-US" sz="2800" dirty="0" smtClean="0">
-                <a:solidFill>
-                  <a:srgbClr val="00AEEF"/>
-                </a:solidFill>
-              </a:rPr>
-              <a:t>JOIN</a:t>
-            </a:r>
-            <a:endParaRPr lang="en-US" sz="2800" dirty="0">
-              <a:solidFill>
-                <a:srgbClr val="00AEEF"/>
-              </a:solidFill>
-            </a:endParaRPr>
-          </a:p>
-        </p:txBody>
-      </p:sp>
-      <p:sp>
-        <p:nvSpPr>
-          <p:cNvPr id="21" name="Rectangle 20"/>
-          <p:cNvSpPr/>
-          <p:nvPr/>
-        </p:nvSpPr>
-        <p:spPr bwMode="auto">
-          <a:xfrm>
-            <a:off x="4393870" y="4358244"/>
-            <a:ext cx="3301340" cy="783771"/>
-          </a:xfrm>
-          <a:prstGeom prst="rect">
-            <a:avLst/>
-          </a:prstGeom>
-          <a:noFill/>
-          <a:ln w="57150">
-            <a:solidFill>
-              <a:srgbClr val="00AEEF"/>
-            </a:solidFill>
-            <a:headEnd type="none" w="med" len="med"/>
-            <a:tailEnd type="none" w="med" len="med"/>
-          </a:ln>
-          <a:effectLst/>
-        </p:spPr>
-        <p:style>
-          <a:lnRef idx="1">
-            <a:schemeClr val="accent2"/>
-          </a:lnRef>
-          <a:fillRef idx="3">
-            <a:schemeClr val="accent2"/>
-          </a:fillRef>
-          <a:effectRef idx="2">
-            <a:schemeClr val="accent2"/>
-          </a:effectRef>
-          <a:fontRef idx="minor">
-            <a:schemeClr val="lt1"/>
-          </a:fontRef>
-        </p:style>
-        <p:txBody>
-          <a:bodyPr vert="horz" wrap="square" lIns="91436" tIns="45718" rIns="91436" bIns="45718" numCol="1" rtlCol="0" anchor="ctr" anchorCtr="0" compatLnSpc="1">
-            <a:prstTxWarp prst="textNoShape">
-              <a:avLst/>
-            </a:prstTxWarp>
-          </a:bodyPr>
-          <a:lstStyle/>
-          <a:p>
-            <a:pPr algn="ctr" defTabSz="914099" fontAlgn="base">
-              <a:spcBef>
-                <a:spcPct val="0"/>
-              </a:spcBef>
-              <a:spcAft>
-                <a:spcPct val="0"/>
-              </a:spcAft>
-            </a:pPr>
-            <a:r>
-              <a:rPr lang="en-US" sz="2800" dirty="0" smtClean="0">
-                <a:solidFill>
-                  <a:srgbClr val="00AEEF"/>
-                </a:solidFill>
-              </a:rPr>
-              <a:t>WITH</a:t>
-            </a:r>
-            <a:endParaRPr lang="en-US" sz="2800" dirty="0">
-              <a:solidFill>
-                <a:srgbClr val="00AEEF"/>
-              </a:solidFill>
-            </a:endParaRPr>
-          </a:p>
-        </p:txBody>
-      </p:sp>
-      <p:sp>
-        <p:nvSpPr>
-          <p:cNvPr id="22" name="Rectangle 21"/>
-          <p:cNvSpPr/>
-          <p:nvPr/>
-        </p:nvSpPr>
-        <p:spPr bwMode="auto">
-          <a:xfrm>
-            <a:off x="7695210" y="2006931"/>
-            <a:ext cx="3301340" cy="783771"/>
-          </a:xfrm>
-          <a:prstGeom prst="rect">
-            <a:avLst/>
-          </a:prstGeom>
-          <a:noFill/>
-          <a:ln w="57150">
-            <a:solidFill>
-              <a:srgbClr val="00AEEF"/>
-            </a:solidFill>
-            <a:headEnd type="none" w="med" len="med"/>
-            <a:tailEnd type="none" w="med" len="med"/>
-          </a:ln>
-          <a:effectLst/>
-        </p:spPr>
-        <p:style>
-          <a:lnRef idx="1">
-            <a:schemeClr val="accent2"/>
-          </a:lnRef>
-          <a:fillRef idx="3">
-            <a:schemeClr val="accent2"/>
-          </a:fillRef>
-          <a:effectRef idx="2">
-            <a:schemeClr val="accent2"/>
-          </a:effectRef>
-          <a:fontRef idx="minor">
-            <a:schemeClr val="lt1"/>
-          </a:fontRef>
-        </p:style>
-        <p:txBody>
-          <a:bodyPr vert="horz" wrap="square" lIns="91436" tIns="45718" rIns="91436" bIns="45718" numCol="1" rtlCol="0" anchor="ctr" anchorCtr="0" compatLnSpc="1">
-            <a:prstTxWarp prst="textNoShape">
-              <a:avLst/>
-            </a:prstTxWarp>
-          </a:bodyPr>
-          <a:lstStyle/>
-          <a:p>
-            <a:pPr algn="ctr" defTabSz="914099" fontAlgn="base">
-              <a:spcBef>
-                <a:spcPct val="0"/>
-              </a:spcBef>
-              <a:spcAft>
-                <a:spcPct val="0"/>
-              </a:spcAft>
-            </a:pPr>
-            <a:r>
-              <a:rPr lang="en-US" sz="2800" dirty="0" smtClean="0">
-                <a:solidFill>
-                  <a:srgbClr val="00AEEF"/>
-                </a:solidFill>
-              </a:rPr>
-              <a:t>FROM</a:t>
-            </a:r>
-            <a:endParaRPr lang="en-US" sz="2200" dirty="0" smtClean="0">
-              <a:solidFill>
-                <a:srgbClr val="00AEEF"/>
-              </a:solidFill>
-            </a:endParaRPr>
-          </a:p>
-        </p:txBody>
-      </p:sp>
-      <p:sp>
-        <p:nvSpPr>
-          <p:cNvPr id="23" name="Rectangle 22"/>
-          <p:cNvSpPr/>
-          <p:nvPr/>
-        </p:nvSpPr>
-        <p:spPr bwMode="auto">
-          <a:xfrm>
-            <a:off x="7695210" y="2790702"/>
-            <a:ext cx="3301340" cy="783771"/>
-          </a:xfrm>
-          <a:prstGeom prst="rect">
-            <a:avLst/>
-          </a:prstGeom>
-          <a:noFill/>
-          <a:ln w="57150">
-            <a:solidFill>
-              <a:srgbClr val="00AEEF"/>
-            </a:solidFill>
-            <a:headEnd type="none" w="med" len="med"/>
-            <a:tailEnd type="none" w="med" len="med"/>
-          </a:ln>
-          <a:effectLst/>
-        </p:spPr>
-        <p:style>
-          <a:lnRef idx="1">
-            <a:schemeClr val="accent2"/>
-          </a:lnRef>
-          <a:fillRef idx="3">
-            <a:schemeClr val="accent2"/>
-          </a:fillRef>
-          <a:effectRef idx="2">
-            <a:schemeClr val="accent2"/>
-          </a:effectRef>
-          <a:fontRef idx="minor">
-            <a:schemeClr val="lt1"/>
-          </a:fontRef>
-        </p:style>
-        <p:txBody>
-          <a:bodyPr vert="horz" wrap="square" lIns="91436" tIns="45718" rIns="91436" bIns="45718" numCol="1" rtlCol="0" anchor="ctr" anchorCtr="0" compatLnSpc="1">
-            <a:prstTxWarp prst="textNoShape">
-              <a:avLst/>
-            </a:prstTxWarp>
-          </a:bodyPr>
-          <a:lstStyle/>
-          <a:p>
-            <a:pPr algn="ctr" defTabSz="914099" fontAlgn="base">
-              <a:spcBef>
-                <a:spcPct val="0"/>
-              </a:spcBef>
-              <a:spcAft>
-                <a:spcPct val="0"/>
-              </a:spcAft>
-            </a:pPr>
-            <a:r>
-              <a:rPr lang="en-US" sz="2800" dirty="0" smtClean="0">
-                <a:solidFill>
-                  <a:srgbClr val="00AEEF"/>
-                </a:solidFill>
-              </a:rPr>
-              <a:t>HAVING</a:t>
-            </a:r>
-            <a:endParaRPr lang="en-US" sz="2800" dirty="0">
-              <a:solidFill>
-                <a:srgbClr val="00AEEF"/>
-              </a:solidFill>
-            </a:endParaRPr>
-          </a:p>
-        </p:txBody>
-      </p:sp>
-      <p:sp>
-        <p:nvSpPr>
-          <p:cNvPr id="24" name="Rectangle 23"/>
-          <p:cNvSpPr/>
-          <p:nvPr/>
-        </p:nvSpPr>
-        <p:spPr bwMode="auto">
-          <a:xfrm>
-            <a:off x="7695210" y="3574473"/>
-            <a:ext cx="3301340" cy="783771"/>
-          </a:xfrm>
-          <a:prstGeom prst="rect">
-            <a:avLst/>
-          </a:prstGeom>
-          <a:noFill/>
-          <a:ln w="57150">
-            <a:solidFill>
-              <a:srgbClr val="00AEEF"/>
-            </a:solidFill>
-            <a:headEnd type="none" w="med" len="med"/>
-            <a:tailEnd type="none" w="med" len="med"/>
-          </a:ln>
-          <a:effectLst/>
-        </p:spPr>
-        <p:style>
-          <a:lnRef idx="1">
-            <a:schemeClr val="accent2"/>
-          </a:lnRef>
-          <a:fillRef idx="3">
-            <a:schemeClr val="accent2"/>
-          </a:fillRef>
-          <a:effectRef idx="2">
-            <a:schemeClr val="accent2"/>
-          </a:effectRef>
-          <a:fontRef idx="minor">
-            <a:schemeClr val="lt1"/>
-          </a:fontRef>
-        </p:style>
-        <p:txBody>
-          <a:bodyPr vert="horz" wrap="square" lIns="91436" tIns="45718" rIns="91436" bIns="45718" numCol="1" rtlCol="0" anchor="ctr" anchorCtr="0" compatLnSpc="1">
-            <a:prstTxWarp prst="textNoShape">
-              <a:avLst/>
-            </a:prstTxWarp>
-          </a:bodyPr>
-          <a:lstStyle/>
-          <a:p>
-            <a:pPr algn="ctr" defTabSz="914099" fontAlgn="base">
-              <a:spcBef>
-                <a:spcPct val="0"/>
-              </a:spcBef>
-              <a:spcAft>
-                <a:spcPct val="0"/>
-              </a:spcAft>
-            </a:pPr>
-            <a:r>
-              <a:rPr lang="en-US" sz="2800" dirty="0" smtClean="0">
-                <a:solidFill>
-                  <a:srgbClr val="00AEEF"/>
-                </a:solidFill>
-              </a:rPr>
-              <a:t>JOIN</a:t>
-            </a:r>
-            <a:endParaRPr lang="en-US" sz="2800" dirty="0">
-              <a:solidFill>
-                <a:srgbClr val="00AEEF"/>
-              </a:solidFill>
-            </a:endParaRPr>
-          </a:p>
-        </p:txBody>
-      </p:sp>
-      <p:sp>
-        <p:nvSpPr>
-          <p:cNvPr id="25" name="Rectangle 24"/>
-          <p:cNvSpPr/>
-          <p:nvPr/>
-        </p:nvSpPr>
-        <p:spPr bwMode="auto">
-          <a:xfrm>
-            <a:off x="7695210" y="4358244"/>
-            <a:ext cx="3301340" cy="783771"/>
-          </a:xfrm>
-          <a:prstGeom prst="rect">
-            <a:avLst/>
-          </a:prstGeom>
-          <a:noFill/>
-          <a:ln w="57150">
-            <a:solidFill>
-              <a:srgbClr val="00AEEF"/>
-            </a:solidFill>
-            <a:headEnd type="none" w="med" len="med"/>
-            <a:tailEnd type="none" w="med" len="med"/>
-          </a:ln>
-          <a:effectLst/>
-        </p:spPr>
-        <p:style>
-          <a:lnRef idx="1">
-            <a:schemeClr val="accent2"/>
-          </a:lnRef>
-          <a:fillRef idx="3">
-            <a:schemeClr val="accent2"/>
-          </a:fillRef>
-          <a:effectRef idx="2">
-            <a:schemeClr val="accent2"/>
-          </a:effectRef>
-          <a:fontRef idx="minor">
-            <a:schemeClr val="lt1"/>
-          </a:fontRef>
-        </p:style>
-        <p:txBody>
-          <a:bodyPr vert="horz" wrap="square" lIns="91436" tIns="45718" rIns="91436" bIns="45718" numCol="1" rtlCol="0" anchor="ctr" anchorCtr="0" compatLnSpc="1">
-            <a:prstTxWarp prst="textNoShape">
-              <a:avLst/>
-            </a:prstTxWarp>
-          </a:bodyPr>
-          <a:lstStyle/>
-          <a:p>
-            <a:pPr algn="ctr" defTabSz="914099" fontAlgn="base">
-              <a:spcBef>
-                <a:spcPct val="0"/>
-              </a:spcBef>
-              <a:spcAft>
-                <a:spcPct val="0"/>
-              </a:spcAft>
-            </a:pPr>
-            <a:r>
-              <a:rPr lang="en-US" sz="2800" dirty="0" smtClean="0">
-                <a:solidFill>
-                  <a:srgbClr val="00AEEF"/>
-                </a:solidFill>
-              </a:rPr>
-              <a:t>APPLY</a:t>
-            </a:r>
-            <a:endParaRPr lang="en-US" sz="2800" dirty="0">
-              <a:solidFill>
-                <a:srgbClr val="00AEEF"/>
-              </a:solidFill>
-            </a:endParaRPr>
-          </a:p>
-        </p:txBody>
-      </p:sp>
-    </p:spTree>
-    <p:extLst>
-      <p:ext uri="{BB962C8B-B14F-4D97-AF65-F5344CB8AC3E}">
-        <p14:creationId xmlns:p14="http://schemas.microsoft.com/office/powerpoint/2010/main" val="3411210275"/>
-      </p:ext>
-    </p:extLst>
-  </p:cSld>
-  <p:clrMapOvr>
-    <a:masterClrMapping/>
-  </p:clrMapOvr>
-  <p:transition>
-    <p:fade/>
-  </p:transition>
-  <p:timing>
-    <p:tnLst>
-      <p:par>
-        <p:cTn id="1" dur="indefinite" restart="never" nodeType="tmRoot"/>
-      </p:par>
-    </p:tnLst>
-  </p:timing>
-</p:sld>
-</file>
-
-<file path=ppt/slides/slide9.xml><?xml version="1.0" encoding="utf-8"?>
+<file path=ppt/slides/slide7.xml><?xml version="1.0" encoding="utf-8"?>
 <p:sld xmlns:a="http://schemas.openxmlformats.org/drawingml/2006/main" xmlns:r="http://schemas.openxmlformats.org/officeDocument/2006/relationships" xmlns:p="http://schemas.openxmlformats.org/presentationml/2006/main">
   <p:cSld>
     <p:spTree>
@@ -17643,6 +15758,770 @@
     <p:extLst>
       <p:ext uri="{BB962C8B-B14F-4D97-AF65-F5344CB8AC3E}">
         <p14:creationId xmlns:p14="http://schemas.microsoft.com/office/powerpoint/2010/main" val="3876381475"/>
+      </p:ext>
+    </p:extLst>
+  </p:cSld>
+  <p:clrMapOvr>
+    <a:masterClrMapping/>
+  </p:clrMapOvr>
+  <p:transition>
+    <p:fade/>
+  </p:transition>
+  <p:timing>
+    <p:tnLst>
+      <p:par>
+        <p:cTn id="1" dur="indefinite" restart="never" nodeType="tmRoot"/>
+      </p:par>
+    </p:tnLst>
+  </p:timing>
+</p:sld>
+</file>
+
+<file path=ppt/slides/slide8.xml><?xml version="1.0" encoding="utf-8"?>
+<p:sld xmlns:a="http://schemas.openxmlformats.org/drawingml/2006/main" xmlns:r="http://schemas.openxmlformats.org/officeDocument/2006/relationships" xmlns:p="http://schemas.openxmlformats.org/presentationml/2006/main">
+  <p:cSld>
+    <p:spTree>
+      <p:nvGrpSpPr>
+        <p:cNvPr id="1" name=""/>
+        <p:cNvGrpSpPr/>
+        <p:nvPr/>
+      </p:nvGrpSpPr>
+      <p:grpSpPr>
+        <a:xfrm>
+          <a:off x="0" y="0"/>
+          <a:ext cx="0" cy="0"/>
+          <a:chOff x="0" y="0"/>
+          <a:chExt cx="0" cy="0"/>
+        </a:xfrm>
+      </p:grpSpPr>
+      <p:sp>
+        <p:nvSpPr>
+          <p:cNvPr id="2" name="Title 1"/>
+          <p:cNvSpPr>
+            <a:spLocks noGrp="1"/>
+          </p:cNvSpPr>
+          <p:nvPr>
+            <p:ph type="title"/>
+          </p:nvPr>
+        </p:nvSpPr>
+        <p:spPr/>
+        <p:txBody>
+          <a:bodyPr/>
+          <a:lstStyle/>
+          <a:p>
+            <a:r>
+              <a:rPr lang="en-US" dirty="0" smtClean="0"/>
+              <a:t>Joining Two Inputs</a:t>
+            </a:r>
+            <a:endParaRPr lang="en-US" dirty="0"/>
+          </a:p>
+        </p:txBody>
+      </p:sp>
+      <p:sp>
+        <p:nvSpPr>
+          <p:cNvPr id="4" name="Rectangle 3"/>
+          <p:cNvSpPr/>
+          <p:nvPr/>
+        </p:nvSpPr>
+        <p:spPr bwMode="auto">
+          <a:xfrm>
+            <a:off x="876001" y="1696127"/>
+            <a:ext cx="10438410" cy="2662117"/>
+          </a:xfrm>
+          <a:prstGeom prst="rect">
+            <a:avLst/>
+          </a:prstGeom>
+          <a:solidFill>
+            <a:schemeClr val="tx1">
+              <a:lumMod val="10000"/>
+              <a:lumOff val="90000"/>
+            </a:schemeClr>
+          </a:solidFill>
+          <a:ln w="38100">
+            <a:solidFill>
+              <a:schemeClr val="tx1">
+                <a:lumMod val="50000"/>
+                <a:lumOff val="50000"/>
+              </a:schemeClr>
+            </a:solidFill>
+            <a:headEnd type="none" w="med" len="med"/>
+            <a:tailEnd type="none" w="med" len="med"/>
+          </a:ln>
+          <a:effectLst/>
+        </p:spPr>
+        <p:style>
+          <a:lnRef idx="1">
+            <a:schemeClr val="accent2"/>
+          </a:lnRef>
+          <a:fillRef idx="3">
+            <a:schemeClr val="accent2"/>
+          </a:fillRef>
+          <a:effectRef idx="2">
+            <a:schemeClr val="accent2"/>
+          </a:effectRef>
+          <a:fontRef idx="minor">
+            <a:schemeClr val="lt1"/>
+          </a:fontRef>
+        </p:style>
+        <p:txBody>
+          <a:bodyPr vert="horz" wrap="square" lIns="91436" tIns="45718" rIns="91436" bIns="45718" numCol="1" rtlCol="0" anchor="ctr" anchorCtr="0" compatLnSpc="1">
+            <a:prstTxWarp prst="textNoShape">
+              <a:avLst/>
+            </a:prstTxWarp>
+          </a:bodyPr>
+          <a:lstStyle/>
+          <a:p>
+            <a:pPr defTabSz="914099" fontAlgn="base">
+              <a:spcBef>
+                <a:spcPct val="0"/>
+              </a:spcBef>
+              <a:spcAft>
+                <a:spcPct val="0"/>
+              </a:spcAft>
+            </a:pPr>
+            <a:r>
+              <a:rPr lang="en-US" sz="2200" dirty="0">
+                <a:solidFill>
+                  <a:schemeClr val="tx1"/>
+                </a:solidFill>
+                <a:latin typeface="Lucida Console" panose="020B0609040504020204" pitchFamily="49" charset="0"/>
+              </a:rPr>
+              <a:t> SELECT </a:t>
+            </a:r>
+            <a:r>
+              <a:rPr lang="en-US" sz="2200" dirty="0" smtClean="0">
+                <a:solidFill>
+                  <a:schemeClr val="tx1"/>
+                </a:solidFill>
+                <a:latin typeface="Lucida Console" panose="020B0609040504020204" pitchFamily="49" charset="0"/>
+              </a:rPr>
+              <a:t>S1.Time, S1.ID</a:t>
+            </a:r>
+            <a:r>
+              <a:rPr lang="en-US" sz="2200" dirty="0">
+                <a:solidFill>
+                  <a:schemeClr val="tx1"/>
+                </a:solidFill>
+                <a:latin typeface="Lucida Console" panose="020B0609040504020204" pitchFamily="49" charset="0"/>
+              </a:rPr>
+              <a:t>, S1.Temperature, S2.Voltage</a:t>
+            </a:r>
+          </a:p>
+          <a:p>
+            <a:pPr defTabSz="914099" fontAlgn="base">
+              <a:spcBef>
+                <a:spcPct val="0"/>
+              </a:spcBef>
+              <a:spcAft>
+                <a:spcPct val="0"/>
+              </a:spcAft>
+            </a:pPr>
+            <a:r>
+              <a:rPr lang="en-US" sz="2200" dirty="0" smtClean="0">
+                <a:solidFill>
+                  <a:schemeClr val="tx1"/>
+                </a:solidFill>
+                <a:latin typeface="Lucida Console" panose="020B0609040504020204" pitchFamily="49" charset="0"/>
+              </a:rPr>
+              <a:t> FROM </a:t>
+            </a:r>
+            <a:r>
+              <a:rPr lang="en-US" sz="2200" dirty="0" err="1">
+                <a:solidFill>
+                  <a:schemeClr val="tx1"/>
+                </a:solidFill>
+                <a:latin typeface="Lucida Console" panose="020B0609040504020204" pitchFamily="49" charset="0"/>
+              </a:rPr>
+              <a:t>TemperatureData</a:t>
+            </a:r>
+            <a:r>
+              <a:rPr lang="en-US" sz="2200" dirty="0">
+                <a:solidFill>
+                  <a:schemeClr val="tx1"/>
+                </a:solidFill>
+                <a:latin typeface="Lucida Console" panose="020B0609040504020204" pitchFamily="49" charset="0"/>
+              </a:rPr>
+              <a:t> S1</a:t>
+            </a:r>
+          </a:p>
+          <a:p>
+            <a:pPr defTabSz="914099" fontAlgn="base">
+              <a:spcBef>
+                <a:spcPct val="0"/>
+              </a:spcBef>
+              <a:spcAft>
+                <a:spcPct val="0"/>
+              </a:spcAft>
+            </a:pPr>
+            <a:r>
+              <a:rPr lang="en-US" sz="2200" dirty="0" smtClean="0">
+                <a:solidFill>
+                  <a:schemeClr val="tx1"/>
+                </a:solidFill>
+                <a:latin typeface="Lucida Console" panose="020B0609040504020204" pitchFamily="49" charset="0"/>
+              </a:rPr>
+              <a:t> JOIN </a:t>
+            </a:r>
+            <a:r>
+              <a:rPr lang="en-US" sz="2200" dirty="0" err="1">
+                <a:solidFill>
+                  <a:schemeClr val="tx1"/>
+                </a:solidFill>
+                <a:latin typeface="Lucida Console" panose="020B0609040504020204" pitchFamily="49" charset="0"/>
+              </a:rPr>
+              <a:t>VoltageData</a:t>
+            </a:r>
+            <a:r>
+              <a:rPr lang="en-US" sz="2200" dirty="0">
+                <a:solidFill>
+                  <a:schemeClr val="tx1"/>
+                </a:solidFill>
+                <a:latin typeface="Lucida Console" panose="020B0609040504020204" pitchFamily="49" charset="0"/>
+              </a:rPr>
+              <a:t> S2</a:t>
+            </a:r>
+          </a:p>
+          <a:p>
+            <a:pPr defTabSz="914099" fontAlgn="base">
+              <a:spcBef>
+                <a:spcPct val="0"/>
+              </a:spcBef>
+              <a:spcAft>
+                <a:spcPct val="0"/>
+              </a:spcAft>
+            </a:pPr>
+            <a:r>
+              <a:rPr lang="en-US" sz="2200" dirty="0" smtClean="0">
+                <a:solidFill>
+                  <a:schemeClr val="tx1"/>
+                </a:solidFill>
+                <a:latin typeface="Lucida Console" panose="020B0609040504020204" pitchFamily="49" charset="0"/>
+              </a:rPr>
+              <a:t> ON </a:t>
+            </a:r>
+            <a:r>
+              <a:rPr lang="en-US" sz="2200" dirty="0">
+                <a:solidFill>
+                  <a:schemeClr val="tx1"/>
+                </a:solidFill>
+                <a:latin typeface="Lucida Console" panose="020B0609040504020204" pitchFamily="49" charset="0"/>
+              </a:rPr>
+              <a:t>S1.ID = S2.ID</a:t>
+            </a:r>
+          </a:p>
+          <a:p>
+            <a:pPr defTabSz="914099" fontAlgn="base">
+              <a:spcBef>
+                <a:spcPct val="0"/>
+              </a:spcBef>
+              <a:spcAft>
+                <a:spcPct val="0"/>
+              </a:spcAft>
+            </a:pPr>
+            <a:r>
+              <a:rPr lang="en-US" sz="2200" dirty="0" smtClean="0">
+                <a:solidFill>
+                  <a:schemeClr val="tx1"/>
+                </a:solidFill>
+                <a:latin typeface="Lucida Console" panose="020B0609040504020204" pitchFamily="49" charset="0"/>
+              </a:rPr>
+              <a:t> AND </a:t>
+            </a:r>
+            <a:r>
+              <a:rPr lang="en-US" sz="2200" dirty="0">
+                <a:solidFill>
+                  <a:schemeClr val="tx1"/>
+                </a:solidFill>
+                <a:latin typeface="Lucida Console" panose="020B0609040504020204" pitchFamily="49" charset="0"/>
+              </a:rPr>
+              <a:t>DATEDIFF(s, s1, s2) BETWEEN 0 AND </a:t>
+            </a:r>
+            <a:r>
+              <a:rPr lang="en-US" sz="2200" dirty="0" smtClean="0">
+                <a:solidFill>
+                  <a:schemeClr val="tx1"/>
+                </a:solidFill>
+                <a:latin typeface="Lucida Console" panose="020B0609040504020204" pitchFamily="49" charset="0"/>
+              </a:rPr>
+              <a:t>5</a:t>
+            </a:r>
+          </a:p>
+          <a:p>
+            <a:pPr defTabSz="914099" fontAlgn="base">
+              <a:spcBef>
+                <a:spcPct val="0"/>
+              </a:spcBef>
+              <a:spcAft>
+                <a:spcPct val="0"/>
+              </a:spcAft>
+            </a:pPr>
+            <a:r>
+              <a:rPr lang="en-US" sz="2200" dirty="0">
+                <a:solidFill>
+                  <a:schemeClr val="tx1"/>
+                </a:solidFill>
+                <a:latin typeface="Lucida Console" panose="020B0609040504020204" pitchFamily="49" charset="0"/>
+              </a:rPr>
+              <a:t> </a:t>
+            </a:r>
+            <a:r>
+              <a:rPr lang="en-US" sz="2200" dirty="0" smtClean="0">
+                <a:solidFill>
+                  <a:schemeClr val="tx1"/>
+                </a:solidFill>
+                <a:latin typeface="Lucida Console" panose="020B0609040504020204" pitchFamily="49" charset="0"/>
+              </a:rPr>
+              <a:t>WHERE S1.Temperature &gt; 150 OR S2.Voltage &gt; 32</a:t>
+            </a:r>
+            <a:endParaRPr lang="en-US" sz="2200" dirty="0">
+              <a:solidFill>
+                <a:schemeClr val="tx1"/>
+              </a:solidFill>
+              <a:latin typeface="Lucida Console" panose="020B0609040504020204" pitchFamily="49" charset="0"/>
+            </a:endParaRPr>
+          </a:p>
+        </p:txBody>
+      </p:sp>
+      <p:pic>
+        <p:nvPicPr>
+          <p:cNvPr id="3" name="Picture 2"/>
+          <p:cNvPicPr>
+            <a:picLocks noChangeAspect="1"/>
+          </p:cNvPicPr>
+          <p:nvPr/>
+        </p:nvPicPr>
+        <p:blipFill>
+          <a:blip r:embed="rId2"/>
+          <a:stretch>
+            <a:fillRect/>
+          </a:stretch>
+        </p:blipFill>
+        <p:spPr>
+          <a:xfrm>
+            <a:off x="876001" y="4726874"/>
+            <a:ext cx="10474672" cy="1246414"/>
+          </a:xfrm>
+          <a:prstGeom prst="rect">
+            <a:avLst/>
+          </a:prstGeom>
+          <a:ln>
+            <a:solidFill>
+              <a:schemeClr val="tx1">
+                <a:lumMod val="25000"/>
+                <a:lumOff val="75000"/>
+              </a:schemeClr>
+            </a:solidFill>
+          </a:ln>
+        </p:spPr>
+      </p:pic>
+    </p:spTree>
+    <p:extLst>
+      <p:ext uri="{BB962C8B-B14F-4D97-AF65-F5344CB8AC3E}">
+        <p14:creationId xmlns:p14="http://schemas.microsoft.com/office/powerpoint/2010/main" val="3214649679"/>
+      </p:ext>
+    </p:extLst>
+  </p:cSld>
+  <p:clrMapOvr>
+    <a:masterClrMapping/>
+  </p:clrMapOvr>
+  <p:transition>
+    <p:fade/>
+  </p:transition>
+  <p:timing>
+    <p:tnLst>
+      <p:par>
+        <p:cTn id="1" dur="indefinite" restart="never" nodeType="tmRoot"/>
+      </p:par>
+    </p:tnLst>
+  </p:timing>
+</p:sld>
+</file>
+
+<file path=ppt/slides/slide9.xml><?xml version="1.0" encoding="utf-8"?>
+<p:sld xmlns:a="http://schemas.openxmlformats.org/drawingml/2006/main" xmlns:r="http://schemas.openxmlformats.org/officeDocument/2006/relationships" xmlns:p="http://schemas.openxmlformats.org/presentationml/2006/main">
+  <p:cSld>
+    <p:spTree>
+      <p:nvGrpSpPr>
+        <p:cNvPr id="1" name=""/>
+        <p:cNvGrpSpPr/>
+        <p:nvPr/>
+      </p:nvGrpSpPr>
+      <p:grpSpPr>
+        <a:xfrm>
+          <a:off x="0" y="0"/>
+          <a:ext cx="0" cy="0"/>
+          <a:chOff x="0" y="0"/>
+          <a:chExt cx="0" cy="0"/>
+        </a:xfrm>
+      </p:grpSpPr>
+      <p:sp>
+        <p:nvSpPr>
+          <p:cNvPr id="2" name="Title 1"/>
+          <p:cNvSpPr>
+            <a:spLocks noGrp="1"/>
+          </p:cNvSpPr>
+          <p:nvPr>
+            <p:ph type="title"/>
+          </p:nvPr>
+        </p:nvSpPr>
+        <p:spPr>
+          <a:xfrm>
+            <a:off x="519249" y="228603"/>
+            <a:ext cx="11151917" cy="747641"/>
+          </a:xfrm>
+        </p:spPr>
+        <p:txBody>
+          <a:bodyPr/>
+          <a:lstStyle/>
+          <a:p>
+            <a:r>
+              <a:rPr lang="en-US" dirty="0" smtClean="0"/>
+              <a:t>Replacing Arrival Time with Event Time</a:t>
+            </a:r>
+            <a:endParaRPr lang="en-US" dirty="0"/>
+          </a:p>
+        </p:txBody>
+      </p:sp>
+      <p:sp>
+        <p:nvSpPr>
+          <p:cNvPr id="4" name="Rectangle 3"/>
+          <p:cNvSpPr/>
+          <p:nvPr/>
+        </p:nvSpPr>
+        <p:spPr bwMode="auto">
+          <a:xfrm>
+            <a:off x="876001" y="1696128"/>
+            <a:ext cx="10438410" cy="2662116"/>
+          </a:xfrm>
+          <a:prstGeom prst="rect">
+            <a:avLst/>
+          </a:prstGeom>
+          <a:solidFill>
+            <a:schemeClr val="tx1">
+              <a:lumMod val="10000"/>
+              <a:lumOff val="90000"/>
+            </a:schemeClr>
+          </a:solidFill>
+          <a:ln w="38100">
+            <a:solidFill>
+              <a:schemeClr val="tx1">
+                <a:lumMod val="50000"/>
+                <a:lumOff val="50000"/>
+              </a:schemeClr>
+            </a:solidFill>
+            <a:headEnd type="none" w="med" len="med"/>
+            <a:tailEnd type="none" w="med" len="med"/>
+          </a:ln>
+          <a:effectLst/>
+        </p:spPr>
+        <p:style>
+          <a:lnRef idx="1">
+            <a:schemeClr val="accent2"/>
+          </a:lnRef>
+          <a:fillRef idx="3">
+            <a:schemeClr val="accent2"/>
+          </a:fillRef>
+          <a:effectRef idx="2">
+            <a:schemeClr val="accent2"/>
+          </a:effectRef>
+          <a:fontRef idx="minor">
+            <a:schemeClr val="lt1"/>
+          </a:fontRef>
+        </p:style>
+        <p:txBody>
+          <a:bodyPr vert="horz" wrap="square" lIns="91436" tIns="45718" rIns="91436" bIns="45718" numCol="1" rtlCol="0" anchor="ctr" anchorCtr="0" compatLnSpc="1">
+            <a:prstTxWarp prst="textNoShape">
+              <a:avLst/>
+            </a:prstTxWarp>
+          </a:bodyPr>
+          <a:lstStyle/>
+          <a:p>
+            <a:pPr defTabSz="914099" fontAlgn="base">
+              <a:spcBef>
+                <a:spcPct val="0"/>
+              </a:spcBef>
+              <a:spcAft>
+                <a:spcPct val="0"/>
+              </a:spcAft>
+            </a:pPr>
+            <a:r>
+              <a:rPr lang="en-US" sz="2200" dirty="0">
+                <a:solidFill>
+                  <a:schemeClr val="tx1"/>
+                </a:solidFill>
+                <a:latin typeface="Lucida Console" panose="020B0609040504020204" pitchFamily="49" charset="0"/>
+              </a:rPr>
+              <a:t> SELECT S1.ID, S1.Temperature, S2.Voltage</a:t>
+            </a:r>
+          </a:p>
+          <a:p>
+            <a:pPr defTabSz="914099" fontAlgn="base">
+              <a:spcBef>
+                <a:spcPct val="0"/>
+              </a:spcBef>
+              <a:spcAft>
+                <a:spcPct val="0"/>
+              </a:spcAft>
+            </a:pPr>
+            <a:r>
+              <a:rPr lang="en-US" sz="2200" dirty="0" smtClean="0">
+                <a:solidFill>
+                  <a:schemeClr val="tx1"/>
+                </a:solidFill>
+                <a:latin typeface="Lucida Console" panose="020B0609040504020204" pitchFamily="49" charset="0"/>
+              </a:rPr>
+              <a:t> FROM </a:t>
+            </a:r>
+            <a:r>
+              <a:rPr lang="en-US" sz="2200" dirty="0" err="1">
+                <a:solidFill>
+                  <a:schemeClr val="tx1"/>
+                </a:solidFill>
+                <a:latin typeface="Lucida Console" panose="020B0609040504020204" pitchFamily="49" charset="0"/>
+              </a:rPr>
+              <a:t>TemperatureData</a:t>
+            </a:r>
+            <a:r>
+              <a:rPr lang="en-US" sz="2200" dirty="0">
+                <a:solidFill>
+                  <a:schemeClr val="tx1"/>
+                </a:solidFill>
+                <a:latin typeface="Lucida Console" panose="020B0609040504020204" pitchFamily="49" charset="0"/>
+              </a:rPr>
+              <a:t> </a:t>
+            </a:r>
+            <a:r>
+              <a:rPr lang="en-US" sz="2200" dirty="0" smtClean="0">
+                <a:solidFill>
+                  <a:schemeClr val="tx1"/>
+                </a:solidFill>
+                <a:latin typeface="Lucida Console" panose="020B0609040504020204" pitchFamily="49" charset="0"/>
+              </a:rPr>
+              <a:t>S1 </a:t>
+            </a:r>
+            <a:r>
+              <a:rPr lang="en-US" sz="2200" dirty="0" smtClean="0">
+                <a:solidFill>
+                  <a:schemeClr val="accent1"/>
+                </a:solidFill>
+                <a:latin typeface="Lucida Console" panose="020B0609040504020204" pitchFamily="49" charset="0"/>
+              </a:rPr>
+              <a:t>TIMESTAMP BY Time</a:t>
+            </a:r>
+            <a:endParaRPr lang="en-US" sz="2200" dirty="0">
+              <a:solidFill>
+                <a:schemeClr val="accent1"/>
+              </a:solidFill>
+              <a:latin typeface="Lucida Console" panose="020B0609040504020204" pitchFamily="49" charset="0"/>
+            </a:endParaRPr>
+          </a:p>
+          <a:p>
+            <a:pPr defTabSz="914099" fontAlgn="base">
+              <a:spcBef>
+                <a:spcPct val="0"/>
+              </a:spcBef>
+              <a:spcAft>
+                <a:spcPct val="0"/>
+              </a:spcAft>
+            </a:pPr>
+            <a:r>
+              <a:rPr lang="en-US" sz="2200" dirty="0" smtClean="0">
+                <a:solidFill>
+                  <a:schemeClr val="tx1"/>
+                </a:solidFill>
+                <a:latin typeface="Lucida Console" panose="020B0609040504020204" pitchFamily="49" charset="0"/>
+              </a:rPr>
+              <a:t> JOIN </a:t>
+            </a:r>
+            <a:r>
+              <a:rPr lang="en-US" sz="2200" dirty="0" err="1">
+                <a:solidFill>
+                  <a:schemeClr val="tx1"/>
+                </a:solidFill>
+                <a:latin typeface="Lucida Console" panose="020B0609040504020204" pitchFamily="49" charset="0"/>
+              </a:rPr>
+              <a:t>VoltageData</a:t>
+            </a:r>
+            <a:r>
+              <a:rPr lang="en-US" sz="2200" dirty="0">
+                <a:solidFill>
+                  <a:schemeClr val="tx1"/>
+                </a:solidFill>
+                <a:latin typeface="Lucida Console" panose="020B0609040504020204" pitchFamily="49" charset="0"/>
+              </a:rPr>
+              <a:t> </a:t>
+            </a:r>
+            <a:r>
+              <a:rPr lang="en-US" sz="2200" dirty="0" smtClean="0">
+                <a:solidFill>
+                  <a:schemeClr val="tx1"/>
+                </a:solidFill>
+                <a:latin typeface="Lucida Console" panose="020B0609040504020204" pitchFamily="49" charset="0"/>
+              </a:rPr>
+              <a:t>S2 </a:t>
+            </a:r>
+            <a:r>
+              <a:rPr lang="en-US" sz="2200" dirty="0" smtClean="0">
+                <a:solidFill>
+                  <a:schemeClr val="accent1"/>
+                </a:solidFill>
+                <a:latin typeface="Lucida Console" panose="020B0609040504020204" pitchFamily="49" charset="0"/>
+              </a:rPr>
+              <a:t>TIMESTAMP BY Time</a:t>
+            </a:r>
+            <a:endParaRPr lang="en-US" sz="2200" dirty="0">
+              <a:solidFill>
+                <a:schemeClr val="accent1"/>
+              </a:solidFill>
+              <a:latin typeface="Lucida Console" panose="020B0609040504020204" pitchFamily="49" charset="0"/>
+            </a:endParaRPr>
+          </a:p>
+          <a:p>
+            <a:pPr defTabSz="914099" fontAlgn="base">
+              <a:spcBef>
+                <a:spcPct val="0"/>
+              </a:spcBef>
+              <a:spcAft>
+                <a:spcPct val="0"/>
+              </a:spcAft>
+            </a:pPr>
+            <a:r>
+              <a:rPr lang="en-US" sz="2200" dirty="0" smtClean="0">
+                <a:solidFill>
+                  <a:schemeClr val="tx1"/>
+                </a:solidFill>
+                <a:latin typeface="Lucida Console" panose="020B0609040504020204" pitchFamily="49" charset="0"/>
+              </a:rPr>
+              <a:t> ON </a:t>
+            </a:r>
+            <a:r>
+              <a:rPr lang="en-US" sz="2200" dirty="0">
+                <a:solidFill>
+                  <a:schemeClr val="tx1"/>
+                </a:solidFill>
+                <a:latin typeface="Lucida Console" panose="020B0609040504020204" pitchFamily="49" charset="0"/>
+              </a:rPr>
+              <a:t>S1.ID = S2.ID</a:t>
+            </a:r>
+          </a:p>
+          <a:p>
+            <a:pPr defTabSz="914099" fontAlgn="base">
+              <a:spcBef>
+                <a:spcPct val="0"/>
+              </a:spcBef>
+              <a:spcAft>
+                <a:spcPct val="0"/>
+              </a:spcAft>
+            </a:pPr>
+            <a:r>
+              <a:rPr lang="en-US" sz="2200" dirty="0" smtClean="0">
+                <a:solidFill>
+                  <a:schemeClr val="tx1"/>
+                </a:solidFill>
+                <a:latin typeface="Lucida Console" panose="020B0609040504020204" pitchFamily="49" charset="0"/>
+              </a:rPr>
+              <a:t> AND </a:t>
+            </a:r>
+            <a:r>
+              <a:rPr lang="en-US" sz="2200" dirty="0">
+                <a:solidFill>
+                  <a:schemeClr val="tx1"/>
+                </a:solidFill>
+                <a:latin typeface="Lucida Console" panose="020B0609040504020204" pitchFamily="49" charset="0"/>
+              </a:rPr>
+              <a:t>DATEDIFF(s, s1, s2) BETWEEN 0 AND </a:t>
+            </a:r>
+            <a:r>
+              <a:rPr lang="en-US" sz="2200" dirty="0" smtClean="0">
+                <a:solidFill>
+                  <a:schemeClr val="tx1"/>
+                </a:solidFill>
+                <a:latin typeface="Lucida Console" panose="020B0609040504020204" pitchFamily="49" charset="0"/>
+              </a:rPr>
+              <a:t>5</a:t>
+            </a:r>
+          </a:p>
+          <a:p>
+            <a:pPr defTabSz="914099" fontAlgn="base">
+              <a:spcBef>
+                <a:spcPct val="0"/>
+              </a:spcBef>
+              <a:spcAft>
+                <a:spcPct val="0"/>
+              </a:spcAft>
+            </a:pPr>
+            <a:r>
+              <a:rPr lang="en-US" sz="2200" dirty="0" smtClean="0">
+                <a:solidFill>
+                  <a:schemeClr val="tx1"/>
+                </a:solidFill>
+                <a:latin typeface="Lucida Console" panose="020B0609040504020204" pitchFamily="49" charset="0"/>
+              </a:rPr>
+              <a:t> WHERE </a:t>
+            </a:r>
+            <a:r>
+              <a:rPr lang="en-US" sz="2200" dirty="0">
+                <a:solidFill>
+                  <a:schemeClr val="tx1"/>
+                </a:solidFill>
+                <a:latin typeface="Lucida Console" panose="020B0609040504020204" pitchFamily="49" charset="0"/>
+              </a:rPr>
+              <a:t>S1.Temperature &gt; 150 OR S2.Voltage &gt; </a:t>
+            </a:r>
+            <a:r>
+              <a:rPr lang="en-US" sz="2200" dirty="0" smtClean="0">
+                <a:solidFill>
+                  <a:schemeClr val="tx1"/>
+                </a:solidFill>
+                <a:latin typeface="Lucida Console" panose="020B0609040504020204" pitchFamily="49" charset="0"/>
+              </a:rPr>
+              <a:t>32</a:t>
+            </a:r>
+            <a:endParaRPr lang="en-US" sz="2200" dirty="0">
+              <a:solidFill>
+                <a:schemeClr val="tx1"/>
+              </a:solidFill>
+              <a:latin typeface="Lucida Console" panose="020B0609040504020204" pitchFamily="49" charset="0"/>
+            </a:endParaRPr>
+          </a:p>
+        </p:txBody>
+      </p:sp>
+      <p:pic>
+        <p:nvPicPr>
+          <p:cNvPr id="3" name="Picture 2"/>
+          <p:cNvPicPr>
+            <a:picLocks noChangeAspect="1"/>
+          </p:cNvPicPr>
+          <p:nvPr/>
+        </p:nvPicPr>
+        <p:blipFill>
+          <a:blip r:embed="rId2"/>
+          <a:stretch>
+            <a:fillRect/>
+          </a:stretch>
+        </p:blipFill>
+        <p:spPr>
+          <a:xfrm>
+            <a:off x="876001" y="4726873"/>
+            <a:ext cx="10489346" cy="1263052"/>
+          </a:xfrm>
+          <a:prstGeom prst="rect">
+            <a:avLst/>
+          </a:prstGeom>
+          <a:ln>
+            <a:solidFill>
+              <a:schemeClr val="tx1">
+                <a:lumMod val="25000"/>
+                <a:lumOff val="75000"/>
+              </a:schemeClr>
+            </a:solidFill>
+          </a:ln>
+        </p:spPr>
+      </p:pic>
+    </p:spTree>
+    <p:extLst>
+      <p:ext uri="{BB962C8B-B14F-4D97-AF65-F5344CB8AC3E}">
+        <p14:creationId xmlns:p14="http://schemas.microsoft.com/office/powerpoint/2010/main" val="4025450887"/>
       </p:ext>
     </p:extLst>
   </p:cSld>

--- a/Content/Stream Analytics/Azure Stream Analytics.pptx
+++ b/Content/Stream Analytics/Azure Stream Analytics.pptx
@@ -5,24 +5,19 @@
     <p:sldMasterId id="2147483680" r:id="rId1"/>
   </p:sldMasterIdLst>
   <p:notesMasterIdLst>
-    <p:notesMasterId r:id="rId17"/>
+    <p:notesMasterId r:id="rId12"/>
   </p:notesMasterIdLst>
   <p:sldIdLst>
     <p:sldId id="256" r:id="rId2"/>
     <p:sldId id="257" r:id="rId3"/>
     <p:sldId id="292" r:id="rId4"/>
-    <p:sldId id="298" r:id="rId5"/>
-    <p:sldId id="299" r:id="rId6"/>
-    <p:sldId id="293" r:id="rId7"/>
-    <p:sldId id="277" r:id="rId8"/>
-    <p:sldId id="285" r:id="rId9"/>
-    <p:sldId id="300" r:id="rId10"/>
-    <p:sldId id="301" r:id="rId11"/>
-    <p:sldId id="291" r:id="rId12"/>
-    <p:sldId id="282" r:id="rId13"/>
-    <p:sldId id="287" r:id="rId14"/>
-    <p:sldId id="270" r:id="rId15"/>
-    <p:sldId id="271" r:id="rId16"/>
+    <p:sldId id="277" r:id="rId5"/>
+    <p:sldId id="300" r:id="rId6"/>
+    <p:sldId id="301" r:id="rId7"/>
+    <p:sldId id="291" r:id="rId8"/>
+    <p:sldId id="282" r:id="rId9"/>
+    <p:sldId id="287" r:id="rId10"/>
+    <p:sldId id="271" r:id="rId11"/>
   </p:sldIdLst>
   <p:sldSz cx="12192000" cy="6858000"/>
   <p:notesSz cx="6858000" cy="9144000"/>
@@ -211,7 +206,7 @@
           <a:p>
             <a:fld id="{2E5CA586-3557-4985-BCD4-35EF5AC8B4A4}" type="datetimeFigureOut">
               <a:rPr lang="en-US" smtClean="0"/>
-              <a:t>9/14/2015</a:t>
+              <a:t>10/7/2015</a:t>
             </a:fld>
             <a:endParaRPr lang="en-US"/>
           </a:p>
@@ -11376,4183 +11371,6 @@
             <a:spLocks noGrp="1"/>
           </p:cNvSpPr>
           <p:nvPr>
-            <p:ph type="title"/>
-          </p:nvPr>
-        </p:nvSpPr>
-        <p:spPr/>
-        <p:txBody>
-          <a:bodyPr/>
-          <a:lstStyle/>
-          <a:p>
-            <a:r>
-              <a:rPr lang="en-US" dirty="0" smtClean="0"/>
-              <a:t>Joining Two Inputs</a:t>
-            </a:r>
-            <a:endParaRPr lang="en-US" dirty="0"/>
-          </a:p>
-        </p:txBody>
-      </p:sp>
-      <p:sp>
-        <p:nvSpPr>
-          <p:cNvPr id="4" name="Rectangle 3"/>
-          <p:cNvSpPr/>
-          <p:nvPr/>
-        </p:nvSpPr>
-        <p:spPr bwMode="auto">
-          <a:xfrm>
-            <a:off x="876001" y="1696128"/>
-            <a:ext cx="10438410" cy="2329607"/>
-          </a:xfrm>
-          <a:prstGeom prst="rect">
-            <a:avLst/>
-          </a:prstGeom>
-          <a:solidFill>
-            <a:schemeClr val="tx1">
-              <a:lumMod val="10000"/>
-              <a:lumOff val="90000"/>
-            </a:schemeClr>
-          </a:solidFill>
-          <a:ln w="38100">
-            <a:solidFill>
-              <a:schemeClr val="tx1">
-                <a:lumMod val="50000"/>
-                <a:lumOff val="50000"/>
-              </a:schemeClr>
-            </a:solidFill>
-            <a:headEnd type="none" w="med" len="med"/>
-            <a:tailEnd type="none" w="med" len="med"/>
-          </a:ln>
-          <a:effectLst/>
-        </p:spPr>
-        <p:style>
-          <a:lnRef idx="1">
-            <a:schemeClr val="accent2"/>
-          </a:lnRef>
-          <a:fillRef idx="3">
-            <a:schemeClr val="accent2"/>
-          </a:fillRef>
-          <a:effectRef idx="2">
-            <a:schemeClr val="accent2"/>
-          </a:effectRef>
-          <a:fontRef idx="minor">
-            <a:schemeClr val="lt1"/>
-          </a:fontRef>
-        </p:style>
-        <p:txBody>
-          <a:bodyPr vert="horz" wrap="square" lIns="91436" tIns="45718" rIns="91436" bIns="45718" numCol="1" rtlCol="0" anchor="ctr" anchorCtr="0" compatLnSpc="1">
-            <a:prstTxWarp prst="textNoShape">
-              <a:avLst/>
-            </a:prstTxWarp>
-          </a:bodyPr>
-          <a:lstStyle/>
-          <a:p>
-            <a:pPr defTabSz="914099" fontAlgn="base">
-              <a:spcBef>
-                <a:spcPct val="0"/>
-              </a:spcBef>
-              <a:spcAft>
-                <a:spcPct val="0"/>
-              </a:spcAft>
-            </a:pPr>
-            <a:r>
-              <a:rPr lang="en-US" sz="2200" dirty="0">
-                <a:solidFill>
-                  <a:schemeClr val="tx1"/>
-                </a:solidFill>
-                <a:latin typeface="Lucida Console" panose="020B0609040504020204" pitchFamily="49" charset="0"/>
-              </a:rPr>
-              <a:t> SELECT </a:t>
-            </a:r>
-            <a:r>
-              <a:rPr lang="en-US" sz="2200" dirty="0" smtClean="0">
-                <a:solidFill>
-                  <a:schemeClr val="tx1"/>
-                </a:solidFill>
-                <a:latin typeface="Lucida Console" panose="020B0609040504020204" pitchFamily="49" charset="0"/>
-              </a:rPr>
-              <a:t>S1.Time, S1.ID</a:t>
-            </a:r>
-            <a:r>
-              <a:rPr lang="en-US" sz="2200" dirty="0">
-                <a:solidFill>
-                  <a:schemeClr val="tx1"/>
-                </a:solidFill>
-                <a:latin typeface="Lucida Console" panose="020B0609040504020204" pitchFamily="49" charset="0"/>
-              </a:rPr>
-              <a:t>, S1.Temperature, S2.Voltage</a:t>
-            </a:r>
-          </a:p>
-          <a:p>
-            <a:pPr defTabSz="914099" fontAlgn="base">
-              <a:spcBef>
-                <a:spcPct val="0"/>
-              </a:spcBef>
-              <a:spcAft>
-                <a:spcPct val="0"/>
-              </a:spcAft>
-            </a:pPr>
-            <a:r>
-              <a:rPr lang="en-US" sz="2200" dirty="0" smtClean="0">
-                <a:solidFill>
-                  <a:schemeClr val="tx1"/>
-                </a:solidFill>
-                <a:latin typeface="Lucida Console" panose="020B0609040504020204" pitchFamily="49" charset="0"/>
-              </a:rPr>
-              <a:t> FROM </a:t>
-            </a:r>
-            <a:r>
-              <a:rPr lang="en-US" sz="2200" dirty="0" err="1">
-                <a:solidFill>
-                  <a:schemeClr val="tx1"/>
-                </a:solidFill>
-                <a:latin typeface="Lucida Console" panose="020B0609040504020204" pitchFamily="49" charset="0"/>
-              </a:rPr>
-              <a:t>TemperatureData</a:t>
-            </a:r>
-            <a:r>
-              <a:rPr lang="en-US" sz="2200" dirty="0">
-                <a:solidFill>
-                  <a:schemeClr val="tx1"/>
-                </a:solidFill>
-                <a:latin typeface="Lucida Console" panose="020B0609040504020204" pitchFamily="49" charset="0"/>
-              </a:rPr>
-              <a:t> S1</a:t>
-            </a:r>
-          </a:p>
-          <a:p>
-            <a:pPr defTabSz="914099" fontAlgn="base">
-              <a:spcBef>
-                <a:spcPct val="0"/>
-              </a:spcBef>
-              <a:spcAft>
-                <a:spcPct val="0"/>
-              </a:spcAft>
-            </a:pPr>
-            <a:r>
-              <a:rPr lang="en-US" sz="2200" dirty="0" smtClean="0">
-                <a:solidFill>
-                  <a:schemeClr val="tx1"/>
-                </a:solidFill>
-                <a:latin typeface="Lucida Console" panose="020B0609040504020204" pitchFamily="49" charset="0"/>
-              </a:rPr>
-              <a:t> JOIN </a:t>
-            </a:r>
-            <a:r>
-              <a:rPr lang="en-US" sz="2200" dirty="0" err="1">
-                <a:solidFill>
-                  <a:schemeClr val="tx1"/>
-                </a:solidFill>
-                <a:latin typeface="Lucida Console" panose="020B0609040504020204" pitchFamily="49" charset="0"/>
-              </a:rPr>
-              <a:t>VoltageData</a:t>
-            </a:r>
-            <a:r>
-              <a:rPr lang="en-US" sz="2200" dirty="0">
-                <a:solidFill>
-                  <a:schemeClr val="tx1"/>
-                </a:solidFill>
-                <a:latin typeface="Lucida Console" panose="020B0609040504020204" pitchFamily="49" charset="0"/>
-              </a:rPr>
-              <a:t> S2</a:t>
-            </a:r>
-          </a:p>
-          <a:p>
-            <a:pPr defTabSz="914099" fontAlgn="base">
-              <a:spcBef>
-                <a:spcPct val="0"/>
-              </a:spcBef>
-              <a:spcAft>
-                <a:spcPct val="0"/>
-              </a:spcAft>
-            </a:pPr>
-            <a:r>
-              <a:rPr lang="en-US" sz="2200" dirty="0" smtClean="0">
-                <a:solidFill>
-                  <a:schemeClr val="tx1"/>
-                </a:solidFill>
-                <a:latin typeface="Lucida Console" panose="020B0609040504020204" pitchFamily="49" charset="0"/>
-              </a:rPr>
-              <a:t> ON </a:t>
-            </a:r>
-            <a:r>
-              <a:rPr lang="en-US" sz="2200" dirty="0">
-                <a:solidFill>
-                  <a:schemeClr val="tx1"/>
-                </a:solidFill>
-                <a:latin typeface="Lucida Console" panose="020B0609040504020204" pitchFamily="49" charset="0"/>
-              </a:rPr>
-              <a:t>S1.ID = S2.ID</a:t>
-            </a:r>
-          </a:p>
-          <a:p>
-            <a:pPr defTabSz="914099" fontAlgn="base">
-              <a:spcBef>
-                <a:spcPct val="0"/>
-              </a:spcBef>
-              <a:spcAft>
-                <a:spcPct val="0"/>
-              </a:spcAft>
-            </a:pPr>
-            <a:r>
-              <a:rPr lang="en-US" sz="2200" dirty="0" smtClean="0">
-                <a:solidFill>
-                  <a:schemeClr val="tx1"/>
-                </a:solidFill>
-                <a:latin typeface="Lucida Console" panose="020B0609040504020204" pitchFamily="49" charset="0"/>
-              </a:rPr>
-              <a:t> AND </a:t>
-            </a:r>
-            <a:r>
-              <a:rPr lang="en-US" sz="2200" dirty="0">
-                <a:solidFill>
-                  <a:schemeClr val="tx1"/>
-                </a:solidFill>
-                <a:latin typeface="Lucida Console" panose="020B0609040504020204" pitchFamily="49" charset="0"/>
-              </a:rPr>
-              <a:t>DATEDIFF(s, s1, s2) BETWEEN 0 AND 5</a:t>
-            </a:r>
-          </a:p>
-        </p:txBody>
-      </p:sp>
-      <p:pic>
-        <p:nvPicPr>
-          <p:cNvPr id="3" name="Picture 2"/>
-          <p:cNvPicPr>
-            <a:picLocks noChangeAspect="1"/>
-          </p:cNvPicPr>
-          <p:nvPr/>
-        </p:nvPicPr>
-        <p:blipFill>
-          <a:blip r:embed="rId2"/>
-          <a:stretch>
-            <a:fillRect/>
-          </a:stretch>
-        </p:blipFill>
-        <p:spPr>
-          <a:xfrm>
-            <a:off x="876001" y="4501243"/>
-            <a:ext cx="10474672" cy="1246414"/>
-          </a:xfrm>
-          <a:prstGeom prst="rect">
-            <a:avLst/>
-          </a:prstGeom>
-          <a:ln>
-            <a:solidFill>
-              <a:schemeClr val="tx1">
-                <a:lumMod val="25000"/>
-                <a:lumOff val="75000"/>
-              </a:schemeClr>
-            </a:solidFill>
-          </a:ln>
-        </p:spPr>
-      </p:pic>
-    </p:spTree>
-    <p:extLst>
-      <p:ext uri="{BB962C8B-B14F-4D97-AF65-F5344CB8AC3E}">
-        <p14:creationId xmlns:p14="http://schemas.microsoft.com/office/powerpoint/2010/main" val="3214649679"/>
-      </p:ext>
-    </p:extLst>
-  </p:cSld>
-  <p:clrMapOvr>
-    <a:masterClrMapping/>
-  </p:clrMapOvr>
-  <p:transition>
-    <p:fade/>
-  </p:transition>
-  <p:timing>
-    <p:tnLst>
-      <p:par>
-        <p:cTn id="1" dur="indefinite" restart="never" nodeType="tmRoot"/>
-      </p:par>
-    </p:tnLst>
-  </p:timing>
-</p:sld>
-</file>
-
-<file path=ppt/slides/slide11.xml><?xml version="1.0" encoding="utf-8"?>
-<p:sld xmlns:a="http://schemas.openxmlformats.org/drawingml/2006/main" xmlns:r="http://schemas.openxmlformats.org/officeDocument/2006/relationships" xmlns:p="http://schemas.openxmlformats.org/presentationml/2006/main">
-  <p:cSld>
-    <p:spTree>
-      <p:nvGrpSpPr>
-        <p:cNvPr id="1" name=""/>
-        <p:cNvGrpSpPr/>
-        <p:nvPr/>
-      </p:nvGrpSpPr>
-      <p:grpSpPr>
-        <a:xfrm>
-          <a:off x="0" y="0"/>
-          <a:ext cx="0" cy="0"/>
-          <a:chOff x="0" y="0"/>
-          <a:chExt cx="0" cy="0"/>
-        </a:xfrm>
-      </p:grpSpPr>
-      <p:sp>
-        <p:nvSpPr>
-          <p:cNvPr id="2" name="Title 1"/>
-          <p:cNvSpPr>
-            <a:spLocks noGrp="1"/>
-          </p:cNvSpPr>
-          <p:nvPr>
-            <p:ph type="title"/>
-          </p:nvPr>
-        </p:nvSpPr>
-        <p:spPr>
-          <a:xfrm>
-            <a:off x="519249" y="228603"/>
-            <a:ext cx="11151917" cy="747641"/>
-          </a:xfrm>
-        </p:spPr>
-        <p:txBody>
-          <a:bodyPr/>
-          <a:lstStyle/>
-          <a:p>
-            <a:r>
-              <a:rPr lang="en-US" dirty="0" smtClean="0"/>
-              <a:t>Replacing Arrival Time with Event Time</a:t>
-            </a:r>
-            <a:endParaRPr lang="en-US" dirty="0"/>
-          </a:p>
-        </p:txBody>
-      </p:sp>
-      <p:sp>
-        <p:nvSpPr>
-          <p:cNvPr id="4" name="Rectangle 3"/>
-          <p:cNvSpPr/>
-          <p:nvPr/>
-        </p:nvSpPr>
-        <p:spPr bwMode="auto">
-          <a:xfrm>
-            <a:off x="876001" y="1696128"/>
-            <a:ext cx="10438410" cy="2329607"/>
-          </a:xfrm>
-          <a:prstGeom prst="rect">
-            <a:avLst/>
-          </a:prstGeom>
-          <a:solidFill>
-            <a:schemeClr val="tx1">
-              <a:lumMod val="10000"/>
-              <a:lumOff val="90000"/>
-            </a:schemeClr>
-          </a:solidFill>
-          <a:ln w="38100">
-            <a:solidFill>
-              <a:schemeClr val="tx1">
-                <a:lumMod val="50000"/>
-                <a:lumOff val="50000"/>
-              </a:schemeClr>
-            </a:solidFill>
-            <a:headEnd type="none" w="med" len="med"/>
-            <a:tailEnd type="none" w="med" len="med"/>
-          </a:ln>
-          <a:effectLst/>
-        </p:spPr>
-        <p:style>
-          <a:lnRef idx="1">
-            <a:schemeClr val="accent2"/>
-          </a:lnRef>
-          <a:fillRef idx="3">
-            <a:schemeClr val="accent2"/>
-          </a:fillRef>
-          <a:effectRef idx="2">
-            <a:schemeClr val="accent2"/>
-          </a:effectRef>
-          <a:fontRef idx="minor">
-            <a:schemeClr val="lt1"/>
-          </a:fontRef>
-        </p:style>
-        <p:txBody>
-          <a:bodyPr vert="horz" wrap="square" lIns="91436" tIns="45718" rIns="91436" bIns="45718" numCol="1" rtlCol="0" anchor="ctr" anchorCtr="0" compatLnSpc="1">
-            <a:prstTxWarp prst="textNoShape">
-              <a:avLst/>
-            </a:prstTxWarp>
-          </a:bodyPr>
-          <a:lstStyle/>
-          <a:p>
-            <a:pPr defTabSz="914099" fontAlgn="base">
-              <a:spcBef>
-                <a:spcPct val="0"/>
-              </a:spcBef>
-              <a:spcAft>
-                <a:spcPct val="0"/>
-              </a:spcAft>
-            </a:pPr>
-            <a:r>
-              <a:rPr lang="en-US" sz="2200" dirty="0">
-                <a:solidFill>
-                  <a:schemeClr val="tx1"/>
-                </a:solidFill>
-                <a:latin typeface="Lucida Console" panose="020B0609040504020204" pitchFamily="49" charset="0"/>
-              </a:rPr>
-              <a:t> SELECT S1.ID, S1.Temperature, S2.Voltage</a:t>
-            </a:r>
-          </a:p>
-          <a:p>
-            <a:pPr defTabSz="914099" fontAlgn="base">
-              <a:spcBef>
-                <a:spcPct val="0"/>
-              </a:spcBef>
-              <a:spcAft>
-                <a:spcPct val="0"/>
-              </a:spcAft>
-            </a:pPr>
-            <a:r>
-              <a:rPr lang="en-US" sz="2200" dirty="0" smtClean="0">
-                <a:solidFill>
-                  <a:schemeClr val="tx1"/>
-                </a:solidFill>
-                <a:latin typeface="Lucida Console" panose="020B0609040504020204" pitchFamily="49" charset="0"/>
-              </a:rPr>
-              <a:t> FROM </a:t>
-            </a:r>
-            <a:r>
-              <a:rPr lang="en-US" sz="2200" dirty="0" err="1">
-                <a:solidFill>
-                  <a:schemeClr val="tx1"/>
-                </a:solidFill>
-                <a:latin typeface="Lucida Console" panose="020B0609040504020204" pitchFamily="49" charset="0"/>
-              </a:rPr>
-              <a:t>TemperatureData</a:t>
-            </a:r>
-            <a:r>
-              <a:rPr lang="en-US" sz="2200" dirty="0">
-                <a:solidFill>
-                  <a:schemeClr val="tx1"/>
-                </a:solidFill>
-                <a:latin typeface="Lucida Console" panose="020B0609040504020204" pitchFamily="49" charset="0"/>
-              </a:rPr>
-              <a:t> </a:t>
-            </a:r>
-            <a:r>
-              <a:rPr lang="en-US" sz="2200" dirty="0" smtClean="0">
-                <a:solidFill>
-                  <a:schemeClr val="tx1"/>
-                </a:solidFill>
-                <a:latin typeface="Lucida Console" panose="020B0609040504020204" pitchFamily="49" charset="0"/>
-              </a:rPr>
-              <a:t>S1 </a:t>
-            </a:r>
-            <a:r>
-              <a:rPr lang="en-US" sz="2200" dirty="0" smtClean="0">
-                <a:solidFill>
-                  <a:schemeClr val="accent1"/>
-                </a:solidFill>
-                <a:latin typeface="Lucida Console" panose="020B0609040504020204" pitchFamily="49" charset="0"/>
-              </a:rPr>
-              <a:t>TIMESTAMP BY Time</a:t>
-            </a:r>
-            <a:endParaRPr lang="en-US" sz="2200" dirty="0">
-              <a:solidFill>
-                <a:schemeClr val="accent1"/>
-              </a:solidFill>
-              <a:latin typeface="Lucida Console" panose="020B0609040504020204" pitchFamily="49" charset="0"/>
-            </a:endParaRPr>
-          </a:p>
-          <a:p>
-            <a:pPr defTabSz="914099" fontAlgn="base">
-              <a:spcBef>
-                <a:spcPct val="0"/>
-              </a:spcBef>
-              <a:spcAft>
-                <a:spcPct val="0"/>
-              </a:spcAft>
-            </a:pPr>
-            <a:r>
-              <a:rPr lang="en-US" sz="2200" dirty="0" smtClean="0">
-                <a:solidFill>
-                  <a:schemeClr val="tx1"/>
-                </a:solidFill>
-                <a:latin typeface="Lucida Console" panose="020B0609040504020204" pitchFamily="49" charset="0"/>
-              </a:rPr>
-              <a:t> JOIN </a:t>
-            </a:r>
-            <a:r>
-              <a:rPr lang="en-US" sz="2200" dirty="0" err="1">
-                <a:solidFill>
-                  <a:schemeClr val="tx1"/>
-                </a:solidFill>
-                <a:latin typeface="Lucida Console" panose="020B0609040504020204" pitchFamily="49" charset="0"/>
-              </a:rPr>
-              <a:t>VoltageData</a:t>
-            </a:r>
-            <a:r>
-              <a:rPr lang="en-US" sz="2200" dirty="0">
-                <a:solidFill>
-                  <a:schemeClr val="tx1"/>
-                </a:solidFill>
-                <a:latin typeface="Lucida Console" panose="020B0609040504020204" pitchFamily="49" charset="0"/>
-              </a:rPr>
-              <a:t> </a:t>
-            </a:r>
-            <a:r>
-              <a:rPr lang="en-US" sz="2200" dirty="0" smtClean="0">
-                <a:solidFill>
-                  <a:schemeClr val="tx1"/>
-                </a:solidFill>
-                <a:latin typeface="Lucida Console" panose="020B0609040504020204" pitchFamily="49" charset="0"/>
-              </a:rPr>
-              <a:t>S2 </a:t>
-            </a:r>
-            <a:r>
-              <a:rPr lang="en-US" sz="2200" dirty="0" smtClean="0">
-                <a:solidFill>
-                  <a:schemeClr val="accent1"/>
-                </a:solidFill>
-                <a:latin typeface="Lucida Console" panose="020B0609040504020204" pitchFamily="49" charset="0"/>
-              </a:rPr>
-              <a:t>TIMESTAMP BY Time</a:t>
-            </a:r>
-            <a:endParaRPr lang="en-US" sz="2200" dirty="0">
-              <a:solidFill>
-                <a:schemeClr val="accent1"/>
-              </a:solidFill>
-              <a:latin typeface="Lucida Console" panose="020B0609040504020204" pitchFamily="49" charset="0"/>
-            </a:endParaRPr>
-          </a:p>
-          <a:p>
-            <a:pPr defTabSz="914099" fontAlgn="base">
-              <a:spcBef>
-                <a:spcPct val="0"/>
-              </a:spcBef>
-              <a:spcAft>
-                <a:spcPct val="0"/>
-              </a:spcAft>
-            </a:pPr>
-            <a:r>
-              <a:rPr lang="en-US" sz="2200" dirty="0" smtClean="0">
-                <a:solidFill>
-                  <a:schemeClr val="tx1"/>
-                </a:solidFill>
-                <a:latin typeface="Lucida Console" panose="020B0609040504020204" pitchFamily="49" charset="0"/>
-              </a:rPr>
-              <a:t> ON </a:t>
-            </a:r>
-            <a:r>
-              <a:rPr lang="en-US" sz="2200" dirty="0">
-                <a:solidFill>
-                  <a:schemeClr val="tx1"/>
-                </a:solidFill>
-                <a:latin typeface="Lucida Console" panose="020B0609040504020204" pitchFamily="49" charset="0"/>
-              </a:rPr>
-              <a:t>S1.ID = S2.ID</a:t>
-            </a:r>
-          </a:p>
-          <a:p>
-            <a:pPr defTabSz="914099" fontAlgn="base">
-              <a:spcBef>
-                <a:spcPct val="0"/>
-              </a:spcBef>
-              <a:spcAft>
-                <a:spcPct val="0"/>
-              </a:spcAft>
-            </a:pPr>
-            <a:r>
-              <a:rPr lang="en-US" sz="2200" dirty="0" smtClean="0">
-                <a:solidFill>
-                  <a:schemeClr val="tx1"/>
-                </a:solidFill>
-                <a:latin typeface="Lucida Console" panose="020B0609040504020204" pitchFamily="49" charset="0"/>
-              </a:rPr>
-              <a:t> AND </a:t>
-            </a:r>
-            <a:r>
-              <a:rPr lang="en-US" sz="2200" dirty="0">
-                <a:solidFill>
-                  <a:schemeClr val="tx1"/>
-                </a:solidFill>
-                <a:latin typeface="Lucida Console" panose="020B0609040504020204" pitchFamily="49" charset="0"/>
-              </a:rPr>
-              <a:t>DATEDIFF(s, s1, s2) BETWEEN 0 AND 5</a:t>
-            </a:r>
-          </a:p>
-        </p:txBody>
-      </p:sp>
-      <p:pic>
-        <p:nvPicPr>
-          <p:cNvPr id="3" name="Picture 2"/>
-          <p:cNvPicPr>
-            <a:picLocks noChangeAspect="1"/>
-          </p:cNvPicPr>
-          <p:nvPr/>
-        </p:nvPicPr>
-        <p:blipFill>
-          <a:blip r:embed="rId2"/>
-          <a:stretch>
-            <a:fillRect/>
-          </a:stretch>
-        </p:blipFill>
-        <p:spPr>
-          <a:xfrm>
-            <a:off x="876001" y="4508356"/>
-            <a:ext cx="10489346" cy="1263052"/>
-          </a:xfrm>
-          <a:prstGeom prst="rect">
-            <a:avLst/>
-          </a:prstGeom>
-          <a:ln>
-            <a:solidFill>
-              <a:schemeClr val="tx1">
-                <a:lumMod val="25000"/>
-                <a:lumOff val="75000"/>
-              </a:schemeClr>
-            </a:solidFill>
-          </a:ln>
-        </p:spPr>
-      </p:pic>
-    </p:spTree>
-    <p:extLst>
-      <p:ext uri="{BB962C8B-B14F-4D97-AF65-F5344CB8AC3E}">
-        <p14:creationId xmlns:p14="http://schemas.microsoft.com/office/powerpoint/2010/main" val="4025450887"/>
-      </p:ext>
-    </p:extLst>
-  </p:cSld>
-  <p:clrMapOvr>
-    <a:masterClrMapping/>
-  </p:clrMapOvr>
-  <p:transition>
-    <p:fade/>
-  </p:transition>
-  <p:timing>
-    <p:tnLst>
-      <p:par>
-        <p:cTn id="1" dur="indefinite" restart="never" nodeType="tmRoot"/>
-      </p:par>
-    </p:tnLst>
-  </p:timing>
-</p:sld>
-</file>
-
-<file path=ppt/slides/slide12.xml><?xml version="1.0" encoding="utf-8"?>
-<p:sld xmlns:a="http://schemas.openxmlformats.org/drawingml/2006/main" xmlns:r="http://schemas.openxmlformats.org/officeDocument/2006/relationships" xmlns:p="http://schemas.openxmlformats.org/presentationml/2006/main">
-  <p:cSld>
-    <p:spTree>
-      <p:nvGrpSpPr>
-        <p:cNvPr id="1" name=""/>
-        <p:cNvGrpSpPr/>
-        <p:nvPr/>
-      </p:nvGrpSpPr>
-      <p:grpSpPr>
-        <a:xfrm>
-          <a:off x="0" y="0"/>
-          <a:ext cx="0" cy="0"/>
-          <a:chOff x="0" y="0"/>
-          <a:chExt cx="0" cy="0"/>
-        </a:xfrm>
-      </p:grpSpPr>
-      <p:sp>
-        <p:nvSpPr>
-          <p:cNvPr id="2" name="Title 1"/>
-          <p:cNvSpPr>
-            <a:spLocks noGrp="1"/>
-          </p:cNvSpPr>
-          <p:nvPr>
-            <p:ph type="title"/>
-          </p:nvPr>
-        </p:nvSpPr>
-        <p:spPr/>
-        <p:txBody>
-          <a:bodyPr/>
-          <a:lstStyle/>
-          <a:p>
-            <a:r>
-              <a:rPr lang="en-US" dirty="0" smtClean="0"/>
-              <a:t>Windowing</a:t>
-            </a:r>
-            <a:endParaRPr lang="en-US" dirty="0"/>
-          </a:p>
-        </p:txBody>
-      </p:sp>
-      <p:sp>
-        <p:nvSpPr>
-          <p:cNvPr id="3" name="Content Placeholder 2"/>
-          <p:cNvSpPr>
-            <a:spLocks noGrp="1"/>
-          </p:cNvSpPr>
-          <p:nvPr>
-            <p:ph idx="1"/>
-          </p:nvPr>
-        </p:nvSpPr>
-        <p:spPr>
-          <a:xfrm>
-            <a:off x="519248" y="1447800"/>
-            <a:ext cx="10999818" cy="886140"/>
-          </a:xfrm>
-        </p:spPr>
-        <p:txBody>
-          <a:bodyPr/>
-          <a:lstStyle/>
-          <a:p>
-            <a:r>
-              <a:rPr lang="en-US" dirty="0" smtClean="0"/>
-              <a:t>Core requirement for stream-processing systems for counting or aggregating events in a specified time period</a:t>
-            </a:r>
-          </a:p>
-        </p:txBody>
-      </p:sp>
-      <p:cxnSp>
-        <p:nvCxnSpPr>
-          <p:cNvPr id="9" name="Straight Connector 8"/>
-          <p:cNvCxnSpPr/>
-          <p:nvPr/>
-        </p:nvCxnSpPr>
-        <p:spPr>
-          <a:xfrm>
-            <a:off x="688763" y="3313215"/>
-            <a:ext cx="2945083" cy="8905"/>
-          </a:xfrm>
-          <a:prstGeom prst="line">
-            <a:avLst/>
-          </a:prstGeom>
-          <a:ln w="38100"/>
-        </p:spPr>
-        <p:style>
-          <a:lnRef idx="1">
-            <a:schemeClr val="accent1"/>
-          </a:lnRef>
-          <a:fillRef idx="0">
-            <a:schemeClr val="accent1"/>
-          </a:fillRef>
-          <a:effectRef idx="0">
-            <a:schemeClr val="accent1"/>
-          </a:effectRef>
-          <a:fontRef idx="minor">
-            <a:schemeClr val="tx1"/>
-          </a:fontRef>
-        </p:style>
-      </p:cxnSp>
-      <p:sp>
-        <p:nvSpPr>
-          <p:cNvPr id="10" name="Rectangle 9"/>
-          <p:cNvSpPr/>
-          <p:nvPr/>
-        </p:nvSpPr>
-        <p:spPr bwMode="auto">
-          <a:xfrm>
-            <a:off x="902519" y="3247900"/>
-            <a:ext cx="95002" cy="148441"/>
-          </a:xfrm>
-          <a:prstGeom prst="rect">
-            <a:avLst/>
-          </a:prstGeom>
-          <a:solidFill>
-            <a:schemeClr val="accent2"/>
-          </a:solidFill>
-          <a:ln>
-            <a:noFill/>
-            <a:headEnd type="none" w="med" len="med"/>
-            <a:tailEnd type="none" w="med" len="med"/>
-          </a:ln>
-          <a:effectLst/>
-        </p:spPr>
-        <p:style>
-          <a:lnRef idx="1">
-            <a:schemeClr val="accent2"/>
-          </a:lnRef>
-          <a:fillRef idx="3">
-            <a:schemeClr val="accent2"/>
-          </a:fillRef>
-          <a:effectRef idx="2">
-            <a:schemeClr val="accent2"/>
-          </a:effectRef>
-          <a:fontRef idx="minor">
-            <a:schemeClr val="lt1"/>
-          </a:fontRef>
-        </p:style>
-        <p:txBody>
-          <a:bodyPr vert="horz" wrap="square" lIns="91436" tIns="45718" rIns="91436" bIns="45718" numCol="1" rtlCol="0" anchor="ctr" anchorCtr="0" compatLnSpc="1">
-            <a:prstTxWarp prst="textNoShape">
-              <a:avLst/>
-            </a:prstTxWarp>
-          </a:bodyPr>
-          <a:lstStyle/>
-          <a:p>
-            <a:pPr algn="ctr" defTabSz="914099" fontAlgn="base">
-              <a:spcBef>
-                <a:spcPct val="0"/>
-              </a:spcBef>
-              <a:spcAft>
-                <a:spcPct val="0"/>
-              </a:spcAft>
-            </a:pPr>
-            <a:endParaRPr lang="en-US" sz="2200" dirty="0" smtClean="0">
-              <a:gradFill>
-                <a:gsLst>
-                  <a:gs pos="0">
-                    <a:srgbClr val="FFFFFF"/>
-                  </a:gs>
-                  <a:gs pos="100000">
-                    <a:srgbClr val="FFFFFF"/>
-                  </a:gs>
-                </a:gsLst>
-                <a:lin ang="5400000" scaled="0"/>
-              </a:gradFill>
-            </a:endParaRPr>
-          </a:p>
-        </p:txBody>
-      </p:sp>
-      <p:sp>
-        <p:nvSpPr>
-          <p:cNvPr id="11" name="Rectangle 10"/>
-          <p:cNvSpPr/>
-          <p:nvPr/>
-        </p:nvSpPr>
-        <p:spPr bwMode="auto">
-          <a:xfrm>
-            <a:off x="1080649" y="3247900"/>
-            <a:ext cx="95002" cy="148441"/>
-          </a:xfrm>
-          <a:prstGeom prst="rect">
-            <a:avLst/>
-          </a:prstGeom>
-          <a:solidFill>
-            <a:schemeClr val="accent2"/>
-          </a:solidFill>
-          <a:ln>
-            <a:noFill/>
-            <a:headEnd type="none" w="med" len="med"/>
-            <a:tailEnd type="none" w="med" len="med"/>
-          </a:ln>
-          <a:effectLst/>
-        </p:spPr>
-        <p:style>
-          <a:lnRef idx="1">
-            <a:schemeClr val="accent2"/>
-          </a:lnRef>
-          <a:fillRef idx="3">
-            <a:schemeClr val="accent2"/>
-          </a:fillRef>
-          <a:effectRef idx="2">
-            <a:schemeClr val="accent2"/>
-          </a:effectRef>
-          <a:fontRef idx="minor">
-            <a:schemeClr val="lt1"/>
-          </a:fontRef>
-        </p:style>
-        <p:txBody>
-          <a:bodyPr vert="horz" wrap="square" lIns="91436" tIns="45718" rIns="91436" bIns="45718" numCol="1" rtlCol="0" anchor="ctr" anchorCtr="0" compatLnSpc="1">
-            <a:prstTxWarp prst="textNoShape">
-              <a:avLst/>
-            </a:prstTxWarp>
-          </a:bodyPr>
-          <a:lstStyle/>
-          <a:p>
-            <a:pPr algn="ctr" defTabSz="914099" fontAlgn="base">
-              <a:spcBef>
-                <a:spcPct val="0"/>
-              </a:spcBef>
-              <a:spcAft>
-                <a:spcPct val="0"/>
-              </a:spcAft>
-            </a:pPr>
-            <a:endParaRPr lang="en-US" sz="2200" dirty="0" smtClean="0">
-              <a:gradFill>
-                <a:gsLst>
-                  <a:gs pos="0">
-                    <a:srgbClr val="FFFFFF"/>
-                  </a:gs>
-                  <a:gs pos="100000">
-                    <a:srgbClr val="FFFFFF"/>
-                  </a:gs>
-                </a:gsLst>
-                <a:lin ang="5400000" scaled="0"/>
-              </a:gradFill>
-            </a:endParaRPr>
-          </a:p>
-        </p:txBody>
-      </p:sp>
-      <p:sp>
-        <p:nvSpPr>
-          <p:cNvPr id="12" name="Rectangle 11"/>
-          <p:cNvSpPr/>
-          <p:nvPr/>
-        </p:nvSpPr>
-        <p:spPr bwMode="auto">
-          <a:xfrm>
-            <a:off x="1258779" y="3247900"/>
-            <a:ext cx="95002" cy="148441"/>
-          </a:xfrm>
-          <a:prstGeom prst="rect">
-            <a:avLst/>
-          </a:prstGeom>
-          <a:solidFill>
-            <a:schemeClr val="accent2"/>
-          </a:solidFill>
-          <a:ln>
-            <a:noFill/>
-            <a:headEnd type="none" w="med" len="med"/>
-            <a:tailEnd type="none" w="med" len="med"/>
-          </a:ln>
-          <a:effectLst/>
-        </p:spPr>
-        <p:style>
-          <a:lnRef idx="1">
-            <a:schemeClr val="accent2"/>
-          </a:lnRef>
-          <a:fillRef idx="3">
-            <a:schemeClr val="accent2"/>
-          </a:fillRef>
-          <a:effectRef idx="2">
-            <a:schemeClr val="accent2"/>
-          </a:effectRef>
-          <a:fontRef idx="minor">
-            <a:schemeClr val="lt1"/>
-          </a:fontRef>
-        </p:style>
-        <p:txBody>
-          <a:bodyPr vert="horz" wrap="square" lIns="91436" tIns="45718" rIns="91436" bIns="45718" numCol="1" rtlCol="0" anchor="ctr" anchorCtr="0" compatLnSpc="1">
-            <a:prstTxWarp prst="textNoShape">
-              <a:avLst/>
-            </a:prstTxWarp>
-          </a:bodyPr>
-          <a:lstStyle/>
-          <a:p>
-            <a:pPr algn="ctr" defTabSz="914099" fontAlgn="base">
-              <a:spcBef>
-                <a:spcPct val="0"/>
-              </a:spcBef>
-              <a:spcAft>
-                <a:spcPct val="0"/>
-              </a:spcAft>
-            </a:pPr>
-            <a:endParaRPr lang="en-US" sz="2200" dirty="0" smtClean="0">
-              <a:gradFill>
-                <a:gsLst>
-                  <a:gs pos="0">
-                    <a:srgbClr val="FFFFFF"/>
-                  </a:gs>
-                  <a:gs pos="100000">
-                    <a:srgbClr val="FFFFFF"/>
-                  </a:gs>
-                </a:gsLst>
-                <a:lin ang="5400000" scaled="0"/>
-              </a:gradFill>
-            </a:endParaRPr>
-          </a:p>
-        </p:txBody>
-      </p:sp>
-      <p:sp>
-        <p:nvSpPr>
-          <p:cNvPr id="13" name="Rectangle 12"/>
-          <p:cNvSpPr/>
-          <p:nvPr/>
-        </p:nvSpPr>
-        <p:spPr bwMode="auto">
-          <a:xfrm>
-            <a:off x="2636317" y="3247900"/>
-            <a:ext cx="95002" cy="148441"/>
-          </a:xfrm>
-          <a:prstGeom prst="rect">
-            <a:avLst/>
-          </a:prstGeom>
-          <a:solidFill>
-            <a:schemeClr val="accent2"/>
-          </a:solidFill>
-          <a:ln>
-            <a:noFill/>
-            <a:headEnd type="none" w="med" len="med"/>
-            <a:tailEnd type="none" w="med" len="med"/>
-          </a:ln>
-          <a:effectLst/>
-        </p:spPr>
-        <p:style>
-          <a:lnRef idx="1">
-            <a:schemeClr val="accent2"/>
-          </a:lnRef>
-          <a:fillRef idx="3">
-            <a:schemeClr val="accent2"/>
-          </a:fillRef>
-          <a:effectRef idx="2">
-            <a:schemeClr val="accent2"/>
-          </a:effectRef>
-          <a:fontRef idx="minor">
-            <a:schemeClr val="lt1"/>
-          </a:fontRef>
-        </p:style>
-        <p:txBody>
-          <a:bodyPr vert="horz" wrap="square" lIns="91436" tIns="45718" rIns="91436" bIns="45718" numCol="1" rtlCol="0" anchor="ctr" anchorCtr="0" compatLnSpc="1">
-            <a:prstTxWarp prst="textNoShape">
-              <a:avLst/>
-            </a:prstTxWarp>
-          </a:bodyPr>
-          <a:lstStyle/>
-          <a:p>
-            <a:pPr algn="ctr" defTabSz="914099" fontAlgn="base">
-              <a:spcBef>
-                <a:spcPct val="0"/>
-              </a:spcBef>
-              <a:spcAft>
-                <a:spcPct val="0"/>
-              </a:spcAft>
-            </a:pPr>
-            <a:endParaRPr lang="en-US" sz="2200" dirty="0" smtClean="0">
-              <a:gradFill>
-                <a:gsLst>
-                  <a:gs pos="0">
-                    <a:srgbClr val="FFFFFF"/>
-                  </a:gs>
-                  <a:gs pos="100000">
-                    <a:srgbClr val="FFFFFF"/>
-                  </a:gs>
-                </a:gsLst>
-                <a:lin ang="5400000" scaled="0"/>
-              </a:gradFill>
-            </a:endParaRPr>
-          </a:p>
-        </p:txBody>
-      </p:sp>
-      <p:sp>
-        <p:nvSpPr>
-          <p:cNvPr id="14" name="Rectangle 13"/>
-          <p:cNvSpPr/>
-          <p:nvPr/>
-        </p:nvSpPr>
-        <p:spPr bwMode="auto">
-          <a:xfrm>
-            <a:off x="2826323" y="3247900"/>
-            <a:ext cx="95002" cy="148441"/>
-          </a:xfrm>
-          <a:prstGeom prst="rect">
-            <a:avLst/>
-          </a:prstGeom>
-          <a:solidFill>
-            <a:schemeClr val="accent2"/>
-          </a:solidFill>
-          <a:ln>
-            <a:noFill/>
-            <a:headEnd type="none" w="med" len="med"/>
-            <a:tailEnd type="none" w="med" len="med"/>
-          </a:ln>
-          <a:effectLst/>
-        </p:spPr>
-        <p:style>
-          <a:lnRef idx="1">
-            <a:schemeClr val="accent2"/>
-          </a:lnRef>
-          <a:fillRef idx="3">
-            <a:schemeClr val="accent2"/>
-          </a:fillRef>
-          <a:effectRef idx="2">
-            <a:schemeClr val="accent2"/>
-          </a:effectRef>
-          <a:fontRef idx="minor">
-            <a:schemeClr val="lt1"/>
-          </a:fontRef>
-        </p:style>
-        <p:txBody>
-          <a:bodyPr vert="horz" wrap="square" lIns="91436" tIns="45718" rIns="91436" bIns="45718" numCol="1" rtlCol="0" anchor="ctr" anchorCtr="0" compatLnSpc="1">
-            <a:prstTxWarp prst="textNoShape">
-              <a:avLst/>
-            </a:prstTxWarp>
-          </a:bodyPr>
-          <a:lstStyle/>
-          <a:p>
-            <a:pPr algn="ctr" defTabSz="914099" fontAlgn="base">
-              <a:spcBef>
-                <a:spcPct val="0"/>
-              </a:spcBef>
-              <a:spcAft>
-                <a:spcPct val="0"/>
-              </a:spcAft>
-            </a:pPr>
-            <a:endParaRPr lang="en-US" sz="2200" dirty="0" smtClean="0">
-              <a:gradFill>
-                <a:gsLst>
-                  <a:gs pos="0">
-                    <a:srgbClr val="FFFFFF"/>
-                  </a:gs>
-                  <a:gs pos="100000">
-                    <a:srgbClr val="FFFFFF"/>
-                  </a:gs>
-                </a:gsLst>
-                <a:lin ang="5400000" scaled="0"/>
-              </a:gradFill>
-            </a:endParaRPr>
-          </a:p>
-        </p:txBody>
-      </p:sp>
-      <p:sp>
-        <p:nvSpPr>
-          <p:cNvPr id="15" name="Rectangle 14"/>
-          <p:cNvSpPr/>
-          <p:nvPr/>
-        </p:nvSpPr>
-        <p:spPr bwMode="auto">
-          <a:xfrm>
-            <a:off x="688762" y="3681350"/>
-            <a:ext cx="1472542" cy="866899"/>
-          </a:xfrm>
-          <a:prstGeom prst="rect">
-            <a:avLst/>
-          </a:prstGeom>
-          <a:noFill/>
-          <a:ln w="38100">
-            <a:solidFill>
-              <a:srgbClr val="00AEEF"/>
-            </a:solidFill>
-            <a:headEnd type="none" w="med" len="med"/>
-            <a:tailEnd type="none" w="med" len="med"/>
-          </a:ln>
-          <a:effectLst/>
-        </p:spPr>
-        <p:style>
-          <a:lnRef idx="1">
-            <a:schemeClr val="accent2"/>
-          </a:lnRef>
-          <a:fillRef idx="3">
-            <a:schemeClr val="accent2"/>
-          </a:fillRef>
-          <a:effectRef idx="2">
-            <a:schemeClr val="accent2"/>
-          </a:effectRef>
-          <a:fontRef idx="minor">
-            <a:schemeClr val="lt1"/>
-          </a:fontRef>
-        </p:style>
-        <p:txBody>
-          <a:bodyPr vert="horz" wrap="square" lIns="91436" tIns="45718" rIns="91436" bIns="45718" numCol="1" rtlCol="0" anchor="ctr" anchorCtr="0" compatLnSpc="1">
-            <a:prstTxWarp prst="textNoShape">
-              <a:avLst/>
-            </a:prstTxWarp>
-          </a:bodyPr>
-          <a:lstStyle/>
-          <a:p>
-            <a:pPr algn="ctr" defTabSz="914099" fontAlgn="base">
-              <a:spcBef>
-                <a:spcPct val="0"/>
-              </a:spcBef>
-              <a:spcAft>
-                <a:spcPct val="0"/>
-              </a:spcAft>
-            </a:pPr>
-            <a:endParaRPr lang="en-US" sz="2200" dirty="0" smtClean="0">
-              <a:gradFill>
-                <a:gsLst>
-                  <a:gs pos="0">
-                    <a:srgbClr val="FFFFFF"/>
-                  </a:gs>
-                  <a:gs pos="100000">
-                    <a:srgbClr val="FFFFFF"/>
-                  </a:gs>
-                </a:gsLst>
-                <a:lin ang="5400000" scaled="0"/>
-              </a:gradFill>
-            </a:endParaRPr>
-          </a:p>
-        </p:txBody>
-      </p:sp>
-      <p:sp>
-        <p:nvSpPr>
-          <p:cNvPr id="17" name="Rectangle 16"/>
-          <p:cNvSpPr/>
-          <p:nvPr/>
-        </p:nvSpPr>
-        <p:spPr bwMode="auto">
-          <a:xfrm>
-            <a:off x="2161304" y="4548248"/>
-            <a:ext cx="1472542" cy="866899"/>
-          </a:xfrm>
-          <a:prstGeom prst="rect">
-            <a:avLst/>
-          </a:prstGeom>
-          <a:noFill/>
-          <a:ln w="38100">
-            <a:solidFill>
-              <a:srgbClr val="00AEEF"/>
-            </a:solidFill>
-            <a:headEnd type="none" w="med" len="med"/>
-            <a:tailEnd type="none" w="med" len="med"/>
-          </a:ln>
-          <a:effectLst/>
-        </p:spPr>
-        <p:style>
-          <a:lnRef idx="1">
-            <a:schemeClr val="accent2"/>
-          </a:lnRef>
-          <a:fillRef idx="3">
-            <a:schemeClr val="accent2"/>
-          </a:fillRef>
-          <a:effectRef idx="2">
-            <a:schemeClr val="accent2"/>
-          </a:effectRef>
-          <a:fontRef idx="minor">
-            <a:schemeClr val="lt1"/>
-          </a:fontRef>
-        </p:style>
-        <p:txBody>
-          <a:bodyPr vert="horz" wrap="square" lIns="91436" tIns="45718" rIns="91436" bIns="45718" numCol="1" rtlCol="0" anchor="ctr" anchorCtr="0" compatLnSpc="1">
-            <a:prstTxWarp prst="textNoShape">
-              <a:avLst/>
-            </a:prstTxWarp>
-          </a:bodyPr>
-          <a:lstStyle/>
-          <a:p>
-            <a:pPr algn="ctr" defTabSz="914099" fontAlgn="base">
-              <a:spcBef>
-                <a:spcPct val="0"/>
-              </a:spcBef>
-              <a:spcAft>
-                <a:spcPct val="0"/>
-              </a:spcAft>
-            </a:pPr>
-            <a:endParaRPr lang="en-US" sz="2200" dirty="0">
-              <a:gradFill>
-                <a:gsLst>
-                  <a:gs pos="0">
-                    <a:srgbClr val="FFFFFF"/>
-                  </a:gs>
-                  <a:gs pos="100000">
-                    <a:srgbClr val="FFFFFF"/>
-                  </a:gs>
-                </a:gsLst>
-                <a:lin ang="5400000" scaled="0"/>
-              </a:gradFill>
-            </a:endParaRPr>
-          </a:p>
-        </p:txBody>
-      </p:sp>
-      <p:sp>
-        <p:nvSpPr>
-          <p:cNvPr id="20" name="Rectangle 19"/>
-          <p:cNvSpPr/>
-          <p:nvPr/>
-        </p:nvSpPr>
-        <p:spPr bwMode="auto">
-          <a:xfrm>
-            <a:off x="902519" y="4006249"/>
-            <a:ext cx="95002" cy="148441"/>
-          </a:xfrm>
-          <a:prstGeom prst="rect">
-            <a:avLst/>
-          </a:prstGeom>
-          <a:solidFill>
-            <a:schemeClr val="accent2"/>
-          </a:solidFill>
-          <a:ln>
-            <a:noFill/>
-            <a:headEnd type="none" w="med" len="med"/>
-            <a:tailEnd type="none" w="med" len="med"/>
-          </a:ln>
-          <a:effectLst/>
-        </p:spPr>
-        <p:style>
-          <a:lnRef idx="1">
-            <a:schemeClr val="accent2"/>
-          </a:lnRef>
-          <a:fillRef idx="3">
-            <a:schemeClr val="accent2"/>
-          </a:fillRef>
-          <a:effectRef idx="2">
-            <a:schemeClr val="accent2"/>
-          </a:effectRef>
-          <a:fontRef idx="minor">
-            <a:schemeClr val="lt1"/>
-          </a:fontRef>
-        </p:style>
-        <p:txBody>
-          <a:bodyPr vert="horz" wrap="square" lIns="91436" tIns="45718" rIns="91436" bIns="45718" numCol="1" rtlCol="0" anchor="ctr" anchorCtr="0" compatLnSpc="1">
-            <a:prstTxWarp prst="textNoShape">
-              <a:avLst/>
-            </a:prstTxWarp>
-          </a:bodyPr>
-          <a:lstStyle/>
-          <a:p>
-            <a:pPr algn="ctr" defTabSz="914099" fontAlgn="base">
-              <a:spcBef>
-                <a:spcPct val="0"/>
-              </a:spcBef>
-              <a:spcAft>
-                <a:spcPct val="0"/>
-              </a:spcAft>
-            </a:pPr>
-            <a:endParaRPr lang="en-US" sz="2200" dirty="0" smtClean="0">
-              <a:gradFill>
-                <a:gsLst>
-                  <a:gs pos="0">
-                    <a:srgbClr val="FFFFFF"/>
-                  </a:gs>
-                  <a:gs pos="100000">
-                    <a:srgbClr val="FFFFFF"/>
-                  </a:gs>
-                </a:gsLst>
-                <a:lin ang="5400000" scaled="0"/>
-              </a:gradFill>
-            </a:endParaRPr>
-          </a:p>
-        </p:txBody>
-      </p:sp>
-      <p:sp>
-        <p:nvSpPr>
-          <p:cNvPr id="21" name="Rectangle 20"/>
-          <p:cNvSpPr/>
-          <p:nvPr/>
-        </p:nvSpPr>
-        <p:spPr bwMode="auto">
-          <a:xfrm>
-            <a:off x="1080649" y="4006249"/>
-            <a:ext cx="95002" cy="148441"/>
-          </a:xfrm>
-          <a:prstGeom prst="rect">
-            <a:avLst/>
-          </a:prstGeom>
-          <a:solidFill>
-            <a:schemeClr val="accent2"/>
-          </a:solidFill>
-          <a:ln>
-            <a:noFill/>
-            <a:headEnd type="none" w="med" len="med"/>
-            <a:tailEnd type="none" w="med" len="med"/>
-          </a:ln>
-          <a:effectLst/>
-        </p:spPr>
-        <p:style>
-          <a:lnRef idx="1">
-            <a:schemeClr val="accent2"/>
-          </a:lnRef>
-          <a:fillRef idx="3">
-            <a:schemeClr val="accent2"/>
-          </a:fillRef>
-          <a:effectRef idx="2">
-            <a:schemeClr val="accent2"/>
-          </a:effectRef>
-          <a:fontRef idx="minor">
-            <a:schemeClr val="lt1"/>
-          </a:fontRef>
-        </p:style>
-        <p:txBody>
-          <a:bodyPr vert="horz" wrap="square" lIns="91436" tIns="45718" rIns="91436" bIns="45718" numCol="1" rtlCol="0" anchor="ctr" anchorCtr="0" compatLnSpc="1">
-            <a:prstTxWarp prst="textNoShape">
-              <a:avLst/>
-            </a:prstTxWarp>
-          </a:bodyPr>
-          <a:lstStyle/>
-          <a:p>
-            <a:pPr algn="ctr" defTabSz="914099" fontAlgn="base">
-              <a:spcBef>
-                <a:spcPct val="0"/>
-              </a:spcBef>
-              <a:spcAft>
-                <a:spcPct val="0"/>
-              </a:spcAft>
-            </a:pPr>
-            <a:endParaRPr lang="en-US" sz="2200" dirty="0" smtClean="0">
-              <a:gradFill>
-                <a:gsLst>
-                  <a:gs pos="0">
-                    <a:srgbClr val="FFFFFF"/>
-                  </a:gs>
-                  <a:gs pos="100000">
-                    <a:srgbClr val="FFFFFF"/>
-                  </a:gs>
-                </a:gsLst>
-                <a:lin ang="5400000" scaled="0"/>
-              </a:gradFill>
-            </a:endParaRPr>
-          </a:p>
-        </p:txBody>
-      </p:sp>
-      <p:sp>
-        <p:nvSpPr>
-          <p:cNvPr id="22" name="Rectangle 21"/>
-          <p:cNvSpPr/>
-          <p:nvPr/>
-        </p:nvSpPr>
-        <p:spPr bwMode="auto">
-          <a:xfrm>
-            <a:off x="1258779" y="4006249"/>
-            <a:ext cx="95002" cy="148441"/>
-          </a:xfrm>
-          <a:prstGeom prst="rect">
-            <a:avLst/>
-          </a:prstGeom>
-          <a:solidFill>
-            <a:schemeClr val="accent2"/>
-          </a:solidFill>
-          <a:ln>
-            <a:noFill/>
-            <a:headEnd type="none" w="med" len="med"/>
-            <a:tailEnd type="none" w="med" len="med"/>
-          </a:ln>
-          <a:effectLst/>
-        </p:spPr>
-        <p:style>
-          <a:lnRef idx="1">
-            <a:schemeClr val="accent2"/>
-          </a:lnRef>
-          <a:fillRef idx="3">
-            <a:schemeClr val="accent2"/>
-          </a:fillRef>
-          <a:effectRef idx="2">
-            <a:schemeClr val="accent2"/>
-          </a:effectRef>
-          <a:fontRef idx="minor">
-            <a:schemeClr val="lt1"/>
-          </a:fontRef>
-        </p:style>
-        <p:txBody>
-          <a:bodyPr vert="horz" wrap="square" lIns="91436" tIns="45718" rIns="91436" bIns="45718" numCol="1" rtlCol="0" anchor="ctr" anchorCtr="0" compatLnSpc="1">
-            <a:prstTxWarp prst="textNoShape">
-              <a:avLst/>
-            </a:prstTxWarp>
-          </a:bodyPr>
-          <a:lstStyle/>
-          <a:p>
-            <a:pPr algn="ctr" defTabSz="914099" fontAlgn="base">
-              <a:spcBef>
-                <a:spcPct val="0"/>
-              </a:spcBef>
-              <a:spcAft>
-                <a:spcPct val="0"/>
-              </a:spcAft>
-            </a:pPr>
-            <a:endParaRPr lang="en-US" sz="2200" dirty="0" smtClean="0">
-              <a:gradFill>
-                <a:gsLst>
-                  <a:gs pos="0">
-                    <a:srgbClr val="FFFFFF"/>
-                  </a:gs>
-                  <a:gs pos="100000">
-                    <a:srgbClr val="FFFFFF"/>
-                  </a:gs>
-                </a:gsLst>
-                <a:lin ang="5400000" scaled="0"/>
-              </a:gradFill>
-            </a:endParaRPr>
-          </a:p>
-        </p:txBody>
-      </p:sp>
-      <p:sp>
-        <p:nvSpPr>
-          <p:cNvPr id="23" name="Rectangle 22"/>
-          <p:cNvSpPr/>
-          <p:nvPr/>
-        </p:nvSpPr>
-        <p:spPr bwMode="auto">
-          <a:xfrm>
-            <a:off x="2636317" y="4873148"/>
-            <a:ext cx="95002" cy="148441"/>
-          </a:xfrm>
-          <a:prstGeom prst="rect">
-            <a:avLst/>
-          </a:prstGeom>
-          <a:solidFill>
-            <a:schemeClr val="accent2"/>
-          </a:solidFill>
-          <a:ln>
-            <a:noFill/>
-            <a:headEnd type="none" w="med" len="med"/>
-            <a:tailEnd type="none" w="med" len="med"/>
-          </a:ln>
-          <a:effectLst/>
-        </p:spPr>
-        <p:style>
-          <a:lnRef idx="1">
-            <a:schemeClr val="accent2"/>
-          </a:lnRef>
-          <a:fillRef idx="3">
-            <a:schemeClr val="accent2"/>
-          </a:fillRef>
-          <a:effectRef idx="2">
-            <a:schemeClr val="accent2"/>
-          </a:effectRef>
-          <a:fontRef idx="minor">
-            <a:schemeClr val="lt1"/>
-          </a:fontRef>
-        </p:style>
-        <p:txBody>
-          <a:bodyPr vert="horz" wrap="square" lIns="91436" tIns="45718" rIns="91436" bIns="45718" numCol="1" rtlCol="0" anchor="ctr" anchorCtr="0" compatLnSpc="1">
-            <a:prstTxWarp prst="textNoShape">
-              <a:avLst/>
-            </a:prstTxWarp>
-          </a:bodyPr>
-          <a:lstStyle/>
-          <a:p>
-            <a:pPr algn="ctr" defTabSz="914099" fontAlgn="base">
-              <a:spcBef>
-                <a:spcPct val="0"/>
-              </a:spcBef>
-              <a:spcAft>
-                <a:spcPct val="0"/>
-              </a:spcAft>
-            </a:pPr>
-            <a:endParaRPr lang="en-US" sz="2200" dirty="0" smtClean="0">
-              <a:gradFill>
-                <a:gsLst>
-                  <a:gs pos="0">
-                    <a:srgbClr val="FFFFFF"/>
-                  </a:gs>
-                  <a:gs pos="100000">
-                    <a:srgbClr val="FFFFFF"/>
-                  </a:gs>
-                </a:gsLst>
-                <a:lin ang="5400000" scaled="0"/>
-              </a:gradFill>
-            </a:endParaRPr>
-          </a:p>
-        </p:txBody>
-      </p:sp>
-      <p:sp>
-        <p:nvSpPr>
-          <p:cNvPr id="24" name="Rectangle 23"/>
-          <p:cNvSpPr/>
-          <p:nvPr/>
-        </p:nvSpPr>
-        <p:spPr bwMode="auto">
-          <a:xfrm>
-            <a:off x="2826323" y="4873148"/>
-            <a:ext cx="95002" cy="148441"/>
-          </a:xfrm>
-          <a:prstGeom prst="rect">
-            <a:avLst/>
-          </a:prstGeom>
-          <a:solidFill>
-            <a:schemeClr val="accent2"/>
-          </a:solidFill>
-          <a:ln>
-            <a:noFill/>
-            <a:headEnd type="none" w="med" len="med"/>
-            <a:tailEnd type="none" w="med" len="med"/>
-          </a:ln>
-          <a:effectLst/>
-        </p:spPr>
-        <p:style>
-          <a:lnRef idx="1">
-            <a:schemeClr val="accent2"/>
-          </a:lnRef>
-          <a:fillRef idx="3">
-            <a:schemeClr val="accent2"/>
-          </a:fillRef>
-          <a:effectRef idx="2">
-            <a:schemeClr val="accent2"/>
-          </a:effectRef>
-          <a:fontRef idx="minor">
-            <a:schemeClr val="lt1"/>
-          </a:fontRef>
-        </p:style>
-        <p:txBody>
-          <a:bodyPr vert="horz" wrap="square" lIns="91436" tIns="45718" rIns="91436" bIns="45718" numCol="1" rtlCol="0" anchor="ctr" anchorCtr="0" compatLnSpc="1">
-            <a:prstTxWarp prst="textNoShape">
-              <a:avLst/>
-            </a:prstTxWarp>
-          </a:bodyPr>
-          <a:lstStyle/>
-          <a:p>
-            <a:pPr algn="ctr" defTabSz="914099" fontAlgn="base">
-              <a:spcBef>
-                <a:spcPct val="0"/>
-              </a:spcBef>
-              <a:spcAft>
-                <a:spcPct val="0"/>
-              </a:spcAft>
-            </a:pPr>
-            <a:endParaRPr lang="en-US" sz="2200" dirty="0" smtClean="0">
-              <a:gradFill>
-                <a:gsLst>
-                  <a:gs pos="0">
-                    <a:srgbClr val="FFFFFF"/>
-                  </a:gs>
-                  <a:gs pos="100000">
-                    <a:srgbClr val="FFFFFF"/>
-                  </a:gs>
-                </a:gsLst>
-                <a:lin ang="5400000" scaled="0"/>
-              </a:gradFill>
-            </a:endParaRPr>
-          </a:p>
-        </p:txBody>
-      </p:sp>
-      <p:sp>
-        <p:nvSpPr>
-          <p:cNvPr id="25" name="TextBox 24"/>
-          <p:cNvSpPr txBox="1"/>
-          <p:nvPr/>
-        </p:nvSpPr>
-        <p:spPr>
-          <a:xfrm>
-            <a:off x="688762" y="2666899"/>
-            <a:ext cx="2945084" cy="332399"/>
-          </a:xfrm>
-          <a:prstGeom prst="rect">
-            <a:avLst/>
-          </a:prstGeom>
-          <a:noFill/>
-        </p:spPr>
-        <p:txBody>
-          <a:bodyPr wrap="square" lIns="0" tIns="0" rIns="0" bIns="0" rtlCol="0">
-            <a:spAutoFit/>
-          </a:bodyPr>
-          <a:lstStyle/>
-          <a:p>
-            <a:pPr algn="ctr">
-              <a:lnSpc>
-                <a:spcPct val="90000"/>
-              </a:lnSpc>
-              <a:spcBef>
-                <a:spcPct val="20000"/>
-              </a:spcBef>
-              <a:buSzPct val="80000"/>
-            </a:pPr>
-            <a:r>
-              <a:rPr lang="en-US" sz="2400" dirty="0" smtClean="0">
-                <a:solidFill>
-                  <a:schemeClr val="accent1"/>
-                </a:solidFill>
-              </a:rPr>
-              <a:t>Tumbling Window</a:t>
-            </a:r>
-            <a:endParaRPr lang="en-US" sz="2400" dirty="0">
-              <a:solidFill>
-                <a:schemeClr val="accent1"/>
-              </a:solidFill>
-            </a:endParaRPr>
-          </a:p>
-        </p:txBody>
-      </p:sp>
-      <p:cxnSp>
-        <p:nvCxnSpPr>
-          <p:cNvPr id="26" name="Straight Connector 25"/>
-          <p:cNvCxnSpPr/>
-          <p:nvPr/>
-        </p:nvCxnSpPr>
-        <p:spPr>
-          <a:xfrm>
-            <a:off x="4441370" y="3313215"/>
-            <a:ext cx="2945083" cy="8905"/>
-          </a:xfrm>
-          <a:prstGeom prst="line">
-            <a:avLst/>
-          </a:prstGeom>
-          <a:ln w="38100"/>
-        </p:spPr>
-        <p:style>
-          <a:lnRef idx="1">
-            <a:schemeClr val="accent1"/>
-          </a:lnRef>
-          <a:fillRef idx="0">
-            <a:schemeClr val="accent1"/>
-          </a:fillRef>
-          <a:effectRef idx="0">
-            <a:schemeClr val="accent1"/>
-          </a:effectRef>
-          <a:fontRef idx="minor">
-            <a:schemeClr val="tx1"/>
-          </a:fontRef>
-        </p:style>
-      </p:cxnSp>
-      <p:sp>
-        <p:nvSpPr>
-          <p:cNvPr id="27" name="Rectangle 26"/>
-          <p:cNvSpPr/>
-          <p:nvPr/>
-        </p:nvSpPr>
-        <p:spPr bwMode="auto">
-          <a:xfrm>
-            <a:off x="4655126" y="3247900"/>
-            <a:ext cx="95002" cy="148441"/>
-          </a:xfrm>
-          <a:prstGeom prst="rect">
-            <a:avLst/>
-          </a:prstGeom>
-          <a:solidFill>
-            <a:schemeClr val="accent2"/>
-          </a:solidFill>
-          <a:ln>
-            <a:noFill/>
-            <a:headEnd type="none" w="med" len="med"/>
-            <a:tailEnd type="none" w="med" len="med"/>
-          </a:ln>
-          <a:effectLst/>
-        </p:spPr>
-        <p:style>
-          <a:lnRef idx="1">
-            <a:schemeClr val="accent2"/>
-          </a:lnRef>
-          <a:fillRef idx="3">
-            <a:schemeClr val="accent2"/>
-          </a:fillRef>
-          <a:effectRef idx="2">
-            <a:schemeClr val="accent2"/>
-          </a:effectRef>
-          <a:fontRef idx="minor">
-            <a:schemeClr val="lt1"/>
-          </a:fontRef>
-        </p:style>
-        <p:txBody>
-          <a:bodyPr vert="horz" wrap="square" lIns="91436" tIns="45718" rIns="91436" bIns="45718" numCol="1" rtlCol="0" anchor="ctr" anchorCtr="0" compatLnSpc="1">
-            <a:prstTxWarp prst="textNoShape">
-              <a:avLst/>
-            </a:prstTxWarp>
-          </a:bodyPr>
-          <a:lstStyle/>
-          <a:p>
-            <a:pPr algn="ctr" defTabSz="914099" fontAlgn="base">
-              <a:spcBef>
-                <a:spcPct val="0"/>
-              </a:spcBef>
-              <a:spcAft>
-                <a:spcPct val="0"/>
-              </a:spcAft>
-            </a:pPr>
-            <a:endParaRPr lang="en-US" sz="2200" dirty="0" smtClean="0">
-              <a:gradFill>
-                <a:gsLst>
-                  <a:gs pos="0">
-                    <a:srgbClr val="FFFFFF"/>
-                  </a:gs>
-                  <a:gs pos="100000">
-                    <a:srgbClr val="FFFFFF"/>
-                  </a:gs>
-                </a:gsLst>
-                <a:lin ang="5400000" scaled="0"/>
-              </a:gradFill>
-            </a:endParaRPr>
-          </a:p>
-        </p:txBody>
-      </p:sp>
-      <p:sp>
-        <p:nvSpPr>
-          <p:cNvPr id="28" name="Rectangle 27"/>
-          <p:cNvSpPr/>
-          <p:nvPr/>
-        </p:nvSpPr>
-        <p:spPr bwMode="auto">
-          <a:xfrm>
-            <a:off x="4833256" y="3247900"/>
-            <a:ext cx="95002" cy="148441"/>
-          </a:xfrm>
-          <a:prstGeom prst="rect">
-            <a:avLst/>
-          </a:prstGeom>
-          <a:solidFill>
-            <a:schemeClr val="accent2"/>
-          </a:solidFill>
-          <a:ln>
-            <a:noFill/>
-            <a:headEnd type="none" w="med" len="med"/>
-            <a:tailEnd type="none" w="med" len="med"/>
-          </a:ln>
-          <a:effectLst/>
-        </p:spPr>
-        <p:style>
-          <a:lnRef idx="1">
-            <a:schemeClr val="accent2"/>
-          </a:lnRef>
-          <a:fillRef idx="3">
-            <a:schemeClr val="accent2"/>
-          </a:fillRef>
-          <a:effectRef idx="2">
-            <a:schemeClr val="accent2"/>
-          </a:effectRef>
-          <a:fontRef idx="minor">
-            <a:schemeClr val="lt1"/>
-          </a:fontRef>
-        </p:style>
-        <p:txBody>
-          <a:bodyPr vert="horz" wrap="square" lIns="91436" tIns="45718" rIns="91436" bIns="45718" numCol="1" rtlCol="0" anchor="ctr" anchorCtr="0" compatLnSpc="1">
-            <a:prstTxWarp prst="textNoShape">
-              <a:avLst/>
-            </a:prstTxWarp>
-          </a:bodyPr>
-          <a:lstStyle/>
-          <a:p>
-            <a:pPr algn="ctr" defTabSz="914099" fontAlgn="base">
-              <a:spcBef>
-                <a:spcPct val="0"/>
-              </a:spcBef>
-              <a:spcAft>
-                <a:spcPct val="0"/>
-              </a:spcAft>
-            </a:pPr>
-            <a:endParaRPr lang="en-US" sz="2200" dirty="0" smtClean="0">
-              <a:gradFill>
-                <a:gsLst>
-                  <a:gs pos="0">
-                    <a:srgbClr val="FFFFFF"/>
-                  </a:gs>
-                  <a:gs pos="100000">
-                    <a:srgbClr val="FFFFFF"/>
-                  </a:gs>
-                </a:gsLst>
-                <a:lin ang="5400000" scaled="0"/>
-              </a:gradFill>
-            </a:endParaRPr>
-          </a:p>
-        </p:txBody>
-      </p:sp>
-      <p:sp>
-        <p:nvSpPr>
-          <p:cNvPr id="29" name="Rectangle 28"/>
-          <p:cNvSpPr/>
-          <p:nvPr/>
-        </p:nvSpPr>
-        <p:spPr bwMode="auto">
-          <a:xfrm>
-            <a:off x="5011386" y="3247900"/>
-            <a:ext cx="95002" cy="148441"/>
-          </a:xfrm>
-          <a:prstGeom prst="rect">
-            <a:avLst/>
-          </a:prstGeom>
-          <a:solidFill>
-            <a:schemeClr val="accent2"/>
-          </a:solidFill>
-          <a:ln>
-            <a:noFill/>
-            <a:headEnd type="none" w="med" len="med"/>
-            <a:tailEnd type="none" w="med" len="med"/>
-          </a:ln>
-          <a:effectLst/>
-        </p:spPr>
-        <p:style>
-          <a:lnRef idx="1">
-            <a:schemeClr val="accent2"/>
-          </a:lnRef>
-          <a:fillRef idx="3">
-            <a:schemeClr val="accent2"/>
-          </a:fillRef>
-          <a:effectRef idx="2">
-            <a:schemeClr val="accent2"/>
-          </a:effectRef>
-          <a:fontRef idx="minor">
-            <a:schemeClr val="lt1"/>
-          </a:fontRef>
-        </p:style>
-        <p:txBody>
-          <a:bodyPr vert="horz" wrap="square" lIns="91436" tIns="45718" rIns="91436" bIns="45718" numCol="1" rtlCol="0" anchor="ctr" anchorCtr="0" compatLnSpc="1">
-            <a:prstTxWarp prst="textNoShape">
-              <a:avLst/>
-            </a:prstTxWarp>
-          </a:bodyPr>
-          <a:lstStyle/>
-          <a:p>
-            <a:pPr algn="ctr" defTabSz="914099" fontAlgn="base">
-              <a:spcBef>
-                <a:spcPct val="0"/>
-              </a:spcBef>
-              <a:spcAft>
-                <a:spcPct val="0"/>
-              </a:spcAft>
-            </a:pPr>
-            <a:endParaRPr lang="en-US" sz="2200" dirty="0" smtClean="0">
-              <a:gradFill>
-                <a:gsLst>
-                  <a:gs pos="0">
-                    <a:srgbClr val="FFFFFF"/>
-                  </a:gs>
-                  <a:gs pos="100000">
-                    <a:srgbClr val="FFFFFF"/>
-                  </a:gs>
-                </a:gsLst>
-                <a:lin ang="5400000" scaled="0"/>
-              </a:gradFill>
-            </a:endParaRPr>
-          </a:p>
-        </p:txBody>
-      </p:sp>
-      <p:sp>
-        <p:nvSpPr>
-          <p:cNvPr id="30" name="Rectangle 29"/>
-          <p:cNvSpPr/>
-          <p:nvPr/>
-        </p:nvSpPr>
-        <p:spPr bwMode="auto">
-          <a:xfrm>
-            <a:off x="6388924" y="3247900"/>
-            <a:ext cx="95002" cy="148441"/>
-          </a:xfrm>
-          <a:prstGeom prst="rect">
-            <a:avLst/>
-          </a:prstGeom>
-          <a:solidFill>
-            <a:schemeClr val="accent2"/>
-          </a:solidFill>
-          <a:ln>
-            <a:noFill/>
-            <a:headEnd type="none" w="med" len="med"/>
-            <a:tailEnd type="none" w="med" len="med"/>
-          </a:ln>
-          <a:effectLst/>
-        </p:spPr>
-        <p:style>
-          <a:lnRef idx="1">
-            <a:schemeClr val="accent2"/>
-          </a:lnRef>
-          <a:fillRef idx="3">
-            <a:schemeClr val="accent2"/>
-          </a:fillRef>
-          <a:effectRef idx="2">
-            <a:schemeClr val="accent2"/>
-          </a:effectRef>
-          <a:fontRef idx="minor">
-            <a:schemeClr val="lt1"/>
-          </a:fontRef>
-        </p:style>
-        <p:txBody>
-          <a:bodyPr vert="horz" wrap="square" lIns="91436" tIns="45718" rIns="91436" bIns="45718" numCol="1" rtlCol="0" anchor="ctr" anchorCtr="0" compatLnSpc="1">
-            <a:prstTxWarp prst="textNoShape">
-              <a:avLst/>
-            </a:prstTxWarp>
-          </a:bodyPr>
-          <a:lstStyle/>
-          <a:p>
-            <a:pPr algn="ctr" defTabSz="914099" fontAlgn="base">
-              <a:spcBef>
-                <a:spcPct val="0"/>
-              </a:spcBef>
-              <a:spcAft>
-                <a:spcPct val="0"/>
-              </a:spcAft>
-            </a:pPr>
-            <a:endParaRPr lang="en-US" sz="2200" dirty="0" smtClean="0">
-              <a:gradFill>
-                <a:gsLst>
-                  <a:gs pos="0">
-                    <a:srgbClr val="FFFFFF"/>
-                  </a:gs>
-                  <a:gs pos="100000">
-                    <a:srgbClr val="FFFFFF"/>
-                  </a:gs>
-                </a:gsLst>
-                <a:lin ang="5400000" scaled="0"/>
-              </a:gradFill>
-            </a:endParaRPr>
-          </a:p>
-        </p:txBody>
-      </p:sp>
-      <p:sp>
-        <p:nvSpPr>
-          <p:cNvPr id="31" name="Rectangle 30"/>
-          <p:cNvSpPr/>
-          <p:nvPr/>
-        </p:nvSpPr>
-        <p:spPr bwMode="auto">
-          <a:xfrm>
-            <a:off x="6578930" y="3247900"/>
-            <a:ext cx="95002" cy="148441"/>
-          </a:xfrm>
-          <a:prstGeom prst="rect">
-            <a:avLst/>
-          </a:prstGeom>
-          <a:solidFill>
-            <a:schemeClr val="accent2"/>
-          </a:solidFill>
-          <a:ln>
-            <a:noFill/>
-            <a:headEnd type="none" w="med" len="med"/>
-            <a:tailEnd type="none" w="med" len="med"/>
-          </a:ln>
-          <a:effectLst/>
-        </p:spPr>
-        <p:style>
-          <a:lnRef idx="1">
-            <a:schemeClr val="accent2"/>
-          </a:lnRef>
-          <a:fillRef idx="3">
-            <a:schemeClr val="accent2"/>
-          </a:fillRef>
-          <a:effectRef idx="2">
-            <a:schemeClr val="accent2"/>
-          </a:effectRef>
-          <a:fontRef idx="minor">
-            <a:schemeClr val="lt1"/>
-          </a:fontRef>
-        </p:style>
-        <p:txBody>
-          <a:bodyPr vert="horz" wrap="square" lIns="91436" tIns="45718" rIns="91436" bIns="45718" numCol="1" rtlCol="0" anchor="ctr" anchorCtr="0" compatLnSpc="1">
-            <a:prstTxWarp prst="textNoShape">
-              <a:avLst/>
-            </a:prstTxWarp>
-          </a:bodyPr>
-          <a:lstStyle/>
-          <a:p>
-            <a:pPr algn="ctr" defTabSz="914099" fontAlgn="base">
-              <a:spcBef>
-                <a:spcPct val="0"/>
-              </a:spcBef>
-              <a:spcAft>
-                <a:spcPct val="0"/>
-              </a:spcAft>
-            </a:pPr>
-            <a:endParaRPr lang="en-US" sz="2200" dirty="0" smtClean="0">
-              <a:gradFill>
-                <a:gsLst>
-                  <a:gs pos="0">
-                    <a:srgbClr val="FFFFFF"/>
-                  </a:gs>
-                  <a:gs pos="100000">
-                    <a:srgbClr val="FFFFFF"/>
-                  </a:gs>
-                </a:gsLst>
-                <a:lin ang="5400000" scaled="0"/>
-              </a:gradFill>
-            </a:endParaRPr>
-          </a:p>
-        </p:txBody>
-      </p:sp>
-      <p:sp>
-        <p:nvSpPr>
-          <p:cNvPr id="32" name="Rectangle 31"/>
-          <p:cNvSpPr/>
-          <p:nvPr/>
-        </p:nvSpPr>
-        <p:spPr bwMode="auto">
-          <a:xfrm>
-            <a:off x="4441369" y="3681350"/>
-            <a:ext cx="1472542" cy="866899"/>
-          </a:xfrm>
-          <a:prstGeom prst="rect">
-            <a:avLst/>
-          </a:prstGeom>
-          <a:noFill/>
-          <a:ln w="38100">
-            <a:solidFill>
-              <a:srgbClr val="00AEEF"/>
-            </a:solidFill>
-            <a:headEnd type="none" w="med" len="med"/>
-            <a:tailEnd type="none" w="med" len="med"/>
-          </a:ln>
-          <a:effectLst/>
-        </p:spPr>
-        <p:style>
-          <a:lnRef idx="1">
-            <a:schemeClr val="accent2"/>
-          </a:lnRef>
-          <a:fillRef idx="3">
-            <a:schemeClr val="accent2"/>
-          </a:fillRef>
-          <a:effectRef idx="2">
-            <a:schemeClr val="accent2"/>
-          </a:effectRef>
-          <a:fontRef idx="minor">
-            <a:schemeClr val="lt1"/>
-          </a:fontRef>
-        </p:style>
-        <p:txBody>
-          <a:bodyPr vert="horz" wrap="square" lIns="91436" tIns="45718" rIns="91436" bIns="45718" numCol="1" rtlCol="0" anchor="ctr" anchorCtr="0" compatLnSpc="1">
-            <a:prstTxWarp prst="textNoShape">
-              <a:avLst/>
-            </a:prstTxWarp>
-          </a:bodyPr>
-          <a:lstStyle/>
-          <a:p>
-            <a:pPr algn="ctr" defTabSz="914099" fontAlgn="base">
-              <a:spcBef>
-                <a:spcPct val="0"/>
-              </a:spcBef>
-              <a:spcAft>
-                <a:spcPct val="0"/>
-              </a:spcAft>
-            </a:pPr>
-            <a:endParaRPr lang="en-US" sz="2200" dirty="0" smtClean="0">
-              <a:gradFill>
-                <a:gsLst>
-                  <a:gs pos="0">
-                    <a:srgbClr val="FFFFFF"/>
-                  </a:gs>
-                  <a:gs pos="100000">
-                    <a:srgbClr val="FFFFFF"/>
-                  </a:gs>
-                </a:gsLst>
-                <a:lin ang="5400000" scaled="0"/>
-              </a:gradFill>
-            </a:endParaRPr>
-          </a:p>
-        </p:txBody>
-      </p:sp>
-      <p:sp>
-        <p:nvSpPr>
-          <p:cNvPr id="33" name="Rectangle 32"/>
-          <p:cNvSpPr/>
-          <p:nvPr/>
-        </p:nvSpPr>
-        <p:spPr bwMode="auto">
-          <a:xfrm>
-            <a:off x="5913911" y="5429613"/>
-            <a:ext cx="1472542" cy="866899"/>
-          </a:xfrm>
-          <a:prstGeom prst="rect">
-            <a:avLst/>
-          </a:prstGeom>
-          <a:noFill/>
-          <a:ln w="38100">
-            <a:solidFill>
-              <a:srgbClr val="00AEEF"/>
-            </a:solidFill>
-            <a:headEnd type="none" w="med" len="med"/>
-            <a:tailEnd type="none" w="med" len="med"/>
-          </a:ln>
-          <a:effectLst/>
-        </p:spPr>
-        <p:style>
-          <a:lnRef idx="1">
-            <a:schemeClr val="accent2"/>
-          </a:lnRef>
-          <a:fillRef idx="3">
-            <a:schemeClr val="accent2"/>
-          </a:fillRef>
-          <a:effectRef idx="2">
-            <a:schemeClr val="accent2"/>
-          </a:effectRef>
-          <a:fontRef idx="minor">
-            <a:schemeClr val="lt1"/>
-          </a:fontRef>
-        </p:style>
-        <p:txBody>
-          <a:bodyPr vert="horz" wrap="square" lIns="91436" tIns="45718" rIns="91436" bIns="45718" numCol="1" rtlCol="0" anchor="ctr" anchorCtr="0" compatLnSpc="1">
-            <a:prstTxWarp prst="textNoShape">
-              <a:avLst/>
-            </a:prstTxWarp>
-          </a:bodyPr>
-          <a:lstStyle/>
-          <a:p>
-            <a:pPr algn="ctr" defTabSz="914099" fontAlgn="base">
-              <a:spcBef>
-                <a:spcPct val="0"/>
-              </a:spcBef>
-              <a:spcAft>
-                <a:spcPct val="0"/>
-              </a:spcAft>
-            </a:pPr>
-            <a:endParaRPr lang="en-US" sz="2200" dirty="0">
-              <a:gradFill>
-                <a:gsLst>
-                  <a:gs pos="0">
-                    <a:srgbClr val="FFFFFF"/>
-                  </a:gs>
-                  <a:gs pos="100000">
-                    <a:srgbClr val="FFFFFF"/>
-                  </a:gs>
-                </a:gsLst>
-                <a:lin ang="5400000" scaled="0"/>
-              </a:gradFill>
-            </a:endParaRPr>
-          </a:p>
-        </p:txBody>
-      </p:sp>
-      <p:sp>
-        <p:nvSpPr>
-          <p:cNvPr id="34" name="Rectangle 33"/>
-          <p:cNvSpPr/>
-          <p:nvPr/>
-        </p:nvSpPr>
-        <p:spPr bwMode="auto">
-          <a:xfrm>
-            <a:off x="4655126" y="4006249"/>
-            <a:ext cx="95002" cy="148441"/>
-          </a:xfrm>
-          <a:prstGeom prst="rect">
-            <a:avLst/>
-          </a:prstGeom>
-          <a:solidFill>
-            <a:schemeClr val="accent2"/>
-          </a:solidFill>
-          <a:ln>
-            <a:noFill/>
-            <a:headEnd type="none" w="med" len="med"/>
-            <a:tailEnd type="none" w="med" len="med"/>
-          </a:ln>
-          <a:effectLst/>
-        </p:spPr>
-        <p:style>
-          <a:lnRef idx="1">
-            <a:schemeClr val="accent2"/>
-          </a:lnRef>
-          <a:fillRef idx="3">
-            <a:schemeClr val="accent2"/>
-          </a:fillRef>
-          <a:effectRef idx="2">
-            <a:schemeClr val="accent2"/>
-          </a:effectRef>
-          <a:fontRef idx="minor">
-            <a:schemeClr val="lt1"/>
-          </a:fontRef>
-        </p:style>
-        <p:txBody>
-          <a:bodyPr vert="horz" wrap="square" lIns="91436" tIns="45718" rIns="91436" bIns="45718" numCol="1" rtlCol="0" anchor="ctr" anchorCtr="0" compatLnSpc="1">
-            <a:prstTxWarp prst="textNoShape">
-              <a:avLst/>
-            </a:prstTxWarp>
-          </a:bodyPr>
-          <a:lstStyle/>
-          <a:p>
-            <a:pPr algn="ctr" defTabSz="914099" fontAlgn="base">
-              <a:spcBef>
-                <a:spcPct val="0"/>
-              </a:spcBef>
-              <a:spcAft>
-                <a:spcPct val="0"/>
-              </a:spcAft>
-            </a:pPr>
-            <a:endParaRPr lang="en-US" sz="2200" dirty="0" smtClean="0">
-              <a:gradFill>
-                <a:gsLst>
-                  <a:gs pos="0">
-                    <a:srgbClr val="FFFFFF"/>
-                  </a:gs>
-                  <a:gs pos="100000">
-                    <a:srgbClr val="FFFFFF"/>
-                  </a:gs>
-                </a:gsLst>
-                <a:lin ang="5400000" scaled="0"/>
-              </a:gradFill>
-            </a:endParaRPr>
-          </a:p>
-        </p:txBody>
-      </p:sp>
-      <p:sp>
-        <p:nvSpPr>
-          <p:cNvPr id="35" name="Rectangle 34"/>
-          <p:cNvSpPr/>
-          <p:nvPr/>
-        </p:nvSpPr>
-        <p:spPr bwMode="auto">
-          <a:xfrm>
-            <a:off x="4833256" y="4006249"/>
-            <a:ext cx="95002" cy="148441"/>
-          </a:xfrm>
-          <a:prstGeom prst="rect">
-            <a:avLst/>
-          </a:prstGeom>
-          <a:solidFill>
-            <a:schemeClr val="accent2"/>
-          </a:solidFill>
-          <a:ln>
-            <a:noFill/>
-            <a:headEnd type="none" w="med" len="med"/>
-            <a:tailEnd type="none" w="med" len="med"/>
-          </a:ln>
-          <a:effectLst/>
-        </p:spPr>
-        <p:style>
-          <a:lnRef idx="1">
-            <a:schemeClr val="accent2"/>
-          </a:lnRef>
-          <a:fillRef idx="3">
-            <a:schemeClr val="accent2"/>
-          </a:fillRef>
-          <a:effectRef idx="2">
-            <a:schemeClr val="accent2"/>
-          </a:effectRef>
-          <a:fontRef idx="minor">
-            <a:schemeClr val="lt1"/>
-          </a:fontRef>
-        </p:style>
-        <p:txBody>
-          <a:bodyPr vert="horz" wrap="square" lIns="91436" tIns="45718" rIns="91436" bIns="45718" numCol="1" rtlCol="0" anchor="ctr" anchorCtr="0" compatLnSpc="1">
-            <a:prstTxWarp prst="textNoShape">
-              <a:avLst/>
-            </a:prstTxWarp>
-          </a:bodyPr>
-          <a:lstStyle/>
-          <a:p>
-            <a:pPr algn="ctr" defTabSz="914099" fontAlgn="base">
-              <a:spcBef>
-                <a:spcPct val="0"/>
-              </a:spcBef>
-              <a:spcAft>
-                <a:spcPct val="0"/>
-              </a:spcAft>
-            </a:pPr>
-            <a:endParaRPr lang="en-US" sz="2200" dirty="0" smtClean="0">
-              <a:gradFill>
-                <a:gsLst>
-                  <a:gs pos="0">
-                    <a:srgbClr val="FFFFFF"/>
-                  </a:gs>
-                  <a:gs pos="100000">
-                    <a:srgbClr val="FFFFFF"/>
-                  </a:gs>
-                </a:gsLst>
-                <a:lin ang="5400000" scaled="0"/>
-              </a:gradFill>
-            </a:endParaRPr>
-          </a:p>
-        </p:txBody>
-      </p:sp>
-      <p:sp>
-        <p:nvSpPr>
-          <p:cNvPr id="36" name="Rectangle 35"/>
-          <p:cNvSpPr/>
-          <p:nvPr/>
-        </p:nvSpPr>
-        <p:spPr bwMode="auto">
-          <a:xfrm>
-            <a:off x="5011386" y="4006249"/>
-            <a:ext cx="95002" cy="148441"/>
-          </a:xfrm>
-          <a:prstGeom prst="rect">
-            <a:avLst/>
-          </a:prstGeom>
-          <a:solidFill>
-            <a:schemeClr val="accent2"/>
-          </a:solidFill>
-          <a:ln>
-            <a:noFill/>
-            <a:headEnd type="none" w="med" len="med"/>
-            <a:tailEnd type="none" w="med" len="med"/>
-          </a:ln>
-          <a:effectLst/>
-        </p:spPr>
-        <p:style>
-          <a:lnRef idx="1">
-            <a:schemeClr val="accent2"/>
-          </a:lnRef>
-          <a:fillRef idx="3">
-            <a:schemeClr val="accent2"/>
-          </a:fillRef>
-          <a:effectRef idx="2">
-            <a:schemeClr val="accent2"/>
-          </a:effectRef>
-          <a:fontRef idx="minor">
-            <a:schemeClr val="lt1"/>
-          </a:fontRef>
-        </p:style>
-        <p:txBody>
-          <a:bodyPr vert="horz" wrap="square" lIns="91436" tIns="45718" rIns="91436" bIns="45718" numCol="1" rtlCol="0" anchor="ctr" anchorCtr="0" compatLnSpc="1">
-            <a:prstTxWarp prst="textNoShape">
-              <a:avLst/>
-            </a:prstTxWarp>
-          </a:bodyPr>
-          <a:lstStyle/>
-          <a:p>
-            <a:pPr algn="ctr" defTabSz="914099" fontAlgn="base">
-              <a:spcBef>
-                <a:spcPct val="0"/>
-              </a:spcBef>
-              <a:spcAft>
-                <a:spcPct val="0"/>
-              </a:spcAft>
-            </a:pPr>
-            <a:endParaRPr lang="en-US" sz="2200" dirty="0" smtClean="0">
-              <a:gradFill>
-                <a:gsLst>
-                  <a:gs pos="0">
-                    <a:srgbClr val="FFFFFF"/>
-                  </a:gs>
-                  <a:gs pos="100000">
-                    <a:srgbClr val="FFFFFF"/>
-                  </a:gs>
-                </a:gsLst>
-                <a:lin ang="5400000" scaled="0"/>
-              </a:gradFill>
-            </a:endParaRPr>
-          </a:p>
-        </p:txBody>
-      </p:sp>
-      <p:sp>
-        <p:nvSpPr>
-          <p:cNvPr id="39" name="TextBox 38"/>
-          <p:cNvSpPr txBox="1"/>
-          <p:nvPr/>
-        </p:nvSpPr>
-        <p:spPr>
-          <a:xfrm>
-            <a:off x="4441369" y="2666899"/>
-            <a:ext cx="2945084" cy="332399"/>
-          </a:xfrm>
-          <a:prstGeom prst="rect">
-            <a:avLst/>
-          </a:prstGeom>
-          <a:noFill/>
-        </p:spPr>
-        <p:txBody>
-          <a:bodyPr wrap="square" lIns="0" tIns="0" rIns="0" bIns="0" rtlCol="0">
-            <a:spAutoFit/>
-          </a:bodyPr>
-          <a:lstStyle/>
-          <a:p>
-            <a:pPr algn="ctr">
-              <a:lnSpc>
-                <a:spcPct val="90000"/>
-              </a:lnSpc>
-              <a:spcBef>
-                <a:spcPct val="20000"/>
-              </a:spcBef>
-              <a:buSzPct val="80000"/>
-            </a:pPr>
-            <a:r>
-              <a:rPr lang="en-US" sz="2400" dirty="0" smtClean="0">
-                <a:solidFill>
-                  <a:schemeClr val="accent1"/>
-                </a:solidFill>
-              </a:rPr>
-              <a:t>Hopping Window</a:t>
-            </a:r>
-            <a:endParaRPr lang="en-US" sz="2400" dirty="0">
-              <a:solidFill>
-                <a:schemeClr val="accent1"/>
-              </a:solidFill>
-            </a:endParaRPr>
-          </a:p>
-        </p:txBody>
-      </p:sp>
-      <p:cxnSp>
-        <p:nvCxnSpPr>
-          <p:cNvPr id="40" name="Straight Connector 39"/>
-          <p:cNvCxnSpPr/>
-          <p:nvPr/>
-        </p:nvCxnSpPr>
-        <p:spPr>
-          <a:xfrm>
-            <a:off x="8098970" y="3313215"/>
-            <a:ext cx="2945083" cy="8905"/>
-          </a:xfrm>
-          <a:prstGeom prst="line">
-            <a:avLst/>
-          </a:prstGeom>
-          <a:ln w="38100"/>
-        </p:spPr>
-        <p:style>
-          <a:lnRef idx="1">
-            <a:schemeClr val="accent1"/>
-          </a:lnRef>
-          <a:fillRef idx="0">
-            <a:schemeClr val="accent1"/>
-          </a:fillRef>
-          <a:effectRef idx="0">
-            <a:schemeClr val="accent1"/>
-          </a:effectRef>
-          <a:fontRef idx="minor">
-            <a:schemeClr val="tx1"/>
-          </a:fontRef>
-        </p:style>
-      </p:cxnSp>
-      <p:sp>
-        <p:nvSpPr>
-          <p:cNvPr id="41" name="Rectangle 40"/>
-          <p:cNvSpPr/>
-          <p:nvPr/>
-        </p:nvSpPr>
-        <p:spPr bwMode="auto">
-          <a:xfrm>
-            <a:off x="8312726" y="3247900"/>
-            <a:ext cx="95002" cy="148441"/>
-          </a:xfrm>
-          <a:prstGeom prst="rect">
-            <a:avLst/>
-          </a:prstGeom>
-          <a:solidFill>
-            <a:schemeClr val="accent2"/>
-          </a:solidFill>
-          <a:ln>
-            <a:noFill/>
-            <a:headEnd type="none" w="med" len="med"/>
-            <a:tailEnd type="none" w="med" len="med"/>
-          </a:ln>
-          <a:effectLst/>
-        </p:spPr>
-        <p:style>
-          <a:lnRef idx="1">
-            <a:schemeClr val="accent2"/>
-          </a:lnRef>
-          <a:fillRef idx="3">
-            <a:schemeClr val="accent2"/>
-          </a:fillRef>
-          <a:effectRef idx="2">
-            <a:schemeClr val="accent2"/>
-          </a:effectRef>
-          <a:fontRef idx="minor">
-            <a:schemeClr val="lt1"/>
-          </a:fontRef>
-        </p:style>
-        <p:txBody>
-          <a:bodyPr vert="horz" wrap="square" lIns="91436" tIns="45718" rIns="91436" bIns="45718" numCol="1" rtlCol="0" anchor="ctr" anchorCtr="0" compatLnSpc="1">
-            <a:prstTxWarp prst="textNoShape">
-              <a:avLst/>
-            </a:prstTxWarp>
-          </a:bodyPr>
-          <a:lstStyle/>
-          <a:p>
-            <a:pPr algn="ctr" defTabSz="914099" fontAlgn="base">
-              <a:spcBef>
-                <a:spcPct val="0"/>
-              </a:spcBef>
-              <a:spcAft>
-                <a:spcPct val="0"/>
-              </a:spcAft>
-            </a:pPr>
-            <a:endParaRPr lang="en-US" sz="2200" dirty="0" smtClean="0">
-              <a:gradFill>
-                <a:gsLst>
-                  <a:gs pos="0">
-                    <a:srgbClr val="FFFFFF"/>
-                  </a:gs>
-                  <a:gs pos="100000">
-                    <a:srgbClr val="FFFFFF"/>
-                  </a:gs>
-                </a:gsLst>
-                <a:lin ang="5400000" scaled="0"/>
-              </a:gradFill>
-            </a:endParaRPr>
-          </a:p>
-        </p:txBody>
-      </p:sp>
-      <p:sp>
-        <p:nvSpPr>
-          <p:cNvPr id="42" name="Rectangle 41"/>
-          <p:cNvSpPr/>
-          <p:nvPr/>
-        </p:nvSpPr>
-        <p:spPr bwMode="auto">
-          <a:xfrm>
-            <a:off x="8490856" y="3247900"/>
-            <a:ext cx="95002" cy="148441"/>
-          </a:xfrm>
-          <a:prstGeom prst="rect">
-            <a:avLst/>
-          </a:prstGeom>
-          <a:solidFill>
-            <a:schemeClr val="accent2"/>
-          </a:solidFill>
-          <a:ln>
-            <a:noFill/>
-            <a:headEnd type="none" w="med" len="med"/>
-            <a:tailEnd type="none" w="med" len="med"/>
-          </a:ln>
-          <a:effectLst/>
-        </p:spPr>
-        <p:style>
-          <a:lnRef idx="1">
-            <a:schemeClr val="accent2"/>
-          </a:lnRef>
-          <a:fillRef idx="3">
-            <a:schemeClr val="accent2"/>
-          </a:fillRef>
-          <a:effectRef idx="2">
-            <a:schemeClr val="accent2"/>
-          </a:effectRef>
-          <a:fontRef idx="minor">
-            <a:schemeClr val="lt1"/>
-          </a:fontRef>
-        </p:style>
-        <p:txBody>
-          <a:bodyPr vert="horz" wrap="square" lIns="91436" tIns="45718" rIns="91436" bIns="45718" numCol="1" rtlCol="0" anchor="ctr" anchorCtr="0" compatLnSpc="1">
-            <a:prstTxWarp prst="textNoShape">
-              <a:avLst/>
-            </a:prstTxWarp>
-          </a:bodyPr>
-          <a:lstStyle/>
-          <a:p>
-            <a:pPr algn="ctr" defTabSz="914099" fontAlgn="base">
-              <a:spcBef>
-                <a:spcPct val="0"/>
-              </a:spcBef>
-              <a:spcAft>
-                <a:spcPct val="0"/>
-              </a:spcAft>
-            </a:pPr>
-            <a:endParaRPr lang="en-US" sz="2200" dirty="0" smtClean="0">
-              <a:gradFill>
-                <a:gsLst>
-                  <a:gs pos="0">
-                    <a:srgbClr val="FFFFFF"/>
-                  </a:gs>
-                  <a:gs pos="100000">
-                    <a:srgbClr val="FFFFFF"/>
-                  </a:gs>
-                </a:gsLst>
-                <a:lin ang="5400000" scaled="0"/>
-              </a:gradFill>
-            </a:endParaRPr>
-          </a:p>
-        </p:txBody>
-      </p:sp>
-      <p:sp>
-        <p:nvSpPr>
-          <p:cNvPr id="43" name="Rectangle 42"/>
-          <p:cNvSpPr/>
-          <p:nvPr/>
-        </p:nvSpPr>
-        <p:spPr bwMode="auto">
-          <a:xfrm>
-            <a:off x="8668986" y="3247900"/>
-            <a:ext cx="95002" cy="148441"/>
-          </a:xfrm>
-          <a:prstGeom prst="rect">
-            <a:avLst/>
-          </a:prstGeom>
-          <a:solidFill>
-            <a:schemeClr val="accent2"/>
-          </a:solidFill>
-          <a:ln>
-            <a:noFill/>
-            <a:headEnd type="none" w="med" len="med"/>
-            <a:tailEnd type="none" w="med" len="med"/>
-          </a:ln>
-          <a:effectLst/>
-        </p:spPr>
-        <p:style>
-          <a:lnRef idx="1">
-            <a:schemeClr val="accent2"/>
-          </a:lnRef>
-          <a:fillRef idx="3">
-            <a:schemeClr val="accent2"/>
-          </a:fillRef>
-          <a:effectRef idx="2">
-            <a:schemeClr val="accent2"/>
-          </a:effectRef>
-          <a:fontRef idx="minor">
-            <a:schemeClr val="lt1"/>
-          </a:fontRef>
-        </p:style>
-        <p:txBody>
-          <a:bodyPr vert="horz" wrap="square" lIns="91436" tIns="45718" rIns="91436" bIns="45718" numCol="1" rtlCol="0" anchor="ctr" anchorCtr="0" compatLnSpc="1">
-            <a:prstTxWarp prst="textNoShape">
-              <a:avLst/>
-            </a:prstTxWarp>
-          </a:bodyPr>
-          <a:lstStyle/>
-          <a:p>
-            <a:pPr algn="ctr" defTabSz="914099" fontAlgn="base">
-              <a:spcBef>
-                <a:spcPct val="0"/>
-              </a:spcBef>
-              <a:spcAft>
-                <a:spcPct val="0"/>
-              </a:spcAft>
-            </a:pPr>
-            <a:endParaRPr lang="en-US" sz="2200" dirty="0" smtClean="0">
-              <a:gradFill>
-                <a:gsLst>
-                  <a:gs pos="0">
-                    <a:srgbClr val="FFFFFF"/>
-                  </a:gs>
-                  <a:gs pos="100000">
-                    <a:srgbClr val="FFFFFF"/>
-                  </a:gs>
-                </a:gsLst>
-                <a:lin ang="5400000" scaled="0"/>
-              </a:gradFill>
-            </a:endParaRPr>
-          </a:p>
-        </p:txBody>
-      </p:sp>
-      <p:sp>
-        <p:nvSpPr>
-          <p:cNvPr id="44" name="Rectangle 43"/>
-          <p:cNvSpPr/>
-          <p:nvPr/>
-        </p:nvSpPr>
-        <p:spPr bwMode="auto">
-          <a:xfrm>
-            <a:off x="10046524" y="3247900"/>
-            <a:ext cx="95002" cy="148441"/>
-          </a:xfrm>
-          <a:prstGeom prst="rect">
-            <a:avLst/>
-          </a:prstGeom>
-          <a:solidFill>
-            <a:schemeClr val="accent2"/>
-          </a:solidFill>
-          <a:ln>
-            <a:noFill/>
-            <a:headEnd type="none" w="med" len="med"/>
-            <a:tailEnd type="none" w="med" len="med"/>
-          </a:ln>
-          <a:effectLst/>
-        </p:spPr>
-        <p:style>
-          <a:lnRef idx="1">
-            <a:schemeClr val="accent2"/>
-          </a:lnRef>
-          <a:fillRef idx="3">
-            <a:schemeClr val="accent2"/>
-          </a:fillRef>
-          <a:effectRef idx="2">
-            <a:schemeClr val="accent2"/>
-          </a:effectRef>
-          <a:fontRef idx="minor">
-            <a:schemeClr val="lt1"/>
-          </a:fontRef>
-        </p:style>
-        <p:txBody>
-          <a:bodyPr vert="horz" wrap="square" lIns="91436" tIns="45718" rIns="91436" bIns="45718" numCol="1" rtlCol="0" anchor="ctr" anchorCtr="0" compatLnSpc="1">
-            <a:prstTxWarp prst="textNoShape">
-              <a:avLst/>
-            </a:prstTxWarp>
-          </a:bodyPr>
-          <a:lstStyle/>
-          <a:p>
-            <a:pPr algn="ctr" defTabSz="914099" fontAlgn="base">
-              <a:spcBef>
-                <a:spcPct val="0"/>
-              </a:spcBef>
-              <a:spcAft>
-                <a:spcPct val="0"/>
-              </a:spcAft>
-            </a:pPr>
-            <a:endParaRPr lang="en-US" sz="2200" dirty="0" smtClean="0">
-              <a:gradFill>
-                <a:gsLst>
-                  <a:gs pos="0">
-                    <a:srgbClr val="FFFFFF"/>
-                  </a:gs>
-                  <a:gs pos="100000">
-                    <a:srgbClr val="FFFFFF"/>
-                  </a:gs>
-                </a:gsLst>
-                <a:lin ang="5400000" scaled="0"/>
-              </a:gradFill>
-            </a:endParaRPr>
-          </a:p>
-        </p:txBody>
-      </p:sp>
-      <p:sp>
-        <p:nvSpPr>
-          <p:cNvPr id="45" name="Rectangle 44"/>
-          <p:cNvSpPr/>
-          <p:nvPr/>
-        </p:nvSpPr>
-        <p:spPr bwMode="auto">
-          <a:xfrm>
-            <a:off x="10236530" y="3247900"/>
-            <a:ext cx="95002" cy="148441"/>
-          </a:xfrm>
-          <a:prstGeom prst="rect">
-            <a:avLst/>
-          </a:prstGeom>
-          <a:solidFill>
-            <a:schemeClr val="accent2"/>
-          </a:solidFill>
-          <a:ln>
-            <a:noFill/>
-            <a:headEnd type="none" w="med" len="med"/>
-            <a:tailEnd type="none" w="med" len="med"/>
-          </a:ln>
-          <a:effectLst/>
-        </p:spPr>
-        <p:style>
-          <a:lnRef idx="1">
-            <a:schemeClr val="accent2"/>
-          </a:lnRef>
-          <a:fillRef idx="3">
-            <a:schemeClr val="accent2"/>
-          </a:fillRef>
-          <a:effectRef idx="2">
-            <a:schemeClr val="accent2"/>
-          </a:effectRef>
-          <a:fontRef idx="minor">
-            <a:schemeClr val="lt1"/>
-          </a:fontRef>
-        </p:style>
-        <p:txBody>
-          <a:bodyPr vert="horz" wrap="square" lIns="91436" tIns="45718" rIns="91436" bIns="45718" numCol="1" rtlCol="0" anchor="ctr" anchorCtr="0" compatLnSpc="1">
-            <a:prstTxWarp prst="textNoShape">
-              <a:avLst/>
-            </a:prstTxWarp>
-          </a:bodyPr>
-          <a:lstStyle/>
-          <a:p>
-            <a:pPr algn="ctr" defTabSz="914099" fontAlgn="base">
-              <a:spcBef>
-                <a:spcPct val="0"/>
-              </a:spcBef>
-              <a:spcAft>
-                <a:spcPct val="0"/>
-              </a:spcAft>
-            </a:pPr>
-            <a:endParaRPr lang="en-US" sz="2200" dirty="0" smtClean="0">
-              <a:gradFill>
-                <a:gsLst>
-                  <a:gs pos="0">
-                    <a:srgbClr val="FFFFFF"/>
-                  </a:gs>
-                  <a:gs pos="100000">
-                    <a:srgbClr val="FFFFFF"/>
-                  </a:gs>
-                </a:gsLst>
-                <a:lin ang="5400000" scaled="0"/>
-              </a:gradFill>
-            </a:endParaRPr>
-          </a:p>
-        </p:txBody>
-      </p:sp>
-      <p:sp>
-        <p:nvSpPr>
-          <p:cNvPr id="46" name="Rectangle 45"/>
-          <p:cNvSpPr/>
-          <p:nvPr/>
-        </p:nvSpPr>
-        <p:spPr bwMode="auto">
-          <a:xfrm>
-            <a:off x="8312730" y="3681350"/>
-            <a:ext cx="1472542" cy="866899"/>
-          </a:xfrm>
-          <a:prstGeom prst="rect">
-            <a:avLst/>
-          </a:prstGeom>
-          <a:noFill/>
-          <a:ln w="38100">
-            <a:solidFill>
-              <a:srgbClr val="00AEEF"/>
-            </a:solidFill>
-            <a:headEnd type="none" w="med" len="med"/>
-            <a:tailEnd type="none" w="med" len="med"/>
-          </a:ln>
-          <a:effectLst/>
-        </p:spPr>
-        <p:style>
-          <a:lnRef idx="1">
-            <a:schemeClr val="accent2"/>
-          </a:lnRef>
-          <a:fillRef idx="3">
-            <a:schemeClr val="accent2"/>
-          </a:fillRef>
-          <a:effectRef idx="2">
-            <a:schemeClr val="accent2"/>
-          </a:effectRef>
-          <a:fontRef idx="minor">
-            <a:schemeClr val="lt1"/>
-          </a:fontRef>
-        </p:style>
-        <p:txBody>
-          <a:bodyPr vert="horz" wrap="square" lIns="91436" tIns="45718" rIns="91436" bIns="45718" numCol="1" rtlCol="0" anchor="ctr" anchorCtr="0" compatLnSpc="1">
-            <a:prstTxWarp prst="textNoShape">
-              <a:avLst/>
-            </a:prstTxWarp>
-          </a:bodyPr>
-          <a:lstStyle/>
-          <a:p>
-            <a:pPr algn="ctr" defTabSz="914099" fontAlgn="base">
-              <a:spcBef>
-                <a:spcPct val="0"/>
-              </a:spcBef>
-              <a:spcAft>
-                <a:spcPct val="0"/>
-              </a:spcAft>
-            </a:pPr>
-            <a:endParaRPr lang="en-US" sz="2200" dirty="0" smtClean="0">
-              <a:gradFill>
-                <a:gsLst>
-                  <a:gs pos="0">
-                    <a:srgbClr val="FFFFFF"/>
-                  </a:gs>
-                  <a:gs pos="100000">
-                    <a:srgbClr val="FFFFFF"/>
-                  </a:gs>
-                </a:gsLst>
-                <a:lin ang="5400000" scaled="0"/>
-              </a:gradFill>
-            </a:endParaRPr>
-          </a:p>
-        </p:txBody>
-      </p:sp>
-      <p:sp>
-        <p:nvSpPr>
-          <p:cNvPr id="47" name="Rectangle 46"/>
-          <p:cNvSpPr/>
-          <p:nvPr/>
-        </p:nvSpPr>
-        <p:spPr bwMode="auto">
-          <a:xfrm>
-            <a:off x="10046524" y="4548248"/>
-            <a:ext cx="1472542" cy="866899"/>
-          </a:xfrm>
-          <a:prstGeom prst="rect">
-            <a:avLst/>
-          </a:prstGeom>
-          <a:noFill/>
-          <a:ln w="38100">
-            <a:solidFill>
-              <a:srgbClr val="00AEEF"/>
-            </a:solidFill>
-            <a:headEnd type="none" w="med" len="med"/>
-            <a:tailEnd type="none" w="med" len="med"/>
-          </a:ln>
-          <a:effectLst/>
-        </p:spPr>
-        <p:style>
-          <a:lnRef idx="1">
-            <a:schemeClr val="accent2"/>
-          </a:lnRef>
-          <a:fillRef idx="3">
-            <a:schemeClr val="accent2"/>
-          </a:fillRef>
-          <a:effectRef idx="2">
-            <a:schemeClr val="accent2"/>
-          </a:effectRef>
-          <a:fontRef idx="minor">
-            <a:schemeClr val="lt1"/>
-          </a:fontRef>
-        </p:style>
-        <p:txBody>
-          <a:bodyPr vert="horz" wrap="square" lIns="91436" tIns="45718" rIns="91436" bIns="45718" numCol="1" rtlCol="0" anchor="ctr" anchorCtr="0" compatLnSpc="1">
-            <a:prstTxWarp prst="textNoShape">
-              <a:avLst/>
-            </a:prstTxWarp>
-          </a:bodyPr>
-          <a:lstStyle/>
-          <a:p>
-            <a:pPr algn="ctr" defTabSz="914099" fontAlgn="base">
-              <a:spcBef>
-                <a:spcPct val="0"/>
-              </a:spcBef>
-              <a:spcAft>
-                <a:spcPct val="0"/>
-              </a:spcAft>
-            </a:pPr>
-            <a:endParaRPr lang="en-US" sz="2200" dirty="0">
-              <a:gradFill>
-                <a:gsLst>
-                  <a:gs pos="0">
-                    <a:srgbClr val="FFFFFF"/>
-                  </a:gs>
-                  <a:gs pos="100000">
-                    <a:srgbClr val="FFFFFF"/>
-                  </a:gs>
-                </a:gsLst>
-                <a:lin ang="5400000" scaled="0"/>
-              </a:gradFill>
-            </a:endParaRPr>
-          </a:p>
-        </p:txBody>
-      </p:sp>
-      <p:sp>
-        <p:nvSpPr>
-          <p:cNvPr id="48" name="Rectangle 47"/>
-          <p:cNvSpPr/>
-          <p:nvPr/>
-        </p:nvSpPr>
-        <p:spPr bwMode="auto">
-          <a:xfrm>
-            <a:off x="8312726" y="4006249"/>
-            <a:ext cx="95002" cy="148441"/>
-          </a:xfrm>
-          <a:prstGeom prst="rect">
-            <a:avLst/>
-          </a:prstGeom>
-          <a:solidFill>
-            <a:schemeClr val="accent2"/>
-          </a:solidFill>
-          <a:ln>
-            <a:noFill/>
-            <a:headEnd type="none" w="med" len="med"/>
-            <a:tailEnd type="none" w="med" len="med"/>
-          </a:ln>
-          <a:effectLst/>
-        </p:spPr>
-        <p:style>
-          <a:lnRef idx="1">
-            <a:schemeClr val="accent2"/>
-          </a:lnRef>
-          <a:fillRef idx="3">
-            <a:schemeClr val="accent2"/>
-          </a:fillRef>
-          <a:effectRef idx="2">
-            <a:schemeClr val="accent2"/>
-          </a:effectRef>
-          <a:fontRef idx="minor">
-            <a:schemeClr val="lt1"/>
-          </a:fontRef>
-        </p:style>
-        <p:txBody>
-          <a:bodyPr vert="horz" wrap="square" lIns="91436" tIns="45718" rIns="91436" bIns="45718" numCol="1" rtlCol="0" anchor="ctr" anchorCtr="0" compatLnSpc="1">
-            <a:prstTxWarp prst="textNoShape">
-              <a:avLst/>
-            </a:prstTxWarp>
-          </a:bodyPr>
-          <a:lstStyle/>
-          <a:p>
-            <a:pPr algn="ctr" defTabSz="914099" fontAlgn="base">
-              <a:spcBef>
-                <a:spcPct val="0"/>
-              </a:spcBef>
-              <a:spcAft>
-                <a:spcPct val="0"/>
-              </a:spcAft>
-            </a:pPr>
-            <a:endParaRPr lang="en-US" sz="2200" dirty="0" smtClean="0">
-              <a:gradFill>
-                <a:gsLst>
-                  <a:gs pos="0">
-                    <a:srgbClr val="FFFFFF"/>
-                  </a:gs>
-                  <a:gs pos="100000">
-                    <a:srgbClr val="FFFFFF"/>
-                  </a:gs>
-                </a:gsLst>
-                <a:lin ang="5400000" scaled="0"/>
-              </a:gradFill>
-            </a:endParaRPr>
-          </a:p>
-        </p:txBody>
-      </p:sp>
-      <p:sp>
-        <p:nvSpPr>
-          <p:cNvPr id="49" name="Rectangle 48"/>
-          <p:cNvSpPr/>
-          <p:nvPr/>
-        </p:nvSpPr>
-        <p:spPr bwMode="auto">
-          <a:xfrm>
-            <a:off x="8490856" y="4006249"/>
-            <a:ext cx="95002" cy="148441"/>
-          </a:xfrm>
-          <a:prstGeom prst="rect">
-            <a:avLst/>
-          </a:prstGeom>
-          <a:solidFill>
-            <a:schemeClr val="accent2"/>
-          </a:solidFill>
-          <a:ln>
-            <a:noFill/>
-            <a:headEnd type="none" w="med" len="med"/>
-            <a:tailEnd type="none" w="med" len="med"/>
-          </a:ln>
-          <a:effectLst/>
-        </p:spPr>
-        <p:style>
-          <a:lnRef idx="1">
-            <a:schemeClr val="accent2"/>
-          </a:lnRef>
-          <a:fillRef idx="3">
-            <a:schemeClr val="accent2"/>
-          </a:fillRef>
-          <a:effectRef idx="2">
-            <a:schemeClr val="accent2"/>
-          </a:effectRef>
-          <a:fontRef idx="minor">
-            <a:schemeClr val="lt1"/>
-          </a:fontRef>
-        </p:style>
-        <p:txBody>
-          <a:bodyPr vert="horz" wrap="square" lIns="91436" tIns="45718" rIns="91436" bIns="45718" numCol="1" rtlCol="0" anchor="ctr" anchorCtr="0" compatLnSpc="1">
-            <a:prstTxWarp prst="textNoShape">
-              <a:avLst/>
-            </a:prstTxWarp>
-          </a:bodyPr>
-          <a:lstStyle/>
-          <a:p>
-            <a:pPr algn="ctr" defTabSz="914099" fontAlgn="base">
-              <a:spcBef>
-                <a:spcPct val="0"/>
-              </a:spcBef>
-              <a:spcAft>
-                <a:spcPct val="0"/>
-              </a:spcAft>
-            </a:pPr>
-            <a:endParaRPr lang="en-US" sz="2200" dirty="0" smtClean="0">
-              <a:gradFill>
-                <a:gsLst>
-                  <a:gs pos="0">
-                    <a:srgbClr val="FFFFFF"/>
-                  </a:gs>
-                  <a:gs pos="100000">
-                    <a:srgbClr val="FFFFFF"/>
-                  </a:gs>
-                </a:gsLst>
-                <a:lin ang="5400000" scaled="0"/>
-              </a:gradFill>
-            </a:endParaRPr>
-          </a:p>
-        </p:txBody>
-      </p:sp>
-      <p:sp>
-        <p:nvSpPr>
-          <p:cNvPr id="50" name="Rectangle 49"/>
-          <p:cNvSpPr/>
-          <p:nvPr/>
-        </p:nvSpPr>
-        <p:spPr bwMode="auto">
-          <a:xfrm>
-            <a:off x="8668986" y="4006249"/>
-            <a:ext cx="95002" cy="148441"/>
-          </a:xfrm>
-          <a:prstGeom prst="rect">
-            <a:avLst/>
-          </a:prstGeom>
-          <a:solidFill>
-            <a:schemeClr val="accent2"/>
-          </a:solidFill>
-          <a:ln>
-            <a:noFill/>
-            <a:headEnd type="none" w="med" len="med"/>
-            <a:tailEnd type="none" w="med" len="med"/>
-          </a:ln>
-          <a:effectLst/>
-        </p:spPr>
-        <p:style>
-          <a:lnRef idx="1">
-            <a:schemeClr val="accent2"/>
-          </a:lnRef>
-          <a:fillRef idx="3">
-            <a:schemeClr val="accent2"/>
-          </a:fillRef>
-          <a:effectRef idx="2">
-            <a:schemeClr val="accent2"/>
-          </a:effectRef>
-          <a:fontRef idx="minor">
-            <a:schemeClr val="lt1"/>
-          </a:fontRef>
-        </p:style>
-        <p:txBody>
-          <a:bodyPr vert="horz" wrap="square" lIns="91436" tIns="45718" rIns="91436" bIns="45718" numCol="1" rtlCol="0" anchor="ctr" anchorCtr="0" compatLnSpc="1">
-            <a:prstTxWarp prst="textNoShape">
-              <a:avLst/>
-            </a:prstTxWarp>
-          </a:bodyPr>
-          <a:lstStyle/>
-          <a:p>
-            <a:pPr algn="ctr" defTabSz="914099" fontAlgn="base">
-              <a:spcBef>
-                <a:spcPct val="0"/>
-              </a:spcBef>
-              <a:spcAft>
-                <a:spcPct val="0"/>
-              </a:spcAft>
-            </a:pPr>
-            <a:endParaRPr lang="en-US" sz="2200" dirty="0" smtClean="0">
-              <a:gradFill>
-                <a:gsLst>
-                  <a:gs pos="0">
-                    <a:srgbClr val="FFFFFF"/>
-                  </a:gs>
-                  <a:gs pos="100000">
-                    <a:srgbClr val="FFFFFF"/>
-                  </a:gs>
-                </a:gsLst>
-                <a:lin ang="5400000" scaled="0"/>
-              </a:gradFill>
-            </a:endParaRPr>
-          </a:p>
-        </p:txBody>
-      </p:sp>
-      <p:sp>
-        <p:nvSpPr>
-          <p:cNvPr id="51" name="Rectangle 50"/>
-          <p:cNvSpPr/>
-          <p:nvPr/>
-        </p:nvSpPr>
-        <p:spPr bwMode="auto">
-          <a:xfrm>
-            <a:off x="10046524" y="4873148"/>
-            <a:ext cx="95002" cy="148441"/>
-          </a:xfrm>
-          <a:prstGeom prst="rect">
-            <a:avLst/>
-          </a:prstGeom>
-          <a:solidFill>
-            <a:schemeClr val="accent2"/>
-          </a:solidFill>
-          <a:ln>
-            <a:noFill/>
-            <a:headEnd type="none" w="med" len="med"/>
-            <a:tailEnd type="none" w="med" len="med"/>
-          </a:ln>
-          <a:effectLst/>
-        </p:spPr>
-        <p:style>
-          <a:lnRef idx="1">
-            <a:schemeClr val="accent2"/>
-          </a:lnRef>
-          <a:fillRef idx="3">
-            <a:schemeClr val="accent2"/>
-          </a:fillRef>
-          <a:effectRef idx="2">
-            <a:schemeClr val="accent2"/>
-          </a:effectRef>
-          <a:fontRef idx="minor">
-            <a:schemeClr val="lt1"/>
-          </a:fontRef>
-        </p:style>
-        <p:txBody>
-          <a:bodyPr vert="horz" wrap="square" lIns="91436" tIns="45718" rIns="91436" bIns="45718" numCol="1" rtlCol="0" anchor="ctr" anchorCtr="0" compatLnSpc="1">
-            <a:prstTxWarp prst="textNoShape">
-              <a:avLst/>
-            </a:prstTxWarp>
-          </a:bodyPr>
-          <a:lstStyle/>
-          <a:p>
-            <a:pPr algn="ctr" defTabSz="914099" fontAlgn="base">
-              <a:spcBef>
-                <a:spcPct val="0"/>
-              </a:spcBef>
-              <a:spcAft>
-                <a:spcPct val="0"/>
-              </a:spcAft>
-            </a:pPr>
-            <a:endParaRPr lang="en-US" sz="2200" dirty="0" smtClean="0">
-              <a:gradFill>
-                <a:gsLst>
-                  <a:gs pos="0">
-                    <a:srgbClr val="FFFFFF"/>
-                  </a:gs>
-                  <a:gs pos="100000">
-                    <a:srgbClr val="FFFFFF"/>
-                  </a:gs>
-                </a:gsLst>
-                <a:lin ang="5400000" scaled="0"/>
-              </a:gradFill>
-            </a:endParaRPr>
-          </a:p>
-        </p:txBody>
-      </p:sp>
-      <p:sp>
-        <p:nvSpPr>
-          <p:cNvPr id="52" name="Rectangle 51"/>
-          <p:cNvSpPr/>
-          <p:nvPr/>
-        </p:nvSpPr>
-        <p:spPr bwMode="auto">
-          <a:xfrm>
-            <a:off x="10236530" y="4873148"/>
-            <a:ext cx="95002" cy="148441"/>
-          </a:xfrm>
-          <a:prstGeom prst="rect">
-            <a:avLst/>
-          </a:prstGeom>
-          <a:solidFill>
-            <a:schemeClr val="accent2"/>
-          </a:solidFill>
-          <a:ln>
-            <a:noFill/>
-            <a:headEnd type="none" w="med" len="med"/>
-            <a:tailEnd type="none" w="med" len="med"/>
-          </a:ln>
-          <a:effectLst/>
-        </p:spPr>
-        <p:style>
-          <a:lnRef idx="1">
-            <a:schemeClr val="accent2"/>
-          </a:lnRef>
-          <a:fillRef idx="3">
-            <a:schemeClr val="accent2"/>
-          </a:fillRef>
-          <a:effectRef idx="2">
-            <a:schemeClr val="accent2"/>
-          </a:effectRef>
-          <a:fontRef idx="minor">
-            <a:schemeClr val="lt1"/>
-          </a:fontRef>
-        </p:style>
-        <p:txBody>
-          <a:bodyPr vert="horz" wrap="square" lIns="91436" tIns="45718" rIns="91436" bIns="45718" numCol="1" rtlCol="0" anchor="ctr" anchorCtr="0" compatLnSpc="1">
-            <a:prstTxWarp prst="textNoShape">
-              <a:avLst/>
-            </a:prstTxWarp>
-          </a:bodyPr>
-          <a:lstStyle/>
-          <a:p>
-            <a:pPr algn="ctr" defTabSz="914099" fontAlgn="base">
-              <a:spcBef>
-                <a:spcPct val="0"/>
-              </a:spcBef>
-              <a:spcAft>
-                <a:spcPct val="0"/>
-              </a:spcAft>
-            </a:pPr>
-            <a:endParaRPr lang="en-US" sz="2200" dirty="0" smtClean="0">
-              <a:gradFill>
-                <a:gsLst>
-                  <a:gs pos="0">
-                    <a:srgbClr val="FFFFFF"/>
-                  </a:gs>
-                  <a:gs pos="100000">
-                    <a:srgbClr val="FFFFFF"/>
-                  </a:gs>
-                </a:gsLst>
-                <a:lin ang="5400000" scaled="0"/>
-              </a:gradFill>
-            </a:endParaRPr>
-          </a:p>
-        </p:txBody>
-      </p:sp>
-      <p:sp>
-        <p:nvSpPr>
-          <p:cNvPr id="53" name="TextBox 52"/>
-          <p:cNvSpPr txBox="1"/>
-          <p:nvPr/>
-        </p:nvSpPr>
-        <p:spPr>
-          <a:xfrm>
-            <a:off x="8098969" y="2666899"/>
-            <a:ext cx="2945084" cy="332399"/>
-          </a:xfrm>
-          <a:prstGeom prst="rect">
-            <a:avLst/>
-          </a:prstGeom>
-          <a:noFill/>
-        </p:spPr>
-        <p:txBody>
-          <a:bodyPr wrap="square" lIns="0" tIns="0" rIns="0" bIns="0" rtlCol="0">
-            <a:spAutoFit/>
-          </a:bodyPr>
-          <a:lstStyle/>
-          <a:p>
-            <a:pPr algn="ctr">
-              <a:lnSpc>
-                <a:spcPct val="90000"/>
-              </a:lnSpc>
-              <a:spcBef>
-                <a:spcPct val="20000"/>
-              </a:spcBef>
-              <a:buSzPct val="80000"/>
-            </a:pPr>
-            <a:r>
-              <a:rPr lang="en-US" sz="2400" dirty="0" smtClean="0">
-                <a:solidFill>
-                  <a:schemeClr val="accent1"/>
-                </a:solidFill>
-              </a:rPr>
-              <a:t>Sliding Window</a:t>
-            </a:r>
-            <a:endParaRPr lang="en-US" sz="2400" dirty="0">
-              <a:solidFill>
-                <a:schemeClr val="accent1"/>
-              </a:solidFill>
-            </a:endParaRPr>
-          </a:p>
-        </p:txBody>
-      </p:sp>
-      <p:sp>
-        <p:nvSpPr>
-          <p:cNvPr id="56" name="Rectangle 55"/>
-          <p:cNvSpPr/>
-          <p:nvPr/>
-        </p:nvSpPr>
-        <p:spPr bwMode="auto">
-          <a:xfrm>
-            <a:off x="6388924" y="5788843"/>
-            <a:ext cx="95002" cy="148441"/>
-          </a:xfrm>
-          <a:prstGeom prst="rect">
-            <a:avLst/>
-          </a:prstGeom>
-          <a:solidFill>
-            <a:schemeClr val="accent2"/>
-          </a:solidFill>
-          <a:ln>
-            <a:noFill/>
-            <a:headEnd type="none" w="med" len="med"/>
-            <a:tailEnd type="none" w="med" len="med"/>
-          </a:ln>
-          <a:effectLst/>
-        </p:spPr>
-        <p:style>
-          <a:lnRef idx="1">
-            <a:schemeClr val="accent2"/>
-          </a:lnRef>
-          <a:fillRef idx="3">
-            <a:schemeClr val="accent2"/>
-          </a:fillRef>
-          <a:effectRef idx="2">
-            <a:schemeClr val="accent2"/>
-          </a:effectRef>
-          <a:fontRef idx="minor">
-            <a:schemeClr val="lt1"/>
-          </a:fontRef>
-        </p:style>
-        <p:txBody>
-          <a:bodyPr vert="horz" wrap="square" lIns="91436" tIns="45718" rIns="91436" bIns="45718" numCol="1" rtlCol="0" anchor="ctr" anchorCtr="0" compatLnSpc="1">
-            <a:prstTxWarp prst="textNoShape">
-              <a:avLst/>
-            </a:prstTxWarp>
-          </a:bodyPr>
-          <a:lstStyle/>
-          <a:p>
-            <a:pPr algn="ctr" defTabSz="914099" fontAlgn="base">
-              <a:spcBef>
-                <a:spcPct val="0"/>
-              </a:spcBef>
-              <a:spcAft>
-                <a:spcPct val="0"/>
-              </a:spcAft>
-            </a:pPr>
-            <a:endParaRPr lang="en-US" sz="2200" dirty="0" smtClean="0">
-              <a:gradFill>
-                <a:gsLst>
-                  <a:gs pos="0">
-                    <a:srgbClr val="FFFFFF"/>
-                  </a:gs>
-                  <a:gs pos="100000">
-                    <a:srgbClr val="FFFFFF"/>
-                  </a:gs>
-                </a:gsLst>
-                <a:lin ang="5400000" scaled="0"/>
-              </a:gradFill>
-            </a:endParaRPr>
-          </a:p>
-        </p:txBody>
-      </p:sp>
-      <p:sp>
-        <p:nvSpPr>
-          <p:cNvPr id="57" name="Rectangle 56"/>
-          <p:cNvSpPr/>
-          <p:nvPr/>
-        </p:nvSpPr>
-        <p:spPr bwMode="auto">
-          <a:xfrm>
-            <a:off x="6578930" y="5788843"/>
-            <a:ext cx="95002" cy="148441"/>
-          </a:xfrm>
-          <a:prstGeom prst="rect">
-            <a:avLst/>
-          </a:prstGeom>
-          <a:solidFill>
-            <a:schemeClr val="accent2"/>
-          </a:solidFill>
-          <a:ln>
-            <a:noFill/>
-            <a:headEnd type="none" w="med" len="med"/>
-            <a:tailEnd type="none" w="med" len="med"/>
-          </a:ln>
-          <a:effectLst/>
-        </p:spPr>
-        <p:style>
-          <a:lnRef idx="1">
-            <a:schemeClr val="accent2"/>
-          </a:lnRef>
-          <a:fillRef idx="3">
-            <a:schemeClr val="accent2"/>
-          </a:fillRef>
-          <a:effectRef idx="2">
-            <a:schemeClr val="accent2"/>
-          </a:effectRef>
-          <a:fontRef idx="minor">
-            <a:schemeClr val="lt1"/>
-          </a:fontRef>
-        </p:style>
-        <p:txBody>
-          <a:bodyPr vert="horz" wrap="square" lIns="91436" tIns="45718" rIns="91436" bIns="45718" numCol="1" rtlCol="0" anchor="ctr" anchorCtr="0" compatLnSpc="1">
-            <a:prstTxWarp prst="textNoShape">
-              <a:avLst/>
-            </a:prstTxWarp>
-          </a:bodyPr>
-          <a:lstStyle/>
-          <a:p>
-            <a:pPr algn="ctr" defTabSz="914099" fontAlgn="base">
-              <a:spcBef>
-                <a:spcPct val="0"/>
-              </a:spcBef>
-              <a:spcAft>
-                <a:spcPct val="0"/>
-              </a:spcAft>
-            </a:pPr>
-            <a:endParaRPr lang="en-US" sz="2200" dirty="0" smtClean="0">
-              <a:gradFill>
-                <a:gsLst>
-                  <a:gs pos="0">
-                    <a:srgbClr val="FFFFFF"/>
-                  </a:gs>
-                  <a:gs pos="100000">
-                    <a:srgbClr val="FFFFFF"/>
-                  </a:gs>
-                </a:gsLst>
-                <a:lin ang="5400000" scaled="0"/>
-              </a:gradFill>
-            </a:endParaRPr>
-          </a:p>
-        </p:txBody>
-      </p:sp>
-      <p:sp>
-        <p:nvSpPr>
-          <p:cNvPr id="58" name="Rectangle 57"/>
-          <p:cNvSpPr/>
-          <p:nvPr/>
-        </p:nvSpPr>
-        <p:spPr bwMode="auto">
-          <a:xfrm>
-            <a:off x="5177640" y="4549544"/>
-            <a:ext cx="1472542" cy="866899"/>
-          </a:xfrm>
-          <a:prstGeom prst="rect">
-            <a:avLst/>
-          </a:prstGeom>
-          <a:noFill/>
-          <a:ln w="38100">
-            <a:solidFill>
-              <a:srgbClr val="00AEEF"/>
-            </a:solidFill>
-            <a:headEnd type="none" w="med" len="med"/>
-            <a:tailEnd type="none" w="med" len="med"/>
-          </a:ln>
-          <a:effectLst/>
-        </p:spPr>
-        <p:style>
-          <a:lnRef idx="1">
-            <a:schemeClr val="accent2"/>
-          </a:lnRef>
-          <a:fillRef idx="3">
-            <a:schemeClr val="accent2"/>
-          </a:fillRef>
-          <a:effectRef idx="2">
-            <a:schemeClr val="accent2"/>
-          </a:effectRef>
-          <a:fontRef idx="minor">
-            <a:schemeClr val="lt1"/>
-          </a:fontRef>
-        </p:style>
-        <p:txBody>
-          <a:bodyPr vert="horz" wrap="square" lIns="91436" tIns="45718" rIns="91436" bIns="45718" numCol="1" rtlCol="0" anchor="ctr" anchorCtr="0" compatLnSpc="1">
-            <a:prstTxWarp prst="textNoShape">
-              <a:avLst/>
-            </a:prstTxWarp>
-          </a:bodyPr>
-          <a:lstStyle/>
-          <a:p>
-            <a:pPr algn="ctr" defTabSz="914099" fontAlgn="base">
-              <a:spcBef>
-                <a:spcPct val="0"/>
-              </a:spcBef>
-              <a:spcAft>
-                <a:spcPct val="0"/>
-              </a:spcAft>
-            </a:pPr>
-            <a:endParaRPr lang="en-US" sz="2200" dirty="0" smtClean="0">
-              <a:gradFill>
-                <a:gsLst>
-                  <a:gs pos="0">
-                    <a:srgbClr val="FFFFFF"/>
-                  </a:gs>
-                  <a:gs pos="100000">
-                    <a:srgbClr val="FFFFFF"/>
-                  </a:gs>
-                </a:gsLst>
-                <a:lin ang="5400000" scaled="0"/>
-              </a:gradFill>
-            </a:endParaRPr>
-          </a:p>
-        </p:txBody>
-      </p:sp>
-      <p:sp>
-        <p:nvSpPr>
-          <p:cNvPr id="59" name="Rectangle 58"/>
-          <p:cNvSpPr/>
-          <p:nvPr/>
-        </p:nvSpPr>
-        <p:spPr bwMode="auto">
-          <a:xfrm>
-            <a:off x="6388924" y="4921944"/>
-            <a:ext cx="95002" cy="148441"/>
-          </a:xfrm>
-          <a:prstGeom prst="rect">
-            <a:avLst/>
-          </a:prstGeom>
-          <a:solidFill>
-            <a:schemeClr val="accent2"/>
-          </a:solidFill>
-          <a:ln>
-            <a:noFill/>
-            <a:headEnd type="none" w="med" len="med"/>
-            <a:tailEnd type="none" w="med" len="med"/>
-          </a:ln>
-          <a:effectLst/>
-        </p:spPr>
-        <p:style>
-          <a:lnRef idx="1">
-            <a:schemeClr val="accent2"/>
-          </a:lnRef>
-          <a:fillRef idx="3">
-            <a:schemeClr val="accent2"/>
-          </a:fillRef>
-          <a:effectRef idx="2">
-            <a:schemeClr val="accent2"/>
-          </a:effectRef>
-          <a:fontRef idx="minor">
-            <a:schemeClr val="lt1"/>
-          </a:fontRef>
-        </p:style>
-        <p:txBody>
-          <a:bodyPr vert="horz" wrap="square" lIns="91436" tIns="45718" rIns="91436" bIns="45718" numCol="1" rtlCol="0" anchor="ctr" anchorCtr="0" compatLnSpc="1">
-            <a:prstTxWarp prst="textNoShape">
-              <a:avLst/>
-            </a:prstTxWarp>
-          </a:bodyPr>
-          <a:lstStyle/>
-          <a:p>
-            <a:pPr algn="ctr" defTabSz="914099" fontAlgn="base">
-              <a:spcBef>
-                <a:spcPct val="0"/>
-              </a:spcBef>
-              <a:spcAft>
-                <a:spcPct val="0"/>
-              </a:spcAft>
-            </a:pPr>
-            <a:endParaRPr lang="en-US" sz="2200" dirty="0" smtClean="0">
-              <a:gradFill>
-                <a:gsLst>
-                  <a:gs pos="0">
-                    <a:srgbClr val="FFFFFF"/>
-                  </a:gs>
-                  <a:gs pos="100000">
-                    <a:srgbClr val="FFFFFF"/>
-                  </a:gs>
-                </a:gsLst>
-                <a:lin ang="5400000" scaled="0"/>
-              </a:gradFill>
-            </a:endParaRPr>
-          </a:p>
-        </p:txBody>
-      </p:sp>
-      <p:sp>
-        <p:nvSpPr>
-          <p:cNvPr id="60" name="Rectangle 59"/>
-          <p:cNvSpPr/>
-          <p:nvPr/>
-        </p:nvSpPr>
-        <p:spPr bwMode="auto">
-          <a:xfrm>
-            <a:off x="6578930" y="4921944"/>
-            <a:ext cx="95002" cy="148441"/>
-          </a:xfrm>
-          <a:prstGeom prst="rect">
-            <a:avLst/>
-          </a:prstGeom>
-          <a:solidFill>
-            <a:schemeClr val="accent2"/>
-          </a:solidFill>
-          <a:ln>
-            <a:noFill/>
-            <a:headEnd type="none" w="med" len="med"/>
-            <a:tailEnd type="none" w="med" len="med"/>
-          </a:ln>
-          <a:effectLst/>
-        </p:spPr>
-        <p:style>
-          <a:lnRef idx="1">
-            <a:schemeClr val="accent2"/>
-          </a:lnRef>
-          <a:fillRef idx="3">
-            <a:schemeClr val="accent2"/>
-          </a:fillRef>
-          <a:effectRef idx="2">
-            <a:schemeClr val="accent2"/>
-          </a:effectRef>
-          <a:fontRef idx="minor">
-            <a:schemeClr val="lt1"/>
-          </a:fontRef>
-        </p:style>
-        <p:txBody>
-          <a:bodyPr vert="horz" wrap="square" lIns="91436" tIns="45718" rIns="91436" bIns="45718" numCol="1" rtlCol="0" anchor="ctr" anchorCtr="0" compatLnSpc="1">
-            <a:prstTxWarp prst="textNoShape">
-              <a:avLst/>
-            </a:prstTxWarp>
-          </a:bodyPr>
-          <a:lstStyle/>
-          <a:p>
-            <a:pPr algn="ctr" defTabSz="914099" fontAlgn="base">
-              <a:spcBef>
-                <a:spcPct val="0"/>
-              </a:spcBef>
-              <a:spcAft>
-                <a:spcPct val="0"/>
-              </a:spcAft>
-            </a:pPr>
-            <a:endParaRPr lang="en-US" sz="2200" dirty="0" smtClean="0">
-              <a:gradFill>
-                <a:gsLst>
-                  <a:gs pos="0">
-                    <a:srgbClr val="FFFFFF"/>
-                  </a:gs>
-                  <a:gs pos="100000">
-                    <a:srgbClr val="FFFFFF"/>
-                  </a:gs>
-                </a:gsLst>
-                <a:lin ang="5400000" scaled="0"/>
-              </a:gradFill>
-            </a:endParaRPr>
-          </a:p>
-        </p:txBody>
-      </p:sp>
-    </p:spTree>
-    <p:extLst>
-      <p:ext uri="{BB962C8B-B14F-4D97-AF65-F5344CB8AC3E}">
-        <p14:creationId xmlns:p14="http://schemas.microsoft.com/office/powerpoint/2010/main" val="2778718171"/>
-      </p:ext>
-    </p:extLst>
-  </p:cSld>
-  <p:clrMapOvr>
-    <a:masterClrMapping/>
-  </p:clrMapOvr>
-  <p:transition>
-    <p:fade/>
-  </p:transition>
-  <p:timing>
-    <p:tnLst>
-      <p:par>
-        <p:cTn id="1" dur="indefinite" restart="never" nodeType="tmRoot"/>
-      </p:par>
-    </p:tnLst>
-  </p:timing>
-</p:sld>
-</file>
-
-<file path=ppt/slides/slide13.xml><?xml version="1.0" encoding="utf-8"?>
-<p:sld xmlns:a="http://schemas.openxmlformats.org/drawingml/2006/main" xmlns:r="http://schemas.openxmlformats.org/officeDocument/2006/relationships" xmlns:p="http://schemas.openxmlformats.org/presentationml/2006/main">
-  <p:cSld>
-    <p:spTree>
-      <p:nvGrpSpPr>
-        <p:cNvPr id="1" name=""/>
-        <p:cNvGrpSpPr/>
-        <p:nvPr/>
-      </p:nvGrpSpPr>
-      <p:grpSpPr>
-        <a:xfrm>
-          <a:off x="0" y="0"/>
-          <a:ext cx="0" cy="0"/>
-          <a:chOff x="0" y="0"/>
-          <a:chExt cx="0" cy="0"/>
-        </a:xfrm>
-      </p:grpSpPr>
-      <p:sp>
-        <p:nvSpPr>
-          <p:cNvPr id="2" name="Title 1"/>
-          <p:cNvSpPr>
-            <a:spLocks noGrp="1"/>
-          </p:cNvSpPr>
-          <p:nvPr>
-            <p:ph type="title"/>
-          </p:nvPr>
-        </p:nvSpPr>
-        <p:spPr/>
-        <p:txBody>
-          <a:bodyPr/>
-          <a:lstStyle/>
-          <a:p>
-            <a:r>
-              <a:rPr lang="en-US" dirty="0" smtClean="0"/>
-              <a:t>Using </a:t>
-            </a:r>
-            <a:r>
-              <a:rPr lang="en-US" dirty="0" err="1" smtClean="0"/>
-              <a:t>TumblingWindow</a:t>
-            </a:r>
-            <a:endParaRPr lang="en-US" dirty="0"/>
-          </a:p>
-        </p:txBody>
-      </p:sp>
-      <p:sp>
-        <p:nvSpPr>
-          <p:cNvPr id="4" name="Rectangle 3"/>
-          <p:cNvSpPr/>
-          <p:nvPr/>
-        </p:nvSpPr>
-        <p:spPr bwMode="auto">
-          <a:xfrm>
-            <a:off x="876001" y="1696129"/>
-            <a:ext cx="10438410" cy="1937720"/>
-          </a:xfrm>
-          <a:prstGeom prst="rect">
-            <a:avLst/>
-          </a:prstGeom>
-          <a:solidFill>
-            <a:schemeClr val="tx1">
-              <a:lumMod val="10000"/>
-              <a:lumOff val="90000"/>
-            </a:schemeClr>
-          </a:solidFill>
-          <a:ln w="38100">
-            <a:solidFill>
-              <a:schemeClr val="tx1">
-                <a:lumMod val="50000"/>
-                <a:lumOff val="50000"/>
-              </a:schemeClr>
-            </a:solidFill>
-            <a:headEnd type="none" w="med" len="med"/>
-            <a:tailEnd type="none" w="med" len="med"/>
-          </a:ln>
-          <a:effectLst/>
-        </p:spPr>
-        <p:style>
-          <a:lnRef idx="1">
-            <a:schemeClr val="accent2"/>
-          </a:lnRef>
-          <a:fillRef idx="3">
-            <a:schemeClr val="accent2"/>
-          </a:fillRef>
-          <a:effectRef idx="2">
-            <a:schemeClr val="accent2"/>
-          </a:effectRef>
-          <a:fontRef idx="minor">
-            <a:schemeClr val="lt1"/>
-          </a:fontRef>
-        </p:style>
-        <p:txBody>
-          <a:bodyPr vert="horz" wrap="square" lIns="91436" tIns="45718" rIns="91436" bIns="45718" numCol="1" rtlCol="0" anchor="ctr" anchorCtr="0" compatLnSpc="1">
-            <a:prstTxWarp prst="textNoShape">
-              <a:avLst/>
-            </a:prstTxWarp>
-          </a:bodyPr>
-          <a:lstStyle/>
-          <a:p>
-            <a:pPr defTabSz="914099" fontAlgn="base">
-              <a:spcBef>
-                <a:spcPct val="0"/>
-              </a:spcBef>
-              <a:spcAft>
-                <a:spcPct val="0"/>
-              </a:spcAft>
-            </a:pPr>
-            <a:r>
-              <a:rPr lang="en-US" sz="2200" dirty="0" smtClean="0">
-                <a:solidFill>
-                  <a:schemeClr val="tx1"/>
-                </a:solidFill>
-                <a:latin typeface="Lucida Console" panose="020B0609040504020204" pitchFamily="49" charset="0"/>
-              </a:rPr>
-              <a:t> SELECT </a:t>
-            </a:r>
-            <a:r>
-              <a:rPr lang="en-US" sz="2200" dirty="0" err="1">
-                <a:solidFill>
-                  <a:schemeClr val="tx1"/>
-                </a:solidFill>
-                <a:latin typeface="Lucida Console" panose="020B0609040504020204" pitchFamily="49" charset="0"/>
-              </a:rPr>
-              <a:t>System.Timestamp</a:t>
-            </a:r>
-            <a:r>
-              <a:rPr lang="en-US" sz="2200" dirty="0">
-                <a:solidFill>
-                  <a:schemeClr val="tx1"/>
-                </a:solidFill>
-                <a:latin typeface="Lucida Console" panose="020B0609040504020204" pitchFamily="49" charset="0"/>
-              </a:rPr>
-              <a:t> as [Window End</a:t>
-            </a:r>
-            <a:r>
-              <a:rPr lang="en-US" sz="2200" dirty="0" smtClean="0">
-                <a:solidFill>
-                  <a:schemeClr val="tx1"/>
-                </a:solidFill>
-                <a:latin typeface="Lucida Console" panose="020B0609040504020204" pitchFamily="49" charset="0"/>
-              </a:rPr>
-              <a:t>],</a:t>
-            </a:r>
-          </a:p>
-          <a:p>
-            <a:pPr defTabSz="914099" fontAlgn="base">
-              <a:spcBef>
-                <a:spcPct val="0"/>
-              </a:spcBef>
-              <a:spcAft>
-                <a:spcPct val="0"/>
-              </a:spcAft>
-            </a:pPr>
-            <a:r>
-              <a:rPr lang="en-US" sz="2200" dirty="0">
-                <a:solidFill>
-                  <a:schemeClr val="tx1"/>
-                </a:solidFill>
-                <a:latin typeface="Lucida Console" panose="020B0609040504020204" pitchFamily="49" charset="0"/>
-              </a:rPr>
-              <a:t> </a:t>
-            </a:r>
-            <a:r>
-              <a:rPr lang="en-US" sz="2200" dirty="0" smtClean="0">
-                <a:solidFill>
-                  <a:schemeClr val="tx1"/>
-                </a:solidFill>
-                <a:latin typeface="Lucida Console" panose="020B0609040504020204" pitchFamily="49" charset="0"/>
-              </a:rPr>
-              <a:t>    COUNT</a:t>
-            </a:r>
-            <a:r>
-              <a:rPr lang="en-US" sz="2200" dirty="0">
-                <a:solidFill>
-                  <a:schemeClr val="tx1"/>
-                </a:solidFill>
-                <a:latin typeface="Lucida Console" panose="020B0609040504020204" pitchFamily="49" charset="0"/>
-              </a:rPr>
-              <a:t>(*) AS Readings</a:t>
-            </a:r>
-          </a:p>
-          <a:p>
-            <a:pPr defTabSz="914099" fontAlgn="base">
-              <a:spcBef>
-                <a:spcPct val="0"/>
-              </a:spcBef>
-              <a:spcAft>
-                <a:spcPct val="0"/>
-              </a:spcAft>
-            </a:pPr>
-            <a:r>
-              <a:rPr lang="en-US" sz="2200" dirty="0" smtClean="0">
-                <a:solidFill>
-                  <a:schemeClr val="tx1"/>
-                </a:solidFill>
-                <a:latin typeface="Lucida Console" panose="020B0609040504020204" pitchFamily="49" charset="0"/>
-              </a:rPr>
-              <a:t> FROM </a:t>
-            </a:r>
-            <a:r>
-              <a:rPr lang="en-US" sz="2200" dirty="0" err="1">
-                <a:solidFill>
-                  <a:schemeClr val="tx1"/>
-                </a:solidFill>
-                <a:latin typeface="Lucida Console" panose="020B0609040504020204" pitchFamily="49" charset="0"/>
-              </a:rPr>
-              <a:t>TemperatureData</a:t>
-            </a:r>
-            <a:r>
-              <a:rPr lang="en-US" sz="2200" dirty="0">
-                <a:solidFill>
-                  <a:schemeClr val="tx1"/>
-                </a:solidFill>
-                <a:latin typeface="Lucida Console" panose="020B0609040504020204" pitchFamily="49" charset="0"/>
-              </a:rPr>
-              <a:t> TIMESTAMP BY Time</a:t>
-            </a:r>
-          </a:p>
-          <a:p>
-            <a:pPr defTabSz="914099" fontAlgn="base">
-              <a:spcBef>
-                <a:spcPct val="0"/>
-              </a:spcBef>
-              <a:spcAft>
-                <a:spcPct val="0"/>
-              </a:spcAft>
-            </a:pPr>
-            <a:r>
-              <a:rPr lang="en-US" sz="2200" dirty="0" smtClean="0">
-                <a:solidFill>
-                  <a:schemeClr val="tx1"/>
-                </a:solidFill>
-                <a:latin typeface="Lucida Console" panose="020B0609040504020204" pitchFamily="49" charset="0"/>
-              </a:rPr>
-              <a:t> </a:t>
-            </a:r>
-            <a:r>
-              <a:rPr lang="en-US" sz="2200" dirty="0" smtClean="0">
-                <a:solidFill>
-                  <a:schemeClr val="accent1"/>
-                </a:solidFill>
-                <a:latin typeface="Lucida Console" panose="020B0609040504020204" pitchFamily="49" charset="0"/>
-              </a:rPr>
-              <a:t>GROUP </a:t>
-            </a:r>
-            <a:r>
-              <a:rPr lang="en-US" sz="2200" dirty="0">
-                <a:solidFill>
-                  <a:schemeClr val="accent1"/>
-                </a:solidFill>
-                <a:latin typeface="Lucida Console" panose="020B0609040504020204" pitchFamily="49" charset="0"/>
-              </a:rPr>
-              <a:t>BY </a:t>
-            </a:r>
-            <a:r>
-              <a:rPr lang="en-US" sz="2200" dirty="0" smtClean="0">
-                <a:solidFill>
-                  <a:schemeClr val="accent1"/>
-                </a:solidFill>
-                <a:latin typeface="Lucida Console" panose="020B0609040504020204" pitchFamily="49" charset="0"/>
-              </a:rPr>
-              <a:t>TUMBLINGWINDOW(s</a:t>
-            </a:r>
-            <a:r>
-              <a:rPr lang="en-US" sz="2200" dirty="0">
-                <a:solidFill>
-                  <a:schemeClr val="accent1"/>
-                </a:solidFill>
-                <a:latin typeface="Lucida Console" panose="020B0609040504020204" pitchFamily="49" charset="0"/>
-              </a:rPr>
-              <a:t>, 5</a:t>
-            </a:r>
-            <a:r>
-              <a:rPr lang="en-US" sz="2200" dirty="0" smtClean="0">
-                <a:solidFill>
-                  <a:schemeClr val="accent1"/>
-                </a:solidFill>
-                <a:latin typeface="Lucida Console" panose="020B0609040504020204" pitchFamily="49" charset="0"/>
-              </a:rPr>
-              <a:t>)</a:t>
-            </a:r>
-            <a:endParaRPr lang="en-US" sz="2200" dirty="0">
-              <a:solidFill>
-                <a:schemeClr val="accent1"/>
-              </a:solidFill>
-              <a:latin typeface="Lucida Console" panose="020B0609040504020204" pitchFamily="49" charset="0"/>
-            </a:endParaRPr>
-          </a:p>
-        </p:txBody>
-      </p:sp>
-      <p:pic>
-        <p:nvPicPr>
-          <p:cNvPr id="3" name="Picture 2"/>
-          <p:cNvPicPr>
-            <a:picLocks noChangeAspect="1"/>
-          </p:cNvPicPr>
-          <p:nvPr/>
-        </p:nvPicPr>
-        <p:blipFill>
-          <a:blip r:embed="rId2"/>
-          <a:stretch>
-            <a:fillRect/>
-          </a:stretch>
-        </p:blipFill>
-        <p:spPr>
-          <a:xfrm>
-            <a:off x="876001" y="4111336"/>
-            <a:ext cx="10438410" cy="1683822"/>
-          </a:xfrm>
-          <a:prstGeom prst="rect">
-            <a:avLst/>
-          </a:prstGeom>
-          <a:ln>
-            <a:solidFill>
-              <a:schemeClr val="tx1">
-                <a:lumMod val="25000"/>
-                <a:lumOff val="75000"/>
-              </a:schemeClr>
-            </a:solidFill>
-          </a:ln>
-        </p:spPr>
-      </p:pic>
-    </p:spTree>
-    <p:extLst>
-      <p:ext uri="{BB962C8B-B14F-4D97-AF65-F5344CB8AC3E}">
-        <p14:creationId xmlns:p14="http://schemas.microsoft.com/office/powerpoint/2010/main" val="3520106061"/>
-      </p:ext>
-    </p:extLst>
-  </p:cSld>
-  <p:clrMapOvr>
-    <a:masterClrMapping/>
-  </p:clrMapOvr>
-  <p:transition>
-    <p:fade/>
-  </p:transition>
-  <p:timing>
-    <p:tnLst>
-      <p:par>
-        <p:cTn id="1" dur="indefinite" restart="never" nodeType="tmRoot"/>
-      </p:par>
-    </p:tnLst>
-  </p:timing>
-</p:sld>
-</file>
-
-<file path=ppt/slides/slide14.xml><?xml version="1.0" encoding="utf-8"?>
-<p:sld xmlns:a="http://schemas.openxmlformats.org/drawingml/2006/main" xmlns:r="http://schemas.openxmlformats.org/officeDocument/2006/relationships" xmlns:p="http://schemas.openxmlformats.org/presentationml/2006/main">
-  <p:cSld>
-    <p:spTree>
-      <p:nvGrpSpPr>
-        <p:cNvPr id="1" name=""/>
-        <p:cNvGrpSpPr/>
-        <p:nvPr/>
-      </p:nvGrpSpPr>
-      <p:grpSpPr>
-        <a:xfrm>
-          <a:off x="0" y="0"/>
-          <a:ext cx="0" cy="0"/>
-          <a:chOff x="0" y="0"/>
-          <a:chExt cx="0" cy="0"/>
-        </a:xfrm>
-      </p:grpSpPr>
-      <p:sp>
-        <p:nvSpPr>
-          <p:cNvPr id="2" name="Title 1"/>
-          <p:cNvSpPr>
-            <a:spLocks noGrp="1"/>
-          </p:cNvSpPr>
-          <p:nvPr>
-            <p:ph type="ctrTitle"/>
-          </p:nvPr>
-        </p:nvSpPr>
-        <p:spPr>
-          <a:xfrm>
-            <a:off x="1889616" y="1447800"/>
-            <a:ext cx="7076253" cy="1523494"/>
-          </a:xfrm>
-        </p:spPr>
-        <p:txBody>
-          <a:bodyPr/>
-          <a:lstStyle/>
-          <a:p>
-            <a:r>
-              <a:rPr lang="en-US" dirty="0" smtClean="0"/>
-              <a:t>Demo</a:t>
-            </a:r>
-            <a:endParaRPr lang="en-US" dirty="0"/>
-          </a:p>
-        </p:txBody>
-      </p:sp>
-      <p:sp>
-        <p:nvSpPr>
-          <p:cNvPr id="3" name="Subtitle 2"/>
-          <p:cNvSpPr>
-            <a:spLocks noGrp="1"/>
-          </p:cNvSpPr>
-          <p:nvPr>
-            <p:ph type="subTitle" idx="1"/>
-          </p:nvPr>
-        </p:nvSpPr>
-        <p:spPr/>
-        <p:txBody>
-          <a:bodyPr/>
-          <a:lstStyle/>
-          <a:p>
-            <a:endParaRPr lang="en-US"/>
-          </a:p>
-        </p:txBody>
-      </p:sp>
-      <p:sp>
-        <p:nvSpPr>
-          <p:cNvPr id="4" name="Text Placeholder 3"/>
-          <p:cNvSpPr>
-            <a:spLocks noGrp="1"/>
-          </p:cNvSpPr>
-          <p:nvPr>
-            <p:ph type="body" sz="quarter" idx="10"/>
-          </p:nvPr>
-        </p:nvSpPr>
-        <p:spPr/>
-        <p:txBody>
-          <a:bodyPr/>
-          <a:lstStyle/>
-          <a:p>
-            <a:r>
-              <a:rPr lang="en-US" dirty="0" smtClean="0"/>
-              <a:t>Stream Analytics Queries</a:t>
-            </a:r>
-            <a:endParaRPr lang="en-US" dirty="0"/>
-          </a:p>
-        </p:txBody>
-      </p:sp>
-    </p:spTree>
-    <p:extLst>
-      <p:ext uri="{BB962C8B-B14F-4D97-AF65-F5344CB8AC3E}">
-        <p14:creationId xmlns:p14="http://schemas.microsoft.com/office/powerpoint/2010/main" val="505314086"/>
-      </p:ext>
-    </p:extLst>
-  </p:cSld>
-  <p:clrMapOvr>
-    <a:masterClrMapping/>
-  </p:clrMapOvr>
-  <p:transition>
-    <p:fade/>
-  </p:transition>
-  <p:timing>
-    <p:tnLst>
-      <p:par>
-        <p:cTn id="1" dur="indefinite" restart="never" nodeType="tmRoot"/>
-      </p:par>
-    </p:tnLst>
-  </p:timing>
-</p:sld>
-</file>
-
-<file path=ppt/slides/slide15.xml><?xml version="1.0" encoding="utf-8"?>
-<p:sld xmlns:a="http://schemas.openxmlformats.org/drawingml/2006/main" xmlns:r="http://schemas.openxmlformats.org/officeDocument/2006/relationships" xmlns:p="http://schemas.openxmlformats.org/presentationml/2006/main">
-  <p:cSld>
-    <p:spTree>
-      <p:nvGrpSpPr>
-        <p:cNvPr id="1" name=""/>
-        <p:cNvGrpSpPr/>
-        <p:nvPr/>
-      </p:nvGrpSpPr>
-      <p:grpSpPr>
-        <a:xfrm>
-          <a:off x="0" y="0"/>
-          <a:ext cx="0" cy="0"/>
-          <a:chOff x="0" y="0"/>
-          <a:chExt cx="0" cy="0"/>
-        </a:xfrm>
-      </p:grpSpPr>
-      <p:sp>
-        <p:nvSpPr>
-          <p:cNvPr id="2" name="Title 1"/>
-          <p:cNvSpPr>
-            <a:spLocks noGrp="1"/>
-          </p:cNvSpPr>
-          <p:nvPr>
             <p:ph type="ctrTitle"/>
           </p:nvPr>
         </p:nvSpPr>
@@ -15914,377 +11732,6 @@
           <a:p>
             <a:r>
               <a:rPr lang="en-US" dirty="0" smtClean="0"/>
-              <a:t>Stream Analytics Input</a:t>
-            </a:r>
-            <a:endParaRPr lang="en-US" dirty="0"/>
-          </a:p>
-        </p:txBody>
-      </p:sp>
-      <p:sp>
-        <p:nvSpPr>
-          <p:cNvPr id="3" name="Content Placeholder 2"/>
-          <p:cNvSpPr>
-            <a:spLocks noGrp="1"/>
-          </p:cNvSpPr>
-          <p:nvPr>
-            <p:ph idx="1"/>
-          </p:nvPr>
-        </p:nvSpPr>
-        <p:spPr>
-          <a:xfrm>
-            <a:off x="519248" y="1447800"/>
-            <a:ext cx="11151916" cy="1526187"/>
-          </a:xfrm>
-        </p:spPr>
-        <p:txBody>
-          <a:bodyPr/>
-          <a:lstStyle/>
-          <a:p>
-            <a:r>
-              <a:rPr lang="en-US" dirty="0" smtClean="0"/>
-              <a:t>Stream Analytics supports two types of input</a:t>
-            </a:r>
-          </a:p>
-          <a:p>
-            <a:r>
-              <a:rPr lang="en-US" dirty="0" smtClean="0"/>
-              <a:t>Multiple inputs can be </a:t>
-            </a:r>
-            <a:r>
-              <a:rPr lang="en-US" dirty="0" err="1" smtClean="0"/>
-              <a:t>JOINed</a:t>
-            </a:r>
-            <a:r>
-              <a:rPr lang="en-US" dirty="0" smtClean="0"/>
-              <a:t> (aggregated) like SQL tables</a:t>
-            </a:r>
-          </a:p>
-          <a:p>
-            <a:r>
-              <a:rPr lang="en-US" dirty="0" smtClean="0"/>
-              <a:t>Also allows reference data to be provided as input</a:t>
-            </a:r>
-            <a:endParaRPr lang="en-US" dirty="0"/>
-          </a:p>
-        </p:txBody>
-      </p:sp>
-      <p:pic>
-        <p:nvPicPr>
-          <p:cNvPr id="4" name="Picture 3"/>
-          <p:cNvPicPr>
-            <a:picLocks noChangeAspect="1"/>
-          </p:cNvPicPr>
-          <p:nvPr/>
-        </p:nvPicPr>
-        <p:blipFill>
-          <a:blip r:embed="rId2"/>
-          <a:stretch>
-            <a:fillRect/>
-          </a:stretch>
-        </p:blipFill>
-        <p:spPr>
-          <a:xfrm>
-            <a:off x="2718593" y="3467070"/>
-            <a:ext cx="6753225" cy="2895600"/>
-          </a:xfrm>
-          <a:prstGeom prst="rect">
-            <a:avLst/>
-          </a:prstGeom>
-          <a:ln>
-            <a:solidFill>
-              <a:schemeClr val="tx1">
-                <a:lumMod val="25000"/>
-                <a:lumOff val="75000"/>
-              </a:schemeClr>
-            </a:solidFill>
-          </a:ln>
-        </p:spPr>
-      </p:pic>
-    </p:spTree>
-    <p:extLst>
-      <p:ext uri="{BB962C8B-B14F-4D97-AF65-F5344CB8AC3E}">
-        <p14:creationId xmlns:p14="http://schemas.microsoft.com/office/powerpoint/2010/main" val="1156507611"/>
-      </p:ext>
-    </p:extLst>
-  </p:cSld>
-  <p:clrMapOvr>
-    <a:masterClrMapping/>
-  </p:clrMapOvr>
-  <p:transition>
-    <p:fade/>
-  </p:transition>
-  <p:timing>
-    <p:tnLst>
-      <p:par>
-        <p:cTn id="1" dur="indefinite" restart="never" nodeType="tmRoot"/>
-      </p:par>
-    </p:tnLst>
-  </p:timing>
-</p:sld>
-</file>
-
-<file path=ppt/slides/slide5.xml><?xml version="1.0" encoding="utf-8"?>
-<p:sld xmlns:a="http://schemas.openxmlformats.org/drawingml/2006/main" xmlns:r="http://schemas.openxmlformats.org/officeDocument/2006/relationships" xmlns:p="http://schemas.openxmlformats.org/presentationml/2006/main">
-  <p:cSld>
-    <p:spTree>
-      <p:nvGrpSpPr>
-        <p:cNvPr id="1" name=""/>
-        <p:cNvGrpSpPr/>
-        <p:nvPr/>
-      </p:nvGrpSpPr>
-      <p:grpSpPr>
-        <a:xfrm>
-          <a:off x="0" y="0"/>
-          <a:ext cx="0" cy="0"/>
-          <a:chOff x="0" y="0"/>
-          <a:chExt cx="0" cy="0"/>
-        </a:xfrm>
-      </p:grpSpPr>
-      <p:sp>
-        <p:nvSpPr>
-          <p:cNvPr id="2" name="Title 1"/>
-          <p:cNvSpPr>
-            <a:spLocks noGrp="1"/>
-          </p:cNvSpPr>
-          <p:nvPr>
-            <p:ph type="title"/>
-          </p:nvPr>
-        </p:nvSpPr>
-        <p:spPr/>
-        <p:txBody>
-          <a:bodyPr/>
-          <a:lstStyle/>
-          <a:p>
-            <a:r>
-              <a:rPr lang="en-US" dirty="0" smtClean="0"/>
-              <a:t>Stream Analytics Output</a:t>
-            </a:r>
-            <a:endParaRPr lang="en-US" dirty="0"/>
-          </a:p>
-        </p:txBody>
-      </p:sp>
-      <p:sp>
-        <p:nvSpPr>
-          <p:cNvPr id="3" name="Content Placeholder 2"/>
-          <p:cNvSpPr>
-            <a:spLocks noGrp="1"/>
-          </p:cNvSpPr>
-          <p:nvPr>
-            <p:ph idx="1"/>
-          </p:nvPr>
-        </p:nvSpPr>
-        <p:spPr>
-          <a:xfrm>
-            <a:off x="519248" y="1447800"/>
-            <a:ext cx="11151916" cy="443070"/>
-          </a:xfrm>
-        </p:spPr>
-        <p:txBody>
-          <a:bodyPr/>
-          <a:lstStyle/>
-          <a:p>
-            <a:r>
-              <a:rPr lang="en-US" dirty="0" smtClean="0"/>
-              <a:t>Supports several output types as well as multiple outputs</a:t>
-            </a:r>
-            <a:endParaRPr lang="en-US" dirty="0"/>
-          </a:p>
-        </p:txBody>
-      </p:sp>
-      <p:pic>
-        <p:nvPicPr>
-          <p:cNvPr id="4" name="Picture 3"/>
-          <p:cNvPicPr>
-            <a:picLocks noChangeAspect="1"/>
-          </p:cNvPicPr>
-          <p:nvPr/>
-        </p:nvPicPr>
-        <p:blipFill>
-          <a:blip r:embed="rId2"/>
-          <a:stretch>
-            <a:fillRect/>
-          </a:stretch>
-        </p:blipFill>
-        <p:spPr>
-          <a:xfrm>
-            <a:off x="2851943" y="2362170"/>
-            <a:ext cx="6486525" cy="4000500"/>
-          </a:xfrm>
-          <a:prstGeom prst="rect">
-            <a:avLst/>
-          </a:prstGeom>
-          <a:ln>
-            <a:solidFill>
-              <a:schemeClr val="tx1">
-                <a:lumMod val="25000"/>
-                <a:lumOff val="75000"/>
-              </a:schemeClr>
-            </a:solidFill>
-          </a:ln>
-        </p:spPr>
-      </p:pic>
-    </p:spTree>
-    <p:extLst>
-      <p:ext uri="{BB962C8B-B14F-4D97-AF65-F5344CB8AC3E}">
-        <p14:creationId xmlns:p14="http://schemas.microsoft.com/office/powerpoint/2010/main" val="4103350893"/>
-      </p:ext>
-    </p:extLst>
-  </p:cSld>
-  <p:clrMapOvr>
-    <a:masterClrMapping/>
-  </p:clrMapOvr>
-  <p:transition>
-    <p:fade/>
-  </p:transition>
-  <p:timing>
-    <p:tnLst>
-      <p:par>
-        <p:cTn id="1" dur="indefinite" restart="never" nodeType="tmRoot"/>
-      </p:par>
-    </p:tnLst>
-  </p:timing>
-</p:sld>
-</file>
-
-<file path=ppt/slides/slide6.xml><?xml version="1.0" encoding="utf-8"?>
-<p:sld xmlns:a="http://schemas.openxmlformats.org/drawingml/2006/main" xmlns:r="http://schemas.openxmlformats.org/officeDocument/2006/relationships" xmlns:p="http://schemas.openxmlformats.org/presentationml/2006/main">
-  <p:cSld>
-    <p:spTree>
-      <p:nvGrpSpPr>
-        <p:cNvPr id="1" name=""/>
-        <p:cNvGrpSpPr/>
-        <p:nvPr/>
-      </p:nvGrpSpPr>
-      <p:grpSpPr>
-        <a:xfrm>
-          <a:off x="0" y="0"/>
-          <a:ext cx="0" cy="0"/>
-          <a:chOff x="0" y="0"/>
-          <a:chExt cx="0" cy="0"/>
-        </a:xfrm>
-      </p:grpSpPr>
-      <p:sp>
-        <p:nvSpPr>
-          <p:cNvPr id="2" name="Title 1"/>
-          <p:cNvSpPr>
-            <a:spLocks noGrp="1"/>
-          </p:cNvSpPr>
-          <p:nvPr>
-            <p:ph type="ctrTitle"/>
-          </p:nvPr>
-        </p:nvSpPr>
-        <p:spPr/>
-        <p:txBody>
-          <a:bodyPr/>
-          <a:lstStyle/>
-          <a:p>
-            <a:r>
-              <a:rPr lang="en-US" dirty="0" smtClean="0"/>
-              <a:t>Demo</a:t>
-            </a:r>
-            <a:endParaRPr lang="en-US" dirty="0"/>
-          </a:p>
-        </p:txBody>
-      </p:sp>
-      <p:sp>
-        <p:nvSpPr>
-          <p:cNvPr id="3" name="Subtitle 2"/>
-          <p:cNvSpPr>
-            <a:spLocks noGrp="1"/>
-          </p:cNvSpPr>
-          <p:nvPr>
-            <p:ph type="subTitle" idx="1"/>
-          </p:nvPr>
-        </p:nvSpPr>
-        <p:spPr/>
-        <p:txBody>
-          <a:bodyPr/>
-          <a:lstStyle/>
-          <a:p>
-            <a:endParaRPr lang="en-US"/>
-          </a:p>
-        </p:txBody>
-      </p:sp>
-      <p:sp>
-        <p:nvSpPr>
-          <p:cNvPr id="4" name="Text Placeholder 3"/>
-          <p:cNvSpPr>
-            <a:spLocks noGrp="1"/>
-          </p:cNvSpPr>
-          <p:nvPr>
-            <p:ph type="body" sz="quarter" idx="10"/>
-          </p:nvPr>
-        </p:nvSpPr>
-        <p:spPr/>
-        <p:txBody>
-          <a:bodyPr/>
-          <a:lstStyle/>
-          <a:p>
-            <a:r>
-              <a:rPr lang="en-US" dirty="0" smtClean="0"/>
-              <a:t>Creating a Stream Analytics Job</a:t>
-            </a:r>
-            <a:endParaRPr lang="en-US" dirty="0"/>
-          </a:p>
-        </p:txBody>
-      </p:sp>
-    </p:spTree>
-    <p:extLst>
-      <p:ext uri="{BB962C8B-B14F-4D97-AF65-F5344CB8AC3E}">
-        <p14:creationId xmlns:p14="http://schemas.microsoft.com/office/powerpoint/2010/main" val="1806792194"/>
-      </p:ext>
-    </p:extLst>
-  </p:cSld>
-  <p:clrMapOvr>
-    <a:masterClrMapping/>
-  </p:clrMapOvr>
-  <p:transition>
-    <p:fade/>
-  </p:transition>
-  <p:timing>
-    <p:tnLst>
-      <p:par>
-        <p:cTn id="1" dur="indefinite" restart="never" nodeType="tmRoot"/>
-      </p:par>
-    </p:tnLst>
-  </p:timing>
-</p:sld>
-</file>
-
-<file path=ppt/slides/slide7.xml><?xml version="1.0" encoding="utf-8"?>
-<p:sld xmlns:a="http://schemas.openxmlformats.org/drawingml/2006/main" xmlns:r="http://schemas.openxmlformats.org/officeDocument/2006/relationships" xmlns:p="http://schemas.openxmlformats.org/presentationml/2006/main">
-  <p:cSld>
-    <p:spTree>
-      <p:nvGrpSpPr>
-        <p:cNvPr id="1" name=""/>
-        <p:cNvGrpSpPr/>
-        <p:nvPr/>
-      </p:nvGrpSpPr>
-      <p:grpSpPr>
-        <a:xfrm>
-          <a:off x="0" y="0"/>
-          <a:ext cx="0" cy="0"/>
-          <a:chOff x="0" y="0"/>
-          <a:chExt cx="0" cy="0"/>
-        </a:xfrm>
-      </p:grpSpPr>
-      <p:sp>
-        <p:nvSpPr>
-          <p:cNvPr id="2" name="Title 1"/>
-          <p:cNvSpPr>
-            <a:spLocks noGrp="1"/>
-          </p:cNvSpPr>
-          <p:nvPr>
-            <p:ph type="title"/>
-          </p:nvPr>
-        </p:nvSpPr>
-        <p:spPr/>
-        <p:txBody>
-          <a:bodyPr/>
-          <a:lstStyle/>
-          <a:p>
-            <a:r>
-              <a:rPr lang="en-US" dirty="0" smtClean="0"/>
               <a:t>Stream Analytics Query Language</a:t>
             </a:r>
             <a:endParaRPr lang="en-US" dirty="0"/>
@@ -16424,910 +11871,7 @@
 </p:sld>
 </file>
 
-<file path=ppt/slides/slide8.xml><?xml version="1.0" encoding="utf-8"?>
-<p:sld xmlns:a="http://schemas.openxmlformats.org/drawingml/2006/main" xmlns:r="http://schemas.openxmlformats.org/officeDocument/2006/relationships" xmlns:p="http://schemas.openxmlformats.org/presentationml/2006/main">
-  <p:cSld>
-    <p:spTree>
-      <p:nvGrpSpPr>
-        <p:cNvPr id="1" name=""/>
-        <p:cNvGrpSpPr/>
-        <p:nvPr/>
-      </p:nvGrpSpPr>
-      <p:grpSpPr>
-        <a:xfrm>
-          <a:off x="0" y="0"/>
-          <a:ext cx="0" cy="0"/>
-          <a:chOff x="0" y="0"/>
-          <a:chExt cx="0" cy="0"/>
-        </a:xfrm>
-      </p:grpSpPr>
-      <p:sp>
-        <p:nvSpPr>
-          <p:cNvPr id="2" name="Title 1"/>
-          <p:cNvSpPr>
-            <a:spLocks noGrp="1"/>
-          </p:cNvSpPr>
-          <p:nvPr>
-            <p:ph type="title"/>
-          </p:nvPr>
-        </p:nvSpPr>
-        <p:spPr/>
-        <p:txBody>
-          <a:bodyPr/>
-          <a:lstStyle/>
-          <a:p>
-            <a:r>
-              <a:rPr lang="en-US" dirty="0" smtClean="0"/>
-              <a:t>Data Manipulation Language (DML)</a:t>
-            </a:r>
-            <a:endParaRPr lang="en-US" dirty="0"/>
-          </a:p>
-        </p:txBody>
-      </p:sp>
-      <p:sp>
-        <p:nvSpPr>
-          <p:cNvPr id="4" name="Rectangle 3"/>
-          <p:cNvSpPr/>
-          <p:nvPr/>
-        </p:nvSpPr>
-        <p:spPr bwMode="auto">
-          <a:xfrm>
-            <a:off x="1092530" y="2006931"/>
-            <a:ext cx="3301340" cy="783771"/>
-          </a:xfrm>
-          <a:prstGeom prst="rect">
-            <a:avLst/>
-          </a:prstGeom>
-          <a:noFill/>
-          <a:ln w="57150">
-            <a:solidFill>
-              <a:srgbClr val="00AEEF"/>
-            </a:solidFill>
-            <a:headEnd type="none" w="med" len="med"/>
-            <a:tailEnd type="none" w="med" len="med"/>
-          </a:ln>
-          <a:effectLst/>
-        </p:spPr>
-        <p:style>
-          <a:lnRef idx="1">
-            <a:schemeClr val="accent2"/>
-          </a:lnRef>
-          <a:fillRef idx="3">
-            <a:schemeClr val="accent2"/>
-          </a:fillRef>
-          <a:effectRef idx="2">
-            <a:schemeClr val="accent2"/>
-          </a:effectRef>
-          <a:fontRef idx="minor">
-            <a:schemeClr val="lt1"/>
-          </a:fontRef>
-        </p:style>
-        <p:txBody>
-          <a:bodyPr vert="horz" wrap="square" lIns="91436" tIns="45718" rIns="91436" bIns="45718" numCol="1" rtlCol="0" anchor="ctr" anchorCtr="0" compatLnSpc="1">
-            <a:prstTxWarp prst="textNoShape">
-              <a:avLst/>
-            </a:prstTxWarp>
-          </a:bodyPr>
-          <a:lstStyle/>
-          <a:p>
-            <a:pPr algn="ctr" defTabSz="914099" fontAlgn="base">
-              <a:spcBef>
-                <a:spcPct val="0"/>
-              </a:spcBef>
-              <a:spcAft>
-                <a:spcPct val="0"/>
-              </a:spcAft>
-            </a:pPr>
-            <a:r>
-              <a:rPr lang="en-US" sz="2800" dirty="0" smtClean="0">
-                <a:solidFill>
-                  <a:srgbClr val="00AEEF"/>
-                </a:solidFill>
-              </a:rPr>
-              <a:t>SELECT</a:t>
-            </a:r>
-            <a:endParaRPr lang="en-US" sz="2200" dirty="0" smtClean="0">
-              <a:solidFill>
-                <a:srgbClr val="00AEEF"/>
-              </a:solidFill>
-            </a:endParaRPr>
-          </a:p>
-        </p:txBody>
-      </p:sp>
-      <p:sp>
-        <p:nvSpPr>
-          <p:cNvPr id="7" name="Rectangle 6"/>
-          <p:cNvSpPr/>
-          <p:nvPr/>
-        </p:nvSpPr>
-        <p:spPr bwMode="auto">
-          <a:xfrm>
-            <a:off x="1092530" y="2790702"/>
-            <a:ext cx="3301340" cy="783771"/>
-          </a:xfrm>
-          <a:prstGeom prst="rect">
-            <a:avLst/>
-          </a:prstGeom>
-          <a:noFill/>
-          <a:ln w="57150">
-            <a:solidFill>
-              <a:srgbClr val="00AEEF"/>
-            </a:solidFill>
-            <a:headEnd type="none" w="med" len="med"/>
-            <a:tailEnd type="none" w="med" len="med"/>
-          </a:ln>
-          <a:effectLst/>
-        </p:spPr>
-        <p:style>
-          <a:lnRef idx="1">
-            <a:schemeClr val="accent2"/>
-          </a:lnRef>
-          <a:fillRef idx="3">
-            <a:schemeClr val="accent2"/>
-          </a:fillRef>
-          <a:effectRef idx="2">
-            <a:schemeClr val="accent2"/>
-          </a:effectRef>
-          <a:fontRef idx="minor">
-            <a:schemeClr val="lt1"/>
-          </a:fontRef>
-        </p:style>
-        <p:txBody>
-          <a:bodyPr vert="horz" wrap="square" lIns="91436" tIns="45718" rIns="91436" bIns="45718" numCol="1" rtlCol="0" anchor="ctr" anchorCtr="0" compatLnSpc="1">
-            <a:prstTxWarp prst="textNoShape">
-              <a:avLst/>
-            </a:prstTxWarp>
-          </a:bodyPr>
-          <a:lstStyle/>
-          <a:p>
-            <a:pPr algn="ctr" defTabSz="914099" fontAlgn="base">
-              <a:spcBef>
-                <a:spcPct val="0"/>
-              </a:spcBef>
-              <a:spcAft>
-                <a:spcPct val="0"/>
-              </a:spcAft>
-            </a:pPr>
-            <a:r>
-              <a:rPr lang="en-US" sz="2800" dirty="0" smtClean="0">
-                <a:solidFill>
-                  <a:srgbClr val="00AEEF"/>
-                </a:solidFill>
-              </a:rPr>
-              <a:t>WHERE</a:t>
-            </a:r>
-            <a:endParaRPr lang="en-US" sz="2800" dirty="0">
-              <a:solidFill>
-                <a:srgbClr val="00AEEF"/>
-              </a:solidFill>
-            </a:endParaRPr>
-          </a:p>
-        </p:txBody>
-      </p:sp>
-      <p:sp>
-        <p:nvSpPr>
-          <p:cNvPr id="16" name="Rectangle 15"/>
-          <p:cNvSpPr/>
-          <p:nvPr/>
-        </p:nvSpPr>
-        <p:spPr bwMode="auto">
-          <a:xfrm>
-            <a:off x="1092530" y="3574473"/>
-            <a:ext cx="3301340" cy="783771"/>
-          </a:xfrm>
-          <a:prstGeom prst="rect">
-            <a:avLst/>
-          </a:prstGeom>
-          <a:noFill/>
-          <a:ln w="57150">
-            <a:solidFill>
-              <a:srgbClr val="00AEEF"/>
-            </a:solidFill>
-            <a:headEnd type="none" w="med" len="med"/>
-            <a:tailEnd type="none" w="med" len="med"/>
-          </a:ln>
-          <a:effectLst/>
-        </p:spPr>
-        <p:style>
-          <a:lnRef idx="1">
-            <a:schemeClr val="accent2"/>
-          </a:lnRef>
-          <a:fillRef idx="3">
-            <a:schemeClr val="accent2"/>
-          </a:fillRef>
-          <a:effectRef idx="2">
-            <a:schemeClr val="accent2"/>
-          </a:effectRef>
-          <a:fontRef idx="minor">
-            <a:schemeClr val="lt1"/>
-          </a:fontRef>
-        </p:style>
-        <p:txBody>
-          <a:bodyPr vert="horz" wrap="square" lIns="91436" tIns="45718" rIns="91436" bIns="45718" numCol="1" rtlCol="0" anchor="ctr" anchorCtr="0" compatLnSpc="1">
-            <a:prstTxWarp prst="textNoShape">
-              <a:avLst/>
-            </a:prstTxWarp>
-          </a:bodyPr>
-          <a:lstStyle/>
-          <a:p>
-            <a:pPr algn="ctr" defTabSz="914099" fontAlgn="base">
-              <a:spcBef>
-                <a:spcPct val="0"/>
-              </a:spcBef>
-              <a:spcAft>
-                <a:spcPct val="0"/>
-              </a:spcAft>
-            </a:pPr>
-            <a:r>
-              <a:rPr lang="en-US" sz="2800" dirty="0" smtClean="0">
-                <a:solidFill>
-                  <a:srgbClr val="00AEEF"/>
-                </a:solidFill>
-              </a:rPr>
-              <a:t>CASE</a:t>
-            </a:r>
-            <a:endParaRPr lang="en-US" sz="2800" dirty="0">
-              <a:solidFill>
-                <a:srgbClr val="00AEEF"/>
-              </a:solidFill>
-            </a:endParaRPr>
-          </a:p>
-        </p:txBody>
-      </p:sp>
-      <p:sp>
-        <p:nvSpPr>
-          <p:cNvPr id="17" name="Rectangle 16"/>
-          <p:cNvSpPr/>
-          <p:nvPr/>
-        </p:nvSpPr>
-        <p:spPr bwMode="auto">
-          <a:xfrm>
-            <a:off x="1092530" y="4358244"/>
-            <a:ext cx="3301340" cy="783771"/>
-          </a:xfrm>
-          <a:prstGeom prst="rect">
-            <a:avLst/>
-          </a:prstGeom>
-          <a:noFill/>
-          <a:ln w="57150">
-            <a:solidFill>
-              <a:srgbClr val="00AEEF"/>
-            </a:solidFill>
-            <a:headEnd type="none" w="med" len="med"/>
-            <a:tailEnd type="none" w="med" len="med"/>
-          </a:ln>
-          <a:effectLst/>
-        </p:spPr>
-        <p:style>
-          <a:lnRef idx="1">
-            <a:schemeClr val="accent2"/>
-          </a:lnRef>
-          <a:fillRef idx="3">
-            <a:schemeClr val="accent2"/>
-          </a:fillRef>
-          <a:effectRef idx="2">
-            <a:schemeClr val="accent2"/>
-          </a:effectRef>
-          <a:fontRef idx="minor">
-            <a:schemeClr val="lt1"/>
-          </a:fontRef>
-        </p:style>
-        <p:txBody>
-          <a:bodyPr vert="horz" wrap="square" lIns="91436" tIns="45718" rIns="91436" bIns="45718" numCol="1" rtlCol="0" anchor="ctr" anchorCtr="0" compatLnSpc="1">
-            <a:prstTxWarp prst="textNoShape">
-              <a:avLst/>
-            </a:prstTxWarp>
-          </a:bodyPr>
-          <a:lstStyle/>
-          <a:p>
-            <a:pPr algn="ctr" defTabSz="914099" fontAlgn="base">
-              <a:spcBef>
-                <a:spcPct val="0"/>
-              </a:spcBef>
-              <a:spcAft>
-                <a:spcPct val="0"/>
-              </a:spcAft>
-            </a:pPr>
-            <a:r>
-              <a:rPr lang="en-US" sz="2800" dirty="0" smtClean="0">
-                <a:solidFill>
-                  <a:srgbClr val="00AEEF"/>
-                </a:solidFill>
-              </a:rPr>
-              <a:t>UNION</a:t>
-            </a:r>
-            <a:endParaRPr lang="en-US" sz="2800" dirty="0">
-              <a:solidFill>
-                <a:srgbClr val="00AEEF"/>
-              </a:solidFill>
-            </a:endParaRPr>
-          </a:p>
-        </p:txBody>
-      </p:sp>
-      <p:sp>
-        <p:nvSpPr>
-          <p:cNvPr id="18" name="Rectangle 17"/>
-          <p:cNvSpPr/>
-          <p:nvPr/>
-        </p:nvSpPr>
-        <p:spPr bwMode="auto">
-          <a:xfrm>
-            <a:off x="4393870" y="2006931"/>
-            <a:ext cx="3301340" cy="783771"/>
-          </a:xfrm>
-          <a:prstGeom prst="rect">
-            <a:avLst/>
-          </a:prstGeom>
-          <a:noFill/>
-          <a:ln w="57150">
-            <a:solidFill>
-              <a:srgbClr val="00AEEF"/>
-            </a:solidFill>
-            <a:headEnd type="none" w="med" len="med"/>
-            <a:tailEnd type="none" w="med" len="med"/>
-          </a:ln>
-          <a:effectLst/>
-        </p:spPr>
-        <p:style>
-          <a:lnRef idx="1">
-            <a:schemeClr val="accent2"/>
-          </a:lnRef>
-          <a:fillRef idx="3">
-            <a:schemeClr val="accent2"/>
-          </a:fillRef>
-          <a:effectRef idx="2">
-            <a:schemeClr val="accent2"/>
-          </a:effectRef>
-          <a:fontRef idx="minor">
-            <a:schemeClr val="lt1"/>
-          </a:fontRef>
-        </p:style>
-        <p:txBody>
-          <a:bodyPr vert="horz" wrap="square" lIns="91436" tIns="45718" rIns="91436" bIns="45718" numCol="1" rtlCol="0" anchor="ctr" anchorCtr="0" compatLnSpc="1">
-            <a:prstTxWarp prst="textNoShape">
-              <a:avLst/>
-            </a:prstTxWarp>
-          </a:bodyPr>
-          <a:lstStyle/>
-          <a:p>
-            <a:pPr algn="ctr" defTabSz="914099" fontAlgn="base">
-              <a:spcBef>
-                <a:spcPct val="0"/>
-              </a:spcBef>
-              <a:spcAft>
-                <a:spcPct val="0"/>
-              </a:spcAft>
-            </a:pPr>
-            <a:r>
-              <a:rPr lang="en-US" sz="2800" dirty="0" smtClean="0">
-                <a:solidFill>
-                  <a:srgbClr val="00AEEF"/>
-                </a:solidFill>
-              </a:rPr>
-              <a:t>INTO</a:t>
-            </a:r>
-            <a:endParaRPr lang="en-US" sz="2200" dirty="0" smtClean="0">
-              <a:solidFill>
-                <a:srgbClr val="00AEEF"/>
-              </a:solidFill>
-            </a:endParaRPr>
-          </a:p>
-        </p:txBody>
-      </p:sp>
-      <p:sp>
-        <p:nvSpPr>
-          <p:cNvPr id="19" name="Rectangle 18"/>
-          <p:cNvSpPr/>
-          <p:nvPr/>
-        </p:nvSpPr>
-        <p:spPr bwMode="auto">
-          <a:xfrm>
-            <a:off x="4393870" y="2790702"/>
-            <a:ext cx="3301340" cy="783771"/>
-          </a:xfrm>
-          <a:prstGeom prst="rect">
-            <a:avLst/>
-          </a:prstGeom>
-          <a:noFill/>
-          <a:ln w="57150">
-            <a:solidFill>
-              <a:srgbClr val="00AEEF"/>
-            </a:solidFill>
-            <a:headEnd type="none" w="med" len="med"/>
-            <a:tailEnd type="none" w="med" len="med"/>
-          </a:ln>
-          <a:effectLst/>
-        </p:spPr>
-        <p:style>
-          <a:lnRef idx="1">
-            <a:schemeClr val="accent2"/>
-          </a:lnRef>
-          <a:fillRef idx="3">
-            <a:schemeClr val="accent2"/>
-          </a:fillRef>
-          <a:effectRef idx="2">
-            <a:schemeClr val="accent2"/>
-          </a:effectRef>
-          <a:fontRef idx="minor">
-            <a:schemeClr val="lt1"/>
-          </a:fontRef>
-        </p:style>
-        <p:txBody>
-          <a:bodyPr vert="horz" wrap="square" lIns="91436" tIns="45718" rIns="91436" bIns="45718" numCol="1" rtlCol="0" anchor="ctr" anchorCtr="0" compatLnSpc="1">
-            <a:prstTxWarp prst="textNoShape">
-              <a:avLst/>
-            </a:prstTxWarp>
-          </a:bodyPr>
-          <a:lstStyle/>
-          <a:p>
-            <a:pPr algn="ctr" defTabSz="914099" fontAlgn="base">
-              <a:spcBef>
-                <a:spcPct val="0"/>
-              </a:spcBef>
-              <a:spcAft>
-                <a:spcPct val="0"/>
-              </a:spcAft>
-            </a:pPr>
-            <a:r>
-              <a:rPr lang="en-US" sz="2800" dirty="0" smtClean="0">
-                <a:solidFill>
-                  <a:srgbClr val="00AEEF"/>
-                </a:solidFill>
-              </a:rPr>
-              <a:t>GROUP BY</a:t>
-            </a:r>
-            <a:endParaRPr lang="en-US" sz="2800" dirty="0">
-              <a:solidFill>
-                <a:srgbClr val="00AEEF"/>
-              </a:solidFill>
-            </a:endParaRPr>
-          </a:p>
-        </p:txBody>
-      </p:sp>
-      <p:sp>
-        <p:nvSpPr>
-          <p:cNvPr id="20" name="Rectangle 19"/>
-          <p:cNvSpPr/>
-          <p:nvPr/>
-        </p:nvSpPr>
-        <p:spPr bwMode="auto">
-          <a:xfrm>
-            <a:off x="4393870" y="3574473"/>
-            <a:ext cx="3301340" cy="783771"/>
-          </a:xfrm>
-          <a:prstGeom prst="rect">
-            <a:avLst/>
-          </a:prstGeom>
-          <a:noFill/>
-          <a:ln w="57150">
-            <a:solidFill>
-              <a:srgbClr val="00AEEF"/>
-            </a:solidFill>
-            <a:headEnd type="none" w="med" len="med"/>
-            <a:tailEnd type="none" w="med" len="med"/>
-          </a:ln>
-          <a:effectLst/>
-        </p:spPr>
-        <p:style>
-          <a:lnRef idx="1">
-            <a:schemeClr val="accent2"/>
-          </a:lnRef>
-          <a:fillRef idx="3">
-            <a:schemeClr val="accent2"/>
-          </a:fillRef>
-          <a:effectRef idx="2">
-            <a:schemeClr val="accent2"/>
-          </a:effectRef>
-          <a:fontRef idx="minor">
-            <a:schemeClr val="lt1"/>
-          </a:fontRef>
-        </p:style>
-        <p:txBody>
-          <a:bodyPr vert="horz" wrap="square" lIns="91436" tIns="45718" rIns="91436" bIns="45718" numCol="1" rtlCol="0" anchor="ctr" anchorCtr="0" compatLnSpc="1">
-            <a:prstTxWarp prst="textNoShape">
-              <a:avLst/>
-            </a:prstTxWarp>
-          </a:bodyPr>
-          <a:lstStyle/>
-          <a:p>
-            <a:pPr algn="ctr" defTabSz="914099" fontAlgn="base">
-              <a:spcBef>
-                <a:spcPct val="0"/>
-              </a:spcBef>
-              <a:spcAft>
-                <a:spcPct val="0"/>
-              </a:spcAft>
-            </a:pPr>
-            <a:r>
-              <a:rPr lang="en-US" sz="2800" dirty="0" smtClean="0">
-                <a:solidFill>
-                  <a:srgbClr val="00AEEF"/>
-                </a:solidFill>
-              </a:rPr>
-              <a:t>JOIN</a:t>
-            </a:r>
-            <a:endParaRPr lang="en-US" sz="2800" dirty="0">
-              <a:solidFill>
-                <a:srgbClr val="00AEEF"/>
-              </a:solidFill>
-            </a:endParaRPr>
-          </a:p>
-        </p:txBody>
-      </p:sp>
-      <p:sp>
-        <p:nvSpPr>
-          <p:cNvPr id="21" name="Rectangle 20"/>
-          <p:cNvSpPr/>
-          <p:nvPr/>
-        </p:nvSpPr>
-        <p:spPr bwMode="auto">
-          <a:xfrm>
-            <a:off x="4393870" y="4358244"/>
-            <a:ext cx="3301340" cy="783771"/>
-          </a:xfrm>
-          <a:prstGeom prst="rect">
-            <a:avLst/>
-          </a:prstGeom>
-          <a:noFill/>
-          <a:ln w="57150">
-            <a:solidFill>
-              <a:srgbClr val="00AEEF"/>
-            </a:solidFill>
-            <a:headEnd type="none" w="med" len="med"/>
-            <a:tailEnd type="none" w="med" len="med"/>
-          </a:ln>
-          <a:effectLst/>
-        </p:spPr>
-        <p:style>
-          <a:lnRef idx="1">
-            <a:schemeClr val="accent2"/>
-          </a:lnRef>
-          <a:fillRef idx="3">
-            <a:schemeClr val="accent2"/>
-          </a:fillRef>
-          <a:effectRef idx="2">
-            <a:schemeClr val="accent2"/>
-          </a:effectRef>
-          <a:fontRef idx="minor">
-            <a:schemeClr val="lt1"/>
-          </a:fontRef>
-        </p:style>
-        <p:txBody>
-          <a:bodyPr vert="horz" wrap="square" lIns="91436" tIns="45718" rIns="91436" bIns="45718" numCol="1" rtlCol="0" anchor="ctr" anchorCtr="0" compatLnSpc="1">
-            <a:prstTxWarp prst="textNoShape">
-              <a:avLst/>
-            </a:prstTxWarp>
-          </a:bodyPr>
-          <a:lstStyle/>
-          <a:p>
-            <a:pPr algn="ctr" defTabSz="914099" fontAlgn="base">
-              <a:spcBef>
-                <a:spcPct val="0"/>
-              </a:spcBef>
-              <a:spcAft>
-                <a:spcPct val="0"/>
-              </a:spcAft>
-            </a:pPr>
-            <a:r>
-              <a:rPr lang="en-US" sz="2800" dirty="0" smtClean="0">
-                <a:solidFill>
-                  <a:srgbClr val="00AEEF"/>
-                </a:solidFill>
-              </a:rPr>
-              <a:t>WITH</a:t>
-            </a:r>
-            <a:endParaRPr lang="en-US" sz="2800" dirty="0">
-              <a:solidFill>
-                <a:srgbClr val="00AEEF"/>
-              </a:solidFill>
-            </a:endParaRPr>
-          </a:p>
-        </p:txBody>
-      </p:sp>
-      <p:sp>
-        <p:nvSpPr>
-          <p:cNvPr id="22" name="Rectangle 21"/>
-          <p:cNvSpPr/>
-          <p:nvPr/>
-        </p:nvSpPr>
-        <p:spPr bwMode="auto">
-          <a:xfrm>
-            <a:off x="7695210" y="2006931"/>
-            <a:ext cx="3301340" cy="783771"/>
-          </a:xfrm>
-          <a:prstGeom prst="rect">
-            <a:avLst/>
-          </a:prstGeom>
-          <a:noFill/>
-          <a:ln w="57150">
-            <a:solidFill>
-              <a:srgbClr val="00AEEF"/>
-            </a:solidFill>
-            <a:headEnd type="none" w="med" len="med"/>
-            <a:tailEnd type="none" w="med" len="med"/>
-          </a:ln>
-          <a:effectLst/>
-        </p:spPr>
-        <p:style>
-          <a:lnRef idx="1">
-            <a:schemeClr val="accent2"/>
-          </a:lnRef>
-          <a:fillRef idx="3">
-            <a:schemeClr val="accent2"/>
-          </a:fillRef>
-          <a:effectRef idx="2">
-            <a:schemeClr val="accent2"/>
-          </a:effectRef>
-          <a:fontRef idx="minor">
-            <a:schemeClr val="lt1"/>
-          </a:fontRef>
-        </p:style>
-        <p:txBody>
-          <a:bodyPr vert="horz" wrap="square" lIns="91436" tIns="45718" rIns="91436" bIns="45718" numCol="1" rtlCol="0" anchor="ctr" anchorCtr="0" compatLnSpc="1">
-            <a:prstTxWarp prst="textNoShape">
-              <a:avLst/>
-            </a:prstTxWarp>
-          </a:bodyPr>
-          <a:lstStyle/>
-          <a:p>
-            <a:pPr algn="ctr" defTabSz="914099" fontAlgn="base">
-              <a:spcBef>
-                <a:spcPct val="0"/>
-              </a:spcBef>
-              <a:spcAft>
-                <a:spcPct val="0"/>
-              </a:spcAft>
-            </a:pPr>
-            <a:r>
-              <a:rPr lang="en-US" sz="2800" dirty="0" smtClean="0">
-                <a:solidFill>
-                  <a:srgbClr val="00AEEF"/>
-                </a:solidFill>
-              </a:rPr>
-              <a:t>FROM</a:t>
-            </a:r>
-            <a:endParaRPr lang="en-US" sz="2200" dirty="0" smtClean="0">
-              <a:solidFill>
-                <a:srgbClr val="00AEEF"/>
-              </a:solidFill>
-            </a:endParaRPr>
-          </a:p>
-        </p:txBody>
-      </p:sp>
-      <p:sp>
-        <p:nvSpPr>
-          <p:cNvPr id="23" name="Rectangle 22"/>
-          <p:cNvSpPr/>
-          <p:nvPr/>
-        </p:nvSpPr>
-        <p:spPr bwMode="auto">
-          <a:xfrm>
-            <a:off x="7695210" y="2790702"/>
-            <a:ext cx="3301340" cy="783771"/>
-          </a:xfrm>
-          <a:prstGeom prst="rect">
-            <a:avLst/>
-          </a:prstGeom>
-          <a:noFill/>
-          <a:ln w="57150">
-            <a:solidFill>
-              <a:srgbClr val="00AEEF"/>
-            </a:solidFill>
-            <a:headEnd type="none" w="med" len="med"/>
-            <a:tailEnd type="none" w="med" len="med"/>
-          </a:ln>
-          <a:effectLst/>
-        </p:spPr>
-        <p:style>
-          <a:lnRef idx="1">
-            <a:schemeClr val="accent2"/>
-          </a:lnRef>
-          <a:fillRef idx="3">
-            <a:schemeClr val="accent2"/>
-          </a:fillRef>
-          <a:effectRef idx="2">
-            <a:schemeClr val="accent2"/>
-          </a:effectRef>
-          <a:fontRef idx="minor">
-            <a:schemeClr val="lt1"/>
-          </a:fontRef>
-        </p:style>
-        <p:txBody>
-          <a:bodyPr vert="horz" wrap="square" lIns="91436" tIns="45718" rIns="91436" bIns="45718" numCol="1" rtlCol="0" anchor="ctr" anchorCtr="0" compatLnSpc="1">
-            <a:prstTxWarp prst="textNoShape">
-              <a:avLst/>
-            </a:prstTxWarp>
-          </a:bodyPr>
-          <a:lstStyle/>
-          <a:p>
-            <a:pPr algn="ctr" defTabSz="914099" fontAlgn="base">
-              <a:spcBef>
-                <a:spcPct val="0"/>
-              </a:spcBef>
-              <a:spcAft>
-                <a:spcPct val="0"/>
-              </a:spcAft>
-            </a:pPr>
-            <a:r>
-              <a:rPr lang="en-US" sz="2800" dirty="0" smtClean="0">
-                <a:solidFill>
-                  <a:srgbClr val="00AEEF"/>
-                </a:solidFill>
-              </a:rPr>
-              <a:t>HAVING</a:t>
-            </a:r>
-            <a:endParaRPr lang="en-US" sz="2800" dirty="0">
-              <a:solidFill>
-                <a:srgbClr val="00AEEF"/>
-              </a:solidFill>
-            </a:endParaRPr>
-          </a:p>
-        </p:txBody>
-      </p:sp>
-      <p:sp>
-        <p:nvSpPr>
-          <p:cNvPr id="24" name="Rectangle 23"/>
-          <p:cNvSpPr/>
-          <p:nvPr/>
-        </p:nvSpPr>
-        <p:spPr bwMode="auto">
-          <a:xfrm>
-            <a:off x="7695210" y="3574473"/>
-            <a:ext cx="3301340" cy="783771"/>
-          </a:xfrm>
-          <a:prstGeom prst="rect">
-            <a:avLst/>
-          </a:prstGeom>
-          <a:noFill/>
-          <a:ln w="57150">
-            <a:solidFill>
-              <a:srgbClr val="00AEEF"/>
-            </a:solidFill>
-            <a:headEnd type="none" w="med" len="med"/>
-            <a:tailEnd type="none" w="med" len="med"/>
-          </a:ln>
-          <a:effectLst/>
-        </p:spPr>
-        <p:style>
-          <a:lnRef idx="1">
-            <a:schemeClr val="accent2"/>
-          </a:lnRef>
-          <a:fillRef idx="3">
-            <a:schemeClr val="accent2"/>
-          </a:fillRef>
-          <a:effectRef idx="2">
-            <a:schemeClr val="accent2"/>
-          </a:effectRef>
-          <a:fontRef idx="minor">
-            <a:schemeClr val="lt1"/>
-          </a:fontRef>
-        </p:style>
-        <p:txBody>
-          <a:bodyPr vert="horz" wrap="square" lIns="91436" tIns="45718" rIns="91436" bIns="45718" numCol="1" rtlCol="0" anchor="ctr" anchorCtr="0" compatLnSpc="1">
-            <a:prstTxWarp prst="textNoShape">
-              <a:avLst/>
-            </a:prstTxWarp>
-          </a:bodyPr>
-          <a:lstStyle/>
-          <a:p>
-            <a:pPr algn="ctr" defTabSz="914099" fontAlgn="base">
-              <a:spcBef>
-                <a:spcPct val="0"/>
-              </a:spcBef>
-              <a:spcAft>
-                <a:spcPct val="0"/>
-              </a:spcAft>
-            </a:pPr>
-            <a:r>
-              <a:rPr lang="en-US" sz="2800" dirty="0" smtClean="0">
-                <a:solidFill>
-                  <a:srgbClr val="00AEEF"/>
-                </a:solidFill>
-              </a:rPr>
-              <a:t>JOIN</a:t>
-            </a:r>
-            <a:endParaRPr lang="en-US" sz="2800" dirty="0">
-              <a:solidFill>
-                <a:srgbClr val="00AEEF"/>
-              </a:solidFill>
-            </a:endParaRPr>
-          </a:p>
-        </p:txBody>
-      </p:sp>
-      <p:sp>
-        <p:nvSpPr>
-          <p:cNvPr id="25" name="Rectangle 24"/>
-          <p:cNvSpPr/>
-          <p:nvPr/>
-        </p:nvSpPr>
-        <p:spPr bwMode="auto">
-          <a:xfrm>
-            <a:off x="7695210" y="4358244"/>
-            <a:ext cx="3301340" cy="783771"/>
-          </a:xfrm>
-          <a:prstGeom prst="rect">
-            <a:avLst/>
-          </a:prstGeom>
-          <a:noFill/>
-          <a:ln w="57150">
-            <a:solidFill>
-              <a:srgbClr val="00AEEF"/>
-            </a:solidFill>
-            <a:headEnd type="none" w="med" len="med"/>
-            <a:tailEnd type="none" w="med" len="med"/>
-          </a:ln>
-          <a:effectLst/>
-        </p:spPr>
-        <p:style>
-          <a:lnRef idx="1">
-            <a:schemeClr val="accent2"/>
-          </a:lnRef>
-          <a:fillRef idx="3">
-            <a:schemeClr val="accent2"/>
-          </a:fillRef>
-          <a:effectRef idx="2">
-            <a:schemeClr val="accent2"/>
-          </a:effectRef>
-          <a:fontRef idx="minor">
-            <a:schemeClr val="lt1"/>
-          </a:fontRef>
-        </p:style>
-        <p:txBody>
-          <a:bodyPr vert="horz" wrap="square" lIns="91436" tIns="45718" rIns="91436" bIns="45718" numCol="1" rtlCol="0" anchor="ctr" anchorCtr="0" compatLnSpc="1">
-            <a:prstTxWarp prst="textNoShape">
-              <a:avLst/>
-            </a:prstTxWarp>
-          </a:bodyPr>
-          <a:lstStyle/>
-          <a:p>
-            <a:pPr algn="ctr" defTabSz="914099" fontAlgn="base">
-              <a:spcBef>
-                <a:spcPct val="0"/>
-              </a:spcBef>
-              <a:spcAft>
-                <a:spcPct val="0"/>
-              </a:spcAft>
-            </a:pPr>
-            <a:r>
-              <a:rPr lang="en-US" sz="2800" dirty="0" smtClean="0">
-                <a:solidFill>
-                  <a:srgbClr val="00AEEF"/>
-                </a:solidFill>
-              </a:rPr>
-              <a:t>APPLY</a:t>
-            </a:r>
-            <a:endParaRPr lang="en-US" sz="2800" dirty="0">
-              <a:solidFill>
-                <a:srgbClr val="00AEEF"/>
-              </a:solidFill>
-            </a:endParaRPr>
-          </a:p>
-        </p:txBody>
-      </p:sp>
-    </p:spTree>
-    <p:extLst>
-      <p:ext uri="{BB962C8B-B14F-4D97-AF65-F5344CB8AC3E}">
-        <p14:creationId xmlns:p14="http://schemas.microsoft.com/office/powerpoint/2010/main" val="3411210275"/>
-      </p:ext>
-    </p:extLst>
-  </p:cSld>
-  <p:clrMapOvr>
-    <a:masterClrMapping/>
-  </p:clrMapOvr>
-  <p:transition>
-    <p:fade/>
-  </p:transition>
-  <p:timing>
-    <p:tnLst>
-      <p:par>
-        <p:cTn id="1" dur="indefinite" restart="never" nodeType="tmRoot"/>
-      </p:par>
-    </p:tnLst>
-  </p:timing>
-</p:sld>
-</file>
-
-<file path=ppt/slides/slide9.xml><?xml version="1.0" encoding="utf-8"?>
+<file path=ppt/slides/slide5.xml><?xml version="1.0" encoding="utf-8"?>
 <p:sld xmlns:a="http://schemas.openxmlformats.org/drawingml/2006/main" xmlns:r="http://schemas.openxmlformats.org/officeDocument/2006/relationships" xmlns:p="http://schemas.openxmlformats.org/presentationml/2006/main">
   <p:cSld>
     <p:spTree>
@@ -17548,6 +12092,4168 @@
     <p:extLst>
       <p:ext uri="{BB962C8B-B14F-4D97-AF65-F5344CB8AC3E}">
         <p14:creationId xmlns:p14="http://schemas.microsoft.com/office/powerpoint/2010/main" val="3876381475"/>
+      </p:ext>
+    </p:extLst>
+  </p:cSld>
+  <p:clrMapOvr>
+    <a:masterClrMapping/>
+  </p:clrMapOvr>
+  <p:transition>
+    <p:fade/>
+  </p:transition>
+  <p:timing>
+    <p:tnLst>
+      <p:par>
+        <p:cTn id="1" dur="indefinite" restart="never" nodeType="tmRoot"/>
+      </p:par>
+    </p:tnLst>
+  </p:timing>
+</p:sld>
+</file>
+
+<file path=ppt/slides/slide6.xml><?xml version="1.0" encoding="utf-8"?>
+<p:sld xmlns:a="http://schemas.openxmlformats.org/drawingml/2006/main" xmlns:r="http://schemas.openxmlformats.org/officeDocument/2006/relationships" xmlns:p="http://schemas.openxmlformats.org/presentationml/2006/main">
+  <p:cSld>
+    <p:spTree>
+      <p:nvGrpSpPr>
+        <p:cNvPr id="1" name=""/>
+        <p:cNvGrpSpPr/>
+        <p:nvPr/>
+      </p:nvGrpSpPr>
+      <p:grpSpPr>
+        <a:xfrm>
+          <a:off x="0" y="0"/>
+          <a:ext cx="0" cy="0"/>
+          <a:chOff x="0" y="0"/>
+          <a:chExt cx="0" cy="0"/>
+        </a:xfrm>
+      </p:grpSpPr>
+      <p:sp>
+        <p:nvSpPr>
+          <p:cNvPr id="2" name="Title 1"/>
+          <p:cNvSpPr>
+            <a:spLocks noGrp="1"/>
+          </p:cNvSpPr>
+          <p:nvPr>
+            <p:ph type="title"/>
+          </p:nvPr>
+        </p:nvSpPr>
+        <p:spPr/>
+        <p:txBody>
+          <a:bodyPr/>
+          <a:lstStyle/>
+          <a:p>
+            <a:r>
+              <a:rPr lang="en-US" dirty="0" smtClean="0"/>
+              <a:t>Joining Two Inputs</a:t>
+            </a:r>
+            <a:endParaRPr lang="en-US" dirty="0"/>
+          </a:p>
+        </p:txBody>
+      </p:sp>
+      <p:sp>
+        <p:nvSpPr>
+          <p:cNvPr id="4" name="Rectangle 3"/>
+          <p:cNvSpPr/>
+          <p:nvPr/>
+        </p:nvSpPr>
+        <p:spPr bwMode="auto">
+          <a:xfrm>
+            <a:off x="876001" y="1696127"/>
+            <a:ext cx="10438410" cy="2662117"/>
+          </a:xfrm>
+          <a:prstGeom prst="rect">
+            <a:avLst/>
+          </a:prstGeom>
+          <a:solidFill>
+            <a:schemeClr val="tx1">
+              <a:lumMod val="10000"/>
+              <a:lumOff val="90000"/>
+            </a:schemeClr>
+          </a:solidFill>
+          <a:ln w="38100">
+            <a:solidFill>
+              <a:schemeClr val="tx1">
+                <a:lumMod val="50000"/>
+                <a:lumOff val="50000"/>
+              </a:schemeClr>
+            </a:solidFill>
+            <a:headEnd type="none" w="med" len="med"/>
+            <a:tailEnd type="none" w="med" len="med"/>
+          </a:ln>
+          <a:effectLst/>
+        </p:spPr>
+        <p:style>
+          <a:lnRef idx="1">
+            <a:schemeClr val="accent2"/>
+          </a:lnRef>
+          <a:fillRef idx="3">
+            <a:schemeClr val="accent2"/>
+          </a:fillRef>
+          <a:effectRef idx="2">
+            <a:schemeClr val="accent2"/>
+          </a:effectRef>
+          <a:fontRef idx="minor">
+            <a:schemeClr val="lt1"/>
+          </a:fontRef>
+        </p:style>
+        <p:txBody>
+          <a:bodyPr vert="horz" wrap="square" lIns="91436" tIns="45718" rIns="91436" bIns="45718" numCol="1" rtlCol="0" anchor="ctr" anchorCtr="0" compatLnSpc="1">
+            <a:prstTxWarp prst="textNoShape">
+              <a:avLst/>
+            </a:prstTxWarp>
+          </a:bodyPr>
+          <a:lstStyle/>
+          <a:p>
+            <a:pPr defTabSz="914099" fontAlgn="base">
+              <a:spcBef>
+                <a:spcPct val="0"/>
+              </a:spcBef>
+              <a:spcAft>
+                <a:spcPct val="0"/>
+              </a:spcAft>
+            </a:pPr>
+            <a:r>
+              <a:rPr lang="en-US" sz="2200" dirty="0">
+                <a:solidFill>
+                  <a:schemeClr val="tx1"/>
+                </a:solidFill>
+                <a:latin typeface="Lucida Console" panose="020B0609040504020204" pitchFamily="49" charset="0"/>
+              </a:rPr>
+              <a:t> SELECT </a:t>
+            </a:r>
+            <a:r>
+              <a:rPr lang="en-US" sz="2200" dirty="0" smtClean="0">
+                <a:solidFill>
+                  <a:schemeClr val="tx1"/>
+                </a:solidFill>
+                <a:latin typeface="Lucida Console" panose="020B0609040504020204" pitchFamily="49" charset="0"/>
+              </a:rPr>
+              <a:t>S1.Time, S1.ID</a:t>
+            </a:r>
+            <a:r>
+              <a:rPr lang="en-US" sz="2200" dirty="0">
+                <a:solidFill>
+                  <a:schemeClr val="tx1"/>
+                </a:solidFill>
+                <a:latin typeface="Lucida Console" panose="020B0609040504020204" pitchFamily="49" charset="0"/>
+              </a:rPr>
+              <a:t>, S1.Temperature, S2.Voltage</a:t>
+            </a:r>
+          </a:p>
+          <a:p>
+            <a:pPr defTabSz="914099" fontAlgn="base">
+              <a:spcBef>
+                <a:spcPct val="0"/>
+              </a:spcBef>
+              <a:spcAft>
+                <a:spcPct val="0"/>
+              </a:spcAft>
+            </a:pPr>
+            <a:r>
+              <a:rPr lang="en-US" sz="2200" dirty="0" smtClean="0">
+                <a:solidFill>
+                  <a:schemeClr val="tx1"/>
+                </a:solidFill>
+                <a:latin typeface="Lucida Console" panose="020B0609040504020204" pitchFamily="49" charset="0"/>
+              </a:rPr>
+              <a:t> FROM </a:t>
+            </a:r>
+            <a:r>
+              <a:rPr lang="en-US" sz="2200" dirty="0" err="1">
+                <a:solidFill>
+                  <a:schemeClr val="tx1"/>
+                </a:solidFill>
+                <a:latin typeface="Lucida Console" panose="020B0609040504020204" pitchFamily="49" charset="0"/>
+              </a:rPr>
+              <a:t>TemperatureData</a:t>
+            </a:r>
+            <a:r>
+              <a:rPr lang="en-US" sz="2200" dirty="0">
+                <a:solidFill>
+                  <a:schemeClr val="tx1"/>
+                </a:solidFill>
+                <a:latin typeface="Lucida Console" panose="020B0609040504020204" pitchFamily="49" charset="0"/>
+              </a:rPr>
+              <a:t> S1</a:t>
+            </a:r>
+          </a:p>
+          <a:p>
+            <a:pPr defTabSz="914099" fontAlgn="base">
+              <a:spcBef>
+                <a:spcPct val="0"/>
+              </a:spcBef>
+              <a:spcAft>
+                <a:spcPct val="0"/>
+              </a:spcAft>
+            </a:pPr>
+            <a:r>
+              <a:rPr lang="en-US" sz="2200" dirty="0" smtClean="0">
+                <a:solidFill>
+                  <a:schemeClr val="tx1"/>
+                </a:solidFill>
+                <a:latin typeface="Lucida Console" panose="020B0609040504020204" pitchFamily="49" charset="0"/>
+              </a:rPr>
+              <a:t> JOIN </a:t>
+            </a:r>
+            <a:r>
+              <a:rPr lang="en-US" sz="2200" dirty="0" err="1">
+                <a:solidFill>
+                  <a:schemeClr val="tx1"/>
+                </a:solidFill>
+                <a:latin typeface="Lucida Console" panose="020B0609040504020204" pitchFamily="49" charset="0"/>
+              </a:rPr>
+              <a:t>VoltageData</a:t>
+            </a:r>
+            <a:r>
+              <a:rPr lang="en-US" sz="2200" dirty="0">
+                <a:solidFill>
+                  <a:schemeClr val="tx1"/>
+                </a:solidFill>
+                <a:latin typeface="Lucida Console" panose="020B0609040504020204" pitchFamily="49" charset="0"/>
+              </a:rPr>
+              <a:t> S2</a:t>
+            </a:r>
+          </a:p>
+          <a:p>
+            <a:pPr defTabSz="914099" fontAlgn="base">
+              <a:spcBef>
+                <a:spcPct val="0"/>
+              </a:spcBef>
+              <a:spcAft>
+                <a:spcPct val="0"/>
+              </a:spcAft>
+            </a:pPr>
+            <a:r>
+              <a:rPr lang="en-US" sz="2200" dirty="0" smtClean="0">
+                <a:solidFill>
+                  <a:schemeClr val="tx1"/>
+                </a:solidFill>
+                <a:latin typeface="Lucida Console" panose="020B0609040504020204" pitchFamily="49" charset="0"/>
+              </a:rPr>
+              <a:t> ON </a:t>
+            </a:r>
+            <a:r>
+              <a:rPr lang="en-US" sz="2200" dirty="0">
+                <a:solidFill>
+                  <a:schemeClr val="tx1"/>
+                </a:solidFill>
+                <a:latin typeface="Lucida Console" panose="020B0609040504020204" pitchFamily="49" charset="0"/>
+              </a:rPr>
+              <a:t>S1.ID = S2.ID</a:t>
+            </a:r>
+          </a:p>
+          <a:p>
+            <a:pPr defTabSz="914099" fontAlgn="base">
+              <a:spcBef>
+                <a:spcPct val="0"/>
+              </a:spcBef>
+              <a:spcAft>
+                <a:spcPct val="0"/>
+              </a:spcAft>
+            </a:pPr>
+            <a:r>
+              <a:rPr lang="en-US" sz="2200" dirty="0" smtClean="0">
+                <a:solidFill>
+                  <a:schemeClr val="tx1"/>
+                </a:solidFill>
+                <a:latin typeface="Lucida Console" panose="020B0609040504020204" pitchFamily="49" charset="0"/>
+              </a:rPr>
+              <a:t> AND </a:t>
+            </a:r>
+            <a:r>
+              <a:rPr lang="en-US" sz="2200" dirty="0">
+                <a:solidFill>
+                  <a:schemeClr val="tx1"/>
+                </a:solidFill>
+                <a:latin typeface="Lucida Console" panose="020B0609040504020204" pitchFamily="49" charset="0"/>
+              </a:rPr>
+              <a:t>DATEDIFF(s, s1, s2) BETWEEN 0 AND </a:t>
+            </a:r>
+            <a:r>
+              <a:rPr lang="en-US" sz="2200" dirty="0" smtClean="0">
+                <a:solidFill>
+                  <a:schemeClr val="tx1"/>
+                </a:solidFill>
+                <a:latin typeface="Lucida Console" panose="020B0609040504020204" pitchFamily="49" charset="0"/>
+              </a:rPr>
+              <a:t>5</a:t>
+            </a:r>
+          </a:p>
+          <a:p>
+            <a:pPr defTabSz="914099" fontAlgn="base">
+              <a:spcBef>
+                <a:spcPct val="0"/>
+              </a:spcBef>
+              <a:spcAft>
+                <a:spcPct val="0"/>
+              </a:spcAft>
+            </a:pPr>
+            <a:r>
+              <a:rPr lang="en-US" sz="2200" dirty="0">
+                <a:solidFill>
+                  <a:schemeClr val="tx1"/>
+                </a:solidFill>
+                <a:latin typeface="Lucida Console" panose="020B0609040504020204" pitchFamily="49" charset="0"/>
+              </a:rPr>
+              <a:t> </a:t>
+            </a:r>
+            <a:r>
+              <a:rPr lang="en-US" sz="2200" dirty="0" smtClean="0">
+                <a:solidFill>
+                  <a:schemeClr val="tx1"/>
+                </a:solidFill>
+                <a:latin typeface="Lucida Console" panose="020B0609040504020204" pitchFamily="49" charset="0"/>
+              </a:rPr>
+              <a:t>WHERE S1.Temperature &gt; 150 OR S2.Voltage &gt; 32</a:t>
+            </a:r>
+            <a:endParaRPr lang="en-US" sz="2200" dirty="0">
+              <a:solidFill>
+                <a:schemeClr val="tx1"/>
+              </a:solidFill>
+              <a:latin typeface="Lucida Console" panose="020B0609040504020204" pitchFamily="49" charset="0"/>
+            </a:endParaRPr>
+          </a:p>
+        </p:txBody>
+      </p:sp>
+      <p:pic>
+        <p:nvPicPr>
+          <p:cNvPr id="3" name="Picture 2"/>
+          <p:cNvPicPr>
+            <a:picLocks noChangeAspect="1"/>
+          </p:cNvPicPr>
+          <p:nvPr/>
+        </p:nvPicPr>
+        <p:blipFill>
+          <a:blip r:embed="rId2"/>
+          <a:stretch>
+            <a:fillRect/>
+          </a:stretch>
+        </p:blipFill>
+        <p:spPr>
+          <a:xfrm>
+            <a:off x="876001" y="4726874"/>
+            <a:ext cx="10474672" cy="1246414"/>
+          </a:xfrm>
+          <a:prstGeom prst="rect">
+            <a:avLst/>
+          </a:prstGeom>
+          <a:ln>
+            <a:solidFill>
+              <a:schemeClr val="tx1">
+                <a:lumMod val="25000"/>
+                <a:lumOff val="75000"/>
+              </a:schemeClr>
+            </a:solidFill>
+          </a:ln>
+        </p:spPr>
+      </p:pic>
+    </p:spTree>
+    <p:extLst>
+      <p:ext uri="{BB962C8B-B14F-4D97-AF65-F5344CB8AC3E}">
+        <p14:creationId xmlns:p14="http://schemas.microsoft.com/office/powerpoint/2010/main" val="3214649679"/>
+      </p:ext>
+    </p:extLst>
+  </p:cSld>
+  <p:clrMapOvr>
+    <a:masterClrMapping/>
+  </p:clrMapOvr>
+  <p:transition>
+    <p:fade/>
+  </p:transition>
+  <p:timing>
+    <p:tnLst>
+      <p:par>
+        <p:cTn id="1" dur="indefinite" restart="never" nodeType="tmRoot"/>
+      </p:par>
+    </p:tnLst>
+  </p:timing>
+</p:sld>
+</file>
+
+<file path=ppt/slides/slide7.xml><?xml version="1.0" encoding="utf-8"?>
+<p:sld xmlns:a="http://schemas.openxmlformats.org/drawingml/2006/main" xmlns:r="http://schemas.openxmlformats.org/officeDocument/2006/relationships" xmlns:p="http://schemas.openxmlformats.org/presentationml/2006/main">
+  <p:cSld>
+    <p:spTree>
+      <p:nvGrpSpPr>
+        <p:cNvPr id="1" name=""/>
+        <p:cNvGrpSpPr/>
+        <p:nvPr/>
+      </p:nvGrpSpPr>
+      <p:grpSpPr>
+        <a:xfrm>
+          <a:off x="0" y="0"/>
+          <a:ext cx="0" cy="0"/>
+          <a:chOff x="0" y="0"/>
+          <a:chExt cx="0" cy="0"/>
+        </a:xfrm>
+      </p:grpSpPr>
+      <p:sp>
+        <p:nvSpPr>
+          <p:cNvPr id="2" name="Title 1"/>
+          <p:cNvSpPr>
+            <a:spLocks noGrp="1"/>
+          </p:cNvSpPr>
+          <p:nvPr>
+            <p:ph type="title"/>
+          </p:nvPr>
+        </p:nvSpPr>
+        <p:spPr>
+          <a:xfrm>
+            <a:off x="519249" y="228603"/>
+            <a:ext cx="11151917" cy="747641"/>
+          </a:xfrm>
+        </p:spPr>
+        <p:txBody>
+          <a:bodyPr/>
+          <a:lstStyle/>
+          <a:p>
+            <a:r>
+              <a:rPr lang="en-US" dirty="0" smtClean="0"/>
+              <a:t>Replacing Arrival Time with Event Time</a:t>
+            </a:r>
+            <a:endParaRPr lang="en-US" dirty="0"/>
+          </a:p>
+        </p:txBody>
+      </p:sp>
+      <p:sp>
+        <p:nvSpPr>
+          <p:cNvPr id="4" name="Rectangle 3"/>
+          <p:cNvSpPr/>
+          <p:nvPr/>
+        </p:nvSpPr>
+        <p:spPr bwMode="auto">
+          <a:xfrm>
+            <a:off x="876001" y="1696128"/>
+            <a:ext cx="10438410" cy="2662116"/>
+          </a:xfrm>
+          <a:prstGeom prst="rect">
+            <a:avLst/>
+          </a:prstGeom>
+          <a:solidFill>
+            <a:schemeClr val="tx1">
+              <a:lumMod val="10000"/>
+              <a:lumOff val="90000"/>
+            </a:schemeClr>
+          </a:solidFill>
+          <a:ln w="38100">
+            <a:solidFill>
+              <a:schemeClr val="tx1">
+                <a:lumMod val="50000"/>
+                <a:lumOff val="50000"/>
+              </a:schemeClr>
+            </a:solidFill>
+            <a:headEnd type="none" w="med" len="med"/>
+            <a:tailEnd type="none" w="med" len="med"/>
+          </a:ln>
+          <a:effectLst/>
+        </p:spPr>
+        <p:style>
+          <a:lnRef idx="1">
+            <a:schemeClr val="accent2"/>
+          </a:lnRef>
+          <a:fillRef idx="3">
+            <a:schemeClr val="accent2"/>
+          </a:fillRef>
+          <a:effectRef idx="2">
+            <a:schemeClr val="accent2"/>
+          </a:effectRef>
+          <a:fontRef idx="minor">
+            <a:schemeClr val="lt1"/>
+          </a:fontRef>
+        </p:style>
+        <p:txBody>
+          <a:bodyPr vert="horz" wrap="square" lIns="91436" tIns="45718" rIns="91436" bIns="45718" numCol="1" rtlCol="0" anchor="ctr" anchorCtr="0" compatLnSpc="1">
+            <a:prstTxWarp prst="textNoShape">
+              <a:avLst/>
+            </a:prstTxWarp>
+          </a:bodyPr>
+          <a:lstStyle/>
+          <a:p>
+            <a:pPr defTabSz="914099" fontAlgn="base">
+              <a:spcBef>
+                <a:spcPct val="0"/>
+              </a:spcBef>
+              <a:spcAft>
+                <a:spcPct val="0"/>
+              </a:spcAft>
+            </a:pPr>
+            <a:r>
+              <a:rPr lang="en-US" sz="2200" dirty="0">
+                <a:solidFill>
+                  <a:schemeClr val="tx1"/>
+                </a:solidFill>
+                <a:latin typeface="Lucida Console" panose="020B0609040504020204" pitchFamily="49" charset="0"/>
+              </a:rPr>
+              <a:t> SELECT S1.ID, S1.Temperature, S2.Voltage</a:t>
+            </a:r>
+          </a:p>
+          <a:p>
+            <a:pPr defTabSz="914099" fontAlgn="base">
+              <a:spcBef>
+                <a:spcPct val="0"/>
+              </a:spcBef>
+              <a:spcAft>
+                <a:spcPct val="0"/>
+              </a:spcAft>
+            </a:pPr>
+            <a:r>
+              <a:rPr lang="en-US" sz="2200" dirty="0" smtClean="0">
+                <a:solidFill>
+                  <a:schemeClr val="tx1"/>
+                </a:solidFill>
+                <a:latin typeface="Lucida Console" panose="020B0609040504020204" pitchFamily="49" charset="0"/>
+              </a:rPr>
+              <a:t> FROM </a:t>
+            </a:r>
+            <a:r>
+              <a:rPr lang="en-US" sz="2200" dirty="0" err="1">
+                <a:solidFill>
+                  <a:schemeClr val="tx1"/>
+                </a:solidFill>
+                <a:latin typeface="Lucida Console" panose="020B0609040504020204" pitchFamily="49" charset="0"/>
+              </a:rPr>
+              <a:t>TemperatureData</a:t>
+            </a:r>
+            <a:r>
+              <a:rPr lang="en-US" sz="2200" dirty="0">
+                <a:solidFill>
+                  <a:schemeClr val="tx1"/>
+                </a:solidFill>
+                <a:latin typeface="Lucida Console" panose="020B0609040504020204" pitchFamily="49" charset="0"/>
+              </a:rPr>
+              <a:t> </a:t>
+            </a:r>
+            <a:r>
+              <a:rPr lang="en-US" sz="2200" dirty="0" smtClean="0">
+                <a:solidFill>
+                  <a:schemeClr val="tx1"/>
+                </a:solidFill>
+                <a:latin typeface="Lucida Console" panose="020B0609040504020204" pitchFamily="49" charset="0"/>
+              </a:rPr>
+              <a:t>S1 </a:t>
+            </a:r>
+            <a:r>
+              <a:rPr lang="en-US" sz="2200" dirty="0" smtClean="0">
+                <a:solidFill>
+                  <a:schemeClr val="accent1"/>
+                </a:solidFill>
+                <a:latin typeface="Lucida Console" panose="020B0609040504020204" pitchFamily="49" charset="0"/>
+              </a:rPr>
+              <a:t>TIMESTAMP BY Time</a:t>
+            </a:r>
+            <a:endParaRPr lang="en-US" sz="2200" dirty="0">
+              <a:solidFill>
+                <a:schemeClr val="accent1"/>
+              </a:solidFill>
+              <a:latin typeface="Lucida Console" panose="020B0609040504020204" pitchFamily="49" charset="0"/>
+            </a:endParaRPr>
+          </a:p>
+          <a:p>
+            <a:pPr defTabSz="914099" fontAlgn="base">
+              <a:spcBef>
+                <a:spcPct val="0"/>
+              </a:spcBef>
+              <a:spcAft>
+                <a:spcPct val="0"/>
+              </a:spcAft>
+            </a:pPr>
+            <a:r>
+              <a:rPr lang="en-US" sz="2200" dirty="0" smtClean="0">
+                <a:solidFill>
+                  <a:schemeClr val="tx1"/>
+                </a:solidFill>
+                <a:latin typeface="Lucida Console" panose="020B0609040504020204" pitchFamily="49" charset="0"/>
+              </a:rPr>
+              <a:t> JOIN </a:t>
+            </a:r>
+            <a:r>
+              <a:rPr lang="en-US" sz="2200" dirty="0" err="1">
+                <a:solidFill>
+                  <a:schemeClr val="tx1"/>
+                </a:solidFill>
+                <a:latin typeface="Lucida Console" panose="020B0609040504020204" pitchFamily="49" charset="0"/>
+              </a:rPr>
+              <a:t>VoltageData</a:t>
+            </a:r>
+            <a:r>
+              <a:rPr lang="en-US" sz="2200" dirty="0">
+                <a:solidFill>
+                  <a:schemeClr val="tx1"/>
+                </a:solidFill>
+                <a:latin typeface="Lucida Console" panose="020B0609040504020204" pitchFamily="49" charset="0"/>
+              </a:rPr>
+              <a:t> </a:t>
+            </a:r>
+            <a:r>
+              <a:rPr lang="en-US" sz="2200" dirty="0" smtClean="0">
+                <a:solidFill>
+                  <a:schemeClr val="tx1"/>
+                </a:solidFill>
+                <a:latin typeface="Lucida Console" panose="020B0609040504020204" pitchFamily="49" charset="0"/>
+              </a:rPr>
+              <a:t>S2 </a:t>
+            </a:r>
+            <a:r>
+              <a:rPr lang="en-US" sz="2200" dirty="0" smtClean="0">
+                <a:solidFill>
+                  <a:schemeClr val="accent1"/>
+                </a:solidFill>
+                <a:latin typeface="Lucida Console" panose="020B0609040504020204" pitchFamily="49" charset="0"/>
+              </a:rPr>
+              <a:t>TIMESTAMP BY Time</a:t>
+            </a:r>
+            <a:endParaRPr lang="en-US" sz="2200" dirty="0">
+              <a:solidFill>
+                <a:schemeClr val="accent1"/>
+              </a:solidFill>
+              <a:latin typeface="Lucida Console" panose="020B0609040504020204" pitchFamily="49" charset="0"/>
+            </a:endParaRPr>
+          </a:p>
+          <a:p>
+            <a:pPr defTabSz="914099" fontAlgn="base">
+              <a:spcBef>
+                <a:spcPct val="0"/>
+              </a:spcBef>
+              <a:spcAft>
+                <a:spcPct val="0"/>
+              </a:spcAft>
+            </a:pPr>
+            <a:r>
+              <a:rPr lang="en-US" sz="2200" dirty="0" smtClean="0">
+                <a:solidFill>
+                  <a:schemeClr val="tx1"/>
+                </a:solidFill>
+                <a:latin typeface="Lucida Console" panose="020B0609040504020204" pitchFamily="49" charset="0"/>
+              </a:rPr>
+              <a:t> ON </a:t>
+            </a:r>
+            <a:r>
+              <a:rPr lang="en-US" sz="2200" dirty="0">
+                <a:solidFill>
+                  <a:schemeClr val="tx1"/>
+                </a:solidFill>
+                <a:latin typeface="Lucida Console" panose="020B0609040504020204" pitchFamily="49" charset="0"/>
+              </a:rPr>
+              <a:t>S1.ID = S2.ID</a:t>
+            </a:r>
+          </a:p>
+          <a:p>
+            <a:pPr defTabSz="914099" fontAlgn="base">
+              <a:spcBef>
+                <a:spcPct val="0"/>
+              </a:spcBef>
+              <a:spcAft>
+                <a:spcPct val="0"/>
+              </a:spcAft>
+            </a:pPr>
+            <a:r>
+              <a:rPr lang="en-US" sz="2200" dirty="0" smtClean="0">
+                <a:solidFill>
+                  <a:schemeClr val="tx1"/>
+                </a:solidFill>
+                <a:latin typeface="Lucida Console" panose="020B0609040504020204" pitchFamily="49" charset="0"/>
+              </a:rPr>
+              <a:t> AND </a:t>
+            </a:r>
+            <a:r>
+              <a:rPr lang="en-US" sz="2200" dirty="0">
+                <a:solidFill>
+                  <a:schemeClr val="tx1"/>
+                </a:solidFill>
+                <a:latin typeface="Lucida Console" panose="020B0609040504020204" pitchFamily="49" charset="0"/>
+              </a:rPr>
+              <a:t>DATEDIFF(s, s1, s2) BETWEEN 0 AND </a:t>
+            </a:r>
+            <a:r>
+              <a:rPr lang="en-US" sz="2200" dirty="0" smtClean="0">
+                <a:solidFill>
+                  <a:schemeClr val="tx1"/>
+                </a:solidFill>
+                <a:latin typeface="Lucida Console" panose="020B0609040504020204" pitchFamily="49" charset="0"/>
+              </a:rPr>
+              <a:t>5</a:t>
+            </a:r>
+          </a:p>
+          <a:p>
+            <a:pPr defTabSz="914099" fontAlgn="base">
+              <a:spcBef>
+                <a:spcPct val="0"/>
+              </a:spcBef>
+              <a:spcAft>
+                <a:spcPct val="0"/>
+              </a:spcAft>
+            </a:pPr>
+            <a:r>
+              <a:rPr lang="en-US" sz="2200" dirty="0" smtClean="0">
+                <a:solidFill>
+                  <a:schemeClr val="tx1"/>
+                </a:solidFill>
+                <a:latin typeface="Lucida Console" panose="020B0609040504020204" pitchFamily="49" charset="0"/>
+              </a:rPr>
+              <a:t> WHERE </a:t>
+            </a:r>
+            <a:r>
+              <a:rPr lang="en-US" sz="2200" dirty="0">
+                <a:solidFill>
+                  <a:schemeClr val="tx1"/>
+                </a:solidFill>
+                <a:latin typeface="Lucida Console" panose="020B0609040504020204" pitchFamily="49" charset="0"/>
+              </a:rPr>
+              <a:t>S1.Temperature &gt; 150 OR S2.Voltage &gt; </a:t>
+            </a:r>
+            <a:r>
+              <a:rPr lang="en-US" sz="2200" dirty="0" smtClean="0">
+                <a:solidFill>
+                  <a:schemeClr val="tx1"/>
+                </a:solidFill>
+                <a:latin typeface="Lucida Console" panose="020B0609040504020204" pitchFamily="49" charset="0"/>
+              </a:rPr>
+              <a:t>32</a:t>
+            </a:r>
+            <a:endParaRPr lang="en-US" sz="2200" dirty="0">
+              <a:solidFill>
+                <a:schemeClr val="tx1"/>
+              </a:solidFill>
+              <a:latin typeface="Lucida Console" panose="020B0609040504020204" pitchFamily="49" charset="0"/>
+            </a:endParaRPr>
+          </a:p>
+        </p:txBody>
+      </p:sp>
+      <p:pic>
+        <p:nvPicPr>
+          <p:cNvPr id="3" name="Picture 2"/>
+          <p:cNvPicPr>
+            <a:picLocks noChangeAspect="1"/>
+          </p:cNvPicPr>
+          <p:nvPr/>
+        </p:nvPicPr>
+        <p:blipFill>
+          <a:blip r:embed="rId2"/>
+          <a:stretch>
+            <a:fillRect/>
+          </a:stretch>
+        </p:blipFill>
+        <p:spPr>
+          <a:xfrm>
+            <a:off x="876001" y="4726873"/>
+            <a:ext cx="10489346" cy="1263052"/>
+          </a:xfrm>
+          <a:prstGeom prst="rect">
+            <a:avLst/>
+          </a:prstGeom>
+          <a:ln>
+            <a:solidFill>
+              <a:schemeClr val="tx1">
+                <a:lumMod val="25000"/>
+                <a:lumOff val="75000"/>
+              </a:schemeClr>
+            </a:solidFill>
+          </a:ln>
+        </p:spPr>
+      </p:pic>
+    </p:spTree>
+    <p:extLst>
+      <p:ext uri="{BB962C8B-B14F-4D97-AF65-F5344CB8AC3E}">
+        <p14:creationId xmlns:p14="http://schemas.microsoft.com/office/powerpoint/2010/main" val="4025450887"/>
+      </p:ext>
+    </p:extLst>
+  </p:cSld>
+  <p:clrMapOvr>
+    <a:masterClrMapping/>
+  </p:clrMapOvr>
+  <p:transition>
+    <p:fade/>
+  </p:transition>
+  <p:timing>
+    <p:tnLst>
+      <p:par>
+        <p:cTn id="1" dur="indefinite" restart="never" nodeType="tmRoot"/>
+      </p:par>
+    </p:tnLst>
+  </p:timing>
+</p:sld>
+</file>
+
+<file path=ppt/slides/slide8.xml><?xml version="1.0" encoding="utf-8"?>
+<p:sld xmlns:a="http://schemas.openxmlformats.org/drawingml/2006/main" xmlns:r="http://schemas.openxmlformats.org/officeDocument/2006/relationships" xmlns:p="http://schemas.openxmlformats.org/presentationml/2006/main">
+  <p:cSld>
+    <p:spTree>
+      <p:nvGrpSpPr>
+        <p:cNvPr id="1" name=""/>
+        <p:cNvGrpSpPr/>
+        <p:nvPr/>
+      </p:nvGrpSpPr>
+      <p:grpSpPr>
+        <a:xfrm>
+          <a:off x="0" y="0"/>
+          <a:ext cx="0" cy="0"/>
+          <a:chOff x="0" y="0"/>
+          <a:chExt cx="0" cy="0"/>
+        </a:xfrm>
+      </p:grpSpPr>
+      <p:sp>
+        <p:nvSpPr>
+          <p:cNvPr id="2" name="Title 1"/>
+          <p:cNvSpPr>
+            <a:spLocks noGrp="1"/>
+          </p:cNvSpPr>
+          <p:nvPr>
+            <p:ph type="title"/>
+          </p:nvPr>
+        </p:nvSpPr>
+        <p:spPr/>
+        <p:txBody>
+          <a:bodyPr/>
+          <a:lstStyle/>
+          <a:p>
+            <a:r>
+              <a:rPr lang="en-US" dirty="0" smtClean="0"/>
+              <a:t>Windowing</a:t>
+            </a:r>
+            <a:endParaRPr lang="en-US" dirty="0"/>
+          </a:p>
+        </p:txBody>
+      </p:sp>
+      <p:sp>
+        <p:nvSpPr>
+          <p:cNvPr id="3" name="Content Placeholder 2"/>
+          <p:cNvSpPr>
+            <a:spLocks noGrp="1"/>
+          </p:cNvSpPr>
+          <p:nvPr>
+            <p:ph idx="1"/>
+          </p:nvPr>
+        </p:nvSpPr>
+        <p:spPr>
+          <a:xfrm>
+            <a:off x="519248" y="1447800"/>
+            <a:ext cx="10999818" cy="886140"/>
+          </a:xfrm>
+        </p:spPr>
+        <p:txBody>
+          <a:bodyPr/>
+          <a:lstStyle/>
+          <a:p>
+            <a:r>
+              <a:rPr lang="en-US" dirty="0" smtClean="0"/>
+              <a:t>Core requirement for stream-processing systems for counting or aggregating events in a specified time period</a:t>
+            </a:r>
+          </a:p>
+        </p:txBody>
+      </p:sp>
+      <p:cxnSp>
+        <p:nvCxnSpPr>
+          <p:cNvPr id="9" name="Straight Connector 8"/>
+          <p:cNvCxnSpPr/>
+          <p:nvPr/>
+        </p:nvCxnSpPr>
+        <p:spPr>
+          <a:xfrm>
+            <a:off x="688763" y="3313215"/>
+            <a:ext cx="2945083" cy="8905"/>
+          </a:xfrm>
+          <a:prstGeom prst="line">
+            <a:avLst/>
+          </a:prstGeom>
+          <a:ln w="38100"/>
+        </p:spPr>
+        <p:style>
+          <a:lnRef idx="1">
+            <a:schemeClr val="accent1"/>
+          </a:lnRef>
+          <a:fillRef idx="0">
+            <a:schemeClr val="accent1"/>
+          </a:fillRef>
+          <a:effectRef idx="0">
+            <a:schemeClr val="accent1"/>
+          </a:effectRef>
+          <a:fontRef idx="minor">
+            <a:schemeClr val="tx1"/>
+          </a:fontRef>
+        </p:style>
+      </p:cxnSp>
+      <p:sp>
+        <p:nvSpPr>
+          <p:cNvPr id="10" name="Rectangle 9"/>
+          <p:cNvSpPr/>
+          <p:nvPr/>
+        </p:nvSpPr>
+        <p:spPr bwMode="auto">
+          <a:xfrm>
+            <a:off x="902519" y="3247900"/>
+            <a:ext cx="95002" cy="148441"/>
+          </a:xfrm>
+          <a:prstGeom prst="rect">
+            <a:avLst/>
+          </a:prstGeom>
+          <a:solidFill>
+            <a:schemeClr val="accent2"/>
+          </a:solidFill>
+          <a:ln>
+            <a:noFill/>
+            <a:headEnd type="none" w="med" len="med"/>
+            <a:tailEnd type="none" w="med" len="med"/>
+          </a:ln>
+          <a:effectLst/>
+        </p:spPr>
+        <p:style>
+          <a:lnRef idx="1">
+            <a:schemeClr val="accent2"/>
+          </a:lnRef>
+          <a:fillRef idx="3">
+            <a:schemeClr val="accent2"/>
+          </a:fillRef>
+          <a:effectRef idx="2">
+            <a:schemeClr val="accent2"/>
+          </a:effectRef>
+          <a:fontRef idx="minor">
+            <a:schemeClr val="lt1"/>
+          </a:fontRef>
+        </p:style>
+        <p:txBody>
+          <a:bodyPr vert="horz" wrap="square" lIns="91436" tIns="45718" rIns="91436" bIns="45718" numCol="1" rtlCol="0" anchor="ctr" anchorCtr="0" compatLnSpc="1">
+            <a:prstTxWarp prst="textNoShape">
+              <a:avLst/>
+            </a:prstTxWarp>
+          </a:bodyPr>
+          <a:lstStyle/>
+          <a:p>
+            <a:pPr algn="ctr" defTabSz="914099" fontAlgn="base">
+              <a:spcBef>
+                <a:spcPct val="0"/>
+              </a:spcBef>
+              <a:spcAft>
+                <a:spcPct val="0"/>
+              </a:spcAft>
+            </a:pPr>
+            <a:endParaRPr lang="en-US" sz="2200" dirty="0" smtClean="0">
+              <a:gradFill>
+                <a:gsLst>
+                  <a:gs pos="0">
+                    <a:srgbClr val="FFFFFF"/>
+                  </a:gs>
+                  <a:gs pos="100000">
+                    <a:srgbClr val="FFFFFF"/>
+                  </a:gs>
+                </a:gsLst>
+                <a:lin ang="5400000" scaled="0"/>
+              </a:gradFill>
+            </a:endParaRPr>
+          </a:p>
+        </p:txBody>
+      </p:sp>
+      <p:sp>
+        <p:nvSpPr>
+          <p:cNvPr id="11" name="Rectangle 10"/>
+          <p:cNvSpPr/>
+          <p:nvPr/>
+        </p:nvSpPr>
+        <p:spPr bwMode="auto">
+          <a:xfrm>
+            <a:off x="1080649" y="3247900"/>
+            <a:ext cx="95002" cy="148441"/>
+          </a:xfrm>
+          <a:prstGeom prst="rect">
+            <a:avLst/>
+          </a:prstGeom>
+          <a:solidFill>
+            <a:schemeClr val="accent2"/>
+          </a:solidFill>
+          <a:ln>
+            <a:noFill/>
+            <a:headEnd type="none" w="med" len="med"/>
+            <a:tailEnd type="none" w="med" len="med"/>
+          </a:ln>
+          <a:effectLst/>
+        </p:spPr>
+        <p:style>
+          <a:lnRef idx="1">
+            <a:schemeClr val="accent2"/>
+          </a:lnRef>
+          <a:fillRef idx="3">
+            <a:schemeClr val="accent2"/>
+          </a:fillRef>
+          <a:effectRef idx="2">
+            <a:schemeClr val="accent2"/>
+          </a:effectRef>
+          <a:fontRef idx="minor">
+            <a:schemeClr val="lt1"/>
+          </a:fontRef>
+        </p:style>
+        <p:txBody>
+          <a:bodyPr vert="horz" wrap="square" lIns="91436" tIns="45718" rIns="91436" bIns="45718" numCol="1" rtlCol="0" anchor="ctr" anchorCtr="0" compatLnSpc="1">
+            <a:prstTxWarp prst="textNoShape">
+              <a:avLst/>
+            </a:prstTxWarp>
+          </a:bodyPr>
+          <a:lstStyle/>
+          <a:p>
+            <a:pPr algn="ctr" defTabSz="914099" fontAlgn="base">
+              <a:spcBef>
+                <a:spcPct val="0"/>
+              </a:spcBef>
+              <a:spcAft>
+                <a:spcPct val="0"/>
+              </a:spcAft>
+            </a:pPr>
+            <a:endParaRPr lang="en-US" sz="2200" dirty="0" smtClean="0">
+              <a:gradFill>
+                <a:gsLst>
+                  <a:gs pos="0">
+                    <a:srgbClr val="FFFFFF"/>
+                  </a:gs>
+                  <a:gs pos="100000">
+                    <a:srgbClr val="FFFFFF"/>
+                  </a:gs>
+                </a:gsLst>
+                <a:lin ang="5400000" scaled="0"/>
+              </a:gradFill>
+            </a:endParaRPr>
+          </a:p>
+        </p:txBody>
+      </p:sp>
+      <p:sp>
+        <p:nvSpPr>
+          <p:cNvPr id="12" name="Rectangle 11"/>
+          <p:cNvSpPr/>
+          <p:nvPr/>
+        </p:nvSpPr>
+        <p:spPr bwMode="auto">
+          <a:xfrm>
+            <a:off x="1258779" y="3247900"/>
+            <a:ext cx="95002" cy="148441"/>
+          </a:xfrm>
+          <a:prstGeom prst="rect">
+            <a:avLst/>
+          </a:prstGeom>
+          <a:solidFill>
+            <a:schemeClr val="accent2"/>
+          </a:solidFill>
+          <a:ln>
+            <a:noFill/>
+            <a:headEnd type="none" w="med" len="med"/>
+            <a:tailEnd type="none" w="med" len="med"/>
+          </a:ln>
+          <a:effectLst/>
+        </p:spPr>
+        <p:style>
+          <a:lnRef idx="1">
+            <a:schemeClr val="accent2"/>
+          </a:lnRef>
+          <a:fillRef idx="3">
+            <a:schemeClr val="accent2"/>
+          </a:fillRef>
+          <a:effectRef idx="2">
+            <a:schemeClr val="accent2"/>
+          </a:effectRef>
+          <a:fontRef idx="minor">
+            <a:schemeClr val="lt1"/>
+          </a:fontRef>
+        </p:style>
+        <p:txBody>
+          <a:bodyPr vert="horz" wrap="square" lIns="91436" tIns="45718" rIns="91436" bIns="45718" numCol="1" rtlCol="0" anchor="ctr" anchorCtr="0" compatLnSpc="1">
+            <a:prstTxWarp prst="textNoShape">
+              <a:avLst/>
+            </a:prstTxWarp>
+          </a:bodyPr>
+          <a:lstStyle/>
+          <a:p>
+            <a:pPr algn="ctr" defTabSz="914099" fontAlgn="base">
+              <a:spcBef>
+                <a:spcPct val="0"/>
+              </a:spcBef>
+              <a:spcAft>
+                <a:spcPct val="0"/>
+              </a:spcAft>
+            </a:pPr>
+            <a:endParaRPr lang="en-US" sz="2200" dirty="0" smtClean="0">
+              <a:gradFill>
+                <a:gsLst>
+                  <a:gs pos="0">
+                    <a:srgbClr val="FFFFFF"/>
+                  </a:gs>
+                  <a:gs pos="100000">
+                    <a:srgbClr val="FFFFFF"/>
+                  </a:gs>
+                </a:gsLst>
+                <a:lin ang="5400000" scaled="0"/>
+              </a:gradFill>
+            </a:endParaRPr>
+          </a:p>
+        </p:txBody>
+      </p:sp>
+      <p:sp>
+        <p:nvSpPr>
+          <p:cNvPr id="13" name="Rectangle 12"/>
+          <p:cNvSpPr/>
+          <p:nvPr/>
+        </p:nvSpPr>
+        <p:spPr bwMode="auto">
+          <a:xfrm>
+            <a:off x="2636317" y="3247900"/>
+            <a:ext cx="95002" cy="148441"/>
+          </a:xfrm>
+          <a:prstGeom prst="rect">
+            <a:avLst/>
+          </a:prstGeom>
+          <a:solidFill>
+            <a:schemeClr val="accent2"/>
+          </a:solidFill>
+          <a:ln>
+            <a:noFill/>
+            <a:headEnd type="none" w="med" len="med"/>
+            <a:tailEnd type="none" w="med" len="med"/>
+          </a:ln>
+          <a:effectLst/>
+        </p:spPr>
+        <p:style>
+          <a:lnRef idx="1">
+            <a:schemeClr val="accent2"/>
+          </a:lnRef>
+          <a:fillRef idx="3">
+            <a:schemeClr val="accent2"/>
+          </a:fillRef>
+          <a:effectRef idx="2">
+            <a:schemeClr val="accent2"/>
+          </a:effectRef>
+          <a:fontRef idx="minor">
+            <a:schemeClr val="lt1"/>
+          </a:fontRef>
+        </p:style>
+        <p:txBody>
+          <a:bodyPr vert="horz" wrap="square" lIns="91436" tIns="45718" rIns="91436" bIns="45718" numCol="1" rtlCol="0" anchor="ctr" anchorCtr="0" compatLnSpc="1">
+            <a:prstTxWarp prst="textNoShape">
+              <a:avLst/>
+            </a:prstTxWarp>
+          </a:bodyPr>
+          <a:lstStyle/>
+          <a:p>
+            <a:pPr algn="ctr" defTabSz="914099" fontAlgn="base">
+              <a:spcBef>
+                <a:spcPct val="0"/>
+              </a:spcBef>
+              <a:spcAft>
+                <a:spcPct val="0"/>
+              </a:spcAft>
+            </a:pPr>
+            <a:endParaRPr lang="en-US" sz="2200" dirty="0" smtClean="0">
+              <a:gradFill>
+                <a:gsLst>
+                  <a:gs pos="0">
+                    <a:srgbClr val="FFFFFF"/>
+                  </a:gs>
+                  <a:gs pos="100000">
+                    <a:srgbClr val="FFFFFF"/>
+                  </a:gs>
+                </a:gsLst>
+                <a:lin ang="5400000" scaled="0"/>
+              </a:gradFill>
+            </a:endParaRPr>
+          </a:p>
+        </p:txBody>
+      </p:sp>
+      <p:sp>
+        <p:nvSpPr>
+          <p:cNvPr id="14" name="Rectangle 13"/>
+          <p:cNvSpPr/>
+          <p:nvPr/>
+        </p:nvSpPr>
+        <p:spPr bwMode="auto">
+          <a:xfrm>
+            <a:off x="2826323" y="3247900"/>
+            <a:ext cx="95002" cy="148441"/>
+          </a:xfrm>
+          <a:prstGeom prst="rect">
+            <a:avLst/>
+          </a:prstGeom>
+          <a:solidFill>
+            <a:schemeClr val="accent2"/>
+          </a:solidFill>
+          <a:ln>
+            <a:noFill/>
+            <a:headEnd type="none" w="med" len="med"/>
+            <a:tailEnd type="none" w="med" len="med"/>
+          </a:ln>
+          <a:effectLst/>
+        </p:spPr>
+        <p:style>
+          <a:lnRef idx="1">
+            <a:schemeClr val="accent2"/>
+          </a:lnRef>
+          <a:fillRef idx="3">
+            <a:schemeClr val="accent2"/>
+          </a:fillRef>
+          <a:effectRef idx="2">
+            <a:schemeClr val="accent2"/>
+          </a:effectRef>
+          <a:fontRef idx="minor">
+            <a:schemeClr val="lt1"/>
+          </a:fontRef>
+        </p:style>
+        <p:txBody>
+          <a:bodyPr vert="horz" wrap="square" lIns="91436" tIns="45718" rIns="91436" bIns="45718" numCol="1" rtlCol="0" anchor="ctr" anchorCtr="0" compatLnSpc="1">
+            <a:prstTxWarp prst="textNoShape">
+              <a:avLst/>
+            </a:prstTxWarp>
+          </a:bodyPr>
+          <a:lstStyle/>
+          <a:p>
+            <a:pPr algn="ctr" defTabSz="914099" fontAlgn="base">
+              <a:spcBef>
+                <a:spcPct val="0"/>
+              </a:spcBef>
+              <a:spcAft>
+                <a:spcPct val="0"/>
+              </a:spcAft>
+            </a:pPr>
+            <a:endParaRPr lang="en-US" sz="2200" dirty="0" smtClean="0">
+              <a:gradFill>
+                <a:gsLst>
+                  <a:gs pos="0">
+                    <a:srgbClr val="FFFFFF"/>
+                  </a:gs>
+                  <a:gs pos="100000">
+                    <a:srgbClr val="FFFFFF"/>
+                  </a:gs>
+                </a:gsLst>
+                <a:lin ang="5400000" scaled="0"/>
+              </a:gradFill>
+            </a:endParaRPr>
+          </a:p>
+        </p:txBody>
+      </p:sp>
+      <p:sp>
+        <p:nvSpPr>
+          <p:cNvPr id="15" name="Rectangle 14"/>
+          <p:cNvSpPr/>
+          <p:nvPr/>
+        </p:nvSpPr>
+        <p:spPr bwMode="auto">
+          <a:xfrm>
+            <a:off x="688762" y="3681350"/>
+            <a:ext cx="1472542" cy="866899"/>
+          </a:xfrm>
+          <a:prstGeom prst="rect">
+            <a:avLst/>
+          </a:prstGeom>
+          <a:noFill/>
+          <a:ln w="38100">
+            <a:solidFill>
+              <a:srgbClr val="00AEEF"/>
+            </a:solidFill>
+            <a:headEnd type="none" w="med" len="med"/>
+            <a:tailEnd type="none" w="med" len="med"/>
+          </a:ln>
+          <a:effectLst/>
+        </p:spPr>
+        <p:style>
+          <a:lnRef idx="1">
+            <a:schemeClr val="accent2"/>
+          </a:lnRef>
+          <a:fillRef idx="3">
+            <a:schemeClr val="accent2"/>
+          </a:fillRef>
+          <a:effectRef idx="2">
+            <a:schemeClr val="accent2"/>
+          </a:effectRef>
+          <a:fontRef idx="minor">
+            <a:schemeClr val="lt1"/>
+          </a:fontRef>
+        </p:style>
+        <p:txBody>
+          <a:bodyPr vert="horz" wrap="square" lIns="91436" tIns="45718" rIns="91436" bIns="45718" numCol="1" rtlCol="0" anchor="ctr" anchorCtr="0" compatLnSpc="1">
+            <a:prstTxWarp prst="textNoShape">
+              <a:avLst/>
+            </a:prstTxWarp>
+          </a:bodyPr>
+          <a:lstStyle/>
+          <a:p>
+            <a:pPr algn="ctr" defTabSz="914099" fontAlgn="base">
+              <a:spcBef>
+                <a:spcPct val="0"/>
+              </a:spcBef>
+              <a:spcAft>
+                <a:spcPct val="0"/>
+              </a:spcAft>
+            </a:pPr>
+            <a:endParaRPr lang="en-US" sz="2200" dirty="0" smtClean="0">
+              <a:gradFill>
+                <a:gsLst>
+                  <a:gs pos="0">
+                    <a:srgbClr val="FFFFFF"/>
+                  </a:gs>
+                  <a:gs pos="100000">
+                    <a:srgbClr val="FFFFFF"/>
+                  </a:gs>
+                </a:gsLst>
+                <a:lin ang="5400000" scaled="0"/>
+              </a:gradFill>
+            </a:endParaRPr>
+          </a:p>
+        </p:txBody>
+      </p:sp>
+      <p:sp>
+        <p:nvSpPr>
+          <p:cNvPr id="17" name="Rectangle 16"/>
+          <p:cNvSpPr/>
+          <p:nvPr/>
+        </p:nvSpPr>
+        <p:spPr bwMode="auto">
+          <a:xfrm>
+            <a:off x="2161304" y="4548248"/>
+            <a:ext cx="1472542" cy="866899"/>
+          </a:xfrm>
+          <a:prstGeom prst="rect">
+            <a:avLst/>
+          </a:prstGeom>
+          <a:noFill/>
+          <a:ln w="38100">
+            <a:solidFill>
+              <a:srgbClr val="00AEEF"/>
+            </a:solidFill>
+            <a:headEnd type="none" w="med" len="med"/>
+            <a:tailEnd type="none" w="med" len="med"/>
+          </a:ln>
+          <a:effectLst/>
+        </p:spPr>
+        <p:style>
+          <a:lnRef idx="1">
+            <a:schemeClr val="accent2"/>
+          </a:lnRef>
+          <a:fillRef idx="3">
+            <a:schemeClr val="accent2"/>
+          </a:fillRef>
+          <a:effectRef idx="2">
+            <a:schemeClr val="accent2"/>
+          </a:effectRef>
+          <a:fontRef idx="minor">
+            <a:schemeClr val="lt1"/>
+          </a:fontRef>
+        </p:style>
+        <p:txBody>
+          <a:bodyPr vert="horz" wrap="square" lIns="91436" tIns="45718" rIns="91436" bIns="45718" numCol="1" rtlCol="0" anchor="ctr" anchorCtr="0" compatLnSpc="1">
+            <a:prstTxWarp prst="textNoShape">
+              <a:avLst/>
+            </a:prstTxWarp>
+          </a:bodyPr>
+          <a:lstStyle/>
+          <a:p>
+            <a:pPr algn="ctr" defTabSz="914099" fontAlgn="base">
+              <a:spcBef>
+                <a:spcPct val="0"/>
+              </a:spcBef>
+              <a:spcAft>
+                <a:spcPct val="0"/>
+              </a:spcAft>
+            </a:pPr>
+            <a:endParaRPr lang="en-US" sz="2200" dirty="0">
+              <a:gradFill>
+                <a:gsLst>
+                  <a:gs pos="0">
+                    <a:srgbClr val="FFFFFF"/>
+                  </a:gs>
+                  <a:gs pos="100000">
+                    <a:srgbClr val="FFFFFF"/>
+                  </a:gs>
+                </a:gsLst>
+                <a:lin ang="5400000" scaled="0"/>
+              </a:gradFill>
+            </a:endParaRPr>
+          </a:p>
+        </p:txBody>
+      </p:sp>
+      <p:sp>
+        <p:nvSpPr>
+          <p:cNvPr id="20" name="Rectangle 19"/>
+          <p:cNvSpPr/>
+          <p:nvPr/>
+        </p:nvSpPr>
+        <p:spPr bwMode="auto">
+          <a:xfrm>
+            <a:off x="902519" y="4006249"/>
+            <a:ext cx="95002" cy="148441"/>
+          </a:xfrm>
+          <a:prstGeom prst="rect">
+            <a:avLst/>
+          </a:prstGeom>
+          <a:solidFill>
+            <a:schemeClr val="accent2"/>
+          </a:solidFill>
+          <a:ln>
+            <a:noFill/>
+            <a:headEnd type="none" w="med" len="med"/>
+            <a:tailEnd type="none" w="med" len="med"/>
+          </a:ln>
+          <a:effectLst/>
+        </p:spPr>
+        <p:style>
+          <a:lnRef idx="1">
+            <a:schemeClr val="accent2"/>
+          </a:lnRef>
+          <a:fillRef idx="3">
+            <a:schemeClr val="accent2"/>
+          </a:fillRef>
+          <a:effectRef idx="2">
+            <a:schemeClr val="accent2"/>
+          </a:effectRef>
+          <a:fontRef idx="minor">
+            <a:schemeClr val="lt1"/>
+          </a:fontRef>
+        </p:style>
+        <p:txBody>
+          <a:bodyPr vert="horz" wrap="square" lIns="91436" tIns="45718" rIns="91436" bIns="45718" numCol="1" rtlCol="0" anchor="ctr" anchorCtr="0" compatLnSpc="1">
+            <a:prstTxWarp prst="textNoShape">
+              <a:avLst/>
+            </a:prstTxWarp>
+          </a:bodyPr>
+          <a:lstStyle/>
+          <a:p>
+            <a:pPr algn="ctr" defTabSz="914099" fontAlgn="base">
+              <a:spcBef>
+                <a:spcPct val="0"/>
+              </a:spcBef>
+              <a:spcAft>
+                <a:spcPct val="0"/>
+              </a:spcAft>
+            </a:pPr>
+            <a:endParaRPr lang="en-US" sz="2200" dirty="0" smtClean="0">
+              <a:gradFill>
+                <a:gsLst>
+                  <a:gs pos="0">
+                    <a:srgbClr val="FFFFFF"/>
+                  </a:gs>
+                  <a:gs pos="100000">
+                    <a:srgbClr val="FFFFFF"/>
+                  </a:gs>
+                </a:gsLst>
+                <a:lin ang="5400000" scaled="0"/>
+              </a:gradFill>
+            </a:endParaRPr>
+          </a:p>
+        </p:txBody>
+      </p:sp>
+      <p:sp>
+        <p:nvSpPr>
+          <p:cNvPr id="21" name="Rectangle 20"/>
+          <p:cNvSpPr/>
+          <p:nvPr/>
+        </p:nvSpPr>
+        <p:spPr bwMode="auto">
+          <a:xfrm>
+            <a:off x="1080649" y="4006249"/>
+            <a:ext cx="95002" cy="148441"/>
+          </a:xfrm>
+          <a:prstGeom prst="rect">
+            <a:avLst/>
+          </a:prstGeom>
+          <a:solidFill>
+            <a:schemeClr val="accent2"/>
+          </a:solidFill>
+          <a:ln>
+            <a:noFill/>
+            <a:headEnd type="none" w="med" len="med"/>
+            <a:tailEnd type="none" w="med" len="med"/>
+          </a:ln>
+          <a:effectLst/>
+        </p:spPr>
+        <p:style>
+          <a:lnRef idx="1">
+            <a:schemeClr val="accent2"/>
+          </a:lnRef>
+          <a:fillRef idx="3">
+            <a:schemeClr val="accent2"/>
+          </a:fillRef>
+          <a:effectRef idx="2">
+            <a:schemeClr val="accent2"/>
+          </a:effectRef>
+          <a:fontRef idx="minor">
+            <a:schemeClr val="lt1"/>
+          </a:fontRef>
+        </p:style>
+        <p:txBody>
+          <a:bodyPr vert="horz" wrap="square" lIns="91436" tIns="45718" rIns="91436" bIns="45718" numCol="1" rtlCol="0" anchor="ctr" anchorCtr="0" compatLnSpc="1">
+            <a:prstTxWarp prst="textNoShape">
+              <a:avLst/>
+            </a:prstTxWarp>
+          </a:bodyPr>
+          <a:lstStyle/>
+          <a:p>
+            <a:pPr algn="ctr" defTabSz="914099" fontAlgn="base">
+              <a:spcBef>
+                <a:spcPct val="0"/>
+              </a:spcBef>
+              <a:spcAft>
+                <a:spcPct val="0"/>
+              </a:spcAft>
+            </a:pPr>
+            <a:endParaRPr lang="en-US" sz="2200" dirty="0" smtClean="0">
+              <a:gradFill>
+                <a:gsLst>
+                  <a:gs pos="0">
+                    <a:srgbClr val="FFFFFF"/>
+                  </a:gs>
+                  <a:gs pos="100000">
+                    <a:srgbClr val="FFFFFF"/>
+                  </a:gs>
+                </a:gsLst>
+                <a:lin ang="5400000" scaled="0"/>
+              </a:gradFill>
+            </a:endParaRPr>
+          </a:p>
+        </p:txBody>
+      </p:sp>
+      <p:sp>
+        <p:nvSpPr>
+          <p:cNvPr id="22" name="Rectangle 21"/>
+          <p:cNvSpPr/>
+          <p:nvPr/>
+        </p:nvSpPr>
+        <p:spPr bwMode="auto">
+          <a:xfrm>
+            <a:off x="1258779" y="4006249"/>
+            <a:ext cx="95002" cy="148441"/>
+          </a:xfrm>
+          <a:prstGeom prst="rect">
+            <a:avLst/>
+          </a:prstGeom>
+          <a:solidFill>
+            <a:schemeClr val="accent2"/>
+          </a:solidFill>
+          <a:ln>
+            <a:noFill/>
+            <a:headEnd type="none" w="med" len="med"/>
+            <a:tailEnd type="none" w="med" len="med"/>
+          </a:ln>
+          <a:effectLst/>
+        </p:spPr>
+        <p:style>
+          <a:lnRef idx="1">
+            <a:schemeClr val="accent2"/>
+          </a:lnRef>
+          <a:fillRef idx="3">
+            <a:schemeClr val="accent2"/>
+          </a:fillRef>
+          <a:effectRef idx="2">
+            <a:schemeClr val="accent2"/>
+          </a:effectRef>
+          <a:fontRef idx="minor">
+            <a:schemeClr val="lt1"/>
+          </a:fontRef>
+        </p:style>
+        <p:txBody>
+          <a:bodyPr vert="horz" wrap="square" lIns="91436" tIns="45718" rIns="91436" bIns="45718" numCol="1" rtlCol="0" anchor="ctr" anchorCtr="0" compatLnSpc="1">
+            <a:prstTxWarp prst="textNoShape">
+              <a:avLst/>
+            </a:prstTxWarp>
+          </a:bodyPr>
+          <a:lstStyle/>
+          <a:p>
+            <a:pPr algn="ctr" defTabSz="914099" fontAlgn="base">
+              <a:spcBef>
+                <a:spcPct val="0"/>
+              </a:spcBef>
+              <a:spcAft>
+                <a:spcPct val="0"/>
+              </a:spcAft>
+            </a:pPr>
+            <a:endParaRPr lang="en-US" sz="2200" dirty="0" smtClean="0">
+              <a:gradFill>
+                <a:gsLst>
+                  <a:gs pos="0">
+                    <a:srgbClr val="FFFFFF"/>
+                  </a:gs>
+                  <a:gs pos="100000">
+                    <a:srgbClr val="FFFFFF"/>
+                  </a:gs>
+                </a:gsLst>
+                <a:lin ang="5400000" scaled="0"/>
+              </a:gradFill>
+            </a:endParaRPr>
+          </a:p>
+        </p:txBody>
+      </p:sp>
+      <p:sp>
+        <p:nvSpPr>
+          <p:cNvPr id="23" name="Rectangle 22"/>
+          <p:cNvSpPr/>
+          <p:nvPr/>
+        </p:nvSpPr>
+        <p:spPr bwMode="auto">
+          <a:xfrm>
+            <a:off x="2636317" y="4873148"/>
+            <a:ext cx="95002" cy="148441"/>
+          </a:xfrm>
+          <a:prstGeom prst="rect">
+            <a:avLst/>
+          </a:prstGeom>
+          <a:solidFill>
+            <a:schemeClr val="accent2"/>
+          </a:solidFill>
+          <a:ln>
+            <a:noFill/>
+            <a:headEnd type="none" w="med" len="med"/>
+            <a:tailEnd type="none" w="med" len="med"/>
+          </a:ln>
+          <a:effectLst/>
+        </p:spPr>
+        <p:style>
+          <a:lnRef idx="1">
+            <a:schemeClr val="accent2"/>
+          </a:lnRef>
+          <a:fillRef idx="3">
+            <a:schemeClr val="accent2"/>
+          </a:fillRef>
+          <a:effectRef idx="2">
+            <a:schemeClr val="accent2"/>
+          </a:effectRef>
+          <a:fontRef idx="minor">
+            <a:schemeClr val="lt1"/>
+          </a:fontRef>
+        </p:style>
+        <p:txBody>
+          <a:bodyPr vert="horz" wrap="square" lIns="91436" tIns="45718" rIns="91436" bIns="45718" numCol="1" rtlCol="0" anchor="ctr" anchorCtr="0" compatLnSpc="1">
+            <a:prstTxWarp prst="textNoShape">
+              <a:avLst/>
+            </a:prstTxWarp>
+          </a:bodyPr>
+          <a:lstStyle/>
+          <a:p>
+            <a:pPr algn="ctr" defTabSz="914099" fontAlgn="base">
+              <a:spcBef>
+                <a:spcPct val="0"/>
+              </a:spcBef>
+              <a:spcAft>
+                <a:spcPct val="0"/>
+              </a:spcAft>
+            </a:pPr>
+            <a:endParaRPr lang="en-US" sz="2200" dirty="0" smtClean="0">
+              <a:gradFill>
+                <a:gsLst>
+                  <a:gs pos="0">
+                    <a:srgbClr val="FFFFFF"/>
+                  </a:gs>
+                  <a:gs pos="100000">
+                    <a:srgbClr val="FFFFFF"/>
+                  </a:gs>
+                </a:gsLst>
+                <a:lin ang="5400000" scaled="0"/>
+              </a:gradFill>
+            </a:endParaRPr>
+          </a:p>
+        </p:txBody>
+      </p:sp>
+      <p:sp>
+        <p:nvSpPr>
+          <p:cNvPr id="24" name="Rectangle 23"/>
+          <p:cNvSpPr/>
+          <p:nvPr/>
+        </p:nvSpPr>
+        <p:spPr bwMode="auto">
+          <a:xfrm>
+            <a:off x="2826323" y="4873148"/>
+            <a:ext cx="95002" cy="148441"/>
+          </a:xfrm>
+          <a:prstGeom prst="rect">
+            <a:avLst/>
+          </a:prstGeom>
+          <a:solidFill>
+            <a:schemeClr val="accent2"/>
+          </a:solidFill>
+          <a:ln>
+            <a:noFill/>
+            <a:headEnd type="none" w="med" len="med"/>
+            <a:tailEnd type="none" w="med" len="med"/>
+          </a:ln>
+          <a:effectLst/>
+        </p:spPr>
+        <p:style>
+          <a:lnRef idx="1">
+            <a:schemeClr val="accent2"/>
+          </a:lnRef>
+          <a:fillRef idx="3">
+            <a:schemeClr val="accent2"/>
+          </a:fillRef>
+          <a:effectRef idx="2">
+            <a:schemeClr val="accent2"/>
+          </a:effectRef>
+          <a:fontRef idx="minor">
+            <a:schemeClr val="lt1"/>
+          </a:fontRef>
+        </p:style>
+        <p:txBody>
+          <a:bodyPr vert="horz" wrap="square" lIns="91436" tIns="45718" rIns="91436" bIns="45718" numCol="1" rtlCol="0" anchor="ctr" anchorCtr="0" compatLnSpc="1">
+            <a:prstTxWarp prst="textNoShape">
+              <a:avLst/>
+            </a:prstTxWarp>
+          </a:bodyPr>
+          <a:lstStyle/>
+          <a:p>
+            <a:pPr algn="ctr" defTabSz="914099" fontAlgn="base">
+              <a:spcBef>
+                <a:spcPct val="0"/>
+              </a:spcBef>
+              <a:spcAft>
+                <a:spcPct val="0"/>
+              </a:spcAft>
+            </a:pPr>
+            <a:endParaRPr lang="en-US" sz="2200" dirty="0" smtClean="0">
+              <a:gradFill>
+                <a:gsLst>
+                  <a:gs pos="0">
+                    <a:srgbClr val="FFFFFF"/>
+                  </a:gs>
+                  <a:gs pos="100000">
+                    <a:srgbClr val="FFFFFF"/>
+                  </a:gs>
+                </a:gsLst>
+                <a:lin ang="5400000" scaled="0"/>
+              </a:gradFill>
+            </a:endParaRPr>
+          </a:p>
+        </p:txBody>
+      </p:sp>
+      <p:sp>
+        <p:nvSpPr>
+          <p:cNvPr id="25" name="TextBox 24"/>
+          <p:cNvSpPr txBox="1"/>
+          <p:nvPr/>
+        </p:nvSpPr>
+        <p:spPr>
+          <a:xfrm>
+            <a:off x="688762" y="2666899"/>
+            <a:ext cx="2945084" cy="387798"/>
+          </a:xfrm>
+          <a:prstGeom prst="rect">
+            <a:avLst/>
+          </a:prstGeom>
+          <a:noFill/>
+        </p:spPr>
+        <p:txBody>
+          <a:bodyPr wrap="square" lIns="0" tIns="0" rIns="0" bIns="0" rtlCol="0">
+            <a:spAutoFit/>
+          </a:bodyPr>
+          <a:lstStyle/>
+          <a:p>
+            <a:pPr algn="ctr">
+              <a:lnSpc>
+                <a:spcPct val="90000"/>
+              </a:lnSpc>
+              <a:spcBef>
+                <a:spcPct val="20000"/>
+              </a:spcBef>
+              <a:buSzPct val="80000"/>
+            </a:pPr>
+            <a:r>
+              <a:rPr lang="en-US" sz="2800" dirty="0" smtClean="0">
+                <a:solidFill>
+                  <a:schemeClr val="accent1"/>
+                </a:solidFill>
+              </a:rPr>
+              <a:t>Tumbling Window</a:t>
+            </a:r>
+            <a:endParaRPr lang="en-US" sz="2800" dirty="0">
+              <a:solidFill>
+                <a:schemeClr val="accent1"/>
+              </a:solidFill>
+            </a:endParaRPr>
+          </a:p>
+        </p:txBody>
+      </p:sp>
+      <p:cxnSp>
+        <p:nvCxnSpPr>
+          <p:cNvPr id="26" name="Straight Connector 25"/>
+          <p:cNvCxnSpPr/>
+          <p:nvPr/>
+        </p:nvCxnSpPr>
+        <p:spPr>
+          <a:xfrm>
+            <a:off x="4441370" y="3313215"/>
+            <a:ext cx="2945083" cy="8905"/>
+          </a:xfrm>
+          <a:prstGeom prst="line">
+            <a:avLst/>
+          </a:prstGeom>
+          <a:ln w="38100"/>
+        </p:spPr>
+        <p:style>
+          <a:lnRef idx="1">
+            <a:schemeClr val="accent1"/>
+          </a:lnRef>
+          <a:fillRef idx="0">
+            <a:schemeClr val="accent1"/>
+          </a:fillRef>
+          <a:effectRef idx="0">
+            <a:schemeClr val="accent1"/>
+          </a:effectRef>
+          <a:fontRef idx="minor">
+            <a:schemeClr val="tx1"/>
+          </a:fontRef>
+        </p:style>
+      </p:cxnSp>
+      <p:sp>
+        <p:nvSpPr>
+          <p:cNvPr id="27" name="Rectangle 26"/>
+          <p:cNvSpPr/>
+          <p:nvPr/>
+        </p:nvSpPr>
+        <p:spPr bwMode="auto">
+          <a:xfrm>
+            <a:off x="4655126" y="3247900"/>
+            <a:ext cx="95002" cy="148441"/>
+          </a:xfrm>
+          <a:prstGeom prst="rect">
+            <a:avLst/>
+          </a:prstGeom>
+          <a:solidFill>
+            <a:schemeClr val="accent2"/>
+          </a:solidFill>
+          <a:ln>
+            <a:noFill/>
+            <a:headEnd type="none" w="med" len="med"/>
+            <a:tailEnd type="none" w="med" len="med"/>
+          </a:ln>
+          <a:effectLst/>
+        </p:spPr>
+        <p:style>
+          <a:lnRef idx="1">
+            <a:schemeClr val="accent2"/>
+          </a:lnRef>
+          <a:fillRef idx="3">
+            <a:schemeClr val="accent2"/>
+          </a:fillRef>
+          <a:effectRef idx="2">
+            <a:schemeClr val="accent2"/>
+          </a:effectRef>
+          <a:fontRef idx="minor">
+            <a:schemeClr val="lt1"/>
+          </a:fontRef>
+        </p:style>
+        <p:txBody>
+          <a:bodyPr vert="horz" wrap="square" lIns="91436" tIns="45718" rIns="91436" bIns="45718" numCol="1" rtlCol="0" anchor="ctr" anchorCtr="0" compatLnSpc="1">
+            <a:prstTxWarp prst="textNoShape">
+              <a:avLst/>
+            </a:prstTxWarp>
+          </a:bodyPr>
+          <a:lstStyle/>
+          <a:p>
+            <a:pPr algn="ctr" defTabSz="914099" fontAlgn="base">
+              <a:spcBef>
+                <a:spcPct val="0"/>
+              </a:spcBef>
+              <a:spcAft>
+                <a:spcPct val="0"/>
+              </a:spcAft>
+            </a:pPr>
+            <a:endParaRPr lang="en-US" sz="2200" dirty="0" smtClean="0">
+              <a:gradFill>
+                <a:gsLst>
+                  <a:gs pos="0">
+                    <a:srgbClr val="FFFFFF"/>
+                  </a:gs>
+                  <a:gs pos="100000">
+                    <a:srgbClr val="FFFFFF"/>
+                  </a:gs>
+                </a:gsLst>
+                <a:lin ang="5400000" scaled="0"/>
+              </a:gradFill>
+            </a:endParaRPr>
+          </a:p>
+        </p:txBody>
+      </p:sp>
+      <p:sp>
+        <p:nvSpPr>
+          <p:cNvPr id="28" name="Rectangle 27"/>
+          <p:cNvSpPr/>
+          <p:nvPr/>
+        </p:nvSpPr>
+        <p:spPr bwMode="auto">
+          <a:xfrm>
+            <a:off x="4833256" y="3247900"/>
+            <a:ext cx="95002" cy="148441"/>
+          </a:xfrm>
+          <a:prstGeom prst="rect">
+            <a:avLst/>
+          </a:prstGeom>
+          <a:solidFill>
+            <a:schemeClr val="accent2"/>
+          </a:solidFill>
+          <a:ln>
+            <a:noFill/>
+            <a:headEnd type="none" w="med" len="med"/>
+            <a:tailEnd type="none" w="med" len="med"/>
+          </a:ln>
+          <a:effectLst/>
+        </p:spPr>
+        <p:style>
+          <a:lnRef idx="1">
+            <a:schemeClr val="accent2"/>
+          </a:lnRef>
+          <a:fillRef idx="3">
+            <a:schemeClr val="accent2"/>
+          </a:fillRef>
+          <a:effectRef idx="2">
+            <a:schemeClr val="accent2"/>
+          </a:effectRef>
+          <a:fontRef idx="minor">
+            <a:schemeClr val="lt1"/>
+          </a:fontRef>
+        </p:style>
+        <p:txBody>
+          <a:bodyPr vert="horz" wrap="square" lIns="91436" tIns="45718" rIns="91436" bIns="45718" numCol="1" rtlCol="0" anchor="ctr" anchorCtr="0" compatLnSpc="1">
+            <a:prstTxWarp prst="textNoShape">
+              <a:avLst/>
+            </a:prstTxWarp>
+          </a:bodyPr>
+          <a:lstStyle/>
+          <a:p>
+            <a:pPr algn="ctr" defTabSz="914099" fontAlgn="base">
+              <a:spcBef>
+                <a:spcPct val="0"/>
+              </a:spcBef>
+              <a:spcAft>
+                <a:spcPct val="0"/>
+              </a:spcAft>
+            </a:pPr>
+            <a:endParaRPr lang="en-US" sz="2200" dirty="0" smtClean="0">
+              <a:gradFill>
+                <a:gsLst>
+                  <a:gs pos="0">
+                    <a:srgbClr val="FFFFFF"/>
+                  </a:gs>
+                  <a:gs pos="100000">
+                    <a:srgbClr val="FFFFFF"/>
+                  </a:gs>
+                </a:gsLst>
+                <a:lin ang="5400000" scaled="0"/>
+              </a:gradFill>
+            </a:endParaRPr>
+          </a:p>
+        </p:txBody>
+      </p:sp>
+      <p:sp>
+        <p:nvSpPr>
+          <p:cNvPr id="29" name="Rectangle 28"/>
+          <p:cNvSpPr/>
+          <p:nvPr/>
+        </p:nvSpPr>
+        <p:spPr bwMode="auto">
+          <a:xfrm>
+            <a:off x="5011386" y="3247900"/>
+            <a:ext cx="95002" cy="148441"/>
+          </a:xfrm>
+          <a:prstGeom prst="rect">
+            <a:avLst/>
+          </a:prstGeom>
+          <a:solidFill>
+            <a:schemeClr val="accent2"/>
+          </a:solidFill>
+          <a:ln>
+            <a:noFill/>
+            <a:headEnd type="none" w="med" len="med"/>
+            <a:tailEnd type="none" w="med" len="med"/>
+          </a:ln>
+          <a:effectLst/>
+        </p:spPr>
+        <p:style>
+          <a:lnRef idx="1">
+            <a:schemeClr val="accent2"/>
+          </a:lnRef>
+          <a:fillRef idx="3">
+            <a:schemeClr val="accent2"/>
+          </a:fillRef>
+          <a:effectRef idx="2">
+            <a:schemeClr val="accent2"/>
+          </a:effectRef>
+          <a:fontRef idx="minor">
+            <a:schemeClr val="lt1"/>
+          </a:fontRef>
+        </p:style>
+        <p:txBody>
+          <a:bodyPr vert="horz" wrap="square" lIns="91436" tIns="45718" rIns="91436" bIns="45718" numCol="1" rtlCol="0" anchor="ctr" anchorCtr="0" compatLnSpc="1">
+            <a:prstTxWarp prst="textNoShape">
+              <a:avLst/>
+            </a:prstTxWarp>
+          </a:bodyPr>
+          <a:lstStyle/>
+          <a:p>
+            <a:pPr algn="ctr" defTabSz="914099" fontAlgn="base">
+              <a:spcBef>
+                <a:spcPct val="0"/>
+              </a:spcBef>
+              <a:spcAft>
+                <a:spcPct val="0"/>
+              </a:spcAft>
+            </a:pPr>
+            <a:endParaRPr lang="en-US" sz="2200" dirty="0" smtClean="0">
+              <a:gradFill>
+                <a:gsLst>
+                  <a:gs pos="0">
+                    <a:srgbClr val="FFFFFF"/>
+                  </a:gs>
+                  <a:gs pos="100000">
+                    <a:srgbClr val="FFFFFF"/>
+                  </a:gs>
+                </a:gsLst>
+                <a:lin ang="5400000" scaled="0"/>
+              </a:gradFill>
+            </a:endParaRPr>
+          </a:p>
+        </p:txBody>
+      </p:sp>
+      <p:sp>
+        <p:nvSpPr>
+          <p:cNvPr id="30" name="Rectangle 29"/>
+          <p:cNvSpPr/>
+          <p:nvPr/>
+        </p:nvSpPr>
+        <p:spPr bwMode="auto">
+          <a:xfrm>
+            <a:off x="6388924" y="3247900"/>
+            <a:ext cx="95002" cy="148441"/>
+          </a:xfrm>
+          <a:prstGeom prst="rect">
+            <a:avLst/>
+          </a:prstGeom>
+          <a:solidFill>
+            <a:schemeClr val="accent2"/>
+          </a:solidFill>
+          <a:ln>
+            <a:noFill/>
+            <a:headEnd type="none" w="med" len="med"/>
+            <a:tailEnd type="none" w="med" len="med"/>
+          </a:ln>
+          <a:effectLst/>
+        </p:spPr>
+        <p:style>
+          <a:lnRef idx="1">
+            <a:schemeClr val="accent2"/>
+          </a:lnRef>
+          <a:fillRef idx="3">
+            <a:schemeClr val="accent2"/>
+          </a:fillRef>
+          <a:effectRef idx="2">
+            <a:schemeClr val="accent2"/>
+          </a:effectRef>
+          <a:fontRef idx="minor">
+            <a:schemeClr val="lt1"/>
+          </a:fontRef>
+        </p:style>
+        <p:txBody>
+          <a:bodyPr vert="horz" wrap="square" lIns="91436" tIns="45718" rIns="91436" bIns="45718" numCol="1" rtlCol="0" anchor="ctr" anchorCtr="0" compatLnSpc="1">
+            <a:prstTxWarp prst="textNoShape">
+              <a:avLst/>
+            </a:prstTxWarp>
+          </a:bodyPr>
+          <a:lstStyle/>
+          <a:p>
+            <a:pPr algn="ctr" defTabSz="914099" fontAlgn="base">
+              <a:spcBef>
+                <a:spcPct val="0"/>
+              </a:spcBef>
+              <a:spcAft>
+                <a:spcPct val="0"/>
+              </a:spcAft>
+            </a:pPr>
+            <a:endParaRPr lang="en-US" sz="2200" dirty="0" smtClean="0">
+              <a:gradFill>
+                <a:gsLst>
+                  <a:gs pos="0">
+                    <a:srgbClr val="FFFFFF"/>
+                  </a:gs>
+                  <a:gs pos="100000">
+                    <a:srgbClr val="FFFFFF"/>
+                  </a:gs>
+                </a:gsLst>
+                <a:lin ang="5400000" scaled="0"/>
+              </a:gradFill>
+            </a:endParaRPr>
+          </a:p>
+        </p:txBody>
+      </p:sp>
+      <p:sp>
+        <p:nvSpPr>
+          <p:cNvPr id="31" name="Rectangle 30"/>
+          <p:cNvSpPr/>
+          <p:nvPr/>
+        </p:nvSpPr>
+        <p:spPr bwMode="auto">
+          <a:xfrm>
+            <a:off x="6578930" y="3247900"/>
+            <a:ext cx="95002" cy="148441"/>
+          </a:xfrm>
+          <a:prstGeom prst="rect">
+            <a:avLst/>
+          </a:prstGeom>
+          <a:solidFill>
+            <a:schemeClr val="accent2"/>
+          </a:solidFill>
+          <a:ln>
+            <a:noFill/>
+            <a:headEnd type="none" w="med" len="med"/>
+            <a:tailEnd type="none" w="med" len="med"/>
+          </a:ln>
+          <a:effectLst/>
+        </p:spPr>
+        <p:style>
+          <a:lnRef idx="1">
+            <a:schemeClr val="accent2"/>
+          </a:lnRef>
+          <a:fillRef idx="3">
+            <a:schemeClr val="accent2"/>
+          </a:fillRef>
+          <a:effectRef idx="2">
+            <a:schemeClr val="accent2"/>
+          </a:effectRef>
+          <a:fontRef idx="minor">
+            <a:schemeClr val="lt1"/>
+          </a:fontRef>
+        </p:style>
+        <p:txBody>
+          <a:bodyPr vert="horz" wrap="square" lIns="91436" tIns="45718" rIns="91436" bIns="45718" numCol="1" rtlCol="0" anchor="ctr" anchorCtr="0" compatLnSpc="1">
+            <a:prstTxWarp prst="textNoShape">
+              <a:avLst/>
+            </a:prstTxWarp>
+          </a:bodyPr>
+          <a:lstStyle/>
+          <a:p>
+            <a:pPr algn="ctr" defTabSz="914099" fontAlgn="base">
+              <a:spcBef>
+                <a:spcPct val="0"/>
+              </a:spcBef>
+              <a:spcAft>
+                <a:spcPct val="0"/>
+              </a:spcAft>
+            </a:pPr>
+            <a:endParaRPr lang="en-US" sz="2200" dirty="0" smtClean="0">
+              <a:gradFill>
+                <a:gsLst>
+                  <a:gs pos="0">
+                    <a:srgbClr val="FFFFFF"/>
+                  </a:gs>
+                  <a:gs pos="100000">
+                    <a:srgbClr val="FFFFFF"/>
+                  </a:gs>
+                </a:gsLst>
+                <a:lin ang="5400000" scaled="0"/>
+              </a:gradFill>
+            </a:endParaRPr>
+          </a:p>
+        </p:txBody>
+      </p:sp>
+      <p:sp>
+        <p:nvSpPr>
+          <p:cNvPr id="32" name="Rectangle 31"/>
+          <p:cNvSpPr/>
+          <p:nvPr/>
+        </p:nvSpPr>
+        <p:spPr bwMode="auto">
+          <a:xfrm>
+            <a:off x="4441369" y="3681350"/>
+            <a:ext cx="1472542" cy="866899"/>
+          </a:xfrm>
+          <a:prstGeom prst="rect">
+            <a:avLst/>
+          </a:prstGeom>
+          <a:noFill/>
+          <a:ln w="38100">
+            <a:solidFill>
+              <a:srgbClr val="00AEEF"/>
+            </a:solidFill>
+            <a:headEnd type="none" w="med" len="med"/>
+            <a:tailEnd type="none" w="med" len="med"/>
+          </a:ln>
+          <a:effectLst/>
+        </p:spPr>
+        <p:style>
+          <a:lnRef idx="1">
+            <a:schemeClr val="accent2"/>
+          </a:lnRef>
+          <a:fillRef idx="3">
+            <a:schemeClr val="accent2"/>
+          </a:fillRef>
+          <a:effectRef idx="2">
+            <a:schemeClr val="accent2"/>
+          </a:effectRef>
+          <a:fontRef idx="minor">
+            <a:schemeClr val="lt1"/>
+          </a:fontRef>
+        </p:style>
+        <p:txBody>
+          <a:bodyPr vert="horz" wrap="square" lIns="91436" tIns="45718" rIns="91436" bIns="45718" numCol="1" rtlCol="0" anchor="ctr" anchorCtr="0" compatLnSpc="1">
+            <a:prstTxWarp prst="textNoShape">
+              <a:avLst/>
+            </a:prstTxWarp>
+          </a:bodyPr>
+          <a:lstStyle/>
+          <a:p>
+            <a:pPr algn="ctr" defTabSz="914099" fontAlgn="base">
+              <a:spcBef>
+                <a:spcPct val="0"/>
+              </a:spcBef>
+              <a:spcAft>
+                <a:spcPct val="0"/>
+              </a:spcAft>
+            </a:pPr>
+            <a:endParaRPr lang="en-US" sz="2200" dirty="0" smtClean="0">
+              <a:gradFill>
+                <a:gsLst>
+                  <a:gs pos="0">
+                    <a:srgbClr val="FFFFFF"/>
+                  </a:gs>
+                  <a:gs pos="100000">
+                    <a:srgbClr val="FFFFFF"/>
+                  </a:gs>
+                </a:gsLst>
+                <a:lin ang="5400000" scaled="0"/>
+              </a:gradFill>
+            </a:endParaRPr>
+          </a:p>
+        </p:txBody>
+      </p:sp>
+      <p:sp>
+        <p:nvSpPr>
+          <p:cNvPr id="33" name="Rectangle 32"/>
+          <p:cNvSpPr/>
+          <p:nvPr/>
+        </p:nvSpPr>
+        <p:spPr bwMode="auto">
+          <a:xfrm>
+            <a:off x="5913911" y="5429613"/>
+            <a:ext cx="1472542" cy="866899"/>
+          </a:xfrm>
+          <a:prstGeom prst="rect">
+            <a:avLst/>
+          </a:prstGeom>
+          <a:noFill/>
+          <a:ln w="38100">
+            <a:solidFill>
+              <a:srgbClr val="00AEEF"/>
+            </a:solidFill>
+            <a:headEnd type="none" w="med" len="med"/>
+            <a:tailEnd type="none" w="med" len="med"/>
+          </a:ln>
+          <a:effectLst/>
+        </p:spPr>
+        <p:style>
+          <a:lnRef idx="1">
+            <a:schemeClr val="accent2"/>
+          </a:lnRef>
+          <a:fillRef idx="3">
+            <a:schemeClr val="accent2"/>
+          </a:fillRef>
+          <a:effectRef idx="2">
+            <a:schemeClr val="accent2"/>
+          </a:effectRef>
+          <a:fontRef idx="minor">
+            <a:schemeClr val="lt1"/>
+          </a:fontRef>
+        </p:style>
+        <p:txBody>
+          <a:bodyPr vert="horz" wrap="square" lIns="91436" tIns="45718" rIns="91436" bIns="45718" numCol="1" rtlCol="0" anchor="ctr" anchorCtr="0" compatLnSpc="1">
+            <a:prstTxWarp prst="textNoShape">
+              <a:avLst/>
+            </a:prstTxWarp>
+          </a:bodyPr>
+          <a:lstStyle/>
+          <a:p>
+            <a:pPr algn="ctr" defTabSz="914099" fontAlgn="base">
+              <a:spcBef>
+                <a:spcPct val="0"/>
+              </a:spcBef>
+              <a:spcAft>
+                <a:spcPct val="0"/>
+              </a:spcAft>
+            </a:pPr>
+            <a:endParaRPr lang="en-US" sz="2200" dirty="0">
+              <a:gradFill>
+                <a:gsLst>
+                  <a:gs pos="0">
+                    <a:srgbClr val="FFFFFF"/>
+                  </a:gs>
+                  <a:gs pos="100000">
+                    <a:srgbClr val="FFFFFF"/>
+                  </a:gs>
+                </a:gsLst>
+                <a:lin ang="5400000" scaled="0"/>
+              </a:gradFill>
+            </a:endParaRPr>
+          </a:p>
+        </p:txBody>
+      </p:sp>
+      <p:sp>
+        <p:nvSpPr>
+          <p:cNvPr id="34" name="Rectangle 33"/>
+          <p:cNvSpPr/>
+          <p:nvPr/>
+        </p:nvSpPr>
+        <p:spPr bwMode="auto">
+          <a:xfrm>
+            <a:off x="4655126" y="4006249"/>
+            <a:ext cx="95002" cy="148441"/>
+          </a:xfrm>
+          <a:prstGeom prst="rect">
+            <a:avLst/>
+          </a:prstGeom>
+          <a:solidFill>
+            <a:schemeClr val="accent2"/>
+          </a:solidFill>
+          <a:ln>
+            <a:noFill/>
+            <a:headEnd type="none" w="med" len="med"/>
+            <a:tailEnd type="none" w="med" len="med"/>
+          </a:ln>
+          <a:effectLst/>
+        </p:spPr>
+        <p:style>
+          <a:lnRef idx="1">
+            <a:schemeClr val="accent2"/>
+          </a:lnRef>
+          <a:fillRef idx="3">
+            <a:schemeClr val="accent2"/>
+          </a:fillRef>
+          <a:effectRef idx="2">
+            <a:schemeClr val="accent2"/>
+          </a:effectRef>
+          <a:fontRef idx="minor">
+            <a:schemeClr val="lt1"/>
+          </a:fontRef>
+        </p:style>
+        <p:txBody>
+          <a:bodyPr vert="horz" wrap="square" lIns="91436" tIns="45718" rIns="91436" bIns="45718" numCol="1" rtlCol="0" anchor="ctr" anchorCtr="0" compatLnSpc="1">
+            <a:prstTxWarp prst="textNoShape">
+              <a:avLst/>
+            </a:prstTxWarp>
+          </a:bodyPr>
+          <a:lstStyle/>
+          <a:p>
+            <a:pPr algn="ctr" defTabSz="914099" fontAlgn="base">
+              <a:spcBef>
+                <a:spcPct val="0"/>
+              </a:spcBef>
+              <a:spcAft>
+                <a:spcPct val="0"/>
+              </a:spcAft>
+            </a:pPr>
+            <a:endParaRPr lang="en-US" sz="2200" dirty="0" smtClean="0">
+              <a:gradFill>
+                <a:gsLst>
+                  <a:gs pos="0">
+                    <a:srgbClr val="FFFFFF"/>
+                  </a:gs>
+                  <a:gs pos="100000">
+                    <a:srgbClr val="FFFFFF"/>
+                  </a:gs>
+                </a:gsLst>
+                <a:lin ang="5400000" scaled="0"/>
+              </a:gradFill>
+            </a:endParaRPr>
+          </a:p>
+        </p:txBody>
+      </p:sp>
+      <p:sp>
+        <p:nvSpPr>
+          <p:cNvPr id="35" name="Rectangle 34"/>
+          <p:cNvSpPr/>
+          <p:nvPr/>
+        </p:nvSpPr>
+        <p:spPr bwMode="auto">
+          <a:xfrm>
+            <a:off x="4833256" y="4006249"/>
+            <a:ext cx="95002" cy="148441"/>
+          </a:xfrm>
+          <a:prstGeom prst="rect">
+            <a:avLst/>
+          </a:prstGeom>
+          <a:solidFill>
+            <a:schemeClr val="accent2"/>
+          </a:solidFill>
+          <a:ln>
+            <a:noFill/>
+            <a:headEnd type="none" w="med" len="med"/>
+            <a:tailEnd type="none" w="med" len="med"/>
+          </a:ln>
+          <a:effectLst/>
+        </p:spPr>
+        <p:style>
+          <a:lnRef idx="1">
+            <a:schemeClr val="accent2"/>
+          </a:lnRef>
+          <a:fillRef idx="3">
+            <a:schemeClr val="accent2"/>
+          </a:fillRef>
+          <a:effectRef idx="2">
+            <a:schemeClr val="accent2"/>
+          </a:effectRef>
+          <a:fontRef idx="minor">
+            <a:schemeClr val="lt1"/>
+          </a:fontRef>
+        </p:style>
+        <p:txBody>
+          <a:bodyPr vert="horz" wrap="square" lIns="91436" tIns="45718" rIns="91436" bIns="45718" numCol="1" rtlCol="0" anchor="ctr" anchorCtr="0" compatLnSpc="1">
+            <a:prstTxWarp prst="textNoShape">
+              <a:avLst/>
+            </a:prstTxWarp>
+          </a:bodyPr>
+          <a:lstStyle/>
+          <a:p>
+            <a:pPr algn="ctr" defTabSz="914099" fontAlgn="base">
+              <a:spcBef>
+                <a:spcPct val="0"/>
+              </a:spcBef>
+              <a:spcAft>
+                <a:spcPct val="0"/>
+              </a:spcAft>
+            </a:pPr>
+            <a:endParaRPr lang="en-US" sz="2200" dirty="0" smtClean="0">
+              <a:gradFill>
+                <a:gsLst>
+                  <a:gs pos="0">
+                    <a:srgbClr val="FFFFFF"/>
+                  </a:gs>
+                  <a:gs pos="100000">
+                    <a:srgbClr val="FFFFFF"/>
+                  </a:gs>
+                </a:gsLst>
+                <a:lin ang="5400000" scaled="0"/>
+              </a:gradFill>
+            </a:endParaRPr>
+          </a:p>
+        </p:txBody>
+      </p:sp>
+      <p:sp>
+        <p:nvSpPr>
+          <p:cNvPr id="36" name="Rectangle 35"/>
+          <p:cNvSpPr/>
+          <p:nvPr/>
+        </p:nvSpPr>
+        <p:spPr bwMode="auto">
+          <a:xfrm>
+            <a:off x="5011386" y="4006249"/>
+            <a:ext cx="95002" cy="148441"/>
+          </a:xfrm>
+          <a:prstGeom prst="rect">
+            <a:avLst/>
+          </a:prstGeom>
+          <a:solidFill>
+            <a:schemeClr val="accent2"/>
+          </a:solidFill>
+          <a:ln>
+            <a:noFill/>
+            <a:headEnd type="none" w="med" len="med"/>
+            <a:tailEnd type="none" w="med" len="med"/>
+          </a:ln>
+          <a:effectLst/>
+        </p:spPr>
+        <p:style>
+          <a:lnRef idx="1">
+            <a:schemeClr val="accent2"/>
+          </a:lnRef>
+          <a:fillRef idx="3">
+            <a:schemeClr val="accent2"/>
+          </a:fillRef>
+          <a:effectRef idx="2">
+            <a:schemeClr val="accent2"/>
+          </a:effectRef>
+          <a:fontRef idx="minor">
+            <a:schemeClr val="lt1"/>
+          </a:fontRef>
+        </p:style>
+        <p:txBody>
+          <a:bodyPr vert="horz" wrap="square" lIns="91436" tIns="45718" rIns="91436" bIns="45718" numCol="1" rtlCol="0" anchor="ctr" anchorCtr="0" compatLnSpc="1">
+            <a:prstTxWarp prst="textNoShape">
+              <a:avLst/>
+            </a:prstTxWarp>
+          </a:bodyPr>
+          <a:lstStyle/>
+          <a:p>
+            <a:pPr algn="ctr" defTabSz="914099" fontAlgn="base">
+              <a:spcBef>
+                <a:spcPct val="0"/>
+              </a:spcBef>
+              <a:spcAft>
+                <a:spcPct val="0"/>
+              </a:spcAft>
+            </a:pPr>
+            <a:endParaRPr lang="en-US" sz="2200" dirty="0" smtClean="0">
+              <a:gradFill>
+                <a:gsLst>
+                  <a:gs pos="0">
+                    <a:srgbClr val="FFFFFF"/>
+                  </a:gs>
+                  <a:gs pos="100000">
+                    <a:srgbClr val="FFFFFF"/>
+                  </a:gs>
+                </a:gsLst>
+                <a:lin ang="5400000" scaled="0"/>
+              </a:gradFill>
+            </a:endParaRPr>
+          </a:p>
+        </p:txBody>
+      </p:sp>
+      <p:sp>
+        <p:nvSpPr>
+          <p:cNvPr id="39" name="TextBox 38"/>
+          <p:cNvSpPr txBox="1"/>
+          <p:nvPr/>
+        </p:nvSpPr>
+        <p:spPr>
+          <a:xfrm>
+            <a:off x="4441369" y="2666899"/>
+            <a:ext cx="2945084" cy="387798"/>
+          </a:xfrm>
+          <a:prstGeom prst="rect">
+            <a:avLst/>
+          </a:prstGeom>
+          <a:noFill/>
+        </p:spPr>
+        <p:txBody>
+          <a:bodyPr wrap="square" lIns="0" tIns="0" rIns="0" bIns="0" rtlCol="0">
+            <a:spAutoFit/>
+          </a:bodyPr>
+          <a:lstStyle/>
+          <a:p>
+            <a:pPr algn="ctr">
+              <a:lnSpc>
+                <a:spcPct val="90000"/>
+              </a:lnSpc>
+              <a:spcBef>
+                <a:spcPct val="20000"/>
+              </a:spcBef>
+              <a:buSzPct val="80000"/>
+            </a:pPr>
+            <a:r>
+              <a:rPr lang="en-US" sz="2800" dirty="0" smtClean="0">
+                <a:solidFill>
+                  <a:schemeClr val="accent1"/>
+                </a:solidFill>
+              </a:rPr>
+              <a:t>Hopping Window</a:t>
+            </a:r>
+            <a:endParaRPr lang="en-US" sz="2800" dirty="0">
+              <a:solidFill>
+                <a:schemeClr val="accent1"/>
+              </a:solidFill>
+            </a:endParaRPr>
+          </a:p>
+        </p:txBody>
+      </p:sp>
+      <p:cxnSp>
+        <p:nvCxnSpPr>
+          <p:cNvPr id="40" name="Straight Connector 39"/>
+          <p:cNvCxnSpPr/>
+          <p:nvPr/>
+        </p:nvCxnSpPr>
+        <p:spPr>
+          <a:xfrm>
+            <a:off x="8098970" y="3313215"/>
+            <a:ext cx="2945083" cy="8905"/>
+          </a:xfrm>
+          <a:prstGeom prst="line">
+            <a:avLst/>
+          </a:prstGeom>
+          <a:ln w="38100"/>
+        </p:spPr>
+        <p:style>
+          <a:lnRef idx="1">
+            <a:schemeClr val="accent1"/>
+          </a:lnRef>
+          <a:fillRef idx="0">
+            <a:schemeClr val="accent1"/>
+          </a:fillRef>
+          <a:effectRef idx="0">
+            <a:schemeClr val="accent1"/>
+          </a:effectRef>
+          <a:fontRef idx="minor">
+            <a:schemeClr val="tx1"/>
+          </a:fontRef>
+        </p:style>
+      </p:cxnSp>
+      <p:sp>
+        <p:nvSpPr>
+          <p:cNvPr id="41" name="Rectangle 40"/>
+          <p:cNvSpPr/>
+          <p:nvPr/>
+        </p:nvSpPr>
+        <p:spPr bwMode="auto">
+          <a:xfrm>
+            <a:off x="8312726" y="3247900"/>
+            <a:ext cx="95002" cy="148441"/>
+          </a:xfrm>
+          <a:prstGeom prst="rect">
+            <a:avLst/>
+          </a:prstGeom>
+          <a:solidFill>
+            <a:schemeClr val="accent2"/>
+          </a:solidFill>
+          <a:ln>
+            <a:noFill/>
+            <a:headEnd type="none" w="med" len="med"/>
+            <a:tailEnd type="none" w="med" len="med"/>
+          </a:ln>
+          <a:effectLst/>
+        </p:spPr>
+        <p:style>
+          <a:lnRef idx="1">
+            <a:schemeClr val="accent2"/>
+          </a:lnRef>
+          <a:fillRef idx="3">
+            <a:schemeClr val="accent2"/>
+          </a:fillRef>
+          <a:effectRef idx="2">
+            <a:schemeClr val="accent2"/>
+          </a:effectRef>
+          <a:fontRef idx="minor">
+            <a:schemeClr val="lt1"/>
+          </a:fontRef>
+        </p:style>
+        <p:txBody>
+          <a:bodyPr vert="horz" wrap="square" lIns="91436" tIns="45718" rIns="91436" bIns="45718" numCol="1" rtlCol="0" anchor="ctr" anchorCtr="0" compatLnSpc="1">
+            <a:prstTxWarp prst="textNoShape">
+              <a:avLst/>
+            </a:prstTxWarp>
+          </a:bodyPr>
+          <a:lstStyle/>
+          <a:p>
+            <a:pPr algn="ctr" defTabSz="914099" fontAlgn="base">
+              <a:spcBef>
+                <a:spcPct val="0"/>
+              </a:spcBef>
+              <a:spcAft>
+                <a:spcPct val="0"/>
+              </a:spcAft>
+            </a:pPr>
+            <a:endParaRPr lang="en-US" sz="2200" dirty="0" smtClean="0">
+              <a:gradFill>
+                <a:gsLst>
+                  <a:gs pos="0">
+                    <a:srgbClr val="FFFFFF"/>
+                  </a:gs>
+                  <a:gs pos="100000">
+                    <a:srgbClr val="FFFFFF"/>
+                  </a:gs>
+                </a:gsLst>
+                <a:lin ang="5400000" scaled="0"/>
+              </a:gradFill>
+            </a:endParaRPr>
+          </a:p>
+        </p:txBody>
+      </p:sp>
+      <p:sp>
+        <p:nvSpPr>
+          <p:cNvPr id="42" name="Rectangle 41"/>
+          <p:cNvSpPr/>
+          <p:nvPr/>
+        </p:nvSpPr>
+        <p:spPr bwMode="auto">
+          <a:xfrm>
+            <a:off x="8490856" y="3247900"/>
+            <a:ext cx="95002" cy="148441"/>
+          </a:xfrm>
+          <a:prstGeom prst="rect">
+            <a:avLst/>
+          </a:prstGeom>
+          <a:solidFill>
+            <a:schemeClr val="accent2"/>
+          </a:solidFill>
+          <a:ln>
+            <a:noFill/>
+            <a:headEnd type="none" w="med" len="med"/>
+            <a:tailEnd type="none" w="med" len="med"/>
+          </a:ln>
+          <a:effectLst/>
+        </p:spPr>
+        <p:style>
+          <a:lnRef idx="1">
+            <a:schemeClr val="accent2"/>
+          </a:lnRef>
+          <a:fillRef idx="3">
+            <a:schemeClr val="accent2"/>
+          </a:fillRef>
+          <a:effectRef idx="2">
+            <a:schemeClr val="accent2"/>
+          </a:effectRef>
+          <a:fontRef idx="minor">
+            <a:schemeClr val="lt1"/>
+          </a:fontRef>
+        </p:style>
+        <p:txBody>
+          <a:bodyPr vert="horz" wrap="square" lIns="91436" tIns="45718" rIns="91436" bIns="45718" numCol="1" rtlCol="0" anchor="ctr" anchorCtr="0" compatLnSpc="1">
+            <a:prstTxWarp prst="textNoShape">
+              <a:avLst/>
+            </a:prstTxWarp>
+          </a:bodyPr>
+          <a:lstStyle/>
+          <a:p>
+            <a:pPr algn="ctr" defTabSz="914099" fontAlgn="base">
+              <a:spcBef>
+                <a:spcPct val="0"/>
+              </a:spcBef>
+              <a:spcAft>
+                <a:spcPct val="0"/>
+              </a:spcAft>
+            </a:pPr>
+            <a:endParaRPr lang="en-US" sz="2200" dirty="0" smtClean="0">
+              <a:gradFill>
+                <a:gsLst>
+                  <a:gs pos="0">
+                    <a:srgbClr val="FFFFFF"/>
+                  </a:gs>
+                  <a:gs pos="100000">
+                    <a:srgbClr val="FFFFFF"/>
+                  </a:gs>
+                </a:gsLst>
+                <a:lin ang="5400000" scaled="0"/>
+              </a:gradFill>
+            </a:endParaRPr>
+          </a:p>
+        </p:txBody>
+      </p:sp>
+      <p:sp>
+        <p:nvSpPr>
+          <p:cNvPr id="43" name="Rectangle 42"/>
+          <p:cNvSpPr/>
+          <p:nvPr/>
+        </p:nvSpPr>
+        <p:spPr bwMode="auto">
+          <a:xfrm>
+            <a:off x="8668986" y="3247900"/>
+            <a:ext cx="95002" cy="148441"/>
+          </a:xfrm>
+          <a:prstGeom prst="rect">
+            <a:avLst/>
+          </a:prstGeom>
+          <a:solidFill>
+            <a:schemeClr val="accent2"/>
+          </a:solidFill>
+          <a:ln>
+            <a:noFill/>
+            <a:headEnd type="none" w="med" len="med"/>
+            <a:tailEnd type="none" w="med" len="med"/>
+          </a:ln>
+          <a:effectLst/>
+        </p:spPr>
+        <p:style>
+          <a:lnRef idx="1">
+            <a:schemeClr val="accent2"/>
+          </a:lnRef>
+          <a:fillRef idx="3">
+            <a:schemeClr val="accent2"/>
+          </a:fillRef>
+          <a:effectRef idx="2">
+            <a:schemeClr val="accent2"/>
+          </a:effectRef>
+          <a:fontRef idx="minor">
+            <a:schemeClr val="lt1"/>
+          </a:fontRef>
+        </p:style>
+        <p:txBody>
+          <a:bodyPr vert="horz" wrap="square" lIns="91436" tIns="45718" rIns="91436" bIns="45718" numCol="1" rtlCol="0" anchor="ctr" anchorCtr="0" compatLnSpc="1">
+            <a:prstTxWarp prst="textNoShape">
+              <a:avLst/>
+            </a:prstTxWarp>
+          </a:bodyPr>
+          <a:lstStyle/>
+          <a:p>
+            <a:pPr algn="ctr" defTabSz="914099" fontAlgn="base">
+              <a:spcBef>
+                <a:spcPct val="0"/>
+              </a:spcBef>
+              <a:spcAft>
+                <a:spcPct val="0"/>
+              </a:spcAft>
+            </a:pPr>
+            <a:endParaRPr lang="en-US" sz="2200" dirty="0" smtClean="0">
+              <a:gradFill>
+                <a:gsLst>
+                  <a:gs pos="0">
+                    <a:srgbClr val="FFFFFF"/>
+                  </a:gs>
+                  <a:gs pos="100000">
+                    <a:srgbClr val="FFFFFF"/>
+                  </a:gs>
+                </a:gsLst>
+                <a:lin ang="5400000" scaled="0"/>
+              </a:gradFill>
+            </a:endParaRPr>
+          </a:p>
+        </p:txBody>
+      </p:sp>
+      <p:sp>
+        <p:nvSpPr>
+          <p:cNvPr id="44" name="Rectangle 43"/>
+          <p:cNvSpPr/>
+          <p:nvPr/>
+        </p:nvSpPr>
+        <p:spPr bwMode="auto">
+          <a:xfrm>
+            <a:off x="10046524" y="3247900"/>
+            <a:ext cx="95002" cy="148441"/>
+          </a:xfrm>
+          <a:prstGeom prst="rect">
+            <a:avLst/>
+          </a:prstGeom>
+          <a:solidFill>
+            <a:schemeClr val="accent2"/>
+          </a:solidFill>
+          <a:ln>
+            <a:noFill/>
+            <a:headEnd type="none" w="med" len="med"/>
+            <a:tailEnd type="none" w="med" len="med"/>
+          </a:ln>
+          <a:effectLst/>
+        </p:spPr>
+        <p:style>
+          <a:lnRef idx="1">
+            <a:schemeClr val="accent2"/>
+          </a:lnRef>
+          <a:fillRef idx="3">
+            <a:schemeClr val="accent2"/>
+          </a:fillRef>
+          <a:effectRef idx="2">
+            <a:schemeClr val="accent2"/>
+          </a:effectRef>
+          <a:fontRef idx="minor">
+            <a:schemeClr val="lt1"/>
+          </a:fontRef>
+        </p:style>
+        <p:txBody>
+          <a:bodyPr vert="horz" wrap="square" lIns="91436" tIns="45718" rIns="91436" bIns="45718" numCol="1" rtlCol="0" anchor="ctr" anchorCtr="0" compatLnSpc="1">
+            <a:prstTxWarp prst="textNoShape">
+              <a:avLst/>
+            </a:prstTxWarp>
+          </a:bodyPr>
+          <a:lstStyle/>
+          <a:p>
+            <a:pPr algn="ctr" defTabSz="914099" fontAlgn="base">
+              <a:spcBef>
+                <a:spcPct val="0"/>
+              </a:spcBef>
+              <a:spcAft>
+                <a:spcPct val="0"/>
+              </a:spcAft>
+            </a:pPr>
+            <a:endParaRPr lang="en-US" sz="2200" dirty="0" smtClean="0">
+              <a:gradFill>
+                <a:gsLst>
+                  <a:gs pos="0">
+                    <a:srgbClr val="FFFFFF"/>
+                  </a:gs>
+                  <a:gs pos="100000">
+                    <a:srgbClr val="FFFFFF"/>
+                  </a:gs>
+                </a:gsLst>
+                <a:lin ang="5400000" scaled="0"/>
+              </a:gradFill>
+            </a:endParaRPr>
+          </a:p>
+        </p:txBody>
+      </p:sp>
+      <p:sp>
+        <p:nvSpPr>
+          <p:cNvPr id="45" name="Rectangle 44"/>
+          <p:cNvSpPr/>
+          <p:nvPr/>
+        </p:nvSpPr>
+        <p:spPr bwMode="auto">
+          <a:xfrm>
+            <a:off x="10236530" y="3247900"/>
+            <a:ext cx="95002" cy="148441"/>
+          </a:xfrm>
+          <a:prstGeom prst="rect">
+            <a:avLst/>
+          </a:prstGeom>
+          <a:solidFill>
+            <a:schemeClr val="accent2"/>
+          </a:solidFill>
+          <a:ln>
+            <a:noFill/>
+            <a:headEnd type="none" w="med" len="med"/>
+            <a:tailEnd type="none" w="med" len="med"/>
+          </a:ln>
+          <a:effectLst/>
+        </p:spPr>
+        <p:style>
+          <a:lnRef idx="1">
+            <a:schemeClr val="accent2"/>
+          </a:lnRef>
+          <a:fillRef idx="3">
+            <a:schemeClr val="accent2"/>
+          </a:fillRef>
+          <a:effectRef idx="2">
+            <a:schemeClr val="accent2"/>
+          </a:effectRef>
+          <a:fontRef idx="minor">
+            <a:schemeClr val="lt1"/>
+          </a:fontRef>
+        </p:style>
+        <p:txBody>
+          <a:bodyPr vert="horz" wrap="square" lIns="91436" tIns="45718" rIns="91436" bIns="45718" numCol="1" rtlCol="0" anchor="ctr" anchorCtr="0" compatLnSpc="1">
+            <a:prstTxWarp prst="textNoShape">
+              <a:avLst/>
+            </a:prstTxWarp>
+          </a:bodyPr>
+          <a:lstStyle/>
+          <a:p>
+            <a:pPr algn="ctr" defTabSz="914099" fontAlgn="base">
+              <a:spcBef>
+                <a:spcPct val="0"/>
+              </a:spcBef>
+              <a:spcAft>
+                <a:spcPct val="0"/>
+              </a:spcAft>
+            </a:pPr>
+            <a:endParaRPr lang="en-US" sz="2200" dirty="0" smtClean="0">
+              <a:gradFill>
+                <a:gsLst>
+                  <a:gs pos="0">
+                    <a:srgbClr val="FFFFFF"/>
+                  </a:gs>
+                  <a:gs pos="100000">
+                    <a:srgbClr val="FFFFFF"/>
+                  </a:gs>
+                </a:gsLst>
+                <a:lin ang="5400000" scaled="0"/>
+              </a:gradFill>
+            </a:endParaRPr>
+          </a:p>
+        </p:txBody>
+      </p:sp>
+      <p:sp>
+        <p:nvSpPr>
+          <p:cNvPr id="46" name="Rectangle 45"/>
+          <p:cNvSpPr/>
+          <p:nvPr/>
+        </p:nvSpPr>
+        <p:spPr bwMode="auto">
+          <a:xfrm>
+            <a:off x="8312730" y="3681350"/>
+            <a:ext cx="1472542" cy="866899"/>
+          </a:xfrm>
+          <a:prstGeom prst="rect">
+            <a:avLst/>
+          </a:prstGeom>
+          <a:noFill/>
+          <a:ln w="38100">
+            <a:solidFill>
+              <a:srgbClr val="00AEEF"/>
+            </a:solidFill>
+            <a:headEnd type="none" w="med" len="med"/>
+            <a:tailEnd type="none" w="med" len="med"/>
+          </a:ln>
+          <a:effectLst/>
+        </p:spPr>
+        <p:style>
+          <a:lnRef idx="1">
+            <a:schemeClr val="accent2"/>
+          </a:lnRef>
+          <a:fillRef idx="3">
+            <a:schemeClr val="accent2"/>
+          </a:fillRef>
+          <a:effectRef idx="2">
+            <a:schemeClr val="accent2"/>
+          </a:effectRef>
+          <a:fontRef idx="minor">
+            <a:schemeClr val="lt1"/>
+          </a:fontRef>
+        </p:style>
+        <p:txBody>
+          <a:bodyPr vert="horz" wrap="square" lIns="91436" tIns="45718" rIns="91436" bIns="45718" numCol="1" rtlCol="0" anchor="ctr" anchorCtr="0" compatLnSpc="1">
+            <a:prstTxWarp prst="textNoShape">
+              <a:avLst/>
+            </a:prstTxWarp>
+          </a:bodyPr>
+          <a:lstStyle/>
+          <a:p>
+            <a:pPr algn="ctr" defTabSz="914099" fontAlgn="base">
+              <a:spcBef>
+                <a:spcPct val="0"/>
+              </a:spcBef>
+              <a:spcAft>
+                <a:spcPct val="0"/>
+              </a:spcAft>
+            </a:pPr>
+            <a:endParaRPr lang="en-US" sz="2200" dirty="0" smtClean="0">
+              <a:gradFill>
+                <a:gsLst>
+                  <a:gs pos="0">
+                    <a:srgbClr val="FFFFFF"/>
+                  </a:gs>
+                  <a:gs pos="100000">
+                    <a:srgbClr val="FFFFFF"/>
+                  </a:gs>
+                </a:gsLst>
+                <a:lin ang="5400000" scaled="0"/>
+              </a:gradFill>
+            </a:endParaRPr>
+          </a:p>
+        </p:txBody>
+      </p:sp>
+      <p:sp>
+        <p:nvSpPr>
+          <p:cNvPr id="47" name="Rectangle 46"/>
+          <p:cNvSpPr/>
+          <p:nvPr/>
+        </p:nvSpPr>
+        <p:spPr bwMode="auto">
+          <a:xfrm>
+            <a:off x="10046524" y="4548248"/>
+            <a:ext cx="1472542" cy="866899"/>
+          </a:xfrm>
+          <a:prstGeom prst="rect">
+            <a:avLst/>
+          </a:prstGeom>
+          <a:noFill/>
+          <a:ln w="38100">
+            <a:solidFill>
+              <a:srgbClr val="00AEEF"/>
+            </a:solidFill>
+            <a:headEnd type="none" w="med" len="med"/>
+            <a:tailEnd type="none" w="med" len="med"/>
+          </a:ln>
+          <a:effectLst/>
+        </p:spPr>
+        <p:style>
+          <a:lnRef idx="1">
+            <a:schemeClr val="accent2"/>
+          </a:lnRef>
+          <a:fillRef idx="3">
+            <a:schemeClr val="accent2"/>
+          </a:fillRef>
+          <a:effectRef idx="2">
+            <a:schemeClr val="accent2"/>
+          </a:effectRef>
+          <a:fontRef idx="minor">
+            <a:schemeClr val="lt1"/>
+          </a:fontRef>
+        </p:style>
+        <p:txBody>
+          <a:bodyPr vert="horz" wrap="square" lIns="91436" tIns="45718" rIns="91436" bIns="45718" numCol="1" rtlCol="0" anchor="ctr" anchorCtr="0" compatLnSpc="1">
+            <a:prstTxWarp prst="textNoShape">
+              <a:avLst/>
+            </a:prstTxWarp>
+          </a:bodyPr>
+          <a:lstStyle/>
+          <a:p>
+            <a:pPr algn="ctr" defTabSz="914099" fontAlgn="base">
+              <a:spcBef>
+                <a:spcPct val="0"/>
+              </a:spcBef>
+              <a:spcAft>
+                <a:spcPct val="0"/>
+              </a:spcAft>
+            </a:pPr>
+            <a:endParaRPr lang="en-US" sz="2200" dirty="0">
+              <a:gradFill>
+                <a:gsLst>
+                  <a:gs pos="0">
+                    <a:srgbClr val="FFFFFF"/>
+                  </a:gs>
+                  <a:gs pos="100000">
+                    <a:srgbClr val="FFFFFF"/>
+                  </a:gs>
+                </a:gsLst>
+                <a:lin ang="5400000" scaled="0"/>
+              </a:gradFill>
+            </a:endParaRPr>
+          </a:p>
+        </p:txBody>
+      </p:sp>
+      <p:sp>
+        <p:nvSpPr>
+          <p:cNvPr id="48" name="Rectangle 47"/>
+          <p:cNvSpPr/>
+          <p:nvPr/>
+        </p:nvSpPr>
+        <p:spPr bwMode="auto">
+          <a:xfrm>
+            <a:off x="8312726" y="4006249"/>
+            <a:ext cx="95002" cy="148441"/>
+          </a:xfrm>
+          <a:prstGeom prst="rect">
+            <a:avLst/>
+          </a:prstGeom>
+          <a:solidFill>
+            <a:schemeClr val="accent2"/>
+          </a:solidFill>
+          <a:ln>
+            <a:noFill/>
+            <a:headEnd type="none" w="med" len="med"/>
+            <a:tailEnd type="none" w="med" len="med"/>
+          </a:ln>
+          <a:effectLst/>
+        </p:spPr>
+        <p:style>
+          <a:lnRef idx="1">
+            <a:schemeClr val="accent2"/>
+          </a:lnRef>
+          <a:fillRef idx="3">
+            <a:schemeClr val="accent2"/>
+          </a:fillRef>
+          <a:effectRef idx="2">
+            <a:schemeClr val="accent2"/>
+          </a:effectRef>
+          <a:fontRef idx="minor">
+            <a:schemeClr val="lt1"/>
+          </a:fontRef>
+        </p:style>
+        <p:txBody>
+          <a:bodyPr vert="horz" wrap="square" lIns="91436" tIns="45718" rIns="91436" bIns="45718" numCol="1" rtlCol="0" anchor="ctr" anchorCtr="0" compatLnSpc="1">
+            <a:prstTxWarp prst="textNoShape">
+              <a:avLst/>
+            </a:prstTxWarp>
+          </a:bodyPr>
+          <a:lstStyle/>
+          <a:p>
+            <a:pPr algn="ctr" defTabSz="914099" fontAlgn="base">
+              <a:spcBef>
+                <a:spcPct val="0"/>
+              </a:spcBef>
+              <a:spcAft>
+                <a:spcPct val="0"/>
+              </a:spcAft>
+            </a:pPr>
+            <a:endParaRPr lang="en-US" sz="2200" dirty="0" smtClean="0">
+              <a:gradFill>
+                <a:gsLst>
+                  <a:gs pos="0">
+                    <a:srgbClr val="FFFFFF"/>
+                  </a:gs>
+                  <a:gs pos="100000">
+                    <a:srgbClr val="FFFFFF"/>
+                  </a:gs>
+                </a:gsLst>
+                <a:lin ang="5400000" scaled="0"/>
+              </a:gradFill>
+            </a:endParaRPr>
+          </a:p>
+        </p:txBody>
+      </p:sp>
+      <p:sp>
+        <p:nvSpPr>
+          <p:cNvPr id="49" name="Rectangle 48"/>
+          <p:cNvSpPr/>
+          <p:nvPr/>
+        </p:nvSpPr>
+        <p:spPr bwMode="auto">
+          <a:xfrm>
+            <a:off x="8490856" y="4006249"/>
+            <a:ext cx="95002" cy="148441"/>
+          </a:xfrm>
+          <a:prstGeom prst="rect">
+            <a:avLst/>
+          </a:prstGeom>
+          <a:solidFill>
+            <a:schemeClr val="accent2"/>
+          </a:solidFill>
+          <a:ln>
+            <a:noFill/>
+            <a:headEnd type="none" w="med" len="med"/>
+            <a:tailEnd type="none" w="med" len="med"/>
+          </a:ln>
+          <a:effectLst/>
+        </p:spPr>
+        <p:style>
+          <a:lnRef idx="1">
+            <a:schemeClr val="accent2"/>
+          </a:lnRef>
+          <a:fillRef idx="3">
+            <a:schemeClr val="accent2"/>
+          </a:fillRef>
+          <a:effectRef idx="2">
+            <a:schemeClr val="accent2"/>
+          </a:effectRef>
+          <a:fontRef idx="minor">
+            <a:schemeClr val="lt1"/>
+          </a:fontRef>
+        </p:style>
+        <p:txBody>
+          <a:bodyPr vert="horz" wrap="square" lIns="91436" tIns="45718" rIns="91436" bIns="45718" numCol="1" rtlCol="0" anchor="ctr" anchorCtr="0" compatLnSpc="1">
+            <a:prstTxWarp prst="textNoShape">
+              <a:avLst/>
+            </a:prstTxWarp>
+          </a:bodyPr>
+          <a:lstStyle/>
+          <a:p>
+            <a:pPr algn="ctr" defTabSz="914099" fontAlgn="base">
+              <a:spcBef>
+                <a:spcPct val="0"/>
+              </a:spcBef>
+              <a:spcAft>
+                <a:spcPct val="0"/>
+              </a:spcAft>
+            </a:pPr>
+            <a:endParaRPr lang="en-US" sz="2200" dirty="0" smtClean="0">
+              <a:gradFill>
+                <a:gsLst>
+                  <a:gs pos="0">
+                    <a:srgbClr val="FFFFFF"/>
+                  </a:gs>
+                  <a:gs pos="100000">
+                    <a:srgbClr val="FFFFFF"/>
+                  </a:gs>
+                </a:gsLst>
+                <a:lin ang="5400000" scaled="0"/>
+              </a:gradFill>
+            </a:endParaRPr>
+          </a:p>
+        </p:txBody>
+      </p:sp>
+      <p:sp>
+        <p:nvSpPr>
+          <p:cNvPr id="50" name="Rectangle 49"/>
+          <p:cNvSpPr/>
+          <p:nvPr/>
+        </p:nvSpPr>
+        <p:spPr bwMode="auto">
+          <a:xfrm>
+            <a:off x="8668986" y="4006249"/>
+            <a:ext cx="95002" cy="148441"/>
+          </a:xfrm>
+          <a:prstGeom prst="rect">
+            <a:avLst/>
+          </a:prstGeom>
+          <a:solidFill>
+            <a:schemeClr val="accent2"/>
+          </a:solidFill>
+          <a:ln>
+            <a:noFill/>
+            <a:headEnd type="none" w="med" len="med"/>
+            <a:tailEnd type="none" w="med" len="med"/>
+          </a:ln>
+          <a:effectLst/>
+        </p:spPr>
+        <p:style>
+          <a:lnRef idx="1">
+            <a:schemeClr val="accent2"/>
+          </a:lnRef>
+          <a:fillRef idx="3">
+            <a:schemeClr val="accent2"/>
+          </a:fillRef>
+          <a:effectRef idx="2">
+            <a:schemeClr val="accent2"/>
+          </a:effectRef>
+          <a:fontRef idx="minor">
+            <a:schemeClr val="lt1"/>
+          </a:fontRef>
+        </p:style>
+        <p:txBody>
+          <a:bodyPr vert="horz" wrap="square" lIns="91436" tIns="45718" rIns="91436" bIns="45718" numCol="1" rtlCol="0" anchor="ctr" anchorCtr="0" compatLnSpc="1">
+            <a:prstTxWarp prst="textNoShape">
+              <a:avLst/>
+            </a:prstTxWarp>
+          </a:bodyPr>
+          <a:lstStyle/>
+          <a:p>
+            <a:pPr algn="ctr" defTabSz="914099" fontAlgn="base">
+              <a:spcBef>
+                <a:spcPct val="0"/>
+              </a:spcBef>
+              <a:spcAft>
+                <a:spcPct val="0"/>
+              </a:spcAft>
+            </a:pPr>
+            <a:endParaRPr lang="en-US" sz="2200" dirty="0" smtClean="0">
+              <a:gradFill>
+                <a:gsLst>
+                  <a:gs pos="0">
+                    <a:srgbClr val="FFFFFF"/>
+                  </a:gs>
+                  <a:gs pos="100000">
+                    <a:srgbClr val="FFFFFF"/>
+                  </a:gs>
+                </a:gsLst>
+                <a:lin ang="5400000" scaled="0"/>
+              </a:gradFill>
+            </a:endParaRPr>
+          </a:p>
+        </p:txBody>
+      </p:sp>
+      <p:sp>
+        <p:nvSpPr>
+          <p:cNvPr id="51" name="Rectangle 50"/>
+          <p:cNvSpPr/>
+          <p:nvPr/>
+        </p:nvSpPr>
+        <p:spPr bwMode="auto">
+          <a:xfrm>
+            <a:off x="10046524" y="4873148"/>
+            <a:ext cx="95002" cy="148441"/>
+          </a:xfrm>
+          <a:prstGeom prst="rect">
+            <a:avLst/>
+          </a:prstGeom>
+          <a:solidFill>
+            <a:schemeClr val="accent2"/>
+          </a:solidFill>
+          <a:ln>
+            <a:noFill/>
+            <a:headEnd type="none" w="med" len="med"/>
+            <a:tailEnd type="none" w="med" len="med"/>
+          </a:ln>
+          <a:effectLst/>
+        </p:spPr>
+        <p:style>
+          <a:lnRef idx="1">
+            <a:schemeClr val="accent2"/>
+          </a:lnRef>
+          <a:fillRef idx="3">
+            <a:schemeClr val="accent2"/>
+          </a:fillRef>
+          <a:effectRef idx="2">
+            <a:schemeClr val="accent2"/>
+          </a:effectRef>
+          <a:fontRef idx="minor">
+            <a:schemeClr val="lt1"/>
+          </a:fontRef>
+        </p:style>
+        <p:txBody>
+          <a:bodyPr vert="horz" wrap="square" lIns="91436" tIns="45718" rIns="91436" bIns="45718" numCol="1" rtlCol="0" anchor="ctr" anchorCtr="0" compatLnSpc="1">
+            <a:prstTxWarp prst="textNoShape">
+              <a:avLst/>
+            </a:prstTxWarp>
+          </a:bodyPr>
+          <a:lstStyle/>
+          <a:p>
+            <a:pPr algn="ctr" defTabSz="914099" fontAlgn="base">
+              <a:spcBef>
+                <a:spcPct val="0"/>
+              </a:spcBef>
+              <a:spcAft>
+                <a:spcPct val="0"/>
+              </a:spcAft>
+            </a:pPr>
+            <a:endParaRPr lang="en-US" sz="2200" dirty="0" smtClean="0">
+              <a:gradFill>
+                <a:gsLst>
+                  <a:gs pos="0">
+                    <a:srgbClr val="FFFFFF"/>
+                  </a:gs>
+                  <a:gs pos="100000">
+                    <a:srgbClr val="FFFFFF"/>
+                  </a:gs>
+                </a:gsLst>
+                <a:lin ang="5400000" scaled="0"/>
+              </a:gradFill>
+            </a:endParaRPr>
+          </a:p>
+        </p:txBody>
+      </p:sp>
+      <p:sp>
+        <p:nvSpPr>
+          <p:cNvPr id="52" name="Rectangle 51"/>
+          <p:cNvSpPr/>
+          <p:nvPr/>
+        </p:nvSpPr>
+        <p:spPr bwMode="auto">
+          <a:xfrm>
+            <a:off x="10236530" y="4873148"/>
+            <a:ext cx="95002" cy="148441"/>
+          </a:xfrm>
+          <a:prstGeom prst="rect">
+            <a:avLst/>
+          </a:prstGeom>
+          <a:solidFill>
+            <a:schemeClr val="accent2"/>
+          </a:solidFill>
+          <a:ln>
+            <a:noFill/>
+            <a:headEnd type="none" w="med" len="med"/>
+            <a:tailEnd type="none" w="med" len="med"/>
+          </a:ln>
+          <a:effectLst/>
+        </p:spPr>
+        <p:style>
+          <a:lnRef idx="1">
+            <a:schemeClr val="accent2"/>
+          </a:lnRef>
+          <a:fillRef idx="3">
+            <a:schemeClr val="accent2"/>
+          </a:fillRef>
+          <a:effectRef idx="2">
+            <a:schemeClr val="accent2"/>
+          </a:effectRef>
+          <a:fontRef idx="minor">
+            <a:schemeClr val="lt1"/>
+          </a:fontRef>
+        </p:style>
+        <p:txBody>
+          <a:bodyPr vert="horz" wrap="square" lIns="91436" tIns="45718" rIns="91436" bIns="45718" numCol="1" rtlCol="0" anchor="ctr" anchorCtr="0" compatLnSpc="1">
+            <a:prstTxWarp prst="textNoShape">
+              <a:avLst/>
+            </a:prstTxWarp>
+          </a:bodyPr>
+          <a:lstStyle/>
+          <a:p>
+            <a:pPr algn="ctr" defTabSz="914099" fontAlgn="base">
+              <a:spcBef>
+                <a:spcPct val="0"/>
+              </a:spcBef>
+              <a:spcAft>
+                <a:spcPct val="0"/>
+              </a:spcAft>
+            </a:pPr>
+            <a:endParaRPr lang="en-US" sz="2200" dirty="0" smtClean="0">
+              <a:gradFill>
+                <a:gsLst>
+                  <a:gs pos="0">
+                    <a:srgbClr val="FFFFFF"/>
+                  </a:gs>
+                  <a:gs pos="100000">
+                    <a:srgbClr val="FFFFFF"/>
+                  </a:gs>
+                </a:gsLst>
+                <a:lin ang="5400000" scaled="0"/>
+              </a:gradFill>
+            </a:endParaRPr>
+          </a:p>
+        </p:txBody>
+      </p:sp>
+      <p:sp>
+        <p:nvSpPr>
+          <p:cNvPr id="53" name="TextBox 52"/>
+          <p:cNvSpPr txBox="1"/>
+          <p:nvPr/>
+        </p:nvSpPr>
+        <p:spPr>
+          <a:xfrm>
+            <a:off x="8098969" y="2666899"/>
+            <a:ext cx="2945084" cy="387798"/>
+          </a:xfrm>
+          <a:prstGeom prst="rect">
+            <a:avLst/>
+          </a:prstGeom>
+          <a:noFill/>
+        </p:spPr>
+        <p:txBody>
+          <a:bodyPr wrap="square" lIns="0" tIns="0" rIns="0" bIns="0" rtlCol="0">
+            <a:spAutoFit/>
+          </a:bodyPr>
+          <a:lstStyle/>
+          <a:p>
+            <a:pPr algn="ctr">
+              <a:lnSpc>
+                <a:spcPct val="90000"/>
+              </a:lnSpc>
+              <a:spcBef>
+                <a:spcPct val="20000"/>
+              </a:spcBef>
+              <a:buSzPct val="80000"/>
+            </a:pPr>
+            <a:r>
+              <a:rPr lang="en-US" sz="2800" dirty="0" smtClean="0">
+                <a:solidFill>
+                  <a:schemeClr val="accent1"/>
+                </a:solidFill>
+              </a:rPr>
+              <a:t>Sliding Window</a:t>
+            </a:r>
+            <a:endParaRPr lang="en-US" sz="2800" dirty="0">
+              <a:solidFill>
+                <a:schemeClr val="accent1"/>
+              </a:solidFill>
+            </a:endParaRPr>
+          </a:p>
+        </p:txBody>
+      </p:sp>
+      <p:sp>
+        <p:nvSpPr>
+          <p:cNvPr id="56" name="Rectangle 55"/>
+          <p:cNvSpPr/>
+          <p:nvPr/>
+        </p:nvSpPr>
+        <p:spPr bwMode="auto">
+          <a:xfrm>
+            <a:off x="6388924" y="5788843"/>
+            <a:ext cx="95002" cy="148441"/>
+          </a:xfrm>
+          <a:prstGeom prst="rect">
+            <a:avLst/>
+          </a:prstGeom>
+          <a:solidFill>
+            <a:schemeClr val="accent2"/>
+          </a:solidFill>
+          <a:ln>
+            <a:noFill/>
+            <a:headEnd type="none" w="med" len="med"/>
+            <a:tailEnd type="none" w="med" len="med"/>
+          </a:ln>
+          <a:effectLst/>
+        </p:spPr>
+        <p:style>
+          <a:lnRef idx="1">
+            <a:schemeClr val="accent2"/>
+          </a:lnRef>
+          <a:fillRef idx="3">
+            <a:schemeClr val="accent2"/>
+          </a:fillRef>
+          <a:effectRef idx="2">
+            <a:schemeClr val="accent2"/>
+          </a:effectRef>
+          <a:fontRef idx="minor">
+            <a:schemeClr val="lt1"/>
+          </a:fontRef>
+        </p:style>
+        <p:txBody>
+          <a:bodyPr vert="horz" wrap="square" lIns="91436" tIns="45718" rIns="91436" bIns="45718" numCol="1" rtlCol="0" anchor="ctr" anchorCtr="0" compatLnSpc="1">
+            <a:prstTxWarp prst="textNoShape">
+              <a:avLst/>
+            </a:prstTxWarp>
+          </a:bodyPr>
+          <a:lstStyle/>
+          <a:p>
+            <a:pPr algn="ctr" defTabSz="914099" fontAlgn="base">
+              <a:spcBef>
+                <a:spcPct val="0"/>
+              </a:spcBef>
+              <a:spcAft>
+                <a:spcPct val="0"/>
+              </a:spcAft>
+            </a:pPr>
+            <a:endParaRPr lang="en-US" sz="2200" dirty="0" smtClean="0">
+              <a:gradFill>
+                <a:gsLst>
+                  <a:gs pos="0">
+                    <a:srgbClr val="FFFFFF"/>
+                  </a:gs>
+                  <a:gs pos="100000">
+                    <a:srgbClr val="FFFFFF"/>
+                  </a:gs>
+                </a:gsLst>
+                <a:lin ang="5400000" scaled="0"/>
+              </a:gradFill>
+            </a:endParaRPr>
+          </a:p>
+        </p:txBody>
+      </p:sp>
+      <p:sp>
+        <p:nvSpPr>
+          <p:cNvPr id="57" name="Rectangle 56"/>
+          <p:cNvSpPr/>
+          <p:nvPr/>
+        </p:nvSpPr>
+        <p:spPr bwMode="auto">
+          <a:xfrm>
+            <a:off x="6578930" y="5788843"/>
+            <a:ext cx="95002" cy="148441"/>
+          </a:xfrm>
+          <a:prstGeom prst="rect">
+            <a:avLst/>
+          </a:prstGeom>
+          <a:solidFill>
+            <a:schemeClr val="accent2"/>
+          </a:solidFill>
+          <a:ln>
+            <a:noFill/>
+            <a:headEnd type="none" w="med" len="med"/>
+            <a:tailEnd type="none" w="med" len="med"/>
+          </a:ln>
+          <a:effectLst/>
+        </p:spPr>
+        <p:style>
+          <a:lnRef idx="1">
+            <a:schemeClr val="accent2"/>
+          </a:lnRef>
+          <a:fillRef idx="3">
+            <a:schemeClr val="accent2"/>
+          </a:fillRef>
+          <a:effectRef idx="2">
+            <a:schemeClr val="accent2"/>
+          </a:effectRef>
+          <a:fontRef idx="minor">
+            <a:schemeClr val="lt1"/>
+          </a:fontRef>
+        </p:style>
+        <p:txBody>
+          <a:bodyPr vert="horz" wrap="square" lIns="91436" tIns="45718" rIns="91436" bIns="45718" numCol="1" rtlCol="0" anchor="ctr" anchorCtr="0" compatLnSpc="1">
+            <a:prstTxWarp prst="textNoShape">
+              <a:avLst/>
+            </a:prstTxWarp>
+          </a:bodyPr>
+          <a:lstStyle/>
+          <a:p>
+            <a:pPr algn="ctr" defTabSz="914099" fontAlgn="base">
+              <a:spcBef>
+                <a:spcPct val="0"/>
+              </a:spcBef>
+              <a:spcAft>
+                <a:spcPct val="0"/>
+              </a:spcAft>
+            </a:pPr>
+            <a:endParaRPr lang="en-US" sz="2200" dirty="0" smtClean="0">
+              <a:gradFill>
+                <a:gsLst>
+                  <a:gs pos="0">
+                    <a:srgbClr val="FFFFFF"/>
+                  </a:gs>
+                  <a:gs pos="100000">
+                    <a:srgbClr val="FFFFFF"/>
+                  </a:gs>
+                </a:gsLst>
+                <a:lin ang="5400000" scaled="0"/>
+              </a:gradFill>
+            </a:endParaRPr>
+          </a:p>
+        </p:txBody>
+      </p:sp>
+      <p:sp>
+        <p:nvSpPr>
+          <p:cNvPr id="58" name="Rectangle 57"/>
+          <p:cNvSpPr/>
+          <p:nvPr/>
+        </p:nvSpPr>
+        <p:spPr bwMode="auto">
+          <a:xfrm>
+            <a:off x="5177640" y="4549544"/>
+            <a:ext cx="1472542" cy="866899"/>
+          </a:xfrm>
+          <a:prstGeom prst="rect">
+            <a:avLst/>
+          </a:prstGeom>
+          <a:noFill/>
+          <a:ln w="38100">
+            <a:solidFill>
+              <a:srgbClr val="00AEEF"/>
+            </a:solidFill>
+            <a:headEnd type="none" w="med" len="med"/>
+            <a:tailEnd type="none" w="med" len="med"/>
+          </a:ln>
+          <a:effectLst/>
+        </p:spPr>
+        <p:style>
+          <a:lnRef idx="1">
+            <a:schemeClr val="accent2"/>
+          </a:lnRef>
+          <a:fillRef idx="3">
+            <a:schemeClr val="accent2"/>
+          </a:fillRef>
+          <a:effectRef idx="2">
+            <a:schemeClr val="accent2"/>
+          </a:effectRef>
+          <a:fontRef idx="minor">
+            <a:schemeClr val="lt1"/>
+          </a:fontRef>
+        </p:style>
+        <p:txBody>
+          <a:bodyPr vert="horz" wrap="square" lIns="91436" tIns="45718" rIns="91436" bIns="45718" numCol="1" rtlCol="0" anchor="ctr" anchorCtr="0" compatLnSpc="1">
+            <a:prstTxWarp prst="textNoShape">
+              <a:avLst/>
+            </a:prstTxWarp>
+          </a:bodyPr>
+          <a:lstStyle/>
+          <a:p>
+            <a:pPr algn="ctr" defTabSz="914099" fontAlgn="base">
+              <a:spcBef>
+                <a:spcPct val="0"/>
+              </a:spcBef>
+              <a:spcAft>
+                <a:spcPct val="0"/>
+              </a:spcAft>
+            </a:pPr>
+            <a:endParaRPr lang="en-US" sz="2200" dirty="0" smtClean="0">
+              <a:gradFill>
+                <a:gsLst>
+                  <a:gs pos="0">
+                    <a:srgbClr val="FFFFFF"/>
+                  </a:gs>
+                  <a:gs pos="100000">
+                    <a:srgbClr val="FFFFFF"/>
+                  </a:gs>
+                </a:gsLst>
+                <a:lin ang="5400000" scaled="0"/>
+              </a:gradFill>
+            </a:endParaRPr>
+          </a:p>
+        </p:txBody>
+      </p:sp>
+      <p:sp>
+        <p:nvSpPr>
+          <p:cNvPr id="59" name="Rectangle 58"/>
+          <p:cNvSpPr/>
+          <p:nvPr/>
+        </p:nvSpPr>
+        <p:spPr bwMode="auto">
+          <a:xfrm>
+            <a:off x="6388924" y="4921944"/>
+            <a:ext cx="95002" cy="148441"/>
+          </a:xfrm>
+          <a:prstGeom prst="rect">
+            <a:avLst/>
+          </a:prstGeom>
+          <a:solidFill>
+            <a:schemeClr val="accent2"/>
+          </a:solidFill>
+          <a:ln>
+            <a:noFill/>
+            <a:headEnd type="none" w="med" len="med"/>
+            <a:tailEnd type="none" w="med" len="med"/>
+          </a:ln>
+          <a:effectLst/>
+        </p:spPr>
+        <p:style>
+          <a:lnRef idx="1">
+            <a:schemeClr val="accent2"/>
+          </a:lnRef>
+          <a:fillRef idx="3">
+            <a:schemeClr val="accent2"/>
+          </a:fillRef>
+          <a:effectRef idx="2">
+            <a:schemeClr val="accent2"/>
+          </a:effectRef>
+          <a:fontRef idx="minor">
+            <a:schemeClr val="lt1"/>
+          </a:fontRef>
+        </p:style>
+        <p:txBody>
+          <a:bodyPr vert="horz" wrap="square" lIns="91436" tIns="45718" rIns="91436" bIns="45718" numCol="1" rtlCol="0" anchor="ctr" anchorCtr="0" compatLnSpc="1">
+            <a:prstTxWarp prst="textNoShape">
+              <a:avLst/>
+            </a:prstTxWarp>
+          </a:bodyPr>
+          <a:lstStyle/>
+          <a:p>
+            <a:pPr algn="ctr" defTabSz="914099" fontAlgn="base">
+              <a:spcBef>
+                <a:spcPct val="0"/>
+              </a:spcBef>
+              <a:spcAft>
+                <a:spcPct val="0"/>
+              </a:spcAft>
+            </a:pPr>
+            <a:endParaRPr lang="en-US" sz="2200" dirty="0" smtClean="0">
+              <a:gradFill>
+                <a:gsLst>
+                  <a:gs pos="0">
+                    <a:srgbClr val="FFFFFF"/>
+                  </a:gs>
+                  <a:gs pos="100000">
+                    <a:srgbClr val="FFFFFF"/>
+                  </a:gs>
+                </a:gsLst>
+                <a:lin ang="5400000" scaled="0"/>
+              </a:gradFill>
+            </a:endParaRPr>
+          </a:p>
+        </p:txBody>
+      </p:sp>
+      <p:sp>
+        <p:nvSpPr>
+          <p:cNvPr id="60" name="Rectangle 59"/>
+          <p:cNvSpPr/>
+          <p:nvPr/>
+        </p:nvSpPr>
+        <p:spPr bwMode="auto">
+          <a:xfrm>
+            <a:off x="6578930" y="4921944"/>
+            <a:ext cx="95002" cy="148441"/>
+          </a:xfrm>
+          <a:prstGeom prst="rect">
+            <a:avLst/>
+          </a:prstGeom>
+          <a:solidFill>
+            <a:schemeClr val="accent2"/>
+          </a:solidFill>
+          <a:ln>
+            <a:noFill/>
+            <a:headEnd type="none" w="med" len="med"/>
+            <a:tailEnd type="none" w="med" len="med"/>
+          </a:ln>
+          <a:effectLst/>
+        </p:spPr>
+        <p:style>
+          <a:lnRef idx="1">
+            <a:schemeClr val="accent2"/>
+          </a:lnRef>
+          <a:fillRef idx="3">
+            <a:schemeClr val="accent2"/>
+          </a:fillRef>
+          <a:effectRef idx="2">
+            <a:schemeClr val="accent2"/>
+          </a:effectRef>
+          <a:fontRef idx="minor">
+            <a:schemeClr val="lt1"/>
+          </a:fontRef>
+        </p:style>
+        <p:txBody>
+          <a:bodyPr vert="horz" wrap="square" lIns="91436" tIns="45718" rIns="91436" bIns="45718" numCol="1" rtlCol="0" anchor="ctr" anchorCtr="0" compatLnSpc="1">
+            <a:prstTxWarp prst="textNoShape">
+              <a:avLst/>
+            </a:prstTxWarp>
+          </a:bodyPr>
+          <a:lstStyle/>
+          <a:p>
+            <a:pPr algn="ctr" defTabSz="914099" fontAlgn="base">
+              <a:spcBef>
+                <a:spcPct val="0"/>
+              </a:spcBef>
+              <a:spcAft>
+                <a:spcPct val="0"/>
+              </a:spcAft>
+            </a:pPr>
+            <a:endParaRPr lang="en-US" sz="2200" dirty="0" smtClean="0">
+              <a:gradFill>
+                <a:gsLst>
+                  <a:gs pos="0">
+                    <a:srgbClr val="FFFFFF"/>
+                  </a:gs>
+                  <a:gs pos="100000">
+                    <a:srgbClr val="FFFFFF"/>
+                  </a:gs>
+                </a:gsLst>
+                <a:lin ang="5400000" scaled="0"/>
+              </a:gradFill>
+            </a:endParaRPr>
+          </a:p>
+        </p:txBody>
+      </p:sp>
+    </p:spTree>
+    <p:extLst>
+      <p:ext uri="{BB962C8B-B14F-4D97-AF65-F5344CB8AC3E}">
+        <p14:creationId xmlns:p14="http://schemas.microsoft.com/office/powerpoint/2010/main" val="2778718171"/>
+      </p:ext>
+    </p:extLst>
+  </p:cSld>
+  <p:clrMapOvr>
+    <a:masterClrMapping/>
+  </p:clrMapOvr>
+  <p:transition>
+    <p:fade/>
+  </p:transition>
+  <p:timing>
+    <p:tnLst>
+      <p:par>
+        <p:cTn id="1" dur="indefinite" restart="never" nodeType="tmRoot"/>
+      </p:par>
+    </p:tnLst>
+  </p:timing>
+</p:sld>
+</file>
+
+<file path=ppt/slides/slide9.xml><?xml version="1.0" encoding="utf-8"?>
+<p:sld xmlns:a="http://schemas.openxmlformats.org/drawingml/2006/main" xmlns:r="http://schemas.openxmlformats.org/officeDocument/2006/relationships" xmlns:p="http://schemas.openxmlformats.org/presentationml/2006/main">
+  <p:cSld>
+    <p:spTree>
+      <p:nvGrpSpPr>
+        <p:cNvPr id="1" name=""/>
+        <p:cNvGrpSpPr/>
+        <p:nvPr/>
+      </p:nvGrpSpPr>
+      <p:grpSpPr>
+        <a:xfrm>
+          <a:off x="0" y="0"/>
+          <a:ext cx="0" cy="0"/>
+          <a:chOff x="0" y="0"/>
+          <a:chExt cx="0" cy="0"/>
+        </a:xfrm>
+      </p:grpSpPr>
+      <p:sp>
+        <p:nvSpPr>
+          <p:cNvPr id="2" name="Title 1"/>
+          <p:cNvSpPr>
+            <a:spLocks noGrp="1"/>
+          </p:cNvSpPr>
+          <p:nvPr>
+            <p:ph type="title"/>
+          </p:nvPr>
+        </p:nvSpPr>
+        <p:spPr/>
+        <p:txBody>
+          <a:bodyPr/>
+          <a:lstStyle/>
+          <a:p>
+            <a:r>
+              <a:rPr lang="en-US" dirty="0" smtClean="0"/>
+              <a:t>Using </a:t>
+            </a:r>
+            <a:r>
+              <a:rPr lang="en-US" dirty="0" err="1" smtClean="0"/>
+              <a:t>TumblingWindow</a:t>
+            </a:r>
+            <a:endParaRPr lang="en-US" dirty="0"/>
+          </a:p>
+        </p:txBody>
+      </p:sp>
+      <p:sp>
+        <p:nvSpPr>
+          <p:cNvPr id="4" name="Rectangle 3"/>
+          <p:cNvSpPr/>
+          <p:nvPr/>
+        </p:nvSpPr>
+        <p:spPr bwMode="auto">
+          <a:xfrm>
+            <a:off x="876001" y="1696129"/>
+            <a:ext cx="10438410" cy="1937720"/>
+          </a:xfrm>
+          <a:prstGeom prst="rect">
+            <a:avLst/>
+          </a:prstGeom>
+          <a:solidFill>
+            <a:schemeClr val="tx1">
+              <a:lumMod val="10000"/>
+              <a:lumOff val="90000"/>
+            </a:schemeClr>
+          </a:solidFill>
+          <a:ln w="38100">
+            <a:solidFill>
+              <a:schemeClr val="tx1">
+                <a:lumMod val="50000"/>
+                <a:lumOff val="50000"/>
+              </a:schemeClr>
+            </a:solidFill>
+            <a:headEnd type="none" w="med" len="med"/>
+            <a:tailEnd type="none" w="med" len="med"/>
+          </a:ln>
+          <a:effectLst/>
+        </p:spPr>
+        <p:style>
+          <a:lnRef idx="1">
+            <a:schemeClr val="accent2"/>
+          </a:lnRef>
+          <a:fillRef idx="3">
+            <a:schemeClr val="accent2"/>
+          </a:fillRef>
+          <a:effectRef idx="2">
+            <a:schemeClr val="accent2"/>
+          </a:effectRef>
+          <a:fontRef idx="minor">
+            <a:schemeClr val="lt1"/>
+          </a:fontRef>
+        </p:style>
+        <p:txBody>
+          <a:bodyPr vert="horz" wrap="square" lIns="91436" tIns="45718" rIns="91436" bIns="45718" numCol="1" rtlCol="0" anchor="ctr" anchorCtr="0" compatLnSpc="1">
+            <a:prstTxWarp prst="textNoShape">
+              <a:avLst/>
+            </a:prstTxWarp>
+          </a:bodyPr>
+          <a:lstStyle/>
+          <a:p>
+            <a:pPr defTabSz="914099" fontAlgn="base">
+              <a:spcBef>
+                <a:spcPct val="0"/>
+              </a:spcBef>
+              <a:spcAft>
+                <a:spcPct val="0"/>
+              </a:spcAft>
+            </a:pPr>
+            <a:r>
+              <a:rPr lang="en-US" sz="2200" dirty="0" smtClean="0">
+                <a:solidFill>
+                  <a:schemeClr val="tx1"/>
+                </a:solidFill>
+                <a:latin typeface="Lucida Console" panose="020B0609040504020204" pitchFamily="49" charset="0"/>
+              </a:rPr>
+              <a:t> SELECT </a:t>
+            </a:r>
+            <a:r>
+              <a:rPr lang="en-US" sz="2200" dirty="0" err="1">
+                <a:solidFill>
+                  <a:schemeClr val="tx1"/>
+                </a:solidFill>
+                <a:latin typeface="Lucida Console" panose="020B0609040504020204" pitchFamily="49" charset="0"/>
+              </a:rPr>
+              <a:t>System.Timestamp</a:t>
+            </a:r>
+            <a:r>
+              <a:rPr lang="en-US" sz="2200" dirty="0">
+                <a:solidFill>
+                  <a:schemeClr val="tx1"/>
+                </a:solidFill>
+                <a:latin typeface="Lucida Console" panose="020B0609040504020204" pitchFamily="49" charset="0"/>
+              </a:rPr>
+              <a:t> as [Window End</a:t>
+            </a:r>
+            <a:r>
+              <a:rPr lang="en-US" sz="2200" dirty="0" smtClean="0">
+                <a:solidFill>
+                  <a:schemeClr val="tx1"/>
+                </a:solidFill>
+                <a:latin typeface="Lucida Console" panose="020B0609040504020204" pitchFamily="49" charset="0"/>
+              </a:rPr>
+              <a:t>],</a:t>
+            </a:r>
+          </a:p>
+          <a:p>
+            <a:pPr defTabSz="914099" fontAlgn="base">
+              <a:spcBef>
+                <a:spcPct val="0"/>
+              </a:spcBef>
+              <a:spcAft>
+                <a:spcPct val="0"/>
+              </a:spcAft>
+            </a:pPr>
+            <a:r>
+              <a:rPr lang="en-US" sz="2200" dirty="0">
+                <a:solidFill>
+                  <a:schemeClr val="tx1"/>
+                </a:solidFill>
+                <a:latin typeface="Lucida Console" panose="020B0609040504020204" pitchFamily="49" charset="0"/>
+              </a:rPr>
+              <a:t> </a:t>
+            </a:r>
+            <a:r>
+              <a:rPr lang="en-US" sz="2200" dirty="0" smtClean="0">
+                <a:solidFill>
+                  <a:schemeClr val="tx1"/>
+                </a:solidFill>
+                <a:latin typeface="Lucida Console" panose="020B0609040504020204" pitchFamily="49" charset="0"/>
+              </a:rPr>
+              <a:t>    COUNT</a:t>
+            </a:r>
+            <a:r>
+              <a:rPr lang="en-US" sz="2200" dirty="0">
+                <a:solidFill>
+                  <a:schemeClr val="tx1"/>
+                </a:solidFill>
+                <a:latin typeface="Lucida Console" panose="020B0609040504020204" pitchFamily="49" charset="0"/>
+              </a:rPr>
+              <a:t>(*) AS Readings</a:t>
+            </a:r>
+          </a:p>
+          <a:p>
+            <a:pPr defTabSz="914099" fontAlgn="base">
+              <a:spcBef>
+                <a:spcPct val="0"/>
+              </a:spcBef>
+              <a:spcAft>
+                <a:spcPct val="0"/>
+              </a:spcAft>
+            </a:pPr>
+            <a:r>
+              <a:rPr lang="en-US" sz="2200" dirty="0" smtClean="0">
+                <a:solidFill>
+                  <a:schemeClr val="tx1"/>
+                </a:solidFill>
+                <a:latin typeface="Lucida Console" panose="020B0609040504020204" pitchFamily="49" charset="0"/>
+              </a:rPr>
+              <a:t> FROM </a:t>
+            </a:r>
+            <a:r>
+              <a:rPr lang="en-US" sz="2200" dirty="0" err="1">
+                <a:solidFill>
+                  <a:schemeClr val="tx1"/>
+                </a:solidFill>
+                <a:latin typeface="Lucida Console" panose="020B0609040504020204" pitchFamily="49" charset="0"/>
+              </a:rPr>
+              <a:t>TemperatureData</a:t>
+            </a:r>
+            <a:r>
+              <a:rPr lang="en-US" sz="2200" dirty="0">
+                <a:solidFill>
+                  <a:schemeClr val="tx1"/>
+                </a:solidFill>
+                <a:latin typeface="Lucida Console" panose="020B0609040504020204" pitchFamily="49" charset="0"/>
+              </a:rPr>
+              <a:t> TIMESTAMP BY Time</a:t>
+            </a:r>
+          </a:p>
+          <a:p>
+            <a:pPr defTabSz="914099" fontAlgn="base">
+              <a:spcBef>
+                <a:spcPct val="0"/>
+              </a:spcBef>
+              <a:spcAft>
+                <a:spcPct val="0"/>
+              </a:spcAft>
+            </a:pPr>
+            <a:r>
+              <a:rPr lang="en-US" sz="2200" dirty="0" smtClean="0">
+                <a:solidFill>
+                  <a:schemeClr val="tx1"/>
+                </a:solidFill>
+                <a:latin typeface="Lucida Console" panose="020B0609040504020204" pitchFamily="49" charset="0"/>
+              </a:rPr>
+              <a:t> </a:t>
+            </a:r>
+            <a:r>
+              <a:rPr lang="en-US" sz="2200" dirty="0" smtClean="0">
+                <a:solidFill>
+                  <a:schemeClr val="accent1"/>
+                </a:solidFill>
+                <a:latin typeface="Lucida Console" panose="020B0609040504020204" pitchFamily="49" charset="0"/>
+              </a:rPr>
+              <a:t>GROUP </a:t>
+            </a:r>
+            <a:r>
+              <a:rPr lang="en-US" sz="2200" dirty="0">
+                <a:solidFill>
+                  <a:schemeClr val="accent1"/>
+                </a:solidFill>
+                <a:latin typeface="Lucida Console" panose="020B0609040504020204" pitchFamily="49" charset="0"/>
+              </a:rPr>
+              <a:t>BY </a:t>
+            </a:r>
+            <a:r>
+              <a:rPr lang="en-US" sz="2200" dirty="0" smtClean="0">
+                <a:solidFill>
+                  <a:schemeClr val="accent1"/>
+                </a:solidFill>
+                <a:latin typeface="Lucida Console" panose="020B0609040504020204" pitchFamily="49" charset="0"/>
+              </a:rPr>
+              <a:t>TUMBLINGWINDOW(s</a:t>
+            </a:r>
+            <a:r>
+              <a:rPr lang="en-US" sz="2200" dirty="0">
+                <a:solidFill>
+                  <a:schemeClr val="accent1"/>
+                </a:solidFill>
+                <a:latin typeface="Lucida Console" panose="020B0609040504020204" pitchFamily="49" charset="0"/>
+              </a:rPr>
+              <a:t>, 5</a:t>
+            </a:r>
+            <a:r>
+              <a:rPr lang="en-US" sz="2200" dirty="0" smtClean="0">
+                <a:solidFill>
+                  <a:schemeClr val="accent1"/>
+                </a:solidFill>
+                <a:latin typeface="Lucida Console" panose="020B0609040504020204" pitchFamily="49" charset="0"/>
+              </a:rPr>
+              <a:t>)</a:t>
+            </a:r>
+            <a:endParaRPr lang="en-US" sz="2200" dirty="0">
+              <a:solidFill>
+                <a:schemeClr val="accent1"/>
+              </a:solidFill>
+              <a:latin typeface="Lucida Console" panose="020B0609040504020204" pitchFamily="49" charset="0"/>
+            </a:endParaRPr>
+          </a:p>
+        </p:txBody>
+      </p:sp>
+      <p:pic>
+        <p:nvPicPr>
+          <p:cNvPr id="3" name="Picture 2"/>
+          <p:cNvPicPr>
+            <a:picLocks noChangeAspect="1"/>
+          </p:cNvPicPr>
+          <p:nvPr/>
+        </p:nvPicPr>
+        <p:blipFill>
+          <a:blip r:embed="rId2"/>
+          <a:stretch>
+            <a:fillRect/>
+          </a:stretch>
+        </p:blipFill>
+        <p:spPr>
+          <a:xfrm>
+            <a:off x="876001" y="4111336"/>
+            <a:ext cx="10438410" cy="1683822"/>
+          </a:xfrm>
+          <a:prstGeom prst="rect">
+            <a:avLst/>
+          </a:prstGeom>
+          <a:ln>
+            <a:solidFill>
+              <a:schemeClr val="tx1">
+                <a:lumMod val="25000"/>
+                <a:lumOff val="75000"/>
+              </a:schemeClr>
+            </a:solidFill>
+          </a:ln>
+        </p:spPr>
+      </p:pic>
+    </p:spTree>
+    <p:extLst>
+      <p:ext uri="{BB962C8B-B14F-4D97-AF65-F5344CB8AC3E}">
+        <p14:creationId xmlns:p14="http://schemas.microsoft.com/office/powerpoint/2010/main" val="3520106061"/>
       </p:ext>
     </p:extLst>
   </p:cSld>

--- a/Content/Stream Analytics/Azure Stream Analytics.pptx
+++ b/Content/Stream Analytics/Azure Stream Analytics.pptx
@@ -5,21 +5,19 @@
     <p:sldMasterId id="2147483680" r:id="rId1"/>
   </p:sldMasterIdLst>
   <p:notesMasterIdLst>
-    <p:notesMasterId r:id="rId14"/>
+    <p:notesMasterId r:id="rId12"/>
   </p:notesMasterIdLst>
   <p:sldIdLst>
     <p:sldId id="256" r:id="rId2"/>
     <p:sldId id="257" r:id="rId3"/>
     <p:sldId id="292" r:id="rId4"/>
-    <p:sldId id="298" r:id="rId5"/>
-    <p:sldId id="299" r:id="rId6"/>
-    <p:sldId id="277" r:id="rId7"/>
-    <p:sldId id="300" r:id="rId8"/>
-    <p:sldId id="301" r:id="rId9"/>
-    <p:sldId id="291" r:id="rId10"/>
-    <p:sldId id="282" r:id="rId11"/>
-    <p:sldId id="287" r:id="rId12"/>
-    <p:sldId id="271" r:id="rId13"/>
+    <p:sldId id="277" r:id="rId5"/>
+    <p:sldId id="300" r:id="rId6"/>
+    <p:sldId id="301" r:id="rId7"/>
+    <p:sldId id="291" r:id="rId8"/>
+    <p:sldId id="282" r:id="rId9"/>
+    <p:sldId id="287" r:id="rId10"/>
+    <p:sldId id="271" r:id="rId11"/>
   </p:sldIdLst>
   <p:sldSz cx="12192000" cy="6858000"/>
   <p:notesSz cx="6858000" cy="9144000"/>
@@ -208,7 +206,7 @@
           <a:p>
             <a:fld id="{2E5CA586-3557-4985-BCD4-35EF5AC8B4A4}" type="datetimeFigureOut">
               <a:rPr lang="en-US" smtClean="0"/>
-              <a:t>10/6/2015</a:t>
+              <a:t>10/7/2015</a:t>
             </a:fld>
             <a:endParaRPr lang="en-US"/>
           </a:p>
@@ -11373,3404 +11371,6 @@
             <a:spLocks noGrp="1"/>
           </p:cNvSpPr>
           <p:nvPr>
-            <p:ph type="title"/>
-          </p:nvPr>
-        </p:nvSpPr>
-        <p:spPr/>
-        <p:txBody>
-          <a:bodyPr/>
-          <a:lstStyle/>
-          <a:p>
-            <a:r>
-              <a:rPr lang="en-US" dirty="0" smtClean="0"/>
-              <a:t>Windowing</a:t>
-            </a:r>
-            <a:endParaRPr lang="en-US" dirty="0"/>
-          </a:p>
-        </p:txBody>
-      </p:sp>
-      <p:sp>
-        <p:nvSpPr>
-          <p:cNvPr id="3" name="Content Placeholder 2"/>
-          <p:cNvSpPr>
-            <a:spLocks noGrp="1"/>
-          </p:cNvSpPr>
-          <p:nvPr>
-            <p:ph idx="1"/>
-          </p:nvPr>
-        </p:nvSpPr>
-        <p:spPr>
-          <a:xfrm>
-            <a:off x="519248" y="1447800"/>
-            <a:ext cx="10999818" cy="886140"/>
-          </a:xfrm>
-        </p:spPr>
-        <p:txBody>
-          <a:bodyPr/>
-          <a:lstStyle/>
-          <a:p>
-            <a:r>
-              <a:rPr lang="en-US" dirty="0" smtClean="0"/>
-              <a:t>Core requirement for stream-processing systems for counting or aggregating events in a specified time period</a:t>
-            </a:r>
-          </a:p>
-        </p:txBody>
-      </p:sp>
-      <p:cxnSp>
-        <p:nvCxnSpPr>
-          <p:cNvPr id="9" name="Straight Connector 8"/>
-          <p:cNvCxnSpPr/>
-          <p:nvPr/>
-        </p:nvCxnSpPr>
-        <p:spPr>
-          <a:xfrm>
-            <a:off x="688763" y="3313215"/>
-            <a:ext cx="2945083" cy="8905"/>
-          </a:xfrm>
-          <a:prstGeom prst="line">
-            <a:avLst/>
-          </a:prstGeom>
-          <a:ln w="38100"/>
-        </p:spPr>
-        <p:style>
-          <a:lnRef idx="1">
-            <a:schemeClr val="accent1"/>
-          </a:lnRef>
-          <a:fillRef idx="0">
-            <a:schemeClr val="accent1"/>
-          </a:fillRef>
-          <a:effectRef idx="0">
-            <a:schemeClr val="accent1"/>
-          </a:effectRef>
-          <a:fontRef idx="minor">
-            <a:schemeClr val="tx1"/>
-          </a:fontRef>
-        </p:style>
-      </p:cxnSp>
-      <p:sp>
-        <p:nvSpPr>
-          <p:cNvPr id="10" name="Rectangle 9"/>
-          <p:cNvSpPr/>
-          <p:nvPr/>
-        </p:nvSpPr>
-        <p:spPr bwMode="auto">
-          <a:xfrm>
-            <a:off x="902519" y="3247900"/>
-            <a:ext cx="95002" cy="148441"/>
-          </a:xfrm>
-          <a:prstGeom prst="rect">
-            <a:avLst/>
-          </a:prstGeom>
-          <a:solidFill>
-            <a:schemeClr val="accent2"/>
-          </a:solidFill>
-          <a:ln>
-            <a:noFill/>
-            <a:headEnd type="none" w="med" len="med"/>
-            <a:tailEnd type="none" w="med" len="med"/>
-          </a:ln>
-          <a:effectLst/>
-        </p:spPr>
-        <p:style>
-          <a:lnRef idx="1">
-            <a:schemeClr val="accent2"/>
-          </a:lnRef>
-          <a:fillRef idx="3">
-            <a:schemeClr val="accent2"/>
-          </a:fillRef>
-          <a:effectRef idx="2">
-            <a:schemeClr val="accent2"/>
-          </a:effectRef>
-          <a:fontRef idx="minor">
-            <a:schemeClr val="lt1"/>
-          </a:fontRef>
-        </p:style>
-        <p:txBody>
-          <a:bodyPr vert="horz" wrap="square" lIns="91436" tIns="45718" rIns="91436" bIns="45718" numCol="1" rtlCol="0" anchor="ctr" anchorCtr="0" compatLnSpc="1">
-            <a:prstTxWarp prst="textNoShape">
-              <a:avLst/>
-            </a:prstTxWarp>
-          </a:bodyPr>
-          <a:lstStyle/>
-          <a:p>
-            <a:pPr algn="ctr" defTabSz="914099" fontAlgn="base">
-              <a:spcBef>
-                <a:spcPct val="0"/>
-              </a:spcBef>
-              <a:spcAft>
-                <a:spcPct val="0"/>
-              </a:spcAft>
-            </a:pPr>
-            <a:endParaRPr lang="en-US" sz="2200" dirty="0" smtClean="0">
-              <a:gradFill>
-                <a:gsLst>
-                  <a:gs pos="0">
-                    <a:srgbClr val="FFFFFF"/>
-                  </a:gs>
-                  <a:gs pos="100000">
-                    <a:srgbClr val="FFFFFF"/>
-                  </a:gs>
-                </a:gsLst>
-                <a:lin ang="5400000" scaled="0"/>
-              </a:gradFill>
-            </a:endParaRPr>
-          </a:p>
-        </p:txBody>
-      </p:sp>
-      <p:sp>
-        <p:nvSpPr>
-          <p:cNvPr id="11" name="Rectangle 10"/>
-          <p:cNvSpPr/>
-          <p:nvPr/>
-        </p:nvSpPr>
-        <p:spPr bwMode="auto">
-          <a:xfrm>
-            <a:off x="1080649" y="3247900"/>
-            <a:ext cx="95002" cy="148441"/>
-          </a:xfrm>
-          <a:prstGeom prst="rect">
-            <a:avLst/>
-          </a:prstGeom>
-          <a:solidFill>
-            <a:schemeClr val="accent2"/>
-          </a:solidFill>
-          <a:ln>
-            <a:noFill/>
-            <a:headEnd type="none" w="med" len="med"/>
-            <a:tailEnd type="none" w="med" len="med"/>
-          </a:ln>
-          <a:effectLst/>
-        </p:spPr>
-        <p:style>
-          <a:lnRef idx="1">
-            <a:schemeClr val="accent2"/>
-          </a:lnRef>
-          <a:fillRef idx="3">
-            <a:schemeClr val="accent2"/>
-          </a:fillRef>
-          <a:effectRef idx="2">
-            <a:schemeClr val="accent2"/>
-          </a:effectRef>
-          <a:fontRef idx="minor">
-            <a:schemeClr val="lt1"/>
-          </a:fontRef>
-        </p:style>
-        <p:txBody>
-          <a:bodyPr vert="horz" wrap="square" lIns="91436" tIns="45718" rIns="91436" bIns="45718" numCol="1" rtlCol="0" anchor="ctr" anchorCtr="0" compatLnSpc="1">
-            <a:prstTxWarp prst="textNoShape">
-              <a:avLst/>
-            </a:prstTxWarp>
-          </a:bodyPr>
-          <a:lstStyle/>
-          <a:p>
-            <a:pPr algn="ctr" defTabSz="914099" fontAlgn="base">
-              <a:spcBef>
-                <a:spcPct val="0"/>
-              </a:spcBef>
-              <a:spcAft>
-                <a:spcPct val="0"/>
-              </a:spcAft>
-            </a:pPr>
-            <a:endParaRPr lang="en-US" sz="2200" dirty="0" smtClean="0">
-              <a:gradFill>
-                <a:gsLst>
-                  <a:gs pos="0">
-                    <a:srgbClr val="FFFFFF"/>
-                  </a:gs>
-                  <a:gs pos="100000">
-                    <a:srgbClr val="FFFFFF"/>
-                  </a:gs>
-                </a:gsLst>
-                <a:lin ang="5400000" scaled="0"/>
-              </a:gradFill>
-            </a:endParaRPr>
-          </a:p>
-        </p:txBody>
-      </p:sp>
-      <p:sp>
-        <p:nvSpPr>
-          <p:cNvPr id="12" name="Rectangle 11"/>
-          <p:cNvSpPr/>
-          <p:nvPr/>
-        </p:nvSpPr>
-        <p:spPr bwMode="auto">
-          <a:xfrm>
-            <a:off x="1258779" y="3247900"/>
-            <a:ext cx="95002" cy="148441"/>
-          </a:xfrm>
-          <a:prstGeom prst="rect">
-            <a:avLst/>
-          </a:prstGeom>
-          <a:solidFill>
-            <a:schemeClr val="accent2"/>
-          </a:solidFill>
-          <a:ln>
-            <a:noFill/>
-            <a:headEnd type="none" w="med" len="med"/>
-            <a:tailEnd type="none" w="med" len="med"/>
-          </a:ln>
-          <a:effectLst/>
-        </p:spPr>
-        <p:style>
-          <a:lnRef idx="1">
-            <a:schemeClr val="accent2"/>
-          </a:lnRef>
-          <a:fillRef idx="3">
-            <a:schemeClr val="accent2"/>
-          </a:fillRef>
-          <a:effectRef idx="2">
-            <a:schemeClr val="accent2"/>
-          </a:effectRef>
-          <a:fontRef idx="minor">
-            <a:schemeClr val="lt1"/>
-          </a:fontRef>
-        </p:style>
-        <p:txBody>
-          <a:bodyPr vert="horz" wrap="square" lIns="91436" tIns="45718" rIns="91436" bIns="45718" numCol="1" rtlCol="0" anchor="ctr" anchorCtr="0" compatLnSpc="1">
-            <a:prstTxWarp prst="textNoShape">
-              <a:avLst/>
-            </a:prstTxWarp>
-          </a:bodyPr>
-          <a:lstStyle/>
-          <a:p>
-            <a:pPr algn="ctr" defTabSz="914099" fontAlgn="base">
-              <a:spcBef>
-                <a:spcPct val="0"/>
-              </a:spcBef>
-              <a:spcAft>
-                <a:spcPct val="0"/>
-              </a:spcAft>
-            </a:pPr>
-            <a:endParaRPr lang="en-US" sz="2200" dirty="0" smtClean="0">
-              <a:gradFill>
-                <a:gsLst>
-                  <a:gs pos="0">
-                    <a:srgbClr val="FFFFFF"/>
-                  </a:gs>
-                  <a:gs pos="100000">
-                    <a:srgbClr val="FFFFFF"/>
-                  </a:gs>
-                </a:gsLst>
-                <a:lin ang="5400000" scaled="0"/>
-              </a:gradFill>
-            </a:endParaRPr>
-          </a:p>
-        </p:txBody>
-      </p:sp>
-      <p:sp>
-        <p:nvSpPr>
-          <p:cNvPr id="13" name="Rectangle 12"/>
-          <p:cNvSpPr/>
-          <p:nvPr/>
-        </p:nvSpPr>
-        <p:spPr bwMode="auto">
-          <a:xfrm>
-            <a:off x="2636317" y="3247900"/>
-            <a:ext cx="95002" cy="148441"/>
-          </a:xfrm>
-          <a:prstGeom prst="rect">
-            <a:avLst/>
-          </a:prstGeom>
-          <a:solidFill>
-            <a:schemeClr val="accent2"/>
-          </a:solidFill>
-          <a:ln>
-            <a:noFill/>
-            <a:headEnd type="none" w="med" len="med"/>
-            <a:tailEnd type="none" w="med" len="med"/>
-          </a:ln>
-          <a:effectLst/>
-        </p:spPr>
-        <p:style>
-          <a:lnRef idx="1">
-            <a:schemeClr val="accent2"/>
-          </a:lnRef>
-          <a:fillRef idx="3">
-            <a:schemeClr val="accent2"/>
-          </a:fillRef>
-          <a:effectRef idx="2">
-            <a:schemeClr val="accent2"/>
-          </a:effectRef>
-          <a:fontRef idx="minor">
-            <a:schemeClr val="lt1"/>
-          </a:fontRef>
-        </p:style>
-        <p:txBody>
-          <a:bodyPr vert="horz" wrap="square" lIns="91436" tIns="45718" rIns="91436" bIns="45718" numCol="1" rtlCol="0" anchor="ctr" anchorCtr="0" compatLnSpc="1">
-            <a:prstTxWarp prst="textNoShape">
-              <a:avLst/>
-            </a:prstTxWarp>
-          </a:bodyPr>
-          <a:lstStyle/>
-          <a:p>
-            <a:pPr algn="ctr" defTabSz="914099" fontAlgn="base">
-              <a:spcBef>
-                <a:spcPct val="0"/>
-              </a:spcBef>
-              <a:spcAft>
-                <a:spcPct val="0"/>
-              </a:spcAft>
-            </a:pPr>
-            <a:endParaRPr lang="en-US" sz="2200" dirty="0" smtClean="0">
-              <a:gradFill>
-                <a:gsLst>
-                  <a:gs pos="0">
-                    <a:srgbClr val="FFFFFF"/>
-                  </a:gs>
-                  <a:gs pos="100000">
-                    <a:srgbClr val="FFFFFF"/>
-                  </a:gs>
-                </a:gsLst>
-                <a:lin ang="5400000" scaled="0"/>
-              </a:gradFill>
-            </a:endParaRPr>
-          </a:p>
-        </p:txBody>
-      </p:sp>
-      <p:sp>
-        <p:nvSpPr>
-          <p:cNvPr id="14" name="Rectangle 13"/>
-          <p:cNvSpPr/>
-          <p:nvPr/>
-        </p:nvSpPr>
-        <p:spPr bwMode="auto">
-          <a:xfrm>
-            <a:off x="2826323" y="3247900"/>
-            <a:ext cx="95002" cy="148441"/>
-          </a:xfrm>
-          <a:prstGeom prst="rect">
-            <a:avLst/>
-          </a:prstGeom>
-          <a:solidFill>
-            <a:schemeClr val="accent2"/>
-          </a:solidFill>
-          <a:ln>
-            <a:noFill/>
-            <a:headEnd type="none" w="med" len="med"/>
-            <a:tailEnd type="none" w="med" len="med"/>
-          </a:ln>
-          <a:effectLst/>
-        </p:spPr>
-        <p:style>
-          <a:lnRef idx="1">
-            <a:schemeClr val="accent2"/>
-          </a:lnRef>
-          <a:fillRef idx="3">
-            <a:schemeClr val="accent2"/>
-          </a:fillRef>
-          <a:effectRef idx="2">
-            <a:schemeClr val="accent2"/>
-          </a:effectRef>
-          <a:fontRef idx="minor">
-            <a:schemeClr val="lt1"/>
-          </a:fontRef>
-        </p:style>
-        <p:txBody>
-          <a:bodyPr vert="horz" wrap="square" lIns="91436" tIns="45718" rIns="91436" bIns="45718" numCol="1" rtlCol="0" anchor="ctr" anchorCtr="0" compatLnSpc="1">
-            <a:prstTxWarp prst="textNoShape">
-              <a:avLst/>
-            </a:prstTxWarp>
-          </a:bodyPr>
-          <a:lstStyle/>
-          <a:p>
-            <a:pPr algn="ctr" defTabSz="914099" fontAlgn="base">
-              <a:spcBef>
-                <a:spcPct val="0"/>
-              </a:spcBef>
-              <a:spcAft>
-                <a:spcPct val="0"/>
-              </a:spcAft>
-            </a:pPr>
-            <a:endParaRPr lang="en-US" sz="2200" dirty="0" smtClean="0">
-              <a:gradFill>
-                <a:gsLst>
-                  <a:gs pos="0">
-                    <a:srgbClr val="FFFFFF"/>
-                  </a:gs>
-                  <a:gs pos="100000">
-                    <a:srgbClr val="FFFFFF"/>
-                  </a:gs>
-                </a:gsLst>
-                <a:lin ang="5400000" scaled="0"/>
-              </a:gradFill>
-            </a:endParaRPr>
-          </a:p>
-        </p:txBody>
-      </p:sp>
-      <p:sp>
-        <p:nvSpPr>
-          <p:cNvPr id="15" name="Rectangle 14"/>
-          <p:cNvSpPr/>
-          <p:nvPr/>
-        </p:nvSpPr>
-        <p:spPr bwMode="auto">
-          <a:xfrm>
-            <a:off x="688762" y="3681350"/>
-            <a:ext cx="1472542" cy="866899"/>
-          </a:xfrm>
-          <a:prstGeom prst="rect">
-            <a:avLst/>
-          </a:prstGeom>
-          <a:noFill/>
-          <a:ln w="38100">
-            <a:solidFill>
-              <a:srgbClr val="00AEEF"/>
-            </a:solidFill>
-            <a:headEnd type="none" w="med" len="med"/>
-            <a:tailEnd type="none" w="med" len="med"/>
-          </a:ln>
-          <a:effectLst/>
-        </p:spPr>
-        <p:style>
-          <a:lnRef idx="1">
-            <a:schemeClr val="accent2"/>
-          </a:lnRef>
-          <a:fillRef idx="3">
-            <a:schemeClr val="accent2"/>
-          </a:fillRef>
-          <a:effectRef idx="2">
-            <a:schemeClr val="accent2"/>
-          </a:effectRef>
-          <a:fontRef idx="minor">
-            <a:schemeClr val="lt1"/>
-          </a:fontRef>
-        </p:style>
-        <p:txBody>
-          <a:bodyPr vert="horz" wrap="square" lIns="91436" tIns="45718" rIns="91436" bIns="45718" numCol="1" rtlCol="0" anchor="ctr" anchorCtr="0" compatLnSpc="1">
-            <a:prstTxWarp prst="textNoShape">
-              <a:avLst/>
-            </a:prstTxWarp>
-          </a:bodyPr>
-          <a:lstStyle/>
-          <a:p>
-            <a:pPr algn="ctr" defTabSz="914099" fontAlgn="base">
-              <a:spcBef>
-                <a:spcPct val="0"/>
-              </a:spcBef>
-              <a:spcAft>
-                <a:spcPct val="0"/>
-              </a:spcAft>
-            </a:pPr>
-            <a:endParaRPr lang="en-US" sz="2200" dirty="0" smtClean="0">
-              <a:gradFill>
-                <a:gsLst>
-                  <a:gs pos="0">
-                    <a:srgbClr val="FFFFFF"/>
-                  </a:gs>
-                  <a:gs pos="100000">
-                    <a:srgbClr val="FFFFFF"/>
-                  </a:gs>
-                </a:gsLst>
-                <a:lin ang="5400000" scaled="0"/>
-              </a:gradFill>
-            </a:endParaRPr>
-          </a:p>
-        </p:txBody>
-      </p:sp>
-      <p:sp>
-        <p:nvSpPr>
-          <p:cNvPr id="17" name="Rectangle 16"/>
-          <p:cNvSpPr/>
-          <p:nvPr/>
-        </p:nvSpPr>
-        <p:spPr bwMode="auto">
-          <a:xfrm>
-            <a:off x="2161304" y="4548248"/>
-            <a:ext cx="1472542" cy="866899"/>
-          </a:xfrm>
-          <a:prstGeom prst="rect">
-            <a:avLst/>
-          </a:prstGeom>
-          <a:noFill/>
-          <a:ln w="38100">
-            <a:solidFill>
-              <a:srgbClr val="00AEEF"/>
-            </a:solidFill>
-            <a:headEnd type="none" w="med" len="med"/>
-            <a:tailEnd type="none" w="med" len="med"/>
-          </a:ln>
-          <a:effectLst/>
-        </p:spPr>
-        <p:style>
-          <a:lnRef idx="1">
-            <a:schemeClr val="accent2"/>
-          </a:lnRef>
-          <a:fillRef idx="3">
-            <a:schemeClr val="accent2"/>
-          </a:fillRef>
-          <a:effectRef idx="2">
-            <a:schemeClr val="accent2"/>
-          </a:effectRef>
-          <a:fontRef idx="minor">
-            <a:schemeClr val="lt1"/>
-          </a:fontRef>
-        </p:style>
-        <p:txBody>
-          <a:bodyPr vert="horz" wrap="square" lIns="91436" tIns="45718" rIns="91436" bIns="45718" numCol="1" rtlCol="0" anchor="ctr" anchorCtr="0" compatLnSpc="1">
-            <a:prstTxWarp prst="textNoShape">
-              <a:avLst/>
-            </a:prstTxWarp>
-          </a:bodyPr>
-          <a:lstStyle/>
-          <a:p>
-            <a:pPr algn="ctr" defTabSz="914099" fontAlgn="base">
-              <a:spcBef>
-                <a:spcPct val="0"/>
-              </a:spcBef>
-              <a:spcAft>
-                <a:spcPct val="0"/>
-              </a:spcAft>
-            </a:pPr>
-            <a:endParaRPr lang="en-US" sz="2200" dirty="0">
-              <a:gradFill>
-                <a:gsLst>
-                  <a:gs pos="0">
-                    <a:srgbClr val="FFFFFF"/>
-                  </a:gs>
-                  <a:gs pos="100000">
-                    <a:srgbClr val="FFFFFF"/>
-                  </a:gs>
-                </a:gsLst>
-                <a:lin ang="5400000" scaled="0"/>
-              </a:gradFill>
-            </a:endParaRPr>
-          </a:p>
-        </p:txBody>
-      </p:sp>
-      <p:sp>
-        <p:nvSpPr>
-          <p:cNvPr id="20" name="Rectangle 19"/>
-          <p:cNvSpPr/>
-          <p:nvPr/>
-        </p:nvSpPr>
-        <p:spPr bwMode="auto">
-          <a:xfrm>
-            <a:off x="902519" y="4006249"/>
-            <a:ext cx="95002" cy="148441"/>
-          </a:xfrm>
-          <a:prstGeom prst="rect">
-            <a:avLst/>
-          </a:prstGeom>
-          <a:solidFill>
-            <a:schemeClr val="accent2"/>
-          </a:solidFill>
-          <a:ln>
-            <a:noFill/>
-            <a:headEnd type="none" w="med" len="med"/>
-            <a:tailEnd type="none" w="med" len="med"/>
-          </a:ln>
-          <a:effectLst/>
-        </p:spPr>
-        <p:style>
-          <a:lnRef idx="1">
-            <a:schemeClr val="accent2"/>
-          </a:lnRef>
-          <a:fillRef idx="3">
-            <a:schemeClr val="accent2"/>
-          </a:fillRef>
-          <a:effectRef idx="2">
-            <a:schemeClr val="accent2"/>
-          </a:effectRef>
-          <a:fontRef idx="minor">
-            <a:schemeClr val="lt1"/>
-          </a:fontRef>
-        </p:style>
-        <p:txBody>
-          <a:bodyPr vert="horz" wrap="square" lIns="91436" tIns="45718" rIns="91436" bIns="45718" numCol="1" rtlCol="0" anchor="ctr" anchorCtr="0" compatLnSpc="1">
-            <a:prstTxWarp prst="textNoShape">
-              <a:avLst/>
-            </a:prstTxWarp>
-          </a:bodyPr>
-          <a:lstStyle/>
-          <a:p>
-            <a:pPr algn="ctr" defTabSz="914099" fontAlgn="base">
-              <a:spcBef>
-                <a:spcPct val="0"/>
-              </a:spcBef>
-              <a:spcAft>
-                <a:spcPct val="0"/>
-              </a:spcAft>
-            </a:pPr>
-            <a:endParaRPr lang="en-US" sz="2200" dirty="0" smtClean="0">
-              <a:gradFill>
-                <a:gsLst>
-                  <a:gs pos="0">
-                    <a:srgbClr val="FFFFFF"/>
-                  </a:gs>
-                  <a:gs pos="100000">
-                    <a:srgbClr val="FFFFFF"/>
-                  </a:gs>
-                </a:gsLst>
-                <a:lin ang="5400000" scaled="0"/>
-              </a:gradFill>
-            </a:endParaRPr>
-          </a:p>
-        </p:txBody>
-      </p:sp>
-      <p:sp>
-        <p:nvSpPr>
-          <p:cNvPr id="21" name="Rectangle 20"/>
-          <p:cNvSpPr/>
-          <p:nvPr/>
-        </p:nvSpPr>
-        <p:spPr bwMode="auto">
-          <a:xfrm>
-            <a:off x="1080649" y="4006249"/>
-            <a:ext cx="95002" cy="148441"/>
-          </a:xfrm>
-          <a:prstGeom prst="rect">
-            <a:avLst/>
-          </a:prstGeom>
-          <a:solidFill>
-            <a:schemeClr val="accent2"/>
-          </a:solidFill>
-          <a:ln>
-            <a:noFill/>
-            <a:headEnd type="none" w="med" len="med"/>
-            <a:tailEnd type="none" w="med" len="med"/>
-          </a:ln>
-          <a:effectLst/>
-        </p:spPr>
-        <p:style>
-          <a:lnRef idx="1">
-            <a:schemeClr val="accent2"/>
-          </a:lnRef>
-          <a:fillRef idx="3">
-            <a:schemeClr val="accent2"/>
-          </a:fillRef>
-          <a:effectRef idx="2">
-            <a:schemeClr val="accent2"/>
-          </a:effectRef>
-          <a:fontRef idx="minor">
-            <a:schemeClr val="lt1"/>
-          </a:fontRef>
-        </p:style>
-        <p:txBody>
-          <a:bodyPr vert="horz" wrap="square" lIns="91436" tIns="45718" rIns="91436" bIns="45718" numCol="1" rtlCol="0" anchor="ctr" anchorCtr="0" compatLnSpc="1">
-            <a:prstTxWarp prst="textNoShape">
-              <a:avLst/>
-            </a:prstTxWarp>
-          </a:bodyPr>
-          <a:lstStyle/>
-          <a:p>
-            <a:pPr algn="ctr" defTabSz="914099" fontAlgn="base">
-              <a:spcBef>
-                <a:spcPct val="0"/>
-              </a:spcBef>
-              <a:spcAft>
-                <a:spcPct val="0"/>
-              </a:spcAft>
-            </a:pPr>
-            <a:endParaRPr lang="en-US" sz="2200" dirty="0" smtClean="0">
-              <a:gradFill>
-                <a:gsLst>
-                  <a:gs pos="0">
-                    <a:srgbClr val="FFFFFF"/>
-                  </a:gs>
-                  <a:gs pos="100000">
-                    <a:srgbClr val="FFFFFF"/>
-                  </a:gs>
-                </a:gsLst>
-                <a:lin ang="5400000" scaled="0"/>
-              </a:gradFill>
-            </a:endParaRPr>
-          </a:p>
-        </p:txBody>
-      </p:sp>
-      <p:sp>
-        <p:nvSpPr>
-          <p:cNvPr id="22" name="Rectangle 21"/>
-          <p:cNvSpPr/>
-          <p:nvPr/>
-        </p:nvSpPr>
-        <p:spPr bwMode="auto">
-          <a:xfrm>
-            <a:off x="1258779" y="4006249"/>
-            <a:ext cx="95002" cy="148441"/>
-          </a:xfrm>
-          <a:prstGeom prst="rect">
-            <a:avLst/>
-          </a:prstGeom>
-          <a:solidFill>
-            <a:schemeClr val="accent2"/>
-          </a:solidFill>
-          <a:ln>
-            <a:noFill/>
-            <a:headEnd type="none" w="med" len="med"/>
-            <a:tailEnd type="none" w="med" len="med"/>
-          </a:ln>
-          <a:effectLst/>
-        </p:spPr>
-        <p:style>
-          <a:lnRef idx="1">
-            <a:schemeClr val="accent2"/>
-          </a:lnRef>
-          <a:fillRef idx="3">
-            <a:schemeClr val="accent2"/>
-          </a:fillRef>
-          <a:effectRef idx="2">
-            <a:schemeClr val="accent2"/>
-          </a:effectRef>
-          <a:fontRef idx="minor">
-            <a:schemeClr val="lt1"/>
-          </a:fontRef>
-        </p:style>
-        <p:txBody>
-          <a:bodyPr vert="horz" wrap="square" lIns="91436" tIns="45718" rIns="91436" bIns="45718" numCol="1" rtlCol="0" anchor="ctr" anchorCtr="0" compatLnSpc="1">
-            <a:prstTxWarp prst="textNoShape">
-              <a:avLst/>
-            </a:prstTxWarp>
-          </a:bodyPr>
-          <a:lstStyle/>
-          <a:p>
-            <a:pPr algn="ctr" defTabSz="914099" fontAlgn="base">
-              <a:spcBef>
-                <a:spcPct val="0"/>
-              </a:spcBef>
-              <a:spcAft>
-                <a:spcPct val="0"/>
-              </a:spcAft>
-            </a:pPr>
-            <a:endParaRPr lang="en-US" sz="2200" dirty="0" smtClean="0">
-              <a:gradFill>
-                <a:gsLst>
-                  <a:gs pos="0">
-                    <a:srgbClr val="FFFFFF"/>
-                  </a:gs>
-                  <a:gs pos="100000">
-                    <a:srgbClr val="FFFFFF"/>
-                  </a:gs>
-                </a:gsLst>
-                <a:lin ang="5400000" scaled="0"/>
-              </a:gradFill>
-            </a:endParaRPr>
-          </a:p>
-        </p:txBody>
-      </p:sp>
-      <p:sp>
-        <p:nvSpPr>
-          <p:cNvPr id="23" name="Rectangle 22"/>
-          <p:cNvSpPr/>
-          <p:nvPr/>
-        </p:nvSpPr>
-        <p:spPr bwMode="auto">
-          <a:xfrm>
-            <a:off x="2636317" y="4873148"/>
-            <a:ext cx="95002" cy="148441"/>
-          </a:xfrm>
-          <a:prstGeom prst="rect">
-            <a:avLst/>
-          </a:prstGeom>
-          <a:solidFill>
-            <a:schemeClr val="accent2"/>
-          </a:solidFill>
-          <a:ln>
-            <a:noFill/>
-            <a:headEnd type="none" w="med" len="med"/>
-            <a:tailEnd type="none" w="med" len="med"/>
-          </a:ln>
-          <a:effectLst/>
-        </p:spPr>
-        <p:style>
-          <a:lnRef idx="1">
-            <a:schemeClr val="accent2"/>
-          </a:lnRef>
-          <a:fillRef idx="3">
-            <a:schemeClr val="accent2"/>
-          </a:fillRef>
-          <a:effectRef idx="2">
-            <a:schemeClr val="accent2"/>
-          </a:effectRef>
-          <a:fontRef idx="minor">
-            <a:schemeClr val="lt1"/>
-          </a:fontRef>
-        </p:style>
-        <p:txBody>
-          <a:bodyPr vert="horz" wrap="square" lIns="91436" tIns="45718" rIns="91436" bIns="45718" numCol="1" rtlCol="0" anchor="ctr" anchorCtr="0" compatLnSpc="1">
-            <a:prstTxWarp prst="textNoShape">
-              <a:avLst/>
-            </a:prstTxWarp>
-          </a:bodyPr>
-          <a:lstStyle/>
-          <a:p>
-            <a:pPr algn="ctr" defTabSz="914099" fontAlgn="base">
-              <a:spcBef>
-                <a:spcPct val="0"/>
-              </a:spcBef>
-              <a:spcAft>
-                <a:spcPct val="0"/>
-              </a:spcAft>
-            </a:pPr>
-            <a:endParaRPr lang="en-US" sz="2200" dirty="0" smtClean="0">
-              <a:gradFill>
-                <a:gsLst>
-                  <a:gs pos="0">
-                    <a:srgbClr val="FFFFFF"/>
-                  </a:gs>
-                  <a:gs pos="100000">
-                    <a:srgbClr val="FFFFFF"/>
-                  </a:gs>
-                </a:gsLst>
-                <a:lin ang="5400000" scaled="0"/>
-              </a:gradFill>
-            </a:endParaRPr>
-          </a:p>
-        </p:txBody>
-      </p:sp>
-      <p:sp>
-        <p:nvSpPr>
-          <p:cNvPr id="24" name="Rectangle 23"/>
-          <p:cNvSpPr/>
-          <p:nvPr/>
-        </p:nvSpPr>
-        <p:spPr bwMode="auto">
-          <a:xfrm>
-            <a:off x="2826323" y="4873148"/>
-            <a:ext cx="95002" cy="148441"/>
-          </a:xfrm>
-          <a:prstGeom prst="rect">
-            <a:avLst/>
-          </a:prstGeom>
-          <a:solidFill>
-            <a:schemeClr val="accent2"/>
-          </a:solidFill>
-          <a:ln>
-            <a:noFill/>
-            <a:headEnd type="none" w="med" len="med"/>
-            <a:tailEnd type="none" w="med" len="med"/>
-          </a:ln>
-          <a:effectLst/>
-        </p:spPr>
-        <p:style>
-          <a:lnRef idx="1">
-            <a:schemeClr val="accent2"/>
-          </a:lnRef>
-          <a:fillRef idx="3">
-            <a:schemeClr val="accent2"/>
-          </a:fillRef>
-          <a:effectRef idx="2">
-            <a:schemeClr val="accent2"/>
-          </a:effectRef>
-          <a:fontRef idx="minor">
-            <a:schemeClr val="lt1"/>
-          </a:fontRef>
-        </p:style>
-        <p:txBody>
-          <a:bodyPr vert="horz" wrap="square" lIns="91436" tIns="45718" rIns="91436" bIns="45718" numCol="1" rtlCol="0" anchor="ctr" anchorCtr="0" compatLnSpc="1">
-            <a:prstTxWarp prst="textNoShape">
-              <a:avLst/>
-            </a:prstTxWarp>
-          </a:bodyPr>
-          <a:lstStyle/>
-          <a:p>
-            <a:pPr algn="ctr" defTabSz="914099" fontAlgn="base">
-              <a:spcBef>
-                <a:spcPct val="0"/>
-              </a:spcBef>
-              <a:spcAft>
-                <a:spcPct val="0"/>
-              </a:spcAft>
-            </a:pPr>
-            <a:endParaRPr lang="en-US" sz="2200" dirty="0" smtClean="0">
-              <a:gradFill>
-                <a:gsLst>
-                  <a:gs pos="0">
-                    <a:srgbClr val="FFFFFF"/>
-                  </a:gs>
-                  <a:gs pos="100000">
-                    <a:srgbClr val="FFFFFF"/>
-                  </a:gs>
-                </a:gsLst>
-                <a:lin ang="5400000" scaled="0"/>
-              </a:gradFill>
-            </a:endParaRPr>
-          </a:p>
-        </p:txBody>
-      </p:sp>
-      <p:sp>
-        <p:nvSpPr>
-          <p:cNvPr id="25" name="TextBox 24"/>
-          <p:cNvSpPr txBox="1"/>
-          <p:nvPr/>
-        </p:nvSpPr>
-        <p:spPr>
-          <a:xfrm>
-            <a:off x="688762" y="2666899"/>
-            <a:ext cx="2945084" cy="387798"/>
-          </a:xfrm>
-          <a:prstGeom prst="rect">
-            <a:avLst/>
-          </a:prstGeom>
-          <a:noFill/>
-        </p:spPr>
-        <p:txBody>
-          <a:bodyPr wrap="square" lIns="0" tIns="0" rIns="0" bIns="0" rtlCol="0">
-            <a:spAutoFit/>
-          </a:bodyPr>
-          <a:lstStyle/>
-          <a:p>
-            <a:pPr algn="ctr">
-              <a:lnSpc>
-                <a:spcPct val="90000"/>
-              </a:lnSpc>
-              <a:spcBef>
-                <a:spcPct val="20000"/>
-              </a:spcBef>
-              <a:buSzPct val="80000"/>
-            </a:pPr>
-            <a:r>
-              <a:rPr lang="en-US" sz="2800" dirty="0" smtClean="0">
-                <a:solidFill>
-                  <a:schemeClr val="accent1"/>
-                </a:solidFill>
-              </a:rPr>
-              <a:t>Tumbling Window</a:t>
-            </a:r>
-            <a:endParaRPr lang="en-US" sz="2800" dirty="0">
-              <a:solidFill>
-                <a:schemeClr val="accent1"/>
-              </a:solidFill>
-            </a:endParaRPr>
-          </a:p>
-        </p:txBody>
-      </p:sp>
-      <p:cxnSp>
-        <p:nvCxnSpPr>
-          <p:cNvPr id="26" name="Straight Connector 25"/>
-          <p:cNvCxnSpPr/>
-          <p:nvPr/>
-        </p:nvCxnSpPr>
-        <p:spPr>
-          <a:xfrm>
-            <a:off x="4441370" y="3313215"/>
-            <a:ext cx="2945083" cy="8905"/>
-          </a:xfrm>
-          <a:prstGeom prst="line">
-            <a:avLst/>
-          </a:prstGeom>
-          <a:ln w="38100"/>
-        </p:spPr>
-        <p:style>
-          <a:lnRef idx="1">
-            <a:schemeClr val="accent1"/>
-          </a:lnRef>
-          <a:fillRef idx="0">
-            <a:schemeClr val="accent1"/>
-          </a:fillRef>
-          <a:effectRef idx="0">
-            <a:schemeClr val="accent1"/>
-          </a:effectRef>
-          <a:fontRef idx="minor">
-            <a:schemeClr val="tx1"/>
-          </a:fontRef>
-        </p:style>
-      </p:cxnSp>
-      <p:sp>
-        <p:nvSpPr>
-          <p:cNvPr id="27" name="Rectangle 26"/>
-          <p:cNvSpPr/>
-          <p:nvPr/>
-        </p:nvSpPr>
-        <p:spPr bwMode="auto">
-          <a:xfrm>
-            <a:off x="4655126" y="3247900"/>
-            <a:ext cx="95002" cy="148441"/>
-          </a:xfrm>
-          <a:prstGeom prst="rect">
-            <a:avLst/>
-          </a:prstGeom>
-          <a:solidFill>
-            <a:schemeClr val="accent2"/>
-          </a:solidFill>
-          <a:ln>
-            <a:noFill/>
-            <a:headEnd type="none" w="med" len="med"/>
-            <a:tailEnd type="none" w="med" len="med"/>
-          </a:ln>
-          <a:effectLst/>
-        </p:spPr>
-        <p:style>
-          <a:lnRef idx="1">
-            <a:schemeClr val="accent2"/>
-          </a:lnRef>
-          <a:fillRef idx="3">
-            <a:schemeClr val="accent2"/>
-          </a:fillRef>
-          <a:effectRef idx="2">
-            <a:schemeClr val="accent2"/>
-          </a:effectRef>
-          <a:fontRef idx="minor">
-            <a:schemeClr val="lt1"/>
-          </a:fontRef>
-        </p:style>
-        <p:txBody>
-          <a:bodyPr vert="horz" wrap="square" lIns="91436" tIns="45718" rIns="91436" bIns="45718" numCol="1" rtlCol="0" anchor="ctr" anchorCtr="0" compatLnSpc="1">
-            <a:prstTxWarp prst="textNoShape">
-              <a:avLst/>
-            </a:prstTxWarp>
-          </a:bodyPr>
-          <a:lstStyle/>
-          <a:p>
-            <a:pPr algn="ctr" defTabSz="914099" fontAlgn="base">
-              <a:spcBef>
-                <a:spcPct val="0"/>
-              </a:spcBef>
-              <a:spcAft>
-                <a:spcPct val="0"/>
-              </a:spcAft>
-            </a:pPr>
-            <a:endParaRPr lang="en-US" sz="2200" dirty="0" smtClean="0">
-              <a:gradFill>
-                <a:gsLst>
-                  <a:gs pos="0">
-                    <a:srgbClr val="FFFFFF"/>
-                  </a:gs>
-                  <a:gs pos="100000">
-                    <a:srgbClr val="FFFFFF"/>
-                  </a:gs>
-                </a:gsLst>
-                <a:lin ang="5400000" scaled="0"/>
-              </a:gradFill>
-            </a:endParaRPr>
-          </a:p>
-        </p:txBody>
-      </p:sp>
-      <p:sp>
-        <p:nvSpPr>
-          <p:cNvPr id="28" name="Rectangle 27"/>
-          <p:cNvSpPr/>
-          <p:nvPr/>
-        </p:nvSpPr>
-        <p:spPr bwMode="auto">
-          <a:xfrm>
-            <a:off x="4833256" y="3247900"/>
-            <a:ext cx="95002" cy="148441"/>
-          </a:xfrm>
-          <a:prstGeom prst="rect">
-            <a:avLst/>
-          </a:prstGeom>
-          <a:solidFill>
-            <a:schemeClr val="accent2"/>
-          </a:solidFill>
-          <a:ln>
-            <a:noFill/>
-            <a:headEnd type="none" w="med" len="med"/>
-            <a:tailEnd type="none" w="med" len="med"/>
-          </a:ln>
-          <a:effectLst/>
-        </p:spPr>
-        <p:style>
-          <a:lnRef idx="1">
-            <a:schemeClr val="accent2"/>
-          </a:lnRef>
-          <a:fillRef idx="3">
-            <a:schemeClr val="accent2"/>
-          </a:fillRef>
-          <a:effectRef idx="2">
-            <a:schemeClr val="accent2"/>
-          </a:effectRef>
-          <a:fontRef idx="minor">
-            <a:schemeClr val="lt1"/>
-          </a:fontRef>
-        </p:style>
-        <p:txBody>
-          <a:bodyPr vert="horz" wrap="square" lIns="91436" tIns="45718" rIns="91436" bIns="45718" numCol="1" rtlCol="0" anchor="ctr" anchorCtr="0" compatLnSpc="1">
-            <a:prstTxWarp prst="textNoShape">
-              <a:avLst/>
-            </a:prstTxWarp>
-          </a:bodyPr>
-          <a:lstStyle/>
-          <a:p>
-            <a:pPr algn="ctr" defTabSz="914099" fontAlgn="base">
-              <a:spcBef>
-                <a:spcPct val="0"/>
-              </a:spcBef>
-              <a:spcAft>
-                <a:spcPct val="0"/>
-              </a:spcAft>
-            </a:pPr>
-            <a:endParaRPr lang="en-US" sz="2200" dirty="0" smtClean="0">
-              <a:gradFill>
-                <a:gsLst>
-                  <a:gs pos="0">
-                    <a:srgbClr val="FFFFFF"/>
-                  </a:gs>
-                  <a:gs pos="100000">
-                    <a:srgbClr val="FFFFFF"/>
-                  </a:gs>
-                </a:gsLst>
-                <a:lin ang="5400000" scaled="0"/>
-              </a:gradFill>
-            </a:endParaRPr>
-          </a:p>
-        </p:txBody>
-      </p:sp>
-      <p:sp>
-        <p:nvSpPr>
-          <p:cNvPr id="29" name="Rectangle 28"/>
-          <p:cNvSpPr/>
-          <p:nvPr/>
-        </p:nvSpPr>
-        <p:spPr bwMode="auto">
-          <a:xfrm>
-            <a:off x="5011386" y="3247900"/>
-            <a:ext cx="95002" cy="148441"/>
-          </a:xfrm>
-          <a:prstGeom prst="rect">
-            <a:avLst/>
-          </a:prstGeom>
-          <a:solidFill>
-            <a:schemeClr val="accent2"/>
-          </a:solidFill>
-          <a:ln>
-            <a:noFill/>
-            <a:headEnd type="none" w="med" len="med"/>
-            <a:tailEnd type="none" w="med" len="med"/>
-          </a:ln>
-          <a:effectLst/>
-        </p:spPr>
-        <p:style>
-          <a:lnRef idx="1">
-            <a:schemeClr val="accent2"/>
-          </a:lnRef>
-          <a:fillRef idx="3">
-            <a:schemeClr val="accent2"/>
-          </a:fillRef>
-          <a:effectRef idx="2">
-            <a:schemeClr val="accent2"/>
-          </a:effectRef>
-          <a:fontRef idx="minor">
-            <a:schemeClr val="lt1"/>
-          </a:fontRef>
-        </p:style>
-        <p:txBody>
-          <a:bodyPr vert="horz" wrap="square" lIns="91436" tIns="45718" rIns="91436" bIns="45718" numCol="1" rtlCol="0" anchor="ctr" anchorCtr="0" compatLnSpc="1">
-            <a:prstTxWarp prst="textNoShape">
-              <a:avLst/>
-            </a:prstTxWarp>
-          </a:bodyPr>
-          <a:lstStyle/>
-          <a:p>
-            <a:pPr algn="ctr" defTabSz="914099" fontAlgn="base">
-              <a:spcBef>
-                <a:spcPct val="0"/>
-              </a:spcBef>
-              <a:spcAft>
-                <a:spcPct val="0"/>
-              </a:spcAft>
-            </a:pPr>
-            <a:endParaRPr lang="en-US" sz="2200" dirty="0" smtClean="0">
-              <a:gradFill>
-                <a:gsLst>
-                  <a:gs pos="0">
-                    <a:srgbClr val="FFFFFF"/>
-                  </a:gs>
-                  <a:gs pos="100000">
-                    <a:srgbClr val="FFFFFF"/>
-                  </a:gs>
-                </a:gsLst>
-                <a:lin ang="5400000" scaled="0"/>
-              </a:gradFill>
-            </a:endParaRPr>
-          </a:p>
-        </p:txBody>
-      </p:sp>
-      <p:sp>
-        <p:nvSpPr>
-          <p:cNvPr id="30" name="Rectangle 29"/>
-          <p:cNvSpPr/>
-          <p:nvPr/>
-        </p:nvSpPr>
-        <p:spPr bwMode="auto">
-          <a:xfrm>
-            <a:off x="6388924" y="3247900"/>
-            <a:ext cx="95002" cy="148441"/>
-          </a:xfrm>
-          <a:prstGeom prst="rect">
-            <a:avLst/>
-          </a:prstGeom>
-          <a:solidFill>
-            <a:schemeClr val="accent2"/>
-          </a:solidFill>
-          <a:ln>
-            <a:noFill/>
-            <a:headEnd type="none" w="med" len="med"/>
-            <a:tailEnd type="none" w="med" len="med"/>
-          </a:ln>
-          <a:effectLst/>
-        </p:spPr>
-        <p:style>
-          <a:lnRef idx="1">
-            <a:schemeClr val="accent2"/>
-          </a:lnRef>
-          <a:fillRef idx="3">
-            <a:schemeClr val="accent2"/>
-          </a:fillRef>
-          <a:effectRef idx="2">
-            <a:schemeClr val="accent2"/>
-          </a:effectRef>
-          <a:fontRef idx="minor">
-            <a:schemeClr val="lt1"/>
-          </a:fontRef>
-        </p:style>
-        <p:txBody>
-          <a:bodyPr vert="horz" wrap="square" lIns="91436" tIns="45718" rIns="91436" bIns="45718" numCol="1" rtlCol="0" anchor="ctr" anchorCtr="0" compatLnSpc="1">
-            <a:prstTxWarp prst="textNoShape">
-              <a:avLst/>
-            </a:prstTxWarp>
-          </a:bodyPr>
-          <a:lstStyle/>
-          <a:p>
-            <a:pPr algn="ctr" defTabSz="914099" fontAlgn="base">
-              <a:spcBef>
-                <a:spcPct val="0"/>
-              </a:spcBef>
-              <a:spcAft>
-                <a:spcPct val="0"/>
-              </a:spcAft>
-            </a:pPr>
-            <a:endParaRPr lang="en-US" sz="2200" dirty="0" smtClean="0">
-              <a:gradFill>
-                <a:gsLst>
-                  <a:gs pos="0">
-                    <a:srgbClr val="FFFFFF"/>
-                  </a:gs>
-                  <a:gs pos="100000">
-                    <a:srgbClr val="FFFFFF"/>
-                  </a:gs>
-                </a:gsLst>
-                <a:lin ang="5400000" scaled="0"/>
-              </a:gradFill>
-            </a:endParaRPr>
-          </a:p>
-        </p:txBody>
-      </p:sp>
-      <p:sp>
-        <p:nvSpPr>
-          <p:cNvPr id="31" name="Rectangle 30"/>
-          <p:cNvSpPr/>
-          <p:nvPr/>
-        </p:nvSpPr>
-        <p:spPr bwMode="auto">
-          <a:xfrm>
-            <a:off x="6578930" y="3247900"/>
-            <a:ext cx="95002" cy="148441"/>
-          </a:xfrm>
-          <a:prstGeom prst="rect">
-            <a:avLst/>
-          </a:prstGeom>
-          <a:solidFill>
-            <a:schemeClr val="accent2"/>
-          </a:solidFill>
-          <a:ln>
-            <a:noFill/>
-            <a:headEnd type="none" w="med" len="med"/>
-            <a:tailEnd type="none" w="med" len="med"/>
-          </a:ln>
-          <a:effectLst/>
-        </p:spPr>
-        <p:style>
-          <a:lnRef idx="1">
-            <a:schemeClr val="accent2"/>
-          </a:lnRef>
-          <a:fillRef idx="3">
-            <a:schemeClr val="accent2"/>
-          </a:fillRef>
-          <a:effectRef idx="2">
-            <a:schemeClr val="accent2"/>
-          </a:effectRef>
-          <a:fontRef idx="minor">
-            <a:schemeClr val="lt1"/>
-          </a:fontRef>
-        </p:style>
-        <p:txBody>
-          <a:bodyPr vert="horz" wrap="square" lIns="91436" tIns="45718" rIns="91436" bIns="45718" numCol="1" rtlCol="0" anchor="ctr" anchorCtr="0" compatLnSpc="1">
-            <a:prstTxWarp prst="textNoShape">
-              <a:avLst/>
-            </a:prstTxWarp>
-          </a:bodyPr>
-          <a:lstStyle/>
-          <a:p>
-            <a:pPr algn="ctr" defTabSz="914099" fontAlgn="base">
-              <a:spcBef>
-                <a:spcPct val="0"/>
-              </a:spcBef>
-              <a:spcAft>
-                <a:spcPct val="0"/>
-              </a:spcAft>
-            </a:pPr>
-            <a:endParaRPr lang="en-US" sz="2200" dirty="0" smtClean="0">
-              <a:gradFill>
-                <a:gsLst>
-                  <a:gs pos="0">
-                    <a:srgbClr val="FFFFFF"/>
-                  </a:gs>
-                  <a:gs pos="100000">
-                    <a:srgbClr val="FFFFFF"/>
-                  </a:gs>
-                </a:gsLst>
-                <a:lin ang="5400000" scaled="0"/>
-              </a:gradFill>
-            </a:endParaRPr>
-          </a:p>
-        </p:txBody>
-      </p:sp>
-      <p:sp>
-        <p:nvSpPr>
-          <p:cNvPr id="32" name="Rectangle 31"/>
-          <p:cNvSpPr/>
-          <p:nvPr/>
-        </p:nvSpPr>
-        <p:spPr bwMode="auto">
-          <a:xfrm>
-            <a:off x="4441369" y="3681350"/>
-            <a:ext cx="1472542" cy="866899"/>
-          </a:xfrm>
-          <a:prstGeom prst="rect">
-            <a:avLst/>
-          </a:prstGeom>
-          <a:noFill/>
-          <a:ln w="38100">
-            <a:solidFill>
-              <a:srgbClr val="00AEEF"/>
-            </a:solidFill>
-            <a:headEnd type="none" w="med" len="med"/>
-            <a:tailEnd type="none" w="med" len="med"/>
-          </a:ln>
-          <a:effectLst/>
-        </p:spPr>
-        <p:style>
-          <a:lnRef idx="1">
-            <a:schemeClr val="accent2"/>
-          </a:lnRef>
-          <a:fillRef idx="3">
-            <a:schemeClr val="accent2"/>
-          </a:fillRef>
-          <a:effectRef idx="2">
-            <a:schemeClr val="accent2"/>
-          </a:effectRef>
-          <a:fontRef idx="minor">
-            <a:schemeClr val="lt1"/>
-          </a:fontRef>
-        </p:style>
-        <p:txBody>
-          <a:bodyPr vert="horz" wrap="square" lIns="91436" tIns="45718" rIns="91436" bIns="45718" numCol="1" rtlCol="0" anchor="ctr" anchorCtr="0" compatLnSpc="1">
-            <a:prstTxWarp prst="textNoShape">
-              <a:avLst/>
-            </a:prstTxWarp>
-          </a:bodyPr>
-          <a:lstStyle/>
-          <a:p>
-            <a:pPr algn="ctr" defTabSz="914099" fontAlgn="base">
-              <a:spcBef>
-                <a:spcPct val="0"/>
-              </a:spcBef>
-              <a:spcAft>
-                <a:spcPct val="0"/>
-              </a:spcAft>
-            </a:pPr>
-            <a:endParaRPr lang="en-US" sz="2200" dirty="0" smtClean="0">
-              <a:gradFill>
-                <a:gsLst>
-                  <a:gs pos="0">
-                    <a:srgbClr val="FFFFFF"/>
-                  </a:gs>
-                  <a:gs pos="100000">
-                    <a:srgbClr val="FFFFFF"/>
-                  </a:gs>
-                </a:gsLst>
-                <a:lin ang="5400000" scaled="0"/>
-              </a:gradFill>
-            </a:endParaRPr>
-          </a:p>
-        </p:txBody>
-      </p:sp>
-      <p:sp>
-        <p:nvSpPr>
-          <p:cNvPr id="33" name="Rectangle 32"/>
-          <p:cNvSpPr/>
-          <p:nvPr/>
-        </p:nvSpPr>
-        <p:spPr bwMode="auto">
-          <a:xfrm>
-            <a:off x="5913911" y="5429613"/>
-            <a:ext cx="1472542" cy="866899"/>
-          </a:xfrm>
-          <a:prstGeom prst="rect">
-            <a:avLst/>
-          </a:prstGeom>
-          <a:noFill/>
-          <a:ln w="38100">
-            <a:solidFill>
-              <a:srgbClr val="00AEEF"/>
-            </a:solidFill>
-            <a:headEnd type="none" w="med" len="med"/>
-            <a:tailEnd type="none" w="med" len="med"/>
-          </a:ln>
-          <a:effectLst/>
-        </p:spPr>
-        <p:style>
-          <a:lnRef idx="1">
-            <a:schemeClr val="accent2"/>
-          </a:lnRef>
-          <a:fillRef idx="3">
-            <a:schemeClr val="accent2"/>
-          </a:fillRef>
-          <a:effectRef idx="2">
-            <a:schemeClr val="accent2"/>
-          </a:effectRef>
-          <a:fontRef idx="minor">
-            <a:schemeClr val="lt1"/>
-          </a:fontRef>
-        </p:style>
-        <p:txBody>
-          <a:bodyPr vert="horz" wrap="square" lIns="91436" tIns="45718" rIns="91436" bIns="45718" numCol="1" rtlCol="0" anchor="ctr" anchorCtr="0" compatLnSpc="1">
-            <a:prstTxWarp prst="textNoShape">
-              <a:avLst/>
-            </a:prstTxWarp>
-          </a:bodyPr>
-          <a:lstStyle/>
-          <a:p>
-            <a:pPr algn="ctr" defTabSz="914099" fontAlgn="base">
-              <a:spcBef>
-                <a:spcPct val="0"/>
-              </a:spcBef>
-              <a:spcAft>
-                <a:spcPct val="0"/>
-              </a:spcAft>
-            </a:pPr>
-            <a:endParaRPr lang="en-US" sz="2200" dirty="0">
-              <a:gradFill>
-                <a:gsLst>
-                  <a:gs pos="0">
-                    <a:srgbClr val="FFFFFF"/>
-                  </a:gs>
-                  <a:gs pos="100000">
-                    <a:srgbClr val="FFFFFF"/>
-                  </a:gs>
-                </a:gsLst>
-                <a:lin ang="5400000" scaled="0"/>
-              </a:gradFill>
-            </a:endParaRPr>
-          </a:p>
-        </p:txBody>
-      </p:sp>
-      <p:sp>
-        <p:nvSpPr>
-          <p:cNvPr id="34" name="Rectangle 33"/>
-          <p:cNvSpPr/>
-          <p:nvPr/>
-        </p:nvSpPr>
-        <p:spPr bwMode="auto">
-          <a:xfrm>
-            <a:off x="4655126" y="4006249"/>
-            <a:ext cx="95002" cy="148441"/>
-          </a:xfrm>
-          <a:prstGeom prst="rect">
-            <a:avLst/>
-          </a:prstGeom>
-          <a:solidFill>
-            <a:schemeClr val="accent2"/>
-          </a:solidFill>
-          <a:ln>
-            <a:noFill/>
-            <a:headEnd type="none" w="med" len="med"/>
-            <a:tailEnd type="none" w="med" len="med"/>
-          </a:ln>
-          <a:effectLst/>
-        </p:spPr>
-        <p:style>
-          <a:lnRef idx="1">
-            <a:schemeClr val="accent2"/>
-          </a:lnRef>
-          <a:fillRef idx="3">
-            <a:schemeClr val="accent2"/>
-          </a:fillRef>
-          <a:effectRef idx="2">
-            <a:schemeClr val="accent2"/>
-          </a:effectRef>
-          <a:fontRef idx="minor">
-            <a:schemeClr val="lt1"/>
-          </a:fontRef>
-        </p:style>
-        <p:txBody>
-          <a:bodyPr vert="horz" wrap="square" lIns="91436" tIns="45718" rIns="91436" bIns="45718" numCol="1" rtlCol="0" anchor="ctr" anchorCtr="0" compatLnSpc="1">
-            <a:prstTxWarp prst="textNoShape">
-              <a:avLst/>
-            </a:prstTxWarp>
-          </a:bodyPr>
-          <a:lstStyle/>
-          <a:p>
-            <a:pPr algn="ctr" defTabSz="914099" fontAlgn="base">
-              <a:spcBef>
-                <a:spcPct val="0"/>
-              </a:spcBef>
-              <a:spcAft>
-                <a:spcPct val="0"/>
-              </a:spcAft>
-            </a:pPr>
-            <a:endParaRPr lang="en-US" sz="2200" dirty="0" smtClean="0">
-              <a:gradFill>
-                <a:gsLst>
-                  <a:gs pos="0">
-                    <a:srgbClr val="FFFFFF"/>
-                  </a:gs>
-                  <a:gs pos="100000">
-                    <a:srgbClr val="FFFFFF"/>
-                  </a:gs>
-                </a:gsLst>
-                <a:lin ang="5400000" scaled="0"/>
-              </a:gradFill>
-            </a:endParaRPr>
-          </a:p>
-        </p:txBody>
-      </p:sp>
-      <p:sp>
-        <p:nvSpPr>
-          <p:cNvPr id="35" name="Rectangle 34"/>
-          <p:cNvSpPr/>
-          <p:nvPr/>
-        </p:nvSpPr>
-        <p:spPr bwMode="auto">
-          <a:xfrm>
-            <a:off x="4833256" y="4006249"/>
-            <a:ext cx="95002" cy="148441"/>
-          </a:xfrm>
-          <a:prstGeom prst="rect">
-            <a:avLst/>
-          </a:prstGeom>
-          <a:solidFill>
-            <a:schemeClr val="accent2"/>
-          </a:solidFill>
-          <a:ln>
-            <a:noFill/>
-            <a:headEnd type="none" w="med" len="med"/>
-            <a:tailEnd type="none" w="med" len="med"/>
-          </a:ln>
-          <a:effectLst/>
-        </p:spPr>
-        <p:style>
-          <a:lnRef idx="1">
-            <a:schemeClr val="accent2"/>
-          </a:lnRef>
-          <a:fillRef idx="3">
-            <a:schemeClr val="accent2"/>
-          </a:fillRef>
-          <a:effectRef idx="2">
-            <a:schemeClr val="accent2"/>
-          </a:effectRef>
-          <a:fontRef idx="minor">
-            <a:schemeClr val="lt1"/>
-          </a:fontRef>
-        </p:style>
-        <p:txBody>
-          <a:bodyPr vert="horz" wrap="square" lIns="91436" tIns="45718" rIns="91436" bIns="45718" numCol="1" rtlCol="0" anchor="ctr" anchorCtr="0" compatLnSpc="1">
-            <a:prstTxWarp prst="textNoShape">
-              <a:avLst/>
-            </a:prstTxWarp>
-          </a:bodyPr>
-          <a:lstStyle/>
-          <a:p>
-            <a:pPr algn="ctr" defTabSz="914099" fontAlgn="base">
-              <a:spcBef>
-                <a:spcPct val="0"/>
-              </a:spcBef>
-              <a:spcAft>
-                <a:spcPct val="0"/>
-              </a:spcAft>
-            </a:pPr>
-            <a:endParaRPr lang="en-US" sz="2200" dirty="0" smtClean="0">
-              <a:gradFill>
-                <a:gsLst>
-                  <a:gs pos="0">
-                    <a:srgbClr val="FFFFFF"/>
-                  </a:gs>
-                  <a:gs pos="100000">
-                    <a:srgbClr val="FFFFFF"/>
-                  </a:gs>
-                </a:gsLst>
-                <a:lin ang="5400000" scaled="0"/>
-              </a:gradFill>
-            </a:endParaRPr>
-          </a:p>
-        </p:txBody>
-      </p:sp>
-      <p:sp>
-        <p:nvSpPr>
-          <p:cNvPr id="36" name="Rectangle 35"/>
-          <p:cNvSpPr/>
-          <p:nvPr/>
-        </p:nvSpPr>
-        <p:spPr bwMode="auto">
-          <a:xfrm>
-            <a:off x="5011386" y="4006249"/>
-            <a:ext cx="95002" cy="148441"/>
-          </a:xfrm>
-          <a:prstGeom prst="rect">
-            <a:avLst/>
-          </a:prstGeom>
-          <a:solidFill>
-            <a:schemeClr val="accent2"/>
-          </a:solidFill>
-          <a:ln>
-            <a:noFill/>
-            <a:headEnd type="none" w="med" len="med"/>
-            <a:tailEnd type="none" w="med" len="med"/>
-          </a:ln>
-          <a:effectLst/>
-        </p:spPr>
-        <p:style>
-          <a:lnRef idx="1">
-            <a:schemeClr val="accent2"/>
-          </a:lnRef>
-          <a:fillRef idx="3">
-            <a:schemeClr val="accent2"/>
-          </a:fillRef>
-          <a:effectRef idx="2">
-            <a:schemeClr val="accent2"/>
-          </a:effectRef>
-          <a:fontRef idx="minor">
-            <a:schemeClr val="lt1"/>
-          </a:fontRef>
-        </p:style>
-        <p:txBody>
-          <a:bodyPr vert="horz" wrap="square" lIns="91436" tIns="45718" rIns="91436" bIns="45718" numCol="1" rtlCol="0" anchor="ctr" anchorCtr="0" compatLnSpc="1">
-            <a:prstTxWarp prst="textNoShape">
-              <a:avLst/>
-            </a:prstTxWarp>
-          </a:bodyPr>
-          <a:lstStyle/>
-          <a:p>
-            <a:pPr algn="ctr" defTabSz="914099" fontAlgn="base">
-              <a:spcBef>
-                <a:spcPct val="0"/>
-              </a:spcBef>
-              <a:spcAft>
-                <a:spcPct val="0"/>
-              </a:spcAft>
-            </a:pPr>
-            <a:endParaRPr lang="en-US" sz="2200" dirty="0" smtClean="0">
-              <a:gradFill>
-                <a:gsLst>
-                  <a:gs pos="0">
-                    <a:srgbClr val="FFFFFF"/>
-                  </a:gs>
-                  <a:gs pos="100000">
-                    <a:srgbClr val="FFFFFF"/>
-                  </a:gs>
-                </a:gsLst>
-                <a:lin ang="5400000" scaled="0"/>
-              </a:gradFill>
-            </a:endParaRPr>
-          </a:p>
-        </p:txBody>
-      </p:sp>
-      <p:sp>
-        <p:nvSpPr>
-          <p:cNvPr id="39" name="TextBox 38"/>
-          <p:cNvSpPr txBox="1"/>
-          <p:nvPr/>
-        </p:nvSpPr>
-        <p:spPr>
-          <a:xfrm>
-            <a:off x="4441369" y="2666899"/>
-            <a:ext cx="2945084" cy="387798"/>
-          </a:xfrm>
-          <a:prstGeom prst="rect">
-            <a:avLst/>
-          </a:prstGeom>
-          <a:noFill/>
-        </p:spPr>
-        <p:txBody>
-          <a:bodyPr wrap="square" lIns="0" tIns="0" rIns="0" bIns="0" rtlCol="0">
-            <a:spAutoFit/>
-          </a:bodyPr>
-          <a:lstStyle/>
-          <a:p>
-            <a:pPr algn="ctr">
-              <a:lnSpc>
-                <a:spcPct val="90000"/>
-              </a:lnSpc>
-              <a:spcBef>
-                <a:spcPct val="20000"/>
-              </a:spcBef>
-              <a:buSzPct val="80000"/>
-            </a:pPr>
-            <a:r>
-              <a:rPr lang="en-US" sz="2800" dirty="0" smtClean="0">
-                <a:solidFill>
-                  <a:schemeClr val="accent1"/>
-                </a:solidFill>
-              </a:rPr>
-              <a:t>Hopping Window</a:t>
-            </a:r>
-            <a:endParaRPr lang="en-US" sz="2800" dirty="0">
-              <a:solidFill>
-                <a:schemeClr val="accent1"/>
-              </a:solidFill>
-            </a:endParaRPr>
-          </a:p>
-        </p:txBody>
-      </p:sp>
-      <p:cxnSp>
-        <p:nvCxnSpPr>
-          <p:cNvPr id="40" name="Straight Connector 39"/>
-          <p:cNvCxnSpPr/>
-          <p:nvPr/>
-        </p:nvCxnSpPr>
-        <p:spPr>
-          <a:xfrm>
-            <a:off x="8098970" y="3313215"/>
-            <a:ext cx="2945083" cy="8905"/>
-          </a:xfrm>
-          <a:prstGeom prst="line">
-            <a:avLst/>
-          </a:prstGeom>
-          <a:ln w="38100"/>
-        </p:spPr>
-        <p:style>
-          <a:lnRef idx="1">
-            <a:schemeClr val="accent1"/>
-          </a:lnRef>
-          <a:fillRef idx="0">
-            <a:schemeClr val="accent1"/>
-          </a:fillRef>
-          <a:effectRef idx="0">
-            <a:schemeClr val="accent1"/>
-          </a:effectRef>
-          <a:fontRef idx="minor">
-            <a:schemeClr val="tx1"/>
-          </a:fontRef>
-        </p:style>
-      </p:cxnSp>
-      <p:sp>
-        <p:nvSpPr>
-          <p:cNvPr id="41" name="Rectangle 40"/>
-          <p:cNvSpPr/>
-          <p:nvPr/>
-        </p:nvSpPr>
-        <p:spPr bwMode="auto">
-          <a:xfrm>
-            <a:off x="8312726" y="3247900"/>
-            <a:ext cx="95002" cy="148441"/>
-          </a:xfrm>
-          <a:prstGeom prst="rect">
-            <a:avLst/>
-          </a:prstGeom>
-          <a:solidFill>
-            <a:schemeClr val="accent2"/>
-          </a:solidFill>
-          <a:ln>
-            <a:noFill/>
-            <a:headEnd type="none" w="med" len="med"/>
-            <a:tailEnd type="none" w="med" len="med"/>
-          </a:ln>
-          <a:effectLst/>
-        </p:spPr>
-        <p:style>
-          <a:lnRef idx="1">
-            <a:schemeClr val="accent2"/>
-          </a:lnRef>
-          <a:fillRef idx="3">
-            <a:schemeClr val="accent2"/>
-          </a:fillRef>
-          <a:effectRef idx="2">
-            <a:schemeClr val="accent2"/>
-          </a:effectRef>
-          <a:fontRef idx="minor">
-            <a:schemeClr val="lt1"/>
-          </a:fontRef>
-        </p:style>
-        <p:txBody>
-          <a:bodyPr vert="horz" wrap="square" lIns="91436" tIns="45718" rIns="91436" bIns="45718" numCol="1" rtlCol="0" anchor="ctr" anchorCtr="0" compatLnSpc="1">
-            <a:prstTxWarp prst="textNoShape">
-              <a:avLst/>
-            </a:prstTxWarp>
-          </a:bodyPr>
-          <a:lstStyle/>
-          <a:p>
-            <a:pPr algn="ctr" defTabSz="914099" fontAlgn="base">
-              <a:spcBef>
-                <a:spcPct val="0"/>
-              </a:spcBef>
-              <a:spcAft>
-                <a:spcPct val="0"/>
-              </a:spcAft>
-            </a:pPr>
-            <a:endParaRPr lang="en-US" sz="2200" dirty="0" smtClean="0">
-              <a:gradFill>
-                <a:gsLst>
-                  <a:gs pos="0">
-                    <a:srgbClr val="FFFFFF"/>
-                  </a:gs>
-                  <a:gs pos="100000">
-                    <a:srgbClr val="FFFFFF"/>
-                  </a:gs>
-                </a:gsLst>
-                <a:lin ang="5400000" scaled="0"/>
-              </a:gradFill>
-            </a:endParaRPr>
-          </a:p>
-        </p:txBody>
-      </p:sp>
-      <p:sp>
-        <p:nvSpPr>
-          <p:cNvPr id="42" name="Rectangle 41"/>
-          <p:cNvSpPr/>
-          <p:nvPr/>
-        </p:nvSpPr>
-        <p:spPr bwMode="auto">
-          <a:xfrm>
-            <a:off x="8490856" y="3247900"/>
-            <a:ext cx="95002" cy="148441"/>
-          </a:xfrm>
-          <a:prstGeom prst="rect">
-            <a:avLst/>
-          </a:prstGeom>
-          <a:solidFill>
-            <a:schemeClr val="accent2"/>
-          </a:solidFill>
-          <a:ln>
-            <a:noFill/>
-            <a:headEnd type="none" w="med" len="med"/>
-            <a:tailEnd type="none" w="med" len="med"/>
-          </a:ln>
-          <a:effectLst/>
-        </p:spPr>
-        <p:style>
-          <a:lnRef idx="1">
-            <a:schemeClr val="accent2"/>
-          </a:lnRef>
-          <a:fillRef idx="3">
-            <a:schemeClr val="accent2"/>
-          </a:fillRef>
-          <a:effectRef idx="2">
-            <a:schemeClr val="accent2"/>
-          </a:effectRef>
-          <a:fontRef idx="minor">
-            <a:schemeClr val="lt1"/>
-          </a:fontRef>
-        </p:style>
-        <p:txBody>
-          <a:bodyPr vert="horz" wrap="square" lIns="91436" tIns="45718" rIns="91436" bIns="45718" numCol="1" rtlCol="0" anchor="ctr" anchorCtr="0" compatLnSpc="1">
-            <a:prstTxWarp prst="textNoShape">
-              <a:avLst/>
-            </a:prstTxWarp>
-          </a:bodyPr>
-          <a:lstStyle/>
-          <a:p>
-            <a:pPr algn="ctr" defTabSz="914099" fontAlgn="base">
-              <a:spcBef>
-                <a:spcPct val="0"/>
-              </a:spcBef>
-              <a:spcAft>
-                <a:spcPct val="0"/>
-              </a:spcAft>
-            </a:pPr>
-            <a:endParaRPr lang="en-US" sz="2200" dirty="0" smtClean="0">
-              <a:gradFill>
-                <a:gsLst>
-                  <a:gs pos="0">
-                    <a:srgbClr val="FFFFFF"/>
-                  </a:gs>
-                  <a:gs pos="100000">
-                    <a:srgbClr val="FFFFFF"/>
-                  </a:gs>
-                </a:gsLst>
-                <a:lin ang="5400000" scaled="0"/>
-              </a:gradFill>
-            </a:endParaRPr>
-          </a:p>
-        </p:txBody>
-      </p:sp>
-      <p:sp>
-        <p:nvSpPr>
-          <p:cNvPr id="43" name="Rectangle 42"/>
-          <p:cNvSpPr/>
-          <p:nvPr/>
-        </p:nvSpPr>
-        <p:spPr bwMode="auto">
-          <a:xfrm>
-            <a:off x="8668986" y="3247900"/>
-            <a:ext cx="95002" cy="148441"/>
-          </a:xfrm>
-          <a:prstGeom prst="rect">
-            <a:avLst/>
-          </a:prstGeom>
-          <a:solidFill>
-            <a:schemeClr val="accent2"/>
-          </a:solidFill>
-          <a:ln>
-            <a:noFill/>
-            <a:headEnd type="none" w="med" len="med"/>
-            <a:tailEnd type="none" w="med" len="med"/>
-          </a:ln>
-          <a:effectLst/>
-        </p:spPr>
-        <p:style>
-          <a:lnRef idx="1">
-            <a:schemeClr val="accent2"/>
-          </a:lnRef>
-          <a:fillRef idx="3">
-            <a:schemeClr val="accent2"/>
-          </a:fillRef>
-          <a:effectRef idx="2">
-            <a:schemeClr val="accent2"/>
-          </a:effectRef>
-          <a:fontRef idx="minor">
-            <a:schemeClr val="lt1"/>
-          </a:fontRef>
-        </p:style>
-        <p:txBody>
-          <a:bodyPr vert="horz" wrap="square" lIns="91436" tIns="45718" rIns="91436" bIns="45718" numCol="1" rtlCol="0" anchor="ctr" anchorCtr="0" compatLnSpc="1">
-            <a:prstTxWarp prst="textNoShape">
-              <a:avLst/>
-            </a:prstTxWarp>
-          </a:bodyPr>
-          <a:lstStyle/>
-          <a:p>
-            <a:pPr algn="ctr" defTabSz="914099" fontAlgn="base">
-              <a:spcBef>
-                <a:spcPct val="0"/>
-              </a:spcBef>
-              <a:spcAft>
-                <a:spcPct val="0"/>
-              </a:spcAft>
-            </a:pPr>
-            <a:endParaRPr lang="en-US" sz="2200" dirty="0" smtClean="0">
-              <a:gradFill>
-                <a:gsLst>
-                  <a:gs pos="0">
-                    <a:srgbClr val="FFFFFF"/>
-                  </a:gs>
-                  <a:gs pos="100000">
-                    <a:srgbClr val="FFFFFF"/>
-                  </a:gs>
-                </a:gsLst>
-                <a:lin ang="5400000" scaled="0"/>
-              </a:gradFill>
-            </a:endParaRPr>
-          </a:p>
-        </p:txBody>
-      </p:sp>
-      <p:sp>
-        <p:nvSpPr>
-          <p:cNvPr id="44" name="Rectangle 43"/>
-          <p:cNvSpPr/>
-          <p:nvPr/>
-        </p:nvSpPr>
-        <p:spPr bwMode="auto">
-          <a:xfrm>
-            <a:off x="10046524" y="3247900"/>
-            <a:ext cx="95002" cy="148441"/>
-          </a:xfrm>
-          <a:prstGeom prst="rect">
-            <a:avLst/>
-          </a:prstGeom>
-          <a:solidFill>
-            <a:schemeClr val="accent2"/>
-          </a:solidFill>
-          <a:ln>
-            <a:noFill/>
-            <a:headEnd type="none" w="med" len="med"/>
-            <a:tailEnd type="none" w="med" len="med"/>
-          </a:ln>
-          <a:effectLst/>
-        </p:spPr>
-        <p:style>
-          <a:lnRef idx="1">
-            <a:schemeClr val="accent2"/>
-          </a:lnRef>
-          <a:fillRef idx="3">
-            <a:schemeClr val="accent2"/>
-          </a:fillRef>
-          <a:effectRef idx="2">
-            <a:schemeClr val="accent2"/>
-          </a:effectRef>
-          <a:fontRef idx="minor">
-            <a:schemeClr val="lt1"/>
-          </a:fontRef>
-        </p:style>
-        <p:txBody>
-          <a:bodyPr vert="horz" wrap="square" lIns="91436" tIns="45718" rIns="91436" bIns="45718" numCol="1" rtlCol="0" anchor="ctr" anchorCtr="0" compatLnSpc="1">
-            <a:prstTxWarp prst="textNoShape">
-              <a:avLst/>
-            </a:prstTxWarp>
-          </a:bodyPr>
-          <a:lstStyle/>
-          <a:p>
-            <a:pPr algn="ctr" defTabSz="914099" fontAlgn="base">
-              <a:spcBef>
-                <a:spcPct val="0"/>
-              </a:spcBef>
-              <a:spcAft>
-                <a:spcPct val="0"/>
-              </a:spcAft>
-            </a:pPr>
-            <a:endParaRPr lang="en-US" sz="2200" dirty="0" smtClean="0">
-              <a:gradFill>
-                <a:gsLst>
-                  <a:gs pos="0">
-                    <a:srgbClr val="FFFFFF"/>
-                  </a:gs>
-                  <a:gs pos="100000">
-                    <a:srgbClr val="FFFFFF"/>
-                  </a:gs>
-                </a:gsLst>
-                <a:lin ang="5400000" scaled="0"/>
-              </a:gradFill>
-            </a:endParaRPr>
-          </a:p>
-        </p:txBody>
-      </p:sp>
-      <p:sp>
-        <p:nvSpPr>
-          <p:cNvPr id="45" name="Rectangle 44"/>
-          <p:cNvSpPr/>
-          <p:nvPr/>
-        </p:nvSpPr>
-        <p:spPr bwMode="auto">
-          <a:xfrm>
-            <a:off x="10236530" y="3247900"/>
-            <a:ext cx="95002" cy="148441"/>
-          </a:xfrm>
-          <a:prstGeom prst="rect">
-            <a:avLst/>
-          </a:prstGeom>
-          <a:solidFill>
-            <a:schemeClr val="accent2"/>
-          </a:solidFill>
-          <a:ln>
-            <a:noFill/>
-            <a:headEnd type="none" w="med" len="med"/>
-            <a:tailEnd type="none" w="med" len="med"/>
-          </a:ln>
-          <a:effectLst/>
-        </p:spPr>
-        <p:style>
-          <a:lnRef idx="1">
-            <a:schemeClr val="accent2"/>
-          </a:lnRef>
-          <a:fillRef idx="3">
-            <a:schemeClr val="accent2"/>
-          </a:fillRef>
-          <a:effectRef idx="2">
-            <a:schemeClr val="accent2"/>
-          </a:effectRef>
-          <a:fontRef idx="minor">
-            <a:schemeClr val="lt1"/>
-          </a:fontRef>
-        </p:style>
-        <p:txBody>
-          <a:bodyPr vert="horz" wrap="square" lIns="91436" tIns="45718" rIns="91436" bIns="45718" numCol="1" rtlCol="0" anchor="ctr" anchorCtr="0" compatLnSpc="1">
-            <a:prstTxWarp prst="textNoShape">
-              <a:avLst/>
-            </a:prstTxWarp>
-          </a:bodyPr>
-          <a:lstStyle/>
-          <a:p>
-            <a:pPr algn="ctr" defTabSz="914099" fontAlgn="base">
-              <a:spcBef>
-                <a:spcPct val="0"/>
-              </a:spcBef>
-              <a:spcAft>
-                <a:spcPct val="0"/>
-              </a:spcAft>
-            </a:pPr>
-            <a:endParaRPr lang="en-US" sz="2200" dirty="0" smtClean="0">
-              <a:gradFill>
-                <a:gsLst>
-                  <a:gs pos="0">
-                    <a:srgbClr val="FFFFFF"/>
-                  </a:gs>
-                  <a:gs pos="100000">
-                    <a:srgbClr val="FFFFFF"/>
-                  </a:gs>
-                </a:gsLst>
-                <a:lin ang="5400000" scaled="0"/>
-              </a:gradFill>
-            </a:endParaRPr>
-          </a:p>
-        </p:txBody>
-      </p:sp>
-      <p:sp>
-        <p:nvSpPr>
-          <p:cNvPr id="46" name="Rectangle 45"/>
-          <p:cNvSpPr/>
-          <p:nvPr/>
-        </p:nvSpPr>
-        <p:spPr bwMode="auto">
-          <a:xfrm>
-            <a:off x="8312730" y="3681350"/>
-            <a:ext cx="1472542" cy="866899"/>
-          </a:xfrm>
-          <a:prstGeom prst="rect">
-            <a:avLst/>
-          </a:prstGeom>
-          <a:noFill/>
-          <a:ln w="38100">
-            <a:solidFill>
-              <a:srgbClr val="00AEEF"/>
-            </a:solidFill>
-            <a:headEnd type="none" w="med" len="med"/>
-            <a:tailEnd type="none" w="med" len="med"/>
-          </a:ln>
-          <a:effectLst/>
-        </p:spPr>
-        <p:style>
-          <a:lnRef idx="1">
-            <a:schemeClr val="accent2"/>
-          </a:lnRef>
-          <a:fillRef idx="3">
-            <a:schemeClr val="accent2"/>
-          </a:fillRef>
-          <a:effectRef idx="2">
-            <a:schemeClr val="accent2"/>
-          </a:effectRef>
-          <a:fontRef idx="minor">
-            <a:schemeClr val="lt1"/>
-          </a:fontRef>
-        </p:style>
-        <p:txBody>
-          <a:bodyPr vert="horz" wrap="square" lIns="91436" tIns="45718" rIns="91436" bIns="45718" numCol="1" rtlCol="0" anchor="ctr" anchorCtr="0" compatLnSpc="1">
-            <a:prstTxWarp prst="textNoShape">
-              <a:avLst/>
-            </a:prstTxWarp>
-          </a:bodyPr>
-          <a:lstStyle/>
-          <a:p>
-            <a:pPr algn="ctr" defTabSz="914099" fontAlgn="base">
-              <a:spcBef>
-                <a:spcPct val="0"/>
-              </a:spcBef>
-              <a:spcAft>
-                <a:spcPct val="0"/>
-              </a:spcAft>
-            </a:pPr>
-            <a:endParaRPr lang="en-US" sz="2200" dirty="0" smtClean="0">
-              <a:gradFill>
-                <a:gsLst>
-                  <a:gs pos="0">
-                    <a:srgbClr val="FFFFFF"/>
-                  </a:gs>
-                  <a:gs pos="100000">
-                    <a:srgbClr val="FFFFFF"/>
-                  </a:gs>
-                </a:gsLst>
-                <a:lin ang="5400000" scaled="0"/>
-              </a:gradFill>
-            </a:endParaRPr>
-          </a:p>
-        </p:txBody>
-      </p:sp>
-      <p:sp>
-        <p:nvSpPr>
-          <p:cNvPr id="47" name="Rectangle 46"/>
-          <p:cNvSpPr/>
-          <p:nvPr/>
-        </p:nvSpPr>
-        <p:spPr bwMode="auto">
-          <a:xfrm>
-            <a:off x="10046524" y="4548248"/>
-            <a:ext cx="1472542" cy="866899"/>
-          </a:xfrm>
-          <a:prstGeom prst="rect">
-            <a:avLst/>
-          </a:prstGeom>
-          <a:noFill/>
-          <a:ln w="38100">
-            <a:solidFill>
-              <a:srgbClr val="00AEEF"/>
-            </a:solidFill>
-            <a:headEnd type="none" w="med" len="med"/>
-            <a:tailEnd type="none" w="med" len="med"/>
-          </a:ln>
-          <a:effectLst/>
-        </p:spPr>
-        <p:style>
-          <a:lnRef idx="1">
-            <a:schemeClr val="accent2"/>
-          </a:lnRef>
-          <a:fillRef idx="3">
-            <a:schemeClr val="accent2"/>
-          </a:fillRef>
-          <a:effectRef idx="2">
-            <a:schemeClr val="accent2"/>
-          </a:effectRef>
-          <a:fontRef idx="minor">
-            <a:schemeClr val="lt1"/>
-          </a:fontRef>
-        </p:style>
-        <p:txBody>
-          <a:bodyPr vert="horz" wrap="square" lIns="91436" tIns="45718" rIns="91436" bIns="45718" numCol="1" rtlCol="0" anchor="ctr" anchorCtr="0" compatLnSpc="1">
-            <a:prstTxWarp prst="textNoShape">
-              <a:avLst/>
-            </a:prstTxWarp>
-          </a:bodyPr>
-          <a:lstStyle/>
-          <a:p>
-            <a:pPr algn="ctr" defTabSz="914099" fontAlgn="base">
-              <a:spcBef>
-                <a:spcPct val="0"/>
-              </a:spcBef>
-              <a:spcAft>
-                <a:spcPct val="0"/>
-              </a:spcAft>
-            </a:pPr>
-            <a:endParaRPr lang="en-US" sz="2200" dirty="0">
-              <a:gradFill>
-                <a:gsLst>
-                  <a:gs pos="0">
-                    <a:srgbClr val="FFFFFF"/>
-                  </a:gs>
-                  <a:gs pos="100000">
-                    <a:srgbClr val="FFFFFF"/>
-                  </a:gs>
-                </a:gsLst>
-                <a:lin ang="5400000" scaled="0"/>
-              </a:gradFill>
-            </a:endParaRPr>
-          </a:p>
-        </p:txBody>
-      </p:sp>
-      <p:sp>
-        <p:nvSpPr>
-          <p:cNvPr id="48" name="Rectangle 47"/>
-          <p:cNvSpPr/>
-          <p:nvPr/>
-        </p:nvSpPr>
-        <p:spPr bwMode="auto">
-          <a:xfrm>
-            <a:off x="8312726" y="4006249"/>
-            <a:ext cx="95002" cy="148441"/>
-          </a:xfrm>
-          <a:prstGeom prst="rect">
-            <a:avLst/>
-          </a:prstGeom>
-          <a:solidFill>
-            <a:schemeClr val="accent2"/>
-          </a:solidFill>
-          <a:ln>
-            <a:noFill/>
-            <a:headEnd type="none" w="med" len="med"/>
-            <a:tailEnd type="none" w="med" len="med"/>
-          </a:ln>
-          <a:effectLst/>
-        </p:spPr>
-        <p:style>
-          <a:lnRef idx="1">
-            <a:schemeClr val="accent2"/>
-          </a:lnRef>
-          <a:fillRef idx="3">
-            <a:schemeClr val="accent2"/>
-          </a:fillRef>
-          <a:effectRef idx="2">
-            <a:schemeClr val="accent2"/>
-          </a:effectRef>
-          <a:fontRef idx="minor">
-            <a:schemeClr val="lt1"/>
-          </a:fontRef>
-        </p:style>
-        <p:txBody>
-          <a:bodyPr vert="horz" wrap="square" lIns="91436" tIns="45718" rIns="91436" bIns="45718" numCol="1" rtlCol="0" anchor="ctr" anchorCtr="0" compatLnSpc="1">
-            <a:prstTxWarp prst="textNoShape">
-              <a:avLst/>
-            </a:prstTxWarp>
-          </a:bodyPr>
-          <a:lstStyle/>
-          <a:p>
-            <a:pPr algn="ctr" defTabSz="914099" fontAlgn="base">
-              <a:spcBef>
-                <a:spcPct val="0"/>
-              </a:spcBef>
-              <a:spcAft>
-                <a:spcPct val="0"/>
-              </a:spcAft>
-            </a:pPr>
-            <a:endParaRPr lang="en-US" sz="2200" dirty="0" smtClean="0">
-              <a:gradFill>
-                <a:gsLst>
-                  <a:gs pos="0">
-                    <a:srgbClr val="FFFFFF"/>
-                  </a:gs>
-                  <a:gs pos="100000">
-                    <a:srgbClr val="FFFFFF"/>
-                  </a:gs>
-                </a:gsLst>
-                <a:lin ang="5400000" scaled="0"/>
-              </a:gradFill>
-            </a:endParaRPr>
-          </a:p>
-        </p:txBody>
-      </p:sp>
-      <p:sp>
-        <p:nvSpPr>
-          <p:cNvPr id="49" name="Rectangle 48"/>
-          <p:cNvSpPr/>
-          <p:nvPr/>
-        </p:nvSpPr>
-        <p:spPr bwMode="auto">
-          <a:xfrm>
-            <a:off x="8490856" y="4006249"/>
-            <a:ext cx="95002" cy="148441"/>
-          </a:xfrm>
-          <a:prstGeom prst="rect">
-            <a:avLst/>
-          </a:prstGeom>
-          <a:solidFill>
-            <a:schemeClr val="accent2"/>
-          </a:solidFill>
-          <a:ln>
-            <a:noFill/>
-            <a:headEnd type="none" w="med" len="med"/>
-            <a:tailEnd type="none" w="med" len="med"/>
-          </a:ln>
-          <a:effectLst/>
-        </p:spPr>
-        <p:style>
-          <a:lnRef idx="1">
-            <a:schemeClr val="accent2"/>
-          </a:lnRef>
-          <a:fillRef idx="3">
-            <a:schemeClr val="accent2"/>
-          </a:fillRef>
-          <a:effectRef idx="2">
-            <a:schemeClr val="accent2"/>
-          </a:effectRef>
-          <a:fontRef idx="minor">
-            <a:schemeClr val="lt1"/>
-          </a:fontRef>
-        </p:style>
-        <p:txBody>
-          <a:bodyPr vert="horz" wrap="square" lIns="91436" tIns="45718" rIns="91436" bIns="45718" numCol="1" rtlCol="0" anchor="ctr" anchorCtr="0" compatLnSpc="1">
-            <a:prstTxWarp prst="textNoShape">
-              <a:avLst/>
-            </a:prstTxWarp>
-          </a:bodyPr>
-          <a:lstStyle/>
-          <a:p>
-            <a:pPr algn="ctr" defTabSz="914099" fontAlgn="base">
-              <a:spcBef>
-                <a:spcPct val="0"/>
-              </a:spcBef>
-              <a:spcAft>
-                <a:spcPct val="0"/>
-              </a:spcAft>
-            </a:pPr>
-            <a:endParaRPr lang="en-US" sz="2200" dirty="0" smtClean="0">
-              <a:gradFill>
-                <a:gsLst>
-                  <a:gs pos="0">
-                    <a:srgbClr val="FFFFFF"/>
-                  </a:gs>
-                  <a:gs pos="100000">
-                    <a:srgbClr val="FFFFFF"/>
-                  </a:gs>
-                </a:gsLst>
-                <a:lin ang="5400000" scaled="0"/>
-              </a:gradFill>
-            </a:endParaRPr>
-          </a:p>
-        </p:txBody>
-      </p:sp>
-      <p:sp>
-        <p:nvSpPr>
-          <p:cNvPr id="50" name="Rectangle 49"/>
-          <p:cNvSpPr/>
-          <p:nvPr/>
-        </p:nvSpPr>
-        <p:spPr bwMode="auto">
-          <a:xfrm>
-            <a:off x="8668986" y="4006249"/>
-            <a:ext cx="95002" cy="148441"/>
-          </a:xfrm>
-          <a:prstGeom prst="rect">
-            <a:avLst/>
-          </a:prstGeom>
-          <a:solidFill>
-            <a:schemeClr val="accent2"/>
-          </a:solidFill>
-          <a:ln>
-            <a:noFill/>
-            <a:headEnd type="none" w="med" len="med"/>
-            <a:tailEnd type="none" w="med" len="med"/>
-          </a:ln>
-          <a:effectLst/>
-        </p:spPr>
-        <p:style>
-          <a:lnRef idx="1">
-            <a:schemeClr val="accent2"/>
-          </a:lnRef>
-          <a:fillRef idx="3">
-            <a:schemeClr val="accent2"/>
-          </a:fillRef>
-          <a:effectRef idx="2">
-            <a:schemeClr val="accent2"/>
-          </a:effectRef>
-          <a:fontRef idx="minor">
-            <a:schemeClr val="lt1"/>
-          </a:fontRef>
-        </p:style>
-        <p:txBody>
-          <a:bodyPr vert="horz" wrap="square" lIns="91436" tIns="45718" rIns="91436" bIns="45718" numCol="1" rtlCol="0" anchor="ctr" anchorCtr="0" compatLnSpc="1">
-            <a:prstTxWarp prst="textNoShape">
-              <a:avLst/>
-            </a:prstTxWarp>
-          </a:bodyPr>
-          <a:lstStyle/>
-          <a:p>
-            <a:pPr algn="ctr" defTabSz="914099" fontAlgn="base">
-              <a:spcBef>
-                <a:spcPct val="0"/>
-              </a:spcBef>
-              <a:spcAft>
-                <a:spcPct val="0"/>
-              </a:spcAft>
-            </a:pPr>
-            <a:endParaRPr lang="en-US" sz="2200" dirty="0" smtClean="0">
-              <a:gradFill>
-                <a:gsLst>
-                  <a:gs pos="0">
-                    <a:srgbClr val="FFFFFF"/>
-                  </a:gs>
-                  <a:gs pos="100000">
-                    <a:srgbClr val="FFFFFF"/>
-                  </a:gs>
-                </a:gsLst>
-                <a:lin ang="5400000" scaled="0"/>
-              </a:gradFill>
-            </a:endParaRPr>
-          </a:p>
-        </p:txBody>
-      </p:sp>
-      <p:sp>
-        <p:nvSpPr>
-          <p:cNvPr id="51" name="Rectangle 50"/>
-          <p:cNvSpPr/>
-          <p:nvPr/>
-        </p:nvSpPr>
-        <p:spPr bwMode="auto">
-          <a:xfrm>
-            <a:off x="10046524" y="4873148"/>
-            <a:ext cx="95002" cy="148441"/>
-          </a:xfrm>
-          <a:prstGeom prst="rect">
-            <a:avLst/>
-          </a:prstGeom>
-          <a:solidFill>
-            <a:schemeClr val="accent2"/>
-          </a:solidFill>
-          <a:ln>
-            <a:noFill/>
-            <a:headEnd type="none" w="med" len="med"/>
-            <a:tailEnd type="none" w="med" len="med"/>
-          </a:ln>
-          <a:effectLst/>
-        </p:spPr>
-        <p:style>
-          <a:lnRef idx="1">
-            <a:schemeClr val="accent2"/>
-          </a:lnRef>
-          <a:fillRef idx="3">
-            <a:schemeClr val="accent2"/>
-          </a:fillRef>
-          <a:effectRef idx="2">
-            <a:schemeClr val="accent2"/>
-          </a:effectRef>
-          <a:fontRef idx="minor">
-            <a:schemeClr val="lt1"/>
-          </a:fontRef>
-        </p:style>
-        <p:txBody>
-          <a:bodyPr vert="horz" wrap="square" lIns="91436" tIns="45718" rIns="91436" bIns="45718" numCol="1" rtlCol="0" anchor="ctr" anchorCtr="0" compatLnSpc="1">
-            <a:prstTxWarp prst="textNoShape">
-              <a:avLst/>
-            </a:prstTxWarp>
-          </a:bodyPr>
-          <a:lstStyle/>
-          <a:p>
-            <a:pPr algn="ctr" defTabSz="914099" fontAlgn="base">
-              <a:spcBef>
-                <a:spcPct val="0"/>
-              </a:spcBef>
-              <a:spcAft>
-                <a:spcPct val="0"/>
-              </a:spcAft>
-            </a:pPr>
-            <a:endParaRPr lang="en-US" sz="2200" dirty="0" smtClean="0">
-              <a:gradFill>
-                <a:gsLst>
-                  <a:gs pos="0">
-                    <a:srgbClr val="FFFFFF"/>
-                  </a:gs>
-                  <a:gs pos="100000">
-                    <a:srgbClr val="FFFFFF"/>
-                  </a:gs>
-                </a:gsLst>
-                <a:lin ang="5400000" scaled="0"/>
-              </a:gradFill>
-            </a:endParaRPr>
-          </a:p>
-        </p:txBody>
-      </p:sp>
-      <p:sp>
-        <p:nvSpPr>
-          <p:cNvPr id="52" name="Rectangle 51"/>
-          <p:cNvSpPr/>
-          <p:nvPr/>
-        </p:nvSpPr>
-        <p:spPr bwMode="auto">
-          <a:xfrm>
-            <a:off x="10236530" y="4873148"/>
-            <a:ext cx="95002" cy="148441"/>
-          </a:xfrm>
-          <a:prstGeom prst="rect">
-            <a:avLst/>
-          </a:prstGeom>
-          <a:solidFill>
-            <a:schemeClr val="accent2"/>
-          </a:solidFill>
-          <a:ln>
-            <a:noFill/>
-            <a:headEnd type="none" w="med" len="med"/>
-            <a:tailEnd type="none" w="med" len="med"/>
-          </a:ln>
-          <a:effectLst/>
-        </p:spPr>
-        <p:style>
-          <a:lnRef idx="1">
-            <a:schemeClr val="accent2"/>
-          </a:lnRef>
-          <a:fillRef idx="3">
-            <a:schemeClr val="accent2"/>
-          </a:fillRef>
-          <a:effectRef idx="2">
-            <a:schemeClr val="accent2"/>
-          </a:effectRef>
-          <a:fontRef idx="minor">
-            <a:schemeClr val="lt1"/>
-          </a:fontRef>
-        </p:style>
-        <p:txBody>
-          <a:bodyPr vert="horz" wrap="square" lIns="91436" tIns="45718" rIns="91436" bIns="45718" numCol="1" rtlCol="0" anchor="ctr" anchorCtr="0" compatLnSpc="1">
-            <a:prstTxWarp prst="textNoShape">
-              <a:avLst/>
-            </a:prstTxWarp>
-          </a:bodyPr>
-          <a:lstStyle/>
-          <a:p>
-            <a:pPr algn="ctr" defTabSz="914099" fontAlgn="base">
-              <a:spcBef>
-                <a:spcPct val="0"/>
-              </a:spcBef>
-              <a:spcAft>
-                <a:spcPct val="0"/>
-              </a:spcAft>
-            </a:pPr>
-            <a:endParaRPr lang="en-US" sz="2200" dirty="0" smtClean="0">
-              <a:gradFill>
-                <a:gsLst>
-                  <a:gs pos="0">
-                    <a:srgbClr val="FFFFFF"/>
-                  </a:gs>
-                  <a:gs pos="100000">
-                    <a:srgbClr val="FFFFFF"/>
-                  </a:gs>
-                </a:gsLst>
-                <a:lin ang="5400000" scaled="0"/>
-              </a:gradFill>
-            </a:endParaRPr>
-          </a:p>
-        </p:txBody>
-      </p:sp>
-      <p:sp>
-        <p:nvSpPr>
-          <p:cNvPr id="53" name="TextBox 52"/>
-          <p:cNvSpPr txBox="1"/>
-          <p:nvPr/>
-        </p:nvSpPr>
-        <p:spPr>
-          <a:xfrm>
-            <a:off x="8098969" y="2666899"/>
-            <a:ext cx="2945084" cy="387798"/>
-          </a:xfrm>
-          <a:prstGeom prst="rect">
-            <a:avLst/>
-          </a:prstGeom>
-          <a:noFill/>
-        </p:spPr>
-        <p:txBody>
-          <a:bodyPr wrap="square" lIns="0" tIns="0" rIns="0" bIns="0" rtlCol="0">
-            <a:spAutoFit/>
-          </a:bodyPr>
-          <a:lstStyle/>
-          <a:p>
-            <a:pPr algn="ctr">
-              <a:lnSpc>
-                <a:spcPct val="90000"/>
-              </a:lnSpc>
-              <a:spcBef>
-                <a:spcPct val="20000"/>
-              </a:spcBef>
-              <a:buSzPct val="80000"/>
-            </a:pPr>
-            <a:r>
-              <a:rPr lang="en-US" sz="2800" dirty="0" smtClean="0">
-                <a:solidFill>
-                  <a:schemeClr val="accent1"/>
-                </a:solidFill>
-              </a:rPr>
-              <a:t>Sliding Window</a:t>
-            </a:r>
-            <a:endParaRPr lang="en-US" sz="2800" dirty="0">
-              <a:solidFill>
-                <a:schemeClr val="accent1"/>
-              </a:solidFill>
-            </a:endParaRPr>
-          </a:p>
-        </p:txBody>
-      </p:sp>
-      <p:sp>
-        <p:nvSpPr>
-          <p:cNvPr id="56" name="Rectangle 55"/>
-          <p:cNvSpPr/>
-          <p:nvPr/>
-        </p:nvSpPr>
-        <p:spPr bwMode="auto">
-          <a:xfrm>
-            <a:off x="6388924" y="5788843"/>
-            <a:ext cx="95002" cy="148441"/>
-          </a:xfrm>
-          <a:prstGeom prst="rect">
-            <a:avLst/>
-          </a:prstGeom>
-          <a:solidFill>
-            <a:schemeClr val="accent2"/>
-          </a:solidFill>
-          <a:ln>
-            <a:noFill/>
-            <a:headEnd type="none" w="med" len="med"/>
-            <a:tailEnd type="none" w="med" len="med"/>
-          </a:ln>
-          <a:effectLst/>
-        </p:spPr>
-        <p:style>
-          <a:lnRef idx="1">
-            <a:schemeClr val="accent2"/>
-          </a:lnRef>
-          <a:fillRef idx="3">
-            <a:schemeClr val="accent2"/>
-          </a:fillRef>
-          <a:effectRef idx="2">
-            <a:schemeClr val="accent2"/>
-          </a:effectRef>
-          <a:fontRef idx="minor">
-            <a:schemeClr val="lt1"/>
-          </a:fontRef>
-        </p:style>
-        <p:txBody>
-          <a:bodyPr vert="horz" wrap="square" lIns="91436" tIns="45718" rIns="91436" bIns="45718" numCol="1" rtlCol="0" anchor="ctr" anchorCtr="0" compatLnSpc="1">
-            <a:prstTxWarp prst="textNoShape">
-              <a:avLst/>
-            </a:prstTxWarp>
-          </a:bodyPr>
-          <a:lstStyle/>
-          <a:p>
-            <a:pPr algn="ctr" defTabSz="914099" fontAlgn="base">
-              <a:spcBef>
-                <a:spcPct val="0"/>
-              </a:spcBef>
-              <a:spcAft>
-                <a:spcPct val="0"/>
-              </a:spcAft>
-            </a:pPr>
-            <a:endParaRPr lang="en-US" sz="2200" dirty="0" smtClean="0">
-              <a:gradFill>
-                <a:gsLst>
-                  <a:gs pos="0">
-                    <a:srgbClr val="FFFFFF"/>
-                  </a:gs>
-                  <a:gs pos="100000">
-                    <a:srgbClr val="FFFFFF"/>
-                  </a:gs>
-                </a:gsLst>
-                <a:lin ang="5400000" scaled="0"/>
-              </a:gradFill>
-            </a:endParaRPr>
-          </a:p>
-        </p:txBody>
-      </p:sp>
-      <p:sp>
-        <p:nvSpPr>
-          <p:cNvPr id="57" name="Rectangle 56"/>
-          <p:cNvSpPr/>
-          <p:nvPr/>
-        </p:nvSpPr>
-        <p:spPr bwMode="auto">
-          <a:xfrm>
-            <a:off x="6578930" y="5788843"/>
-            <a:ext cx="95002" cy="148441"/>
-          </a:xfrm>
-          <a:prstGeom prst="rect">
-            <a:avLst/>
-          </a:prstGeom>
-          <a:solidFill>
-            <a:schemeClr val="accent2"/>
-          </a:solidFill>
-          <a:ln>
-            <a:noFill/>
-            <a:headEnd type="none" w="med" len="med"/>
-            <a:tailEnd type="none" w="med" len="med"/>
-          </a:ln>
-          <a:effectLst/>
-        </p:spPr>
-        <p:style>
-          <a:lnRef idx="1">
-            <a:schemeClr val="accent2"/>
-          </a:lnRef>
-          <a:fillRef idx="3">
-            <a:schemeClr val="accent2"/>
-          </a:fillRef>
-          <a:effectRef idx="2">
-            <a:schemeClr val="accent2"/>
-          </a:effectRef>
-          <a:fontRef idx="minor">
-            <a:schemeClr val="lt1"/>
-          </a:fontRef>
-        </p:style>
-        <p:txBody>
-          <a:bodyPr vert="horz" wrap="square" lIns="91436" tIns="45718" rIns="91436" bIns="45718" numCol="1" rtlCol="0" anchor="ctr" anchorCtr="0" compatLnSpc="1">
-            <a:prstTxWarp prst="textNoShape">
-              <a:avLst/>
-            </a:prstTxWarp>
-          </a:bodyPr>
-          <a:lstStyle/>
-          <a:p>
-            <a:pPr algn="ctr" defTabSz="914099" fontAlgn="base">
-              <a:spcBef>
-                <a:spcPct val="0"/>
-              </a:spcBef>
-              <a:spcAft>
-                <a:spcPct val="0"/>
-              </a:spcAft>
-            </a:pPr>
-            <a:endParaRPr lang="en-US" sz="2200" dirty="0" smtClean="0">
-              <a:gradFill>
-                <a:gsLst>
-                  <a:gs pos="0">
-                    <a:srgbClr val="FFFFFF"/>
-                  </a:gs>
-                  <a:gs pos="100000">
-                    <a:srgbClr val="FFFFFF"/>
-                  </a:gs>
-                </a:gsLst>
-                <a:lin ang="5400000" scaled="0"/>
-              </a:gradFill>
-            </a:endParaRPr>
-          </a:p>
-        </p:txBody>
-      </p:sp>
-      <p:sp>
-        <p:nvSpPr>
-          <p:cNvPr id="58" name="Rectangle 57"/>
-          <p:cNvSpPr/>
-          <p:nvPr/>
-        </p:nvSpPr>
-        <p:spPr bwMode="auto">
-          <a:xfrm>
-            <a:off x="5177640" y="4549544"/>
-            <a:ext cx="1472542" cy="866899"/>
-          </a:xfrm>
-          <a:prstGeom prst="rect">
-            <a:avLst/>
-          </a:prstGeom>
-          <a:noFill/>
-          <a:ln w="38100">
-            <a:solidFill>
-              <a:srgbClr val="00AEEF"/>
-            </a:solidFill>
-            <a:headEnd type="none" w="med" len="med"/>
-            <a:tailEnd type="none" w="med" len="med"/>
-          </a:ln>
-          <a:effectLst/>
-        </p:spPr>
-        <p:style>
-          <a:lnRef idx="1">
-            <a:schemeClr val="accent2"/>
-          </a:lnRef>
-          <a:fillRef idx="3">
-            <a:schemeClr val="accent2"/>
-          </a:fillRef>
-          <a:effectRef idx="2">
-            <a:schemeClr val="accent2"/>
-          </a:effectRef>
-          <a:fontRef idx="minor">
-            <a:schemeClr val="lt1"/>
-          </a:fontRef>
-        </p:style>
-        <p:txBody>
-          <a:bodyPr vert="horz" wrap="square" lIns="91436" tIns="45718" rIns="91436" bIns="45718" numCol="1" rtlCol="0" anchor="ctr" anchorCtr="0" compatLnSpc="1">
-            <a:prstTxWarp prst="textNoShape">
-              <a:avLst/>
-            </a:prstTxWarp>
-          </a:bodyPr>
-          <a:lstStyle/>
-          <a:p>
-            <a:pPr algn="ctr" defTabSz="914099" fontAlgn="base">
-              <a:spcBef>
-                <a:spcPct val="0"/>
-              </a:spcBef>
-              <a:spcAft>
-                <a:spcPct val="0"/>
-              </a:spcAft>
-            </a:pPr>
-            <a:endParaRPr lang="en-US" sz="2200" dirty="0" smtClean="0">
-              <a:gradFill>
-                <a:gsLst>
-                  <a:gs pos="0">
-                    <a:srgbClr val="FFFFFF"/>
-                  </a:gs>
-                  <a:gs pos="100000">
-                    <a:srgbClr val="FFFFFF"/>
-                  </a:gs>
-                </a:gsLst>
-                <a:lin ang="5400000" scaled="0"/>
-              </a:gradFill>
-            </a:endParaRPr>
-          </a:p>
-        </p:txBody>
-      </p:sp>
-      <p:sp>
-        <p:nvSpPr>
-          <p:cNvPr id="59" name="Rectangle 58"/>
-          <p:cNvSpPr/>
-          <p:nvPr/>
-        </p:nvSpPr>
-        <p:spPr bwMode="auto">
-          <a:xfrm>
-            <a:off x="6388924" y="4921944"/>
-            <a:ext cx="95002" cy="148441"/>
-          </a:xfrm>
-          <a:prstGeom prst="rect">
-            <a:avLst/>
-          </a:prstGeom>
-          <a:solidFill>
-            <a:schemeClr val="accent2"/>
-          </a:solidFill>
-          <a:ln>
-            <a:noFill/>
-            <a:headEnd type="none" w="med" len="med"/>
-            <a:tailEnd type="none" w="med" len="med"/>
-          </a:ln>
-          <a:effectLst/>
-        </p:spPr>
-        <p:style>
-          <a:lnRef idx="1">
-            <a:schemeClr val="accent2"/>
-          </a:lnRef>
-          <a:fillRef idx="3">
-            <a:schemeClr val="accent2"/>
-          </a:fillRef>
-          <a:effectRef idx="2">
-            <a:schemeClr val="accent2"/>
-          </a:effectRef>
-          <a:fontRef idx="minor">
-            <a:schemeClr val="lt1"/>
-          </a:fontRef>
-        </p:style>
-        <p:txBody>
-          <a:bodyPr vert="horz" wrap="square" lIns="91436" tIns="45718" rIns="91436" bIns="45718" numCol="1" rtlCol="0" anchor="ctr" anchorCtr="0" compatLnSpc="1">
-            <a:prstTxWarp prst="textNoShape">
-              <a:avLst/>
-            </a:prstTxWarp>
-          </a:bodyPr>
-          <a:lstStyle/>
-          <a:p>
-            <a:pPr algn="ctr" defTabSz="914099" fontAlgn="base">
-              <a:spcBef>
-                <a:spcPct val="0"/>
-              </a:spcBef>
-              <a:spcAft>
-                <a:spcPct val="0"/>
-              </a:spcAft>
-            </a:pPr>
-            <a:endParaRPr lang="en-US" sz="2200" dirty="0" smtClean="0">
-              <a:gradFill>
-                <a:gsLst>
-                  <a:gs pos="0">
-                    <a:srgbClr val="FFFFFF"/>
-                  </a:gs>
-                  <a:gs pos="100000">
-                    <a:srgbClr val="FFFFFF"/>
-                  </a:gs>
-                </a:gsLst>
-                <a:lin ang="5400000" scaled="0"/>
-              </a:gradFill>
-            </a:endParaRPr>
-          </a:p>
-        </p:txBody>
-      </p:sp>
-      <p:sp>
-        <p:nvSpPr>
-          <p:cNvPr id="60" name="Rectangle 59"/>
-          <p:cNvSpPr/>
-          <p:nvPr/>
-        </p:nvSpPr>
-        <p:spPr bwMode="auto">
-          <a:xfrm>
-            <a:off x="6578930" y="4921944"/>
-            <a:ext cx="95002" cy="148441"/>
-          </a:xfrm>
-          <a:prstGeom prst="rect">
-            <a:avLst/>
-          </a:prstGeom>
-          <a:solidFill>
-            <a:schemeClr val="accent2"/>
-          </a:solidFill>
-          <a:ln>
-            <a:noFill/>
-            <a:headEnd type="none" w="med" len="med"/>
-            <a:tailEnd type="none" w="med" len="med"/>
-          </a:ln>
-          <a:effectLst/>
-        </p:spPr>
-        <p:style>
-          <a:lnRef idx="1">
-            <a:schemeClr val="accent2"/>
-          </a:lnRef>
-          <a:fillRef idx="3">
-            <a:schemeClr val="accent2"/>
-          </a:fillRef>
-          <a:effectRef idx="2">
-            <a:schemeClr val="accent2"/>
-          </a:effectRef>
-          <a:fontRef idx="minor">
-            <a:schemeClr val="lt1"/>
-          </a:fontRef>
-        </p:style>
-        <p:txBody>
-          <a:bodyPr vert="horz" wrap="square" lIns="91436" tIns="45718" rIns="91436" bIns="45718" numCol="1" rtlCol="0" anchor="ctr" anchorCtr="0" compatLnSpc="1">
-            <a:prstTxWarp prst="textNoShape">
-              <a:avLst/>
-            </a:prstTxWarp>
-          </a:bodyPr>
-          <a:lstStyle/>
-          <a:p>
-            <a:pPr algn="ctr" defTabSz="914099" fontAlgn="base">
-              <a:spcBef>
-                <a:spcPct val="0"/>
-              </a:spcBef>
-              <a:spcAft>
-                <a:spcPct val="0"/>
-              </a:spcAft>
-            </a:pPr>
-            <a:endParaRPr lang="en-US" sz="2200" dirty="0" smtClean="0">
-              <a:gradFill>
-                <a:gsLst>
-                  <a:gs pos="0">
-                    <a:srgbClr val="FFFFFF"/>
-                  </a:gs>
-                  <a:gs pos="100000">
-                    <a:srgbClr val="FFFFFF"/>
-                  </a:gs>
-                </a:gsLst>
-                <a:lin ang="5400000" scaled="0"/>
-              </a:gradFill>
-            </a:endParaRPr>
-          </a:p>
-        </p:txBody>
-      </p:sp>
-    </p:spTree>
-    <p:extLst>
-      <p:ext uri="{BB962C8B-B14F-4D97-AF65-F5344CB8AC3E}">
-        <p14:creationId xmlns:p14="http://schemas.microsoft.com/office/powerpoint/2010/main" val="2778718171"/>
-      </p:ext>
-    </p:extLst>
-  </p:cSld>
-  <p:clrMapOvr>
-    <a:masterClrMapping/>
-  </p:clrMapOvr>
-  <p:transition>
-    <p:fade/>
-  </p:transition>
-  <p:timing>
-    <p:tnLst>
-      <p:par>
-        <p:cTn id="1" dur="indefinite" restart="never" nodeType="tmRoot"/>
-      </p:par>
-    </p:tnLst>
-  </p:timing>
-</p:sld>
-</file>
-
-<file path=ppt/slides/slide11.xml><?xml version="1.0" encoding="utf-8"?>
-<p:sld xmlns:a="http://schemas.openxmlformats.org/drawingml/2006/main" xmlns:r="http://schemas.openxmlformats.org/officeDocument/2006/relationships" xmlns:p="http://schemas.openxmlformats.org/presentationml/2006/main">
-  <p:cSld>
-    <p:spTree>
-      <p:nvGrpSpPr>
-        <p:cNvPr id="1" name=""/>
-        <p:cNvGrpSpPr/>
-        <p:nvPr/>
-      </p:nvGrpSpPr>
-      <p:grpSpPr>
-        <a:xfrm>
-          <a:off x="0" y="0"/>
-          <a:ext cx="0" cy="0"/>
-          <a:chOff x="0" y="0"/>
-          <a:chExt cx="0" cy="0"/>
-        </a:xfrm>
-      </p:grpSpPr>
-      <p:sp>
-        <p:nvSpPr>
-          <p:cNvPr id="2" name="Title 1"/>
-          <p:cNvSpPr>
-            <a:spLocks noGrp="1"/>
-          </p:cNvSpPr>
-          <p:nvPr>
-            <p:ph type="title"/>
-          </p:nvPr>
-        </p:nvSpPr>
-        <p:spPr/>
-        <p:txBody>
-          <a:bodyPr/>
-          <a:lstStyle/>
-          <a:p>
-            <a:r>
-              <a:rPr lang="en-US" dirty="0" smtClean="0"/>
-              <a:t>Using </a:t>
-            </a:r>
-            <a:r>
-              <a:rPr lang="en-US" dirty="0" err="1" smtClean="0"/>
-              <a:t>TumblingWindow</a:t>
-            </a:r>
-            <a:endParaRPr lang="en-US" dirty="0"/>
-          </a:p>
-        </p:txBody>
-      </p:sp>
-      <p:sp>
-        <p:nvSpPr>
-          <p:cNvPr id="4" name="Rectangle 3"/>
-          <p:cNvSpPr/>
-          <p:nvPr/>
-        </p:nvSpPr>
-        <p:spPr bwMode="auto">
-          <a:xfrm>
-            <a:off x="876001" y="1696129"/>
-            <a:ext cx="10438410" cy="1937720"/>
-          </a:xfrm>
-          <a:prstGeom prst="rect">
-            <a:avLst/>
-          </a:prstGeom>
-          <a:solidFill>
-            <a:schemeClr val="tx1">
-              <a:lumMod val="10000"/>
-              <a:lumOff val="90000"/>
-            </a:schemeClr>
-          </a:solidFill>
-          <a:ln w="38100">
-            <a:solidFill>
-              <a:schemeClr val="tx1">
-                <a:lumMod val="50000"/>
-                <a:lumOff val="50000"/>
-              </a:schemeClr>
-            </a:solidFill>
-            <a:headEnd type="none" w="med" len="med"/>
-            <a:tailEnd type="none" w="med" len="med"/>
-          </a:ln>
-          <a:effectLst/>
-        </p:spPr>
-        <p:style>
-          <a:lnRef idx="1">
-            <a:schemeClr val="accent2"/>
-          </a:lnRef>
-          <a:fillRef idx="3">
-            <a:schemeClr val="accent2"/>
-          </a:fillRef>
-          <a:effectRef idx="2">
-            <a:schemeClr val="accent2"/>
-          </a:effectRef>
-          <a:fontRef idx="minor">
-            <a:schemeClr val="lt1"/>
-          </a:fontRef>
-        </p:style>
-        <p:txBody>
-          <a:bodyPr vert="horz" wrap="square" lIns="91436" tIns="45718" rIns="91436" bIns="45718" numCol="1" rtlCol="0" anchor="ctr" anchorCtr="0" compatLnSpc="1">
-            <a:prstTxWarp prst="textNoShape">
-              <a:avLst/>
-            </a:prstTxWarp>
-          </a:bodyPr>
-          <a:lstStyle/>
-          <a:p>
-            <a:pPr defTabSz="914099" fontAlgn="base">
-              <a:spcBef>
-                <a:spcPct val="0"/>
-              </a:spcBef>
-              <a:spcAft>
-                <a:spcPct val="0"/>
-              </a:spcAft>
-            </a:pPr>
-            <a:r>
-              <a:rPr lang="en-US" sz="2200" dirty="0" smtClean="0">
-                <a:solidFill>
-                  <a:schemeClr val="tx1"/>
-                </a:solidFill>
-                <a:latin typeface="Lucida Console" panose="020B0609040504020204" pitchFamily="49" charset="0"/>
-              </a:rPr>
-              <a:t> SELECT </a:t>
-            </a:r>
-            <a:r>
-              <a:rPr lang="en-US" sz="2200" dirty="0" err="1">
-                <a:solidFill>
-                  <a:schemeClr val="tx1"/>
-                </a:solidFill>
-                <a:latin typeface="Lucida Console" panose="020B0609040504020204" pitchFamily="49" charset="0"/>
-              </a:rPr>
-              <a:t>System.Timestamp</a:t>
-            </a:r>
-            <a:r>
-              <a:rPr lang="en-US" sz="2200" dirty="0">
-                <a:solidFill>
-                  <a:schemeClr val="tx1"/>
-                </a:solidFill>
-                <a:latin typeface="Lucida Console" panose="020B0609040504020204" pitchFamily="49" charset="0"/>
-              </a:rPr>
-              <a:t> as [Window End</a:t>
-            </a:r>
-            <a:r>
-              <a:rPr lang="en-US" sz="2200" dirty="0" smtClean="0">
-                <a:solidFill>
-                  <a:schemeClr val="tx1"/>
-                </a:solidFill>
-                <a:latin typeface="Lucida Console" panose="020B0609040504020204" pitchFamily="49" charset="0"/>
-              </a:rPr>
-              <a:t>],</a:t>
-            </a:r>
-          </a:p>
-          <a:p>
-            <a:pPr defTabSz="914099" fontAlgn="base">
-              <a:spcBef>
-                <a:spcPct val="0"/>
-              </a:spcBef>
-              <a:spcAft>
-                <a:spcPct val="0"/>
-              </a:spcAft>
-            </a:pPr>
-            <a:r>
-              <a:rPr lang="en-US" sz="2200" dirty="0">
-                <a:solidFill>
-                  <a:schemeClr val="tx1"/>
-                </a:solidFill>
-                <a:latin typeface="Lucida Console" panose="020B0609040504020204" pitchFamily="49" charset="0"/>
-              </a:rPr>
-              <a:t> </a:t>
-            </a:r>
-            <a:r>
-              <a:rPr lang="en-US" sz="2200" dirty="0" smtClean="0">
-                <a:solidFill>
-                  <a:schemeClr val="tx1"/>
-                </a:solidFill>
-                <a:latin typeface="Lucida Console" panose="020B0609040504020204" pitchFamily="49" charset="0"/>
-              </a:rPr>
-              <a:t>    COUNT</a:t>
-            </a:r>
-            <a:r>
-              <a:rPr lang="en-US" sz="2200" dirty="0">
-                <a:solidFill>
-                  <a:schemeClr val="tx1"/>
-                </a:solidFill>
-                <a:latin typeface="Lucida Console" panose="020B0609040504020204" pitchFamily="49" charset="0"/>
-              </a:rPr>
-              <a:t>(*) AS Readings</a:t>
-            </a:r>
-          </a:p>
-          <a:p>
-            <a:pPr defTabSz="914099" fontAlgn="base">
-              <a:spcBef>
-                <a:spcPct val="0"/>
-              </a:spcBef>
-              <a:spcAft>
-                <a:spcPct val="0"/>
-              </a:spcAft>
-            </a:pPr>
-            <a:r>
-              <a:rPr lang="en-US" sz="2200" dirty="0" smtClean="0">
-                <a:solidFill>
-                  <a:schemeClr val="tx1"/>
-                </a:solidFill>
-                <a:latin typeface="Lucida Console" panose="020B0609040504020204" pitchFamily="49" charset="0"/>
-              </a:rPr>
-              <a:t> FROM </a:t>
-            </a:r>
-            <a:r>
-              <a:rPr lang="en-US" sz="2200" dirty="0" err="1">
-                <a:solidFill>
-                  <a:schemeClr val="tx1"/>
-                </a:solidFill>
-                <a:latin typeface="Lucida Console" panose="020B0609040504020204" pitchFamily="49" charset="0"/>
-              </a:rPr>
-              <a:t>TemperatureData</a:t>
-            </a:r>
-            <a:r>
-              <a:rPr lang="en-US" sz="2200" dirty="0">
-                <a:solidFill>
-                  <a:schemeClr val="tx1"/>
-                </a:solidFill>
-                <a:latin typeface="Lucida Console" panose="020B0609040504020204" pitchFamily="49" charset="0"/>
-              </a:rPr>
-              <a:t> TIMESTAMP BY Time</a:t>
-            </a:r>
-          </a:p>
-          <a:p>
-            <a:pPr defTabSz="914099" fontAlgn="base">
-              <a:spcBef>
-                <a:spcPct val="0"/>
-              </a:spcBef>
-              <a:spcAft>
-                <a:spcPct val="0"/>
-              </a:spcAft>
-            </a:pPr>
-            <a:r>
-              <a:rPr lang="en-US" sz="2200" dirty="0" smtClean="0">
-                <a:solidFill>
-                  <a:schemeClr val="tx1"/>
-                </a:solidFill>
-                <a:latin typeface="Lucida Console" panose="020B0609040504020204" pitchFamily="49" charset="0"/>
-              </a:rPr>
-              <a:t> </a:t>
-            </a:r>
-            <a:r>
-              <a:rPr lang="en-US" sz="2200" dirty="0" smtClean="0">
-                <a:solidFill>
-                  <a:schemeClr val="accent1"/>
-                </a:solidFill>
-                <a:latin typeface="Lucida Console" panose="020B0609040504020204" pitchFamily="49" charset="0"/>
-              </a:rPr>
-              <a:t>GROUP </a:t>
-            </a:r>
-            <a:r>
-              <a:rPr lang="en-US" sz="2200" dirty="0">
-                <a:solidFill>
-                  <a:schemeClr val="accent1"/>
-                </a:solidFill>
-                <a:latin typeface="Lucida Console" panose="020B0609040504020204" pitchFamily="49" charset="0"/>
-              </a:rPr>
-              <a:t>BY </a:t>
-            </a:r>
-            <a:r>
-              <a:rPr lang="en-US" sz="2200" dirty="0" smtClean="0">
-                <a:solidFill>
-                  <a:schemeClr val="accent1"/>
-                </a:solidFill>
-                <a:latin typeface="Lucida Console" panose="020B0609040504020204" pitchFamily="49" charset="0"/>
-              </a:rPr>
-              <a:t>TUMBLINGWINDOW(s</a:t>
-            </a:r>
-            <a:r>
-              <a:rPr lang="en-US" sz="2200" dirty="0">
-                <a:solidFill>
-                  <a:schemeClr val="accent1"/>
-                </a:solidFill>
-                <a:latin typeface="Lucida Console" panose="020B0609040504020204" pitchFamily="49" charset="0"/>
-              </a:rPr>
-              <a:t>, 5</a:t>
-            </a:r>
-            <a:r>
-              <a:rPr lang="en-US" sz="2200" dirty="0" smtClean="0">
-                <a:solidFill>
-                  <a:schemeClr val="accent1"/>
-                </a:solidFill>
-                <a:latin typeface="Lucida Console" panose="020B0609040504020204" pitchFamily="49" charset="0"/>
-              </a:rPr>
-              <a:t>)</a:t>
-            </a:r>
-            <a:endParaRPr lang="en-US" sz="2200" dirty="0">
-              <a:solidFill>
-                <a:schemeClr val="accent1"/>
-              </a:solidFill>
-              <a:latin typeface="Lucida Console" panose="020B0609040504020204" pitchFamily="49" charset="0"/>
-            </a:endParaRPr>
-          </a:p>
-        </p:txBody>
-      </p:sp>
-      <p:pic>
-        <p:nvPicPr>
-          <p:cNvPr id="3" name="Picture 2"/>
-          <p:cNvPicPr>
-            <a:picLocks noChangeAspect="1"/>
-          </p:cNvPicPr>
-          <p:nvPr/>
-        </p:nvPicPr>
-        <p:blipFill>
-          <a:blip r:embed="rId2"/>
-          <a:stretch>
-            <a:fillRect/>
-          </a:stretch>
-        </p:blipFill>
-        <p:spPr>
-          <a:xfrm>
-            <a:off x="876001" y="4111336"/>
-            <a:ext cx="10438410" cy="1683822"/>
-          </a:xfrm>
-          <a:prstGeom prst="rect">
-            <a:avLst/>
-          </a:prstGeom>
-          <a:ln>
-            <a:solidFill>
-              <a:schemeClr val="tx1">
-                <a:lumMod val="25000"/>
-                <a:lumOff val="75000"/>
-              </a:schemeClr>
-            </a:solidFill>
-          </a:ln>
-        </p:spPr>
-      </p:pic>
-    </p:spTree>
-    <p:extLst>
-      <p:ext uri="{BB962C8B-B14F-4D97-AF65-F5344CB8AC3E}">
-        <p14:creationId xmlns:p14="http://schemas.microsoft.com/office/powerpoint/2010/main" val="3520106061"/>
-      </p:ext>
-    </p:extLst>
-  </p:cSld>
-  <p:clrMapOvr>
-    <a:masterClrMapping/>
-  </p:clrMapOvr>
-  <p:transition>
-    <p:fade/>
-  </p:transition>
-  <p:timing>
-    <p:tnLst>
-      <p:par>
-        <p:cTn id="1" dur="indefinite" restart="never" nodeType="tmRoot"/>
-      </p:par>
-    </p:tnLst>
-  </p:timing>
-</p:sld>
-</file>
-
-<file path=ppt/slides/slide12.xml><?xml version="1.0" encoding="utf-8"?>
-<p:sld xmlns:a="http://schemas.openxmlformats.org/drawingml/2006/main" xmlns:r="http://schemas.openxmlformats.org/officeDocument/2006/relationships" xmlns:p="http://schemas.openxmlformats.org/presentationml/2006/main">
-  <p:cSld>
-    <p:spTree>
-      <p:nvGrpSpPr>
-        <p:cNvPr id="1" name=""/>
-        <p:cNvGrpSpPr/>
-        <p:nvPr/>
-      </p:nvGrpSpPr>
-      <p:grpSpPr>
-        <a:xfrm>
-          <a:off x="0" y="0"/>
-          <a:ext cx="0" cy="0"/>
-          <a:chOff x="0" y="0"/>
-          <a:chExt cx="0" cy="0"/>
-        </a:xfrm>
-      </p:grpSpPr>
-      <p:sp>
-        <p:nvSpPr>
-          <p:cNvPr id="2" name="Title 1"/>
-          <p:cNvSpPr>
-            <a:spLocks noGrp="1"/>
-          </p:cNvSpPr>
-          <p:nvPr>
             <p:ph type="ctrTitle"/>
           </p:nvPr>
         </p:nvSpPr>
@@ -15132,272 +11732,6 @@
           <a:p>
             <a:r>
               <a:rPr lang="en-US" dirty="0" smtClean="0"/>
-              <a:t>Stream Analytics Input</a:t>
-            </a:r>
-            <a:endParaRPr lang="en-US" dirty="0"/>
-          </a:p>
-        </p:txBody>
-      </p:sp>
-      <p:sp>
-        <p:nvSpPr>
-          <p:cNvPr id="3" name="Content Placeholder 2"/>
-          <p:cNvSpPr>
-            <a:spLocks noGrp="1"/>
-          </p:cNvSpPr>
-          <p:nvPr>
-            <p:ph idx="1"/>
-          </p:nvPr>
-        </p:nvSpPr>
-        <p:spPr>
-          <a:xfrm>
-            <a:off x="519248" y="1447800"/>
-            <a:ext cx="11151916" cy="1526187"/>
-          </a:xfrm>
-        </p:spPr>
-        <p:txBody>
-          <a:bodyPr/>
-          <a:lstStyle/>
-          <a:p>
-            <a:r>
-              <a:rPr lang="en-US" dirty="0" smtClean="0"/>
-              <a:t>Stream Analytics supports two types of input</a:t>
-            </a:r>
-          </a:p>
-          <a:p>
-            <a:r>
-              <a:rPr lang="en-US" dirty="0" smtClean="0"/>
-              <a:t>Multiple inputs can be </a:t>
-            </a:r>
-            <a:r>
-              <a:rPr lang="en-US" dirty="0" err="1" smtClean="0"/>
-              <a:t>JOINed</a:t>
-            </a:r>
-            <a:r>
-              <a:rPr lang="en-US" dirty="0" smtClean="0"/>
-              <a:t> (aggregated) like SQL tables</a:t>
-            </a:r>
-          </a:p>
-          <a:p>
-            <a:r>
-              <a:rPr lang="en-US" dirty="0" smtClean="0"/>
-              <a:t>Also allows reference data to be provided as input</a:t>
-            </a:r>
-            <a:endParaRPr lang="en-US" dirty="0"/>
-          </a:p>
-        </p:txBody>
-      </p:sp>
-      <p:pic>
-        <p:nvPicPr>
-          <p:cNvPr id="4" name="Picture 3"/>
-          <p:cNvPicPr>
-            <a:picLocks noChangeAspect="1"/>
-          </p:cNvPicPr>
-          <p:nvPr/>
-        </p:nvPicPr>
-        <p:blipFill>
-          <a:blip r:embed="rId2"/>
-          <a:stretch>
-            <a:fillRect/>
-          </a:stretch>
-        </p:blipFill>
-        <p:spPr>
-          <a:xfrm>
-            <a:off x="2718593" y="3467070"/>
-            <a:ext cx="6753225" cy="2895600"/>
-          </a:xfrm>
-          <a:prstGeom prst="rect">
-            <a:avLst/>
-          </a:prstGeom>
-          <a:ln>
-            <a:solidFill>
-              <a:schemeClr val="tx1">
-                <a:lumMod val="25000"/>
-                <a:lumOff val="75000"/>
-              </a:schemeClr>
-            </a:solidFill>
-          </a:ln>
-        </p:spPr>
-      </p:pic>
-    </p:spTree>
-    <p:extLst>
-      <p:ext uri="{BB962C8B-B14F-4D97-AF65-F5344CB8AC3E}">
-        <p14:creationId xmlns:p14="http://schemas.microsoft.com/office/powerpoint/2010/main" val="1156507611"/>
-      </p:ext>
-    </p:extLst>
-  </p:cSld>
-  <p:clrMapOvr>
-    <a:masterClrMapping/>
-  </p:clrMapOvr>
-  <p:transition>
-    <p:fade/>
-  </p:transition>
-  <p:timing>
-    <p:tnLst>
-      <p:par>
-        <p:cTn id="1" dur="indefinite" restart="never" nodeType="tmRoot"/>
-      </p:par>
-    </p:tnLst>
-  </p:timing>
-</p:sld>
-</file>
-
-<file path=ppt/slides/slide5.xml><?xml version="1.0" encoding="utf-8"?>
-<p:sld xmlns:a="http://schemas.openxmlformats.org/drawingml/2006/main" xmlns:r="http://schemas.openxmlformats.org/officeDocument/2006/relationships" xmlns:p="http://schemas.openxmlformats.org/presentationml/2006/main">
-  <p:cSld>
-    <p:spTree>
-      <p:nvGrpSpPr>
-        <p:cNvPr id="1" name=""/>
-        <p:cNvGrpSpPr/>
-        <p:nvPr/>
-      </p:nvGrpSpPr>
-      <p:grpSpPr>
-        <a:xfrm>
-          <a:off x="0" y="0"/>
-          <a:ext cx="0" cy="0"/>
-          <a:chOff x="0" y="0"/>
-          <a:chExt cx="0" cy="0"/>
-        </a:xfrm>
-      </p:grpSpPr>
-      <p:sp>
-        <p:nvSpPr>
-          <p:cNvPr id="2" name="Title 1"/>
-          <p:cNvSpPr>
-            <a:spLocks noGrp="1"/>
-          </p:cNvSpPr>
-          <p:nvPr>
-            <p:ph type="title"/>
-          </p:nvPr>
-        </p:nvSpPr>
-        <p:spPr/>
-        <p:txBody>
-          <a:bodyPr/>
-          <a:lstStyle/>
-          <a:p>
-            <a:r>
-              <a:rPr lang="en-US" dirty="0" smtClean="0"/>
-              <a:t>Stream Analytics Output</a:t>
-            </a:r>
-            <a:endParaRPr lang="en-US" dirty="0"/>
-          </a:p>
-        </p:txBody>
-      </p:sp>
-      <p:sp>
-        <p:nvSpPr>
-          <p:cNvPr id="3" name="Content Placeholder 2"/>
-          <p:cNvSpPr>
-            <a:spLocks noGrp="1"/>
-          </p:cNvSpPr>
-          <p:nvPr>
-            <p:ph idx="1"/>
-          </p:nvPr>
-        </p:nvSpPr>
-        <p:spPr>
-          <a:xfrm>
-            <a:off x="519248" y="1447800"/>
-            <a:ext cx="11151916" cy="443070"/>
-          </a:xfrm>
-        </p:spPr>
-        <p:txBody>
-          <a:bodyPr/>
-          <a:lstStyle/>
-          <a:p>
-            <a:r>
-              <a:rPr lang="en-US" dirty="0" smtClean="0"/>
-              <a:t>Supports several output types as well as multiple outputs</a:t>
-            </a:r>
-            <a:endParaRPr lang="en-US" dirty="0"/>
-          </a:p>
-        </p:txBody>
-      </p:sp>
-      <p:pic>
-        <p:nvPicPr>
-          <p:cNvPr id="4" name="Picture 3"/>
-          <p:cNvPicPr>
-            <a:picLocks noChangeAspect="1"/>
-          </p:cNvPicPr>
-          <p:nvPr/>
-        </p:nvPicPr>
-        <p:blipFill>
-          <a:blip r:embed="rId2"/>
-          <a:stretch>
-            <a:fillRect/>
-          </a:stretch>
-        </p:blipFill>
-        <p:spPr>
-          <a:xfrm>
-            <a:off x="2851943" y="2362170"/>
-            <a:ext cx="6486525" cy="4000500"/>
-          </a:xfrm>
-          <a:prstGeom prst="rect">
-            <a:avLst/>
-          </a:prstGeom>
-          <a:ln>
-            <a:solidFill>
-              <a:schemeClr val="tx1">
-                <a:lumMod val="25000"/>
-                <a:lumOff val="75000"/>
-              </a:schemeClr>
-            </a:solidFill>
-          </a:ln>
-        </p:spPr>
-      </p:pic>
-    </p:spTree>
-    <p:extLst>
-      <p:ext uri="{BB962C8B-B14F-4D97-AF65-F5344CB8AC3E}">
-        <p14:creationId xmlns:p14="http://schemas.microsoft.com/office/powerpoint/2010/main" val="4103350893"/>
-      </p:ext>
-    </p:extLst>
-  </p:cSld>
-  <p:clrMapOvr>
-    <a:masterClrMapping/>
-  </p:clrMapOvr>
-  <p:transition>
-    <p:fade/>
-  </p:transition>
-  <p:timing>
-    <p:tnLst>
-      <p:par>
-        <p:cTn id="1" dur="indefinite" restart="never" nodeType="tmRoot"/>
-      </p:par>
-    </p:tnLst>
-  </p:timing>
-</p:sld>
-</file>
-
-<file path=ppt/slides/slide6.xml><?xml version="1.0" encoding="utf-8"?>
-<p:sld xmlns:a="http://schemas.openxmlformats.org/drawingml/2006/main" xmlns:r="http://schemas.openxmlformats.org/officeDocument/2006/relationships" xmlns:p="http://schemas.openxmlformats.org/presentationml/2006/main">
-  <p:cSld>
-    <p:spTree>
-      <p:nvGrpSpPr>
-        <p:cNvPr id="1" name=""/>
-        <p:cNvGrpSpPr/>
-        <p:nvPr/>
-      </p:nvGrpSpPr>
-      <p:grpSpPr>
-        <a:xfrm>
-          <a:off x="0" y="0"/>
-          <a:ext cx="0" cy="0"/>
-          <a:chOff x="0" y="0"/>
-          <a:chExt cx="0" cy="0"/>
-        </a:xfrm>
-      </p:grpSpPr>
-      <p:sp>
-        <p:nvSpPr>
-          <p:cNvPr id="2" name="Title 1"/>
-          <p:cNvSpPr>
-            <a:spLocks noGrp="1"/>
-          </p:cNvSpPr>
-          <p:nvPr>
-            <p:ph type="title"/>
-          </p:nvPr>
-        </p:nvSpPr>
-        <p:spPr/>
-        <p:txBody>
-          <a:bodyPr/>
-          <a:lstStyle/>
-          <a:p>
-            <a:r>
-              <a:rPr lang="en-US" dirty="0" smtClean="0"/>
               <a:t>Stream Analytics Query Language</a:t>
             </a:r>
             <a:endParaRPr lang="en-US" dirty="0"/>
@@ -15537,7 +11871,7 @@
 </p:sld>
 </file>
 
-<file path=ppt/slides/slide7.xml><?xml version="1.0" encoding="utf-8"?>
+<file path=ppt/slides/slide5.xml><?xml version="1.0" encoding="utf-8"?>
 <p:sld xmlns:a="http://schemas.openxmlformats.org/drawingml/2006/main" xmlns:r="http://schemas.openxmlformats.org/officeDocument/2006/relationships" xmlns:p="http://schemas.openxmlformats.org/presentationml/2006/main">
   <p:cSld>
     <p:spTree>
@@ -15777,7 +12111,7 @@
 </p:sld>
 </file>
 
-<file path=ppt/slides/slide8.xml><?xml version="1.0" encoding="utf-8"?>
+<file path=ppt/slides/slide6.xml><?xml version="1.0" encoding="utf-8"?>
 <p:sld xmlns:a="http://schemas.openxmlformats.org/drawingml/2006/main" xmlns:r="http://schemas.openxmlformats.org/officeDocument/2006/relationships" xmlns:p="http://schemas.openxmlformats.org/presentationml/2006/main">
   <p:cSld>
     <p:spTree>
@@ -16137,7 +12471,7 @@
 </p:sld>
 </file>
 
-<file path=ppt/slides/slide9.xml><?xml version="1.0" encoding="utf-8"?>
+<file path=ppt/slides/slide7.xml><?xml version="1.0" encoding="utf-8"?>
 <p:sld xmlns:a="http://schemas.openxmlformats.org/drawingml/2006/main" xmlns:r="http://schemas.openxmlformats.org/officeDocument/2006/relationships" xmlns:p="http://schemas.openxmlformats.org/presentationml/2006/main">
   <p:cSld>
     <p:spTree>
@@ -16522,6 +12856,3404 @@
     <p:extLst>
       <p:ext uri="{BB962C8B-B14F-4D97-AF65-F5344CB8AC3E}">
         <p14:creationId xmlns:p14="http://schemas.microsoft.com/office/powerpoint/2010/main" val="4025450887"/>
+      </p:ext>
+    </p:extLst>
+  </p:cSld>
+  <p:clrMapOvr>
+    <a:masterClrMapping/>
+  </p:clrMapOvr>
+  <p:transition>
+    <p:fade/>
+  </p:transition>
+  <p:timing>
+    <p:tnLst>
+      <p:par>
+        <p:cTn id="1" dur="indefinite" restart="never" nodeType="tmRoot"/>
+      </p:par>
+    </p:tnLst>
+  </p:timing>
+</p:sld>
+</file>
+
+<file path=ppt/slides/slide8.xml><?xml version="1.0" encoding="utf-8"?>
+<p:sld xmlns:a="http://schemas.openxmlformats.org/drawingml/2006/main" xmlns:r="http://schemas.openxmlformats.org/officeDocument/2006/relationships" xmlns:p="http://schemas.openxmlformats.org/presentationml/2006/main">
+  <p:cSld>
+    <p:spTree>
+      <p:nvGrpSpPr>
+        <p:cNvPr id="1" name=""/>
+        <p:cNvGrpSpPr/>
+        <p:nvPr/>
+      </p:nvGrpSpPr>
+      <p:grpSpPr>
+        <a:xfrm>
+          <a:off x="0" y="0"/>
+          <a:ext cx="0" cy="0"/>
+          <a:chOff x="0" y="0"/>
+          <a:chExt cx="0" cy="0"/>
+        </a:xfrm>
+      </p:grpSpPr>
+      <p:sp>
+        <p:nvSpPr>
+          <p:cNvPr id="2" name="Title 1"/>
+          <p:cNvSpPr>
+            <a:spLocks noGrp="1"/>
+          </p:cNvSpPr>
+          <p:nvPr>
+            <p:ph type="title"/>
+          </p:nvPr>
+        </p:nvSpPr>
+        <p:spPr/>
+        <p:txBody>
+          <a:bodyPr/>
+          <a:lstStyle/>
+          <a:p>
+            <a:r>
+              <a:rPr lang="en-US" dirty="0" smtClean="0"/>
+              <a:t>Windowing</a:t>
+            </a:r>
+            <a:endParaRPr lang="en-US" dirty="0"/>
+          </a:p>
+        </p:txBody>
+      </p:sp>
+      <p:sp>
+        <p:nvSpPr>
+          <p:cNvPr id="3" name="Content Placeholder 2"/>
+          <p:cNvSpPr>
+            <a:spLocks noGrp="1"/>
+          </p:cNvSpPr>
+          <p:nvPr>
+            <p:ph idx="1"/>
+          </p:nvPr>
+        </p:nvSpPr>
+        <p:spPr>
+          <a:xfrm>
+            <a:off x="519248" y="1447800"/>
+            <a:ext cx="10999818" cy="886140"/>
+          </a:xfrm>
+        </p:spPr>
+        <p:txBody>
+          <a:bodyPr/>
+          <a:lstStyle/>
+          <a:p>
+            <a:r>
+              <a:rPr lang="en-US" dirty="0" smtClean="0"/>
+              <a:t>Core requirement for stream-processing systems for counting or aggregating events in a specified time period</a:t>
+            </a:r>
+          </a:p>
+        </p:txBody>
+      </p:sp>
+      <p:cxnSp>
+        <p:nvCxnSpPr>
+          <p:cNvPr id="9" name="Straight Connector 8"/>
+          <p:cNvCxnSpPr/>
+          <p:nvPr/>
+        </p:nvCxnSpPr>
+        <p:spPr>
+          <a:xfrm>
+            <a:off x="688763" y="3313215"/>
+            <a:ext cx="2945083" cy="8905"/>
+          </a:xfrm>
+          <a:prstGeom prst="line">
+            <a:avLst/>
+          </a:prstGeom>
+          <a:ln w="38100"/>
+        </p:spPr>
+        <p:style>
+          <a:lnRef idx="1">
+            <a:schemeClr val="accent1"/>
+          </a:lnRef>
+          <a:fillRef idx="0">
+            <a:schemeClr val="accent1"/>
+          </a:fillRef>
+          <a:effectRef idx="0">
+            <a:schemeClr val="accent1"/>
+          </a:effectRef>
+          <a:fontRef idx="minor">
+            <a:schemeClr val="tx1"/>
+          </a:fontRef>
+        </p:style>
+      </p:cxnSp>
+      <p:sp>
+        <p:nvSpPr>
+          <p:cNvPr id="10" name="Rectangle 9"/>
+          <p:cNvSpPr/>
+          <p:nvPr/>
+        </p:nvSpPr>
+        <p:spPr bwMode="auto">
+          <a:xfrm>
+            <a:off x="902519" y="3247900"/>
+            <a:ext cx="95002" cy="148441"/>
+          </a:xfrm>
+          <a:prstGeom prst="rect">
+            <a:avLst/>
+          </a:prstGeom>
+          <a:solidFill>
+            <a:schemeClr val="accent2"/>
+          </a:solidFill>
+          <a:ln>
+            <a:noFill/>
+            <a:headEnd type="none" w="med" len="med"/>
+            <a:tailEnd type="none" w="med" len="med"/>
+          </a:ln>
+          <a:effectLst/>
+        </p:spPr>
+        <p:style>
+          <a:lnRef idx="1">
+            <a:schemeClr val="accent2"/>
+          </a:lnRef>
+          <a:fillRef idx="3">
+            <a:schemeClr val="accent2"/>
+          </a:fillRef>
+          <a:effectRef idx="2">
+            <a:schemeClr val="accent2"/>
+          </a:effectRef>
+          <a:fontRef idx="minor">
+            <a:schemeClr val="lt1"/>
+          </a:fontRef>
+        </p:style>
+        <p:txBody>
+          <a:bodyPr vert="horz" wrap="square" lIns="91436" tIns="45718" rIns="91436" bIns="45718" numCol="1" rtlCol="0" anchor="ctr" anchorCtr="0" compatLnSpc="1">
+            <a:prstTxWarp prst="textNoShape">
+              <a:avLst/>
+            </a:prstTxWarp>
+          </a:bodyPr>
+          <a:lstStyle/>
+          <a:p>
+            <a:pPr algn="ctr" defTabSz="914099" fontAlgn="base">
+              <a:spcBef>
+                <a:spcPct val="0"/>
+              </a:spcBef>
+              <a:spcAft>
+                <a:spcPct val="0"/>
+              </a:spcAft>
+            </a:pPr>
+            <a:endParaRPr lang="en-US" sz="2200" dirty="0" smtClean="0">
+              <a:gradFill>
+                <a:gsLst>
+                  <a:gs pos="0">
+                    <a:srgbClr val="FFFFFF"/>
+                  </a:gs>
+                  <a:gs pos="100000">
+                    <a:srgbClr val="FFFFFF"/>
+                  </a:gs>
+                </a:gsLst>
+                <a:lin ang="5400000" scaled="0"/>
+              </a:gradFill>
+            </a:endParaRPr>
+          </a:p>
+        </p:txBody>
+      </p:sp>
+      <p:sp>
+        <p:nvSpPr>
+          <p:cNvPr id="11" name="Rectangle 10"/>
+          <p:cNvSpPr/>
+          <p:nvPr/>
+        </p:nvSpPr>
+        <p:spPr bwMode="auto">
+          <a:xfrm>
+            <a:off x="1080649" y="3247900"/>
+            <a:ext cx="95002" cy="148441"/>
+          </a:xfrm>
+          <a:prstGeom prst="rect">
+            <a:avLst/>
+          </a:prstGeom>
+          <a:solidFill>
+            <a:schemeClr val="accent2"/>
+          </a:solidFill>
+          <a:ln>
+            <a:noFill/>
+            <a:headEnd type="none" w="med" len="med"/>
+            <a:tailEnd type="none" w="med" len="med"/>
+          </a:ln>
+          <a:effectLst/>
+        </p:spPr>
+        <p:style>
+          <a:lnRef idx="1">
+            <a:schemeClr val="accent2"/>
+          </a:lnRef>
+          <a:fillRef idx="3">
+            <a:schemeClr val="accent2"/>
+          </a:fillRef>
+          <a:effectRef idx="2">
+            <a:schemeClr val="accent2"/>
+          </a:effectRef>
+          <a:fontRef idx="minor">
+            <a:schemeClr val="lt1"/>
+          </a:fontRef>
+        </p:style>
+        <p:txBody>
+          <a:bodyPr vert="horz" wrap="square" lIns="91436" tIns="45718" rIns="91436" bIns="45718" numCol="1" rtlCol="0" anchor="ctr" anchorCtr="0" compatLnSpc="1">
+            <a:prstTxWarp prst="textNoShape">
+              <a:avLst/>
+            </a:prstTxWarp>
+          </a:bodyPr>
+          <a:lstStyle/>
+          <a:p>
+            <a:pPr algn="ctr" defTabSz="914099" fontAlgn="base">
+              <a:spcBef>
+                <a:spcPct val="0"/>
+              </a:spcBef>
+              <a:spcAft>
+                <a:spcPct val="0"/>
+              </a:spcAft>
+            </a:pPr>
+            <a:endParaRPr lang="en-US" sz="2200" dirty="0" smtClean="0">
+              <a:gradFill>
+                <a:gsLst>
+                  <a:gs pos="0">
+                    <a:srgbClr val="FFFFFF"/>
+                  </a:gs>
+                  <a:gs pos="100000">
+                    <a:srgbClr val="FFFFFF"/>
+                  </a:gs>
+                </a:gsLst>
+                <a:lin ang="5400000" scaled="0"/>
+              </a:gradFill>
+            </a:endParaRPr>
+          </a:p>
+        </p:txBody>
+      </p:sp>
+      <p:sp>
+        <p:nvSpPr>
+          <p:cNvPr id="12" name="Rectangle 11"/>
+          <p:cNvSpPr/>
+          <p:nvPr/>
+        </p:nvSpPr>
+        <p:spPr bwMode="auto">
+          <a:xfrm>
+            <a:off x="1258779" y="3247900"/>
+            <a:ext cx="95002" cy="148441"/>
+          </a:xfrm>
+          <a:prstGeom prst="rect">
+            <a:avLst/>
+          </a:prstGeom>
+          <a:solidFill>
+            <a:schemeClr val="accent2"/>
+          </a:solidFill>
+          <a:ln>
+            <a:noFill/>
+            <a:headEnd type="none" w="med" len="med"/>
+            <a:tailEnd type="none" w="med" len="med"/>
+          </a:ln>
+          <a:effectLst/>
+        </p:spPr>
+        <p:style>
+          <a:lnRef idx="1">
+            <a:schemeClr val="accent2"/>
+          </a:lnRef>
+          <a:fillRef idx="3">
+            <a:schemeClr val="accent2"/>
+          </a:fillRef>
+          <a:effectRef idx="2">
+            <a:schemeClr val="accent2"/>
+          </a:effectRef>
+          <a:fontRef idx="minor">
+            <a:schemeClr val="lt1"/>
+          </a:fontRef>
+        </p:style>
+        <p:txBody>
+          <a:bodyPr vert="horz" wrap="square" lIns="91436" tIns="45718" rIns="91436" bIns="45718" numCol="1" rtlCol="0" anchor="ctr" anchorCtr="0" compatLnSpc="1">
+            <a:prstTxWarp prst="textNoShape">
+              <a:avLst/>
+            </a:prstTxWarp>
+          </a:bodyPr>
+          <a:lstStyle/>
+          <a:p>
+            <a:pPr algn="ctr" defTabSz="914099" fontAlgn="base">
+              <a:spcBef>
+                <a:spcPct val="0"/>
+              </a:spcBef>
+              <a:spcAft>
+                <a:spcPct val="0"/>
+              </a:spcAft>
+            </a:pPr>
+            <a:endParaRPr lang="en-US" sz="2200" dirty="0" smtClean="0">
+              <a:gradFill>
+                <a:gsLst>
+                  <a:gs pos="0">
+                    <a:srgbClr val="FFFFFF"/>
+                  </a:gs>
+                  <a:gs pos="100000">
+                    <a:srgbClr val="FFFFFF"/>
+                  </a:gs>
+                </a:gsLst>
+                <a:lin ang="5400000" scaled="0"/>
+              </a:gradFill>
+            </a:endParaRPr>
+          </a:p>
+        </p:txBody>
+      </p:sp>
+      <p:sp>
+        <p:nvSpPr>
+          <p:cNvPr id="13" name="Rectangle 12"/>
+          <p:cNvSpPr/>
+          <p:nvPr/>
+        </p:nvSpPr>
+        <p:spPr bwMode="auto">
+          <a:xfrm>
+            <a:off x="2636317" y="3247900"/>
+            <a:ext cx="95002" cy="148441"/>
+          </a:xfrm>
+          <a:prstGeom prst="rect">
+            <a:avLst/>
+          </a:prstGeom>
+          <a:solidFill>
+            <a:schemeClr val="accent2"/>
+          </a:solidFill>
+          <a:ln>
+            <a:noFill/>
+            <a:headEnd type="none" w="med" len="med"/>
+            <a:tailEnd type="none" w="med" len="med"/>
+          </a:ln>
+          <a:effectLst/>
+        </p:spPr>
+        <p:style>
+          <a:lnRef idx="1">
+            <a:schemeClr val="accent2"/>
+          </a:lnRef>
+          <a:fillRef idx="3">
+            <a:schemeClr val="accent2"/>
+          </a:fillRef>
+          <a:effectRef idx="2">
+            <a:schemeClr val="accent2"/>
+          </a:effectRef>
+          <a:fontRef idx="minor">
+            <a:schemeClr val="lt1"/>
+          </a:fontRef>
+        </p:style>
+        <p:txBody>
+          <a:bodyPr vert="horz" wrap="square" lIns="91436" tIns="45718" rIns="91436" bIns="45718" numCol="1" rtlCol="0" anchor="ctr" anchorCtr="0" compatLnSpc="1">
+            <a:prstTxWarp prst="textNoShape">
+              <a:avLst/>
+            </a:prstTxWarp>
+          </a:bodyPr>
+          <a:lstStyle/>
+          <a:p>
+            <a:pPr algn="ctr" defTabSz="914099" fontAlgn="base">
+              <a:spcBef>
+                <a:spcPct val="0"/>
+              </a:spcBef>
+              <a:spcAft>
+                <a:spcPct val="0"/>
+              </a:spcAft>
+            </a:pPr>
+            <a:endParaRPr lang="en-US" sz="2200" dirty="0" smtClean="0">
+              <a:gradFill>
+                <a:gsLst>
+                  <a:gs pos="0">
+                    <a:srgbClr val="FFFFFF"/>
+                  </a:gs>
+                  <a:gs pos="100000">
+                    <a:srgbClr val="FFFFFF"/>
+                  </a:gs>
+                </a:gsLst>
+                <a:lin ang="5400000" scaled="0"/>
+              </a:gradFill>
+            </a:endParaRPr>
+          </a:p>
+        </p:txBody>
+      </p:sp>
+      <p:sp>
+        <p:nvSpPr>
+          <p:cNvPr id="14" name="Rectangle 13"/>
+          <p:cNvSpPr/>
+          <p:nvPr/>
+        </p:nvSpPr>
+        <p:spPr bwMode="auto">
+          <a:xfrm>
+            <a:off x="2826323" y="3247900"/>
+            <a:ext cx="95002" cy="148441"/>
+          </a:xfrm>
+          <a:prstGeom prst="rect">
+            <a:avLst/>
+          </a:prstGeom>
+          <a:solidFill>
+            <a:schemeClr val="accent2"/>
+          </a:solidFill>
+          <a:ln>
+            <a:noFill/>
+            <a:headEnd type="none" w="med" len="med"/>
+            <a:tailEnd type="none" w="med" len="med"/>
+          </a:ln>
+          <a:effectLst/>
+        </p:spPr>
+        <p:style>
+          <a:lnRef idx="1">
+            <a:schemeClr val="accent2"/>
+          </a:lnRef>
+          <a:fillRef idx="3">
+            <a:schemeClr val="accent2"/>
+          </a:fillRef>
+          <a:effectRef idx="2">
+            <a:schemeClr val="accent2"/>
+          </a:effectRef>
+          <a:fontRef idx="minor">
+            <a:schemeClr val="lt1"/>
+          </a:fontRef>
+        </p:style>
+        <p:txBody>
+          <a:bodyPr vert="horz" wrap="square" lIns="91436" tIns="45718" rIns="91436" bIns="45718" numCol="1" rtlCol="0" anchor="ctr" anchorCtr="0" compatLnSpc="1">
+            <a:prstTxWarp prst="textNoShape">
+              <a:avLst/>
+            </a:prstTxWarp>
+          </a:bodyPr>
+          <a:lstStyle/>
+          <a:p>
+            <a:pPr algn="ctr" defTabSz="914099" fontAlgn="base">
+              <a:spcBef>
+                <a:spcPct val="0"/>
+              </a:spcBef>
+              <a:spcAft>
+                <a:spcPct val="0"/>
+              </a:spcAft>
+            </a:pPr>
+            <a:endParaRPr lang="en-US" sz="2200" dirty="0" smtClean="0">
+              <a:gradFill>
+                <a:gsLst>
+                  <a:gs pos="0">
+                    <a:srgbClr val="FFFFFF"/>
+                  </a:gs>
+                  <a:gs pos="100000">
+                    <a:srgbClr val="FFFFFF"/>
+                  </a:gs>
+                </a:gsLst>
+                <a:lin ang="5400000" scaled="0"/>
+              </a:gradFill>
+            </a:endParaRPr>
+          </a:p>
+        </p:txBody>
+      </p:sp>
+      <p:sp>
+        <p:nvSpPr>
+          <p:cNvPr id="15" name="Rectangle 14"/>
+          <p:cNvSpPr/>
+          <p:nvPr/>
+        </p:nvSpPr>
+        <p:spPr bwMode="auto">
+          <a:xfrm>
+            <a:off x="688762" y="3681350"/>
+            <a:ext cx="1472542" cy="866899"/>
+          </a:xfrm>
+          <a:prstGeom prst="rect">
+            <a:avLst/>
+          </a:prstGeom>
+          <a:noFill/>
+          <a:ln w="38100">
+            <a:solidFill>
+              <a:srgbClr val="00AEEF"/>
+            </a:solidFill>
+            <a:headEnd type="none" w="med" len="med"/>
+            <a:tailEnd type="none" w="med" len="med"/>
+          </a:ln>
+          <a:effectLst/>
+        </p:spPr>
+        <p:style>
+          <a:lnRef idx="1">
+            <a:schemeClr val="accent2"/>
+          </a:lnRef>
+          <a:fillRef idx="3">
+            <a:schemeClr val="accent2"/>
+          </a:fillRef>
+          <a:effectRef idx="2">
+            <a:schemeClr val="accent2"/>
+          </a:effectRef>
+          <a:fontRef idx="minor">
+            <a:schemeClr val="lt1"/>
+          </a:fontRef>
+        </p:style>
+        <p:txBody>
+          <a:bodyPr vert="horz" wrap="square" lIns="91436" tIns="45718" rIns="91436" bIns="45718" numCol="1" rtlCol="0" anchor="ctr" anchorCtr="0" compatLnSpc="1">
+            <a:prstTxWarp prst="textNoShape">
+              <a:avLst/>
+            </a:prstTxWarp>
+          </a:bodyPr>
+          <a:lstStyle/>
+          <a:p>
+            <a:pPr algn="ctr" defTabSz="914099" fontAlgn="base">
+              <a:spcBef>
+                <a:spcPct val="0"/>
+              </a:spcBef>
+              <a:spcAft>
+                <a:spcPct val="0"/>
+              </a:spcAft>
+            </a:pPr>
+            <a:endParaRPr lang="en-US" sz="2200" dirty="0" smtClean="0">
+              <a:gradFill>
+                <a:gsLst>
+                  <a:gs pos="0">
+                    <a:srgbClr val="FFFFFF"/>
+                  </a:gs>
+                  <a:gs pos="100000">
+                    <a:srgbClr val="FFFFFF"/>
+                  </a:gs>
+                </a:gsLst>
+                <a:lin ang="5400000" scaled="0"/>
+              </a:gradFill>
+            </a:endParaRPr>
+          </a:p>
+        </p:txBody>
+      </p:sp>
+      <p:sp>
+        <p:nvSpPr>
+          <p:cNvPr id="17" name="Rectangle 16"/>
+          <p:cNvSpPr/>
+          <p:nvPr/>
+        </p:nvSpPr>
+        <p:spPr bwMode="auto">
+          <a:xfrm>
+            <a:off x="2161304" y="4548248"/>
+            <a:ext cx="1472542" cy="866899"/>
+          </a:xfrm>
+          <a:prstGeom prst="rect">
+            <a:avLst/>
+          </a:prstGeom>
+          <a:noFill/>
+          <a:ln w="38100">
+            <a:solidFill>
+              <a:srgbClr val="00AEEF"/>
+            </a:solidFill>
+            <a:headEnd type="none" w="med" len="med"/>
+            <a:tailEnd type="none" w="med" len="med"/>
+          </a:ln>
+          <a:effectLst/>
+        </p:spPr>
+        <p:style>
+          <a:lnRef idx="1">
+            <a:schemeClr val="accent2"/>
+          </a:lnRef>
+          <a:fillRef idx="3">
+            <a:schemeClr val="accent2"/>
+          </a:fillRef>
+          <a:effectRef idx="2">
+            <a:schemeClr val="accent2"/>
+          </a:effectRef>
+          <a:fontRef idx="minor">
+            <a:schemeClr val="lt1"/>
+          </a:fontRef>
+        </p:style>
+        <p:txBody>
+          <a:bodyPr vert="horz" wrap="square" lIns="91436" tIns="45718" rIns="91436" bIns="45718" numCol="1" rtlCol="0" anchor="ctr" anchorCtr="0" compatLnSpc="1">
+            <a:prstTxWarp prst="textNoShape">
+              <a:avLst/>
+            </a:prstTxWarp>
+          </a:bodyPr>
+          <a:lstStyle/>
+          <a:p>
+            <a:pPr algn="ctr" defTabSz="914099" fontAlgn="base">
+              <a:spcBef>
+                <a:spcPct val="0"/>
+              </a:spcBef>
+              <a:spcAft>
+                <a:spcPct val="0"/>
+              </a:spcAft>
+            </a:pPr>
+            <a:endParaRPr lang="en-US" sz="2200" dirty="0">
+              <a:gradFill>
+                <a:gsLst>
+                  <a:gs pos="0">
+                    <a:srgbClr val="FFFFFF"/>
+                  </a:gs>
+                  <a:gs pos="100000">
+                    <a:srgbClr val="FFFFFF"/>
+                  </a:gs>
+                </a:gsLst>
+                <a:lin ang="5400000" scaled="0"/>
+              </a:gradFill>
+            </a:endParaRPr>
+          </a:p>
+        </p:txBody>
+      </p:sp>
+      <p:sp>
+        <p:nvSpPr>
+          <p:cNvPr id="20" name="Rectangle 19"/>
+          <p:cNvSpPr/>
+          <p:nvPr/>
+        </p:nvSpPr>
+        <p:spPr bwMode="auto">
+          <a:xfrm>
+            <a:off x="902519" y="4006249"/>
+            <a:ext cx="95002" cy="148441"/>
+          </a:xfrm>
+          <a:prstGeom prst="rect">
+            <a:avLst/>
+          </a:prstGeom>
+          <a:solidFill>
+            <a:schemeClr val="accent2"/>
+          </a:solidFill>
+          <a:ln>
+            <a:noFill/>
+            <a:headEnd type="none" w="med" len="med"/>
+            <a:tailEnd type="none" w="med" len="med"/>
+          </a:ln>
+          <a:effectLst/>
+        </p:spPr>
+        <p:style>
+          <a:lnRef idx="1">
+            <a:schemeClr val="accent2"/>
+          </a:lnRef>
+          <a:fillRef idx="3">
+            <a:schemeClr val="accent2"/>
+          </a:fillRef>
+          <a:effectRef idx="2">
+            <a:schemeClr val="accent2"/>
+          </a:effectRef>
+          <a:fontRef idx="minor">
+            <a:schemeClr val="lt1"/>
+          </a:fontRef>
+        </p:style>
+        <p:txBody>
+          <a:bodyPr vert="horz" wrap="square" lIns="91436" tIns="45718" rIns="91436" bIns="45718" numCol="1" rtlCol="0" anchor="ctr" anchorCtr="0" compatLnSpc="1">
+            <a:prstTxWarp prst="textNoShape">
+              <a:avLst/>
+            </a:prstTxWarp>
+          </a:bodyPr>
+          <a:lstStyle/>
+          <a:p>
+            <a:pPr algn="ctr" defTabSz="914099" fontAlgn="base">
+              <a:spcBef>
+                <a:spcPct val="0"/>
+              </a:spcBef>
+              <a:spcAft>
+                <a:spcPct val="0"/>
+              </a:spcAft>
+            </a:pPr>
+            <a:endParaRPr lang="en-US" sz="2200" dirty="0" smtClean="0">
+              <a:gradFill>
+                <a:gsLst>
+                  <a:gs pos="0">
+                    <a:srgbClr val="FFFFFF"/>
+                  </a:gs>
+                  <a:gs pos="100000">
+                    <a:srgbClr val="FFFFFF"/>
+                  </a:gs>
+                </a:gsLst>
+                <a:lin ang="5400000" scaled="0"/>
+              </a:gradFill>
+            </a:endParaRPr>
+          </a:p>
+        </p:txBody>
+      </p:sp>
+      <p:sp>
+        <p:nvSpPr>
+          <p:cNvPr id="21" name="Rectangle 20"/>
+          <p:cNvSpPr/>
+          <p:nvPr/>
+        </p:nvSpPr>
+        <p:spPr bwMode="auto">
+          <a:xfrm>
+            <a:off x="1080649" y="4006249"/>
+            <a:ext cx="95002" cy="148441"/>
+          </a:xfrm>
+          <a:prstGeom prst="rect">
+            <a:avLst/>
+          </a:prstGeom>
+          <a:solidFill>
+            <a:schemeClr val="accent2"/>
+          </a:solidFill>
+          <a:ln>
+            <a:noFill/>
+            <a:headEnd type="none" w="med" len="med"/>
+            <a:tailEnd type="none" w="med" len="med"/>
+          </a:ln>
+          <a:effectLst/>
+        </p:spPr>
+        <p:style>
+          <a:lnRef idx="1">
+            <a:schemeClr val="accent2"/>
+          </a:lnRef>
+          <a:fillRef idx="3">
+            <a:schemeClr val="accent2"/>
+          </a:fillRef>
+          <a:effectRef idx="2">
+            <a:schemeClr val="accent2"/>
+          </a:effectRef>
+          <a:fontRef idx="minor">
+            <a:schemeClr val="lt1"/>
+          </a:fontRef>
+        </p:style>
+        <p:txBody>
+          <a:bodyPr vert="horz" wrap="square" lIns="91436" tIns="45718" rIns="91436" bIns="45718" numCol="1" rtlCol="0" anchor="ctr" anchorCtr="0" compatLnSpc="1">
+            <a:prstTxWarp prst="textNoShape">
+              <a:avLst/>
+            </a:prstTxWarp>
+          </a:bodyPr>
+          <a:lstStyle/>
+          <a:p>
+            <a:pPr algn="ctr" defTabSz="914099" fontAlgn="base">
+              <a:spcBef>
+                <a:spcPct val="0"/>
+              </a:spcBef>
+              <a:spcAft>
+                <a:spcPct val="0"/>
+              </a:spcAft>
+            </a:pPr>
+            <a:endParaRPr lang="en-US" sz="2200" dirty="0" smtClean="0">
+              <a:gradFill>
+                <a:gsLst>
+                  <a:gs pos="0">
+                    <a:srgbClr val="FFFFFF"/>
+                  </a:gs>
+                  <a:gs pos="100000">
+                    <a:srgbClr val="FFFFFF"/>
+                  </a:gs>
+                </a:gsLst>
+                <a:lin ang="5400000" scaled="0"/>
+              </a:gradFill>
+            </a:endParaRPr>
+          </a:p>
+        </p:txBody>
+      </p:sp>
+      <p:sp>
+        <p:nvSpPr>
+          <p:cNvPr id="22" name="Rectangle 21"/>
+          <p:cNvSpPr/>
+          <p:nvPr/>
+        </p:nvSpPr>
+        <p:spPr bwMode="auto">
+          <a:xfrm>
+            <a:off x="1258779" y="4006249"/>
+            <a:ext cx="95002" cy="148441"/>
+          </a:xfrm>
+          <a:prstGeom prst="rect">
+            <a:avLst/>
+          </a:prstGeom>
+          <a:solidFill>
+            <a:schemeClr val="accent2"/>
+          </a:solidFill>
+          <a:ln>
+            <a:noFill/>
+            <a:headEnd type="none" w="med" len="med"/>
+            <a:tailEnd type="none" w="med" len="med"/>
+          </a:ln>
+          <a:effectLst/>
+        </p:spPr>
+        <p:style>
+          <a:lnRef idx="1">
+            <a:schemeClr val="accent2"/>
+          </a:lnRef>
+          <a:fillRef idx="3">
+            <a:schemeClr val="accent2"/>
+          </a:fillRef>
+          <a:effectRef idx="2">
+            <a:schemeClr val="accent2"/>
+          </a:effectRef>
+          <a:fontRef idx="minor">
+            <a:schemeClr val="lt1"/>
+          </a:fontRef>
+        </p:style>
+        <p:txBody>
+          <a:bodyPr vert="horz" wrap="square" lIns="91436" tIns="45718" rIns="91436" bIns="45718" numCol="1" rtlCol="0" anchor="ctr" anchorCtr="0" compatLnSpc="1">
+            <a:prstTxWarp prst="textNoShape">
+              <a:avLst/>
+            </a:prstTxWarp>
+          </a:bodyPr>
+          <a:lstStyle/>
+          <a:p>
+            <a:pPr algn="ctr" defTabSz="914099" fontAlgn="base">
+              <a:spcBef>
+                <a:spcPct val="0"/>
+              </a:spcBef>
+              <a:spcAft>
+                <a:spcPct val="0"/>
+              </a:spcAft>
+            </a:pPr>
+            <a:endParaRPr lang="en-US" sz="2200" dirty="0" smtClean="0">
+              <a:gradFill>
+                <a:gsLst>
+                  <a:gs pos="0">
+                    <a:srgbClr val="FFFFFF"/>
+                  </a:gs>
+                  <a:gs pos="100000">
+                    <a:srgbClr val="FFFFFF"/>
+                  </a:gs>
+                </a:gsLst>
+                <a:lin ang="5400000" scaled="0"/>
+              </a:gradFill>
+            </a:endParaRPr>
+          </a:p>
+        </p:txBody>
+      </p:sp>
+      <p:sp>
+        <p:nvSpPr>
+          <p:cNvPr id="23" name="Rectangle 22"/>
+          <p:cNvSpPr/>
+          <p:nvPr/>
+        </p:nvSpPr>
+        <p:spPr bwMode="auto">
+          <a:xfrm>
+            <a:off x="2636317" y="4873148"/>
+            <a:ext cx="95002" cy="148441"/>
+          </a:xfrm>
+          <a:prstGeom prst="rect">
+            <a:avLst/>
+          </a:prstGeom>
+          <a:solidFill>
+            <a:schemeClr val="accent2"/>
+          </a:solidFill>
+          <a:ln>
+            <a:noFill/>
+            <a:headEnd type="none" w="med" len="med"/>
+            <a:tailEnd type="none" w="med" len="med"/>
+          </a:ln>
+          <a:effectLst/>
+        </p:spPr>
+        <p:style>
+          <a:lnRef idx="1">
+            <a:schemeClr val="accent2"/>
+          </a:lnRef>
+          <a:fillRef idx="3">
+            <a:schemeClr val="accent2"/>
+          </a:fillRef>
+          <a:effectRef idx="2">
+            <a:schemeClr val="accent2"/>
+          </a:effectRef>
+          <a:fontRef idx="minor">
+            <a:schemeClr val="lt1"/>
+          </a:fontRef>
+        </p:style>
+        <p:txBody>
+          <a:bodyPr vert="horz" wrap="square" lIns="91436" tIns="45718" rIns="91436" bIns="45718" numCol="1" rtlCol="0" anchor="ctr" anchorCtr="0" compatLnSpc="1">
+            <a:prstTxWarp prst="textNoShape">
+              <a:avLst/>
+            </a:prstTxWarp>
+          </a:bodyPr>
+          <a:lstStyle/>
+          <a:p>
+            <a:pPr algn="ctr" defTabSz="914099" fontAlgn="base">
+              <a:spcBef>
+                <a:spcPct val="0"/>
+              </a:spcBef>
+              <a:spcAft>
+                <a:spcPct val="0"/>
+              </a:spcAft>
+            </a:pPr>
+            <a:endParaRPr lang="en-US" sz="2200" dirty="0" smtClean="0">
+              <a:gradFill>
+                <a:gsLst>
+                  <a:gs pos="0">
+                    <a:srgbClr val="FFFFFF"/>
+                  </a:gs>
+                  <a:gs pos="100000">
+                    <a:srgbClr val="FFFFFF"/>
+                  </a:gs>
+                </a:gsLst>
+                <a:lin ang="5400000" scaled="0"/>
+              </a:gradFill>
+            </a:endParaRPr>
+          </a:p>
+        </p:txBody>
+      </p:sp>
+      <p:sp>
+        <p:nvSpPr>
+          <p:cNvPr id="24" name="Rectangle 23"/>
+          <p:cNvSpPr/>
+          <p:nvPr/>
+        </p:nvSpPr>
+        <p:spPr bwMode="auto">
+          <a:xfrm>
+            <a:off x="2826323" y="4873148"/>
+            <a:ext cx="95002" cy="148441"/>
+          </a:xfrm>
+          <a:prstGeom prst="rect">
+            <a:avLst/>
+          </a:prstGeom>
+          <a:solidFill>
+            <a:schemeClr val="accent2"/>
+          </a:solidFill>
+          <a:ln>
+            <a:noFill/>
+            <a:headEnd type="none" w="med" len="med"/>
+            <a:tailEnd type="none" w="med" len="med"/>
+          </a:ln>
+          <a:effectLst/>
+        </p:spPr>
+        <p:style>
+          <a:lnRef idx="1">
+            <a:schemeClr val="accent2"/>
+          </a:lnRef>
+          <a:fillRef idx="3">
+            <a:schemeClr val="accent2"/>
+          </a:fillRef>
+          <a:effectRef idx="2">
+            <a:schemeClr val="accent2"/>
+          </a:effectRef>
+          <a:fontRef idx="minor">
+            <a:schemeClr val="lt1"/>
+          </a:fontRef>
+        </p:style>
+        <p:txBody>
+          <a:bodyPr vert="horz" wrap="square" lIns="91436" tIns="45718" rIns="91436" bIns="45718" numCol="1" rtlCol="0" anchor="ctr" anchorCtr="0" compatLnSpc="1">
+            <a:prstTxWarp prst="textNoShape">
+              <a:avLst/>
+            </a:prstTxWarp>
+          </a:bodyPr>
+          <a:lstStyle/>
+          <a:p>
+            <a:pPr algn="ctr" defTabSz="914099" fontAlgn="base">
+              <a:spcBef>
+                <a:spcPct val="0"/>
+              </a:spcBef>
+              <a:spcAft>
+                <a:spcPct val="0"/>
+              </a:spcAft>
+            </a:pPr>
+            <a:endParaRPr lang="en-US" sz="2200" dirty="0" smtClean="0">
+              <a:gradFill>
+                <a:gsLst>
+                  <a:gs pos="0">
+                    <a:srgbClr val="FFFFFF"/>
+                  </a:gs>
+                  <a:gs pos="100000">
+                    <a:srgbClr val="FFFFFF"/>
+                  </a:gs>
+                </a:gsLst>
+                <a:lin ang="5400000" scaled="0"/>
+              </a:gradFill>
+            </a:endParaRPr>
+          </a:p>
+        </p:txBody>
+      </p:sp>
+      <p:sp>
+        <p:nvSpPr>
+          <p:cNvPr id="25" name="TextBox 24"/>
+          <p:cNvSpPr txBox="1"/>
+          <p:nvPr/>
+        </p:nvSpPr>
+        <p:spPr>
+          <a:xfrm>
+            <a:off x="688762" y="2666899"/>
+            <a:ext cx="2945084" cy="387798"/>
+          </a:xfrm>
+          <a:prstGeom prst="rect">
+            <a:avLst/>
+          </a:prstGeom>
+          <a:noFill/>
+        </p:spPr>
+        <p:txBody>
+          <a:bodyPr wrap="square" lIns="0" tIns="0" rIns="0" bIns="0" rtlCol="0">
+            <a:spAutoFit/>
+          </a:bodyPr>
+          <a:lstStyle/>
+          <a:p>
+            <a:pPr algn="ctr">
+              <a:lnSpc>
+                <a:spcPct val="90000"/>
+              </a:lnSpc>
+              <a:spcBef>
+                <a:spcPct val="20000"/>
+              </a:spcBef>
+              <a:buSzPct val="80000"/>
+            </a:pPr>
+            <a:r>
+              <a:rPr lang="en-US" sz="2800" dirty="0" smtClean="0">
+                <a:solidFill>
+                  <a:schemeClr val="accent1"/>
+                </a:solidFill>
+              </a:rPr>
+              <a:t>Tumbling Window</a:t>
+            </a:r>
+            <a:endParaRPr lang="en-US" sz="2800" dirty="0">
+              <a:solidFill>
+                <a:schemeClr val="accent1"/>
+              </a:solidFill>
+            </a:endParaRPr>
+          </a:p>
+        </p:txBody>
+      </p:sp>
+      <p:cxnSp>
+        <p:nvCxnSpPr>
+          <p:cNvPr id="26" name="Straight Connector 25"/>
+          <p:cNvCxnSpPr/>
+          <p:nvPr/>
+        </p:nvCxnSpPr>
+        <p:spPr>
+          <a:xfrm>
+            <a:off x="4441370" y="3313215"/>
+            <a:ext cx="2945083" cy="8905"/>
+          </a:xfrm>
+          <a:prstGeom prst="line">
+            <a:avLst/>
+          </a:prstGeom>
+          <a:ln w="38100"/>
+        </p:spPr>
+        <p:style>
+          <a:lnRef idx="1">
+            <a:schemeClr val="accent1"/>
+          </a:lnRef>
+          <a:fillRef idx="0">
+            <a:schemeClr val="accent1"/>
+          </a:fillRef>
+          <a:effectRef idx="0">
+            <a:schemeClr val="accent1"/>
+          </a:effectRef>
+          <a:fontRef idx="minor">
+            <a:schemeClr val="tx1"/>
+          </a:fontRef>
+        </p:style>
+      </p:cxnSp>
+      <p:sp>
+        <p:nvSpPr>
+          <p:cNvPr id="27" name="Rectangle 26"/>
+          <p:cNvSpPr/>
+          <p:nvPr/>
+        </p:nvSpPr>
+        <p:spPr bwMode="auto">
+          <a:xfrm>
+            <a:off x="4655126" y="3247900"/>
+            <a:ext cx="95002" cy="148441"/>
+          </a:xfrm>
+          <a:prstGeom prst="rect">
+            <a:avLst/>
+          </a:prstGeom>
+          <a:solidFill>
+            <a:schemeClr val="accent2"/>
+          </a:solidFill>
+          <a:ln>
+            <a:noFill/>
+            <a:headEnd type="none" w="med" len="med"/>
+            <a:tailEnd type="none" w="med" len="med"/>
+          </a:ln>
+          <a:effectLst/>
+        </p:spPr>
+        <p:style>
+          <a:lnRef idx="1">
+            <a:schemeClr val="accent2"/>
+          </a:lnRef>
+          <a:fillRef idx="3">
+            <a:schemeClr val="accent2"/>
+          </a:fillRef>
+          <a:effectRef idx="2">
+            <a:schemeClr val="accent2"/>
+          </a:effectRef>
+          <a:fontRef idx="minor">
+            <a:schemeClr val="lt1"/>
+          </a:fontRef>
+        </p:style>
+        <p:txBody>
+          <a:bodyPr vert="horz" wrap="square" lIns="91436" tIns="45718" rIns="91436" bIns="45718" numCol="1" rtlCol="0" anchor="ctr" anchorCtr="0" compatLnSpc="1">
+            <a:prstTxWarp prst="textNoShape">
+              <a:avLst/>
+            </a:prstTxWarp>
+          </a:bodyPr>
+          <a:lstStyle/>
+          <a:p>
+            <a:pPr algn="ctr" defTabSz="914099" fontAlgn="base">
+              <a:spcBef>
+                <a:spcPct val="0"/>
+              </a:spcBef>
+              <a:spcAft>
+                <a:spcPct val="0"/>
+              </a:spcAft>
+            </a:pPr>
+            <a:endParaRPr lang="en-US" sz="2200" dirty="0" smtClean="0">
+              <a:gradFill>
+                <a:gsLst>
+                  <a:gs pos="0">
+                    <a:srgbClr val="FFFFFF"/>
+                  </a:gs>
+                  <a:gs pos="100000">
+                    <a:srgbClr val="FFFFFF"/>
+                  </a:gs>
+                </a:gsLst>
+                <a:lin ang="5400000" scaled="0"/>
+              </a:gradFill>
+            </a:endParaRPr>
+          </a:p>
+        </p:txBody>
+      </p:sp>
+      <p:sp>
+        <p:nvSpPr>
+          <p:cNvPr id="28" name="Rectangle 27"/>
+          <p:cNvSpPr/>
+          <p:nvPr/>
+        </p:nvSpPr>
+        <p:spPr bwMode="auto">
+          <a:xfrm>
+            <a:off x="4833256" y="3247900"/>
+            <a:ext cx="95002" cy="148441"/>
+          </a:xfrm>
+          <a:prstGeom prst="rect">
+            <a:avLst/>
+          </a:prstGeom>
+          <a:solidFill>
+            <a:schemeClr val="accent2"/>
+          </a:solidFill>
+          <a:ln>
+            <a:noFill/>
+            <a:headEnd type="none" w="med" len="med"/>
+            <a:tailEnd type="none" w="med" len="med"/>
+          </a:ln>
+          <a:effectLst/>
+        </p:spPr>
+        <p:style>
+          <a:lnRef idx="1">
+            <a:schemeClr val="accent2"/>
+          </a:lnRef>
+          <a:fillRef idx="3">
+            <a:schemeClr val="accent2"/>
+          </a:fillRef>
+          <a:effectRef idx="2">
+            <a:schemeClr val="accent2"/>
+          </a:effectRef>
+          <a:fontRef idx="minor">
+            <a:schemeClr val="lt1"/>
+          </a:fontRef>
+        </p:style>
+        <p:txBody>
+          <a:bodyPr vert="horz" wrap="square" lIns="91436" tIns="45718" rIns="91436" bIns="45718" numCol="1" rtlCol="0" anchor="ctr" anchorCtr="0" compatLnSpc="1">
+            <a:prstTxWarp prst="textNoShape">
+              <a:avLst/>
+            </a:prstTxWarp>
+          </a:bodyPr>
+          <a:lstStyle/>
+          <a:p>
+            <a:pPr algn="ctr" defTabSz="914099" fontAlgn="base">
+              <a:spcBef>
+                <a:spcPct val="0"/>
+              </a:spcBef>
+              <a:spcAft>
+                <a:spcPct val="0"/>
+              </a:spcAft>
+            </a:pPr>
+            <a:endParaRPr lang="en-US" sz="2200" dirty="0" smtClean="0">
+              <a:gradFill>
+                <a:gsLst>
+                  <a:gs pos="0">
+                    <a:srgbClr val="FFFFFF"/>
+                  </a:gs>
+                  <a:gs pos="100000">
+                    <a:srgbClr val="FFFFFF"/>
+                  </a:gs>
+                </a:gsLst>
+                <a:lin ang="5400000" scaled="0"/>
+              </a:gradFill>
+            </a:endParaRPr>
+          </a:p>
+        </p:txBody>
+      </p:sp>
+      <p:sp>
+        <p:nvSpPr>
+          <p:cNvPr id="29" name="Rectangle 28"/>
+          <p:cNvSpPr/>
+          <p:nvPr/>
+        </p:nvSpPr>
+        <p:spPr bwMode="auto">
+          <a:xfrm>
+            <a:off x="5011386" y="3247900"/>
+            <a:ext cx="95002" cy="148441"/>
+          </a:xfrm>
+          <a:prstGeom prst="rect">
+            <a:avLst/>
+          </a:prstGeom>
+          <a:solidFill>
+            <a:schemeClr val="accent2"/>
+          </a:solidFill>
+          <a:ln>
+            <a:noFill/>
+            <a:headEnd type="none" w="med" len="med"/>
+            <a:tailEnd type="none" w="med" len="med"/>
+          </a:ln>
+          <a:effectLst/>
+        </p:spPr>
+        <p:style>
+          <a:lnRef idx="1">
+            <a:schemeClr val="accent2"/>
+          </a:lnRef>
+          <a:fillRef idx="3">
+            <a:schemeClr val="accent2"/>
+          </a:fillRef>
+          <a:effectRef idx="2">
+            <a:schemeClr val="accent2"/>
+          </a:effectRef>
+          <a:fontRef idx="minor">
+            <a:schemeClr val="lt1"/>
+          </a:fontRef>
+        </p:style>
+        <p:txBody>
+          <a:bodyPr vert="horz" wrap="square" lIns="91436" tIns="45718" rIns="91436" bIns="45718" numCol="1" rtlCol="0" anchor="ctr" anchorCtr="0" compatLnSpc="1">
+            <a:prstTxWarp prst="textNoShape">
+              <a:avLst/>
+            </a:prstTxWarp>
+          </a:bodyPr>
+          <a:lstStyle/>
+          <a:p>
+            <a:pPr algn="ctr" defTabSz="914099" fontAlgn="base">
+              <a:spcBef>
+                <a:spcPct val="0"/>
+              </a:spcBef>
+              <a:spcAft>
+                <a:spcPct val="0"/>
+              </a:spcAft>
+            </a:pPr>
+            <a:endParaRPr lang="en-US" sz="2200" dirty="0" smtClean="0">
+              <a:gradFill>
+                <a:gsLst>
+                  <a:gs pos="0">
+                    <a:srgbClr val="FFFFFF"/>
+                  </a:gs>
+                  <a:gs pos="100000">
+                    <a:srgbClr val="FFFFFF"/>
+                  </a:gs>
+                </a:gsLst>
+                <a:lin ang="5400000" scaled="0"/>
+              </a:gradFill>
+            </a:endParaRPr>
+          </a:p>
+        </p:txBody>
+      </p:sp>
+      <p:sp>
+        <p:nvSpPr>
+          <p:cNvPr id="30" name="Rectangle 29"/>
+          <p:cNvSpPr/>
+          <p:nvPr/>
+        </p:nvSpPr>
+        <p:spPr bwMode="auto">
+          <a:xfrm>
+            <a:off x="6388924" y="3247900"/>
+            <a:ext cx="95002" cy="148441"/>
+          </a:xfrm>
+          <a:prstGeom prst="rect">
+            <a:avLst/>
+          </a:prstGeom>
+          <a:solidFill>
+            <a:schemeClr val="accent2"/>
+          </a:solidFill>
+          <a:ln>
+            <a:noFill/>
+            <a:headEnd type="none" w="med" len="med"/>
+            <a:tailEnd type="none" w="med" len="med"/>
+          </a:ln>
+          <a:effectLst/>
+        </p:spPr>
+        <p:style>
+          <a:lnRef idx="1">
+            <a:schemeClr val="accent2"/>
+          </a:lnRef>
+          <a:fillRef idx="3">
+            <a:schemeClr val="accent2"/>
+          </a:fillRef>
+          <a:effectRef idx="2">
+            <a:schemeClr val="accent2"/>
+          </a:effectRef>
+          <a:fontRef idx="minor">
+            <a:schemeClr val="lt1"/>
+          </a:fontRef>
+        </p:style>
+        <p:txBody>
+          <a:bodyPr vert="horz" wrap="square" lIns="91436" tIns="45718" rIns="91436" bIns="45718" numCol="1" rtlCol="0" anchor="ctr" anchorCtr="0" compatLnSpc="1">
+            <a:prstTxWarp prst="textNoShape">
+              <a:avLst/>
+            </a:prstTxWarp>
+          </a:bodyPr>
+          <a:lstStyle/>
+          <a:p>
+            <a:pPr algn="ctr" defTabSz="914099" fontAlgn="base">
+              <a:spcBef>
+                <a:spcPct val="0"/>
+              </a:spcBef>
+              <a:spcAft>
+                <a:spcPct val="0"/>
+              </a:spcAft>
+            </a:pPr>
+            <a:endParaRPr lang="en-US" sz="2200" dirty="0" smtClean="0">
+              <a:gradFill>
+                <a:gsLst>
+                  <a:gs pos="0">
+                    <a:srgbClr val="FFFFFF"/>
+                  </a:gs>
+                  <a:gs pos="100000">
+                    <a:srgbClr val="FFFFFF"/>
+                  </a:gs>
+                </a:gsLst>
+                <a:lin ang="5400000" scaled="0"/>
+              </a:gradFill>
+            </a:endParaRPr>
+          </a:p>
+        </p:txBody>
+      </p:sp>
+      <p:sp>
+        <p:nvSpPr>
+          <p:cNvPr id="31" name="Rectangle 30"/>
+          <p:cNvSpPr/>
+          <p:nvPr/>
+        </p:nvSpPr>
+        <p:spPr bwMode="auto">
+          <a:xfrm>
+            <a:off x="6578930" y="3247900"/>
+            <a:ext cx="95002" cy="148441"/>
+          </a:xfrm>
+          <a:prstGeom prst="rect">
+            <a:avLst/>
+          </a:prstGeom>
+          <a:solidFill>
+            <a:schemeClr val="accent2"/>
+          </a:solidFill>
+          <a:ln>
+            <a:noFill/>
+            <a:headEnd type="none" w="med" len="med"/>
+            <a:tailEnd type="none" w="med" len="med"/>
+          </a:ln>
+          <a:effectLst/>
+        </p:spPr>
+        <p:style>
+          <a:lnRef idx="1">
+            <a:schemeClr val="accent2"/>
+          </a:lnRef>
+          <a:fillRef idx="3">
+            <a:schemeClr val="accent2"/>
+          </a:fillRef>
+          <a:effectRef idx="2">
+            <a:schemeClr val="accent2"/>
+          </a:effectRef>
+          <a:fontRef idx="minor">
+            <a:schemeClr val="lt1"/>
+          </a:fontRef>
+        </p:style>
+        <p:txBody>
+          <a:bodyPr vert="horz" wrap="square" lIns="91436" tIns="45718" rIns="91436" bIns="45718" numCol="1" rtlCol="0" anchor="ctr" anchorCtr="0" compatLnSpc="1">
+            <a:prstTxWarp prst="textNoShape">
+              <a:avLst/>
+            </a:prstTxWarp>
+          </a:bodyPr>
+          <a:lstStyle/>
+          <a:p>
+            <a:pPr algn="ctr" defTabSz="914099" fontAlgn="base">
+              <a:spcBef>
+                <a:spcPct val="0"/>
+              </a:spcBef>
+              <a:spcAft>
+                <a:spcPct val="0"/>
+              </a:spcAft>
+            </a:pPr>
+            <a:endParaRPr lang="en-US" sz="2200" dirty="0" smtClean="0">
+              <a:gradFill>
+                <a:gsLst>
+                  <a:gs pos="0">
+                    <a:srgbClr val="FFFFFF"/>
+                  </a:gs>
+                  <a:gs pos="100000">
+                    <a:srgbClr val="FFFFFF"/>
+                  </a:gs>
+                </a:gsLst>
+                <a:lin ang="5400000" scaled="0"/>
+              </a:gradFill>
+            </a:endParaRPr>
+          </a:p>
+        </p:txBody>
+      </p:sp>
+      <p:sp>
+        <p:nvSpPr>
+          <p:cNvPr id="32" name="Rectangle 31"/>
+          <p:cNvSpPr/>
+          <p:nvPr/>
+        </p:nvSpPr>
+        <p:spPr bwMode="auto">
+          <a:xfrm>
+            <a:off x="4441369" y="3681350"/>
+            <a:ext cx="1472542" cy="866899"/>
+          </a:xfrm>
+          <a:prstGeom prst="rect">
+            <a:avLst/>
+          </a:prstGeom>
+          <a:noFill/>
+          <a:ln w="38100">
+            <a:solidFill>
+              <a:srgbClr val="00AEEF"/>
+            </a:solidFill>
+            <a:headEnd type="none" w="med" len="med"/>
+            <a:tailEnd type="none" w="med" len="med"/>
+          </a:ln>
+          <a:effectLst/>
+        </p:spPr>
+        <p:style>
+          <a:lnRef idx="1">
+            <a:schemeClr val="accent2"/>
+          </a:lnRef>
+          <a:fillRef idx="3">
+            <a:schemeClr val="accent2"/>
+          </a:fillRef>
+          <a:effectRef idx="2">
+            <a:schemeClr val="accent2"/>
+          </a:effectRef>
+          <a:fontRef idx="minor">
+            <a:schemeClr val="lt1"/>
+          </a:fontRef>
+        </p:style>
+        <p:txBody>
+          <a:bodyPr vert="horz" wrap="square" lIns="91436" tIns="45718" rIns="91436" bIns="45718" numCol="1" rtlCol="0" anchor="ctr" anchorCtr="0" compatLnSpc="1">
+            <a:prstTxWarp prst="textNoShape">
+              <a:avLst/>
+            </a:prstTxWarp>
+          </a:bodyPr>
+          <a:lstStyle/>
+          <a:p>
+            <a:pPr algn="ctr" defTabSz="914099" fontAlgn="base">
+              <a:spcBef>
+                <a:spcPct val="0"/>
+              </a:spcBef>
+              <a:spcAft>
+                <a:spcPct val="0"/>
+              </a:spcAft>
+            </a:pPr>
+            <a:endParaRPr lang="en-US" sz="2200" dirty="0" smtClean="0">
+              <a:gradFill>
+                <a:gsLst>
+                  <a:gs pos="0">
+                    <a:srgbClr val="FFFFFF"/>
+                  </a:gs>
+                  <a:gs pos="100000">
+                    <a:srgbClr val="FFFFFF"/>
+                  </a:gs>
+                </a:gsLst>
+                <a:lin ang="5400000" scaled="0"/>
+              </a:gradFill>
+            </a:endParaRPr>
+          </a:p>
+        </p:txBody>
+      </p:sp>
+      <p:sp>
+        <p:nvSpPr>
+          <p:cNvPr id="33" name="Rectangle 32"/>
+          <p:cNvSpPr/>
+          <p:nvPr/>
+        </p:nvSpPr>
+        <p:spPr bwMode="auto">
+          <a:xfrm>
+            <a:off x="5913911" y="5429613"/>
+            <a:ext cx="1472542" cy="866899"/>
+          </a:xfrm>
+          <a:prstGeom prst="rect">
+            <a:avLst/>
+          </a:prstGeom>
+          <a:noFill/>
+          <a:ln w="38100">
+            <a:solidFill>
+              <a:srgbClr val="00AEEF"/>
+            </a:solidFill>
+            <a:headEnd type="none" w="med" len="med"/>
+            <a:tailEnd type="none" w="med" len="med"/>
+          </a:ln>
+          <a:effectLst/>
+        </p:spPr>
+        <p:style>
+          <a:lnRef idx="1">
+            <a:schemeClr val="accent2"/>
+          </a:lnRef>
+          <a:fillRef idx="3">
+            <a:schemeClr val="accent2"/>
+          </a:fillRef>
+          <a:effectRef idx="2">
+            <a:schemeClr val="accent2"/>
+          </a:effectRef>
+          <a:fontRef idx="minor">
+            <a:schemeClr val="lt1"/>
+          </a:fontRef>
+        </p:style>
+        <p:txBody>
+          <a:bodyPr vert="horz" wrap="square" lIns="91436" tIns="45718" rIns="91436" bIns="45718" numCol="1" rtlCol="0" anchor="ctr" anchorCtr="0" compatLnSpc="1">
+            <a:prstTxWarp prst="textNoShape">
+              <a:avLst/>
+            </a:prstTxWarp>
+          </a:bodyPr>
+          <a:lstStyle/>
+          <a:p>
+            <a:pPr algn="ctr" defTabSz="914099" fontAlgn="base">
+              <a:spcBef>
+                <a:spcPct val="0"/>
+              </a:spcBef>
+              <a:spcAft>
+                <a:spcPct val="0"/>
+              </a:spcAft>
+            </a:pPr>
+            <a:endParaRPr lang="en-US" sz="2200" dirty="0">
+              <a:gradFill>
+                <a:gsLst>
+                  <a:gs pos="0">
+                    <a:srgbClr val="FFFFFF"/>
+                  </a:gs>
+                  <a:gs pos="100000">
+                    <a:srgbClr val="FFFFFF"/>
+                  </a:gs>
+                </a:gsLst>
+                <a:lin ang="5400000" scaled="0"/>
+              </a:gradFill>
+            </a:endParaRPr>
+          </a:p>
+        </p:txBody>
+      </p:sp>
+      <p:sp>
+        <p:nvSpPr>
+          <p:cNvPr id="34" name="Rectangle 33"/>
+          <p:cNvSpPr/>
+          <p:nvPr/>
+        </p:nvSpPr>
+        <p:spPr bwMode="auto">
+          <a:xfrm>
+            <a:off x="4655126" y="4006249"/>
+            <a:ext cx="95002" cy="148441"/>
+          </a:xfrm>
+          <a:prstGeom prst="rect">
+            <a:avLst/>
+          </a:prstGeom>
+          <a:solidFill>
+            <a:schemeClr val="accent2"/>
+          </a:solidFill>
+          <a:ln>
+            <a:noFill/>
+            <a:headEnd type="none" w="med" len="med"/>
+            <a:tailEnd type="none" w="med" len="med"/>
+          </a:ln>
+          <a:effectLst/>
+        </p:spPr>
+        <p:style>
+          <a:lnRef idx="1">
+            <a:schemeClr val="accent2"/>
+          </a:lnRef>
+          <a:fillRef idx="3">
+            <a:schemeClr val="accent2"/>
+          </a:fillRef>
+          <a:effectRef idx="2">
+            <a:schemeClr val="accent2"/>
+          </a:effectRef>
+          <a:fontRef idx="minor">
+            <a:schemeClr val="lt1"/>
+          </a:fontRef>
+        </p:style>
+        <p:txBody>
+          <a:bodyPr vert="horz" wrap="square" lIns="91436" tIns="45718" rIns="91436" bIns="45718" numCol="1" rtlCol="0" anchor="ctr" anchorCtr="0" compatLnSpc="1">
+            <a:prstTxWarp prst="textNoShape">
+              <a:avLst/>
+            </a:prstTxWarp>
+          </a:bodyPr>
+          <a:lstStyle/>
+          <a:p>
+            <a:pPr algn="ctr" defTabSz="914099" fontAlgn="base">
+              <a:spcBef>
+                <a:spcPct val="0"/>
+              </a:spcBef>
+              <a:spcAft>
+                <a:spcPct val="0"/>
+              </a:spcAft>
+            </a:pPr>
+            <a:endParaRPr lang="en-US" sz="2200" dirty="0" smtClean="0">
+              <a:gradFill>
+                <a:gsLst>
+                  <a:gs pos="0">
+                    <a:srgbClr val="FFFFFF"/>
+                  </a:gs>
+                  <a:gs pos="100000">
+                    <a:srgbClr val="FFFFFF"/>
+                  </a:gs>
+                </a:gsLst>
+                <a:lin ang="5400000" scaled="0"/>
+              </a:gradFill>
+            </a:endParaRPr>
+          </a:p>
+        </p:txBody>
+      </p:sp>
+      <p:sp>
+        <p:nvSpPr>
+          <p:cNvPr id="35" name="Rectangle 34"/>
+          <p:cNvSpPr/>
+          <p:nvPr/>
+        </p:nvSpPr>
+        <p:spPr bwMode="auto">
+          <a:xfrm>
+            <a:off x="4833256" y="4006249"/>
+            <a:ext cx="95002" cy="148441"/>
+          </a:xfrm>
+          <a:prstGeom prst="rect">
+            <a:avLst/>
+          </a:prstGeom>
+          <a:solidFill>
+            <a:schemeClr val="accent2"/>
+          </a:solidFill>
+          <a:ln>
+            <a:noFill/>
+            <a:headEnd type="none" w="med" len="med"/>
+            <a:tailEnd type="none" w="med" len="med"/>
+          </a:ln>
+          <a:effectLst/>
+        </p:spPr>
+        <p:style>
+          <a:lnRef idx="1">
+            <a:schemeClr val="accent2"/>
+          </a:lnRef>
+          <a:fillRef idx="3">
+            <a:schemeClr val="accent2"/>
+          </a:fillRef>
+          <a:effectRef idx="2">
+            <a:schemeClr val="accent2"/>
+          </a:effectRef>
+          <a:fontRef idx="minor">
+            <a:schemeClr val="lt1"/>
+          </a:fontRef>
+        </p:style>
+        <p:txBody>
+          <a:bodyPr vert="horz" wrap="square" lIns="91436" tIns="45718" rIns="91436" bIns="45718" numCol="1" rtlCol="0" anchor="ctr" anchorCtr="0" compatLnSpc="1">
+            <a:prstTxWarp prst="textNoShape">
+              <a:avLst/>
+            </a:prstTxWarp>
+          </a:bodyPr>
+          <a:lstStyle/>
+          <a:p>
+            <a:pPr algn="ctr" defTabSz="914099" fontAlgn="base">
+              <a:spcBef>
+                <a:spcPct val="0"/>
+              </a:spcBef>
+              <a:spcAft>
+                <a:spcPct val="0"/>
+              </a:spcAft>
+            </a:pPr>
+            <a:endParaRPr lang="en-US" sz="2200" dirty="0" smtClean="0">
+              <a:gradFill>
+                <a:gsLst>
+                  <a:gs pos="0">
+                    <a:srgbClr val="FFFFFF"/>
+                  </a:gs>
+                  <a:gs pos="100000">
+                    <a:srgbClr val="FFFFFF"/>
+                  </a:gs>
+                </a:gsLst>
+                <a:lin ang="5400000" scaled="0"/>
+              </a:gradFill>
+            </a:endParaRPr>
+          </a:p>
+        </p:txBody>
+      </p:sp>
+      <p:sp>
+        <p:nvSpPr>
+          <p:cNvPr id="36" name="Rectangle 35"/>
+          <p:cNvSpPr/>
+          <p:nvPr/>
+        </p:nvSpPr>
+        <p:spPr bwMode="auto">
+          <a:xfrm>
+            <a:off x="5011386" y="4006249"/>
+            <a:ext cx="95002" cy="148441"/>
+          </a:xfrm>
+          <a:prstGeom prst="rect">
+            <a:avLst/>
+          </a:prstGeom>
+          <a:solidFill>
+            <a:schemeClr val="accent2"/>
+          </a:solidFill>
+          <a:ln>
+            <a:noFill/>
+            <a:headEnd type="none" w="med" len="med"/>
+            <a:tailEnd type="none" w="med" len="med"/>
+          </a:ln>
+          <a:effectLst/>
+        </p:spPr>
+        <p:style>
+          <a:lnRef idx="1">
+            <a:schemeClr val="accent2"/>
+          </a:lnRef>
+          <a:fillRef idx="3">
+            <a:schemeClr val="accent2"/>
+          </a:fillRef>
+          <a:effectRef idx="2">
+            <a:schemeClr val="accent2"/>
+          </a:effectRef>
+          <a:fontRef idx="minor">
+            <a:schemeClr val="lt1"/>
+          </a:fontRef>
+        </p:style>
+        <p:txBody>
+          <a:bodyPr vert="horz" wrap="square" lIns="91436" tIns="45718" rIns="91436" bIns="45718" numCol="1" rtlCol="0" anchor="ctr" anchorCtr="0" compatLnSpc="1">
+            <a:prstTxWarp prst="textNoShape">
+              <a:avLst/>
+            </a:prstTxWarp>
+          </a:bodyPr>
+          <a:lstStyle/>
+          <a:p>
+            <a:pPr algn="ctr" defTabSz="914099" fontAlgn="base">
+              <a:spcBef>
+                <a:spcPct val="0"/>
+              </a:spcBef>
+              <a:spcAft>
+                <a:spcPct val="0"/>
+              </a:spcAft>
+            </a:pPr>
+            <a:endParaRPr lang="en-US" sz="2200" dirty="0" smtClean="0">
+              <a:gradFill>
+                <a:gsLst>
+                  <a:gs pos="0">
+                    <a:srgbClr val="FFFFFF"/>
+                  </a:gs>
+                  <a:gs pos="100000">
+                    <a:srgbClr val="FFFFFF"/>
+                  </a:gs>
+                </a:gsLst>
+                <a:lin ang="5400000" scaled="0"/>
+              </a:gradFill>
+            </a:endParaRPr>
+          </a:p>
+        </p:txBody>
+      </p:sp>
+      <p:sp>
+        <p:nvSpPr>
+          <p:cNvPr id="39" name="TextBox 38"/>
+          <p:cNvSpPr txBox="1"/>
+          <p:nvPr/>
+        </p:nvSpPr>
+        <p:spPr>
+          <a:xfrm>
+            <a:off x="4441369" y="2666899"/>
+            <a:ext cx="2945084" cy="387798"/>
+          </a:xfrm>
+          <a:prstGeom prst="rect">
+            <a:avLst/>
+          </a:prstGeom>
+          <a:noFill/>
+        </p:spPr>
+        <p:txBody>
+          <a:bodyPr wrap="square" lIns="0" tIns="0" rIns="0" bIns="0" rtlCol="0">
+            <a:spAutoFit/>
+          </a:bodyPr>
+          <a:lstStyle/>
+          <a:p>
+            <a:pPr algn="ctr">
+              <a:lnSpc>
+                <a:spcPct val="90000"/>
+              </a:lnSpc>
+              <a:spcBef>
+                <a:spcPct val="20000"/>
+              </a:spcBef>
+              <a:buSzPct val="80000"/>
+            </a:pPr>
+            <a:r>
+              <a:rPr lang="en-US" sz="2800" dirty="0" smtClean="0">
+                <a:solidFill>
+                  <a:schemeClr val="accent1"/>
+                </a:solidFill>
+              </a:rPr>
+              <a:t>Hopping Window</a:t>
+            </a:r>
+            <a:endParaRPr lang="en-US" sz="2800" dirty="0">
+              <a:solidFill>
+                <a:schemeClr val="accent1"/>
+              </a:solidFill>
+            </a:endParaRPr>
+          </a:p>
+        </p:txBody>
+      </p:sp>
+      <p:cxnSp>
+        <p:nvCxnSpPr>
+          <p:cNvPr id="40" name="Straight Connector 39"/>
+          <p:cNvCxnSpPr/>
+          <p:nvPr/>
+        </p:nvCxnSpPr>
+        <p:spPr>
+          <a:xfrm>
+            <a:off x="8098970" y="3313215"/>
+            <a:ext cx="2945083" cy="8905"/>
+          </a:xfrm>
+          <a:prstGeom prst="line">
+            <a:avLst/>
+          </a:prstGeom>
+          <a:ln w="38100"/>
+        </p:spPr>
+        <p:style>
+          <a:lnRef idx="1">
+            <a:schemeClr val="accent1"/>
+          </a:lnRef>
+          <a:fillRef idx="0">
+            <a:schemeClr val="accent1"/>
+          </a:fillRef>
+          <a:effectRef idx="0">
+            <a:schemeClr val="accent1"/>
+          </a:effectRef>
+          <a:fontRef idx="minor">
+            <a:schemeClr val="tx1"/>
+          </a:fontRef>
+        </p:style>
+      </p:cxnSp>
+      <p:sp>
+        <p:nvSpPr>
+          <p:cNvPr id="41" name="Rectangle 40"/>
+          <p:cNvSpPr/>
+          <p:nvPr/>
+        </p:nvSpPr>
+        <p:spPr bwMode="auto">
+          <a:xfrm>
+            <a:off x="8312726" y="3247900"/>
+            <a:ext cx="95002" cy="148441"/>
+          </a:xfrm>
+          <a:prstGeom prst="rect">
+            <a:avLst/>
+          </a:prstGeom>
+          <a:solidFill>
+            <a:schemeClr val="accent2"/>
+          </a:solidFill>
+          <a:ln>
+            <a:noFill/>
+            <a:headEnd type="none" w="med" len="med"/>
+            <a:tailEnd type="none" w="med" len="med"/>
+          </a:ln>
+          <a:effectLst/>
+        </p:spPr>
+        <p:style>
+          <a:lnRef idx="1">
+            <a:schemeClr val="accent2"/>
+          </a:lnRef>
+          <a:fillRef idx="3">
+            <a:schemeClr val="accent2"/>
+          </a:fillRef>
+          <a:effectRef idx="2">
+            <a:schemeClr val="accent2"/>
+          </a:effectRef>
+          <a:fontRef idx="minor">
+            <a:schemeClr val="lt1"/>
+          </a:fontRef>
+        </p:style>
+        <p:txBody>
+          <a:bodyPr vert="horz" wrap="square" lIns="91436" tIns="45718" rIns="91436" bIns="45718" numCol="1" rtlCol="0" anchor="ctr" anchorCtr="0" compatLnSpc="1">
+            <a:prstTxWarp prst="textNoShape">
+              <a:avLst/>
+            </a:prstTxWarp>
+          </a:bodyPr>
+          <a:lstStyle/>
+          <a:p>
+            <a:pPr algn="ctr" defTabSz="914099" fontAlgn="base">
+              <a:spcBef>
+                <a:spcPct val="0"/>
+              </a:spcBef>
+              <a:spcAft>
+                <a:spcPct val="0"/>
+              </a:spcAft>
+            </a:pPr>
+            <a:endParaRPr lang="en-US" sz="2200" dirty="0" smtClean="0">
+              <a:gradFill>
+                <a:gsLst>
+                  <a:gs pos="0">
+                    <a:srgbClr val="FFFFFF"/>
+                  </a:gs>
+                  <a:gs pos="100000">
+                    <a:srgbClr val="FFFFFF"/>
+                  </a:gs>
+                </a:gsLst>
+                <a:lin ang="5400000" scaled="0"/>
+              </a:gradFill>
+            </a:endParaRPr>
+          </a:p>
+        </p:txBody>
+      </p:sp>
+      <p:sp>
+        <p:nvSpPr>
+          <p:cNvPr id="42" name="Rectangle 41"/>
+          <p:cNvSpPr/>
+          <p:nvPr/>
+        </p:nvSpPr>
+        <p:spPr bwMode="auto">
+          <a:xfrm>
+            <a:off x="8490856" y="3247900"/>
+            <a:ext cx="95002" cy="148441"/>
+          </a:xfrm>
+          <a:prstGeom prst="rect">
+            <a:avLst/>
+          </a:prstGeom>
+          <a:solidFill>
+            <a:schemeClr val="accent2"/>
+          </a:solidFill>
+          <a:ln>
+            <a:noFill/>
+            <a:headEnd type="none" w="med" len="med"/>
+            <a:tailEnd type="none" w="med" len="med"/>
+          </a:ln>
+          <a:effectLst/>
+        </p:spPr>
+        <p:style>
+          <a:lnRef idx="1">
+            <a:schemeClr val="accent2"/>
+          </a:lnRef>
+          <a:fillRef idx="3">
+            <a:schemeClr val="accent2"/>
+          </a:fillRef>
+          <a:effectRef idx="2">
+            <a:schemeClr val="accent2"/>
+          </a:effectRef>
+          <a:fontRef idx="minor">
+            <a:schemeClr val="lt1"/>
+          </a:fontRef>
+        </p:style>
+        <p:txBody>
+          <a:bodyPr vert="horz" wrap="square" lIns="91436" tIns="45718" rIns="91436" bIns="45718" numCol="1" rtlCol="0" anchor="ctr" anchorCtr="0" compatLnSpc="1">
+            <a:prstTxWarp prst="textNoShape">
+              <a:avLst/>
+            </a:prstTxWarp>
+          </a:bodyPr>
+          <a:lstStyle/>
+          <a:p>
+            <a:pPr algn="ctr" defTabSz="914099" fontAlgn="base">
+              <a:spcBef>
+                <a:spcPct val="0"/>
+              </a:spcBef>
+              <a:spcAft>
+                <a:spcPct val="0"/>
+              </a:spcAft>
+            </a:pPr>
+            <a:endParaRPr lang="en-US" sz="2200" dirty="0" smtClean="0">
+              <a:gradFill>
+                <a:gsLst>
+                  <a:gs pos="0">
+                    <a:srgbClr val="FFFFFF"/>
+                  </a:gs>
+                  <a:gs pos="100000">
+                    <a:srgbClr val="FFFFFF"/>
+                  </a:gs>
+                </a:gsLst>
+                <a:lin ang="5400000" scaled="0"/>
+              </a:gradFill>
+            </a:endParaRPr>
+          </a:p>
+        </p:txBody>
+      </p:sp>
+      <p:sp>
+        <p:nvSpPr>
+          <p:cNvPr id="43" name="Rectangle 42"/>
+          <p:cNvSpPr/>
+          <p:nvPr/>
+        </p:nvSpPr>
+        <p:spPr bwMode="auto">
+          <a:xfrm>
+            <a:off x="8668986" y="3247900"/>
+            <a:ext cx="95002" cy="148441"/>
+          </a:xfrm>
+          <a:prstGeom prst="rect">
+            <a:avLst/>
+          </a:prstGeom>
+          <a:solidFill>
+            <a:schemeClr val="accent2"/>
+          </a:solidFill>
+          <a:ln>
+            <a:noFill/>
+            <a:headEnd type="none" w="med" len="med"/>
+            <a:tailEnd type="none" w="med" len="med"/>
+          </a:ln>
+          <a:effectLst/>
+        </p:spPr>
+        <p:style>
+          <a:lnRef idx="1">
+            <a:schemeClr val="accent2"/>
+          </a:lnRef>
+          <a:fillRef idx="3">
+            <a:schemeClr val="accent2"/>
+          </a:fillRef>
+          <a:effectRef idx="2">
+            <a:schemeClr val="accent2"/>
+          </a:effectRef>
+          <a:fontRef idx="minor">
+            <a:schemeClr val="lt1"/>
+          </a:fontRef>
+        </p:style>
+        <p:txBody>
+          <a:bodyPr vert="horz" wrap="square" lIns="91436" tIns="45718" rIns="91436" bIns="45718" numCol="1" rtlCol="0" anchor="ctr" anchorCtr="0" compatLnSpc="1">
+            <a:prstTxWarp prst="textNoShape">
+              <a:avLst/>
+            </a:prstTxWarp>
+          </a:bodyPr>
+          <a:lstStyle/>
+          <a:p>
+            <a:pPr algn="ctr" defTabSz="914099" fontAlgn="base">
+              <a:spcBef>
+                <a:spcPct val="0"/>
+              </a:spcBef>
+              <a:spcAft>
+                <a:spcPct val="0"/>
+              </a:spcAft>
+            </a:pPr>
+            <a:endParaRPr lang="en-US" sz="2200" dirty="0" smtClean="0">
+              <a:gradFill>
+                <a:gsLst>
+                  <a:gs pos="0">
+                    <a:srgbClr val="FFFFFF"/>
+                  </a:gs>
+                  <a:gs pos="100000">
+                    <a:srgbClr val="FFFFFF"/>
+                  </a:gs>
+                </a:gsLst>
+                <a:lin ang="5400000" scaled="0"/>
+              </a:gradFill>
+            </a:endParaRPr>
+          </a:p>
+        </p:txBody>
+      </p:sp>
+      <p:sp>
+        <p:nvSpPr>
+          <p:cNvPr id="44" name="Rectangle 43"/>
+          <p:cNvSpPr/>
+          <p:nvPr/>
+        </p:nvSpPr>
+        <p:spPr bwMode="auto">
+          <a:xfrm>
+            <a:off x="10046524" y="3247900"/>
+            <a:ext cx="95002" cy="148441"/>
+          </a:xfrm>
+          <a:prstGeom prst="rect">
+            <a:avLst/>
+          </a:prstGeom>
+          <a:solidFill>
+            <a:schemeClr val="accent2"/>
+          </a:solidFill>
+          <a:ln>
+            <a:noFill/>
+            <a:headEnd type="none" w="med" len="med"/>
+            <a:tailEnd type="none" w="med" len="med"/>
+          </a:ln>
+          <a:effectLst/>
+        </p:spPr>
+        <p:style>
+          <a:lnRef idx="1">
+            <a:schemeClr val="accent2"/>
+          </a:lnRef>
+          <a:fillRef idx="3">
+            <a:schemeClr val="accent2"/>
+          </a:fillRef>
+          <a:effectRef idx="2">
+            <a:schemeClr val="accent2"/>
+          </a:effectRef>
+          <a:fontRef idx="minor">
+            <a:schemeClr val="lt1"/>
+          </a:fontRef>
+        </p:style>
+        <p:txBody>
+          <a:bodyPr vert="horz" wrap="square" lIns="91436" tIns="45718" rIns="91436" bIns="45718" numCol="1" rtlCol="0" anchor="ctr" anchorCtr="0" compatLnSpc="1">
+            <a:prstTxWarp prst="textNoShape">
+              <a:avLst/>
+            </a:prstTxWarp>
+          </a:bodyPr>
+          <a:lstStyle/>
+          <a:p>
+            <a:pPr algn="ctr" defTabSz="914099" fontAlgn="base">
+              <a:spcBef>
+                <a:spcPct val="0"/>
+              </a:spcBef>
+              <a:spcAft>
+                <a:spcPct val="0"/>
+              </a:spcAft>
+            </a:pPr>
+            <a:endParaRPr lang="en-US" sz="2200" dirty="0" smtClean="0">
+              <a:gradFill>
+                <a:gsLst>
+                  <a:gs pos="0">
+                    <a:srgbClr val="FFFFFF"/>
+                  </a:gs>
+                  <a:gs pos="100000">
+                    <a:srgbClr val="FFFFFF"/>
+                  </a:gs>
+                </a:gsLst>
+                <a:lin ang="5400000" scaled="0"/>
+              </a:gradFill>
+            </a:endParaRPr>
+          </a:p>
+        </p:txBody>
+      </p:sp>
+      <p:sp>
+        <p:nvSpPr>
+          <p:cNvPr id="45" name="Rectangle 44"/>
+          <p:cNvSpPr/>
+          <p:nvPr/>
+        </p:nvSpPr>
+        <p:spPr bwMode="auto">
+          <a:xfrm>
+            <a:off x="10236530" y="3247900"/>
+            <a:ext cx="95002" cy="148441"/>
+          </a:xfrm>
+          <a:prstGeom prst="rect">
+            <a:avLst/>
+          </a:prstGeom>
+          <a:solidFill>
+            <a:schemeClr val="accent2"/>
+          </a:solidFill>
+          <a:ln>
+            <a:noFill/>
+            <a:headEnd type="none" w="med" len="med"/>
+            <a:tailEnd type="none" w="med" len="med"/>
+          </a:ln>
+          <a:effectLst/>
+        </p:spPr>
+        <p:style>
+          <a:lnRef idx="1">
+            <a:schemeClr val="accent2"/>
+          </a:lnRef>
+          <a:fillRef idx="3">
+            <a:schemeClr val="accent2"/>
+          </a:fillRef>
+          <a:effectRef idx="2">
+            <a:schemeClr val="accent2"/>
+          </a:effectRef>
+          <a:fontRef idx="minor">
+            <a:schemeClr val="lt1"/>
+          </a:fontRef>
+        </p:style>
+        <p:txBody>
+          <a:bodyPr vert="horz" wrap="square" lIns="91436" tIns="45718" rIns="91436" bIns="45718" numCol="1" rtlCol="0" anchor="ctr" anchorCtr="0" compatLnSpc="1">
+            <a:prstTxWarp prst="textNoShape">
+              <a:avLst/>
+            </a:prstTxWarp>
+          </a:bodyPr>
+          <a:lstStyle/>
+          <a:p>
+            <a:pPr algn="ctr" defTabSz="914099" fontAlgn="base">
+              <a:spcBef>
+                <a:spcPct val="0"/>
+              </a:spcBef>
+              <a:spcAft>
+                <a:spcPct val="0"/>
+              </a:spcAft>
+            </a:pPr>
+            <a:endParaRPr lang="en-US" sz="2200" dirty="0" smtClean="0">
+              <a:gradFill>
+                <a:gsLst>
+                  <a:gs pos="0">
+                    <a:srgbClr val="FFFFFF"/>
+                  </a:gs>
+                  <a:gs pos="100000">
+                    <a:srgbClr val="FFFFFF"/>
+                  </a:gs>
+                </a:gsLst>
+                <a:lin ang="5400000" scaled="0"/>
+              </a:gradFill>
+            </a:endParaRPr>
+          </a:p>
+        </p:txBody>
+      </p:sp>
+      <p:sp>
+        <p:nvSpPr>
+          <p:cNvPr id="46" name="Rectangle 45"/>
+          <p:cNvSpPr/>
+          <p:nvPr/>
+        </p:nvSpPr>
+        <p:spPr bwMode="auto">
+          <a:xfrm>
+            <a:off x="8312730" y="3681350"/>
+            <a:ext cx="1472542" cy="866899"/>
+          </a:xfrm>
+          <a:prstGeom prst="rect">
+            <a:avLst/>
+          </a:prstGeom>
+          <a:noFill/>
+          <a:ln w="38100">
+            <a:solidFill>
+              <a:srgbClr val="00AEEF"/>
+            </a:solidFill>
+            <a:headEnd type="none" w="med" len="med"/>
+            <a:tailEnd type="none" w="med" len="med"/>
+          </a:ln>
+          <a:effectLst/>
+        </p:spPr>
+        <p:style>
+          <a:lnRef idx="1">
+            <a:schemeClr val="accent2"/>
+          </a:lnRef>
+          <a:fillRef idx="3">
+            <a:schemeClr val="accent2"/>
+          </a:fillRef>
+          <a:effectRef idx="2">
+            <a:schemeClr val="accent2"/>
+          </a:effectRef>
+          <a:fontRef idx="minor">
+            <a:schemeClr val="lt1"/>
+          </a:fontRef>
+        </p:style>
+        <p:txBody>
+          <a:bodyPr vert="horz" wrap="square" lIns="91436" tIns="45718" rIns="91436" bIns="45718" numCol="1" rtlCol="0" anchor="ctr" anchorCtr="0" compatLnSpc="1">
+            <a:prstTxWarp prst="textNoShape">
+              <a:avLst/>
+            </a:prstTxWarp>
+          </a:bodyPr>
+          <a:lstStyle/>
+          <a:p>
+            <a:pPr algn="ctr" defTabSz="914099" fontAlgn="base">
+              <a:spcBef>
+                <a:spcPct val="0"/>
+              </a:spcBef>
+              <a:spcAft>
+                <a:spcPct val="0"/>
+              </a:spcAft>
+            </a:pPr>
+            <a:endParaRPr lang="en-US" sz="2200" dirty="0" smtClean="0">
+              <a:gradFill>
+                <a:gsLst>
+                  <a:gs pos="0">
+                    <a:srgbClr val="FFFFFF"/>
+                  </a:gs>
+                  <a:gs pos="100000">
+                    <a:srgbClr val="FFFFFF"/>
+                  </a:gs>
+                </a:gsLst>
+                <a:lin ang="5400000" scaled="0"/>
+              </a:gradFill>
+            </a:endParaRPr>
+          </a:p>
+        </p:txBody>
+      </p:sp>
+      <p:sp>
+        <p:nvSpPr>
+          <p:cNvPr id="47" name="Rectangle 46"/>
+          <p:cNvSpPr/>
+          <p:nvPr/>
+        </p:nvSpPr>
+        <p:spPr bwMode="auto">
+          <a:xfrm>
+            <a:off x="10046524" y="4548248"/>
+            <a:ext cx="1472542" cy="866899"/>
+          </a:xfrm>
+          <a:prstGeom prst="rect">
+            <a:avLst/>
+          </a:prstGeom>
+          <a:noFill/>
+          <a:ln w="38100">
+            <a:solidFill>
+              <a:srgbClr val="00AEEF"/>
+            </a:solidFill>
+            <a:headEnd type="none" w="med" len="med"/>
+            <a:tailEnd type="none" w="med" len="med"/>
+          </a:ln>
+          <a:effectLst/>
+        </p:spPr>
+        <p:style>
+          <a:lnRef idx="1">
+            <a:schemeClr val="accent2"/>
+          </a:lnRef>
+          <a:fillRef idx="3">
+            <a:schemeClr val="accent2"/>
+          </a:fillRef>
+          <a:effectRef idx="2">
+            <a:schemeClr val="accent2"/>
+          </a:effectRef>
+          <a:fontRef idx="minor">
+            <a:schemeClr val="lt1"/>
+          </a:fontRef>
+        </p:style>
+        <p:txBody>
+          <a:bodyPr vert="horz" wrap="square" lIns="91436" tIns="45718" rIns="91436" bIns="45718" numCol="1" rtlCol="0" anchor="ctr" anchorCtr="0" compatLnSpc="1">
+            <a:prstTxWarp prst="textNoShape">
+              <a:avLst/>
+            </a:prstTxWarp>
+          </a:bodyPr>
+          <a:lstStyle/>
+          <a:p>
+            <a:pPr algn="ctr" defTabSz="914099" fontAlgn="base">
+              <a:spcBef>
+                <a:spcPct val="0"/>
+              </a:spcBef>
+              <a:spcAft>
+                <a:spcPct val="0"/>
+              </a:spcAft>
+            </a:pPr>
+            <a:endParaRPr lang="en-US" sz="2200" dirty="0">
+              <a:gradFill>
+                <a:gsLst>
+                  <a:gs pos="0">
+                    <a:srgbClr val="FFFFFF"/>
+                  </a:gs>
+                  <a:gs pos="100000">
+                    <a:srgbClr val="FFFFFF"/>
+                  </a:gs>
+                </a:gsLst>
+                <a:lin ang="5400000" scaled="0"/>
+              </a:gradFill>
+            </a:endParaRPr>
+          </a:p>
+        </p:txBody>
+      </p:sp>
+      <p:sp>
+        <p:nvSpPr>
+          <p:cNvPr id="48" name="Rectangle 47"/>
+          <p:cNvSpPr/>
+          <p:nvPr/>
+        </p:nvSpPr>
+        <p:spPr bwMode="auto">
+          <a:xfrm>
+            <a:off x="8312726" y="4006249"/>
+            <a:ext cx="95002" cy="148441"/>
+          </a:xfrm>
+          <a:prstGeom prst="rect">
+            <a:avLst/>
+          </a:prstGeom>
+          <a:solidFill>
+            <a:schemeClr val="accent2"/>
+          </a:solidFill>
+          <a:ln>
+            <a:noFill/>
+            <a:headEnd type="none" w="med" len="med"/>
+            <a:tailEnd type="none" w="med" len="med"/>
+          </a:ln>
+          <a:effectLst/>
+        </p:spPr>
+        <p:style>
+          <a:lnRef idx="1">
+            <a:schemeClr val="accent2"/>
+          </a:lnRef>
+          <a:fillRef idx="3">
+            <a:schemeClr val="accent2"/>
+          </a:fillRef>
+          <a:effectRef idx="2">
+            <a:schemeClr val="accent2"/>
+          </a:effectRef>
+          <a:fontRef idx="minor">
+            <a:schemeClr val="lt1"/>
+          </a:fontRef>
+        </p:style>
+        <p:txBody>
+          <a:bodyPr vert="horz" wrap="square" lIns="91436" tIns="45718" rIns="91436" bIns="45718" numCol="1" rtlCol="0" anchor="ctr" anchorCtr="0" compatLnSpc="1">
+            <a:prstTxWarp prst="textNoShape">
+              <a:avLst/>
+            </a:prstTxWarp>
+          </a:bodyPr>
+          <a:lstStyle/>
+          <a:p>
+            <a:pPr algn="ctr" defTabSz="914099" fontAlgn="base">
+              <a:spcBef>
+                <a:spcPct val="0"/>
+              </a:spcBef>
+              <a:spcAft>
+                <a:spcPct val="0"/>
+              </a:spcAft>
+            </a:pPr>
+            <a:endParaRPr lang="en-US" sz="2200" dirty="0" smtClean="0">
+              <a:gradFill>
+                <a:gsLst>
+                  <a:gs pos="0">
+                    <a:srgbClr val="FFFFFF"/>
+                  </a:gs>
+                  <a:gs pos="100000">
+                    <a:srgbClr val="FFFFFF"/>
+                  </a:gs>
+                </a:gsLst>
+                <a:lin ang="5400000" scaled="0"/>
+              </a:gradFill>
+            </a:endParaRPr>
+          </a:p>
+        </p:txBody>
+      </p:sp>
+      <p:sp>
+        <p:nvSpPr>
+          <p:cNvPr id="49" name="Rectangle 48"/>
+          <p:cNvSpPr/>
+          <p:nvPr/>
+        </p:nvSpPr>
+        <p:spPr bwMode="auto">
+          <a:xfrm>
+            <a:off x="8490856" y="4006249"/>
+            <a:ext cx="95002" cy="148441"/>
+          </a:xfrm>
+          <a:prstGeom prst="rect">
+            <a:avLst/>
+          </a:prstGeom>
+          <a:solidFill>
+            <a:schemeClr val="accent2"/>
+          </a:solidFill>
+          <a:ln>
+            <a:noFill/>
+            <a:headEnd type="none" w="med" len="med"/>
+            <a:tailEnd type="none" w="med" len="med"/>
+          </a:ln>
+          <a:effectLst/>
+        </p:spPr>
+        <p:style>
+          <a:lnRef idx="1">
+            <a:schemeClr val="accent2"/>
+          </a:lnRef>
+          <a:fillRef idx="3">
+            <a:schemeClr val="accent2"/>
+          </a:fillRef>
+          <a:effectRef idx="2">
+            <a:schemeClr val="accent2"/>
+          </a:effectRef>
+          <a:fontRef idx="minor">
+            <a:schemeClr val="lt1"/>
+          </a:fontRef>
+        </p:style>
+        <p:txBody>
+          <a:bodyPr vert="horz" wrap="square" lIns="91436" tIns="45718" rIns="91436" bIns="45718" numCol="1" rtlCol="0" anchor="ctr" anchorCtr="0" compatLnSpc="1">
+            <a:prstTxWarp prst="textNoShape">
+              <a:avLst/>
+            </a:prstTxWarp>
+          </a:bodyPr>
+          <a:lstStyle/>
+          <a:p>
+            <a:pPr algn="ctr" defTabSz="914099" fontAlgn="base">
+              <a:spcBef>
+                <a:spcPct val="0"/>
+              </a:spcBef>
+              <a:spcAft>
+                <a:spcPct val="0"/>
+              </a:spcAft>
+            </a:pPr>
+            <a:endParaRPr lang="en-US" sz="2200" dirty="0" smtClean="0">
+              <a:gradFill>
+                <a:gsLst>
+                  <a:gs pos="0">
+                    <a:srgbClr val="FFFFFF"/>
+                  </a:gs>
+                  <a:gs pos="100000">
+                    <a:srgbClr val="FFFFFF"/>
+                  </a:gs>
+                </a:gsLst>
+                <a:lin ang="5400000" scaled="0"/>
+              </a:gradFill>
+            </a:endParaRPr>
+          </a:p>
+        </p:txBody>
+      </p:sp>
+      <p:sp>
+        <p:nvSpPr>
+          <p:cNvPr id="50" name="Rectangle 49"/>
+          <p:cNvSpPr/>
+          <p:nvPr/>
+        </p:nvSpPr>
+        <p:spPr bwMode="auto">
+          <a:xfrm>
+            <a:off x="8668986" y="4006249"/>
+            <a:ext cx="95002" cy="148441"/>
+          </a:xfrm>
+          <a:prstGeom prst="rect">
+            <a:avLst/>
+          </a:prstGeom>
+          <a:solidFill>
+            <a:schemeClr val="accent2"/>
+          </a:solidFill>
+          <a:ln>
+            <a:noFill/>
+            <a:headEnd type="none" w="med" len="med"/>
+            <a:tailEnd type="none" w="med" len="med"/>
+          </a:ln>
+          <a:effectLst/>
+        </p:spPr>
+        <p:style>
+          <a:lnRef idx="1">
+            <a:schemeClr val="accent2"/>
+          </a:lnRef>
+          <a:fillRef idx="3">
+            <a:schemeClr val="accent2"/>
+          </a:fillRef>
+          <a:effectRef idx="2">
+            <a:schemeClr val="accent2"/>
+          </a:effectRef>
+          <a:fontRef idx="minor">
+            <a:schemeClr val="lt1"/>
+          </a:fontRef>
+        </p:style>
+        <p:txBody>
+          <a:bodyPr vert="horz" wrap="square" lIns="91436" tIns="45718" rIns="91436" bIns="45718" numCol="1" rtlCol="0" anchor="ctr" anchorCtr="0" compatLnSpc="1">
+            <a:prstTxWarp prst="textNoShape">
+              <a:avLst/>
+            </a:prstTxWarp>
+          </a:bodyPr>
+          <a:lstStyle/>
+          <a:p>
+            <a:pPr algn="ctr" defTabSz="914099" fontAlgn="base">
+              <a:spcBef>
+                <a:spcPct val="0"/>
+              </a:spcBef>
+              <a:spcAft>
+                <a:spcPct val="0"/>
+              </a:spcAft>
+            </a:pPr>
+            <a:endParaRPr lang="en-US" sz="2200" dirty="0" smtClean="0">
+              <a:gradFill>
+                <a:gsLst>
+                  <a:gs pos="0">
+                    <a:srgbClr val="FFFFFF"/>
+                  </a:gs>
+                  <a:gs pos="100000">
+                    <a:srgbClr val="FFFFFF"/>
+                  </a:gs>
+                </a:gsLst>
+                <a:lin ang="5400000" scaled="0"/>
+              </a:gradFill>
+            </a:endParaRPr>
+          </a:p>
+        </p:txBody>
+      </p:sp>
+      <p:sp>
+        <p:nvSpPr>
+          <p:cNvPr id="51" name="Rectangle 50"/>
+          <p:cNvSpPr/>
+          <p:nvPr/>
+        </p:nvSpPr>
+        <p:spPr bwMode="auto">
+          <a:xfrm>
+            <a:off x="10046524" y="4873148"/>
+            <a:ext cx="95002" cy="148441"/>
+          </a:xfrm>
+          <a:prstGeom prst="rect">
+            <a:avLst/>
+          </a:prstGeom>
+          <a:solidFill>
+            <a:schemeClr val="accent2"/>
+          </a:solidFill>
+          <a:ln>
+            <a:noFill/>
+            <a:headEnd type="none" w="med" len="med"/>
+            <a:tailEnd type="none" w="med" len="med"/>
+          </a:ln>
+          <a:effectLst/>
+        </p:spPr>
+        <p:style>
+          <a:lnRef idx="1">
+            <a:schemeClr val="accent2"/>
+          </a:lnRef>
+          <a:fillRef idx="3">
+            <a:schemeClr val="accent2"/>
+          </a:fillRef>
+          <a:effectRef idx="2">
+            <a:schemeClr val="accent2"/>
+          </a:effectRef>
+          <a:fontRef idx="minor">
+            <a:schemeClr val="lt1"/>
+          </a:fontRef>
+        </p:style>
+        <p:txBody>
+          <a:bodyPr vert="horz" wrap="square" lIns="91436" tIns="45718" rIns="91436" bIns="45718" numCol="1" rtlCol="0" anchor="ctr" anchorCtr="0" compatLnSpc="1">
+            <a:prstTxWarp prst="textNoShape">
+              <a:avLst/>
+            </a:prstTxWarp>
+          </a:bodyPr>
+          <a:lstStyle/>
+          <a:p>
+            <a:pPr algn="ctr" defTabSz="914099" fontAlgn="base">
+              <a:spcBef>
+                <a:spcPct val="0"/>
+              </a:spcBef>
+              <a:spcAft>
+                <a:spcPct val="0"/>
+              </a:spcAft>
+            </a:pPr>
+            <a:endParaRPr lang="en-US" sz="2200" dirty="0" smtClean="0">
+              <a:gradFill>
+                <a:gsLst>
+                  <a:gs pos="0">
+                    <a:srgbClr val="FFFFFF"/>
+                  </a:gs>
+                  <a:gs pos="100000">
+                    <a:srgbClr val="FFFFFF"/>
+                  </a:gs>
+                </a:gsLst>
+                <a:lin ang="5400000" scaled="0"/>
+              </a:gradFill>
+            </a:endParaRPr>
+          </a:p>
+        </p:txBody>
+      </p:sp>
+      <p:sp>
+        <p:nvSpPr>
+          <p:cNvPr id="52" name="Rectangle 51"/>
+          <p:cNvSpPr/>
+          <p:nvPr/>
+        </p:nvSpPr>
+        <p:spPr bwMode="auto">
+          <a:xfrm>
+            <a:off x="10236530" y="4873148"/>
+            <a:ext cx="95002" cy="148441"/>
+          </a:xfrm>
+          <a:prstGeom prst="rect">
+            <a:avLst/>
+          </a:prstGeom>
+          <a:solidFill>
+            <a:schemeClr val="accent2"/>
+          </a:solidFill>
+          <a:ln>
+            <a:noFill/>
+            <a:headEnd type="none" w="med" len="med"/>
+            <a:tailEnd type="none" w="med" len="med"/>
+          </a:ln>
+          <a:effectLst/>
+        </p:spPr>
+        <p:style>
+          <a:lnRef idx="1">
+            <a:schemeClr val="accent2"/>
+          </a:lnRef>
+          <a:fillRef idx="3">
+            <a:schemeClr val="accent2"/>
+          </a:fillRef>
+          <a:effectRef idx="2">
+            <a:schemeClr val="accent2"/>
+          </a:effectRef>
+          <a:fontRef idx="minor">
+            <a:schemeClr val="lt1"/>
+          </a:fontRef>
+        </p:style>
+        <p:txBody>
+          <a:bodyPr vert="horz" wrap="square" lIns="91436" tIns="45718" rIns="91436" bIns="45718" numCol="1" rtlCol="0" anchor="ctr" anchorCtr="0" compatLnSpc="1">
+            <a:prstTxWarp prst="textNoShape">
+              <a:avLst/>
+            </a:prstTxWarp>
+          </a:bodyPr>
+          <a:lstStyle/>
+          <a:p>
+            <a:pPr algn="ctr" defTabSz="914099" fontAlgn="base">
+              <a:spcBef>
+                <a:spcPct val="0"/>
+              </a:spcBef>
+              <a:spcAft>
+                <a:spcPct val="0"/>
+              </a:spcAft>
+            </a:pPr>
+            <a:endParaRPr lang="en-US" sz="2200" dirty="0" smtClean="0">
+              <a:gradFill>
+                <a:gsLst>
+                  <a:gs pos="0">
+                    <a:srgbClr val="FFFFFF"/>
+                  </a:gs>
+                  <a:gs pos="100000">
+                    <a:srgbClr val="FFFFFF"/>
+                  </a:gs>
+                </a:gsLst>
+                <a:lin ang="5400000" scaled="0"/>
+              </a:gradFill>
+            </a:endParaRPr>
+          </a:p>
+        </p:txBody>
+      </p:sp>
+      <p:sp>
+        <p:nvSpPr>
+          <p:cNvPr id="53" name="TextBox 52"/>
+          <p:cNvSpPr txBox="1"/>
+          <p:nvPr/>
+        </p:nvSpPr>
+        <p:spPr>
+          <a:xfrm>
+            <a:off x="8098969" y="2666899"/>
+            <a:ext cx="2945084" cy="387798"/>
+          </a:xfrm>
+          <a:prstGeom prst="rect">
+            <a:avLst/>
+          </a:prstGeom>
+          <a:noFill/>
+        </p:spPr>
+        <p:txBody>
+          <a:bodyPr wrap="square" lIns="0" tIns="0" rIns="0" bIns="0" rtlCol="0">
+            <a:spAutoFit/>
+          </a:bodyPr>
+          <a:lstStyle/>
+          <a:p>
+            <a:pPr algn="ctr">
+              <a:lnSpc>
+                <a:spcPct val="90000"/>
+              </a:lnSpc>
+              <a:spcBef>
+                <a:spcPct val="20000"/>
+              </a:spcBef>
+              <a:buSzPct val="80000"/>
+            </a:pPr>
+            <a:r>
+              <a:rPr lang="en-US" sz="2800" dirty="0" smtClean="0">
+                <a:solidFill>
+                  <a:schemeClr val="accent1"/>
+                </a:solidFill>
+              </a:rPr>
+              <a:t>Sliding Window</a:t>
+            </a:r>
+            <a:endParaRPr lang="en-US" sz="2800" dirty="0">
+              <a:solidFill>
+                <a:schemeClr val="accent1"/>
+              </a:solidFill>
+            </a:endParaRPr>
+          </a:p>
+        </p:txBody>
+      </p:sp>
+      <p:sp>
+        <p:nvSpPr>
+          <p:cNvPr id="56" name="Rectangle 55"/>
+          <p:cNvSpPr/>
+          <p:nvPr/>
+        </p:nvSpPr>
+        <p:spPr bwMode="auto">
+          <a:xfrm>
+            <a:off x="6388924" y="5788843"/>
+            <a:ext cx="95002" cy="148441"/>
+          </a:xfrm>
+          <a:prstGeom prst="rect">
+            <a:avLst/>
+          </a:prstGeom>
+          <a:solidFill>
+            <a:schemeClr val="accent2"/>
+          </a:solidFill>
+          <a:ln>
+            <a:noFill/>
+            <a:headEnd type="none" w="med" len="med"/>
+            <a:tailEnd type="none" w="med" len="med"/>
+          </a:ln>
+          <a:effectLst/>
+        </p:spPr>
+        <p:style>
+          <a:lnRef idx="1">
+            <a:schemeClr val="accent2"/>
+          </a:lnRef>
+          <a:fillRef idx="3">
+            <a:schemeClr val="accent2"/>
+          </a:fillRef>
+          <a:effectRef idx="2">
+            <a:schemeClr val="accent2"/>
+          </a:effectRef>
+          <a:fontRef idx="minor">
+            <a:schemeClr val="lt1"/>
+          </a:fontRef>
+        </p:style>
+        <p:txBody>
+          <a:bodyPr vert="horz" wrap="square" lIns="91436" tIns="45718" rIns="91436" bIns="45718" numCol="1" rtlCol="0" anchor="ctr" anchorCtr="0" compatLnSpc="1">
+            <a:prstTxWarp prst="textNoShape">
+              <a:avLst/>
+            </a:prstTxWarp>
+          </a:bodyPr>
+          <a:lstStyle/>
+          <a:p>
+            <a:pPr algn="ctr" defTabSz="914099" fontAlgn="base">
+              <a:spcBef>
+                <a:spcPct val="0"/>
+              </a:spcBef>
+              <a:spcAft>
+                <a:spcPct val="0"/>
+              </a:spcAft>
+            </a:pPr>
+            <a:endParaRPr lang="en-US" sz="2200" dirty="0" smtClean="0">
+              <a:gradFill>
+                <a:gsLst>
+                  <a:gs pos="0">
+                    <a:srgbClr val="FFFFFF"/>
+                  </a:gs>
+                  <a:gs pos="100000">
+                    <a:srgbClr val="FFFFFF"/>
+                  </a:gs>
+                </a:gsLst>
+                <a:lin ang="5400000" scaled="0"/>
+              </a:gradFill>
+            </a:endParaRPr>
+          </a:p>
+        </p:txBody>
+      </p:sp>
+      <p:sp>
+        <p:nvSpPr>
+          <p:cNvPr id="57" name="Rectangle 56"/>
+          <p:cNvSpPr/>
+          <p:nvPr/>
+        </p:nvSpPr>
+        <p:spPr bwMode="auto">
+          <a:xfrm>
+            <a:off x="6578930" y="5788843"/>
+            <a:ext cx="95002" cy="148441"/>
+          </a:xfrm>
+          <a:prstGeom prst="rect">
+            <a:avLst/>
+          </a:prstGeom>
+          <a:solidFill>
+            <a:schemeClr val="accent2"/>
+          </a:solidFill>
+          <a:ln>
+            <a:noFill/>
+            <a:headEnd type="none" w="med" len="med"/>
+            <a:tailEnd type="none" w="med" len="med"/>
+          </a:ln>
+          <a:effectLst/>
+        </p:spPr>
+        <p:style>
+          <a:lnRef idx="1">
+            <a:schemeClr val="accent2"/>
+          </a:lnRef>
+          <a:fillRef idx="3">
+            <a:schemeClr val="accent2"/>
+          </a:fillRef>
+          <a:effectRef idx="2">
+            <a:schemeClr val="accent2"/>
+          </a:effectRef>
+          <a:fontRef idx="minor">
+            <a:schemeClr val="lt1"/>
+          </a:fontRef>
+        </p:style>
+        <p:txBody>
+          <a:bodyPr vert="horz" wrap="square" lIns="91436" tIns="45718" rIns="91436" bIns="45718" numCol="1" rtlCol="0" anchor="ctr" anchorCtr="0" compatLnSpc="1">
+            <a:prstTxWarp prst="textNoShape">
+              <a:avLst/>
+            </a:prstTxWarp>
+          </a:bodyPr>
+          <a:lstStyle/>
+          <a:p>
+            <a:pPr algn="ctr" defTabSz="914099" fontAlgn="base">
+              <a:spcBef>
+                <a:spcPct val="0"/>
+              </a:spcBef>
+              <a:spcAft>
+                <a:spcPct val="0"/>
+              </a:spcAft>
+            </a:pPr>
+            <a:endParaRPr lang="en-US" sz="2200" dirty="0" smtClean="0">
+              <a:gradFill>
+                <a:gsLst>
+                  <a:gs pos="0">
+                    <a:srgbClr val="FFFFFF"/>
+                  </a:gs>
+                  <a:gs pos="100000">
+                    <a:srgbClr val="FFFFFF"/>
+                  </a:gs>
+                </a:gsLst>
+                <a:lin ang="5400000" scaled="0"/>
+              </a:gradFill>
+            </a:endParaRPr>
+          </a:p>
+        </p:txBody>
+      </p:sp>
+      <p:sp>
+        <p:nvSpPr>
+          <p:cNvPr id="58" name="Rectangle 57"/>
+          <p:cNvSpPr/>
+          <p:nvPr/>
+        </p:nvSpPr>
+        <p:spPr bwMode="auto">
+          <a:xfrm>
+            <a:off x="5177640" y="4549544"/>
+            <a:ext cx="1472542" cy="866899"/>
+          </a:xfrm>
+          <a:prstGeom prst="rect">
+            <a:avLst/>
+          </a:prstGeom>
+          <a:noFill/>
+          <a:ln w="38100">
+            <a:solidFill>
+              <a:srgbClr val="00AEEF"/>
+            </a:solidFill>
+            <a:headEnd type="none" w="med" len="med"/>
+            <a:tailEnd type="none" w="med" len="med"/>
+          </a:ln>
+          <a:effectLst/>
+        </p:spPr>
+        <p:style>
+          <a:lnRef idx="1">
+            <a:schemeClr val="accent2"/>
+          </a:lnRef>
+          <a:fillRef idx="3">
+            <a:schemeClr val="accent2"/>
+          </a:fillRef>
+          <a:effectRef idx="2">
+            <a:schemeClr val="accent2"/>
+          </a:effectRef>
+          <a:fontRef idx="minor">
+            <a:schemeClr val="lt1"/>
+          </a:fontRef>
+        </p:style>
+        <p:txBody>
+          <a:bodyPr vert="horz" wrap="square" lIns="91436" tIns="45718" rIns="91436" bIns="45718" numCol="1" rtlCol="0" anchor="ctr" anchorCtr="0" compatLnSpc="1">
+            <a:prstTxWarp prst="textNoShape">
+              <a:avLst/>
+            </a:prstTxWarp>
+          </a:bodyPr>
+          <a:lstStyle/>
+          <a:p>
+            <a:pPr algn="ctr" defTabSz="914099" fontAlgn="base">
+              <a:spcBef>
+                <a:spcPct val="0"/>
+              </a:spcBef>
+              <a:spcAft>
+                <a:spcPct val="0"/>
+              </a:spcAft>
+            </a:pPr>
+            <a:endParaRPr lang="en-US" sz="2200" dirty="0" smtClean="0">
+              <a:gradFill>
+                <a:gsLst>
+                  <a:gs pos="0">
+                    <a:srgbClr val="FFFFFF"/>
+                  </a:gs>
+                  <a:gs pos="100000">
+                    <a:srgbClr val="FFFFFF"/>
+                  </a:gs>
+                </a:gsLst>
+                <a:lin ang="5400000" scaled="0"/>
+              </a:gradFill>
+            </a:endParaRPr>
+          </a:p>
+        </p:txBody>
+      </p:sp>
+      <p:sp>
+        <p:nvSpPr>
+          <p:cNvPr id="59" name="Rectangle 58"/>
+          <p:cNvSpPr/>
+          <p:nvPr/>
+        </p:nvSpPr>
+        <p:spPr bwMode="auto">
+          <a:xfrm>
+            <a:off x="6388924" y="4921944"/>
+            <a:ext cx="95002" cy="148441"/>
+          </a:xfrm>
+          <a:prstGeom prst="rect">
+            <a:avLst/>
+          </a:prstGeom>
+          <a:solidFill>
+            <a:schemeClr val="accent2"/>
+          </a:solidFill>
+          <a:ln>
+            <a:noFill/>
+            <a:headEnd type="none" w="med" len="med"/>
+            <a:tailEnd type="none" w="med" len="med"/>
+          </a:ln>
+          <a:effectLst/>
+        </p:spPr>
+        <p:style>
+          <a:lnRef idx="1">
+            <a:schemeClr val="accent2"/>
+          </a:lnRef>
+          <a:fillRef idx="3">
+            <a:schemeClr val="accent2"/>
+          </a:fillRef>
+          <a:effectRef idx="2">
+            <a:schemeClr val="accent2"/>
+          </a:effectRef>
+          <a:fontRef idx="minor">
+            <a:schemeClr val="lt1"/>
+          </a:fontRef>
+        </p:style>
+        <p:txBody>
+          <a:bodyPr vert="horz" wrap="square" lIns="91436" tIns="45718" rIns="91436" bIns="45718" numCol="1" rtlCol="0" anchor="ctr" anchorCtr="0" compatLnSpc="1">
+            <a:prstTxWarp prst="textNoShape">
+              <a:avLst/>
+            </a:prstTxWarp>
+          </a:bodyPr>
+          <a:lstStyle/>
+          <a:p>
+            <a:pPr algn="ctr" defTabSz="914099" fontAlgn="base">
+              <a:spcBef>
+                <a:spcPct val="0"/>
+              </a:spcBef>
+              <a:spcAft>
+                <a:spcPct val="0"/>
+              </a:spcAft>
+            </a:pPr>
+            <a:endParaRPr lang="en-US" sz="2200" dirty="0" smtClean="0">
+              <a:gradFill>
+                <a:gsLst>
+                  <a:gs pos="0">
+                    <a:srgbClr val="FFFFFF"/>
+                  </a:gs>
+                  <a:gs pos="100000">
+                    <a:srgbClr val="FFFFFF"/>
+                  </a:gs>
+                </a:gsLst>
+                <a:lin ang="5400000" scaled="0"/>
+              </a:gradFill>
+            </a:endParaRPr>
+          </a:p>
+        </p:txBody>
+      </p:sp>
+      <p:sp>
+        <p:nvSpPr>
+          <p:cNvPr id="60" name="Rectangle 59"/>
+          <p:cNvSpPr/>
+          <p:nvPr/>
+        </p:nvSpPr>
+        <p:spPr bwMode="auto">
+          <a:xfrm>
+            <a:off x="6578930" y="4921944"/>
+            <a:ext cx="95002" cy="148441"/>
+          </a:xfrm>
+          <a:prstGeom prst="rect">
+            <a:avLst/>
+          </a:prstGeom>
+          <a:solidFill>
+            <a:schemeClr val="accent2"/>
+          </a:solidFill>
+          <a:ln>
+            <a:noFill/>
+            <a:headEnd type="none" w="med" len="med"/>
+            <a:tailEnd type="none" w="med" len="med"/>
+          </a:ln>
+          <a:effectLst/>
+        </p:spPr>
+        <p:style>
+          <a:lnRef idx="1">
+            <a:schemeClr val="accent2"/>
+          </a:lnRef>
+          <a:fillRef idx="3">
+            <a:schemeClr val="accent2"/>
+          </a:fillRef>
+          <a:effectRef idx="2">
+            <a:schemeClr val="accent2"/>
+          </a:effectRef>
+          <a:fontRef idx="minor">
+            <a:schemeClr val="lt1"/>
+          </a:fontRef>
+        </p:style>
+        <p:txBody>
+          <a:bodyPr vert="horz" wrap="square" lIns="91436" tIns="45718" rIns="91436" bIns="45718" numCol="1" rtlCol="0" anchor="ctr" anchorCtr="0" compatLnSpc="1">
+            <a:prstTxWarp prst="textNoShape">
+              <a:avLst/>
+            </a:prstTxWarp>
+          </a:bodyPr>
+          <a:lstStyle/>
+          <a:p>
+            <a:pPr algn="ctr" defTabSz="914099" fontAlgn="base">
+              <a:spcBef>
+                <a:spcPct val="0"/>
+              </a:spcBef>
+              <a:spcAft>
+                <a:spcPct val="0"/>
+              </a:spcAft>
+            </a:pPr>
+            <a:endParaRPr lang="en-US" sz="2200" dirty="0" smtClean="0">
+              <a:gradFill>
+                <a:gsLst>
+                  <a:gs pos="0">
+                    <a:srgbClr val="FFFFFF"/>
+                  </a:gs>
+                  <a:gs pos="100000">
+                    <a:srgbClr val="FFFFFF"/>
+                  </a:gs>
+                </a:gsLst>
+                <a:lin ang="5400000" scaled="0"/>
+              </a:gradFill>
+            </a:endParaRPr>
+          </a:p>
+        </p:txBody>
+      </p:sp>
+    </p:spTree>
+    <p:extLst>
+      <p:ext uri="{BB962C8B-B14F-4D97-AF65-F5344CB8AC3E}">
+        <p14:creationId xmlns:p14="http://schemas.microsoft.com/office/powerpoint/2010/main" val="2778718171"/>
+      </p:ext>
+    </p:extLst>
+  </p:cSld>
+  <p:clrMapOvr>
+    <a:masterClrMapping/>
+  </p:clrMapOvr>
+  <p:transition>
+    <p:fade/>
+  </p:transition>
+  <p:timing>
+    <p:tnLst>
+      <p:par>
+        <p:cTn id="1" dur="indefinite" restart="never" nodeType="tmRoot"/>
+      </p:par>
+    </p:tnLst>
+  </p:timing>
+</p:sld>
+</file>
+
+<file path=ppt/slides/slide9.xml><?xml version="1.0" encoding="utf-8"?>
+<p:sld xmlns:a="http://schemas.openxmlformats.org/drawingml/2006/main" xmlns:r="http://schemas.openxmlformats.org/officeDocument/2006/relationships" xmlns:p="http://schemas.openxmlformats.org/presentationml/2006/main">
+  <p:cSld>
+    <p:spTree>
+      <p:nvGrpSpPr>
+        <p:cNvPr id="1" name=""/>
+        <p:cNvGrpSpPr/>
+        <p:nvPr/>
+      </p:nvGrpSpPr>
+      <p:grpSpPr>
+        <a:xfrm>
+          <a:off x="0" y="0"/>
+          <a:ext cx="0" cy="0"/>
+          <a:chOff x="0" y="0"/>
+          <a:chExt cx="0" cy="0"/>
+        </a:xfrm>
+      </p:grpSpPr>
+      <p:sp>
+        <p:nvSpPr>
+          <p:cNvPr id="2" name="Title 1"/>
+          <p:cNvSpPr>
+            <a:spLocks noGrp="1"/>
+          </p:cNvSpPr>
+          <p:nvPr>
+            <p:ph type="title"/>
+          </p:nvPr>
+        </p:nvSpPr>
+        <p:spPr/>
+        <p:txBody>
+          <a:bodyPr/>
+          <a:lstStyle/>
+          <a:p>
+            <a:r>
+              <a:rPr lang="en-US" dirty="0" smtClean="0"/>
+              <a:t>Using </a:t>
+            </a:r>
+            <a:r>
+              <a:rPr lang="en-US" dirty="0" err="1" smtClean="0"/>
+              <a:t>TumblingWindow</a:t>
+            </a:r>
+            <a:endParaRPr lang="en-US" dirty="0"/>
+          </a:p>
+        </p:txBody>
+      </p:sp>
+      <p:sp>
+        <p:nvSpPr>
+          <p:cNvPr id="4" name="Rectangle 3"/>
+          <p:cNvSpPr/>
+          <p:nvPr/>
+        </p:nvSpPr>
+        <p:spPr bwMode="auto">
+          <a:xfrm>
+            <a:off x="876001" y="1696129"/>
+            <a:ext cx="10438410" cy="1937720"/>
+          </a:xfrm>
+          <a:prstGeom prst="rect">
+            <a:avLst/>
+          </a:prstGeom>
+          <a:solidFill>
+            <a:schemeClr val="tx1">
+              <a:lumMod val="10000"/>
+              <a:lumOff val="90000"/>
+            </a:schemeClr>
+          </a:solidFill>
+          <a:ln w="38100">
+            <a:solidFill>
+              <a:schemeClr val="tx1">
+                <a:lumMod val="50000"/>
+                <a:lumOff val="50000"/>
+              </a:schemeClr>
+            </a:solidFill>
+            <a:headEnd type="none" w="med" len="med"/>
+            <a:tailEnd type="none" w="med" len="med"/>
+          </a:ln>
+          <a:effectLst/>
+        </p:spPr>
+        <p:style>
+          <a:lnRef idx="1">
+            <a:schemeClr val="accent2"/>
+          </a:lnRef>
+          <a:fillRef idx="3">
+            <a:schemeClr val="accent2"/>
+          </a:fillRef>
+          <a:effectRef idx="2">
+            <a:schemeClr val="accent2"/>
+          </a:effectRef>
+          <a:fontRef idx="minor">
+            <a:schemeClr val="lt1"/>
+          </a:fontRef>
+        </p:style>
+        <p:txBody>
+          <a:bodyPr vert="horz" wrap="square" lIns="91436" tIns="45718" rIns="91436" bIns="45718" numCol="1" rtlCol="0" anchor="ctr" anchorCtr="0" compatLnSpc="1">
+            <a:prstTxWarp prst="textNoShape">
+              <a:avLst/>
+            </a:prstTxWarp>
+          </a:bodyPr>
+          <a:lstStyle/>
+          <a:p>
+            <a:pPr defTabSz="914099" fontAlgn="base">
+              <a:spcBef>
+                <a:spcPct val="0"/>
+              </a:spcBef>
+              <a:spcAft>
+                <a:spcPct val="0"/>
+              </a:spcAft>
+            </a:pPr>
+            <a:r>
+              <a:rPr lang="en-US" sz="2200" dirty="0" smtClean="0">
+                <a:solidFill>
+                  <a:schemeClr val="tx1"/>
+                </a:solidFill>
+                <a:latin typeface="Lucida Console" panose="020B0609040504020204" pitchFamily="49" charset="0"/>
+              </a:rPr>
+              <a:t> SELECT </a:t>
+            </a:r>
+            <a:r>
+              <a:rPr lang="en-US" sz="2200" dirty="0" err="1">
+                <a:solidFill>
+                  <a:schemeClr val="tx1"/>
+                </a:solidFill>
+                <a:latin typeface="Lucida Console" panose="020B0609040504020204" pitchFamily="49" charset="0"/>
+              </a:rPr>
+              <a:t>System.Timestamp</a:t>
+            </a:r>
+            <a:r>
+              <a:rPr lang="en-US" sz="2200" dirty="0">
+                <a:solidFill>
+                  <a:schemeClr val="tx1"/>
+                </a:solidFill>
+                <a:latin typeface="Lucida Console" panose="020B0609040504020204" pitchFamily="49" charset="0"/>
+              </a:rPr>
+              <a:t> as [Window End</a:t>
+            </a:r>
+            <a:r>
+              <a:rPr lang="en-US" sz="2200" dirty="0" smtClean="0">
+                <a:solidFill>
+                  <a:schemeClr val="tx1"/>
+                </a:solidFill>
+                <a:latin typeface="Lucida Console" panose="020B0609040504020204" pitchFamily="49" charset="0"/>
+              </a:rPr>
+              <a:t>],</a:t>
+            </a:r>
+          </a:p>
+          <a:p>
+            <a:pPr defTabSz="914099" fontAlgn="base">
+              <a:spcBef>
+                <a:spcPct val="0"/>
+              </a:spcBef>
+              <a:spcAft>
+                <a:spcPct val="0"/>
+              </a:spcAft>
+            </a:pPr>
+            <a:r>
+              <a:rPr lang="en-US" sz="2200" dirty="0">
+                <a:solidFill>
+                  <a:schemeClr val="tx1"/>
+                </a:solidFill>
+                <a:latin typeface="Lucida Console" panose="020B0609040504020204" pitchFamily="49" charset="0"/>
+              </a:rPr>
+              <a:t> </a:t>
+            </a:r>
+            <a:r>
+              <a:rPr lang="en-US" sz="2200" dirty="0" smtClean="0">
+                <a:solidFill>
+                  <a:schemeClr val="tx1"/>
+                </a:solidFill>
+                <a:latin typeface="Lucida Console" panose="020B0609040504020204" pitchFamily="49" charset="0"/>
+              </a:rPr>
+              <a:t>    COUNT</a:t>
+            </a:r>
+            <a:r>
+              <a:rPr lang="en-US" sz="2200" dirty="0">
+                <a:solidFill>
+                  <a:schemeClr val="tx1"/>
+                </a:solidFill>
+                <a:latin typeface="Lucida Console" panose="020B0609040504020204" pitchFamily="49" charset="0"/>
+              </a:rPr>
+              <a:t>(*) AS Readings</a:t>
+            </a:r>
+          </a:p>
+          <a:p>
+            <a:pPr defTabSz="914099" fontAlgn="base">
+              <a:spcBef>
+                <a:spcPct val="0"/>
+              </a:spcBef>
+              <a:spcAft>
+                <a:spcPct val="0"/>
+              </a:spcAft>
+            </a:pPr>
+            <a:r>
+              <a:rPr lang="en-US" sz="2200" dirty="0" smtClean="0">
+                <a:solidFill>
+                  <a:schemeClr val="tx1"/>
+                </a:solidFill>
+                <a:latin typeface="Lucida Console" panose="020B0609040504020204" pitchFamily="49" charset="0"/>
+              </a:rPr>
+              <a:t> FROM </a:t>
+            </a:r>
+            <a:r>
+              <a:rPr lang="en-US" sz="2200" dirty="0" err="1">
+                <a:solidFill>
+                  <a:schemeClr val="tx1"/>
+                </a:solidFill>
+                <a:latin typeface="Lucida Console" panose="020B0609040504020204" pitchFamily="49" charset="0"/>
+              </a:rPr>
+              <a:t>TemperatureData</a:t>
+            </a:r>
+            <a:r>
+              <a:rPr lang="en-US" sz="2200" dirty="0">
+                <a:solidFill>
+                  <a:schemeClr val="tx1"/>
+                </a:solidFill>
+                <a:latin typeface="Lucida Console" panose="020B0609040504020204" pitchFamily="49" charset="0"/>
+              </a:rPr>
+              <a:t> TIMESTAMP BY Time</a:t>
+            </a:r>
+          </a:p>
+          <a:p>
+            <a:pPr defTabSz="914099" fontAlgn="base">
+              <a:spcBef>
+                <a:spcPct val="0"/>
+              </a:spcBef>
+              <a:spcAft>
+                <a:spcPct val="0"/>
+              </a:spcAft>
+            </a:pPr>
+            <a:r>
+              <a:rPr lang="en-US" sz="2200" dirty="0" smtClean="0">
+                <a:solidFill>
+                  <a:schemeClr val="tx1"/>
+                </a:solidFill>
+                <a:latin typeface="Lucida Console" panose="020B0609040504020204" pitchFamily="49" charset="0"/>
+              </a:rPr>
+              <a:t> </a:t>
+            </a:r>
+            <a:r>
+              <a:rPr lang="en-US" sz="2200" dirty="0" smtClean="0">
+                <a:solidFill>
+                  <a:schemeClr val="accent1"/>
+                </a:solidFill>
+                <a:latin typeface="Lucida Console" panose="020B0609040504020204" pitchFamily="49" charset="0"/>
+              </a:rPr>
+              <a:t>GROUP </a:t>
+            </a:r>
+            <a:r>
+              <a:rPr lang="en-US" sz="2200" dirty="0">
+                <a:solidFill>
+                  <a:schemeClr val="accent1"/>
+                </a:solidFill>
+                <a:latin typeface="Lucida Console" panose="020B0609040504020204" pitchFamily="49" charset="0"/>
+              </a:rPr>
+              <a:t>BY </a:t>
+            </a:r>
+            <a:r>
+              <a:rPr lang="en-US" sz="2200" dirty="0" smtClean="0">
+                <a:solidFill>
+                  <a:schemeClr val="accent1"/>
+                </a:solidFill>
+                <a:latin typeface="Lucida Console" panose="020B0609040504020204" pitchFamily="49" charset="0"/>
+              </a:rPr>
+              <a:t>TUMBLINGWINDOW(s</a:t>
+            </a:r>
+            <a:r>
+              <a:rPr lang="en-US" sz="2200" dirty="0">
+                <a:solidFill>
+                  <a:schemeClr val="accent1"/>
+                </a:solidFill>
+                <a:latin typeface="Lucida Console" panose="020B0609040504020204" pitchFamily="49" charset="0"/>
+              </a:rPr>
+              <a:t>, 5</a:t>
+            </a:r>
+            <a:r>
+              <a:rPr lang="en-US" sz="2200" dirty="0" smtClean="0">
+                <a:solidFill>
+                  <a:schemeClr val="accent1"/>
+                </a:solidFill>
+                <a:latin typeface="Lucida Console" panose="020B0609040504020204" pitchFamily="49" charset="0"/>
+              </a:rPr>
+              <a:t>)</a:t>
+            </a:r>
+            <a:endParaRPr lang="en-US" sz="2200" dirty="0">
+              <a:solidFill>
+                <a:schemeClr val="accent1"/>
+              </a:solidFill>
+              <a:latin typeface="Lucida Console" panose="020B0609040504020204" pitchFamily="49" charset="0"/>
+            </a:endParaRPr>
+          </a:p>
+        </p:txBody>
+      </p:sp>
+      <p:pic>
+        <p:nvPicPr>
+          <p:cNvPr id="3" name="Picture 2"/>
+          <p:cNvPicPr>
+            <a:picLocks noChangeAspect="1"/>
+          </p:cNvPicPr>
+          <p:nvPr/>
+        </p:nvPicPr>
+        <p:blipFill>
+          <a:blip r:embed="rId2"/>
+          <a:stretch>
+            <a:fillRect/>
+          </a:stretch>
+        </p:blipFill>
+        <p:spPr>
+          <a:xfrm>
+            <a:off x="876001" y="4111336"/>
+            <a:ext cx="10438410" cy="1683822"/>
+          </a:xfrm>
+          <a:prstGeom prst="rect">
+            <a:avLst/>
+          </a:prstGeom>
+          <a:ln>
+            <a:solidFill>
+              <a:schemeClr val="tx1">
+                <a:lumMod val="25000"/>
+                <a:lumOff val="75000"/>
+              </a:schemeClr>
+            </a:solidFill>
+          </a:ln>
+        </p:spPr>
+      </p:pic>
+    </p:spTree>
+    <p:extLst>
+      <p:ext uri="{BB962C8B-B14F-4D97-AF65-F5344CB8AC3E}">
+        <p14:creationId xmlns:p14="http://schemas.microsoft.com/office/powerpoint/2010/main" val="3520106061"/>
       </p:ext>
     </p:extLst>
   </p:cSld>

--- a/Content/Stream Analytics/Azure Stream Analytics.pptx
+++ b/Content/Stream Analytics/Azure Stream Analytics.pptx
@@ -13,11 +13,11 @@
     <p:sldId id="292" r:id="rId4"/>
     <p:sldId id="277" r:id="rId5"/>
     <p:sldId id="300" r:id="rId6"/>
-    <p:sldId id="301" r:id="rId7"/>
-    <p:sldId id="291" r:id="rId8"/>
-    <p:sldId id="282" r:id="rId9"/>
-    <p:sldId id="287" r:id="rId10"/>
-    <p:sldId id="271" r:id="rId11"/>
+    <p:sldId id="291" r:id="rId7"/>
+    <p:sldId id="282" r:id="rId8"/>
+    <p:sldId id="287" r:id="rId9"/>
+    <p:sldId id="271" r:id="rId10"/>
+    <p:sldId id="302" r:id="rId11"/>
   </p:sldIdLst>
   <p:sldSz cx="12192000" cy="6858000"/>
   <p:notesSz cx="6858000" cy="9144000"/>
@@ -206,7 +206,7 @@
           <a:p>
             <a:fld id="{2E5CA586-3557-4985-BCD4-35EF5AC8B4A4}" type="datetimeFigureOut">
               <a:rPr lang="en-US" smtClean="0"/>
-              <a:t>10/7/2015</a:t>
+              <a:t>10/8/2015</a:t>
             </a:fld>
             <a:endParaRPr lang="en-US"/>
           </a:p>
@@ -11364,83 +11364,10 @@
           <a:chExt cx="0" cy="0"/>
         </a:xfrm>
       </p:grpSpPr>
-      <p:sp>
-        <p:nvSpPr>
-          <p:cNvPr id="2" name="Title 1"/>
-          <p:cNvSpPr>
-            <a:spLocks noGrp="1"/>
-          </p:cNvSpPr>
-          <p:nvPr>
-            <p:ph type="ctrTitle"/>
-          </p:nvPr>
-        </p:nvSpPr>
-        <p:spPr/>
-        <p:txBody>
-          <a:bodyPr/>
-          <a:lstStyle/>
-          <a:p>
-            <a:r>
-              <a:rPr lang="en-US" dirty="0" smtClean="0"/>
-              <a:t>Hands-On Lab</a:t>
-            </a:r>
-            <a:endParaRPr lang="en-US" dirty="0"/>
-          </a:p>
-        </p:txBody>
-      </p:sp>
-      <p:sp>
-        <p:nvSpPr>
-          <p:cNvPr id="3" name="Subtitle 2"/>
-          <p:cNvSpPr>
-            <a:spLocks noGrp="1"/>
-          </p:cNvSpPr>
-          <p:nvPr>
-            <p:ph type="subTitle" idx="1"/>
-          </p:nvPr>
-        </p:nvSpPr>
-        <p:spPr/>
-        <p:txBody>
-          <a:bodyPr/>
-          <a:lstStyle/>
-          <a:p>
-            <a:r>
-              <a:rPr lang="en-US" dirty="0" smtClean="0"/>
-              <a:t>StreamAnalyticsHOL.pdf</a:t>
-            </a:r>
-            <a:endParaRPr lang="en-US" dirty="0"/>
-          </a:p>
-        </p:txBody>
-      </p:sp>
-      <p:sp>
-        <p:nvSpPr>
-          <p:cNvPr id="4" name="Text Placeholder 3"/>
-          <p:cNvSpPr>
-            <a:spLocks noGrp="1"/>
-          </p:cNvSpPr>
-          <p:nvPr>
-            <p:ph type="body" sz="quarter" idx="10"/>
-          </p:nvPr>
-        </p:nvSpPr>
-        <p:spPr/>
-        <p:txBody>
-          <a:bodyPr/>
-          <a:lstStyle/>
-          <a:p>
-            <a:r>
-              <a:rPr lang="en-US" dirty="0" err="1" smtClean="0"/>
-              <a:t>IoT</a:t>
-            </a:r>
-            <a:r>
-              <a:rPr lang="en-US" dirty="0" smtClean="0"/>
-              <a:t> and Azure Stream Analytics</a:t>
-            </a:r>
-            <a:endParaRPr lang="en-US" dirty="0"/>
-          </a:p>
-        </p:txBody>
-      </p:sp>
     </p:spTree>
     <p:extLst>
       <p:ext uri="{BB962C8B-B14F-4D97-AF65-F5344CB8AC3E}">
-        <p14:creationId xmlns:p14="http://schemas.microsoft.com/office/powerpoint/2010/main" val="1225957095"/>
+        <p14:creationId xmlns:p14="http://schemas.microsoft.com/office/powerpoint/2010/main" val="1505619280"/>
       </p:ext>
     </p:extLst>
   </p:cSld>
@@ -11450,13 +11377,6 @@
   <p:transition>
     <p:fade/>
   </p:transition>
-  <p:timing>
-    <p:tnLst>
-      <p:par>
-        <p:cTn id="1" dur="indefinite" restart="never" nodeType="tmRoot"/>
-      </p:par>
-    </p:tnLst>
-  </p:timing>
 </p:sld>
 </file>
 
@@ -11905,7 +11825,7 @@
           <a:p>
             <a:r>
               <a:rPr lang="en-US" dirty="0" smtClean="0"/>
-              <a:t>Selecting Data from an Input</a:t>
+              <a:t>Selecting From a Data Stream</a:t>
             </a:r>
             <a:endParaRPr lang="en-US" dirty="0"/>
           </a:p>
@@ -12138,366 +12058,6 @@
             <p:ph type="title"/>
           </p:nvPr>
         </p:nvSpPr>
-        <p:spPr/>
-        <p:txBody>
-          <a:bodyPr/>
-          <a:lstStyle/>
-          <a:p>
-            <a:r>
-              <a:rPr lang="en-US" dirty="0" smtClean="0"/>
-              <a:t>Joining Two Inputs</a:t>
-            </a:r>
-            <a:endParaRPr lang="en-US" dirty="0"/>
-          </a:p>
-        </p:txBody>
-      </p:sp>
-      <p:sp>
-        <p:nvSpPr>
-          <p:cNvPr id="4" name="Rectangle 3"/>
-          <p:cNvSpPr/>
-          <p:nvPr/>
-        </p:nvSpPr>
-        <p:spPr bwMode="auto">
-          <a:xfrm>
-            <a:off x="876001" y="1696127"/>
-            <a:ext cx="10438410" cy="2662117"/>
-          </a:xfrm>
-          <a:prstGeom prst="rect">
-            <a:avLst/>
-          </a:prstGeom>
-          <a:solidFill>
-            <a:schemeClr val="tx1">
-              <a:lumMod val="10000"/>
-              <a:lumOff val="90000"/>
-            </a:schemeClr>
-          </a:solidFill>
-          <a:ln w="38100">
-            <a:solidFill>
-              <a:schemeClr val="tx1">
-                <a:lumMod val="50000"/>
-                <a:lumOff val="50000"/>
-              </a:schemeClr>
-            </a:solidFill>
-            <a:headEnd type="none" w="med" len="med"/>
-            <a:tailEnd type="none" w="med" len="med"/>
-          </a:ln>
-          <a:effectLst/>
-        </p:spPr>
-        <p:style>
-          <a:lnRef idx="1">
-            <a:schemeClr val="accent2"/>
-          </a:lnRef>
-          <a:fillRef idx="3">
-            <a:schemeClr val="accent2"/>
-          </a:fillRef>
-          <a:effectRef idx="2">
-            <a:schemeClr val="accent2"/>
-          </a:effectRef>
-          <a:fontRef idx="minor">
-            <a:schemeClr val="lt1"/>
-          </a:fontRef>
-        </p:style>
-        <p:txBody>
-          <a:bodyPr vert="horz" wrap="square" lIns="91436" tIns="45718" rIns="91436" bIns="45718" numCol="1" rtlCol="0" anchor="ctr" anchorCtr="0" compatLnSpc="1">
-            <a:prstTxWarp prst="textNoShape">
-              <a:avLst/>
-            </a:prstTxWarp>
-          </a:bodyPr>
-          <a:lstStyle/>
-          <a:p>
-            <a:pPr defTabSz="914099" fontAlgn="base">
-              <a:spcBef>
-                <a:spcPct val="0"/>
-              </a:spcBef>
-              <a:spcAft>
-                <a:spcPct val="0"/>
-              </a:spcAft>
-            </a:pPr>
-            <a:r>
-              <a:rPr lang="en-US" sz="2200" dirty="0">
-                <a:solidFill>
-                  <a:schemeClr val="tx1"/>
-                </a:solidFill>
-                <a:latin typeface="Lucida Console" panose="020B0609040504020204" pitchFamily="49" charset="0"/>
-              </a:rPr>
-              <a:t> SELECT </a:t>
-            </a:r>
-            <a:r>
-              <a:rPr lang="en-US" sz="2200" dirty="0" smtClean="0">
-                <a:solidFill>
-                  <a:schemeClr val="tx1"/>
-                </a:solidFill>
-                <a:latin typeface="Lucida Console" panose="020B0609040504020204" pitchFamily="49" charset="0"/>
-              </a:rPr>
-              <a:t>S1.Time, S1.ID</a:t>
-            </a:r>
-            <a:r>
-              <a:rPr lang="en-US" sz="2200" dirty="0">
-                <a:solidFill>
-                  <a:schemeClr val="tx1"/>
-                </a:solidFill>
-                <a:latin typeface="Lucida Console" panose="020B0609040504020204" pitchFamily="49" charset="0"/>
-              </a:rPr>
-              <a:t>, S1.Temperature, S2.Voltage</a:t>
-            </a:r>
-          </a:p>
-          <a:p>
-            <a:pPr defTabSz="914099" fontAlgn="base">
-              <a:spcBef>
-                <a:spcPct val="0"/>
-              </a:spcBef>
-              <a:spcAft>
-                <a:spcPct val="0"/>
-              </a:spcAft>
-            </a:pPr>
-            <a:r>
-              <a:rPr lang="en-US" sz="2200" dirty="0" smtClean="0">
-                <a:solidFill>
-                  <a:schemeClr val="tx1"/>
-                </a:solidFill>
-                <a:latin typeface="Lucida Console" panose="020B0609040504020204" pitchFamily="49" charset="0"/>
-              </a:rPr>
-              <a:t> FROM </a:t>
-            </a:r>
-            <a:r>
-              <a:rPr lang="en-US" sz="2200" dirty="0" err="1">
-                <a:solidFill>
-                  <a:schemeClr val="tx1"/>
-                </a:solidFill>
-                <a:latin typeface="Lucida Console" panose="020B0609040504020204" pitchFamily="49" charset="0"/>
-              </a:rPr>
-              <a:t>TemperatureData</a:t>
-            </a:r>
-            <a:r>
-              <a:rPr lang="en-US" sz="2200" dirty="0">
-                <a:solidFill>
-                  <a:schemeClr val="tx1"/>
-                </a:solidFill>
-                <a:latin typeface="Lucida Console" panose="020B0609040504020204" pitchFamily="49" charset="0"/>
-              </a:rPr>
-              <a:t> S1</a:t>
-            </a:r>
-          </a:p>
-          <a:p>
-            <a:pPr defTabSz="914099" fontAlgn="base">
-              <a:spcBef>
-                <a:spcPct val="0"/>
-              </a:spcBef>
-              <a:spcAft>
-                <a:spcPct val="0"/>
-              </a:spcAft>
-            </a:pPr>
-            <a:r>
-              <a:rPr lang="en-US" sz="2200" dirty="0" smtClean="0">
-                <a:solidFill>
-                  <a:schemeClr val="tx1"/>
-                </a:solidFill>
-                <a:latin typeface="Lucida Console" panose="020B0609040504020204" pitchFamily="49" charset="0"/>
-              </a:rPr>
-              <a:t> JOIN </a:t>
-            </a:r>
-            <a:r>
-              <a:rPr lang="en-US" sz="2200" dirty="0" err="1">
-                <a:solidFill>
-                  <a:schemeClr val="tx1"/>
-                </a:solidFill>
-                <a:latin typeface="Lucida Console" panose="020B0609040504020204" pitchFamily="49" charset="0"/>
-              </a:rPr>
-              <a:t>VoltageData</a:t>
-            </a:r>
-            <a:r>
-              <a:rPr lang="en-US" sz="2200" dirty="0">
-                <a:solidFill>
-                  <a:schemeClr val="tx1"/>
-                </a:solidFill>
-                <a:latin typeface="Lucida Console" panose="020B0609040504020204" pitchFamily="49" charset="0"/>
-              </a:rPr>
-              <a:t> S2</a:t>
-            </a:r>
-          </a:p>
-          <a:p>
-            <a:pPr defTabSz="914099" fontAlgn="base">
-              <a:spcBef>
-                <a:spcPct val="0"/>
-              </a:spcBef>
-              <a:spcAft>
-                <a:spcPct val="0"/>
-              </a:spcAft>
-            </a:pPr>
-            <a:r>
-              <a:rPr lang="en-US" sz="2200" dirty="0" smtClean="0">
-                <a:solidFill>
-                  <a:schemeClr val="tx1"/>
-                </a:solidFill>
-                <a:latin typeface="Lucida Console" panose="020B0609040504020204" pitchFamily="49" charset="0"/>
-              </a:rPr>
-              <a:t> ON </a:t>
-            </a:r>
-            <a:r>
-              <a:rPr lang="en-US" sz="2200" dirty="0">
-                <a:solidFill>
-                  <a:schemeClr val="tx1"/>
-                </a:solidFill>
-                <a:latin typeface="Lucida Console" panose="020B0609040504020204" pitchFamily="49" charset="0"/>
-              </a:rPr>
-              <a:t>S1.ID = S2.ID</a:t>
-            </a:r>
-          </a:p>
-          <a:p>
-            <a:pPr defTabSz="914099" fontAlgn="base">
-              <a:spcBef>
-                <a:spcPct val="0"/>
-              </a:spcBef>
-              <a:spcAft>
-                <a:spcPct val="0"/>
-              </a:spcAft>
-            </a:pPr>
-            <a:r>
-              <a:rPr lang="en-US" sz="2200" dirty="0" smtClean="0">
-                <a:solidFill>
-                  <a:schemeClr val="tx1"/>
-                </a:solidFill>
-                <a:latin typeface="Lucida Console" panose="020B0609040504020204" pitchFamily="49" charset="0"/>
-              </a:rPr>
-              <a:t> AND </a:t>
-            </a:r>
-            <a:r>
-              <a:rPr lang="en-US" sz="2200" dirty="0">
-                <a:solidFill>
-                  <a:schemeClr val="tx1"/>
-                </a:solidFill>
-                <a:latin typeface="Lucida Console" panose="020B0609040504020204" pitchFamily="49" charset="0"/>
-              </a:rPr>
-              <a:t>DATEDIFF(s, s1, s2) BETWEEN 0 AND </a:t>
-            </a:r>
-            <a:r>
-              <a:rPr lang="en-US" sz="2200" dirty="0" smtClean="0">
-                <a:solidFill>
-                  <a:schemeClr val="tx1"/>
-                </a:solidFill>
-                <a:latin typeface="Lucida Console" panose="020B0609040504020204" pitchFamily="49" charset="0"/>
-              </a:rPr>
-              <a:t>5</a:t>
-            </a:r>
-          </a:p>
-          <a:p>
-            <a:pPr defTabSz="914099" fontAlgn="base">
-              <a:spcBef>
-                <a:spcPct val="0"/>
-              </a:spcBef>
-              <a:spcAft>
-                <a:spcPct val="0"/>
-              </a:spcAft>
-            </a:pPr>
-            <a:r>
-              <a:rPr lang="en-US" sz="2200" dirty="0">
-                <a:solidFill>
-                  <a:schemeClr val="tx1"/>
-                </a:solidFill>
-                <a:latin typeface="Lucida Console" panose="020B0609040504020204" pitchFamily="49" charset="0"/>
-              </a:rPr>
-              <a:t> </a:t>
-            </a:r>
-            <a:r>
-              <a:rPr lang="en-US" sz="2200" dirty="0" smtClean="0">
-                <a:solidFill>
-                  <a:schemeClr val="tx1"/>
-                </a:solidFill>
-                <a:latin typeface="Lucida Console" panose="020B0609040504020204" pitchFamily="49" charset="0"/>
-              </a:rPr>
-              <a:t>WHERE S1.Temperature &gt; 150 OR S2.Voltage &gt; 32</a:t>
-            </a:r>
-            <a:endParaRPr lang="en-US" sz="2200" dirty="0">
-              <a:solidFill>
-                <a:schemeClr val="tx1"/>
-              </a:solidFill>
-              <a:latin typeface="Lucida Console" panose="020B0609040504020204" pitchFamily="49" charset="0"/>
-            </a:endParaRPr>
-          </a:p>
-        </p:txBody>
-      </p:sp>
-      <p:pic>
-        <p:nvPicPr>
-          <p:cNvPr id="3" name="Picture 2"/>
-          <p:cNvPicPr>
-            <a:picLocks noChangeAspect="1"/>
-          </p:cNvPicPr>
-          <p:nvPr/>
-        </p:nvPicPr>
-        <p:blipFill>
-          <a:blip r:embed="rId2"/>
-          <a:stretch>
-            <a:fillRect/>
-          </a:stretch>
-        </p:blipFill>
-        <p:spPr>
-          <a:xfrm>
-            <a:off x="876001" y="4726874"/>
-            <a:ext cx="10474672" cy="1246414"/>
-          </a:xfrm>
-          <a:prstGeom prst="rect">
-            <a:avLst/>
-          </a:prstGeom>
-          <a:ln>
-            <a:solidFill>
-              <a:schemeClr val="tx1">
-                <a:lumMod val="25000"/>
-                <a:lumOff val="75000"/>
-              </a:schemeClr>
-            </a:solidFill>
-          </a:ln>
-        </p:spPr>
-      </p:pic>
-    </p:spTree>
-    <p:extLst>
-      <p:ext uri="{BB962C8B-B14F-4D97-AF65-F5344CB8AC3E}">
-        <p14:creationId xmlns:p14="http://schemas.microsoft.com/office/powerpoint/2010/main" val="3214649679"/>
-      </p:ext>
-    </p:extLst>
-  </p:cSld>
-  <p:clrMapOvr>
-    <a:masterClrMapping/>
-  </p:clrMapOvr>
-  <p:transition>
-    <p:fade/>
-  </p:transition>
-  <p:timing>
-    <p:tnLst>
-      <p:par>
-        <p:cTn id="1" dur="indefinite" restart="never" nodeType="tmRoot"/>
-      </p:par>
-    </p:tnLst>
-  </p:timing>
-</p:sld>
-</file>
-
-<file path=ppt/slides/slide7.xml><?xml version="1.0" encoding="utf-8"?>
-<p:sld xmlns:a="http://schemas.openxmlformats.org/drawingml/2006/main" xmlns:r="http://schemas.openxmlformats.org/officeDocument/2006/relationships" xmlns:p="http://schemas.openxmlformats.org/presentationml/2006/main">
-  <p:cSld>
-    <p:spTree>
-      <p:nvGrpSpPr>
-        <p:cNvPr id="1" name=""/>
-        <p:cNvGrpSpPr/>
-        <p:nvPr/>
-      </p:nvGrpSpPr>
-      <p:grpSpPr>
-        <a:xfrm>
-          <a:off x="0" y="0"/>
-          <a:ext cx="0" cy="0"/>
-          <a:chOff x="0" y="0"/>
-          <a:chExt cx="0" cy="0"/>
-        </a:xfrm>
-      </p:grpSpPr>
-      <p:sp>
-        <p:nvSpPr>
-          <p:cNvPr id="2" name="Title 1"/>
-          <p:cNvSpPr>
-            <a:spLocks noGrp="1"/>
-          </p:cNvSpPr>
-          <p:nvPr>
-            <p:ph type="title"/>
-          </p:nvPr>
-        </p:nvSpPr>
         <p:spPr>
           <a:xfrm>
             <a:off x="519249" y="228603"/>
@@ -12510,7 +12070,7 @@
           <a:p>
             <a:r>
               <a:rPr lang="en-US" dirty="0" smtClean="0"/>
-              <a:t>Replacing Arrival Time with Event Time</a:t>
+              <a:t>Combining Two Data Streams</a:t>
             </a:r>
             <a:endParaRPr lang="en-US" dirty="0"/>
           </a:p>
@@ -12622,32 +12182,8 @@
                 </a:solidFill>
                 <a:latin typeface="Lucida Console" panose="020B0609040504020204" pitchFamily="49" charset="0"/>
               </a:rPr>
-              <a:t> </a:t>
-            </a:r>
-            <a:r>
-              <a:rPr lang="en-US" sz="2200" dirty="0" smtClean="0">
-                <a:solidFill>
-                  <a:schemeClr val="tx1"/>
-                </a:solidFill>
-                <a:latin typeface="Lucida Console" panose="020B0609040504020204" pitchFamily="49" charset="0"/>
-              </a:rPr>
-              <a:t>S1 </a:t>
-            </a:r>
-            <a:r>
-              <a:rPr lang="en-US" sz="2200" dirty="0" smtClean="0">
-                <a:solidFill>
-                  <a:schemeClr val="accent1"/>
-                </a:solidFill>
-                <a:latin typeface="Lucida Console" panose="020B0609040504020204" pitchFamily="49" charset="0"/>
-              </a:rPr>
-              <a:t>TIMESTAMP BY Time</a:t>
-            </a:r>
-            <a:endParaRPr lang="en-US" sz="2200" dirty="0">
-              <a:solidFill>
-                <a:schemeClr val="accent1"/>
-              </a:solidFill>
-              <a:latin typeface="Lucida Console" panose="020B0609040504020204" pitchFamily="49" charset="0"/>
-            </a:endParaRPr>
+              <a:t> S1 TIMESTAMP BY Time</a:t>
+            </a:r>
           </a:p>
           <a:p>
             <a:pPr defTabSz="914099" fontAlgn="base">
@@ -12659,7 +12195,7 @@
               </a:spcAft>
             </a:pPr>
             <a:r>
-              <a:rPr lang="en-US" sz="2200" dirty="0" smtClean="0">
+              <a:rPr lang="en-US" sz="2200" dirty="0">
                 <a:solidFill>
                   <a:schemeClr val="tx1"/>
                 </a:solidFill>
@@ -12683,32 +12219,8 @@
                 </a:solidFill>
                 <a:latin typeface="Lucida Console" panose="020B0609040504020204" pitchFamily="49" charset="0"/>
               </a:rPr>
-              <a:t> </a:t>
-            </a:r>
-            <a:r>
-              <a:rPr lang="en-US" sz="2200" dirty="0" smtClean="0">
-                <a:solidFill>
-                  <a:schemeClr val="tx1"/>
-                </a:solidFill>
-                <a:latin typeface="Lucida Console" panose="020B0609040504020204" pitchFamily="49" charset="0"/>
-              </a:rPr>
-              <a:t>S2 </a:t>
-            </a:r>
-            <a:r>
-              <a:rPr lang="en-US" sz="2200" dirty="0" smtClean="0">
-                <a:solidFill>
-                  <a:schemeClr val="accent1"/>
-                </a:solidFill>
-                <a:latin typeface="Lucida Console" panose="020B0609040504020204" pitchFamily="49" charset="0"/>
-              </a:rPr>
-              <a:t>TIMESTAMP BY Time</a:t>
-            </a:r>
-            <a:endParaRPr lang="en-US" sz="2200" dirty="0">
-              <a:solidFill>
-                <a:schemeClr val="accent1"/>
-              </a:solidFill>
-              <a:latin typeface="Lucida Console" panose="020B0609040504020204" pitchFamily="49" charset="0"/>
-            </a:endParaRPr>
+              <a:t> S2 TIMESTAMP BY Time</a:t>
+            </a:r>
           </a:p>
           <a:p>
             <a:pPr defTabSz="914099" fontAlgn="base">
@@ -12875,7 +12387,7 @@
 </p:sld>
 </file>
 
-<file path=ppt/slides/slide8.xml><?xml version="1.0" encoding="utf-8"?>
+<file path=ppt/slides/slide7.xml><?xml version="1.0" encoding="utf-8"?>
 <p:sld xmlns:a="http://schemas.openxmlformats.org/drawingml/2006/main" xmlns:r="http://schemas.openxmlformats.org/officeDocument/2006/relationships" xmlns:p="http://schemas.openxmlformats.org/presentationml/2006/main">
   <p:cSld>
     <p:spTree>
@@ -15929,7 +15441,7 @@
 </p:sld>
 </file>
 
-<file path=ppt/slides/slide9.xml><?xml version="1.0" encoding="utf-8"?>
+<file path=ppt/slides/slide8.xml><?xml version="1.0" encoding="utf-8"?>
 <p:sld xmlns:a="http://schemas.openxmlformats.org/drawingml/2006/main" xmlns:r="http://schemas.openxmlformats.org/officeDocument/2006/relationships" xmlns:p="http://schemas.openxmlformats.org/presentationml/2006/main">
   <p:cSld>
     <p:spTree>
@@ -16254,6 +15766,119 @@
     <p:extLst>
       <p:ext uri="{BB962C8B-B14F-4D97-AF65-F5344CB8AC3E}">
         <p14:creationId xmlns:p14="http://schemas.microsoft.com/office/powerpoint/2010/main" val="3520106061"/>
+      </p:ext>
+    </p:extLst>
+  </p:cSld>
+  <p:clrMapOvr>
+    <a:masterClrMapping/>
+  </p:clrMapOvr>
+  <p:transition>
+    <p:fade/>
+  </p:transition>
+  <p:timing>
+    <p:tnLst>
+      <p:par>
+        <p:cTn id="1" dur="indefinite" restart="never" nodeType="tmRoot"/>
+      </p:par>
+    </p:tnLst>
+  </p:timing>
+</p:sld>
+</file>
+
+<file path=ppt/slides/slide9.xml><?xml version="1.0" encoding="utf-8"?>
+<p:sld xmlns:a="http://schemas.openxmlformats.org/drawingml/2006/main" xmlns:r="http://schemas.openxmlformats.org/officeDocument/2006/relationships" xmlns:p="http://schemas.openxmlformats.org/presentationml/2006/main">
+  <p:cSld>
+    <p:spTree>
+      <p:nvGrpSpPr>
+        <p:cNvPr id="1" name=""/>
+        <p:cNvGrpSpPr/>
+        <p:nvPr/>
+      </p:nvGrpSpPr>
+      <p:grpSpPr>
+        <a:xfrm>
+          <a:off x="0" y="0"/>
+          <a:ext cx="0" cy="0"/>
+          <a:chOff x="0" y="0"/>
+          <a:chExt cx="0" cy="0"/>
+        </a:xfrm>
+      </p:grpSpPr>
+      <p:sp>
+        <p:nvSpPr>
+          <p:cNvPr id="2" name="Title 1"/>
+          <p:cNvSpPr>
+            <a:spLocks noGrp="1"/>
+          </p:cNvSpPr>
+          <p:nvPr>
+            <p:ph type="ctrTitle"/>
+          </p:nvPr>
+        </p:nvSpPr>
+        <p:spPr/>
+        <p:txBody>
+          <a:bodyPr/>
+          <a:lstStyle/>
+          <a:p>
+            <a:r>
+              <a:rPr lang="en-US" dirty="0" smtClean="0"/>
+              <a:t>Hands-On Lab</a:t>
+            </a:r>
+            <a:endParaRPr lang="en-US" dirty="0"/>
+          </a:p>
+        </p:txBody>
+      </p:sp>
+      <p:sp>
+        <p:nvSpPr>
+          <p:cNvPr id="3" name="Subtitle 2"/>
+          <p:cNvSpPr>
+            <a:spLocks noGrp="1"/>
+          </p:cNvSpPr>
+          <p:nvPr>
+            <p:ph type="subTitle" idx="1"/>
+          </p:nvPr>
+        </p:nvSpPr>
+        <p:spPr/>
+        <p:txBody>
+          <a:bodyPr/>
+          <a:lstStyle/>
+          <a:p>
+            <a:r>
+              <a:rPr lang="en-US" dirty="0" smtClean="0"/>
+              <a:t>StreamAnalyticsHOL.pdf</a:t>
+            </a:r>
+            <a:endParaRPr lang="en-US" dirty="0"/>
+          </a:p>
+        </p:txBody>
+      </p:sp>
+      <p:sp>
+        <p:nvSpPr>
+          <p:cNvPr id="4" name="Text Placeholder 3"/>
+          <p:cNvSpPr>
+            <a:spLocks noGrp="1"/>
+          </p:cNvSpPr>
+          <p:nvPr>
+            <p:ph type="body" sz="quarter" idx="10"/>
+          </p:nvPr>
+        </p:nvSpPr>
+        <p:spPr/>
+        <p:txBody>
+          <a:bodyPr/>
+          <a:lstStyle/>
+          <a:p>
+            <a:r>
+              <a:rPr lang="en-US" dirty="0" err="1" smtClean="0"/>
+              <a:t>IoT</a:t>
+            </a:r>
+            <a:r>
+              <a:rPr lang="en-US" dirty="0" smtClean="0"/>
+              <a:t> and Azure Stream Analytics</a:t>
+            </a:r>
+            <a:endParaRPr lang="en-US" dirty="0"/>
+          </a:p>
+        </p:txBody>
+      </p:sp>
+    </p:spTree>
+    <p:extLst>
+      <p:ext uri="{BB962C8B-B14F-4D97-AF65-F5344CB8AC3E}">
+        <p14:creationId xmlns:p14="http://schemas.microsoft.com/office/powerpoint/2010/main" val="1225957095"/>
       </p:ext>
     </p:extLst>
   </p:cSld>

--- a/Content/Stream Analytics/Azure Stream Analytics.pptx
+++ b/Content/Stream Analytics/Azure Stream Analytics.pptx
@@ -9,13 +9,13 @@
   </p:notesMasterIdLst>
   <p:sldIdLst>
     <p:sldId id="256" r:id="rId2"/>
-    <p:sldId id="257" r:id="rId3"/>
+    <p:sldId id="307" r:id="rId3"/>
     <p:sldId id="292" r:id="rId4"/>
-    <p:sldId id="277" r:id="rId5"/>
-    <p:sldId id="300" r:id="rId6"/>
-    <p:sldId id="291" r:id="rId7"/>
-    <p:sldId id="282" r:id="rId8"/>
-    <p:sldId id="287" r:id="rId9"/>
+    <p:sldId id="303" r:id="rId5"/>
+    <p:sldId id="291" r:id="rId6"/>
+    <p:sldId id="282" r:id="rId7"/>
+    <p:sldId id="304" r:id="rId8"/>
+    <p:sldId id="305" r:id="rId9"/>
     <p:sldId id="271" r:id="rId10"/>
     <p:sldId id="302" r:id="rId11"/>
   </p:sldIdLst>
@@ -206,7 +206,7 @@
           <a:p>
             <a:fld id="{2E5CA586-3557-4985-BCD4-35EF5AC8B4A4}" type="datetimeFigureOut">
               <a:rPr lang="en-US" smtClean="0"/>
-              <a:t>10/8/2015</a:t>
+              <a:t>10/12/2015</a:t>
             </a:fld>
             <a:endParaRPr lang="en-US"/>
           </a:p>
@@ -472,6 +472,487 @@
     </a:lvl9pPr>
   </p:notesStyle>
 </p:notesMaster>
+</file>
+
+<file path=ppt/notesSlides/notesSlide1.xml><?xml version="1.0" encoding="utf-8"?>
+<p:notes xmlns:a="http://schemas.openxmlformats.org/drawingml/2006/main" xmlns:r="http://schemas.openxmlformats.org/officeDocument/2006/relationships" xmlns:p="http://schemas.openxmlformats.org/presentationml/2006/main">
+  <p:cSld>
+    <p:spTree>
+      <p:nvGrpSpPr>
+        <p:cNvPr id="1" name=""/>
+        <p:cNvGrpSpPr/>
+        <p:nvPr/>
+      </p:nvGrpSpPr>
+      <p:grpSpPr>
+        <a:xfrm>
+          <a:off x="0" y="0"/>
+          <a:ext cx="0" cy="0"/>
+          <a:chOff x="0" y="0"/>
+          <a:chExt cx="0" cy="0"/>
+        </a:xfrm>
+      </p:grpSpPr>
+      <p:sp>
+        <p:nvSpPr>
+          <p:cNvPr id="2" name="Slide Image Placeholder 1"/>
+          <p:cNvSpPr>
+            <a:spLocks noGrp="1" noRot="1" noChangeAspect="1"/>
+          </p:cNvSpPr>
+          <p:nvPr>
+            <p:ph type="sldImg"/>
+          </p:nvPr>
+        </p:nvSpPr>
+        <p:spPr/>
+      </p:sp>
+      <p:sp>
+        <p:nvSpPr>
+          <p:cNvPr id="3" name="Notes Placeholder 2"/>
+          <p:cNvSpPr>
+            <a:spLocks noGrp="1"/>
+          </p:cNvSpPr>
+          <p:nvPr>
+            <p:ph type="body" idx="1"/>
+          </p:nvPr>
+        </p:nvSpPr>
+        <p:spPr/>
+        <p:txBody>
+          <a:bodyPr/>
+          <a:lstStyle/>
+          <a:p>
+            <a:endParaRPr lang="en-US" dirty="0"/>
+          </a:p>
+        </p:txBody>
+      </p:sp>
+      <p:sp>
+        <p:nvSpPr>
+          <p:cNvPr id="4" name="Slide Number Placeholder 3"/>
+          <p:cNvSpPr>
+            <a:spLocks noGrp="1"/>
+          </p:cNvSpPr>
+          <p:nvPr>
+            <p:ph type="sldNum" sz="quarter" idx="10"/>
+          </p:nvPr>
+        </p:nvSpPr>
+        <p:spPr/>
+        <p:txBody>
+          <a:bodyPr/>
+          <a:lstStyle/>
+          <a:p>
+            <a:fld id="{BC60BE34-BC89-4C98-A56B-79B7A098D024}" type="slidenum">
+              <a:rPr lang="en-US" smtClean="0"/>
+              <a:t>2</a:t>
+            </a:fld>
+            <a:endParaRPr lang="en-US"/>
+          </a:p>
+        </p:txBody>
+      </p:sp>
+    </p:spTree>
+    <p:extLst>
+      <p:ext uri="{BB962C8B-B14F-4D97-AF65-F5344CB8AC3E}">
+        <p14:creationId xmlns:p14="http://schemas.microsoft.com/office/powerpoint/2010/main" val="2334573381"/>
+      </p:ext>
+    </p:extLst>
+  </p:cSld>
+  <p:clrMapOvr>
+    <a:masterClrMapping/>
+  </p:clrMapOvr>
+</p:notes>
+</file>
+
+<file path=ppt/notesSlides/notesSlide2.xml><?xml version="1.0" encoding="utf-8"?>
+<p:notes xmlns:a="http://schemas.openxmlformats.org/drawingml/2006/main" xmlns:r="http://schemas.openxmlformats.org/officeDocument/2006/relationships" xmlns:p="http://schemas.openxmlformats.org/presentationml/2006/main">
+  <p:cSld>
+    <p:spTree>
+      <p:nvGrpSpPr>
+        <p:cNvPr id="1" name=""/>
+        <p:cNvGrpSpPr/>
+        <p:nvPr/>
+      </p:nvGrpSpPr>
+      <p:grpSpPr>
+        <a:xfrm>
+          <a:off x="0" y="0"/>
+          <a:ext cx="0" cy="0"/>
+          <a:chOff x="0" y="0"/>
+          <a:chExt cx="0" cy="0"/>
+        </a:xfrm>
+      </p:grpSpPr>
+      <p:sp>
+        <p:nvSpPr>
+          <p:cNvPr id="2" name="Slide Image Placeholder 1"/>
+          <p:cNvSpPr>
+            <a:spLocks noGrp="1" noRot="1" noChangeAspect="1"/>
+          </p:cNvSpPr>
+          <p:nvPr>
+            <p:ph type="sldImg"/>
+          </p:nvPr>
+        </p:nvSpPr>
+        <p:spPr/>
+      </p:sp>
+      <p:sp>
+        <p:nvSpPr>
+          <p:cNvPr id="3" name="Notes Placeholder 2"/>
+          <p:cNvSpPr>
+            <a:spLocks noGrp="1"/>
+          </p:cNvSpPr>
+          <p:nvPr>
+            <p:ph type="body" idx="1"/>
+          </p:nvPr>
+        </p:nvSpPr>
+        <p:spPr/>
+        <p:txBody>
+          <a:bodyPr/>
+          <a:lstStyle/>
+          <a:p>
+            <a:r>
+              <a:rPr lang="en-US" dirty="0" smtClean="0"/>
+              <a:t>This query lists</a:t>
+            </a:r>
+            <a:r>
+              <a:rPr lang="en-US" baseline="0" dirty="0" smtClean="0"/>
+              <a:t> the license plate numbers of all Honda cars with NJ license plates that have entered a toll booth.</a:t>
+            </a:r>
+            <a:endParaRPr lang="en-US" dirty="0"/>
+          </a:p>
+        </p:txBody>
+      </p:sp>
+      <p:sp>
+        <p:nvSpPr>
+          <p:cNvPr id="4" name="Slide Number Placeholder 3"/>
+          <p:cNvSpPr>
+            <a:spLocks noGrp="1"/>
+          </p:cNvSpPr>
+          <p:nvPr>
+            <p:ph type="sldNum" sz="quarter" idx="10"/>
+          </p:nvPr>
+        </p:nvSpPr>
+        <p:spPr/>
+        <p:txBody>
+          <a:bodyPr/>
+          <a:lstStyle/>
+          <a:p>
+            <a:fld id="{BC60BE34-BC89-4C98-A56B-79B7A098D024}" type="slidenum">
+              <a:rPr lang="en-US" smtClean="0"/>
+              <a:t>4</a:t>
+            </a:fld>
+            <a:endParaRPr lang="en-US"/>
+          </a:p>
+        </p:txBody>
+      </p:sp>
+    </p:spTree>
+    <p:extLst>
+      <p:ext uri="{BB962C8B-B14F-4D97-AF65-F5344CB8AC3E}">
+        <p14:creationId xmlns:p14="http://schemas.microsoft.com/office/powerpoint/2010/main" val="2708460225"/>
+      </p:ext>
+    </p:extLst>
+  </p:cSld>
+  <p:clrMapOvr>
+    <a:masterClrMapping/>
+  </p:clrMapOvr>
+</p:notes>
+</file>
+
+<file path=ppt/notesSlides/notesSlide3.xml><?xml version="1.0" encoding="utf-8"?>
+<p:notes xmlns:a="http://schemas.openxmlformats.org/drawingml/2006/main" xmlns:r="http://schemas.openxmlformats.org/officeDocument/2006/relationships" xmlns:p="http://schemas.openxmlformats.org/presentationml/2006/main">
+  <p:cSld>
+    <p:spTree>
+      <p:nvGrpSpPr>
+        <p:cNvPr id="1" name=""/>
+        <p:cNvGrpSpPr/>
+        <p:nvPr/>
+      </p:nvGrpSpPr>
+      <p:grpSpPr>
+        <a:xfrm>
+          <a:off x="0" y="0"/>
+          <a:ext cx="0" cy="0"/>
+          <a:chOff x="0" y="0"/>
+          <a:chExt cx="0" cy="0"/>
+        </a:xfrm>
+      </p:grpSpPr>
+      <p:sp>
+        <p:nvSpPr>
+          <p:cNvPr id="2" name="Slide Image Placeholder 1"/>
+          <p:cNvSpPr>
+            <a:spLocks noGrp="1" noRot="1" noChangeAspect="1"/>
+          </p:cNvSpPr>
+          <p:nvPr>
+            <p:ph type="sldImg"/>
+          </p:nvPr>
+        </p:nvSpPr>
+        <p:spPr/>
+      </p:sp>
+      <p:sp>
+        <p:nvSpPr>
+          <p:cNvPr id="3" name="Notes Placeholder 2"/>
+          <p:cNvSpPr>
+            <a:spLocks noGrp="1"/>
+          </p:cNvSpPr>
+          <p:nvPr>
+            <p:ph type="body" idx="1"/>
+          </p:nvPr>
+        </p:nvSpPr>
+        <p:spPr/>
+        <p:txBody>
+          <a:bodyPr/>
+          <a:lstStyle/>
+          <a:p>
+            <a:r>
+              <a:rPr lang="en-US" dirty="0" smtClean="0"/>
+              <a:t>This query determines how long it took to service each car that entered a toll</a:t>
+            </a:r>
+            <a:r>
+              <a:rPr lang="en-US" baseline="0" dirty="0" smtClean="0"/>
+              <a:t> booth (i.e., the </a:t>
+            </a:r>
+            <a:r>
+              <a:rPr lang="en-US" baseline="0" dirty="0" err="1" smtClean="0"/>
+              <a:t>differencr</a:t>
+            </a:r>
+            <a:r>
+              <a:rPr lang="en-US" baseline="0" dirty="0" smtClean="0"/>
+              <a:t> </a:t>
+            </a:r>
+            <a:r>
+              <a:rPr lang="en-US" baseline="0" dirty="0" smtClean="0"/>
+              <a:t>between the time the car entered and exited the toll both).</a:t>
+            </a:r>
+            <a:endParaRPr lang="en-US" dirty="0"/>
+          </a:p>
+        </p:txBody>
+      </p:sp>
+      <p:sp>
+        <p:nvSpPr>
+          <p:cNvPr id="4" name="Slide Number Placeholder 3"/>
+          <p:cNvSpPr>
+            <a:spLocks noGrp="1"/>
+          </p:cNvSpPr>
+          <p:nvPr>
+            <p:ph type="sldNum" sz="quarter" idx="10"/>
+          </p:nvPr>
+        </p:nvSpPr>
+        <p:spPr/>
+        <p:txBody>
+          <a:bodyPr/>
+          <a:lstStyle/>
+          <a:p>
+            <a:fld id="{BC60BE34-BC89-4C98-A56B-79B7A098D024}" type="slidenum">
+              <a:rPr lang="en-US" smtClean="0"/>
+              <a:t>5</a:t>
+            </a:fld>
+            <a:endParaRPr lang="en-US"/>
+          </a:p>
+        </p:txBody>
+      </p:sp>
+    </p:spTree>
+    <p:extLst>
+      <p:ext uri="{BB962C8B-B14F-4D97-AF65-F5344CB8AC3E}">
+        <p14:creationId xmlns:p14="http://schemas.microsoft.com/office/powerpoint/2010/main" val="2606143519"/>
+      </p:ext>
+    </p:extLst>
+  </p:cSld>
+  <p:clrMapOvr>
+    <a:masterClrMapping/>
+  </p:clrMapOvr>
+</p:notes>
+</file>
+
+<file path=ppt/notesSlides/notesSlide4.xml><?xml version="1.0" encoding="utf-8"?>
+<p:notes xmlns:a="http://schemas.openxmlformats.org/drawingml/2006/main" xmlns:r="http://schemas.openxmlformats.org/officeDocument/2006/relationships" xmlns:p="http://schemas.openxmlformats.org/presentationml/2006/main">
+  <p:cSld>
+    <p:spTree>
+      <p:nvGrpSpPr>
+        <p:cNvPr id="1" name=""/>
+        <p:cNvGrpSpPr/>
+        <p:nvPr/>
+      </p:nvGrpSpPr>
+      <p:grpSpPr>
+        <a:xfrm>
+          <a:off x="0" y="0"/>
+          <a:ext cx="0" cy="0"/>
+          <a:chOff x="0" y="0"/>
+          <a:chExt cx="0" cy="0"/>
+        </a:xfrm>
+      </p:grpSpPr>
+      <p:sp>
+        <p:nvSpPr>
+          <p:cNvPr id="2" name="Slide Image Placeholder 1"/>
+          <p:cNvSpPr>
+            <a:spLocks noGrp="1" noRot="1" noChangeAspect="1"/>
+          </p:cNvSpPr>
+          <p:nvPr>
+            <p:ph type="sldImg"/>
+          </p:nvPr>
+        </p:nvSpPr>
+        <p:spPr/>
+      </p:sp>
+      <p:sp>
+        <p:nvSpPr>
+          <p:cNvPr id="3" name="Notes Placeholder 2"/>
+          <p:cNvSpPr>
+            <a:spLocks noGrp="1"/>
+          </p:cNvSpPr>
+          <p:nvPr>
+            <p:ph type="body" idx="1"/>
+          </p:nvPr>
+        </p:nvSpPr>
+        <p:spPr/>
+        <p:txBody>
+          <a:bodyPr/>
+          <a:lstStyle/>
+          <a:p>
+            <a:r>
+              <a:rPr lang="en-US" dirty="0" smtClean="0"/>
+              <a:t>This query answers the question "how many cars with</a:t>
+            </a:r>
+            <a:r>
+              <a:rPr lang="en-US" baseline="0" dirty="0" smtClean="0"/>
+              <a:t> NY license plates enter toll booth #1 every 5 minutes?"</a:t>
+            </a:r>
+            <a:endParaRPr lang="en-US" dirty="0"/>
+          </a:p>
+        </p:txBody>
+      </p:sp>
+      <p:sp>
+        <p:nvSpPr>
+          <p:cNvPr id="4" name="Slide Number Placeholder 3"/>
+          <p:cNvSpPr>
+            <a:spLocks noGrp="1"/>
+          </p:cNvSpPr>
+          <p:nvPr>
+            <p:ph type="sldNum" sz="quarter" idx="10"/>
+          </p:nvPr>
+        </p:nvSpPr>
+        <p:spPr/>
+        <p:txBody>
+          <a:bodyPr/>
+          <a:lstStyle/>
+          <a:p>
+            <a:fld id="{BC60BE34-BC89-4C98-A56B-79B7A098D024}" type="slidenum">
+              <a:rPr lang="en-US" smtClean="0"/>
+              <a:t>7</a:t>
+            </a:fld>
+            <a:endParaRPr lang="en-US"/>
+          </a:p>
+        </p:txBody>
+      </p:sp>
+    </p:spTree>
+    <p:extLst>
+      <p:ext uri="{BB962C8B-B14F-4D97-AF65-F5344CB8AC3E}">
+        <p14:creationId xmlns:p14="http://schemas.microsoft.com/office/powerpoint/2010/main" val="1008355063"/>
+      </p:ext>
+    </p:extLst>
+  </p:cSld>
+  <p:clrMapOvr>
+    <a:masterClrMapping/>
+  </p:clrMapOvr>
+</p:notes>
+</file>
+
+<file path=ppt/notesSlides/notesSlide5.xml><?xml version="1.0" encoding="utf-8"?>
+<p:notes xmlns:a="http://schemas.openxmlformats.org/drawingml/2006/main" xmlns:r="http://schemas.openxmlformats.org/officeDocument/2006/relationships" xmlns:p="http://schemas.openxmlformats.org/presentationml/2006/main">
+  <p:cSld>
+    <p:spTree>
+      <p:nvGrpSpPr>
+        <p:cNvPr id="1" name=""/>
+        <p:cNvGrpSpPr/>
+        <p:nvPr/>
+      </p:nvGrpSpPr>
+      <p:grpSpPr>
+        <a:xfrm>
+          <a:off x="0" y="0"/>
+          <a:ext cx="0" cy="0"/>
+          <a:chOff x="0" y="0"/>
+          <a:chExt cx="0" cy="0"/>
+        </a:xfrm>
+      </p:grpSpPr>
+      <p:sp>
+        <p:nvSpPr>
+          <p:cNvPr id="2" name="Slide Image Placeholder 1"/>
+          <p:cNvSpPr>
+            <a:spLocks noGrp="1" noRot="1" noChangeAspect="1"/>
+          </p:cNvSpPr>
+          <p:nvPr>
+            <p:ph type="sldImg"/>
+          </p:nvPr>
+        </p:nvSpPr>
+        <p:spPr/>
+      </p:sp>
+      <p:sp>
+        <p:nvSpPr>
+          <p:cNvPr id="3" name="Notes Placeholder 2"/>
+          <p:cNvSpPr>
+            <a:spLocks noGrp="1"/>
+          </p:cNvSpPr>
+          <p:nvPr>
+            <p:ph type="body" idx="1"/>
+          </p:nvPr>
+        </p:nvSpPr>
+        <p:spPr/>
+        <p:txBody>
+          <a:bodyPr/>
+          <a:lstStyle/>
+          <a:p>
+            <a:pPr marL="0" marR="0" indent="0" algn="l" defTabSz="914400" rtl="0" eaLnBrk="1" fontAlgn="auto" latinLnBrk="0" hangingPunct="1">
+              <a:lnSpc>
+                <a:spcPct val="100000"/>
+              </a:lnSpc>
+              <a:spcBef>
+                <a:spcPts val="0"/>
+              </a:spcBef>
+              <a:spcAft>
+                <a:spcPts val="0"/>
+              </a:spcAft>
+              <a:buClrTx/>
+              <a:buSzTx/>
+              <a:buFontTx/>
+              <a:buNone/>
+              <a:tabLst/>
+              <a:defRPr/>
+            </a:pPr>
+            <a:r>
+              <a:rPr lang="en-US" dirty="0" smtClean="0"/>
+              <a:t>This query answers the question "which toll booths have served two or more cars with</a:t>
+            </a:r>
+            <a:r>
+              <a:rPr lang="en-US" baseline="0" dirty="0" smtClean="0"/>
+              <a:t> NJ license plates in a 5-minute period?"</a:t>
+            </a:r>
+            <a:endParaRPr lang="en-US" dirty="0" smtClean="0"/>
+          </a:p>
+        </p:txBody>
+      </p:sp>
+      <p:sp>
+        <p:nvSpPr>
+          <p:cNvPr id="4" name="Slide Number Placeholder 3"/>
+          <p:cNvSpPr>
+            <a:spLocks noGrp="1"/>
+          </p:cNvSpPr>
+          <p:nvPr>
+            <p:ph type="sldNum" sz="quarter" idx="10"/>
+          </p:nvPr>
+        </p:nvSpPr>
+        <p:spPr/>
+        <p:txBody>
+          <a:bodyPr/>
+          <a:lstStyle/>
+          <a:p>
+            <a:fld id="{BC60BE34-BC89-4C98-A56B-79B7A098D024}" type="slidenum">
+              <a:rPr lang="en-US" smtClean="0"/>
+              <a:t>8</a:t>
+            </a:fld>
+            <a:endParaRPr lang="en-US"/>
+          </a:p>
+        </p:txBody>
+      </p:sp>
+    </p:spTree>
+    <p:extLst>
+      <p:ext uri="{BB962C8B-B14F-4D97-AF65-F5344CB8AC3E}">
+        <p14:creationId xmlns:p14="http://schemas.microsoft.com/office/powerpoint/2010/main" val="541947104"/>
+      </p:ext>
+    </p:extLst>
+  </p:cSld>
+  <p:clrMapOvr>
+    <a:masterClrMapping/>
+  </p:clrMapOvr>
+</p:notes>
 </file>
 
 <file path=ppt/slideLayouts/slideLayout1.xml><?xml version="1.0" encoding="utf-8"?>
@@ -11399,6 +11880,582 @@
       </p:grpSpPr>
       <p:sp>
         <p:nvSpPr>
+          <p:cNvPr id="43" name="Chevron 42"/>
+          <p:cNvSpPr/>
+          <p:nvPr/>
+        </p:nvSpPr>
+        <p:spPr bwMode="auto">
+          <a:xfrm>
+            <a:off x="9867612" y="3985325"/>
+            <a:ext cx="1396590" cy="2150347"/>
+          </a:xfrm>
+          <a:prstGeom prst="chevron">
+            <a:avLst>
+              <a:gd name="adj" fmla="val 20899"/>
+            </a:avLst>
+          </a:prstGeom>
+          <a:solidFill>
+            <a:srgbClr val="EAEAEA"/>
+          </a:solidFill>
+          <a:ln>
+            <a:noFill/>
+            <a:headEnd type="none" w="med" len="med"/>
+            <a:tailEnd type="none" w="med" len="med"/>
+          </a:ln>
+          <a:effectLst/>
+        </p:spPr>
+        <p:style>
+          <a:lnRef idx="1">
+            <a:schemeClr val="accent2"/>
+          </a:lnRef>
+          <a:fillRef idx="3">
+            <a:schemeClr val="accent2"/>
+          </a:fillRef>
+          <a:effectRef idx="2">
+            <a:schemeClr val="accent2"/>
+          </a:effectRef>
+          <a:fontRef idx="minor">
+            <a:schemeClr val="lt1"/>
+          </a:fontRef>
+        </p:style>
+        <p:txBody>
+          <a:bodyPr vert="horz" wrap="square" lIns="91436" tIns="45718" rIns="91436" bIns="45718" numCol="1" rtlCol="0" anchor="ctr" anchorCtr="0" compatLnSpc="1">
+            <a:prstTxWarp prst="textNoShape">
+              <a:avLst/>
+            </a:prstTxWarp>
+          </a:bodyPr>
+          <a:lstStyle/>
+          <a:p>
+            <a:pPr algn="ctr" defTabSz="914099" fontAlgn="base">
+              <a:spcBef>
+                <a:spcPct val="0"/>
+              </a:spcBef>
+              <a:spcAft>
+                <a:spcPct val="0"/>
+              </a:spcAft>
+            </a:pPr>
+            <a:endParaRPr lang="en-US" sz="2200" dirty="0" smtClean="0">
+              <a:gradFill>
+                <a:gsLst>
+                  <a:gs pos="0">
+                    <a:srgbClr val="FFFFFF"/>
+                  </a:gs>
+                  <a:gs pos="100000">
+                    <a:srgbClr val="FFFFFF"/>
+                  </a:gs>
+                </a:gsLst>
+                <a:lin ang="5400000" scaled="0"/>
+              </a:gradFill>
+            </a:endParaRPr>
+          </a:p>
+        </p:txBody>
+      </p:sp>
+      <p:sp>
+        <p:nvSpPr>
+          <p:cNvPr id="27" name="Chevron 26"/>
+          <p:cNvSpPr/>
+          <p:nvPr/>
+        </p:nvSpPr>
+        <p:spPr bwMode="auto">
+          <a:xfrm>
+            <a:off x="624959" y="3985325"/>
+            <a:ext cx="1396590" cy="2150347"/>
+          </a:xfrm>
+          <a:prstGeom prst="chevron">
+            <a:avLst>
+              <a:gd name="adj" fmla="val 20899"/>
+            </a:avLst>
+          </a:prstGeom>
+          <a:solidFill>
+            <a:srgbClr val="EAEAEA"/>
+          </a:solidFill>
+          <a:ln>
+            <a:noFill/>
+            <a:headEnd type="none" w="med" len="med"/>
+            <a:tailEnd type="none" w="med" len="med"/>
+          </a:ln>
+          <a:effectLst/>
+        </p:spPr>
+        <p:style>
+          <a:lnRef idx="1">
+            <a:schemeClr val="accent2"/>
+          </a:lnRef>
+          <a:fillRef idx="3">
+            <a:schemeClr val="accent2"/>
+          </a:fillRef>
+          <a:effectRef idx="2">
+            <a:schemeClr val="accent2"/>
+          </a:effectRef>
+          <a:fontRef idx="minor">
+            <a:schemeClr val="lt1"/>
+          </a:fontRef>
+        </p:style>
+        <p:txBody>
+          <a:bodyPr vert="horz" wrap="square" lIns="91436" tIns="45718" rIns="91436" bIns="45718" numCol="1" rtlCol="0" anchor="ctr" anchorCtr="0" compatLnSpc="1">
+            <a:prstTxWarp prst="textNoShape">
+              <a:avLst/>
+            </a:prstTxWarp>
+          </a:bodyPr>
+          <a:lstStyle/>
+          <a:p>
+            <a:pPr algn="ctr" defTabSz="914099" fontAlgn="base">
+              <a:spcBef>
+                <a:spcPct val="0"/>
+              </a:spcBef>
+              <a:spcAft>
+                <a:spcPct val="0"/>
+              </a:spcAft>
+            </a:pPr>
+            <a:endParaRPr lang="en-US" sz="2200" dirty="0" smtClean="0">
+              <a:gradFill>
+                <a:gsLst>
+                  <a:gs pos="0">
+                    <a:srgbClr val="FFFFFF"/>
+                  </a:gs>
+                  <a:gs pos="100000">
+                    <a:srgbClr val="FFFFFF"/>
+                  </a:gs>
+                </a:gsLst>
+                <a:lin ang="5400000" scaled="0"/>
+              </a:gradFill>
+            </a:endParaRPr>
+          </a:p>
+        </p:txBody>
+      </p:sp>
+      <p:sp>
+        <p:nvSpPr>
+          <p:cNvPr id="28" name="Chevron 27"/>
+          <p:cNvSpPr/>
+          <p:nvPr/>
+        </p:nvSpPr>
+        <p:spPr bwMode="auto">
+          <a:xfrm>
+            <a:off x="1935609" y="3985325"/>
+            <a:ext cx="1396590" cy="2150347"/>
+          </a:xfrm>
+          <a:prstGeom prst="chevron">
+            <a:avLst>
+              <a:gd name="adj" fmla="val 20899"/>
+            </a:avLst>
+          </a:prstGeom>
+          <a:solidFill>
+            <a:srgbClr val="EAEAEA"/>
+          </a:solidFill>
+          <a:ln>
+            <a:noFill/>
+            <a:headEnd type="none" w="med" len="med"/>
+            <a:tailEnd type="none" w="med" len="med"/>
+          </a:ln>
+          <a:effectLst/>
+        </p:spPr>
+        <p:style>
+          <a:lnRef idx="1">
+            <a:schemeClr val="accent2"/>
+          </a:lnRef>
+          <a:fillRef idx="3">
+            <a:schemeClr val="accent2"/>
+          </a:fillRef>
+          <a:effectRef idx="2">
+            <a:schemeClr val="accent2"/>
+          </a:effectRef>
+          <a:fontRef idx="minor">
+            <a:schemeClr val="lt1"/>
+          </a:fontRef>
+        </p:style>
+        <p:txBody>
+          <a:bodyPr vert="horz" wrap="square" lIns="91436" tIns="45718" rIns="91436" bIns="45718" numCol="1" rtlCol="0" anchor="ctr" anchorCtr="0" compatLnSpc="1">
+            <a:prstTxWarp prst="textNoShape">
+              <a:avLst/>
+            </a:prstTxWarp>
+          </a:bodyPr>
+          <a:lstStyle/>
+          <a:p>
+            <a:pPr algn="ctr" defTabSz="914099" fontAlgn="base">
+              <a:spcBef>
+                <a:spcPct val="0"/>
+              </a:spcBef>
+              <a:spcAft>
+                <a:spcPct val="0"/>
+              </a:spcAft>
+            </a:pPr>
+            <a:endParaRPr lang="en-US" sz="2200" dirty="0" smtClean="0">
+              <a:gradFill>
+                <a:gsLst>
+                  <a:gs pos="0">
+                    <a:srgbClr val="FFFFFF"/>
+                  </a:gs>
+                  <a:gs pos="100000">
+                    <a:srgbClr val="FFFFFF"/>
+                  </a:gs>
+                </a:gsLst>
+                <a:lin ang="5400000" scaled="0"/>
+              </a:gradFill>
+            </a:endParaRPr>
+          </a:p>
+        </p:txBody>
+      </p:sp>
+      <p:sp>
+        <p:nvSpPr>
+          <p:cNvPr id="29" name="Chevron 28"/>
+          <p:cNvSpPr/>
+          <p:nvPr/>
+        </p:nvSpPr>
+        <p:spPr bwMode="auto">
+          <a:xfrm>
+            <a:off x="3249818" y="3985325"/>
+            <a:ext cx="1396590" cy="2150347"/>
+          </a:xfrm>
+          <a:prstGeom prst="chevron">
+            <a:avLst>
+              <a:gd name="adj" fmla="val 20899"/>
+            </a:avLst>
+          </a:prstGeom>
+          <a:solidFill>
+            <a:srgbClr val="EAEAEA"/>
+          </a:solidFill>
+          <a:ln>
+            <a:noFill/>
+            <a:headEnd type="none" w="med" len="med"/>
+            <a:tailEnd type="none" w="med" len="med"/>
+          </a:ln>
+          <a:effectLst/>
+        </p:spPr>
+        <p:style>
+          <a:lnRef idx="1">
+            <a:schemeClr val="accent2"/>
+          </a:lnRef>
+          <a:fillRef idx="3">
+            <a:schemeClr val="accent2"/>
+          </a:fillRef>
+          <a:effectRef idx="2">
+            <a:schemeClr val="accent2"/>
+          </a:effectRef>
+          <a:fontRef idx="minor">
+            <a:schemeClr val="lt1"/>
+          </a:fontRef>
+        </p:style>
+        <p:txBody>
+          <a:bodyPr vert="horz" wrap="square" lIns="91436" tIns="45718" rIns="91436" bIns="45718" numCol="1" rtlCol="0" anchor="ctr" anchorCtr="0" compatLnSpc="1">
+            <a:prstTxWarp prst="textNoShape">
+              <a:avLst/>
+            </a:prstTxWarp>
+          </a:bodyPr>
+          <a:lstStyle/>
+          <a:p>
+            <a:pPr algn="ctr" defTabSz="914099" fontAlgn="base">
+              <a:spcBef>
+                <a:spcPct val="0"/>
+              </a:spcBef>
+              <a:spcAft>
+                <a:spcPct val="0"/>
+              </a:spcAft>
+            </a:pPr>
+            <a:endParaRPr lang="en-US" sz="2200" dirty="0" smtClean="0">
+              <a:gradFill>
+                <a:gsLst>
+                  <a:gs pos="0">
+                    <a:srgbClr val="FFFFFF"/>
+                  </a:gs>
+                  <a:gs pos="100000">
+                    <a:srgbClr val="FFFFFF"/>
+                  </a:gs>
+                </a:gsLst>
+                <a:lin ang="5400000" scaled="0"/>
+              </a:gradFill>
+            </a:endParaRPr>
+          </a:p>
+        </p:txBody>
+      </p:sp>
+      <p:sp>
+        <p:nvSpPr>
+          <p:cNvPr id="35" name="Chevron 34"/>
+          <p:cNvSpPr/>
+          <p:nvPr/>
+        </p:nvSpPr>
+        <p:spPr bwMode="auto">
+          <a:xfrm>
+            <a:off x="4573026" y="3985325"/>
+            <a:ext cx="1396590" cy="2150347"/>
+          </a:xfrm>
+          <a:prstGeom prst="chevron">
+            <a:avLst>
+              <a:gd name="adj" fmla="val 20899"/>
+            </a:avLst>
+          </a:prstGeom>
+          <a:solidFill>
+            <a:srgbClr val="EAEAEA"/>
+          </a:solidFill>
+          <a:ln>
+            <a:noFill/>
+            <a:headEnd type="none" w="med" len="med"/>
+            <a:tailEnd type="none" w="med" len="med"/>
+          </a:ln>
+          <a:effectLst/>
+        </p:spPr>
+        <p:style>
+          <a:lnRef idx="1">
+            <a:schemeClr val="accent2"/>
+          </a:lnRef>
+          <a:fillRef idx="3">
+            <a:schemeClr val="accent2"/>
+          </a:fillRef>
+          <a:effectRef idx="2">
+            <a:schemeClr val="accent2"/>
+          </a:effectRef>
+          <a:fontRef idx="minor">
+            <a:schemeClr val="lt1"/>
+          </a:fontRef>
+        </p:style>
+        <p:txBody>
+          <a:bodyPr vert="horz" wrap="square" lIns="91436" tIns="45718" rIns="91436" bIns="45718" numCol="1" rtlCol="0" anchor="ctr" anchorCtr="0" compatLnSpc="1">
+            <a:prstTxWarp prst="textNoShape">
+              <a:avLst/>
+            </a:prstTxWarp>
+          </a:bodyPr>
+          <a:lstStyle/>
+          <a:p>
+            <a:pPr algn="ctr" defTabSz="914099" fontAlgn="base">
+              <a:spcBef>
+                <a:spcPct val="0"/>
+              </a:spcBef>
+              <a:spcAft>
+                <a:spcPct val="0"/>
+              </a:spcAft>
+            </a:pPr>
+            <a:endParaRPr lang="en-US" sz="2200" dirty="0" smtClean="0">
+              <a:gradFill>
+                <a:gsLst>
+                  <a:gs pos="0">
+                    <a:srgbClr val="FFFFFF"/>
+                  </a:gs>
+                  <a:gs pos="100000">
+                    <a:srgbClr val="FFFFFF"/>
+                  </a:gs>
+                </a:gsLst>
+                <a:lin ang="5400000" scaled="0"/>
+              </a:gradFill>
+            </a:endParaRPr>
+          </a:p>
+        </p:txBody>
+      </p:sp>
+      <p:sp>
+        <p:nvSpPr>
+          <p:cNvPr id="36" name="Chevron 35"/>
+          <p:cNvSpPr/>
+          <p:nvPr/>
+        </p:nvSpPr>
+        <p:spPr bwMode="auto">
+          <a:xfrm>
+            <a:off x="5919785" y="3985325"/>
+            <a:ext cx="1396590" cy="2150347"/>
+          </a:xfrm>
+          <a:prstGeom prst="chevron">
+            <a:avLst>
+              <a:gd name="adj" fmla="val 20899"/>
+            </a:avLst>
+          </a:prstGeom>
+          <a:solidFill>
+            <a:srgbClr val="EAEAEA"/>
+          </a:solidFill>
+          <a:ln>
+            <a:noFill/>
+            <a:headEnd type="none" w="med" len="med"/>
+            <a:tailEnd type="none" w="med" len="med"/>
+          </a:ln>
+          <a:effectLst/>
+        </p:spPr>
+        <p:style>
+          <a:lnRef idx="1">
+            <a:schemeClr val="accent2"/>
+          </a:lnRef>
+          <a:fillRef idx="3">
+            <a:schemeClr val="accent2"/>
+          </a:fillRef>
+          <a:effectRef idx="2">
+            <a:schemeClr val="accent2"/>
+          </a:effectRef>
+          <a:fontRef idx="minor">
+            <a:schemeClr val="lt1"/>
+          </a:fontRef>
+        </p:style>
+        <p:txBody>
+          <a:bodyPr vert="horz" wrap="square" lIns="91436" tIns="45718" rIns="91436" bIns="45718" numCol="1" rtlCol="0" anchor="ctr" anchorCtr="0" compatLnSpc="1">
+            <a:prstTxWarp prst="textNoShape">
+              <a:avLst/>
+            </a:prstTxWarp>
+          </a:bodyPr>
+          <a:lstStyle/>
+          <a:p>
+            <a:pPr algn="ctr" defTabSz="914099" fontAlgn="base">
+              <a:spcBef>
+                <a:spcPct val="0"/>
+              </a:spcBef>
+              <a:spcAft>
+                <a:spcPct val="0"/>
+              </a:spcAft>
+            </a:pPr>
+            <a:endParaRPr lang="en-US" sz="2200" dirty="0" smtClean="0">
+              <a:gradFill>
+                <a:gsLst>
+                  <a:gs pos="0">
+                    <a:srgbClr val="FFFFFF"/>
+                  </a:gs>
+                  <a:gs pos="100000">
+                    <a:srgbClr val="FFFFFF"/>
+                  </a:gs>
+                </a:gsLst>
+                <a:lin ang="5400000" scaled="0"/>
+              </a:gradFill>
+            </a:endParaRPr>
+          </a:p>
+        </p:txBody>
+      </p:sp>
+      <p:sp>
+        <p:nvSpPr>
+          <p:cNvPr id="40" name="Chevron 39"/>
+          <p:cNvSpPr/>
+          <p:nvPr/>
+        </p:nvSpPr>
+        <p:spPr bwMode="auto">
+          <a:xfrm>
+            <a:off x="7221196" y="3985325"/>
+            <a:ext cx="1396590" cy="2150347"/>
+          </a:xfrm>
+          <a:prstGeom prst="chevron">
+            <a:avLst>
+              <a:gd name="adj" fmla="val 20899"/>
+            </a:avLst>
+          </a:prstGeom>
+          <a:solidFill>
+            <a:srgbClr val="EAEAEA"/>
+          </a:solidFill>
+          <a:ln>
+            <a:noFill/>
+            <a:headEnd type="none" w="med" len="med"/>
+            <a:tailEnd type="none" w="med" len="med"/>
+          </a:ln>
+          <a:effectLst/>
+        </p:spPr>
+        <p:style>
+          <a:lnRef idx="1">
+            <a:schemeClr val="accent2"/>
+          </a:lnRef>
+          <a:fillRef idx="3">
+            <a:schemeClr val="accent2"/>
+          </a:fillRef>
+          <a:effectRef idx="2">
+            <a:schemeClr val="accent2"/>
+          </a:effectRef>
+          <a:fontRef idx="minor">
+            <a:schemeClr val="lt1"/>
+          </a:fontRef>
+        </p:style>
+        <p:txBody>
+          <a:bodyPr vert="horz" wrap="square" lIns="91436" tIns="45718" rIns="91436" bIns="45718" numCol="1" rtlCol="0" anchor="ctr" anchorCtr="0" compatLnSpc="1">
+            <a:prstTxWarp prst="textNoShape">
+              <a:avLst/>
+            </a:prstTxWarp>
+          </a:bodyPr>
+          <a:lstStyle/>
+          <a:p>
+            <a:pPr algn="ctr" defTabSz="914099" fontAlgn="base">
+              <a:spcBef>
+                <a:spcPct val="0"/>
+              </a:spcBef>
+              <a:spcAft>
+                <a:spcPct val="0"/>
+              </a:spcAft>
+            </a:pPr>
+            <a:endParaRPr lang="en-US" sz="2200" dirty="0" smtClean="0">
+              <a:gradFill>
+                <a:gsLst>
+                  <a:gs pos="0">
+                    <a:srgbClr val="FFFFFF"/>
+                  </a:gs>
+                  <a:gs pos="100000">
+                    <a:srgbClr val="FFFFFF"/>
+                  </a:gs>
+                </a:gsLst>
+                <a:lin ang="5400000" scaled="0"/>
+              </a:gradFill>
+            </a:endParaRPr>
+          </a:p>
+        </p:txBody>
+      </p:sp>
+      <p:sp>
+        <p:nvSpPr>
+          <p:cNvPr id="42" name="Chevron 41"/>
+          <p:cNvSpPr/>
+          <p:nvPr/>
+        </p:nvSpPr>
+        <p:spPr bwMode="auto">
+          <a:xfrm>
+            <a:off x="8541085" y="3985325"/>
+            <a:ext cx="1396590" cy="2150347"/>
+          </a:xfrm>
+          <a:prstGeom prst="chevron">
+            <a:avLst>
+              <a:gd name="adj" fmla="val 20899"/>
+            </a:avLst>
+          </a:prstGeom>
+          <a:solidFill>
+            <a:srgbClr val="EAEAEA"/>
+          </a:solidFill>
+          <a:ln>
+            <a:noFill/>
+            <a:headEnd type="none" w="med" len="med"/>
+            <a:tailEnd type="none" w="med" len="med"/>
+          </a:ln>
+          <a:effectLst/>
+        </p:spPr>
+        <p:style>
+          <a:lnRef idx="1">
+            <a:schemeClr val="accent2"/>
+          </a:lnRef>
+          <a:fillRef idx="3">
+            <a:schemeClr val="accent2"/>
+          </a:fillRef>
+          <a:effectRef idx="2">
+            <a:schemeClr val="accent2"/>
+          </a:effectRef>
+          <a:fontRef idx="minor">
+            <a:schemeClr val="lt1"/>
+          </a:fontRef>
+        </p:style>
+        <p:txBody>
+          <a:bodyPr vert="horz" wrap="square" lIns="91436" tIns="45718" rIns="91436" bIns="45718" numCol="1" rtlCol="0" anchor="ctr" anchorCtr="0" compatLnSpc="1">
+            <a:prstTxWarp prst="textNoShape">
+              <a:avLst/>
+            </a:prstTxWarp>
+          </a:bodyPr>
+          <a:lstStyle/>
+          <a:p>
+            <a:pPr algn="ctr" defTabSz="914099" fontAlgn="base">
+              <a:spcBef>
+                <a:spcPct val="0"/>
+              </a:spcBef>
+              <a:spcAft>
+                <a:spcPct val="0"/>
+              </a:spcAft>
+            </a:pPr>
+            <a:endParaRPr lang="en-US" sz="2200" dirty="0" smtClean="0">
+              <a:gradFill>
+                <a:gsLst>
+                  <a:gs pos="0">
+                    <a:srgbClr val="FFFFFF"/>
+                  </a:gs>
+                  <a:gs pos="100000">
+                    <a:srgbClr val="FFFFFF"/>
+                  </a:gs>
+                </a:gsLst>
+                <a:lin ang="5400000" scaled="0"/>
+              </a:gradFill>
+            </a:endParaRPr>
+          </a:p>
+        </p:txBody>
+      </p:sp>
+      <p:sp>
+        <p:nvSpPr>
           <p:cNvPr id="2" name="Title 1"/>
           <p:cNvSpPr>
             <a:spLocks noGrp="1"/>
@@ -11433,7 +12490,7 @@
         <p:spPr>
           <a:xfrm>
             <a:off x="519248" y="1447800"/>
-            <a:ext cx="11151916" cy="4886209"/>
+            <a:ext cx="11151916" cy="4611356"/>
           </a:xfrm>
         </p:spPr>
         <p:txBody>
@@ -11442,70 +12499,1119 @@
           <a:p>
             <a:r>
               <a:rPr lang="en-US" dirty="0" smtClean="0"/>
-              <a:t>Fully managed cloud-based service for analyzing high-volume, high-velocity, highly dynamic data streams</a:t>
-            </a:r>
-          </a:p>
-          <a:p>
+              <a:t>Highly scalable service for analyzing data in motion</a:t>
+            </a:r>
+          </a:p>
+          <a:p>
+            <a:pPr lvl="1"/>
+            <a:r>
+              <a:rPr lang="en-US" dirty="0"/>
+              <a:t>Analyze data </a:t>
+            </a:r>
             <a:r>
               <a:rPr lang="en-US" dirty="0" smtClean="0"/>
-              <a:t>Uses SQL-like query language to make analyzing real-time data no more difficult than querying SQL databases</a:t>
-            </a:r>
-          </a:p>
-          <a:p>
-            <a:pPr lvl="1"/>
+              <a:t>streaming from </a:t>
+            </a:r>
+            <a:r>
+              <a:rPr lang="en-US" dirty="0" err="1"/>
+              <a:t>IoT</a:t>
+            </a:r>
+            <a:r>
+              <a:rPr lang="en-US" dirty="0"/>
+              <a:t> devices and other sources</a:t>
+            </a:r>
+          </a:p>
+          <a:p>
             <a:r>
               <a:rPr lang="en-US" dirty="0" smtClean="0"/>
-              <a:t>Requires no code, unlike Apache Storm and Amazon Kinesis</a:t>
+              <a:t>Supports SQL-like query language for data analysis</a:t>
             </a:r>
           </a:p>
           <a:p>
             <a:r>
               <a:rPr lang="en-US" dirty="0" smtClean="0"/>
-              <a:t>Easily scales up and down using Streaming </a:t>
-            </a:r>
-            <a:r>
-              <a:rPr lang="en-US" dirty="0"/>
-              <a:t>U</a:t>
-            </a:r>
-            <a:r>
-              <a:rPr lang="en-US" dirty="0" smtClean="0"/>
-              <a:t>nits</a:t>
-            </a:r>
-          </a:p>
-          <a:p>
-            <a:pPr lvl="1"/>
-            <a:r>
-              <a:rPr lang="en-US" dirty="0" smtClean="0"/>
-              <a:t>1 Streaming Unit = Approximately 1 MB/sec of throughput</a:t>
-            </a:r>
-          </a:p>
-          <a:p>
-            <a:pPr lvl="1"/>
-            <a:r>
-              <a:rPr lang="en-US" dirty="0" smtClean="0"/>
-              <a:t>Max available units = 48 (more available on request)</a:t>
-            </a:r>
-          </a:p>
-          <a:p>
-            <a:r>
-              <a:rPr lang="en-US" dirty="0" smtClean="0"/>
-              <a:t>Perfect for analyzing data emanating from Internet of Things (</a:t>
-            </a:r>
-            <a:r>
-              <a:rPr lang="en-US" dirty="0" err="1" smtClean="0"/>
-              <a:t>IoT</a:t>
-            </a:r>
-            <a:r>
-              <a:rPr lang="en-US" dirty="0" smtClean="0"/>
-              <a:t>) devices, applications, Web sites, and more</a:t>
-            </a:r>
+              <a:t>Scales easily using Streaming Units (1 SU ~= 1 MB/sec)</a:t>
+            </a:r>
+          </a:p>
+        </p:txBody>
+      </p:sp>
+      <p:sp>
+        <p:nvSpPr>
+          <p:cNvPr id="9" name="Oval 8"/>
+          <p:cNvSpPr/>
+          <p:nvPr/>
+        </p:nvSpPr>
+        <p:spPr bwMode="auto">
+          <a:xfrm>
+            <a:off x="2929815" y="4241708"/>
+            <a:ext cx="298015" cy="301450"/>
+          </a:xfrm>
+          <a:prstGeom prst="ellipse">
+            <a:avLst/>
+          </a:prstGeom>
+          <a:solidFill>
+            <a:schemeClr val="bg1"/>
+          </a:solidFill>
+          <a:ln w="57150">
+            <a:solidFill>
+              <a:srgbClr val="006DD6"/>
+            </a:solidFill>
+            <a:headEnd type="none" w="med" len="med"/>
+            <a:tailEnd type="none" w="med" len="med"/>
+          </a:ln>
+          <a:effectLst/>
+        </p:spPr>
+        <p:style>
+          <a:lnRef idx="1">
+            <a:schemeClr val="accent2"/>
+          </a:lnRef>
+          <a:fillRef idx="3">
+            <a:schemeClr val="accent2"/>
+          </a:fillRef>
+          <a:effectRef idx="2">
+            <a:schemeClr val="accent2"/>
+          </a:effectRef>
+          <a:fontRef idx="minor">
+            <a:schemeClr val="lt1"/>
+          </a:fontRef>
+        </p:style>
+        <p:txBody>
+          <a:bodyPr vert="horz" wrap="square" lIns="91436" tIns="45718" rIns="91436" bIns="45718" numCol="1" rtlCol="0" anchor="ctr" anchorCtr="0" compatLnSpc="1">
+            <a:prstTxWarp prst="textNoShape">
+              <a:avLst/>
+            </a:prstTxWarp>
+          </a:bodyPr>
+          <a:lstStyle/>
+          <a:p>
+            <a:pPr algn="ctr" defTabSz="914099" fontAlgn="base">
+              <a:spcBef>
+                <a:spcPct val="0"/>
+              </a:spcBef>
+              <a:spcAft>
+                <a:spcPct val="0"/>
+              </a:spcAft>
+            </a:pPr>
+            <a:endParaRPr lang="en-US" sz="2200" dirty="0">
+              <a:gradFill>
+                <a:gsLst>
+                  <a:gs pos="0">
+                    <a:srgbClr val="FFFFFF"/>
+                  </a:gs>
+                  <a:gs pos="100000">
+                    <a:srgbClr val="FFFFFF"/>
+                  </a:gs>
+                </a:gsLst>
+                <a:lin ang="5400000" scaled="0"/>
+              </a:gradFill>
+            </a:endParaRPr>
+          </a:p>
+        </p:txBody>
+      </p:sp>
+      <p:cxnSp>
+        <p:nvCxnSpPr>
+          <p:cNvPr id="11" name="Straight Connector 10"/>
+          <p:cNvCxnSpPr/>
+          <p:nvPr/>
+        </p:nvCxnSpPr>
+        <p:spPr>
+          <a:xfrm>
+            <a:off x="3215593" y="4401178"/>
+            <a:ext cx="522391" cy="0"/>
+          </a:xfrm>
+          <a:prstGeom prst="line">
+            <a:avLst/>
+          </a:prstGeom>
+          <a:ln w="57150">
+            <a:solidFill>
+              <a:srgbClr val="006DD6"/>
+            </a:solidFill>
+          </a:ln>
+        </p:spPr>
+        <p:style>
+          <a:lnRef idx="1">
+            <a:schemeClr val="accent1"/>
+          </a:lnRef>
+          <a:fillRef idx="0">
+            <a:schemeClr val="accent1"/>
+          </a:fillRef>
+          <a:effectRef idx="0">
+            <a:schemeClr val="accent1"/>
+          </a:effectRef>
+          <a:fontRef idx="minor">
+            <a:schemeClr val="tx1"/>
+          </a:fontRef>
+        </p:style>
+      </p:cxnSp>
+      <p:sp>
+        <p:nvSpPr>
+          <p:cNvPr id="30" name="TextBox 29"/>
+          <p:cNvSpPr txBox="1"/>
+          <p:nvPr/>
+        </p:nvSpPr>
+        <p:spPr>
+          <a:xfrm>
+            <a:off x="1203143" y="4210759"/>
+            <a:ext cx="1529073" cy="332399"/>
+          </a:xfrm>
+          <a:prstGeom prst="rect">
+            <a:avLst/>
+          </a:prstGeom>
+          <a:noFill/>
+        </p:spPr>
+        <p:txBody>
+          <a:bodyPr wrap="none" lIns="0" tIns="0" rIns="0" bIns="0" rtlCol="0">
+            <a:spAutoFit/>
+          </a:bodyPr>
+          <a:lstStyle/>
+          <a:p>
+            <a:pPr algn="r">
+              <a:lnSpc>
+                <a:spcPct val="90000"/>
+              </a:lnSpc>
+              <a:spcBef>
+                <a:spcPct val="20000"/>
+              </a:spcBef>
+              <a:buSzPct val="80000"/>
+            </a:pPr>
+            <a:r>
+              <a:rPr lang="en-US" sz="2400" dirty="0" smtClean="0">
+                <a:solidFill>
+                  <a:srgbClr val="006DD6"/>
+                </a:solidFill>
+              </a:rPr>
+              <a:t>Event Hubs</a:t>
+            </a:r>
+            <a:endParaRPr lang="en-US" sz="2400" dirty="0">
+              <a:solidFill>
+                <a:srgbClr val="006DD6"/>
+              </a:solidFill>
+            </a:endParaRPr>
+          </a:p>
+        </p:txBody>
+      </p:sp>
+      <p:sp>
+        <p:nvSpPr>
+          <p:cNvPr id="31" name="TextBox 30"/>
+          <p:cNvSpPr txBox="1"/>
+          <p:nvPr/>
+        </p:nvSpPr>
+        <p:spPr>
+          <a:xfrm>
+            <a:off x="752434" y="5522484"/>
+            <a:ext cx="2009243" cy="332399"/>
+          </a:xfrm>
+          <a:prstGeom prst="rect">
+            <a:avLst/>
+          </a:prstGeom>
+          <a:noFill/>
+        </p:spPr>
+        <p:txBody>
+          <a:bodyPr wrap="square" lIns="0" tIns="0" rIns="0" bIns="0" rtlCol="0">
+            <a:spAutoFit/>
+          </a:bodyPr>
+          <a:lstStyle/>
+          <a:p>
+            <a:pPr algn="r">
+              <a:lnSpc>
+                <a:spcPct val="90000"/>
+              </a:lnSpc>
+              <a:spcBef>
+                <a:spcPct val="20000"/>
+              </a:spcBef>
+              <a:buSzPct val="80000"/>
+            </a:pPr>
+            <a:r>
+              <a:rPr lang="en-US" sz="2400" dirty="0" smtClean="0">
+                <a:solidFill>
+                  <a:srgbClr val="006DD6"/>
+                </a:solidFill>
+              </a:rPr>
+              <a:t>Blob Storage</a:t>
+            </a:r>
+            <a:endParaRPr lang="en-US" sz="2400" dirty="0">
+              <a:solidFill>
+                <a:srgbClr val="006DD6"/>
+              </a:solidFill>
+            </a:endParaRPr>
+          </a:p>
+        </p:txBody>
+      </p:sp>
+      <p:sp>
+        <p:nvSpPr>
+          <p:cNvPr id="32" name="TextBox 31"/>
+          <p:cNvSpPr txBox="1"/>
+          <p:nvPr/>
+        </p:nvSpPr>
+        <p:spPr>
+          <a:xfrm>
+            <a:off x="8084034" y="5128071"/>
+            <a:ext cx="3029443" cy="332399"/>
+          </a:xfrm>
+          <a:prstGeom prst="rect">
+            <a:avLst/>
+          </a:prstGeom>
+          <a:noFill/>
+        </p:spPr>
+        <p:txBody>
+          <a:bodyPr wrap="square" lIns="0" tIns="0" rIns="0" bIns="0" rtlCol="0">
+            <a:spAutoFit/>
+          </a:bodyPr>
+          <a:lstStyle/>
+          <a:p>
+            <a:pPr>
+              <a:lnSpc>
+                <a:spcPct val="90000"/>
+              </a:lnSpc>
+              <a:spcBef>
+                <a:spcPct val="20000"/>
+              </a:spcBef>
+              <a:buSzPct val="80000"/>
+            </a:pPr>
+            <a:r>
+              <a:rPr lang="en-US" sz="2400" dirty="0" smtClean="0">
+                <a:solidFill>
+                  <a:srgbClr val="006DD6"/>
+                </a:solidFill>
+              </a:rPr>
+              <a:t>Azure SQL Database</a:t>
+            </a:r>
+            <a:endParaRPr lang="en-US" sz="2400" dirty="0">
+              <a:solidFill>
+                <a:srgbClr val="006DD6"/>
+              </a:solidFill>
+            </a:endParaRPr>
+          </a:p>
+        </p:txBody>
+      </p:sp>
+      <p:sp>
+        <p:nvSpPr>
+          <p:cNvPr id="33" name="TextBox 32"/>
+          <p:cNvSpPr txBox="1"/>
+          <p:nvPr/>
+        </p:nvSpPr>
+        <p:spPr>
+          <a:xfrm>
+            <a:off x="8084034" y="4667957"/>
+            <a:ext cx="2769527" cy="332399"/>
+          </a:xfrm>
+          <a:prstGeom prst="rect">
+            <a:avLst/>
+          </a:prstGeom>
+          <a:noFill/>
+        </p:spPr>
+        <p:txBody>
+          <a:bodyPr wrap="square" lIns="0" tIns="0" rIns="0" bIns="0" rtlCol="0">
+            <a:spAutoFit/>
+          </a:bodyPr>
+          <a:lstStyle/>
+          <a:p>
+            <a:pPr>
+              <a:lnSpc>
+                <a:spcPct val="90000"/>
+              </a:lnSpc>
+              <a:spcBef>
+                <a:spcPct val="20000"/>
+              </a:spcBef>
+              <a:buSzPct val="80000"/>
+            </a:pPr>
+            <a:r>
+              <a:rPr lang="en-US" sz="2400" dirty="0" smtClean="0">
+                <a:solidFill>
+                  <a:srgbClr val="006DD6"/>
+                </a:solidFill>
+              </a:rPr>
+              <a:t>Blob Storage</a:t>
+            </a:r>
+            <a:endParaRPr lang="en-US" sz="2400" dirty="0">
+              <a:solidFill>
+                <a:srgbClr val="006DD6"/>
+              </a:solidFill>
+            </a:endParaRPr>
+          </a:p>
+        </p:txBody>
+      </p:sp>
+      <p:sp>
+        <p:nvSpPr>
+          <p:cNvPr id="34" name="TextBox 33"/>
+          <p:cNvSpPr txBox="1"/>
+          <p:nvPr/>
+        </p:nvSpPr>
+        <p:spPr>
+          <a:xfrm>
+            <a:off x="8084034" y="4226233"/>
+            <a:ext cx="2009243" cy="332399"/>
+          </a:xfrm>
+          <a:prstGeom prst="rect">
+            <a:avLst/>
+          </a:prstGeom>
+          <a:noFill/>
+        </p:spPr>
+        <p:txBody>
+          <a:bodyPr wrap="square" lIns="0" tIns="0" rIns="0" bIns="0" rtlCol="0">
+            <a:spAutoFit/>
+          </a:bodyPr>
+          <a:lstStyle/>
+          <a:p>
+            <a:pPr>
+              <a:lnSpc>
+                <a:spcPct val="90000"/>
+              </a:lnSpc>
+              <a:spcBef>
+                <a:spcPct val="20000"/>
+              </a:spcBef>
+              <a:buSzPct val="80000"/>
+            </a:pPr>
+            <a:r>
+              <a:rPr lang="en-US" sz="2400" dirty="0" smtClean="0">
+                <a:solidFill>
+                  <a:srgbClr val="006DD6"/>
+                </a:solidFill>
+              </a:rPr>
+              <a:t>Event Hubs</a:t>
+            </a:r>
+            <a:endParaRPr lang="en-US" sz="2400" dirty="0">
+              <a:solidFill>
+                <a:srgbClr val="006DD6"/>
+              </a:solidFill>
+            </a:endParaRPr>
+          </a:p>
+        </p:txBody>
+      </p:sp>
+      <p:cxnSp>
+        <p:nvCxnSpPr>
+          <p:cNvPr id="37" name="Straight Connector 36"/>
+          <p:cNvCxnSpPr/>
+          <p:nvPr/>
+        </p:nvCxnSpPr>
+        <p:spPr>
+          <a:xfrm>
+            <a:off x="7023798" y="4401178"/>
+            <a:ext cx="522391" cy="0"/>
+          </a:xfrm>
+          <a:prstGeom prst="line">
+            <a:avLst/>
+          </a:prstGeom>
+          <a:ln w="57150">
+            <a:solidFill>
+              <a:srgbClr val="006DD6"/>
+            </a:solidFill>
+          </a:ln>
+        </p:spPr>
+        <p:style>
+          <a:lnRef idx="1">
+            <a:schemeClr val="accent1"/>
+          </a:lnRef>
+          <a:fillRef idx="0">
+            <a:schemeClr val="accent1"/>
+          </a:fillRef>
+          <a:effectRef idx="0">
+            <a:schemeClr val="accent1"/>
+          </a:effectRef>
+          <a:fontRef idx="minor">
+            <a:schemeClr val="tx1"/>
+          </a:fontRef>
+        </p:style>
+      </p:cxnSp>
+      <p:sp>
+        <p:nvSpPr>
+          <p:cNvPr id="38" name="Oval 37"/>
+          <p:cNvSpPr/>
+          <p:nvPr/>
+        </p:nvSpPr>
+        <p:spPr bwMode="auto">
+          <a:xfrm>
+            <a:off x="7561643" y="4241708"/>
+            <a:ext cx="298015" cy="301450"/>
+          </a:xfrm>
+          <a:prstGeom prst="ellipse">
+            <a:avLst/>
+          </a:prstGeom>
+          <a:solidFill>
+            <a:schemeClr val="bg1"/>
+          </a:solidFill>
+          <a:ln w="57150">
+            <a:solidFill>
+              <a:srgbClr val="006DD6"/>
+            </a:solidFill>
+            <a:headEnd type="none" w="med" len="med"/>
+            <a:tailEnd type="none" w="med" len="med"/>
+          </a:ln>
+          <a:effectLst/>
+        </p:spPr>
+        <p:style>
+          <a:lnRef idx="1">
+            <a:schemeClr val="accent2"/>
+          </a:lnRef>
+          <a:fillRef idx="3">
+            <a:schemeClr val="accent2"/>
+          </a:fillRef>
+          <a:effectRef idx="2">
+            <a:schemeClr val="accent2"/>
+          </a:effectRef>
+          <a:fontRef idx="minor">
+            <a:schemeClr val="lt1"/>
+          </a:fontRef>
+        </p:style>
+        <p:txBody>
+          <a:bodyPr vert="horz" wrap="square" lIns="91436" tIns="45718" rIns="91436" bIns="45718" numCol="1" rtlCol="0" anchor="ctr" anchorCtr="0" compatLnSpc="1">
+            <a:prstTxWarp prst="textNoShape">
+              <a:avLst/>
+            </a:prstTxWarp>
+          </a:bodyPr>
+          <a:lstStyle/>
+          <a:p>
+            <a:pPr algn="ctr" defTabSz="914099" fontAlgn="base">
+              <a:spcBef>
+                <a:spcPct val="0"/>
+              </a:spcBef>
+              <a:spcAft>
+                <a:spcPct val="0"/>
+              </a:spcAft>
+            </a:pPr>
+            <a:endParaRPr lang="en-US" sz="2200" dirty="0">
+              <a:gradFill>
+                <a:gsLst>
+                  <a:gs pos="0">
+                    <a:srgbClr val="FFFFFF"/>
+                  </a:gs>
+                  <a:gs pos="100000">
+                    <a:srgbClr val="FFFFFF"/>
+                  </a:gs>
+                </a:gsLst>
+                <a:lin ang="5400000" scaled="0"/>
+              </a:gradFill>
+            </a:endParaRPr>
+          </a:p>
+        </p:txBody>
+      </p:sp>
+      <p:cxnSp>
+        <p:nvCxnSpPr>
+          <p:cNvPr id="39" name="Straight Connector 38"/>
+          <p:cNvCxnSpPr/>
+          <p:nvPr/>
+        </p:nvCxnSpPr>
+        <p:spPr>
+          <a:xfrm>
+            <a:off x="7023798" y="4842902"/>
+            <a:ext cx="522391" cy="0"/>
+          </a:xfrm>
+          <a:prstGeom prst="line">
+            <a:avLst/>
+          </a:prstGeom>
+          <a:ln w="57150">
+            <a:solidFill>
+              <a:srgbClr val="006DD6"/>
+            </a:solidFill>
+          </a:ln>
+        </p:spPr>
+        <p:style>
+          <a:lnRef idx="1">
+            <a:schemeClr val="accent1"/>
+          </a:lnRef>
+          <a:fillRef idx="0">
+            <a:schemeClr val="accent1"/>
+          </a:fillRef>
+          <a:effectRef idx="0">
+            <a:schemeClr val="accent1"/>
+          </a:effectRef>
+          <a:fontRef idx="minor">
+            <a:schemeClr val="tx1"/>
+          </a:fontRef>
+        </p:style>
+      </p:cxnSp>
+      <p:sp>
+        <p:nvSpPr>
+          <p:cNvPr id="41" name="Oval 40"/>
+          <p:cNvSpPr/>
+          <p:nvPr/>
+        </p:nvSpPr>
+        <p:spPr bwMode="auto">
+          <a:xfrm>
+            <a:off x="7561643" y="4683432"/>
+            <a:ext cx="298015" cy="301450"/>
+          </a:xfrm>
+          <a:prstGeom prst="ellipse">
+            <a:avLst/>
+          </a:prstGeom>
+          <a:solidFill>
+            <a:schemeClr val="bg1"/>
+          </a:solidFill>
+          <a:ln w="57150">
+            <a:solidFill>
+              <a:srgbClr val="006DD6"/>
+            </a:solidFill>
+            <a:headEnd type="none" w="med" len="med"/>
+            <a:tailEnd type="none" w="med" len="med"/>
+          </a:ln>
+          <a:effectLst/>
+        </p:spPr>
+        <p:style>
+          <a:lnRef idx="1">
+            <a:schemeClr val="accent2"/>
+          </a:lnRef>
+          <a:fillRef idx="3">
+            <a:schemeClr val="accent2"/>
+          </a:fillRef>
+          <a:effectRef idx="2">
+            <a:schemeClr val="accent2"/>
+          </a:effectRef>
+          <a:fontRef idx="minor">
+            <a:schemeClr val="lt1"/>
+          </a:fontRef>
+        </p:style>
+        <p:txBody>
+          <a:bodyPr vert="horz" wrap="square" lIns="91436" tIns="45718" rIns="91436" bIns="45718" numCol="1" rtlCol="0" anchor="ctr" anchorCtr="0" compatLnSpc="1">
+            <a:prstTxWarp prst="textNoShape">
+              <a:avLst/>
+            </a:prstTxWarp>
+          </a:bodyPr>
+          <a:lstStyle/>
+          <a:p>
+            <a:pPr algn="ctr" defTabSz="914099" fontAlgn="base">
+              <a:spcBef>
+                <a:spcPct val="0"/>
+              </a:spcBef>
+              <a:spcAft>
+                <a:spcPct val="0"/>
+              </a:spcAft>
+            </a:pPr>
+            <a:endParaRPr lang="en-US" sz="2200" dirty="0">
+              <a:gradFill>
+                <a:gsLst>
+                  <a:gs pos="0">
+                    <a:srgbClr val="FFFFFF"/>
+                  </a:gs>
+                  <a:gs pos="100000">
+                    <a:srgbClr val="FFFFFF"/>
+                  </a:gs>
+                </a:gsLst>
+                <a:lin ang="5400000" scaled="0"/>
+              </a:gradFill>
+            </a:endParaRPr>
+          </a:p>
+        </p:txBody>
+      </p:sp>
+      <p:cxnSp>
+        <p:nvCxnSpPr>
+          <p:cNvPr id="47" name="Straight Connector 46"/>
+          <p:cNvCxnSpPr/>
+          <p:nvPr/>
+        </p:nvCxnSpPr>
+        <p:spPr>
+          <a:xfrm>
+            <a:off x="7023798" y="5294271"/>
+            <a:ext cx="522391" cy="0"/>
+          </a:xfrm>
+          <a:prstGeom prst="line">
+            <a:avLst/>
+          </a:prstGeom>
+          <a:ln w="57150">
+            <a:solidFill>
+              <a:srgbClr val="006DD6"/>
+            </a:solidFill>
+          </a:ln>
+        </p:spPr>
+        <p:style>
+          <a:lnRef idx="1">
+            <a:schemeClr val="accent1"/>
+          </a:lnRef>
+          <a:fillRef idx="0">
+            <a:schemeClr val="accent1"/>
+          </a:fillRef>
+          <a:effectRef idx="0">
+            <a:schemeClr val="accent1"/>
+          </a:effectRef>
+          <a:fontRef idx="minor">
+            <a:schemeClr val="tx1"/>
+          </a:fontRef>
+        </p:style>
+      </p:cxnSp>
+      <p:sp>
+        <p:nvSpPr>
+          <p:cNvPr id="48" name="Oval 47"/>
+          <p:cNvSpPr/>
+          <p:nvPr/>
+        </p:nvSpPr>
+        <p:spPr bwMode="auto">
+          <a:xfrm>
+            <a:off x="7561643" y="5134801"/>
+            <a:ext cx="298015" cy="301450"/>
+          </a:xfrm>
+          <a:prstGeom prst="ellipse">
+            <a:avLst/>
+          </a:prstGeom>
+          <a:solidFill>
+            <a:schemeClr val="bg1"/>
+          </a:solidFill>
+          <a:ln w="57150">
+            <a:solidFill>
+              <a:srgbClr val="006DD6"/>
+            </a:solidFill>
+            <a:headEnd type="none" w="med" len="med"/>
+            <a:tailEnd type="none" w="med" len="med"/>
+          </a:ln>
+          <a:effectLst/>
+        </p:spPr>
+        <p:style>
+          <a:lnRef idx="1">
+            <a:schemeClr val="accent2"/>
+          </a:lnRef>
+          <a:fillRef idx="3">
+            <a:schemeClr val="accent2"/>
+          </a:fillRef>
+          <a:effectRef idx="2">
+            <a:schemeClr val="accent2"/>
+          </a:effectRef>
+          <a:fontRef idx="minor">
+            <a:schemeClr val="lt1"/>
+          </a:fontRef>
+        </p:style>
+        <p:txBody>
+          <a:bodyPr vert="horz" wrap="square" lIns="91436" tIns="45718" rIns="91436" bIns="45718" numCol="1" rtlCol="0" anchor="ctr" anchorCtr="0" compatLnSpc="1">
+            <a:prstTxWarp prst="textNoShape">
+              <a:avLst/>
+            </a:prstTxWarp>
+          </a:bodyPr>
+          <a:lstStyle/>
+          <a:p>
+            <a:pPr algn="ctr" defTabSz="914099" fontAlgn="base">
+              <a:spcBef>
+                <a:spcPct val="0"/>
+              </a:spcBef>
+              <a:spcAft>
+                <a:spcPct val="0"/>
+              </a:spcAft>
+            </a:pPr>
+            <a:endParaRPr lang="en-US" sz="2200" dirty="0">
+              <a:gradFill>
+                <a:gsLst>
+                  <a:gs pos="0">
+                    <a:srgbClr val="FFFFFF"/>
+                  </a:gs>
+                  <a:gs pos="100000">
+                    <a:srgbClr val="FFFFFF"/>
+                  </a:gs>
+                </a:gsLst>
+                <a:lin ang="5400000" scaled="0"/>
+              </a:gradFill>
+            </a:endParaRPr>
+          </a:p>
+        </p:txBody>
+      </p:sp>
+      <p:cxnSp>
+        <p:nvCxnSpPr>
+          <p:cNvPr id="49" name="Straight Connector 48"/>
+          <p:cNvCxnSpPr/>
+          <p:nvPr/>
+        </p:nvCxnSpPr>
+        <p:spPr>
+          <a:xfrm>
+            <a:off x="7023798" y="5726757"/>
+            <a:ext cx="522391" cy="0"/>
+          </a:xfrm>
+          <a:prstGeom prst="line">
+            <a:avLst/>
+          </a:prstGeom>
+          <a:ln w="57150">
+            <a:solidFill>
+              <a:srgbClr val="006DD6"/>
+            </a:solidFill>
+          </a:ln>
+        </p:spPr>
+        <p:style>
+          <a:lnRef idx="1">
+            <a:schemeClr val="accent1"/>
+          </a:lnRef>
+          <a:fillRef idx="0">
+            <a:schemeClr val="accent1"/>
+          </a:fillRef>
+          <a:effectRef idx="0">
+            <a:schemeClr val="accent1"/>
+          </a:effectRef>
+          <a:fontRef idx="minor">
+            <a:schemeClr val="tx1"/>
+          </a:fontRef>
+        </p:style>
+      </p:cxnSp>
+      <p:sp>
+        <p:nvSpPr>
+          <p:cNvPr id="50" name="Oval 49"/>
+          <p:cNvSpPr/>
+          <p:nvPr/>
+        </p:nvSpPr>
+        <p:spPr bwMode="auto">
+          <a:xfrm>
+            <a:off x="7561643" y="5567287"/>
+            <a:ext cx="298015" cy="301450"/>
+          </a:xfrm>
+          <a:prstGeom prst="ellipse">
+            <a:avLst/>
+          </a:prstGeom>
+          <a:solidFill>
+            <a:schemeClr val="bg1"/>
+          </a:solidFill>
+          <a:ln w="57150">
+            <a:solidFill>
+              <a:srgbClr val="006DD6"/>
+            </a:solidFill>
+            <a:headEnd type="none" w="med" len="med"/>
+            <a:tailEnd type="none" w="med" len="med"/>
+          </a:ln>
+          <a:effectLst/>
+        </p:spPr>
+        <p:style>
+          <a:lnRef idx="1">
+            <a:schemeClr val="accent2"/>
+          </a:lnRef>
+          <a:fillRef idx="3">
+            <a:schemeClr val="accent2"/>
+          </a:fillRef>
+          <a:effectRef idx="2">
+            <a:schemeClr val="accent2"/>
+          </a:effectRef>
+          <a:fontRef idx="minor">
+            <a:schemeClr val="lt1"/>
+          </a:fontRef>
+        </p:style>
+        <p:txBody>
+          <a:bodyPr vert="horz" wrap="square" lIns="91436" tIns="45718" rIns="91436" bIns="45718" numCol="1" rtlCol="0" anchor="ctr" anchorCtr="0" compatLnSpc="1">
+            <a:prstTxWarp prst="textNoShape">
+              <a:avLst/>
+            </a:prstTxWarp>
+          </a:bodyPr>
+          <a:lstStyle/>
+          <a:p>
+            <a:pPr algn="ctr" defTabSz="914099" fontAlgn="base">
+              <a:spcBef>
+                <a:spcPct val="0"/>
+              </a:spcBef>
+              <a:spcAft>
+                <a:spcPct val="0"/>
+              </a:spcAft>
+            </a:pPr>
+            <a:endParaRPr lang="en-US" sz="2200" dirty="0">
+              <a:gradFill>
+                <a:gsLst>
+                  <a:gs pos="0">
+                    <a:srgbClr val="FFFFFF"/>
+                  </a:gs>
+                  <a:gs pos="100000">
+                    <a:srgbClr val="FFFFFF"/>
+                  </a:gs>
+                </a:gsLst>
+                <a:lin ang="5400000" scaled="0"/>
+              </a:gradFill>
+            </a:endParaRPr>
+          </a:p>
+        </p:txBody>
+      </p:sp>
+      <p:sp>
+        <p:nvSpPr>
+          <p:cNvPr id="51" name="TextBox 50"/>
+          <p:cNvSpPr txBox="1"/>
+          <p:nvPr/>
+        </p:nvSpPr>
+        <p:spPr>
+          <a:xfrm>
+            <a:off x="8084034" y="5560557"/>
+            <a:ext cx="3029443" cy="332399"/>
+          </a:xfrm>
+          <a:prstGeom prst="rect">
+            <a:avLst/>
+          </a:prstGeom>
+          <a:noFill/>
+        </p:spPr>
+        <p:txBody>
+          <a:bodyPr wrap="square" lIns="0" tIns="0" rIns="0" bIns="0" rtlCol="0">
+            <a:spAutoFit/>
+          </a:bodyPr>
+          <a:lstStyle/>
+          <a:p>
+            <a:pPr>
+              <a:lnSpc>
+                <a:spcPct val="90000"/>
+              </a:lnSpc>
+              <a:spcBef>
+                <a:spcPct val="20000"/>
+              </a:spcBef>
+              <a:buSzPct val="80000"/>
+            </a:pPr>
+            <a:r>
+              <a:rPr lang="en-US" sz="2400" dirty="0" smtClean="0">
+                <a:solidFill>
+                  <a:srgbClr val="006DD6"/>
+                </a:solidFill>
+              </a:rPr>
+              <a:t>Other Output Sinks</a:t>
+            </a:r>
+            <a:endParaRPr lang="en-US" sz="2400" dirty="0">
+              <a:solidFill>
+                <a:srgbClr val="006DD6"/>
+              </a:solidFill>
+            </a:endParaRPr>
+          </a:p>
+        </p:txBody>
+      </p:sp>
+      <p:cxnSp>
+        <p:nvCxnSpPr>
+          <p:cNvPr id="52" name="Straight Connector 51"/>
+          <p:cNvCxnSpPr/>
+          <p:nvPr/>
+        </p:nvCxnSpPr>
+        <p:spPr>
+          <a:xfrm>
+            <a:off x="3215593" y="5716709"/>
+            <a:ext cx="522391" cy="0"/>
+          </a:xfrm>
+          <a:prstGeom prst="line">
+            <a:avLst/>
+          </a:prstGeom>
+          <a:ln w="57150">
+            <a:solidFill>
+              <a:srgbClr val="006DD6"/>
+            </a:solidFill>
+          </a:ln>
+        </p:spPr>
+        <p:style>
+          <a:lnRef idx="1">
+            <a:schemeClr val="accent1"/>
+          </a:lnRef>
+          <a:fillRef idx="0">
+            <a:schemeClr val="accent1"/>
+          </a:fillRef>
+          <a:effectRef idx="0">
+            <a:schemeClr val="accent1"/>
+          </a:effectRef>
+          <a:fontRef idx="minor">
+            <a:schemeClr val="tx1"/>
+          </a:fontRef>
+        </p:style>
+      </p:cxnSp>
+      <p:sp>
+        <p:nvSpPr>
+          <p:cNvPr id="53" name="Oval 52"/>
+          <p:cNvSpPr/>
+          <p:nvPr/>
+        </p:nvSpPr>
+        <p:spPr bwMode="auto">
+          <a:xfrm>
+            <a:off x="2929815" y="5542885"/>
+            <a:ext cx="298015" cy="301450"/>
+          </a:xfrm>
+          <a:prstGeom prst="ellipse">
+            <a:avLst/>
+          </a:prstGeom>
+          <a:solidFill>
+            <a:schemeClr val="bg1"/>
+          </a:solidFill>
+          <a:ln w="57150">
+            <a:solidFill>
+              <a:srgbClr val="006DD6"/>
+            </a:solidFill>
+            <a:headEnd type="none" w="med" len="med"/>
+            <a:tailEnd type="none" w="med" len="med"/>
+          </a:ln>
+          <a:effectLst/>
+        </p:spPr>
+        <p:style>
+          <a:lnRef idx="1">
+            <a:schemeClr val="accent2"/>
+          </a:lnRef>
+          <a:fillRef idx="3">
+            <a:schemeClr val="accent2"/>
+          </a:fillRef>
+          <a:effectRef idx="2">
+            <a:schemeClr val="accent2"/>
+          </a:effectRef>
+          <a:fontRef idx="minor">
+            <a:schemeClr val="lt1"/>
+          </a:fontRef>
+        </p:style>
+        <p:txBody>
+          <a:bodyPr vert="horz" wrap="square" lIns="91436" tIns="45718" rIns="91436" bIns="45718" numCol="1" rtlCol="0" anchor="ctr" anchorCtr="0" compatLnSpc="1">
+            <a:prstTxWarp prst="textNoShape">
+              <a:avLst/>
+            </a:prstTxWarp>
+          </a:bodyPr>
+          <a:lstStyle/>
+          <a:p>
+            <a:pPr algn="ctr" defTabSz="914099" fontAlgn="base">
+              <a:spcBef>
+                <a:spcPct val="0"/>
+              </a:spcBef>
+              <a:spcAft>
+                <a:spcPct val="0"/>
+              </a:spcAft>
+            </a:pPr>
+            <a:endParaRPr lang="en-US" sz="2200" dirty="0">
+              <a:gradFill>
+                <a:gsLst>
+                  <a:gs pos="0">
+                    <a:srgbClr val="FFFFFF"/>
+                  </a:gs>
+                  <a:gs pos="100000">
+                    <a:srgbClr val="FFFFFF"/>
+                  </a:gs>
+                </a:gsLst>
+                <a:lin ang="5400000" scaled="0"/>
+              </a:gradFill>
+            </a:endParaRPr>
+          </a:p>
+        </p:txBody>
+      </p:sp>
+      <p:sp>
+        <p:nvSpPr>
+          <p:cNvPr id="44" name="Rounded Rectangle 43"/>
+          <p:cNvSpPr/>
+          <p:nvPr/>
+        </p:nvSpPr>
+        <p:spPr bwMode="auto">
+          <a:xfrm>
+            <a:off x="3737987" y="3880971"/>
+            <a:ext cx="3285811" cy="2359056"/>
+          </a:xfrm>
+          <a:prstGeom prst="roundRect">
+            <a:avLst/>
+          </a:prstGeom>
+          <a:solidFill>
+            <a:schemeClr val="bg1"/>
+          </a:solidFill>
+          <a:ln w="57150">
+            <a:solidFill>
+              <a:srgbClr val="006DD6"/>
+            </a:solidFill>
+            <a:headEnd type="none" w="med" len="med"/>
+            <a:tailEnd type="none" w="med" len="med"/>
+          </a:ln>
+          <a:effectLst/>
+        </p:spPr>
+        <p:style>
+          <a:lnRef idx="1">
+            <a:schemeClr val="accent2"/>
+          </a:lnRef>
+          <a:fillRef idx="3">
+            <a:schemeClr val="accent2"/>
+          </a:fillRef>
+          <a:effectRef idx="2">
+            <a:schemeClr val="accent2"/>
+          </a:effectRef>
+          <a:fontRef idx="minor">
+            <a:schemeClr val="lt1"/>
+          </a:fontRef>
+        </p:style>
+        <p:txBody>
+          <a:bodyPr vert="horz" wrap="square" lIns="91436" tIns="45718" rIns="91436" bIns="45718" numCol="1" rtlCol="0" anchor="ctr" anchorCtr="0" compatLnSpc="1">
+            <a:prstTxWarp prst="textNoShape">
+              <a:avLst/>
+            </a:prstTxWarp>
+          </a:bodyPr>
+          <a:lstStyle/>
+          <a:p>
+            <a:pPr algn="ctr" defTabSz="914099" fontAlgn="base">
+              <a:spcBef>
+                <a:spcPct val="0"/>
+              </a:spcBef>
+              <a:spcAft>
+                <a:spcPct val="0"/>
+              </a:spcAft>
+            </a:pPr>
+            <a:endParaRPr lang="en-US" sz="2200" dirty="0" smtClean="0">
+              <a:gradFill>
+                <a:gsLst>
+                  <a:gs pos="0">
+                    <a:srgbClr val="FFFFFF"/>
+                  </a:gs>
+                  <a:gs pos="100000">
+                    <a:srgbClr val="FFFFFF"/>
+                  </a:gs>
+                </a:gsLst>
+                <a:lin ang="5400000" scaled="0"/>
+              </a:gradFill>
+            </a:endParaRPr>
+          </a:p>
+        </p:txBody>
+      </p:sp>
+      <p:pic>
+        <p:nvPicPr>
+          <p:cNvPr id="45" name="Picture 44"/>
+          <p:cNvPicPr>
+            <a:picLocks noChangeAspect="1"/>
+          </p:cNvPicPr>
+          <p:nvPr/>
+        </p:nvPicPr>
+        <p:blipFill>
+          <a:blip r:embed="rId3" cstate="print">
+            <a:extLst>
+              <a:ext uri="{28A0092B-C50C-407E-A947-70E740481C1C}">
+                <a14:useLocalDpi xmlns:a14="http://schemas.microsoft.com/office/drawing/2010/main" val="0"/>
+              </a:ext>
+            </a:extLst>
+          </a:blip>
+          <a:stretch>
+            <a:fillRect/>
+          </a:stretch>
+        </p:blipFill>
+        <p:spPr>
+          <a:xfrm>
+            <a:off x="4397148" y="3880971"/>
+            <a:ext cx="1967486" cy="1967486"/>
+          </a:xfrm>
+          <a:prstGeom prst="rect">
+            <a:avLst/>
+          </a:prstGeom>
+        </p:spPr>
+      </p:pic>
+      <p:sp>
+        <p:nvSpPr>
+          <p:cNvPr id="17" name="TextBox 16"/>
+          <p:cNvSpPr txBox="1"/>
+          <p:nvPr/>
+        </p:nvSpPr>
+        <p:spPr>
+          <a:xfrm>
+            <a:off x="4079670" y="5674838"/>
+            <a:ext cx="2602444" cy="387798"/>
+          </a:xfrm>
+          <a:prstGeom prst="rect">
+            <a:avLst/>
+          </a:prstGeom>
+          <a:noFill/>
+        </p:spPr>
+        <p:txBody>
+          <a:bodyPr wrap="none" lIns="0" tIns="0" rIns="0" bIns="0" rtlCol="0">
+            <a:spAutoFit/>
+          </a:bodyPr>
+          <a:lstStyle/>
+          <a:p>
+            <a:pPr algn="ctr">
+              <a:lnSpc>
+                <a:spcPct val="90000"/>
+              </a:lnSpc>
+              <a:spcBef>
+                <a:spcPct val="20000"/>
+              </a:spcBef>
+              <a:buSzPct val="80000"/>
+            </a:pPr>
+            <a:r>
+              <a:rPr lang="en-US" sz="2800" dirty="0" smtClean="0">
+                <a:solidFill>
+                  <a:srgbClr val="006DD6"/>
+                </a:solidFill>
+              </a:rPr>
+              <a:t>Stream Analytics</a:t>
+            </a:r>
+            <a:endParaRPr lang="en-US" sz="2800" dirty="0">
+              <a:solidFill>
+                <a:srgbClr val="006DD6"/>
+              </a:solidFill>
+            </a:endParaRPr>
           </a:p>
         </p:txBody>
       </p:sp>
     </p:spTree>
     <p:extLst>
       <p:ext uri="{BB962C8B-B14F-4D97-AF65-F5344CB8AC3E}">
-        <p14:creationId xmlns:p14="http://schemas.microsoft.com/office/powerpoint/2010/main" val="2234559650"/>
+        <p14:creationId xmlns:p14="http://schemas.microsoft.com/office/powerpoint/2010/main" val="3735685789"/>
       </p:ext>
     </p:extLst>
   </p:cSld>
@@ -11645,33 +13751,10 @@
             <p:ph type="title"/>
           </p:nvPr>
         </p:nvSpPr>
-        <p:spPr/>
-        <p:txBody>
-          <a:bodyPr/>
-          <a:lstStyle/>
-          <a:p>
-            <a:r>
-              <a:rPr lang="en-US" dirty="0" smtClean="0"/>
-              <a:t>Stream Analytics Query Language</a:t>
-            </a:r>
-            <a:endParaRPr lang="en-US" dirty="0"/>
-          </a:p>
-        </p:txBody>
-      </p:sp>
-      <p:sp>
-        <p:nvSpPr>
-          <p:cNvPr id="3" name="Content Placeholder 2"/>
-          <p:cNvSpPr>
-            <a:spLocks noGrp="1"/>
-          </p:cNvSpPr>
-          <p:nvPr>
-            <p:ph idx="1"/>
-          </p:nvPr>
-        </p:nvSpPr>
         <p:spPr>
           <a:xfrm>
-            <a:off x="519248" y="1447800"/>
-            <a:ext cx="11151916" cy="4252318"/>
+            <a:off x="519249" y="228603"/>
+            <a:ext cx="11151917" cy="747641"/>
           </a:xfrm>
         </p:spPr>
         <p:txBody>
@@ -11680,98 +13763,235 @@
           <a:p>
             <a:r>
               <a:rPr lang="en-US" dirty="0" smtClean="0"/>
-              <a:t>SQL-like language for querying live data streams</a:t>
-            </a:r>
-          </a:p>
-          <a:p>
-            <a:pPr lvl="1"/>
-            <a:r>
-              <a:rPr lang="en-US" dirty="0" smtClean="0"/>
-              <a:t>Subset of T-SQL</a:t>
-            </a:r>
-          </a:p>
-          <a:p>
-            <a:pPr lvl="1"/>
-            <a:r>
-              <a:rPr lang="en-US" dirty="0" smtClean="0"/>
-              <a:t>Supports </a:t>
-            </a:r>
-            <a:r>
-              <a:rPr lang="en-US" dirty="0" err="1" smtClean="0"/>
-              <a:t>bigint</a:t>
-            </a:r>
-            <a:r>
-              <a:rPr lang="en-US" dirty="0" smtClean="0"/>
-              <a:t>, float, </a:t>
-            </a:r>
-            <a:r>
-              <a:rPr lang="en-US" dirty="0" err="1" smtClean="0"/>
-              <a:t>nvarchar</a:t>
-            </a:r>
-            <a:r>
-              <a:rPr lang="en-US" dirty="0" smtClean="0"/>
-              <a:t>(max), </a:t>
-            </a:r>
-            <a:r>
-              <a:rPr lang="en-US" dirty="0" err="1" smtClean="0"/>
-              <a:t>datetime</a:t>
-            </a:r>
-            <a:r>
-              <a:rPr lang="en-US" dirty="0" smtClean="0"/>
-              <a:t>, record, and array</a:t>
-            </a:r>
-          </a:p>
-          <a:p>
-            <a:pPr lvl="1"/>
-            <a:r>
-              <a:rPr lang="en-US" dirty="0" smtClean="0"/>
-              <a:t>Supports SELECT, FROM, WHERE, GROUP BY, and other common Data Manipulation Language (DML) statements</a:t>
-            </a:r>
-          </a:p>
-          <a:p>
-            <a:pPr lvl="1"/>
-            <a:r>
-              <a:rPr lang="en-US" dirty="0" smtClean="0"/>
-              <a:t>Supports COUNT, AVG, DATEDIFF, and other common functions</a:t>
-            </a:r>
-          </a:p>
-          <a:p>
-            <a:r>
-              <a:rPr lang="en-US" dirty="0" smtClean="0"/>
-              <a:t>Supports temporal grouping of events via "windowing"</a:t>
-            </a:r>
-          </a:p>
-          <a:p>
-            <a:r>
-              <a:rPr lang="en-US" dirty="0" smtClean="0"/>
-              <a:t>Reference located at </a:t>
-            </a:r>
-            <a:r>
-              <a:rPr lang="en-US" dirty="0" smtClean="0">
-                <a:hlinkClick r:id="rId2"/>
-              </a:rPr>
-              <a:t>https</a:t>
-            </a:r>
-            <a:r>
-              <a:rPr lang="en-US" dirty="0">
-                <a:hlinkClick r:id="rId2"/>
-              </a:rPr>
-              <a:t>://</a:t>
-            </a:r>
-            <a:r>
-              <a:rPr lang="en-US" dirty="0" smtClean="0">
-                <a:hlinkClick r:id="rId2"/>
-              </a:rPr>
-              <a:t>msdn.microsoft.com/en-us/library/azure/dn834998.aspx</a:t>
+              <a:t>Querying a Data Stream</a:t>
             </a:r>
             <a:endParaRPr lang="en-US" dirty="0"/>
           </a:p>
         </p:txBody>
       </p:sp>
+      <p:sp>
+        <p:nvSpPr>
+          <p:cNvPr id="4" name="Rectangle 3"/>
+          <p:cNvSpPr/>
+          <p:nvPr/>
+        </p:nvSpPr>
+        <p:spPr bwMode="auto">
+          <a:xfrm>
+            <a:off x="876001" y="1696128"/>
+            <a:ext cx="10438410" cy="1589683"/>
+          </a:xfrm>
+          <a:prstGeom prst="rect">
+            <a:avLst/>
+          </a:prstGeom>
+          <a:solidFill>
+            <a:schemeClr val="tx1">
+              <a:lumMod val="10000"/>
+              <a:lumOff val="90000"/>
+            </a:schemeClr>
+          </a:solidFill>
+          <a:ln w="38100">
+            <a:solidFill>
+              <a:schemeClr val="tx1">
+                <a:lumMod val="50000"/>
+                <a:lumOff val="50000"/>
+              </a:schemeClr>
+            </a:solidFill>
+            <a:headEnd type="none" w="med" len="med"/>
+            <a:tailEnd type="none" w="med" len="med"/>
+          </a:ln>
+          <a:effectLst/>
+        </p:spPr>
+        <p:style>
+          <a:lnRef idx="1">
+            <a:schemeClr val="accent2"/>
+          </a:lnRef>
+          <a:fillRef idx="3">
+            <a:schemeClr val="accent2"/>
+          </a:fillRef>
+          <a:effectRef idx="2">
+            <a:schemeClr val="accent2"/>
+          </a:effectRef>
+          <a:fontRef idx="minor">
+            <a:schemeClr val="lt1"/>
+          </a:fontRef>
+        </p:style>
+        <p:txBody>
+          <a:bodyPr vert="horz" wrap="square" lIns="91436" tIns="45718" rIns="91436" bIns="45718" numCol="1" rtlCol="0" anchor="ctr" anchorCtr="0" compatLnSpc="1">
+            <a:prstTxWarp prst="textNoShape">
+              <a:avLst/>
+            </a:prstTxWarp>
+          </a:bodyPr>
+          <a:lstStyle/>
+          <a:p>
+            <a:pPr defTabSz="914099" fontAlgn="base">
+              <a:spcBef>
+                <a:spcPct val="0"/>
+              </a:spcBef>
+              <a:spcAft>
+                <a:spcPct val="0"/>
+              </a:spcAft>
+            </a:pPr>
+            <a:r>
+              <a:rPr lang="en-US" sz="2200" dirty="0" smtClean="0">
+                <a:solidFill>
+                  <a:schemeClr val="tx1"/>
+                </a:solidFill>
+                <a:latin typeface="Lucida Console" panose="020B0609040504020204" pitchFamily="49" charset="0"/>
+              </a:rPr>
+              <a:t> SELECT </a:t>
+            </a:r>
+            <a:r>
+              <a:rPr lang="en-US" sz="2200" dirty="0" err="1">
+                <a:solidFill>
+                  <a:schemeClr val="tx1"/>
+                </a:solidFill>
+                <a:latin typeface="Lucida Console" panose="020B0609040504020204" pitchFamily="49" charset="0"/>
+              </a:rPr>
+              <a:t>EntryTime</a:t>
+            </a:r>
+            <a:r>
+              <a:rPr lang="en-US" sz="2200" dirty="0">
+                <a:solidFill>
+                  <a:schemeClr val="tx1"/>
+                </a:solidFill>
+                <a:latin typeface="Lucida Console" panose="020B0609040504020204" pitchFamily="49" charset="0"/>
+              </a:rPr>
+              <a:t>, </a:t>
+            </a:r>
+            <a:r>
+              <a:rPr lang="en-US" sz="2200" dirty="0" err="1">
+                <a:solidFill>
+                  <a:schemeClr val="tx1"/>
+                </a:solidFill>
+                <a:latin typeface="Lucida Console" panose="020B0609040504020204" pitchFamily="49" charset="0"/>
+              </a:rPr>
+              <a:t>TollId</a:t>
+            </a:r>
+            <a:r>
+              <a:rPr lang="en-US" sz="2200" dirty="0">
+                <a:solidFill>
+                  <a:schemeClr val="tx1"/>
+                </a:solidFill>
+                <a:latin typeface="Lucida Console" panose="020B0609040504020204" pitchFamily="49" charset="0"/>
+              </a:rPr>
+              <a:t>, </a:t>
+            </a:r>
+            <a:r>
+              <a:rPr lang="en-US" sz="2200" dirty="0" err="1">
+                <a:solidFill>
+                  <a:schemeClr val="tx1"/>
+                </a:solidFill>
+                <a:latin typeface="Lucida Console" panose="020B0609040504020204" pitchFamily="49" charset="0"/>
+              </a:rPr>
+              <a:t>LicensePlate</a:t>
+            </a:r>
+            <a:endParaRPr lang="en-US" sz="2200" dirty="0">
+              <a:solidFill>
+                <a:schemeClr val="tx1"/>
+              </a:solidFill>
+              <a:latin typeface="Lucida Console" panose="020B0609040504020204" pitchFamily="49" charset="0"/>
+            </a:endParaRPr>
+          </a:p>
+          <a:p>
+            <a:pPr defTabSz="914099" fontAlgn="base">
+              <a:spcBef>
+                <a:spcPct val="0"/>
+              </a:spcBef>
+              <a:spcAft>
+                <a:spcPct val="0"/>
+              </a:spcAft>
+            </a:pPr>
+            <a:r>
+              <a:rPr lang="en-US" sz="2200" dirty="0" smtClean="0">
+                <a:solidFill>
+                  <a:schemeClr val="tx1"/>
+                </a:solidFill>
+                <a:latin typeface="Lucida Console" panose="020B0609040504020204" pitchFamily="49" charset="0"/>
+              </a:rPr>
+              <a:t> FROM </a:t>
+            </a:r>
+            <a:r>
+              <a:rPr lang="en-US" sz="2200" dirty="0" err="1">
+                <a:solidFill>
+                  <a:schemeClr val="tx1"/>
+                </a:solidFill>
+                <a:latin typeface="Lucida Console" panose="020B0609040504020204" pitchFamily="49" charset="0"/>
+              </a:rPr>
+              <a:t>EntryData</a:t>
+            </a:r>
+            <a:endParaRPr lang="en-US" sz="2200" dirty="0">
+              <a:solidFill>
+                <a:schemeClr val="tx1"/>
+              </a:solidFill>
+              <a:latin typeface="Lucida Console" panose="020B0609040504020204" pitchFamily="49" charset="0"/>
+            </a:endParaRPr>
+          </a:p>
+          <a:p>
+            <a:pPr defTabSz="914099" fontAlgn="base">
+              <a:spcBef>
+                <a:spcPct val="0"/>
+              </a:spcBef>
+              <a:spcAft>
+                <a:spcPct val="0"/>
+              </a:spcAft>
+            </a:pPr>
+            <a:r>
+              <a:rPr lang="en-US" sz="2200" dirty="0" smtClean="0">
+                <a:solidFill>
+                  <a:schemeClr val="tx1"/>
+                </a:solidFill>
+                <a:latin typeface="Lucida Console" panose="020B0609040504020204" pitchFamily="49" charset="0"/>
+              </a:rPr>
+              <a:t> WHERE Make </a:t>
+            </a:r>
+            <a:r>
+              <a:rPr lang="en-US" sz="2200" dirty="0">
+                <a:solidFill>
+                  <a:schemeClr val="tx1"/>
+                </a:solidFill>
+                <a:latin typeface="Lucida Console" panose="020B0609040504020204" pitchFamily="49" charset="0"/>
+              </a:rPr>
+              <a:t>= 'Honda' AND State = 'NJ'</a:t>
+            </a:r>
+          </a:p>
+        </p:txBody>
+      </p:sp>
+      <p:pic>
+        <p:nvPicPr>
+          <p:cNvPr id="5" name="Picture 4"/>
+          <p:cNvPicPr>
+            <a:picLocks noChangeAspect="1"/>
+          </p:cNvPicPr>
+          <p:nvPr/>
+        </p:nvPicPr>
+        <p:blipFill>
+          <a:blip r:embed="rId3"/>
+          <a:stretch>
+            <a:fillRect/>
+          </a:stretch>
+        </p:blipFill>
+        <p:spPr>
+          <a:xfrm>
+            <a:off x="876001" y="3767599"/>
+            <a:ext cx="10438410" cy="1277929"/>
+          </a:xfrm>
+          <a:prstGeom prst="rect">
+            <a:avLst/>
+          </a:prstGeom>
+          <a:ln>
+            <a:solidFill>
+              <a:schemeClr val="tx1">
+                <a:lumMod val="25000"/>
+                <a:lumOff val="75000"/>
+              </a:schemeClr>
+            </a:solidFill>
+          </a:ln>
+        </p:spPr>
+      </p:pic>
     </p:spTree>
     <p:extLst>
       <p:ext uri="{BB962C8B-B14F-4D97-AF65-F5344CB8AC3E}">
-        <p14:creationId xmlns:p14="http://schemas.microsoft.com/office/powerpoint/2010/main" val="2269441427"/>
+        <p14:creationId xmlns:p14="http://schemas.microsoft.com/office/powerpoint/2010/main" val="3870498861"/>
       </p:ext>
     </p:extLst>
   </p:cSld>
@@ -11818,14 +14038,23 @@
             <p:ph type="title"/>
           </p:nvPr>
         </p:nvSpPr>
-        <p:spPr/>
+        <p:spPr>
+          <a:xfrm>
+            <a:off x="519249" y="228603"/>
+            <a:ext cx="11151917" cy="747641"/>
+          </a:xfrm>
+        </p:spPr>
         <p:txBody>
           <a:bodyPr/>
           <a:lstStyle/>
           <a:p>
             <a:r>
+              <a:rPr lang="en-US" dirty="0" err="1" smtClean="0"/>
+              <a:t>JOINing</a:t>
+            </a:r>
+            <a:r>
               <a:rPr lang="en-US" dirty="0" smtClean="0"/>
-              <a:t>Selecting From a Data Stream</a:t>
+              <a:t> Two Data Streams</a:t>
             </a:r>
             <a:endParaRPr lang="en-US" dirty="0"/>
           </a:p>
@@ -11840,7 +14069,7 @@
         <p:spPr bwMode="auto">
           <a:xfrm>
             <a:off x="876001" y="1696128"/>
-            <a:ext cx="10438410" cy="1662545"/>
+            <a:ext cx="10438410" cy="2313164"/>
           </a:xfrm>
           <a:prstGeom prst="rect">
             <a:avLst/>
@@ -11894,22 +14123,94 @@
               </a:spcAft>
             </a:pPr>
             <a:r>
-              <a:rPr lang="en-US" sz="2200" dirty="0" smtClean="0">
+              <a:rPr lang="en-US" sz="2100" dirty="0" smtClean="0">
                 <a:solidFill>
                   <a:schemeClr val="tx1"/>
                 </a:solidFill>
                 <a:latin typeface="Lucida Console" panose="020B0609040504020204" pitchFamily="49" charset="0"/>
               </a:rPr>
-              <a:t> SELECT Time, ID</a:t>
-            </a:r>
-            <a:r>
-              <a:rPr lang="en-US" sz="2200" dirty="0">
+              <a:t> </a:t>
+            </a:r>
+            <a:r>
+              <a:rPr lang="en-US" sz="2100" dirty="0">
                 <a:solidFill>
                   <a:schemeClr val="tx1"/>
                 </a:solidFill>
                 <a:latin typeface="Lucida Console" panose="020B0609040504020204" pitchFamily="49" charset="0"/>
               </a:rPr>
-              <a:t>, Temperature</a:t>
+              <a:t>SELECT </a:t>
+            </a:r>
+            <a:r>
+              <a:rPr lang="en-US" sz="2100" dirty="0" err="1">
+                <a:solidFill>
+                  <a:schemeClr val="tx1"/>
+                </a:solidFill>
+                <a:latin typeface="Lucida Console" panose="020B0609040504020204" pitchFamily="49" charset="0"/>
+              </a:rPr>
+              <a:t>EN.TollId</a:t>
+            </a:r>
+            <a:r>
+              <a:rPr lang="en-US" sz="2100" dirty="0">
+                <a:solidFill>
+                  <a:schemeClr val="tx1"/>
+                </a:solidFill>
+                <a:latin typeface="Lucida Console" panose="020B0609040504020204" pitchFamily="49" charset="0"/>
+              </a:rPr>
+              <a:t>, </a:t>
+            </a:r>
+            <a:r>
+              <a:rPr lang="en-US" sz="2100" dirty="0" err="1">
+                <a:solidFill>
+                  <a:schemeClr val="tx1"/>
+                </a:solidFill>
+                <a:latin typeface="Lucida Console" panose="020B0609040504020204" pitchFamily="49" charset="0"/>
+              </a:rPr>
+              <a:t>EN.EntryTime</a:t>
+            </a:r>
+            <a:r>
+              <a:rPr lang="en-US" sz="2100" dirty="0">
+                <a:solidFill>
+                  <a:schemeClr val="tx1"/>
+                </a:solidFill>
+                <a:latin typeface="Lucida Console" panose="020B0609040504020204" pitchFamily="49" charset="0"/>
+              </a:rPr>
+              <a:t>, </a:t>
+            </a:r>
+            <a:r>
+              <a:rPr lang="en-US" sz="2100" dirty="0" err="1" smtClean="0">
+                <a:solidFill>
+                  <a:schemeClr val="tx1"/>
+                </a:solidFill>
+                <a:latin typeface="Lucida Console" panose="020B0609040504020204" pitchFamily="49" charset="0"/>
+              </a:rPr>
+              <a:t>EX.ExitTime</a:t>
+            </a:r>
+            <a:r>
+              <a:rPr lang="en-US" sz="2100" dirty="0" smtClean="0">
+                <a:solidFill>
+                  <a:schemeClr val="tx1"/>
+                </a:solidFill>
+                <a:latin typeface="Lucida Console" panose="020B0609040504020204" pitchFamily="49" charset="0"/>
+              </a:rPr>
+              <a:t>, </a:t>
+            </a:r>
+            <a:r>
+              <a:rPr lang="en-US" sz="2100" dirty="0" err="1" smtClean="0">
+                <a:solidFill>
+                  <a:schemeClr val="tx1"/>
+                </a:solidFill>
+                <a:latin typeface="Lucida Console" panose="020B0609040504020204" pitchFamily="49" charset="0"/>
+              </a:rPr>
+              <a:t>EN.LicensePlate</a:t>
+            </a:r>
+            <a:r>
+              <a:rPr lang="en-US" sz="2100" dirty="0">
+                <a:solidFill>
+                  <a:schemeClr val="tx1"/>
+                </a:solidFill>
+                <a:latin typeface="Lucida Console" panose="020B0609040504020204" pitchFamily="49" charset="0"/>
+              </a:rPr>
+              <a:t>, </a:t>
             </a:r>
           </a:p>
           <a:p>
@@ -11922,29 +14223,59 @@
               </a:spcAft>
             </a:pPr>
             <a:r>
-              <a:rPr lang="en-US" sz="2200" dirty="0" smtClean="0">
+              <a:rPr lang="en-US" sz="2100" dirty="0" smtClean="0">
                 <a:solidFill>
                   <a:schemeClr val="tx1"/>
                 </a:solidFill>
                 <a:latin typeface="Lucida Console" panose="020B0609040504020204" pitchFamily="49" charset="0"/>
               </a:rPr>
-              <a:t> FROM </a:t>
-            </a:r>
-            <a:r>
-              <a:rPr lang="en-US" sz="2200" dirty="0" err="1">
+              <a:t> DATEDIFF(minute</a:t>
+            </a:r>
+            <a:r>
+              <a:rPr lang="en-US" sz="2100" dirty="0">
                 <a:solidFill>
                   <a:schemeClr val="tx1"/>
                 </a:solidFill>
                 <a:latin typeface="Lucida Console" panose="020B0609040504020204" pitchFamily="49" charset="0"/>
               </a:rPr>
-              <a:t>TemperatureData</a:t>
-            </a:r>
-            <a:endParaRPr lang="en-US" sz="2200" dirty="0">
-              <a:solidFill>
-                <a:schemeClr val="tx1"/>
-              </a:solidFill>
-              <a:latin typeface="Lucida Console" panose="020B0609040504020204" pitchFamily="49" charset="0"/>
-            </a:endParaRPr>
+              <a:t>, </a:t>
+            </a:r>
+            <a:r>
+              <a:rPr lang="en-US" sz="2100" dirty="0" err="1">
+                <a:solidFill>
+                  <a:schemeClr val="tx1"/>
+                </a:solidFill>
+                <a:latin typeface="Lucida Console" panose="020B0609040504020204" pitchFamily="49" charset="0"/>
+              </a:rPr>
+              <a:t>EN.EntryTime</a:t>
+            </a:r>
+            <a:r>
+              <a:rPr lang="en-US" sz="2100" dirty="0">
+                <a:solidFill>
+                  <a:schemeClr val="tx1"/>
+                </a:solidFill>
+                <a:latin typeface="Lucida Console" panose="020B0609040504020204" pitchFamily="49" charset="0"/>
+              </a:rPr>
+              <a:t>, </a:t>
+            </a:r>
+            <a:r>
+              <a:rPr lang="en-US" sz="2100" dirty="0" err="1" smtClean="0">
+                <a:solidFill>
+                  <a:schemeClr val="tx1"/>
+                </a:solidFill>
+                <a:latin typeface="Lucida Console" panose="020B0609040504020204" pitchFamily="49" charset="0"/>
+              </a:rPr>
+              <a:t>EX.ExitTime</a:t>
+            </a:r>
+            <a:r>
+              <a:rPr lang="en-US" sz="2100" dirty="0">
+                <a:solidFill>
+                  <a:schemeClr val="tx1"/>
+                </a:solidFill>
+                <a:latin typeface="Lucida Console" panose="020B0609040504020204" pitchFamily="49" charset="0"/>
+              </a:rPr>
+              <a:t>) AS Minutes</a:t>
+            </a:r>
           </a:p>
           <a:p>
             <a:pPr defTabSz="914099" fontAlgn="base">
@@ -11956,44 +14287,245 @@
               </a:spcAft>
             </a:pPr>
             <a:r>
-              <a:rPr lang="en-US" sz="2200" dirty="0" smtClean="0">
+              <a:rPr lang="en-US" sz="2100" dirty="0" smtClean="0">
                 <a:solidFill>
                   <a:schemeClr val="tx1"/>
                 </a:solidFill>
                 <a:latin typeface="Lucida Console" panose="020B0609040504020204" pitchFamily="49" charset="0"/>
               </a:rPr>
-              <a:t> WHERE </a:t>
-            </a:r>
-            <a:r>
-              <a:rPr lang="en-US" sz="2200" dirty="0">
+              <a:t> FROM </a:t>
+            </a:r>
+            <a:r>
+              <a:rPr lang="en-US" sz="2100" dirty="0" err="1">
                 <a:solidFill>
                   <a:schemeClr val="tx1"/>
                 </a:solidFill>
                 <a:latin typeface="Lucida Console" panose="020B0609040504020204" pitchFamily="49" charset="0"/>
               </a:rPr>
-              <a:t>Temperature &gt; 150</a:t>
+              <a:t>EntryData</a:t>
+            </a:r>
+            <a:r>
+              <a:rPr lang="en-US" sz="2100" dirty="0">
+                <a:solidFill>
+                  <a:schemeClr val="tx1"/>
+                </a:solidFill>
+                <a:latin typeface="Lucida Console" panose="020B0609040504020204" pitchFamily="49" charset="0"/>
+              </a:rPr>
+              <a:t> EN TIMESTAMP BY </a:t>
+            </a:r>
+            <a:r>
+              <a:rPr lang="en-US" sz="2100" dirty="0" err="1">
+                <a:solidFill>
+                  <a:schemeClr val="tx1"/>
+                </a:solidFill>
+                <a:latin typeface="Lucida Console" panose="020B0609040504020204" pitchFamily="49" charset="0"/>
+              </a:rPr>
+              <a:t>EntryTime</a:t>
+            </a:r>
+            <a:endParaRPr lang="en-US" sz="2100" dirty="0">
+              <a:solidFill>
+                <a:schemeClr val="tx1"/>
+              </a:solidFill>
+              <a:latin typeface="Lucida Console" panose="020B0609040504020204" pitchFamily="49" charset="0"/>
+            </a:endParaRPr>
+          </a:p>
+          <a:p>
+            <a:pPr defTabSz="914099" fontAlgn="base">
+              <a:spcBef>
+                <a:spcPct val="0"/>
+              </a:spcBef>
+              <a:spcAft>
+                <a:spcPct val="0"/>
+              </a:spcAft>
+            </a:pPr>
+            <a:r>
+              <a:rPr lang="en-US" sz="2100" dirty="0" smtClean="0">
+                <a:solidFill>
+                  <a:schemeClr val="tx1"/>
+                </a:solidFill>
+                <a:latin typeface="Lucida Console" panose="020B0609040504020204" pitchFamily="49" charset="0"/>
+              </a:rPr>
+              <a:t> JOIN </a:t>
+            </a:r>
+            <a:r>
+              <a:rPr lang="en-US" sz="2100" dirty="0" err="1">
+                <a:solidFill>
+                  <a:schemeClr val="tx1"/>
+                </a:solidFill>
+                <a:latin typeface="Lucida Console" panose="020B0609040504020204" pitchFamily="49" charset="0"/>
+              </a:rPr>
+              <a:t>ExitData</a:t>
+            </a:r>
+            <a:r>
+              <a:rPr lang="en-US" sz="2100" dirty="0">
+                <a:solidFill>
+                  <a:schemeClr val="tx1"/>
+                </a:solidFill>
+                <a:latin typeface="Lucida Console" panose="020B0609040504020204" pitchFamily="49" charset="0"/>
+              </a:rPr>
+              <a:t> EX TIMESTAMP BY </a:t>
+            </a:r>
+            <a:r>
+              <a:rPr lang="en-US" sz="2100" dirty="0" err="1">
+                <a:solidFill>
+                  <a:schemeClr val="tx1"/>
+                </a:solidFill>
+                <a:latin typeface="Lucida Console" panose="020B0609040504020204" pitchFamily="49" charset="0"/>
+              </a:rPr>
+              <a:t>ExitTime</a:t>
+            </a:r>
+            <a:endParaRPr lang="en-US" sz="2100" dirty="0">
+              <a:solidFill>
+                <a:schemeClr val="tx1"/>
+              </a:solidFill>
+              <a:latin typeface="Lucida Console" panose="020B0609040504020204" pitchFamily="49" charset="0"/>
+            </a:endParaRPr>
+          </a:p>
+          <a:p>
+            <a:pPr defTabSz="914099" fontAlgn="base">
+              <a:spcBef>
+                <a:spcPct val="0"/>
+              </a:spcBef>
+              <a:spcAft>
+                <a:spcPct val="0"/>
+              </a:spcAft>
+            </a:pPr>
+            <a:r>
+              <a:rPr lang="en-US" sz="2100" dirty="0" smtClean="0">
+                <a:solidFill>
+                  <a:schemeClr val="tx1"/>
+                </a:solidFill>
+                <a:latin typeface="Lucida Console" panose="020B0609040504020204" pitchFamily="49" charset="0"/>
+              </a:rPr>
+              <a:t> ON </a:t>
+            </a:r>
+            <a:r>
+              <a:rPr lang="en-US" sz="2100" dirty="0" err="1">
+                <a:solidFill>
+                  <a:schemeClr val="tx1"/>
+                </a:solidFill>
+                <a:latin typeface="Lucida Console" panose="020B0609040504020204" pitchFamily="49" charset="0"/>
+              </a:rPr>
+              <a:t>EN.TollId</a:t>
+            </a:r>
+            <a:r>
+              <a:rPr lang="en-US" sz="2100" dirty="0">
+                <a:solidFill>
+                  <a:schemeClr val="tx1"/>
+                </a:solidFill>
+                <a:latin typeface="Lucida Console" panose="020B0609040504020204" pitchFamily="49" charset="0"/>
+              </a:rPr>
+              <a:t> = </a:t>
+            </a:r>
+            <a:r>
+              <a:rPr lang="en-US" sz="2100" dirty="0" err="1">
+                <a:solidFill>
+                  <a:schemeClr val="tx1"/>
+                </a:solidFill>
+                <a:latin typeface="Lucida Console" panose="020B0609040504020204" pitchFamily="49" charset="0"/>
+              </a:rPr>
+              <a:t>EX.TollId</a:t>
+            </a:r>
+            <a:r>
+              <a:rPr lang="en-US" sz="2100" dirty="0">
+                <a:solidFill>
+                  <a:schemeClr val="tx1"/>
+                </a:solidFill>
+                <a:latin typeface="Lucida Console" panose="020B0609040504020204" pitchFamily="49" charset="0"/>
+              </a:rPr>
+              <a:t> AND </a:t>
+            </a:r>
+            <a:r>
+              <a:rPr lang="en-US" sz="2100" dirty="0" err="1">
+                <a:solidFill>
+                  <a:schemeClr val="tx1"/>
+                </a:solidFill>
+                <a:latin typeface="Lucida Console" panose="020B0609040504020204" pitchFamily="49" charset="0"/>
+              </a:rPr>
+              <a:t>EN.LicensePlate</a:t>
+            </a:r>
+            <a:r>
+              <a:rPr lang="en-US" sz="2100" dirty="0">
+                <a:solidFill>
+                  <a:schemeClr val="tx1"/>
+                </a:solidFill>
+                <a:latin typeface="Lucida Console" panose="020B0609040504020204" pitchFamily="49" charset="0"/>
+              </a:rPr>
+              <a:t> </a:t>
+            </a:r>
+            <a:r>
+              <a:rPr lang="en-US" sz="2100" dirty="0" smtClean="0">
+                <a:solidFill>
+                  <a:schemeClr val="tx1"/>
+                </a:solidFill>
+                <a:latin typeface="Lucida Console" panose="020B0609040504020204" pitchFamily="49" charset="0"/>
+              </a:rPr>
+              <a:t>= </a:t>
+            </a:r>
+            <a:r>
+              <a:rPr lang="en-US" sz="2100" dirty="0" err="1" smtClean="0">
+                <a:solidFill>
+                  <a:schemeClr val="tx1"/>
+                </a:solidFill>
+                <a:latin typeface="Lucida Console" panose="020B0609040504020204" pitchFamily="49" charset="0"/>
+              </a:rPr>
+              <a:t>EX.LicensePlate</a:t>
+            </a:r>
+            <a:endParaRPr lang="en-US" sz="2100" dirty="0">
+              <a:solidFill>
+                <a:schemeClr val="tx1"/>
+              </a:solidFill>
+              <a:latin typeface="Lucida Console" panose="020B0609040504020204" pitchFamily="49" charset="0"/>
+            </a:endParaRPr>
+          </a:p>
+          <a:p>
+            <a:pPr defTabSz="914099" fontAlgn="base">
+              <a:spcBef>
+                <a:spcPct val="0"/>
+              </a:spcBef>
+              <a:spcAft>
+                <a:spcPct val="0"/>
+              </a:spcAft>
+            </a:pPr>
+            <a:r>
+              <a:rPr lang="en-US" sz="2100" dirty="0" smtClean="0">
+                <a:solidFill>
+                  <a:schemeClr val="tx1"/>
+                </a:solidFill>
+                <a:latin typeface="Lucida Console" panose="020B0609040504020204" pitchFamily="49" charset="0"/>
+              </a:rPr>
+              <a:t> AND </a:t>
+            </a:r>
+            <a:r>
+              <a:rPr lang="en-US" sz="2100" dirty="0">
+                <a:solidFill>
+                  <a:schemeClr val="tx1"/>
+                </a:solidFill>
+                <a:latin typeface="Lucida Console" panose="020B0609040504020204" pitchFamily="49" charset="0"/>
+              </a:rPr>
+              <a:t>DATEDIFF(minute, EN, EX) BETWEEN 0 AND 15</a:t>
             </a:r>
           </a:p>
         </p:txBody>
       </p:sp>
       <p:pic>
         <p:nvPicPr>
-          <p:cNvPr id="3" name="Picture 2"/>
+          <p:cNvPr id="5" name="Picture 4"/>
           <p:cNvPicPr>
             <a:picLocks noChangeAspect="1"/>
           </p:cNvPicPr>
           <p:nvPr/>
         </p:nvPicPr>
         <p:blipFill>
-          <a:blip r:embed="rId2"/>
+          <a:blip r:embed="rId3"/>
           <a:stretch>
             <a:fillRect/>
           </a:stretch>
         </p:blipFill>
         <p:spPr>
           <a:xfrm>
-            <a:off x="876001" y="3914960"/>
-            <a:ext cx="10438410" cy="977674"/>
+            <a:off x="876001" y="4491080"/>
+            <a:ext cx="10452470" cy="1634690"/>
           </a:xfrm>
           <a:prstGeom prst="rect">
             <a:avLst/>
@@ -12011,7 +14543,7 @@
     </p:spTree>
     <p:extLst>
       <p:ext uri="{BB962C8B-B14F-4D97-AF65-F5344CB8AC3E}">
-        <p14:creationId xmlns:p14="http://schemas.microsoft.com/office/powerpoint/2010/main" val="3876381475"/>
+        <p14:creationId xmlns:p14="http://schemas.microsoft.com/office/powerpoint/2010/main" val="4025450887"/>
       </p:ext>
     </p:extLst>
   </p:cSld>
@@ -12058,10 +14590,33 @@
             <p:ph type="title"/>
           </p:nvPr>
         </p:nvSpPr>
+        <p:spPr/>
+        <p:txBody>
+          <a:bodyPr/>
+          <a:lstStyle/>
+          <a:p>
+            <a:r>
+              <a:rPr lang="en-US" dirty="0" smtClean="0"/>
+              <a:t>Windowing</a:t>
+            </a:r>
+            <a:endParaRPr lang="en-US" dirty="0"/>
+          </a:p>
+        </p:txBody>
+      </p:sp>
+      <p:sp>
+        <p:nvSpPr>
+          <p:cNvPr id="3" name="Content Placeholder 2"/>
+          <p:cNvSpPr>
+            <a:spLocks noGrp="1"/>
+          </p:cNvSpPr>
+          <p:nvPr>
+            <p:ph idx="1"/>
+          </p:nvPr>
+        </p:nvSpPr>
         <p:spPr>
           <a:xfrm>
-            <a:off x="519249" y="228603"/>
-            <a:ext cx="11151917" cy="747641"/>
+            <a:off x="519248" y="1447800"/>
+            <a:ext cx="10999818" cy="886140"/>
           </a:xfrm>
         </p:spPr>
         <p:txBody>
@@ -12070,39 +14625,61 @@
           <a:p>
             <a:r>
               <a:rPr lang="en-US" dirty="0" smtClean="0"/>
-              <a:t>Combining Two Data Streams</a:t>
-            </a:r>
-            <a:endParaRPr lang="en-US" dirty="0"/>
+              <a:t>Core requirement for stream-processing systems for counting or aggregating events in a specified time period</a:t>
+            </a:r>
           </a:p>
         </p:txBody>
       </p:sp>
+      <p:cxnSp>
+        <p:nvCxnSpPr>
+          <p:cNvPr id="9" name="Straight Connector 8"/>
+          <p:cNvCxnSpPr/>
+          <p:nvPr/>
+        </p:nvCxnSpPr>
+        <p:spPr>
+          <a:xfrm>
+            <a:off x="688763" y="3313215"/>
+            <a:ext cx="2945083" cy="8905"/>
+          </a:xfrm>
+          <a:prstGeom prst="line">
+            <a:avLst/>
+          </a:prstGeom>
+          <a:ln w="38100"/>
+        </p:spPr>
+        <p:style>
+          <a:lnRef idx="1">
+            <a:schemeClr val="accent1"/>
+          </a:lnRef>
+          <a:fillRef idx="0">
+            <a:schemeClr val="accent1"/>
+          </a:fillRef>
+          <a:effectRef idx="0">
+            <a:schemeClr val="accent1"/>
+          </a:effectRef>
+          <a:fontRef idx="minor">
+            <a:schemeClr val="tx1"/>
+          </a:fontRef>
+        </p:style>
+      </p:cxnSp>
       <p:sp>
         <p:nvSpPr>
-          <p:cNvPr id="4" name="Rectangle 3"/>
+          <p:cNvPr id="10" name="Rectangle 9"/>
           <p:cNvSpPr/>
           <p:nvPr/>
         </p:nvSpPr>
         <p:spPr bwMode="auto">
           <a:xfrm>
-            <a:off x="876001" y="1696128"/>
-            <a:ext cx="10438410" cy="2662116"/>
+            <a:off x="902519" y="3247900"/>
+            <a:ext cx="95002" cy="148441"/>
           </a:xfrm>
           <a:prstGeom prst="rect">
             <a:avLst/>
           </a:prstGeom>
           <a:solidFill>
-            <a:schemeClr val="tx1">
-              <a:lumMod val="10000"/>
-              <a:lumOff val="90000"/>
-            </a:schemeClr>
+            <a:schemeClr val="accent2"/>
           </a:solidFill>
-          <a:ln w="38100">
-            <a:solidFill>
-              <a:schemeClr val="tx1">
-                <a:lumMod val="50000"/>
-                <a:lumOff val="50000"/>
-              </a:schemeClr>
-            </a:solidFill>
+          <a:ln>
+            <a:noFill/>
             <a:headEnd type="none" w="med" len="med"/>
             <a:tailEnd type="none" w="med" len="med"/>
           </a:ln>
@@ -12130,7 +14707,7 @@
           </a:bodyPr>
           <a:lstStyle/>
           <a:p>
-            <a:pPr defTabSz="914099" fontAlgn="base">
+            <a:pPr algn="ctr" defTabSz="914099" fontAlgn="base">
               <a:spcBef>
                 <a:spcPct val="0"/>
               </a:spcBef>
@@ -12138,18 +14715,69 @@
                 <a:spcPct val="0"/>
               </a:spcAft>
             </a:pPr>
-            <a:r>
-              <a:rPr lang="en-US" sz="2200" dirty="0">
-                <a:solidFill>
-                  <a:schemeClr val="tx1"/>
-                </a:solidFill>
-                <a:latin typeface="Lucida Console" panose="020B0609040504020204" pitchFamily="49" charset="0"/>
-              </a:rPr>
-              <a:t> SELECT S1.ID, S1.Temperature, S2.Voltage</a:t>
-            </a:r>
-          </a:p>
-          <a:p>
-            <a:pPr defTabSz="914099" fontAlgn="base">
+            <a:endParaRPr lang="en-US" sz="2200" dirty="0" smtClean="0">
+              <a:gradFill>
+                <a:gsLst>
+                  <a:gs pos="0">
+                    <a:srgbClr val="FFFFFF"/>
+                  </a:gs>
+                  <a:gs pos="100000">
+                    <a:srgbClr val="FFFFFF"/>
+                  </a:gs>
+                </a:gsLst>
+                <a:lin ang="5400000" scaled="0"/>
+              </a:gradFill>
+            </a:endParaRPr>
+          </a:p>
+        </p:txBody>
+      </p:sp>
+      <p:sp>
+        <p:nvSpPr>
+          <p:cNvPr id="11" name="Rectangle 10"/>
+          <p:cNvSpPr/>
+          <p:nvPr/>
+        </p:nvSpPr>
+        <p:spPr bwMode="auto">
+          <a:xfrm>
+            <a:off x="1080649" y="3247900"/>
+            <a:ext cx="95002" cy="148441"/>
+          </a:xfrm>
+          <a:prstGeom prst="rect">
+            <a:avLst/>
+          </a:prstGeom>
+          <a:solidFill>
+            <a:schemeClr val="accent2"/>
+          </a:solidFill>
+          <a:ln>
+            <a:noFill/>
+            <a:headEnd type="none" w="med" len="med"/>
+            <a:tailEnd type="none" w="med" len="med"/>
+          </a:ln>
+          <a:effectLst/>
+        </p:spPr>
+        <p:style>
+          <a:lnRef idx="1">
+            <a:schemeClr val="accent2"/>
+          </a:lnRef>
+          <a:fillRef idx="3">
+            <a:schemeClr val="accent2"/>
+          </a:fillRef>
+          <a:effectRef idx="2">
+            <a:schemeClr val="accent2"/>
+          </a:effectRef>
+          <a:fontRef idx="minor">
+            <a:schemeClr val="lt1"/>
+          </a:fontRef>
+        </p:style>
+        <p:txBody>
+          <a:bodyPr vert="horz" wrap="square" lIns="91436" tIns="45718" rIns="91436" bIns="45718" numCol="1" rtlCol="0" anchor="ctr" anchorCtr="0" compatLnSpc="1">
+            <a:prstTxWarp prst="textNoShape">
+              <a:avLst/>
+            </a:prstTxWarp>
+          </a:bodyPr>
+          <a:lstStyle/>
+          <a:p>
+            <a:pPr algn="ctr" defTabSz="914099" fontAlgn="base">
               <a:spcBef>
                 <a:spcPct val="0"/>
               </a:spcBef>
@@ -12157,36 +14785,69 @@
                 <a:spcPct val="0"/>
               </a:spcAft>
             </a:pPr>
-            <a:r>
-              <a:rPr lang="en-US" sz="2200" dirty="0" smtClean="0">
-                <a:solidFill>
-                  <a:schemeClr val="tx1"/>
-                </a:solidFill>
-                <a:latin typeface="Lucida Console" panose="020B0609040504020204" pitchFamily="49" charset="0"/>
-              </a:rPr>
-              <a:t> FROM </a:t>
-            </a:r>
-            <a:r>
-              <a:rPr lang="en-US" sz="2200" dirty="0" err="1">
-                <a:solidFill>
-                  <a:schemeClr val="tx1"/>
-                </a:solidFill>
-                <a:latin typeface="Lucida Console" panose="020B0609040504020204" pitchFamily="49" charset="0"/>
-              </a:rPr>
-              <a:t>TemperatureData</a:t>
-            </a:r>
-            <a:r>
-              <a:rPr lang="en-US" sz="2200" dirty="0">
-                <a:solidFill>
-                  <a:schemeClr val="tx1"/>
-                </a:solidFill>
-                <a:latin typeface="Lucida Console" panose="020B0609040504020204" pitchFamily="49" charset="0"/>
-              </a:rPr>
-              <a:t> S1 TIMESTAMP BY Time</a:t>
-            </a:r>
-          </a:p>
-          <a:p>
-            <a:pPr defTabSz="914099" fontAlgn="base">
+            <a:endParaRPr lang="en-US" sz="2200" dirty="0" smtClean="0">
+              <a:gradFill>
+                <a:gsLst>
+                  <a:gs pos="0">
+                    <a:srgbClr val="FFFFFF"/>
+                  </a:gs>
+                  <a:gs pos="100000">
+                    <a:srgbClr val="FFFFFF"/>
+                  </a:gs>
+                </a:gsLst>
+                <a:lin ang="5400000" scaled="0"/>
+              </a:gradFill>
+            </a:endParaRPr>
+          </a:p>
+        </p:txBody>
+      </p:sp>
+      <p:sp>
+        <p:nvSpPr>
+          <p:cNvPr id="12" name="Rectangle 11"/>
+          <p:cNvSpPr/>
+          <p:nvPr/>
+        </p:nvSpPr>
+        <p:spPr bwMode="auto">
+          <a:xfrm>
+            <a:off x="1258779" y="3247900"/>
+            <a:ext cx="95002" cy="148441"/>
+          </a:xfrm>
+          <a:prstGeom prst="rect">
+            <a:avLst/>
+          </a:prstGeom>
+          <a:solidFill>
+            <a:schemeClr val="accent2"/>
+          </a:solidFill>
+          <a:ln>
+            <a:noFill/>
+            <a:headEnd type="none" w="med" len="med"/>
+            <a:tailEnd type="none" w="med" len="med"/>
+          </a:ln>
+          <a:effectLst/>
+        </p:spPr>
+        <p:style>
+          <a:lnRef idx="1">
+            <a:schemeClr val="accent2"/>
+          </a:lnRef>
+          <a:fillRef idx="3">
+            <a:schemeClr val="accent2"/>
+          </a:fillRef>
+          <a:effectRef idx="2">
+            <a:schemeClr val="accent2"/>
+          </a:effectRef>
+          <a:fontRef idx="minor">
+            <a:schemeClr val="lt1"/>
+          </a:fontRef>
+        </p:style>
+        <p:txBody>
+          <a:bodyPr vert="horz" wrap="square" lIns="91436" tIns="45718" rIns="91436" bIns="45718" numCol="1" rtlCol="0" anchor="ctr" anchorCtr="0" compatLnSpc="1">
+            <a:prstTxWarp prst="textNoShape">
+              <a:avLst/>
+            </a:prstTxWarp>
+          </a:bodyPr>
+          <a:lstStyle/>
+          <a:p>
+            <a:pPr algn="ctr" defTabSz="914099" fontAlgn="base">
               <a:spcBef>
                 <a:spcPct val="0"/>
               </a:spcBef>
@@ -12194,36 +14855,69 @@
                 <a:spcPct val="0"/>
               </a:spcAft>
             </a:pPr>
-            <a:r>
-              <a:rPr lang="en-US" sz="2200" dirty="0">
-                <a:solidFill>
-                  <a:schemeClr val="tx1"/>
-                </a:solidFill>
-                <a:latin typeface="Lucida Console" panose="020B0609040504020204" pitchFamily="49" charset="0"/>
-              </a:rPr>
-              <a:t> JOIN </a:t>
-            </a:r>
-            <a:r>
-              <a:rPr lang="en-US" sz="2200" dirty="0" err="1">
-                <a:solidFill>
-                  <a:schemeClr val="tx1"/>
-                </a:solidFill>
-                <a:latin typeface="Lucida Console" panose="020B0609040504020204" pitchFamily="49" charset="0"/>
-              </a:rPr>
-              <a:t>VoltageData</a:t>
-            </a:r>
-            <a:r>
-              <a:rPr lang="en-US" sz="2200" dirty="0">
-                <a:solidFill>
-                  <a:schemeClr val="tx1"/>
-                </a:solidFill>
-                <a:latin typeface="Lucida Console" panose="020B0609040504020204" pitchFamily="49" charset="0"/>
-              </a:rPr>
-              <a:t> S2 TIMESTAMP BY Time</a:t>
-            </a:r>
-          </a:p>
-          <a:p>
-            <a:pPr defTabSz="914099" fontAlgn="base">
+            <a:endParaRPr lang="en-US" sz="2200" dirty="0" smtClean="0">
+              <a:gradFill>
+                <a:gsLst>
+                  <a:gs pos="0">
+                    <a:srgbClr val="FFFFFF"/>
+                  </a:gs>
+                  <a:gs pos="100000">
+                    <a:srgbClr val="FFFFFF"/>
+                  </a:gs>
+                </a:gsLst>
+                <a:lin ang="5400000" scaled="0"/>
+              </a:gradFill>
+            </a:endParaRPr>
+          </a:p>
+        </p:txBody>
+      </p:sp>
+      <p:sp>
+        <p:nvSpPr>
+          <p:cNvPr id="13" name="Rectangle 12"/>
+          <p:cNvSpPr/>
+          <p:nvPr/>
+        </p:nvSpPr>
+        <p:spPr bwMode="auto">
+          <a:xfrm>
+            <a:off x="2636317" y="3247900"/>
+            <a:ext cx="95002" cy="148441"/>
+          </a:xfrm>
+          <a:prstGeom prst="rect">
+            <a:avLst/>
+          </a:prstGeom>
+          <a:solidFill>
+            <a:schemeClr val="accent2"/>
+          </a:solidFill>
+          <a:ln>
+            <a:noFill/>
+            <a:headEnd type="none" w="med" len="med"/>
+            <a:tailEnd type="none" w="med" len="med"/>
+          </a:ln>
+          <a:effectLst/>
+        </p:spPr>
+        <p:style>
+          <a:lnRef idx="1">
+            <a:schemeClr val="accent2"/>
+          </a:lnRef>
+          <a:fillRef idx="3">
+            <a:schemeClr val="accent2"/>
+          </a:fillRef>
+          <a:effectRef idx="2">
+            <a:schemeClr val="accent2"/>
+          </a:effectRef>
+          <a:fontRef idx="minor">
+            <a:schemeClr val="lt1"/>
+          </a:fontRef>
+        </p:style>
+        <p:txBody>
+          <a:bodyPr vert="horz" wrap="square" lIns="91436" tIns="45718" rIns="91436" bIns="45718" numCol="1" rtlCol="0" anchor="ctr" anchorCtr="0" compatLnSpc="1">
+            <a:prstTxWarp prst="textNoShape">
+              <a:avLst/>
+            </a:prstTxWarp>
+          </a:bodyPr>
+          <a:lstStyle/>
+          <a:p>
+            <a:pPr algn="ctr" defTabSz="914099" fontAlgn="base">
               <a:spcBef>
                 <a:spcPct val="0"/>
               </a:spcBef>
@@ -12231,27 +14925,69 @@
                 <a:spcPct val="0"/>
               </a:spcAft>
             </a:pPr>
-            <a:r>
-              <a:rPr lang="en-US" sz="2200" dirty="0" smtClean="0">
-                <a:solidFill>
-                  <a:schemeClr val="tx1"/>
-                </a:solidFill>
-                <a:latin typeface="Lucida Console" panose="020B0609040504020204" pitchFamily="49" charset="0"/>
-              </a:rPr>
-              <a:t> ON </a:t>
-            </a:r>
-            <a:r>
-              <a:rPr lang="en-US" sz="2200" dirty="0">
-                <a:solidFill>
-                  <a:schemeClr val="tx1"/>
-                </a:solidFill>
-                <a:latin typeface="Lucida Console" panose="020B0609040504020204" pitchFamily="49" charset="0"/>
-              </a:rPr>
-              <a:t>S1.ID = S2.ID</a:t>
-            </a:r>
-          </a:p>
-          <a:p>
-            <a:pPr defTabSz="914099" fontAlgn="base">
+            <a:endParaRPr lang="en-US" sz="2200" dirty="0" smtClean="0">
+              <a:gradFill>
+                <a:gsLst>
+                  <a:gs pos="0">
+                    <a:srgbClr val="FFFFFF"/>
+                  </a:gs>
+                  <a:gs pos="100000">
+                    <a:srgbClr val="FFFFFF"/>
+                  </a:gs>
+                </a:gsLst>
+                <a:lin ang="5400000" scaled="0"/>
+              </a:gradFill>
+            </a:endParaRPr>
+          </a:p>
+        </p:txBody>
+      </p:sp>
+      <p:sp>
+        <p:nvSpPr>
+          <p:cNvPr id="14" name="Rectangle 13"/>
+          <p:cNvSpPr/>
+          <p:nvPr/>
+        </p:nvSpPr>
+        <p:spPr bwMode="auto">
+          <a:xfrm>
+            <a:off x="2826323" y="3247900"/>
+            <a:ext cx="95002" cy="148441"/>
+          </a:xfrm>
+          <a:prstGeom prst="rect">
+            <a:avLst/>
+          </a:prstGeom>
+          <a:solidFill>
+            <a:schemeClr val="accent2"/>
+          </a:solidFill>
+          <a:ln>
+            <a:noFill/>
+            <a:headEnd type="none" w="med" len="med"/>
+            <a:tailEnd type="none" w="med" len="med"/>
+          </a:ln>
+          <a:effectLst/>
+        </p:spPr>
+        <p:style>
+          <a:lnRef idx="1">
+            <a:schemeClr val="accent2"/>
+          </a:lnRef>
+          <a:fillRef idx="3">
+            <a:schemeClr val="accent2"/>
+          </a:fillRef>
+          <a:effectRef idx="2">
+            <a:schemeClr val="accent2"/>
+          </a:effectRef>
+          <a:fontRef idx="minor">
+            <a:schemeClr val="lt1"/>
+          </a:fontRef>
+        </p:style>
+        <p:txBody>
+          <a:bodyPr vert="horz" wrap="square" lIns="91436" tIns="45718" rIns="91436" bIns="45718" numCol="1" rtlCol="0" anchor="ctr" anchorCtr="0" compatLnSpc="1">
+            <a:prstTxWarp prst="textNoShape">
+              <a:avLst/>
+            </a:prstTxWarp>
+          </a:bodyPr>
+          <a:lstStyle/>
+          <a:p>
+            <a:pPr algn="ctr" defTabSz="914099" fontAlgn="base">
               <a:spcBef>
                 <a:spcPct val="0"/>
               </a:spcBef>
@@ -12259,36 +14995,71 @@
                 <a:spcPct val="0"/>
               </a:spcAft>
             </a:pPr>
-            <a:r>
-              <a:rPr lang="en-US" sz="2200" dirty="0" smtClean="0">
-                <a:solidFill>
-                  <a:schemeClr val="tx1"/>
-                </a:solidFill>
-                <a:latin typeface="Lucida Console" panose="020B0609040504020204" pitchFamily="49" charset="0"/>
-              </a:rPr>
-              <a:t> AND </a:t>
-            </a:r>
-            <a:r>
-              <a:rPr lang="en-US" sz="2200" dirty="0">
-                <a:solidFill>
-                  <a:schemeClr val="tx1"/>
-                </a:solidFill>
-                <a:latin typeface="Lucida Console" panose="020B0609040504020204" pitchFamily="49" charset="0"/>
-              </a:rPr>
-              <a:t>DATEDIFF(s, s1, s2) BETWEEN 0 AND </a:t>
-            </a:r>
-            <a:r>
-              <a:rPr lang="en-US" sz="2200" dirty="0" smtClean="0">
-                <a:solidFill>
-                  <a:schemeClr val="tx1"/>
-                </a:solidFill>
-                <a:latin typeface="Lucida Console" panose="020B0609040504020204" pitchFamily="49" charset="0"/>
-              </a:rPr>
-              <a:t>5</a:t>
-            </a:r>
-          </a:p>
-          <a:p>
-            <a:pPr defTabSz="914099" fontAlgn="base">
+            <a:endParaRPr lang="en-US" sz="2200" dirty="0" smtClean="0">
+              <a:gradFill>
+                <a:gsLst>
+                  <a:gs pos="0">
+                    <a:srgbClr val="FFFFFF"/>
+                  </a:gs>
+                  <a:gs pos="100000">
+                    <a:srgbClr val="FFFFFF"/>
+                  </a:gs>
+                </a:gsLst>
+                <a:lin ang="5400000" scaled="0"/>
+              </a:gradFill>
+            </a:endParaRPr>
+          </a:p>
+        </p:txBody>
+      </p:sp>
+      <p:sp>
+        <p:nvSpPr>
+          <p:cNvPr id="15" name="Rectangle 14"/>
+          <p:cNvSpPr/>
+          <p:nvPr/>
+        </p:nvSpPr>
+        <p:spPr bwMode="auto">
+          <a:xfrm>
+            <a:off x="688762" y="3681350"/>
+            <a:ext cx="1472542" cy="866899"/>
+          </a:xfrm>
+          <a:prstGeom prst="rect">
+            <a:avLst/>
+          </a:prstGeom>
+          <a:solidFill>
+            <a:schemeClr val="bg1"/>
+          </a:solidFill>
+          <a:ln w="38100">
+            <a:solidFill>
+              <a:srgbClr val="00AEEF"/>
+            </a:solidFill>
+            <a:headEnd type="none" w="med" len="med"/>
+            <a:tailEnd type="none" w="med" len="med"/>
+          </a:ln>
+          <a:effectLst/>
+        </p:spPr>
+        <p:style>
+          <a:lnRef idx="1">
+            <a:schemeClr val="accent2"/>
+          </a:lnRef>
+          <a:fillRef idx="3">
+            <a:schemeClr val="accent2"/>
+          </a:fillRef>
+          <a:effectRef idx="2">
+            <a:schemeClr val="accent2"/>
+          </a:effectRef>
+          <a:fontRef idx="minor">
+            <a:schemeClr val="lt1"/>
+          </a:fontRef>
+        </p:style>
+        <p:txBody>
+          <a:bodyPr vert="horz" wrap="square" lIns="91436" tIns="45718" rIns="91436" bIns="45718" numCol="1" rtlCol="0" anchor="ctr" anchorCtr="0" compatLnSpc="1">
+            <a:prstTxWarp prst="textNoShape">
+              <a:avLst/>
+            </a:prstTxWarp>
+          </a:bodyPr>
+          <a:lstStyle/>
+          <a:p>
+            <a:pPr algn="ctr" defTabSz="914099" fontAlgn="base">
               <a:spcBef>
                 <a:spcPct val="0"/>
               </a:spcBef>
@@ -12296,78 +15067,2551 @@
                 <a:spcPct val="0"/>
               </a:spcAft>
             </a:pPr>
-            <a:r>
-              <a:rPr lang="en-US" sz="2200" dirty="0" smtClean="0">
-                <a:solidFill>
-                  <a:schemeClr val="tx1"/>
-                </a:solidFill>
-                <a:latin typeface="Lucida Console" panose="020B0609040504020204" pitchFamily="49" charset="0"/>
-              </a:rPr>
-              <a:t> WHERE </a:t>
-            </a:r>
-            <a:r>
-              <a:rPr lang="en-US" sz="2200" dirty="0">
-                <a:solidFill>
-                  <a:schemeClr val="tx1"/>
-                </a:solidFill>
-                <a:latin typeface="Lucida Console" panose="020B0609040504020204" pitchFamily="49" charset="0"/>
-              </a:rPr>
-              <a:t>S1.Temperature &gt; 150 OR S2.Voltage &gt; </a:t>
-            </a:r>
-            <a:r>
-              <a:rPr lang="en-US" sz="2200" dirty="0" smtClean="0">
-                <a:solidFill>
-                  <a:schemeClr val="tx1"/>
-                </a:solidFill>
-                <a:latin typeface="Lucida Console" panose="020B0609040504020204" pitchFamily="49" charset="0"/>
-              </a:rPr>
-              <a:t>32</a:t>
-            </a:r>
-            <a:endParaRPr lang="en-US" sz="2200" dirty="0">
-              <a:solidFill>
-                <a:schemeClr val="tx1"/>
-              </a:solidFill>
-              <a:latin typeface="Lucida Console" panose="020B0609040504020204" pitchFamily="49" charset="0"/>
+            <a:endParaRPr lang="en-US" sz="2200" dirty="0" smtClean="0">
+              <a:gradFill>
+                <a:gsLst>
+                  <a:gs pos="0">
+                    <a:srgbClr val="FFFFFF"/>
+                  </a:gs>
+                  <a:gs pos="100000">
+                    <a:srgbClr val="FFFFFF"/>
+                  </a:gs>
+                </a:gsLst>
+                <a:lin ang="5400000" scaled="0"/>
+              </a:gradFill>
             </a:endParaRPr>
           </a:p>
         </p:txBody>
       </p:sp>
-      <p:pic>
-        <p:nvPicPr>
-          <p:cNvPr id="3" name="Picture 2"/>
-          <p:cNvPicPr>
-            <a:picLocks noChangeAspect="1"/>
-          </p:cNvPicPr>
+      <p:sp>
+        <p:nvSpPr>
+          <p:cNvPr id="17" name="Rectangle 16"/>
+          <p:cNvSpPr/>
           <p:nvPr/>
-        </p:nvPicPr>
-        <p:blipFill>
-          <a:blip r:embed="rId2"/>
-          <a:stretch>
-            <a:fillRect/>
-          </a:stretch>
-        </p:blipFill>
-        <p:spPr>
+        </p:nvSpPr>
+        <p:spPr bwMode="auto">
           <a:xfrm>
-            <a:off x="876001" y="4726873"/>
-            <a:ext cx="10489346" cy="1263052"/>
+            <a:off x="2161304" y="4548248"/>
+            <a:ext cx="1472542" cy="866899"/>
           </a:xfrm>
           <a:prstGeom prst="rect">
             <a:avLst/>
           </a:prstGeom>
+          <a:solidFill>
+            <a:schemeClr val="bg1"/>
+          </a:solidFill>
+          <a:ln w="38100">
+            <a:solidFill>
+              <a:srgbClr val="00AEEF"/>
+            </a:solidFill>
+            <a:headEnd type="none" w="med" len="med"/>
+            <a:tailEnd type="none" w="med" len="med"/>
+          </a:ln>
+          <a:effectLst/>
+        </p:spPr>
+        <p:style>
+          <a:lnRef idx="1">
+            <a:schemeClr val="accent2"/>
+          </a:lnRef>
+          <a:fillRef idx="3">
+            <a:schemeClr val="accent2"/>
+          </a:fillRef>
+          <a:effectRef idx="2">
+            <a:schemeClr val="accent2"/>
+          </a:effectRef>
+          <a:fontRef idx="minor">
+            <a:schemeClr val="lt1"/>
+          </a:fontRef>
+        </p:style>
+        <p:txBody>
+          <a:bodyPr vert="horz" wrap="square" lIns="91436" tIns="45718" rIns="91436" bIns="45718" numCol="1" rtlCol="0" anchor="ctr" anchorCtr="0" compatLnSpc="1">
+            <a:prstTxWarp prst="textNoShape">
+              <a:avLst/>
+            </a:prstTxWarp>
+          </a:bodyPr>
+          <a:lstStyle/>
+          <a:p>
+            <a:pPr algn="ctr" defTabSz="914099" fontAlgn="base">
+              <a:spcBef>
+                <a:spcPct val="0"/>
+              </a:spcBef>
+              <a:spcAft>
+                <a:spcPct val="0"/>
+              </a:spcAft>
+            </a:pPr>
+            <a:endParaRPr lang="en-US" sz="2200" dirty="0">
+              <a:gradFill>
+                <a:gsLst>
+                  <a:gs pos="0">
+                    <a:srgbClr val="FFFFFF"/>
+                  </a:gs>
+                  <a:gs pos="100000">
+                    <a:srgbClr val="FFFFFF"/>
+                  </a:gs>
+                </a:gsLst>
+                <a:lin ang="5400000" scaled="0"/>
+              </a:gradFill>
+            </a:endParaRPr>
+          </a:p>
+        </p:txBody>
+      </p:sp>
+      <p:sp>
+        <p:nvSpPr>
+          <p:cNvPr id="20" name="Rectangle 19"/>
+          <p:cNvSpPr/>
+          <p:nvPr/>
+        </p:nvSpPr>
+        <p:spPr bwMode="auto">
+          <a:xfrm>
+            <a:off x="902519" y="4006249"/>
+            <a:ext cx="95002" cy="148441"/>
+          </a:xfrm>
+          <a:prstGeom prst="rect">
+            <a:avLst/>
+          </a:prstGeom>
+          <a:solidFill>
+            <a:schemeClr val="accent2"/>
+          </a:solidFill>
           <a:ln>
+            <a:noFill/>
+            <a:headEnd type="none" w="med" len="med"/>
+            <a:tailEnd type="none" w="med" len="med"/>
+          </a:ln>
+          <a:effectLst/>
+        </p:spPr>
+        <p:style>
+          <a:lnRef idx="1">
+            <a:schemeClr val="accent2"/>
+          </a:lnRef>
+          <a:fillRef idx="3">
+            <a:schemeClr val="accent2"/>
+          </a:fillRef>
+          <a:effectRef idx="2">
+            <a:schemeClr val="accent2"/>
+          </a:effectRef>
+          <a:fontRef idx="minor">
+            <a:schemeClr val="lt1"/>
+          </a:fontRef>
+        </p:style>
+        <p:txBody>
+          <a:bodyPr vert="horz" wrap="square" lIns="91436" tIns="45718" rIns="91436" bIns="45718" numCol="1" rtlCol="0" anchor="ctr" anchorCtr="0" compatLnSpc="1">
+            <a:prstTxWarp prst="textNoShape">
+              <a:avLst/>
+            </a:prstTxWarp>
+          </a:bodyPr>
+          <a:lstStyle/>
+          <a:p>
+            <a:pPr algn="ctr" defTabSz="914099" fontAlgn="base">
+              <a:spcBef>
+                <a:spcPct val="0"/>
+              </a:spcBef>
+              <a:spcAft>
+                <a:spcPct val="0"/>
+              </a:spcAft>
+            </a:pPr>
+            <a:endParaRPr lang="en-US" sz="2200" dirty="0" smtClean="0">
+              <a:gradFill>
+                <a:gsLst>
+                  <a:gs pos="0">
+                    <a:srgbClr val="FFFFFF"/>
+                  </a:gs>
+                  <a:gs pos="100000">
+                    <a:srgbClr val="FFFFFF"/>
+                  </a:gs>
+                </a:gsLst>
+                <a:lin ang="5400000" scaled="0"/>
+              </a:gradFill>
+            </a:endParaRPr>
+          </a:p>
+        </p:txBody>
+      </p:sp>
+      <p:sp>
+        <p:nvSpPr>
+          <p:cNvPr id="21" name="Rectangle 20"/>
+          <p:cNvSpPr/>
+          <p:nvPr/>
+        </p:nvSpPr>
+        <p:spPr bwMode="auto">
+          <a:xfrm>
+            <a:off x="1080649" y="4006249"/>
+            <a:ext cx="95002" cy="148441"/>
+          </a:xfrm>
+          <a:prstGeom prst="rect">
+            <a:avLst/>
+          </a:prstGeom>
+          <a:solidFill>
+            <a:schemeClr val="accent2"/>
+          </a:solidFill>
+          <a:ln>
+            <a:noFill/>
+            <a:headEnd type="none" w="med" len="med"/>
+            <a:tailEnd type="none" w="med" len="med"/>
+          </a:ln>
+          <a:effectLst/>
+        </p:spPr>
+        <p:style>
+          <a:lnRef idx="1">
+            <a:schemeClr val="accent2"/>
+          </a:lnRef>
+          <a:fillRef idx="3">
+            <a:schemeClr val="accent2"/>
+          </a:fillRef>
+          <a:effectRef idx="2">
+            <a:schemeClr val="accent2"/>
+          </a:effectRef>
+          <a:fontRef idx="minor">
+            <a:schemeClr val="lt1"/>
+          </a:fontRef>
+        </p:style>
+        <p:txBody>
+          <a:bodyPr vert="horz" wrap="square" lIns="91436" tIns="45718" rIns="91436" bIns="45718" numCol="1" rtlCol="0" anchor="ctr" anchorCtr="0" compatLnSpc="1">
+            <a:prstTxWarp prst="textNoShape">
+              <a:avLst/>
+            </a:prstTxWarp>
+          </a:bodyPr>
+          <a:lstStyle/>
+          <a:p>
+            <a:pPr algn="ctr" defTabSz="914099" fontAlgn="base">
+              <a:spcBef>
+                <a:spcPct val="0"/>
+              </a:spcBef>
+              <a:spcAft>
+                <a:spcPct val="0"/>
+              </a:spcAft>
+            </a:pPr>
+            <a:endParaRPr lang="en-US" sz="2200" dirty="0" smtClean="0">
+              <a:gradFill>
+                <a:gsLst>
+                  <a:gs pos="0">
+                    <a:srgbClr val="FFFFFF"/>
+                  </a:gs>
+                  <a:gs pos="100000">
+                    <a:srgbClr val="FFFFFF"/>
+                  </a:gs>
+                </a:gsLst>
+                <a:lin ang="5400000" scaled="0"/>
+              </a:gradFill>
+            </a:endParaRPr>
+          </a:p>
+        </p:txBody>
+      </p:sp>
+      <p:sp>
+        <p:nvSpPr>
+          <p:cNvPr id="22" name="Rectangle 21"/>
+          <p:cNvSpPr/>
+          <p:nvPr/>
+        </p:nvSpPr>
+        <p:spPr bwMode="auto">
+          <a:xfrm>
+            <a:off x="1258779" y="4006249"/>
+            <a:ext cx="95002" cy="148441"/>
+          </a:xfrm>
+          <a:prstGeom prst="rect">
+            <a:avLst/>
+          </a:prstGeom>
+          <a:solidFill>
+            <a:schemeClr val="accent2"/>
+          </a:solidFill>
+          <a:ln>
+            <a:noFill/>
+            <a:headEnd type="none" w="med" len="med"/>
+            <a:tailEnd type="none" w="med" len="med"/>
+          </a:ln>
+          <a:effectLst/>
+        </p:spPr>
+        <p:style>
+          <a:lnRef idx="1">
+            <a:schemeClr val="accent2"/>
+          </a:lnRef>
+          <a:fillRef idx="3">
+            <a:schemeClr val="accent2"/>
+          </a:fillRef>
+          <a:effectRef idx="2">
+            <a:schemeClr val="accent2"/>
+          </a:effectRef>
+          <a:fontRef idx="minor">
+            <a:schemeClr val="lt1"/>
+          </a:fontRef>
+        </p:style>
+        <p:txBody>
+          <a:bodyPr vert="horz" wrap="square" lIns="91436" tIns="45718" rIns="91436" bIns="45718" numCol="1" rtlCol="0" anchor="ctr" anchorCtr="0" compatLnSpc="1">
+            <a:prstTxWarp prst="textNoShape">
+              <a:avLst/>
+            </a:prstTxWarp>
+          </a:bodyPr>
+          <a:lstStyle/>
+          <a:p>
+            <a:pPr algn="ctr" defTabSz="914099" fontAlgn="base">
+              <a:spcBef>
+                <a:spcPct val="0"/>
+              </a:spcBef>
+              <a:spcAft>
+                <a:spcPct val="0"/>
+              </a:spcAft>
+            </a:pPr>
+            <a:endParaRPr lang="en-US" sz="2200" dirty="0" smtClean="0">
+              <a:gradFill>
+                <a:gsLst>
+                  <a:gs pos="0">
+                    <a:srgbClr val="FFFFFF"/>
+                  </a:gs>
+                  <a:gs pos="100000">
+                    <a:srgbClr val="FFFFFF"/>
+                  </a:gs>
+                </a:gsLst>
+                <a:lin ang="5400000" scaled="0"/>
+              </a:gradFill>
+            </a:endParaRPr>
+          </a:p>
+        </p:txBody>
+      </p:sp>
+      <p:sp>
+        <p:nvSpPr>
+          <p:cNvPr id="23" name="Rectangle 22"/>
+          <p:cNvSpPr/>
+          <p:nvPr/>
+        </p:nvSpPr>
+        <p:spPr bwMode="auto">
+          <a:xfrm>
+            <a:off x="2636317" y="4873148"/>
+            <a:ext cx="95002" cy="148441"/>
+          </a:xfrm>
+          <a:prstGeom prst="rect">
+            <a:avLst/>
+          </a:prstGeom>
+          <a:solidFill>
+            <a:schemeClr val="accent2"/>
+          </a:solidFill>
+          <a:ln>
+            <a:noFill/>
+            <a:headEnd type="none" w="med" len="med"/>
+            <a:tailEnd type="none" w="med" len="med"/>
+          </a:ln>
+          <a:effectLst/>
+        </p:spPr>
+        <p:style>
+          <a:lnRef idx="1">
+            <a:schemeClr val="accent2"/>
+          </a:lnRef>
+          <a:fillRef idx="3">
+            <a:schemeClr val="accent2"/>
+          </a:fillRef>
+          <a:effectRef idx="2">
+            <a:schemeClr val="accent2"/>
+          </a:effectRef>
+          <a:fontRef idx="minor">
+            <a:schemeClr val="lt1"/>
+          </a:fontRef>
+        </p:style>
+        <p:txBody>
+          <a:bodyPr vert="horz" wrap="square" lIns="91436" tIns="45718" rIns="91436" bIns="45718" numCol="1" rtlCol="0" anchor="ctr" anchorCtr="0" compatLnSpc="1">
+            <a:prstTxWarp prst="textNoShape">
+              <a:avLst/>
+            </a:prstTxWarp>
+          </a:bodyPr>
+          <a:lstStyle/>
+          <a:p>
+            <a:pPr algn="ctr" defTabSz="914099" fontAlgn="base">
+              <a:spcBef>
+                <a:spcPct val="0"/>
+              </a:spcBef>
+              <a:spcAft>
+                <a:spcPct val="0"/>
+              </a:spcAft>
+            </a:pPr>
+            <a:endParaRPr lang="en-US" sz="2200" dirty="0" smtClean="0">
+              <a:gradFill>
+                <a:gsLst>
+                  <a:gs pos="0">
+                    <a:srgbClr val="FFFFFF"/>
+                  </a:gs>
+                  <a:gs pos="100000">
+                    <a:srgbClr val="FFFFFF"/>
+                  </a:gs>
+                </a:gsLst>
+                <a:lin ang="5400000" scaled="0"/>
+              </a:gradFill>
+            </a:endParaRPr>
+          </a:p>
+        </p:txBody>
+      </p:sp>
+      <p:sp>
+        <p:nvSpPr>
+          <p:cNvPr id="24" name="Rectangle 23"/>
+          <p:cNvSpPr/>
+          <p:nvPr/>
+        </p:nvSpPr>
+        <p:spPr bwMode="auto">
+          <a:xfrm>
+            <a:off x="2826323" y="4873148"/>
+            <a:ext cx="95002" cy="148441"/>
+          </a:xfrm>
+          <a:prstGeom prst="rect">
+            <a:avLst/>
+          </a:prstGeom>
+          <a:solidFill>
+            <a:schemeClr val="accent2"/>
+          </a:solidFill>
+          <a:ln>
+            <a:noFill/>
+            <a:headEnd type="none" w="med" len="med"/>
+            <a:tailEnd type="none" w="med" len="med"/>
+          </a:ln>
+          <a:effectLst/>
+        </p:spPr>
+        <p:style>
+          <a:lnRef idx="1">
+            <a:schemeClr val="accent2"/>
+          </a:lnRef>
+          <a:fillRef idx="3">
+            <a:schemeClr val="accent2"/>
+          </a:fillRef>
+          <a:effectRef idx="2">
+            <a:schemeClr val="accent2"/>
+          </a:effectRef>
+          <a:fontRef idx="minor">
+            <a:schemeClr val="lt1"/>
+          </a:fontRef>
+        </p:style>
+        <p:txBody>
+          <a:bodyPr vert="horz" wrap="square" lIns="91436" tIns="45718" rIns="91436" bIns="45718" numCol="1" rtlCol="0" anchor="ctr" anchorCtr="0" compatLnSpc="1">
+            <a:prstTxWarp prst="textNoShape">
+              <a:avLst/>
+            </a:prstTxWarp>
+          </a:bodyPr>
+          <a:lstStyle/>
+          <a:p>
+            <a:pPr algn="ctr" defTabSz="914099" fontAlgn="base">
+              <a:spcBef>
+                <a:spcPct val="0"/>
+              </a:spcBef>
+              <a:spcAft>
+                <a:spcPct val="0"/>
+              </a:spcAft>
+            </a:pPr>
+            <a:endParaRPr lang="en-US" sz="2200" dirty="0" smtClean="0">
+              <a:gradFill>
+                <a:gsLst>
+                  <a:gs pos="0">
+                    <a:srgbClr val="FFFFFF"/>
+                  </a:gs>
+                  <a:gs pos="100000">
+                    <a:srgbClr val="FFFFFF"/>
+                  </a:gs>
+                </a:gsLst>
+                <a:lin ang="5400000" scaled="0"/>
+              </a:gradFill>
+            </a:endParaRPr>
+          </a:p>
+        </p:txBody>
+      </p:sp>
+      <p:sp>
+        <p:nvSpPr>
+          <p:cNvPr id="25" name="TextBox 24"/>
+          <p:cNvSpPr txBox="1"/>
+          <p:nvPr/>
+        </p:nvSpPr>
+        <p:spPr>
+          <a:xfrm>
+            <a:off x="688762" y="2666899"/>
+            <a:ext cx="2945084" cy="387798"/>
+          </a:xfrm>
+          <a:prstGeom prst="rect">
+            <a:avLst/>
+          </a:prstGeom>
+          <a:noFill/>
+        </p:spPr>
+        <p:txBody>
+          <a:bodyPr wrap="square" lIns="0" tIns="0" rIns="0" bIns="0" rtlCol="0">
+            <a:spAutoFit/>
+          </a:bodyPr>
+          <a:lstStyle/>
+          <a:p>
+            <a:pPr algn="ctr">
+              <a:lnSpc>
+                <a:spcPct val="90000"/>
+              </a:lnSpc>
+              <a:spcBef>
+                <a:spcPct val="20000"/>
+              </a:spcBef>
+              <a:buSzPct val="80000"/>
+            </a:pPr>
+            <a:r>
+              <a:rPr lang="en-US" sz="2800" dirty="0" smtClean="0">
+                <a:solidFill>
+                  <a:schemeClr val="accent1"/>
+                </a:solidFill>
+              </a:rPr>
+              <a:t>Tumbling Window</a:t>
+            </a:r>
+            <a:endParaRPr lang="en-US" sz="2800" dirty="0">
+              <a:solidFill>
+                <a:schemeClr val="accent1"/>
+              </a:solidFill>
+            </a:endParaRPr>
+          </a:p>
+        </p:txBody>
+      </p:sp>
+      <p:cxnSp>
+        <p:nvCxnSpPr>
+          <p:cNvPr id="26" name="Straight Connector 25"/>
+          <p:cNvCxnSpPr/>
+          <p:nvPr/>
+        </p:nvCxnSpPr>
+        <p:spPr>
+          <a:xfrm>
+            <a:off x="4441370" y="3313215"/>
+            <a:ext cx="2945083" cy="8905"/>
+          </a:xfrm>
+          <a:prstGeom prst="line">
+            <a:avLst/>
+          </a:prstGeom>
+          <a:ln w="38100"/>
+        </p:spPr>
+        <p:style>
+          <a:lnRef idx="1">
+            <a:schemeClr val="accent1"/>
+          </a:lnRef>
+          <a:fillRef idx="0">
+            <a:schemeClr val="accent1"/>
+          </a:fillRef>
+          <a:effectRef idx="0">
+            <a:schemeClr val="accent1"/>
+          </a:effectRef>
+          <a:fontRef idx="minor">
+            <a:schemeClr val="tx1"/>
+          </a:fontRef>
+        </p:style>
+      </p:cxnSp>
+      <p:sp>
+        <p:nvSpPr>
+          <p:cNvPr id="27" name="Rectangle 26"/>
+          <p:cNvSpPr/>
+          <p:nvPr/>
+        </p:nvSpPr>
+        <p:spPr bwMode="auto">
+          <a:xfrm>
+            <a:off x="4655126" y="3247900"/>
+            <a:ext cx="95002" cy="148441"/>
+          </a:xfrm>
+          <a:prstGeom prst="rect">
+            <a:avLst/>
+          </a:prstGeom>
+          <a:solidFill>
+            <a:schemeClr val="accent2"/>
+          </a:solidFill>
+          <a:ln>
+            <a:noFill/>
+            <a:headEnd type="none" w="med" len="med"/>
+            <a:tailEnd type="none" w="med" len="med"/>
+          </a:ln>
+          <a:effectLst/>
+        </p:spPr>
+        <p:style>
+          <a:lnRef idx="1">
+            <a:schemeClr val="accent2"/>
+          </a:lnRef>
+          <a:fillRef idx="3">
+            <a:schemeClr val="accent2"/>
+          </a:fillRef>
+          <a:effectRef idx="2">
+            <a:schemeClr val="accent2"/>
+          </a:effectRef>
+          <a:fontRef idx="minor">
+            <a:schemeClr val="lt1"/>
+          </a:fontRef>
+        </p:style>
+        <p:txBody>
+          <a:bodyPr vert="horz" wrap="square" lIns="91436" tIns="45718" rIns="91436" bIns="45718" numCol="1" rtlCol="0" anchor="ctr" anchorCtr="0" compatLnSpc="1">
+            <a:prstTxWarp prst="textNoShape">
+              <a:avLst/>
+            </a:prstTxWarp>
+          </a:bodyPr>
+          <a:lstStyle/>
+          <a:p>
+            <a:pPr algn="ctr" defTabSz="914099" fontAlgn="base">
+              <a:spcBef>
+                <a:spcPct val="0"/>
+              </a:spcBef>
+              <a:spcAft>
+                <a:spcPct val="0"/>
+              </a:spcAft>
+            </a:pPr>
+            <a:endParaRPr lang="en-US" sz="2200" dirty="0" smtClean="0">
+              <a:gradFill>
+                <a:gsLst>
+                  <a:gs pos="0">
+                    <a:srgbClr val="FFFFFF"/>
+                  </a:gs>
+                  <a:gs pos="100000">
+                    <a:srgbClr val="FFFFFF"/>
+                  </a:gs>
+                </a:gsLst>
+                <a:lin ang="5400000" scaled="0"/>
+              </a:gradFill>
+            </a:endParaRPr>
+          </a:p>
+        </p:txBody>
+      </p:sp>
+      <p:sp>
+        <p:nvSpPr>
+          <p:cNvPr id="28" name="Rectangle 27"/>
+          <p:cNvSpPr/>
+          <p:nvPr/>
+        </p:nvSpPr>
+        <p:spPr bwMode="auto">
+          <a:xfrm>
+            <a:off x="4833256" y="3247900"/>
+            <a:ext cx="95002" cy="148441"/>
+          </a:xfrm>
+          <a:prstGeom prst="rect">
+            <a:avLst/>
+          </a:prstGeom>
+          <a:solidFill>
+            <a:schemeClr val="accent2"/>
+          </a:solidFill>
+          <a:ln>
+            <a:noFill/>
+            <a:headEnd type="none" w="med" len="med"/>
+            <a:tailEnd type="none" w="med" len="med"/>
+          </a:ln>
+          <a:effectLst/>
+        </p:spPr>
+        <p:style>
+          <a:lnRef idx="1">
+            <a:schemeClr val="accent2"/>
+          </a:lnRef>
+          <a:fillRef idx="3">
+            <a:schemeClr val="accent2"/>
+          </a:fillRef>
+          <a:effectRef idx="2">
+            <a:schemeClr val="accent2"/>
+          </a:effectRef>
+          <a:fontRef idx="minor">
+            <a:schemeClr val="lt1"/>
+          </a:fontRef>
+        </p:style>
+        <p:txBody>
+          <a:bodyPr vert="horz" wrap="square" lIns="91436" tIns="45718" rIns="91436" bIns="45718" numCol="1" rtlCol="0" anchor="ctr" anchorCtr="0" compatLnSpc="1">
+            <a:prstTxWarp prst="textNoShape">
+              <a:avLst/>
+            </a:prstTxWarp>
+          </a:bodyPr>
+          <a:lstStyle/>
+          <a:p>
+            <a:pPr algn="ctr" defTabSz="914099" fontAlgn="base">
+              <a:spcBef>
+                <a:spcPct val="0"/>
+              </a:spcBef>
+              <a:spcAft>
+                <a:spcPct val="0"/>
+              </a:spcAft>
+            </a:pPr>
+            <a:endParaRPr lang="en-US" sz="2200" dirty="0" smtClean="0">
+              <a:gradFill>
+                <a:gsLst>
+                  <a:gs pos="0">
+                    <a:srgbClr val="FFFFFF"/>
+                  </a:gs>
+                  <a:gs pos="100000">
+                    <a:srgbClr val="FFFFFF"/>
+                  </a:gs>
+                </a:gsLst>
+                <a:lin ang="5400000" scaled="0"/>
+              </a:gradFill>
+            </a:endParaRPr>
+          </a:p>
+        </p:txBody>
+      </p:sp>
+      <p:sp>
+        <p:nvSpPr>
+          <p:cNvPr id="29" name="Rectangle 28"/>
+          <p:cNvSpPr/>
+          <p:nvPr/>
+        </p:nvSpPr>
+        <p:spPr bwMode="auto">
+          <a:xfrm>
+            <a:off x="5011386" y="3247900"/>
+            <a:ext cx="95002" cy="148441"/>
+          </a:xfrm>
+          <a:prstGeom prst="rect">
+            <a:avLst/>
+          </a:prstGeom>
+          <a:solidFill>
+            <a:schemeClr val="accent2"/>
+          </a:solidFill>
+          <a:ln>
+            <a:noFill/>
+            <a:headEnd type="none" w="med" len="med"/>
+            <a:tailEnd type="none" w="med" len="med"/>
+          </a:ln>
+          <a:effectLst/>
+        </p:spPr>
+        <p:style>
+          <a:lnRef idx="1">
+            <a:schemeClr val="accent2"/>
+          </a:lnRef>
+          <a:fillRef idx="3">
+            <a:schemeClr val="accent2"/>
+          </a:fillRef>
+          <a:effectRef idx="2">
+            <a:schemeClr val="accent2"/>
+          </a:effectRef>
+          <a:fontRef idx="minor">
+            <a:schemeClr val="lt1"/>
+          </a:fontRef>
+        </p:style>
+        <p:txBody>
+          <a:bodyPr vert="horz" wrap="square" lIns="91436" tIns="45718" rIns="91436" bIns="45718" numCol="1" rtlCol="0" anchor="ctr" anchorCtr="0" compatLnSpc="1">
+            <a:prstTxWarp prst="textNoShape">
+              <a:avLst/>
+            </a:prstTxWarp>
+          </a:bodyPr>
+          <a:lstStyle/>
+          <a:p>
+            <a:pPr algn="ctr" defTabSz="914099" fontAlgn="base">
+              <a:spcBef>
+                <a:spcPct val="0"/>
+              </a:spcBef>
+              <a:spcAft>
+                <a:spcPct val="0"/>
+              </a:spcAft>
+            </a:pPr>
+            <a:endParaRPr lang="en-US" sz="2200" dirty="0" smtClean="0">
+              <a:gradFill>
+                <a:gsLst>
+                  <a:gs pos="0">
+                    <a:srgbClr val="FFFFFF"/>
+                  </a:gs>
+                  <a:gs pos="100000">
+                    <a:srgbClr val="FFFFFF"/>
+                  </a:gs>
+                </a:gsLst>
+                <a:lin ang="5400000" scaled="0"/>
+              </a:gradFill>
+            </a:endParaRPr>
+          </a:p>
+        </p:txBody>
+      </p:sp>
+      <p:sp>
+        <p:nvSpPr>
+          <p:cNvPr id="30" name="Rectangle 29"/>
+          <p:cNvSpPr/>
+          <p:nvPr/>
+        </p:nvSpPr>
+        <p:spPr bwMode="auto">
+          <a:xfrm>
+            <a:off x="6388924" y="3247900"/>
+            <a:ext cx="95002" cy="148441"/>
+          </a:xfrm>
+          <a:prstGeom prst="rect">
+            <a:avLst/>
+          </a:prstGeom>
+          <a:solidFill>
+            <a:schemeClr val="accent2"/>
+          </a:solidFill>
+          <a:ln>
+            <a:noFill/>
+            <a:headEnd type="none" w="med" len="med"/>
+            <a:tailEnd type="none" w="med" len="med"/>
+          </a:ln>
+          <a:effectLst/>
+        </p:spPr>
+        <p:style>
+          <a:lnRef idx="1">
+            <a:schemeClr val="accent2"/>
+          </a:lnRef>
+          <a:fillRef idx="3">
+            <a:schemeClr val="accent2"/>
+          </a:fillRef>
+          <a:effectRef idx="2">
+            <a:schemeClr val="accent2"/>
+          </a:effectRef>
+          <a:fontRef idx="minor">
+            <a:schemeClr val="lt1"/>
+          </a:fontRef>
+        </p:style>
+        <p:txBody>
+          <a:bodyPr vert="horz" wrap="square" lIns="91436" tIns="45718" rIns="91436" bIns="45718" numCol="1" rtlCol="0" anchor="ctr" anchorCtr="0" compatLnSpc="1">
+            <a:prstTxWarp prst="textNoShape">
+              <a:avLst/>
+            </a:prstTxWarp>
+          </a:bodyPr>
+          <a:lstStyle/>
+          <a:p>
+            <a:pPr algn="ctr" defTabSz="914099" fontAlgn="base">
+              <a:spcBef>
+                <a:spcPct val="0"/>
+              </a:spcBef>
+              <a:spcAft>
+                <a:spcPct val="0"/>
+              </a:spcAft>
+            </a:pPr>
+            <a:endParaRPr lang="en-US" sz="2200" dirty="0" smtClean="0">
+              <a:gradFill>
+                <a:gsLst>
+                  <a:gs pos="0">
+                    <a:srgbClr val="FFFFFF"/>
+                  </a:gs>
+                  <a:gs pos="100000">
+                    <a:srgbClr val="FFFFFF"/>
+                  </a:gs>
+                </a:gsLst>
+                <a:lin ang="5400000" scaled="0"/>
+              </a:gradFill>
+            </a:endParaRPr>
+          </a:p>
+        </p:txBody>
+      </p:sp>
+      <p:sp>
+        <p:nvSpPr>
+          <p:cNvPr id="31" name="Rectangle 30"/>
+          <p:cNvSpPr/>
+          <p:nvPr/>
+        </p:nvSpPr>
+        <p:spPr bwMode="auto">
+          <a:xfrm>
+            <a:off x="6578930" y="3247900"/>
+            <a:ext cx="95002" cy="148441"/>
+          </a:xfrm>
+          <a:prstGeom prst="rect">
+            <a:avLst/>
+          </a:prstGeom>
+          <a:solidFill>
+            <a:schemeClr val="accent2"/>
+          </a:solidFill>
+          <a:ln>
+            <a:noFill/>
+            <a:headEnd type="none" w="med" len="med"/>
+            <a:tailEnd type="none" w="med" len="med"/>
+          </a:ln>
+          <a:effectLst/>
+        </p:spPr>
+        <p:style>
+          <a:lnRef idx="1">
+            <a:schemeClr val="accent2"/>
+          </a:lnRef>
+          <a:fillRef idx="3">
+            <a:schemeClr val="accent2"/>
+          </a:fillRef>
+          <a:effectRef idx="2">
+            <a:schemeClr val="accent2"/>
+          </a:effectRef>
+          <a:fontRef idx="minor">
+            <a:schemeClr val="lt1"/>
+          </a:fontRef>
+        </p:style>
+        <p:txBody>
+          <a:bodyPr vert="horz" wrap="square" lIns="91436" tIns="45718" rIns="91436" bIns="45718" numCol="1" rtlCol="0" anchor="ctr" anchorCtr="0" compatLnSpc="1">
+            <a:prstTxWarp prst="textNoShape">
+              <a:avLst/>
+            </a:prstTxWarp>
+          </a:bodyPr>
+          <a:lstStyle/>
+          <a:p>
+            <a:pPr algn="ctr" defTabSz="914099" fontAlgn="base">
+              <a:spcBef>
+                <a:spcPct val="0"/>
+              </a:spcBef>
+              <a:spcAft>
+                <a:spcPct val="0"/>
+              </a:spcAft>
+            </a:pPr>
+            <a:endParaRPr lang="en-US" sz="2200" dirty="0" smtClean="0">
+              <a:gradFill>
+                <a:gsLst>
+                  <a:gs pos="0">
+                    <a:srgbClr val="FFFFFF"/>
+                  </a:gs>
+                  <a:gs pos="100000">
+                    <a:srgbClr val="FFFFFF"/>
+                  </a:gs>
+                </a:gsLst>
+                <a:lin ang="5400000" scaled="0"/>
+              </a:gradFill>
+            </a:endParaRPr>
+          </a:p>
+        </p:txBody>
+      </p:sp>
+      <p:sp>
+        <p:nvSpPr>
+          <p:cNvPr id="32" name="Rectangle 31"/>
+          <p:cNvSpPr/>
+          <p:nvPr/>
+        </p:nvSpPr>
+        <p:spPr bwMode="auto">
+          <a:xfrm>
+            <a:off x="4441369" y="3681350"/>
+            <a:ext cx="1472542" cy="866899"/>
+          </a:xfrm>
+          <a:prstGeom prst="rect">
+            <a:avLst/>
+          </a:prstGeom>
+          <a:solidFill>
+            <a:schemeClr val="bg1"/>
+          </a:solidFill>
+          <a:ln w="38100">
             <a:solidFill>
-              <a:schemeClr val="tx1">
-                <a:lumMod val="25000"/>
-                <a:lumOff val="75000"/>
-              </a:schemeClr>
+              <a:srgbClr val="00AEEF"/>
             </a:solidFill>
+            <a:headEnd type="none" w="med" len="med"/>
+            <a:tailEnd type="none" w="med" len="med"/>
           </a:ln>
+          <a:effectLst/>
         </p:spPr>
-      </p:pic>
+        <p:style>
+          <a:lnRef idx="1">
+            <a:schemeClr val="accent2"/>
+          </a:lnRef>
+          <a:fillRef idx="3">
+            <a:schemeClr val="accent2"/>
+          </a:fillRef>
+          <a:effectRef idx="2">
+            <a:schemeClr val="accent2"/>
+          </a:effectRef>
+          <a:fontRef idx="minor">
+            <a:schemeClr val="lt1"/>
+          </a:fontRef>
+        </p:style>
+        <p:txBody>
+          <a:bodyPr vert="horz" wrap="square" lIns="91436" tIns="45718" rIns="91436" bIns="45718" numCol="1" rtlCol="0" anchor="ctr" anchorCtr="0" compatLnSpc="1">
+            <a:prstTxWarp prst="textNoShape">
+              <a:avLst/>
+            </a:prstTxWarp>
+          </a:bodyPr>
+          <a:lstStyle/>
+          <a:p>
+            <a:pPr algn="ctr" defTabSz="914099" fontAlgn="base">
+              <a:spcBef>
+                <a:spcPct val="0"/>
+              </a:spcBef>
+              <a:spcAft>
+                <a:spcPct val="0"/>
+              </a:spcAft>
+            </a:pPr>
+            <a:endParaRPr lang="en-US" sz="2200" dirty="0" smtClean="0">
+              <a:gradFill>
+                <a:gsLst>
+                  <a:gs pos="0">
+                    <a:srgbClr val="FFFFFF"/>
+                  </a:gs>
+                  <a:gs pos="100000">
+                    <a:srgbClr val="FFFFFF"/>
+                  </a:gs>
+                </a:gsLst>
+                <a:lin ang="5400000" scaled="0"/>
+              </a:gradFill>
+            </a:endParaRPr>
+          </a:p>
+        </p:txBody>
+      </p:sp>
+      <p:sp>
+        <p:nvSpPr>
+          <p:cNvPr id="33" name="Rectangle 32"/>
+          <p:cNvSpPr/>
+          <p:nvPr/>
+        </p:nvSpPr>
+        <p:spPr bwMode="auto">
+          <a:xfrm>
+            <a:off x="5913911" y="5429613"/>
+            <a:ext cx="1472542" cy="866899"/>
+          </a:xfrm>
+          <a:prstGeom prst="rect">
+            <a:avLst/>
+          </a:prstGeom>
+          <a:solidFill>
+            <a:schemeClr val="bg1"/>
+          </a:solidFill>
+          <a:ln w="38100">
+            <a:solidFill>
+              <a:srgbClr val="00AEEF"/>
+            </a:solidFill>
+            <a:headEnd type="none" w="med" len="med"/>
+            <a:tailEnd type="none" w="med" len="med"/>
+          </a:ln>
+          <a:effectLst/>
+        </p:spPr>
+        <p:style>
+          <a:lnRef idx="1">
+            <a:schemeClr val="accent2"/>
+          </a:lnRef>
+          <a:fillRef idx="3">
+            <a:schemeClr val="accent2"/>
+          </a:fillRef>
+          <a:effectRef idx="2">
+            <a:schemeClr val="accent2"/>
+          </a:effectRef>
+          <a:fontRef idx="minor">
+            <a:schemeClr val="lt1"/>
+          </a:fontRef>
+        </p:style>
+        <p:txBody>
+          <a:bodyPr vert="horz" wrap="square" lIns="91436" tIns="45718" rIns="91436" bIns="45718" numCol="1" rtlCol="0" anchor="ctr" anchorCtr="0" compatLnSpc="1">
+            <a:prstTxWarp prst="textNoShape">
+              <a:avLst/>
+            </a:prstTxWarp>
+          </a:bodyPr>
+          <a:lstStyle/>
+          <a:p>
+            <a:pPr algn="ctr" defTabSz="914099" fontAlgn="base">
+              <a:spcBef>
+                <a:spcPct val="0"/>
+              </a:spcBef>
+              <a:spcAft>
+                <a:spcPct val="0"/>
+              </a:spcAft>
+            </a:pPr>
+            <a:endParaRPr lang="en-US" sz="2200" dirty="0">
+              <a:gradFill>
+                <a:gsLst>
+                  <a:gs pos="0">
+                    <a:srgbClr val="FFFFFF"/>
+                  </a:gs>
+                  <a:gs pos="100000">
+                    <a:srgbClr val="FFFFFF"/>
+                  </a:gs>
+                </a:gsLst>
+                <a:lin ang="5400000" scaled="0"/>
+              </a:gradFill>
+            </a:endParaRPr>
+          </a:p>
+        </p:txBody>
+      </p:sp>
+      <p:sp>
+        <p:nvSpPr>
+          <p:cNvPr id="34" name="Rectangle 33"/>
+          <p:cNvSpPr/>
+          <p:nvPr/>
+        </p:nvSpPr>
+        <p:spPr bwMode="auto">
+          <a:xfrm>
+            <a:off x="4655126" y="4006249"/>
+            <a:ext cx="95002" cy="148441"/>
+          </a:xfrm>
+          <a:prstGeom prst="rect">
+            <a:avLst/>
+          </a:prstGeom>
+          <a:solidFill>
+            <a:schemeClr val="accent2"/>
+          </a:solidFill>
+          <a:ln>
+            <a:noFill/>
+            <a:headEnd type="none" w="med" len="med"/>
+            <a:tailEnd type="none" w="med" len="med"/>
+          </a:ln>
+          <a:effectLst/>
+        </p:spPr>
+        <p:style>
+          <a:lnRef idx="1">
+            <a:schemeClr val="accent2"/>
+          </a:lnRef>
+          <a:fillRef idx="3">
+            <a:schemeClr val="accent2"/>
+          </a:fillRef>
+          <a:effectRef idx="2">
+            <a:schemeClr val="accent2"/>
+          </a:effectRef>
+          <a:fontRef idx="minor">
+            <a:schemeClr val="lt1"/>
+          </a:fontRef>
+        </p:style>
+        <p:txBody>
+          <a:bodyPr vert="horz" wrap="square" lIns="91436" tIns="45718" rIns="91436" bIns="45718" numCol="1" rtlCol="0" anchor="ctr" anchorCtr="0" compatLnSpc="1">
+            <a:prstTxWarp prst="textNoShape">
+              <a:avLst/>
+            </a:prstTxWarp>
+          </a:bodyPr>
+          <a:lstStyle/>
+          <a:p>
+            <a:pPr algn="ctr" defTabSz="914099" fontAlgn="base">
+              <a:spcBef>
+                <a:spcPct val="0"/>
+              </a:spcBef>
+              <a:spcAft>
+                <a:spcPct val="0"/>
+              </a:spcAft>
+            </a:pPr>
+            <a:endParaRPr lang="en-US" sz="2200" dirty="0" smtClean="0">
+              <a:gradFill>
+                <a:gsLst>
+                  <a:gs pos="0">
+                    <a:srgbClr val="FFFFFF"/>
+                  </a:gs>
+                  <a:gs pos="100000">
+                    <a:srgbClr val="FFFFFF"/>
+                  </a:gs>
+                </a:gsLst>
+                <a:lin ang="5400000" scaled="0"/>
+              </a:gradFill>
+            </a:endParaRPr>
+          </a:p>
+        </p:txBody>
+      </p:sp>
+      <p:sp>
+        <p:nvSpPr>
+          <p:cNvPr id="35" name="Rectangle 34"/>
+          <p:cNvSpPr/>
+          <p:nvPr/>
+        </p:nvSpPr>
+        <p:spPr bwMode="auto">
+          <a:xfrm>
+            <a:off x="4833256" y="4006249"/>
+            <a:ext cx="95002" cy="148441"/>
+          </a:xfrm>
+          <a:prstGeom prst="rect">
+            <a:avLst/>
+          </a:prstGeom>
+          <a:solidFill>
+            <a:schemeClr val="accent2"/>
+          </a:solidFill>
+          <a:ln>
+            <a:noFill/>
+            <a:headEnd type="none" w="med" len="med"/>
+            <a:tailEnd type="none" w="med" len="med"/>
+          </a:ln>
+          <a:effectLst/>
+        </p:spPr>
+        <p:style>
+          <a:lnRef idx="1">
+            <a:schemeClr val="accent2"/>
+          </a:lnRef>
+          <a:fillRef idx="3">
+            <a:schemeClr val="accent2"/>
+          </a:fillRef>
+          <a:effectRef idx="2">
+            <a:schemeClr val="accent2"/>
+          </a:effectRef>
+          <a:fontRef idx="minor">
+            <a:schemeClr val="lt1"/>
+          </a:fontRef>
+        </p:style>
+        <p:txBody>
+          <a:bodyPr vert="horz" wrap="square" lIns="91436" tIns="45718" rIns="91436" bIns="45718" numCol="1" rtlCol="0" anchor="ctr" anchorCtr="0" compatLnSpc="1">
+            <a:prstTxWarp prst="textNoShape">
+              <a:avLst/>
+            </a:prstTxWarp>
+          </a:bodyPr>
+          <a:lstStyle/>
+          <a:p>
+            <a:pPr algn="ctr" defTabSz="914099" fontAlgn="base">
+              <a:spcBef>
+                <a:spcPct val="0"/>
+              </a:spcBef>
+              <a:spcAft>
+                <a:spcPct val="0"/>
+              </a:spcAft>
+            </a:pPr>
+            <a:endParaRPr lang="en-US" sz="2200" dirty="0" smtClean="0">
+              <a:gradFill>
+                <a:gsLst>
+                  <a:gs pos="0">
+                    <a:srgbClr val="FFFFFF"/>
+                  </a:gs>
+                  <a:gs pos="100000">
+                    <a:srgbClr val="FFFFFF"/>
+                  </a:gs>
+                </a:gsLst>
+                <a:lin ang="5400000" scaled="0"/>
+              </a:gradFill>
+            </a:endParaRPr>
+          </a:p>
+        </p:txBody>
+      </p:sp>
+      <p:sp>
+        <p:nvSpPr>
+          <p:cNvPr id="36" name="Rectangle 35"/>
+          <p:cNvSpPr/>
+          <p:nvPr/>
+        </p:nvSpPr>
+        <p:spPr bwMode="auto">
+          <a:xfrm>
+            <a:off x="5011386" y="4006249"/>
+            <a:ext cx="95002" cy="148441"/>
+          </a:xfrm>
+          <a:prstGeom prst="rect">
+            <a:avLst/>
+          </a:prstGeom>
+          <a:solidFill>
+            <a:schemeClr val="accent2"/>
+          </a:solidFill>
+          <a:ln>
+            <a:noFill/>
+            <a:headEnd type="none" w="med" len="med"/>
+            <a:tailEnd type="none" w="med" len="med"/>
+          </a:ln>
+          <a:effectLst/>
+        </p:spPr>
+        <p:style>
+          <a:lnRef idx="1">
+            <a:schemeClr val="accent2"/>
+          </a:lnRef>
+          <a:fillRef idx="3">
+            <a:schemeClr val="accent2"/>
+          </a:fillRef>
+          <a:effectRef idx="2">
+            <a:schemeClr val="accent2"/>
+          </a:effectRef>
+          <a:fontRef idx="minor">
+            <a:schemeClr val="lt1"/>
+          </a:fontRef>
+        </p:style>
+        <p:txBody>
+          <a:bodyPr vert="horz" wrap="square" lIns="91436" tIns="45718" rIns="91436" bIns="45718" numCol="1" rtlCol="0" anchor="ctr" anchorCtr="0" compatLnSpc="1">
+            <a:prstTxWarp prst="textNoShape">
+              <a:avLst/>
+            </a:prstTxWarp>
+          </a:bodyPr>
+          <a:lstStyle/>
+          <a:p>
+            <a:pPr algn="ctr" defTabSz="914099" fontAlgn="base">
+              <a:spcBef>
+                <a:spcPct val="0"/>
+              </a:spcBef>
+              <a:spcAft>
+                <a:spcPct val="0"/>
+              </a:spcAft>
+            </a:pPr>
+            <a:endParaRPr lang="en-US" sz="2200" dirty="0" smtClean="0">
+              <a:gradFill>
+                <a:gsLst>
+                  <a:gs pos="0">
+                    <a:srgbClr val="FFFFFF"/>
+                  </a:gs>
+                  <a:gs pos="100000">
+                    <a:srgbClr val="FFFFFF"/>
+                  </a:gs>
+                </a:gsLst>
+                <a:lin ang="5400000" scaled="0"/>
+              </a:gradFill>
+            </a:endParaRPr>
+          </a:p>
+        </p:txBody>
+      </p:sp>
+      <p:sp>
+        <p:nvSpPr>
+          <p:cNvPr id="39" name="TextBox 38"/>
+          <p:cNvSpPr txBox="1"/>
+          <p:nvPr/>
+        </p:nvSpPr>
+        <p:spPr>
+          <a:xfrm>
+            <a:off x="4441369" y="2666899"/>
+            <a:ext cx="2945084" cy="387798"/>
+          </a:xfrm>
+          <a:prstGeom prst="rect">
+            <a:avLst/>
+          </a:prstGeom>
+          <a:noFill/>
+        </p:spPr>
+        <p:txBody>
+          <a:bodyPr wrap="square" lIns="0" tIns="0" rIns="0" bIns="0" rtlCol="0">
+            <a:spAutoFit/>
+          </a:bodyPr>
+          <a:lstStyle/>
+          <a:p>
+            <a:pPr algn="ctr">
+              <a:lnSpc>
+                <a:spcPct val="90000"/>
+              </a:lnSpc>
+              <a:spcBef>
+                <a:spcPct val="20000"/>
+              </a:spcBef>
+              <a:buSzPct val="80000"/>
+            </a:pPr>
+            <a:r>
+              <a:rPr lang="en-US" sz="2800" dirty="0" smtClean="0">
+                <a:solidFill>
+                  <a:schemeClr val="accent1"/>
+                </a:solidFill>
+              </a:rPr>
+              <a:t>Hopping Window</a:t>
+            </a:r>
+            <a:endParaRPr lang="en-US" sz="2800" dirty="0">
+              <a:solidFill>
+                <a:schemeClr val="accent1"/>
+              </a:solidFill>
+            </a:endParaRPr>
+          </a:p>
+        </p:txBody>
+      </p:sp>
+      <p:cxnSp>
+        <p:nvCxnSpPr>
+          <p:cNvPr id="40" name="Straight Connector 39"/>
+          <p:cNvCxnSpPr/>
+          <p:nvPr/>
+        </p:nvCxnSpPr>
+        <p:spPr>
+          <a:xfrm>
+            <a:off x="8098970" y="3313215"/>
+            <a:ext cx="2945083" cy="8905"/>
+          </a:xfrm>
+          <a:prstGeom prst="line">
+            <a:avLst/>
+          </a:prstGeom>
+          <a:ln w="38100"/>
+        </p:spPr>
+        <p:style>
+          <a:lnRef idx="1">
+            <a:schemeClr val="accent1"/>
+          </a:lnRef>
+          <a:fillRef idx="0">
+            <a:schemeClr val="accent1"/>
+          </a:fillRef>
+          <a:effectRef idx="0">
+            <a:schemeClr val="accent1"/>
+          </a:effectRef>
+          <a:fontRef idx="minor">
+            <a:schemeClr val="tx1"/>
+          </a:fontRef>
+        </p:style>
+      </p:cxnSp>
+      <p:sp>
+        <p:nvSpPr>
+          <p:cNvPr id="41" name="Rectangle 40"/>
+          <p:cNvSpPr/>
+          <p:nvPr/>
+        </p:nvSpPr>
+        <p:spPr bwMode="auto">
+          <a:xfrm>
+            <a:off x="8312726" y="3247900"/>
+            <a:ext cx="95002" cy="148441"/>
+          </a:xfrm>
+          <a:prstGeom prst="rect">
+            <a:avLst/>
+          </a:prstGeom>
+          <a:solidFill>
+            <a:schemeClr val="accent2"/>
+          </a:solidFill>
+          <a:ln>
+            <a:noFill/>
+            <a:headEnd type="none" w="med" len="med"/>
+            <a:tailEnd type="none" w="med" len="med"/>
+          </a:ln>
+          <a:effectLst/>
+        </p:spPr>
+        <p:style>
+          <a:lnRef idx="1">
+            <a:schemeClr val="accent2"/>
+          </a:lnRef>
+          <a:fillRef idx="3">
+            <a:schemeClr val="accent2"/>
+          </a:fillRef>
+          <a:effectRef idx="2">
+            <a:schemeClr val="accent2"/>
+          </a:effectRef>
+          <a:fontRef idx="minor">
+            <a:schemeClr val="lt1"/>
+          </a:fontRef>
+        </p:style>
+        <p:txBody>
+          <a:bodyPr vert="horz" wrap="square" lIns="91436" tIns="45718" rIns="91436" bIns="45718" numCol="1" rtlCol="0" anchor="ctr" anchorCtr="0" compatLnSpc="1">
+            <a:prstTxWarp prst="textNoShape">
+              <a:avLst/>
+            </a:prstTxWarp>
+          </a:bodyPr>
+          <a:lstStyle/>
+          <a:p>
+            <a:pPr algn="ctr" defTabSz="914099" fontAlgn="base">
+              <a:spcBef>
+                <a:spcPct val="0"/>
+              </a:spcBef>
+              <a:spcAft>
+                <a:spcPct val="0"/>
+              </a:spcAft>
+            </a:pPr>
+            <a:endParaRPr lang="en-US" sz="2200" dirty="0" smtClean="0">
+              <a:gradFill>
+                <a:gsLst>
+                  <a:gs pos="0">
+                    <a:srgbClr val="FFFFFF"/>
+                  </a:gs>
+                  <a:gs pos="100000">
+                    <a:srgbClr val="FFFFFF"/>
+                  </a:gs>
+                </a:gsLst>
+                <a:lin ang="5400000" scaled="0"/>
+              </a:gradFill>
+            </a:endParaRPr>
+          </a:p>
+        </p:txBody>
+      </p:sp>
+      <p:sp>
+        <p:nvSpPr>
+          <p:cNvPr id="42" name="Rectangle 41"/>
+          <p:cNvSpPr/>
+          <p:nvPr/>
+        </p:nvSpPr>
+        <p:spPr bwMode="auto">
+          <a:xfrm>
+            <a:off x="8490856" y="3247900"/>
+            <a:ext cx="95002" cy="148441"/>
+          </a:xfrm>
+          <a:prstGeom prst="rect">
+            <a:avLst/>
+          </a:prstGeom>
+          <a:solidFill>
+            <a:schemeClr val="accent2"/>
+          </a:solidFill>
+          <a:ln>
+            <a:noFill/>
+            <a:headEnd type="none" w="med" len="med"/>
+            <a:tailEnd type="none" w="med" len="med"/>
+          </a:ln>
+          <a:effectLst/>
+        </p:spPr>
+        <p:style>
+          <a:lnRef idx="1">
+            <a:schemeClr val="accent2"/>
+          </a:lnRef>
+          <a:fillRef idx="3">
+            <a:schemeClr val="accent2"/>
+          </a:fillRef>
+          <a:effectRef idx="2">
+            <a:schemeClr val="accent2"/>
+          </a:effectRef>
+          <a:fontRef idx="minor">
+            <a:schemeClr val="lt1"/>
+          </a:fontRef>
+        </p:style>
+        <p:txBody>
+          <a:bodyPr vert="horz" wrap="square" lIns="91436" tIns="45718" rIns="91436" bIns="45718" numCol="1" rtlCol="0" anchor="ctr" anchorCtr="0" compatLnSpc="1">
+            <a:prstTxWarp prst="textNoShape">
+              <a:avLst/>
+            </a:prstTxWarp>
+          </a:bodyPr>
+          <a:lstStyle/>
+          <a:p>
+            <a:pPr algn="ctr" defTabSz="914099" fontAlgn="base">
+              <a:spcBef>
+                <a:spcPct val="0"/>
+              </a:spcBef>
+              <a:spcAft>
+                <a:spcPct val="0"/>
+              </a:spcAft>
+            </a:pPr>
+            <a:endParaRPr lang="en-US" sz="2200" dirty="0" smtClean="0">
+              <a:gradFill>
+                <a:gsLst>
+                  <a:gs pos="0">
+                    <a:srgbClr val="FFFFFF"/>
+                  </a:gs>
+                  <a:gs pos="100000">
+                    <a:srgbClr val="FFFFFF"/>
+                  </a:gs>
+                </a:gsLst>
+                <a:lin ang="5400000" scaled="0"/>
+              </a:gradFill>
+            </a:endParaRPr>
+          </a:p>
+        </p:txBody>
+      </p:sp>
+      <p:sp>
+        <p:nvSpPr>
+          <p:cNvPr id="43" name="Rectangle 42"/>
+          <p:cNvSpPr/>
+          <p:nvPr/>
+        </p:nvSpPr>
+        <p:spPr bwMode="auto">
+          <a:xfrm>
+            <a:off x="8668986" y="3247900"/>
+            <a:ext cx="95002" cy="148441"/>
+          </a:xfrm>
+          <a:prstGeom prst="rect">
+            <a:avLst/>
+          </a:prstGeom>
+          <a:solidFill>
+            <a:schemeClr val="accent2"/>
+          </a:solidFill>
+          <a:ln>
+            <a:noFill/>
+            <a:headEnd type="none" w="med" len="med"/>
+            <a:tailEnd type="none" w="med" len="med"/>
+          </a:ln>
+          <a:effectLst/>
+        </p:spPr>
+        <p:style>
+          <a:lnRef idx="1">
+            <a:schemeClr val="accent2"/>
+          </a:lnRef>
+          <a:fillRef idx="3">
+            <a:schemeClr val="accent2"/>
+          </a:fillRef>
+          <a:effectRef idx="2">
+            <a:schemeClr val="accent2"/>
+          </a:effectRef>
+          <a:fontRef idx="minor">
+            <a:schemeClr val="lt1"/>
+          </a:fontRef>
+        </p:style>
+        <p:txBody>
+          <a:bodyPr vert="horz" wrap="square" lIns="91436" tIns="45718" rIns="91436" bIns="45718" numCol="1" rtlCol="0" anchor="ctr" anchorCtr="0" compatLnSpc="1">
+            <a:prstTxWarp prst="textNoShape">
+              <a:avLst/>
+            </a:prstTxWarp>
+          </a:bodyPr>
+          <a:lstStyle/>
+          <a:p>
+            <a:pPr algn="ctr" defTabSz="914099" fontAlgn="base">
+              <a:spcBef>
+                <a:spcPct val="0"/>
+              </a:spcBef>
+              <a:spcAft>
+                <a:spcPct val="0"/>
+              </a:spcAft>
+            </a:pPr>
+            <a:endParaRPr lang="en-US" sz="2200" dirty="0" smtClean="0">
+              <a:gradFill>
+                <a:gsLst>
+                  <a:gs pos="0">
+                    <a:srgbClr val="FFFFFF"/>
+                  </a:gs>
+                  <a:gs pos="100000">
+                    <a:srgbClr val="FFFFFF"/>
+                  </a:gs>
+                </a:gsLst>
+                <a:lin ang="5400000" scaled="0"/>
+              </a:gradFill>
+            </a:endParaRPr>
+          </a:p>
+        </p:txBody>
+      </p:sp>
+      <p:sp>
+        <p:nvSpPr>
+          <p:cNvPr id="44" name="Rectangle 43"/>
+          <p:cNvSpPr/>
+          <p:nvPr/>
+        </p:nvSpPr>
+        <p:spPr bwMode="auto">
+          <a:xfrm>
+            <a:off x="10046524" y="3247900"/>
+            <a:ext cx="95002" cy="148441"/>
+          </a:xfrm>
+          <a:prstGeom prst="rect">
+            <a:avLst/>
+          </a:prstGeom>
+          <a:solidFill>
+            <a:schemeClr val="accent2"/>
+          </a:solidFill>
+          <a:ln>
+            <a:noFill/>
+            <a:headEnd type="none" w="med" len="med"/>
+            <a:tailEnd type="none" w="med" len="med"/>
+          </a:ln>
+          <a:effectLst/>
+        </p:spPr>
+        <p:style>
+          <a:lnRef idx="1">
+            <a:schemeClr val="accent2"/>
+          </a:lnRef>
+          <a:fillRef idx="3">
+            <a:schemeClr val="accent2"/>
+          </a:fillRef>
+          <a:effectRef idx="2">
+            <a:schemeClr val="accent2"/>
+          </a:effectRef>
+          <a:fontRef idx="minor">
+            <a:schemeClr val="lt1"/>
+          </a:fontRef>
+        </p:style>
+        <p:txBody>
+          <a:bodyPr vert="horz" wrap="square" lIns="91436" tIns="45718" rIns="91436" bIns="45718" numCol="1" rtlCol="0" anchor="ctr" anchorCtr="0" compatLnSpc="1">
+            <a:prstTxWarp prst="textNoShape">
+              <a:avLst/>
+            </a:prstTxWarp>
+          </a:bodyPr>
+          <a:lstStyle/>
+          <a:p>
+            <a:pPr algn="ctr" defTabSz="914099" fontAlgn="base">
+              <a:spcBef>
+                <a:spcPct val="0"/>
+              </a:spcBef>
+              <a:spcAft>
+                <a:spcPct val="0"/>
+              </a:spcAft>
+            </a:pPr>
+            <a:endParaRPr lang="en-US" sz="2200" dirty="0" smtClean="0">
+              <a:gradFill>
+                <a:gsLst>
+                  <a:gs pos="0">
+                    <a:srgbClr val="FFFFFF"/>
+                  </a:gs>
+                  <a:gs pos="100000">
+                    <a:srgbClr val="FFFFFF"/>
+                  </a:gs>
+                </a:gsLst>
+                <a:lin ang="5400000" scaled="0"/>
+              </a:gradFill>
+            </a:endParaRPr>
+          </a:p>
+        </p:txBody>
+      </p:sp>
+      <p:sp>
+        <p:nvSpPr>
+          <p:cNvPr id="45" name="Rectangle 44"/>
+          <p:cNvSpPr/>
+          <p:nvPr/>
+        </p:nvSpPr>
+        <p:spPr bwMode="auto">
+          <a:xfrm>
+            <a:off x="10236530" y="3247900"/>
+            <a:ext cx="95002" cy="148441"/>
+          </a:xfrm>
+          <a:prstGeom prst="rect">
+            <a:avLst/>
+          </a:prstGeom>
+          <a:solidFill>
+            <a:schemeClr val="accent2"/>
+          </a:solidFill>
+          <a:ln>
+            <a:noFill/>
+            <a:headEnd type="none" w="med" len="med"/>
+            <a:tailEnd type="none" w="med" len="med"/>
+          </a:ln>
+          <a:effectLst/>
+        </p:spPr>
+        <p:style>
+          <a:lnRef idx="1">
+            <a:schemeClr val="accent2"/>
+          </a:lnRef>
+          <a:fillRef idx="3">
+            <a:schemeClr val="accent2"/>
+          </a:fillRef>
+          <a:effectRef idx="2">
+            <a:schemeClr val="accent2"/>
+          </a:effectRef>
+          <a:fontRef idx="minor">
+            <a:schemeClr val="lt1"/>
+          </a:fontRef>
+        </p:style>
+        <p:txBody>
+          <a:bodyPr vert="horz" wrap="square" lIns="91436" tIns="45718" rIns="91436" bIns="45718" numCol="1" rtlCol="0" anchor="ctr" anchorCtr="0" compatLnSpc="1">
+            <a:prstTxWarp prst="textNoShape">
+              <a:avLst/>
+            </a:prstTxWarp>
+          </a:bodyPr>
+          <a:lstStyle/>
+          <a:p>
+            <a:pPr algn="ctr" defTabSz="914099" fontAlgn="base">
+              <a:spcBef>
+                <a:spcPct val="0"/>
+              </a:spcBef>
+              <a:spcAft>
+                <a:spcPct val="0"/>
+              </a:spcAft>
+            </a:pPr>
+            <a:endParaRPr lang="en-US" sz="2200" dirty="0" smtClean="0">
+              <a:gradFill>
+                <a:gsLst>
+                  <a:gs pos="0">
+                    <a:srgbClr val="FFFFFF"/>
+                  </a:gs>
+                  <a:gs pos="100000">
+                    <a:srgbClr val="FFFFFF"/>
+                  </a:gs>
+                </a:gsLst>
+                <a:lin ang="5400000" scaled="0"/>
+              </a:gradFill>
+            </a:endParaRPr>
+          </a:p>
+        </p:txBody>
+      </p:sp>
+      <p:sp>
+        <p:nvSpPr>
+          <p:cNvPr id="46" name="Rectangle 45"/>
+          <p:cNvSpPr/>
+          <p:nvPr/>
+        </p:nvSpPr>
+        <p:spPr bwMode="auto">
+          <a:xfrm>
+            <a:off x="8312730" y="3681350"/>
+            <a:ext cx="1472542" cy="866899"/>
+          </a:xfrm>
+          <a:prstGeom prst="rect">
+            <a:avLst/>
+          </a:prstGeom>
+          <a:solidFill>
+            <a:schemeClr val="bg1"/>
+          </a:solidFill>
+          <a:ln w="38100">
+            <a:solidFill>
+              <a:srgbClr val="00AEEF"/>
+            </a:solidFill>
+            <a:headEnd type="none" w="med" len="med"/>
+            <a:tailEnd type="none" w="med" len="med"/>
+          </a:ln>
+          <a:effectLst/>
+        </p:spPr>
+        <p:style>
+          <a:lnRef idx="1">
+            <a:schemeClr val="accent2"/>
+          </a:lnRef>
+          <a:fillRef idx="3">
+            <a:schemeClr val="accent2"/>
+          </a:fillRef>
+          <a:effectRef idx="2">
+            <a:schemeClr val="accent2"/>
+          </a:effectRef>
+          <a:fontRef idx="minor">
+            <a:schemeClr val="lt1"/>
+          </a:fontRef>
+        </p:style>
+        <p:txBody>
+          <a:bodyPr vert="horz" wrap="square" lIns="91436" tIns="45718" rIns="91436" bIns="45718" numCol="1" rtlCol="0" anchor="ctr" anchorCtr="0" compatLnSpc="1">
+            <a:prstTxWarp prst="textNoShape">
+              <a:avLst/>
+            </a:prstTxWarp>
+          </a:bodyPr>
+          <a:lstStyle/>
+          <a:p>
+            <a:pPr algn="ctr" defTabSz="914099" fontAlgn="base">
+              <a:spcBef>
+                <a:spcPct val="0"/>
+              </a:spcBef>
+              <a:spcAft>
+                <a:spcPct val="0"/>
+              </a:spcAft>
+            </a:pPr>
+            <a:endParaRPr lang="en-US" sz="2200" dirty="0" smtClean="0">
+              <a:gradFill>
+                <a:gsLst>
+                  <a:gs pos="0">
+                    <a:srgbClr val="FFFFFF"/>
+                  </a:gs>
+                  <a:gs pos="100000">
+                    <a:srgbClr val="FFFFFF"/>
+                  </a:gs>
+                </a:gsLst>
+                <a:lin ang="5400000" scaled="0"/>
+              </a:gradFill>
+            </a:endParaRPr>
+          </a:p>
+        </p:txBody>
+      </p:sp>
+      <p:sp>
+        <p:nvSpPr>
+          <p:cNvPr id="47" name="Rectangle 46"/>
+          <p:cNvSpPr/>
+          <p:nvPr/>
+        </p:nvSpPr>
+        <p:spPr bwMode="auto">
+          <a:xfrm>
+            <a:off x="10046524" y="4548248"/>
+            <a:ext cx="1472542" cy="866899"/>
+          </a:xfrm>
+          <a:prstGeom prst="rect">
+            <a:avLst/>
+          </a:prstGeom>
+          <a:solidFill>
+            <a:schemeClr val="bg1"/>
+          </a:solidFill>
+          <a:ln w="38100">
+            <a:solidFill>
+              <a:srgbClr val="00AEEF"/>
+            </a:solidFill>
+            <a:headEnd type="none" w="med" len="med"/>
+            <a:tailEnd type="none" w="med" len="med"/>
+          </a:ln>
+          <a:effectLst/>
+        </p:spPr>
+        <p:style>
+          <a:lnRef idx="1">
+            <a:schemeClr val="accent2"/>
+          </a:lnRef>
+          <a:fillRef idx="3">
+            <a:schemeClr val="accent2"/>
+          </a:fillRef>
+          <a:effectRef idx="2">
+            <a:schemeClr val="accent2"/>
+          </a:effectRef>
+          <a:fontRef idx="minor">
+            <a:schemeClr val="lt1"/>
+          </a:fontRef>
+        </p:style>
+        <p:txBody>
+          <a:bodyPr vert="horz" wrap="square" lIns="91436" tIns="45718" rIns="91436" bIns="45718" numCol="1" rtlCol="0" anchor="ctr" anchorCtr="0" compatLnSpc="1">
+            <a:prstTxWarp prst="textNoShape">
+              <a:avLst/>
+            </a:prstTxWarp>
+          </a:bodyPr>
+          <a:lstStyle/>
+          <a:p>
+            <a:pPr algn="ctr" defTabSz="914099" fontAlgn="base">
+              <a:spcBef>
+                <a:spcPct val="0"/>
+              </a:spcBef>
+              <a:spcAft>
+                <a:spcPct val="0"/>
+              </a:spcAft>
+            </a:pPr>
+            <a:endParaRPr lang="en-US" sz="2200" dirty="0">
+              <a:gradFill>
+                <a:gsLst>
+                  <a:gs pos="0">
+                    <a:srgbClr val="FFFFFF"/>
+                  </a:gs>
+                  <a:gs pos="100000">
+                    <a:srgbClr val="FFFFFF"/>
+                  </a:gs>
+                </a:gsLst>
+                <a:lin ang="5400000" scaled="0"/>
+              </a:gradFill>
+            </a:endParaRPr>
+          </a:p>
+        </p:txBody>
+      </p:sp>
+      <p:sp>
+        <p:nvSpPr>
+          <p:cNvPr id="48" name="Rectangle 47"/>
+          <p:cNvSpPr/>
+          <p:nvPr/>
+        </p:nvSpPr>
+        <p:spPr bwMode="auto">
+          <a:xfrm>
+            <a:off x="8312726" y="4006249"/>
+            <a:ext cx="95002" cy="148441"/>
+          </a:xfrm>
+          <a:prstGeom prst="rect">
+            <a:avLst/>
+          </a:prstGeom>
+          <a:solidFill>
+            <a:schemeClr val="accent2"/>
+          </a:solidFill>
+          <a:ln>
+            <a:noFill/>
+            <a:headEnd type="none" w="med" len="med"/>
+            <a:tailEnd type="none" w="med" len="med"/>
+          </a:ln>
+          <a:effectLst/>
+        </p:spPr>
+        <p:style>
+          <a:lnRef idx="1">
+            <a:schemeClr val="accent2"/>
+          </a:lnRef>
+          <a:fillRef idx="3">
+            <a:schemeClr val="accent2"/>
+          </a:fillRef>
+          <a:effectRef idx="2">
+            <a:schemeClr val="accent2"/>
+          </a:effectRef>
+          <a:fontRef idx="minor">
+            <a:schemeClr val="lt1"/>
+          </a:fontRef>
+        </p:style>
+        <p:txBody>
+          <a:bodyPr vert="horz" wrap="square" lIns="91436" tIns="45718" rIns="91436" bIns="45718" numCol="1" rtlCol="0" anchor="ctr" anchorCtr="0" compatLnSpc="1">
+            <a:prstTxWarp prst="textNoShape">
+              <a:avLst/>
+            </a:prstTxWarp>
+          </a:bodyPr>
+          <a:lstStyle/>
+          <a:p>
+            <a:pPr algn="ctr" defTabSz="914099" fontAlgn="base">
+              <a:spcBef>
+                <a:spcPct val="0"/>
+              </a:spcBef>
+              <a:spcAft>
+                <a:spcPct val="0"/>
+              </a:spcAft>
+            </a:pPr>
+            <a:endParaRPr lang="en-US" sz="2200" dirty="0" smtClean="0">
+              <a:gradFill>
+                <a:gsLst>
+                  <a:gs pos="0">
+                    <a:srgbClr val="FFFFFF"/>
+                  </a:gs>
+                  <a:gs pos="100000">
+                    <a:srgbClr val="FFFFFF"/>
+                  </a:gs>
+                </a:gsLst>
+                <a:lin ang="5400000" scaled="0"/>
+              </a:gradFill>
+            </a:endParaRPr>
+          </a:p>
+        </p:txBody>
+      </p:sp>
+      <p:sp>
+        <p:nvSpPr>
+          <p:cNvPr id="49" name="Rectangle 48"/>
+          <p:cNvSpPr/>
+          <p:nvPr/>
+        </p:nvSpPr>
+        <p:spPr bwMode="auto">
+          <a:xfrm>
+            <a:off x="8490856" y="4006249"/>
+            <a:ext cx="95002" cy="148441"/>
+          </a:xfrm>
+          <a:prstGeom prst="rect">
+            <a:avLst/>
+          </a:prstGeom>
+          <a:solidFill>
+            <a:schemeClr val="accent2"/>
+          </a:solidFill>
+          <a:ln>
+            <a:noFill/>
+            <a:headEnd type="none" w="med" len="med"/>
+            <a:tailEnd type="none" w="med" len="med"/>
+          </a:ln>
+          <a:effectLst/>
+        </p:spPr>
+        <p:style>
+          <a:lnRef idx="1">
+            <a:schemeClr val="accent2"/>
+          </a:lnRef>
+          <a:fillRef idx="3">
+            <a:schemeClr val="accent2"/>
+          </a:fillRef>
+          <a:effectRef idx="2">
+            <a:schemeClr val="accent2"/>
+          </a:effectRef>
+          <a:fontRef idx="minor">
+            <a:schemeClr val="lt1"/>
+          </a:fontRef>
+        </p:style>
+        <p:txBody>
+          <a:bodyPr vert="horz" wrap="square" lIns="91436" tIns="45718" rIns="91436" bIns="45718" numCol="1" rtlCol="0" anchor="ctr" anchorCtr="0" compatLnSpc="1">
+            <a:prstTxWarp prst="textNoShape">
+              <a:avLst/>
+            </a:prstTxWarp>
+          </a:bodyPr>
+          <a:lstStyle/>
+          <a:p>
+            <a:pPr algn="ctr" defTabSz="914099" fontAlgn="base">
+              <a:spcBef>
+                <a:spcPct val="0"/>
+              </a:spcBef>
+              <a:spcAft>
+                <a:spcPct val="0"/>
+              </a:spcAft>
+            </a:pPr>
+            <a:endParaRPr lang="en-US" sz="2200" dirty="0" smtClean="0">
+              <a:gradFill>
+                <a:gsLst>
+                  <a:gs pos="0">
+                    <a:srgbClr val="FFFFFF"/>
+                  </a:gs>
+                  <a:gs pos="100000">
+                    <a:srgbClr val="FFFFFF"/>
+                  </a:gs>
+                </a:gsLst>
+                <a:lin ang="5400000" scaled="0"/>
+              </a:gradFill>
+            </a:endParaRPr>
+          </a:p>
+        </p:txBody>
+      </p:sp>
+      <p:sp>
+        <p:nvSpPr>
+          <p:cNvPr id="50" name="Rectangle 49"/>
+          <p:cNvSpPr/>
+          <p:nvPr/>
+        </p:nvSpPr>
+        <p:spPr bwMode="auto">
+          <a:xfrm>
+            <a:off x="8668986" y="4006249"/>
+            <a:ext cx="95002" cy="148441"/>
+          </a:xfrm>
+          <a:prstGeom prst="rect">
+            <a:avLst/>
+          </a:prstGeom>
+          <a:solidFill>
+            <a:schemeClr val="accent2"/>
+          </a:solidFill>
+          <a:ln>
+            <a:noFill/>
+            <a:headEnd type="none" w="med" len="med"/>
+            <a:tailEnd type="none" w="med" len="med"/>
+          </a:ln>
+          <a:effectLst/>
+        </p:spPr>
+        <p:style>
+          <a:lnRef idx="1">
+            <a:schemeClr val="accent2"/>
+          </a:lnRef>
+          <a:fillRef idx="3">
+            <a:schemeClr val="accent2"/>
+          </a:fillRef>
+          <a:effectRef idx="2">
+            <a:schemeClr val="accent2"/>
+          </a:effectRef>
+          <a:fontRef idx="minor">
+            <a:schemeClr val="lt1"/>
+          </a:fontRef>
+        </p:style>
+        <p:txBody>
+          <a:bodyPr vert="horz" wrap="square" lIns="91436" tIns="45718" rIns="91436" bIns="45718" numCol="1" rtlCol="0" anchor="ctr" anchorCtr="0" compatLnSpc="1">
+            <a:prstTxWarp prst="textNoShape">
+              <a:avLst/>
+            </a:prstTxWarp>
+          </a:bodyPr>
+          <a:lstStyle/>
+          <a:p>
+            <a:pPr algn="ctr" defTabSz="914099" fontAlgn="base">
+              <a:spcBef>
+                <a:spcPct val="0"/>
+              </a:spcBef>
+              <a:spcAft>
+                <a:spcPct val="0"/>
+              </a:spcAft>
+            </a:pPr>
+            <a:endParaRPr lang="en-US" sz="2200" dirty="0" smtClean="0">
+              <a:gradFill>
+                <a:gsLst>
+                  <a:gs pos="0">
+                    <a:srgbClr val="FFFFFF"/>
+                  </a:gs>
+                  <a:gs pos="100000">
+                    <a:srgbClr val="FFFFFF"/>
+                  </a:gs>
+                </a:gsLst>
+                <a:lin ang="5400000" scaled="0"/>
+              </a:gradFill>
+            </a:endParaRPr>
+          </a:p>
+        </p:txBody>
+      </p:sp>
+      <p:sp>
+        <p:nvSpPr>
+          <p:cNvPr id="51" name="Rectangle 50"/>
+          <p:cNvSpPr/>
+          <p:nvPr/>
+        </p:nvSpPr>
+        <p:spPr bwMode="auto">
+          <a:xfrm>
+            <a:off x="10046524" y="4873148"/>
+            <a:ext cx="95002" cy="148441"/>
+          </a:xfrm>
+          <a:prstGeom prst="rect">
+            <a:avLst/>
+          </a:prstGeom>
+          <a:solidFill>
+            <a:schemeClr val="accent2"/>
+          </a:solidFill>
+          <a:ln>
+            <a:noFill/>
+            <a:headEnd type="none" w="med" len="med"/>
+            <a:tailEnd type="none" w="med" len="med"/>
+          </a:ln>
+          <a:effectLst/>
+        </p:spPr>
+        <p:style>
+          <a:lnRef idx="1">
+            <a:schemeClr val="accent2"/>
+          </a:lnRef>
+          <a:fillRef idx="3">
+            <a:schemeClr val="accent2"/>
+          </a:fillRef>
+          <a:effectRef idx="2">
+            <a:schemeClr val="accent2"/>
+          </a:effectRef>
+          <a:fontRef idx="minor">
+            <a:schemeClr val="lt1"/>
+          </a:fontRef>
+        </p:style>
+        <p:txBody>
+          <a:bodyPr vert="horz" wrap="square" lIns="91436" tIns="45718" rIns="91436" bIns="45718" numCol="1" rtlCol="0" anchor="ctr" anchorCtr="0" compatLnSpc="1">
+            <a:prstTxWarp prst="textNoShape">
+              <a:avLst/>
+            </a:prstTxWarp>
+          </a:bodyPr>
+          <a:lstStyle/>
+          <a:p>
+            <a:pPr algn="ctr" defTabSz="914099" fontAlgn="base">
+              <a:spcBef>
+                <a:spcPct val="0"/>
+              </a:spcBef>
+              <a:spcAft>
+                <a:spcPct val="0"/>
+              </a:spcAft>
+            </a:pPr>
+            <a:endParaRPr lang="en-US" sz="2200" dirty="0" smtClean="0">
+              <a:gradFill>
+                <a:gsLst>
+                  <a:gs pos="0">
+                    <a:srgbClr val="FFFFFF"/>
+                  </a:gs>
+                  <a:gs pos="100000">
+                    <a:srgbClr val="FFFFFF"/>
+                  </a:gs>
+                </a:gsLst>
+                <a:lin ang="5400000" scaled="0"/>
+              </a:gradFill>
+            </a:endParaRPr>
+          </a:p>
+        </p:txBody>
+      </p:sp>
+      <p:sp>
+        <p:nvSpPr>
+          <p:cNvPr id="52" name="Rectangle 51"/>
+          <p:cNvSpPr/>
+          <p:nvPr/>
+        </p:nvSpPr>
+        <p:spPr bwMode="auto">
+          <a:xfrm>
+            <a:off x="10236530" y="4873148"/>
+            <a:ext cx="95002" cy="148441"/>
+          </a:xfrm>
+          <a:prstGeom prst="rect">
+            <a:avLst/>
+          </a:prstGeom>
+          <a:solidFill>
+            <a:schemeClr val="accent2"/>
+          </a:solidFill>
+          <a:ln>
+            <a:noFill/>
+            <a:headEnd type="none" w="med" len="med"/>
+            <a:tailEnd type="none" w="med" len="med"/>
+          </a:ln>
+          <a:effectLst/>
+        </p:spPr>
+        <p:style>
+          <a:lnRef idx="1">
+            <a:schemeClr val="accent2"/>
+          </a:lnRef>
+          <a:fillRef idx="3">
+            <a:schemeClr val="accent2"/>
+          </a:fillRef>
+          <a:effectRef idx="2">
+            <a:schemeClr val="accent2"/>
+          </a:effectRef>
+          <a:fontRef idx="minor">
+            <a:schemeClr val="lt1"/>
+          </a:fontRef>
+        </p:style>
+        <p:txBody>
+          <a:bodyPr vert="horz" wrap="square" lIns="91436" tIns="45718" rIns="91436" bIns="45718" numCol="1" rtlCol="0" anchor="ctr" anchorCtr="0" compatLnSpc="1">
+            <a:prstTxWarp prst="textNoShape">
+              <a:avLst/>
+            </a:prstTxWarp>
+          </a:bodyPr>
+          <a:lstStyle/>
+          <a:p>
+            <a:pPr algn="ctr" defTabSz="914099" fontAlgn="base">
+              <a:spcBef>
+                <a:spcPct val="0"/>
+              </a:spcBef>
+              <a:spcAft>
+                <a:spcPct val="0"/>
+              </a:spcAft>
+            </a:pPr>
+            <a:endParaRPr lang="en-US" sz="2200" dirty="0" smtClean="0">
+              <a:gradFill>
+                <a:gsLst>
+                  <a:gs pos="0">
+                    <a:srgbClr val="FFFFFF"/>
+                  </a:gs>
+                  <a:gs pos="100000">
+                    <a:srgbClr val="FFFFFF"/>
+                  </a:gs>
+                </a:gsLst>
+                <a:lin ang="5400000" scaled="0"/>
+              </a:gradFill>
+            </a:endParaRPr>
+          </a:p>
+        </p:txBody>
+      </p:sp>
+      <p:sp>
+        <p:nvSpPr>
+          <p:cNvPr id="53" name="TextBox 52"/>
+          <p:cNvSpPr txBox="1"/>
+          <p:nvPr/>
+        </p:nvSpPr>
+        <p:spPr>
+          <a:xfrm>
+            <a:off x="8098969" y="2666899"/>
+            <a:ext cx="2945084" cy="387798"/>
+          </a:xfrm>
+          <a:prstGeom prst="rect">
+            <a:avLst/>
+          </a:prstGeom>
+          <a:noFill/>
+        </p:spPr>
+        <p:txBody>
+          <a:bodyPr wrap="square" lIns="0" tIns="0" rIns="0" bIns="0" rtlCol="0">
+            <a:spAutoFit/>
+          </a:bodyPr>
+          <a:lstStyle/>
+          <a:p>
+            <a:pPr algn="ctr">
+              <a:lnSpc>
+                <a:spcPct val="90000"/>
+              </a:lnSpc>
+              <a:spcBef>
+                <a:spcPct val="20000"/>
+              </a:spcBef>
+              <a:buSzPct val="80000"/>
+            </a:pPr>
+            <a:r>
+              <a:rPr lang="en-US" sz="2800" dirty="0" smtClean="0">
+                <a:solidFill>
+                  <a:schemeClr val="accent1"/>
+                </a:solidFill>
+              </a:rPr>
+              <a:t>Sliding Window</a:t>
+            </a:r>
+            <a:endParaRPr lang="en-US" sz="2800" dirty="0">
+              <a:solidFill>
+                <a:schemeClr val="accent1"/>
+              </a:solidFill>
+            </a:endParaRPr>
+          </a:p>
+        </p:txBody>
+      </p:sp>
+      <p:sp>
+        <p:nvSpPr>
+          <p:cNvPr id="56" name="Rectangle 55"/>
+          <p:cNvSpPr/>
+          <p:nvPr/>
+        </p:nvSpPr>
+        <p:spPr bwMode="auto">
+          <a:xfrm>
+            <a:off x="6388924" y="5788843"/>
+            <a:ext cx="95002" cy="148441"/>
+          </a:xfrm>
+          <a:prstGeom prst="rect">
+            <a:avLst/>
+          </a:prstGeom>
+          <a:solidFill>
+            <a:schemeClr val="accent2"/>
+          </a:solidFill>
+          <a:ln>
+            <a:noFill/>
+            <a:headEnd type="none" w="med" len="med"/>
+            <a:tailEnd type="none" w="med" len="med"/>
+          </a:ln>
+          <a:effectLst/>
+        </p:spPr>
+        <p:style>
+          <a:lnRef idx="1">
+            <a:schemeClr val="accent2"/>
+          </a:lnRef>
+          <a:fillRef idx="3">
+            <a:schemeClr val="accent2"/>
+          </a:fillRef>
+          <a:effectRef idx="2">
+            <a:schemeClr val="accent2"/>
+          </a:effectRef>
+          <a:fontRef idx="minor">
+            <a:schemeClr val="lt1"/>
+          </a:fontRef>
+        </p:style>
+        <p:txBody>
+          <a:bodyPr vert="horz" wrap="square" lIns="91436" tIns="45718" rIns="91436" bIns="45718" numCol="1" rtlCol="0" anchor="ctr" anchorCtr="0" compatLnSpc="1">
+            <a:prstTxWarp prst="textNoShape">
+              <a:avLst/>
+            </a:prstTxWarp>
+          </a:bodyPr>
+          <a:lstStyle/>
+          <a:p>
+            <a:pPr algn="ctr" defTabSz="914099" fontAlgn="base">
+              <a:spcBef>
+                <a:spcPct val="0"/>
+              </a:spcBef>
+              <a:spcAft>
+                <a:spcPct val="0"/>
+              </a:spcAft>
+            </a:pPr>
+            <a:endParaRPr lang="en-US" sz="2200" dirty="0" smtClean="0">
+              <a:gradFill>
+                <a:gsLst>
+                  <a:gs pos="0">
+                    <a:srgbClr val="FFFFFF"/>
+                  </a:gs>
+                  <a:gs pos="100000">
+                    <a:srgbClr val="FFFFFF"/>
+                  </a:gs>
+                </a:gsLst>
+                <a:lin ang="5400000" scaled="0"/>
+              </a:gradFill>
+            </a:endParaRPr>
+          </a:p>
+        </p:txBody>
+      </p:sp>
+      <p:sp>
+        <p:nvSpPr>
+          <p:cNvPr id="57" name="Rectangle 56"/>
+          <p:cNvSpPr/>
+          <p:nvPr/>
+        </p:nvSpPr>
+        <p:spPr bwMode="auto">
+          <a:xfrm>
+            <a:off x="6578930" y="5788843"/>
+            <a:ext cx="95002" cy="148441"/>
+          </a:xfrm>
+          <a:prstGeom prst="rect">
+            <a:avLst/>
+          </a:prstGeom>
+          <a:solidFill>
+            <a:schemeClr val="accent2"/>
+          </a:solidFill>
+          <a:ln>
+            <a:noFill/>
+            <a:headEnd type="none" w="med" len="med"/>
+            <a:tailEnd type="none" w="med" len="med"/>
+          </a:ln>
+          <a:effectLst/>
+        </p:spPr>
+        <p:style>
+          <a:lnRef idx="1">
+            <a:schemeClr val="accent2"/>
+          </a:lnRef>
+          <a:fillRef idx="3">
+            <a:schemeClr val="accent2"/>
+          </a:fillRef>
+          <a:effectRef idx="2">
+            <a:schemeClr val="accent2"/>
+          </a:effectRef>
+          <a:fontRef idx="minor">
+            <a:schemeClr val="lt1"/>
+          </a:fontRef>
+        </p:style>
+        <p:txBody>
+          <a:bodyPr vert="horz" wrap="square" lIns="91436" tIns="45718" rIns="91436" bIns="45718" numCol="1" rtlCol="0" anchor="ctr" anchorCtr="0" compatLnSpc="1">
+            <a:prstTxWarp prst="textNoShape">
+              <a:avLst/>
+            </a:prstTxWarp>
+          </a:bodyPr>
+          <a:lstStyle/>
+          <a:p>
+            <a:pPr algn="ctr" defTabSz="914099" fontAlgn="base">
+              <a:spcBef>
+                <a:spcPct val="0"/>
+              </a:spcBef>
+              <a:spcAft>
+                <a:spcPct val="0"/>
+              </a:spcAft>
+            </a:pPr>
+            <a:endParaRPr lang="en-US" sz="2200" dirty="0" smtClean="0">
+              <a:gradFill>
+                <a:gsLst>
+                  <a:gs pos="0">
+                    <a:srgbClr val="FFFFFF"/>
+                  </a:gs>
+                  <a:gs pos="100000">
+                    <a:srgbClr val="FFFFFF"/>
+                  </a:gs>
+                </a:gsLst>
+                <a:lin ang="5400000" scaled="0"/>
+              </a:gradFill>
+            </a:endParaRPr>
+          </a:p>
+        </p:txBody>
+      </p:sp>
+      <p:sp>
+        <p:nvSpPr>
+          <p:cNvPr id="58" name="Rectangle 57"/>
+          <p:cNvSpPr/>
+          <p:nvPr/>
+        </p:nvSpPr>
+        <p:spPr bwMode="auto">
+          <a:xfrm>
+            <a:off x="5177640" y="4549544"/>
+            <a:ext cx="1472542" cy="866899"/>
+          </a:xfrm>
+          <a:prstGeom prst="rect">
+            <a:avLst/>
+          </a:prstGeom>
+          <a:solidFill>
+            <a:schemeClr val="bg1"/>
+          </a:solidFill>
+          <a:ln w="38100">
+            <a:solidFill>
+              <a:srgbClr val="00AEEF"/>
+            </a:solidFill>
+            <a:headEnd type="none" w="med" len="med"/>
+            <a:tailEnd type="none" w="med" len="med"/>
+          </a:ln>
+          <a:effectLst/>
+        </p:spPr>
+        <p:style>
+          <a:lnRef idx="1">
+            <a:schemeClr val="accent2"/>
+          </a:lnRef>
+          <a:fillRef idx="3">
+            <a:schemeClr val="accent2"/>
+          </a:fillRef>
+          <a:effectRef idx="2">
+            <a:schemeClr val="accent2"/>
+          </a:effectRef>
+          <a:fontRef idx="minor">
+            <a:schemeClr val="lt1"/>
+          </a:fontRef>
+        </p:style>
+        <p:txBody>
+          <a:bodyPr vert="horz" wrap="square" lIns="91436" tIns="45718" rIns="91436" bIns="45718" numCol="1" rtlCol="0" anchor="ctr" anchorCtr="0" compatLnSpc="1">
+            <a:prstTxWarp prst="textNoShape">
+              <a:avLst/>
+            </a:prstTxWarp>
+          </a:bodyPr>
+          <a:lstStyle/>
+          <a:p>
+            <a:pPr algn="ctr" defTabSz="914099" fontAlgn="base">
+              <a:spcBef>
+                <a:spcPct val="0"/>
+              </a:spcBef>
+              <a:spcAft>
+                <a:spcPct val="0"/>
+              </a:spcAft>
+            </a:pPr>
+            <a:endParaRPr lang="en-US" sz="2200" dirty="0" smtClean="0">
+              <a:gradFill>
+                <a:gsLst>
+                  <a:gs pos="0">
+                    <a:srgbClr val="FFFFFF"/>
+                  </a:gs>
+                  <a:gs pos="100000">
+                    <a:srgbClr val="FFFFFF"/>
+                  </a:gs>
+                </a:gsLst>
+                <a:lin ang="5400000" scaled="0"/>
+              </a:gradFill>
+            </a:endParaRPr>
+          </a:p>
+        </p:txBody>
+      </p:sp>
+      <p:sp>
+        <p:nvSpPr>
+          <p:cNvPr id="59" name="Rectangle 58"/>
+          <p:cNvSpPr/>
+          <p:nvPr/>
+        </p:nvSpPr>
+        <p:spPr bwMode="auto">
+          <a:xfrm>
+            <a:off x="6388924" y="4921944"/>
+            <a:ext cx="95002" cy="148441"/>
+          </a:xfrm>
+          <a:prstGeom prst="rect">
+            <a:avLst/>
+          </a:prstGeom>
+          <a:solidFill>
+            <a:schemeClr val="accent2"/>
+          </a:solidFill>
+          <a:ln>
+            <a:noFill/>
+            <a:headEnd type="none" w="med" len="med"/>
+            <a:tailEnd type="none" w="med" len="med"/>
+          </a:ln>
+          <a:effectLst/>
+        </p:spPr>
+        <p:style>
+          <a:lnRef idx="1">
+            <a:schemeClr val="accent2"/>
+          </a:lnRef>
+          <a:fillRef idx="3">
+            <a:schemeClr val="accent2"/>
+          </a:fillRef>
+          <a:effectRef idx="2">
+            <a:schemeClr val="accent2"/>
+          </a:effectRef>
+          <a:fontRef idx="minor">
+            <a:schemeClr val="lt1"/>
+          </a:fontRef>
+        </p:style>
+        <p:txBody>
+          <a:bodyPr vert="horz" wrap="square" lIns="91436" tIns="45718" rIns="91436" bIns="45718" numCol="1" rtlCol="0" anchor="ctr" anchorCtr="0" compatLnSpc="1">
+            <a:prstTxWarp prst="textNoShape">
+              <a:avLst/>
+            </a:prstTxWarp>
+          </a:bodyPr>
+          <a:lstStyle/>
+          <a:p>
+            <a:pPr algn="ctr" defTabSz="914099" fontAlgn="base">
+              <a:spcBef>
+                <a:spcPct val="0"/>
+              </a:spcBef>
+              <a:spcAft>
+                <a:spcPct val="0"/>
+              </a:spcAft>
+            </a:pPr>
+            <a:endParaRPr lang="en-US" sz="2200" dirty="0" smtClean="0">
+              <a:gradFill>
+                <a:gsLst>
+                  <a:gs pos="0">
+                    <a:srgbClr val="FFFFFF"/>
+                  </a:gs>
+                  <a:gs pos="100000">
+                    <a:srgbClr val="FFFFFF"/>
+                  </a:gs>
+                </a:gsLst>
+                <a:lin ang="5400000" scaled="0"/>
+              </a:gradFill>
+            </a:endParaRPr>
+          </a:p>
+        </p:txBody>
+      </p:sp>
+      <p:sp>
+        <p:nvSpPr>
+          <p:cNvPr id="60" name="Rectangle 59"/>
+          <p:cNvSpPr/>
+          <p:nvPr/>
+        </p:nvSpPr>
+        <p:spPr bwMode="auto">
+          <a:xfrm>
+            <a:off x="6578930" y="4921944"/>
+            <a:ext cx="95002" cy="148441"/>
+          </a:xfrm>
+          <a:prstGeom prst="rect">
+            <a:avLst/>
+          </a:prstGeom>
+          <a:solidFill>
+            <a:schemeClr val="accent2"/>
+          </a:solidFill>
+          <a:ln>
+            <a:noFill/>
+            <a:headEnd type="none" w="med" len="med"/>
+            <a:tailEnd type="none" w="med" len="med"/>
+          </a:ln>
+          <a:effectLst/>
+        </p:spPr>
+        <p:style>
+          <a:lnRef idx="1">
+            <a:schemeClr val="accent2"/>
+          </a:lnRef>
+          <a:fillRef idx="3">
+            <a:schemeClr val="accent2"/>
+          </a:fillRef>
+          <a:effectRef idx="2">
+            <a:schemeClr val="accent2"/>
+          </a:effectRef>
+          <a:fontRef idx="minor">
+            <a:schemeClr val="lt1"/>
+          </a:fontRef>
+        </p:style>
+        <p:txBody>
+          <a:bodyPr vert="horz" wrap="square" lIns="91436" tIns="45718" rIns="91436" bIns="45718" numCol="1" rtlCol="0" anchor="ctr" anchorCtr="0" compatLnSpc="1">
+            <a:prstTxWarp prst="textNoShape">
+              <a:avLst/>
+            </a:prstTxWarp>
+          </a:bodyPr>
+          <a:lstStyle/>
+          <a:p>
+            <a:pPr algn="ctr" defTabSz="914099" fontAlgn="base">
+              <a:spcBef>
+                <a:spcPct val="0"/>
+              </a:spcBef>
+              <a:spcAft>
+                <a:spcPct val="0"/>
+              </a:spcAft>
+            </a:pPr>
+            <a:endParaRPr lang="en-US" sz="2200" dirty="0" smtClean="0">
+              <a:gradFill>
+                <a:gsLst>
+                  <a:gs pos="0">
+                    <a:srgbClr val="FFFFFF"/>
+                  </a:gs>
+                  <a:gs pos="100000">
+                    <a:srgbClr val="FFFFFF"/>
+                  </a:gs>
+                </a:gsLst>
+                <a:lin ang="5400000" scaled="0"/>
+              </a:gradFill>
+            </a:endParaRPr>
+          </a:p>
+        </p:txBody>
+      </p:sp>
     </p:spTree>
     <p:extLst>
       <p:ext uri="{BB962C8B-B14F-4D97-AF65-F5344CB8AC3E}">
-        <p14:creationId xmlns:p14="http://schemas.microsoft.com/office/powerpoint/2010/main" val="4025450887"/>
+        <p14:creationId xmlns:p14="http://schemas.microsoft.com/office/powerpoint/2010/main" val="2778718171"/>
       </p:ext>
     </p:extLst>
   </p:cSld>
@@ -12421,7 +17665,11 @@
           <a:p>
             <a:r>
               <a:rPr lang="en-US" dirty="0" smtClean="0"/>
-              <a:t>Windowing</a:t>
+              <a:t>Using </a:t>
+            </a:r>
+            <a:r>
+              <a:rPr lang="en-US" dirty="0" err="1" smtClean="0"/>
+              <a:t>TumblingWindow</a:t>
             </a:r>
             <a:endParaRPr lang="en-US" dirty="0"/>
           </a:p>
@@ -12429,81 +17677,31 @@
       </p:sp>
       <p:sp>
         <p:nvSpPr>
-          <p:cNvPr id="3" name="Content Placeholder 2"/>
-          <p:cNvSpPr>
-            <a:spLocks noGrp="1"/>
-          </p:cNvSpPr>
-          <p:nvPr>
-            <p:ph idx="1"/>
-          </p:nvPr>
-        </p:nvSpPr>
-        <p:spPr>
-          <a:xfrm>
-            <a:off x="519248" y="1447800"/>
-            <a:ext cx="10999818" cy="886140"/>
-          </a:xfrm>
-        </p:spPr>
-        <p:txBody>
-          <a:bodyPr/>
-          <a:lstStyle/>
-          <a:p>
-            <a:r>
-              <a:rPr lang="en-US" dirty="0" smtClean="0"/>
-              <a:t>Core requirement for stream-processing systems for counting or aggregating events in a specified time period</a:t>
-            </a:r>
-          </a:p>
-        </p:txBody>
-      </p:sp>
-      <p:cxnSp>
-        <p:nvCxnSpPr>
-          <p:cNvPr id="9" name="Straight Connector 8"/>
-          <p:cNvCxnSpPr/>
-          <p:nvPr/>
-        </p:nvCxnSpPr>
-        <p:spPr>
-          <a:xfrm>
-            <a:off x="688763" y="3313215"/>
-            <a:ext cx="2945083" cy="8905"/>
-          </a:xfrm>
-          <a:prstGeom prst="line">
-            <a:avLst/>
-          </a:prstGeom>
-          <a:ln w="38100"/>
-        </p:spPr>
-        <p:style>
-          <a:lnRef idx="1">
-            <a:schemeClr val="accent1"/>
-          </a:lnRef>
-          <a:fillRef idx="0">
-            <a:schemeClr val="accent1"/>
-          </a:fillRef>
-          <a:effectRef idx="0">
-            <a:schemeClr val="accent1"/>
-          </a:effectRef>
-          <a:fontRef idx="minor">
-            <a:schemeClr val="tx1"/>
-          </a:fontRef>
-        </p:style>
-      </p:cxnSp>
-      <p:sp>
-        <p:nvSpPr>
-          <p:cNvPr id="10" name="Rectangle 9"/>
+          <p:cNvPr id="4" name="Rectangle 3"/>
           <p:cNvSpPr/>
           <p:nvPr/>
         </p:nvSpPr>
         <p:spPr bwMode="auto">
           <a:xfrm>
-            <a:off x="902519" y="3247900"/>
-            <a:ext cx="95002" cy="148441"/>
+            <a:off x="876001" y="1696129"/>
+            <a:ext cx="10438410" cy="1937720"/>
           </a:xfrm>
           <a:prstGeom prst="rect">
             <a:avLst/>
           </a:prstGeom>
           <a:solidFill>
-            <a:schemeClr val="accent2"/>
+            <a:schemeClr val="tx1">
+              <a:lumMod val="10000"/>
+              <a:lumOff val="90000"/>
+            </a:schemeClr>
           </a:solidFill>
-          <a:ln>
-            <a:noFill/>
+          <a:ln w="38100">
+            <a:solidFill>
+              <a:schemeClr val="tx1">
+                <a:lumMod val="50000"/>
+                <a:lumOff val="50000"/>
+              </a:schemeClr>
+            </a:solidFill>
             <a:headEnd type="none" w="med" len="med"/>
             <a:tailEnd type="none" w="med" len="med"/>
           </a:ln>
@@ -12531,7 +17729,7 @@
           </a:bodyPr>
           <a:lstStyle/>
           <a:p>
-            <a:pPr algn="ctr" defTabSz="914099" fontAlgn="base">
+            <a:pPr defTabSz="914099" fontAlgn="base">
               <a:spcBef>
                 <a:spcPct val="0"/>
               </a:spcBef>
@@ -12539,69 +17737,69 @@
                 <a:spcPct val="0"/>
               </a:spcAft>
             </a:pPr>
-            <a:endParaRPr lang="en-US" sz="2200" dirty="0" smtClean="0">
-              <a:gradFill>
-                <a:gsLst>
-                  <a:gs pos="0">
-                    <a:srgbClr val="FFFFFF"/>
-                  </a:gs>
-                  <a:gs pos="100000">
-                    <a:srgbClr val="FFFFFF"/>
-                  </a:gs>
-                </a:gsLst>
-                <a:lin ang="5400000" scaled="0"/>
-              </a:gradFill>
+            <a:r>
+              <a:rPr lang="en-US" sz="2200" dirty="0" smtClean="0">
+                <a:solidFill>
+                  <a:schemeClr val="tx1"/>
+                </a:solidFill>
+                <a:latin typeface="Lucida Console" panose="020B0609040504020204" pitchFamily="49" charset="0"/>
+              </a:rPr>
+              <a:t> SELECT </a:t>
+            </a:r>
+            <a:r>
+              <a:rPr lang="en-US" sz="2200" dirty="0" err="1">
+                <a:solidFill>
+                  <a:schemeClr val="tx1"/>
+                </a:solidFill>
+                <a:latin typeface="Lucida Console" panose="020B0609040504020204" pitchFamily="49" charset="0"/>
+              </a:rPr>
+              <a:t>System.Timestamp</a:t>
+            </a:r>
+            <a:r>
+              <a:rPr lang="en-US" sz="2200" dirty="0">
+                <a:solidFill>
+                  <a:schemeClr val="tx1"/>
+                </a:solidFill>
+                <a:latin typeface="Lucida Console" panose="020B0609040504020204" pitchFamily="49" charset="0"/>
+              </a:rPr>
+              <a:t> AS Time, COUNT</a:t>
+            </a:r>
+            <a:r>
+              <a:rPr lang="en-US" sz="2200" dirty="0" smtClean="0">
+                <a:solidFill>
+                  <a:schemeClr val="tx1"/>
+                </a:solidFill>
+                <a:latin typeface="Lucida Console" panose="020B0609040504020204" pitchFamily="49" charset="0"/>
+              </a:rPr>
+              <a:t>(*) FROM </a:t>
+            </a:r>
+            <a:r>
+              <a:rPr lang="en-US" sz="2200" dirty="0" err="1" smtClean="0">
+                <a:solidFill>
+                  <a:schemeClr val="tx1"/>
+                </a:solidFill>
+                <a:latin typeface="Lucida Console" panose="020B0609040504020204" pitchFamily="49" charset="0"/>
+              </a:rPr>
+              <a:t>EntryData</a:t>
+            </a:r>
+            <a:r>
+              <a:rPr lang="en-US" sz="2200" dirty="0" smtClean="0">
+                <a:solidFill>
+                  <a:schemeClr val="tx1"/>
+                </a:solidFill>
+                <a:latin typeface="Lucida Console" panose="020B0609040504020204" pitchFamily="49" charset="0"/>
+              </a:rPr>
+              <a:t> </a:t>
+            </a:r>
+            <a:endParaRPr lang="en-US" sz="2200" dirty="0">
+              <a:solidFill>
+                <a:schemeClr val="tx1"/>
+              </a:solidFill>
+              <a:latin typeface="Lucida Console" panose="020B0609040504020204" pitchFamily="49" charset="0"/>
             </a:endParaRPr>
           </a:p>
-        </p:txBody>
-      </p:sp>
-      <p:sp>
-        <p:nvSpPr>
-          <p:cNvPr id="11" name="Rectangle 10"/>
-          <p:cNvSpPr/>
-          <p:nvPr/>
-        </p:nvSpPr>
-        <p:spPr bwMode="auto">
-          <a:xfrm>
-            <a:off x="1080649" y="3247900"/>
-            <a:ext cx="95002" cy="148441"/>
-          </a:xfrm>
-          <a:prstGeom prst="rect">
-            <a:avLst/>
-          </a:prstGeom>
-          <a:solidFill>
-            <a:schemeClr val="accent2"/>
-          </a:solidFill>
-          <a:ln>
-            <a:noFill/>
-            <a:headEnd type="none" w="med" len="med"/>
-            <a:tailEnd type="none" w="med" len="med"/>
-          </a:ln>
-          <a:effectLst/>
-        </p:spPr>
-        <p:style>
-          <a:lnRef idx="1">
-            <a:schemeClr val="accent2"/>
-          </a:lnRef>
-          <a:fillRef idx="3">
-            <a:schemeClr val="accent2"/>
-          </a:fillRef>
-          <a:effectRef idx="2">
-            <a:schemeClr val="accent2"/>
-          </a:effectRef>
-          <a:fontRef idx="minor">
-            <a:schemeClr val="lt1"/>
-          </a:fontRef>
-        </p:style>
-        <p:txBody>
-          <a:bodyPr vert="horz" wrap="square" lIns="91436" tIns="45718" rIns="91436" bIns="45718" numCol="1" rtlCol="0" anchor="ctr" anchorCtr="0" compatLnSpc="1">
-            <a:prstTxWarp prst="textNoShape">
-              <a:avLst/>
-            </a:prstTxWarp>
-          </a:bodyPr>
-          <a:lstStyle/>
-          <a:p>
-            <a:pPr algn="ctr" defTabSz="914099" fontAlgn="base">
+          <a:p>
+            <a:pPr defTabSz="914099" fontAlgn="base">
               <a:spcBef>
                 <a:spcPct val="0"/>
               </a:spcBef>
@@ -12609,69 +17807,42 @@
                 <a:spcPct val="0"/>
               </a:spcAft>
             </a:pPr>
-            <a:endParaRPr lang="en-US" sz="2200" dirty="0" smtClean="0">
-              <a:gradFill>
-                <a:gsLst>
-                  <a:gs pos="0">
-                    <a:srgbClr val="FFFFFF"/>
-                  </a:gs>
-                  <a:gs pos="100000">
-                    <a:srgbClr val="FFFFFF"/>
-                  </a:gs>
-                </a:gsLst>
-                <a:lin ang="5400000" scaled="0"/>
-              </a:gradFill>
+            <a:r>
+              <a:rPr lang="en-US" sz="2200" dirty="0" smtClean="0">
+                <a:solidFill>
+                  <a:schemeClr val="tx1"/>
+                </a:solidFill>
+                <a:latin typeface="Lucida Console" panose="020B0609040504020204" pitchFamily="49" charset="0"/>
+              </a:rPr>
+              <a:t> TIMESTAMP </a:t>
+            </a:r>
+            <a:r>
+              <a:rPr lang="en-US" sz="2200" dirty="0">
+                <a:solidFill>
+                  <a:schemeClr val="tx1"/>
+                </a:solidFill>
+                <a:latin typeface="Lucida Console" panose="020B0609040504020204" pitchFamily="49" charset="0"/>
+              </a:rPr>
+              <a:t>BY </a:t>
+            </a:r>
+            <a:r>
+              <a:rPr lang="en-US" sz="2200" dirty="0" err="1" smtClean="0">
+                <a:solidFill>
+                  <a:schemeClr val="tx1"/>
+                </a:solidFill>
+                <a:latin typeface="Lucida Console" panose="020B0609040504020204" pitchFamily="49" charset="0"/>
+              </a:rPr>
+              <a:t>EntryTime</a:t>
+            </a:r>
+            <a:endParaRPr lang="en-US" sz="2200" dirty="0">
+              <a:solidFill>
+                <a:schemeClr val="tx1"/>
+              </a:solidFill>
+              <a:latin typeface="Lucida Console" panose="020B0609040504020204" pitchFamily="49" charset="0"/>
             </a:endParaRPr>
           </a:p>
-        </p:txBody>
-      </p:sp>
-      <p:sp>
-        <p:nvSpPr>
-          <p:cNvPr id="12" name="Rectangle 11"/>
-          <p:cNvSpPr/>
-          <p:nvPr/>
-        </p:nvSpPr>
-        <p:spPr bwMode="auto">
-          <a:xfrm>
-            <a:off x="1258779" y="3247900"/>
-            <a:ext cx="95002" cy="148441"/>
-          </a:xfrm>
-          <a:prstGeom prst="rect">
-            <a:avLst/>
-          </a:prstGeom>
-          <a:solidFill>
-            <a:schemeClr val="accent2"/>
-          </a:solidFill>
-          <a:ln>
-            <a:noFill/>
-            <a:headEnd type="none" w="med" len="med"/>
-            <a:tailEnd type="none" w="med" len="med"/>
-          </a:ln>
-          <a:effectLst/>
-        </p:spPr>
-        <p:style>
-          <a:lnRef idx="1">
-            <a:schemeClr val="accent2"/>
-          </a:lnRef>
-          <a:fillRef idx="3">
-            <a:schemeClr val="accent2"/>
-          </a:fillRef>
-          <a:effectRef idx="2">
-            <a:schemeClr val="accent2"/>
-          </a:effectRef>
-          <a:fontRef idx="minor">
-            <a:schemeClr val="lt1"/>
-          </a:fontRef>
-        </p:style>
-        <p:txBody>
-          <a:bodyPr vert="horz" wrap="square" lIns="91436" tIns="45718" rIns="91436" bIns="45718" numCol="1" rtlCol="0" anchor="ctr" anchorCtr="0" compatLnSpc="1">
-            <a:prstTxWarp prst="textNoShape">
-              <a:avLst/>
-            </a:prstTxWarp>
-          </a:bodyPr>
-          <a:lstStyle/>
-          <a:p>
-            <a:pPr algn="ctr" defTabSz="914099" fontAlgn="base">
+          <a:p>
+            <a:pPr defTabSz="914099" fontAlgn="base">
               <a:spcBef>
                 <a:spcPct val="0"/>
               </a:spcBef>
@@ -12679,69 +17850,51 @@
                 <a:spcPct val="0"/>
               </a:spcAft>
             </a:pPr>
-            <a:endParaRPr lang="en-US" sz="2200" dirty="0" smtClean="0">
-              <a:gradFill>
-                <a:gsLst>
-                  <a:gs pos="0">
-                    <a:srgbClr val="FFFFFF"/>
-                  </a:gs>
-                  <a:gs pos="100000">
-                    <a:srgbClr val="FFFFFF"/>
-                  </a:gs>
-                </a:gsLst>
-                <a:lin ang="5400000" scaled="0"/>
-              </a:gradFill>
+            <a:r>
+              <a:rPr lang="en-US" sz="2200" dirty="0" smtClean="0">
+                <a:solidFill>
+                  <a:schemeClr val="tx1"/>
+                </a:solidFill>
+                <a:latin typeface="Lucida Console" panose="020B0609040504020204" pitchFamily="49" charset="0"/>
+              </a:rPr>
+              <a:t> WHERE </a:t>
+            </a:r>
+            <a:r>
+              <a:rPr lang="en-US" sz="2200" dirty="0" err="1">
+                <a:solidFill>
+                  <a:schemeClr val="tx1"/>
+                </a:solidFill>
+                <a:latin typeface="Lucida Console" panose="020B0609040504020204" pitchFamily="49" charset="0"/>
+              </a:rPr>
+              <a:t>TollId</a:t>
+            </a:r>
+            <a:r>
+              <a:rPr lang="en-US" sz="2200" dirty="0">
+                <a:solidFill>
+                  <a:schemeClr val="tx1"/>
+                </a:solidFill>
+                <a:latin typeface="Lucida Console" panose="020B0609040504020204" pitchFamily="49" charset="0"/>
+              </a:rPr>
+              <a:t> = 1 AND State = </a:t>
+            </a:r>
+            <a:r>
+              <a:rPr lang="en-US" sz="2200" dirty="0" smtClean="0">
+                <a:solidFill>
+                  <a:schemeClr val="tx1"/>
+                </a:solidFill>
+                <a:latin typeface="Lucida Console" panose="020B0609040504020204" pitchFamily="49" charset="0"/>
+              </a:rPr>
+              <a:t>'NY'</a:t>
+            </a:r>
+            <a:endParaRPr lang="en-US" sz="2200" dirty="0">
+              <a:solidFill>
+                <a:schemeClr val="tx1"/>
+              </a:solidFill>
+              <a:latin typeface="Lucida Console" panose="020B0609040504020204" pitchFamily="49" charset="0"/>
             </a:endParaRPr>
           </a:p>
-        </p:txBody>
-      </p:sp>
-      <p:sp>
-        <p:nvSpPr>
-          <p:cNvPr id="13" name="Rectangle 12"/>
-          <p:cNvSpPr/>
-          <p:nvPr/>
-        </p:nvSpPr>
-        <p:spPr bwMode="auto">
-          <a:xfrm>
-            <a:off x="2636317" y="3247900"/>
-            <a:ext cx="95002" cy="148441"/>
-          </a:xfrm>
-          <a:prstGeom prst="rect">
-            <a:avLst/>
-          </a:prstGeom>
-          <a:solidFill>
-            <a:schemeClr val="accent2"/>
-          </a:solidFill>
-          <a:ln>
-            <a:noFill/>
-            <a:headEnd type="none" w="med" len="med"/>
-            <a:tailEnd type="none" w="med" len="med"/>
-          </a:ln>
-          <a:effectLst/>
-        </p:spPr>
-        <p:style>
-          <a:lnRef idx="1">
-            <a:schemeClr val="accent2"/>
-          </a:lnRef>
-          <a:fillRef idx="3">
-            <a:schemeClr val="accent2"/>
-          </a:fillRef>
-          <a:effectRef idx="2">
-            <a:schemeClr val="accent2"/>
-          </a:effectRef>
-          <a:fontRef idx="minor">
-            <a:schemeClr val="lt1"/>
-          </a:fontRef>
-        </p:style>
-        <p:txBody>
-          <a:bodyPr vert="horz" wrap="square" lIns="91436" tIns="45718" rIns="91436" bIns="45718" numCol="1" rtlCol="0" anchor="ctr" anchorCtr="0" compatLnSpc="1">
-            <a:prstTxWarp prst="textNoShape">
-              <a:avLst/>
-            </a:prstTxWarp>
-          </a:bodyPr>
-          <a:lstStyle/>
-          <a:p>
-            <a:pPr algn="ctr" defTabSz="914099" fontAlgn="base">
+          <a:p>
+            <a:pPr defTabSz="914099" fontAlgn="base">
               <a:spcBef>
                 <a:spcPct val="0"/>
               </a:spcBef>
@@ -12749,2679 +17902,90 @@
                 <a:spcPct val="0"/>
               </a:spcAft>
             </a:pPr>
-            <a:endParaRPr lang="en-US" sz="2200" dirty="0" smtClean="0">
-              <a:gradFill>
-                <a:gsLst>
-                  <a:gs pos="0">
-                    <a:srgbClr val="FFFFFF"/>
-                  </a:gs>
-                  <a:gs pos="100000">
-                    <a:srgbClr val="FFFFFF"/>
-                  </a:gs>
-                </a:gsLst>
-                <a:lin ang="5400000" scaled="0"/>
-              </a:gradFill>
-            </a:endParaRPr>
+            <a:r>
+              <a:rPr lang="en-US" sz="2200" dirty="0" smtClean="0">
+                <a:solidFill>
+                  <a:schemeClr val="accent1"/>
+                </a:solidFill>
+                <a:latin typeface="Lucida Console" panose="020B0609040504020204" pitchFamily="49" charset="0"/>
+              </a:rPr>
+              <a:t> </a:t>
+            </a:r>
+            <a:r>
+              <a:rPr lang="en-US" sz="2200" dirty="0" smtClean="0">
+                <a:solidFill>
+                  <a:schemeClr val="tx1"/>
+                </a:solidFill>
+                <a:latin typeface="Lucida Console" panose="020B0609040504020204" pitchFamily="49" charset="0"/>
+              </a:rPr>
+              <a:t>GROUP </a:t>
+            </a:r>
+            <a:r>
+              <a:rPr lang="en-US" sz="2200" dirty="0">
+                <a:solidFill>
+                  <a:schemeClr val="tx1"/>
+                </a:solidFill>
+                <a:latin typeface="Lucida Console" panose="020B0609040504020204" pitchFamily="49" charset="0"/>
+              </a:rPr>
+              <a:t>BY </a:t>
+            </a:r>
+            <a:r>
+              <a:rPr lang="en-US" sz="2200" dirty="0" err="1">
+                <a:solidFill>
+                  <a:schemeClr val="tx1"/>
+                </a:solidFill>
+                <a:latin typeface="Lucida Console" panose="020B0609040504020204" pitchFamily="49" charset="0"/>
+              </a:rPr>
+              <a:t>TumblingWindow</a:t>
+            </a:r>
+            <a:r>
+              <a:rPr lang="en-US" sz="2200" dirty="0">
+                <a:solidFill>
+                  <a:schemeClr val="tx1"/>
+                </a:solidFill>
+                <a:latin typeface="Lucida Console" panose="020B0609040504020204" pitchFamily="49" charset="0"/>
+              </a:rPr>
+              <a:t>(minute,5)</a:t>
+            </a:r>
           </a:p>
         </p:txBody>
       </p:sp>
-      <p:sp>
-        <p:nvSpPr>
-          <p:cNvPr id="14" name="Rectangle 13"/>
-          <p:cNvSpPr/>
+      <p:pic>
+        <p:nvPicPr>
+          <p:cNvPr id="5" name="Picture 4"/>
+          <p:cNvPicPr>
+            <a:picLocks noChangeAspect="1"/>
+          </p:cNvPicPr>
           <p:nvPr/>
-        </p:nvSpPr>
-        <p:spPr bwMode="auto">
+        </p:nvPicPr>
+        <p:blipFill>
+          <a:blip r:embed="rId3"/>
+          <a:stretch>
+            <a:fillRect/>
+          </a:stretch>
+        </p:blipFill>
+        <p:spPr>
           <a:xfrm>
-            <a:off x="2826323" y="3247900"/>
-            <a:ext cx="95002" cy="148441"/>
+            <a:off x="876001" y="4111335"/>
+            <a:ext cx="10427145" cy="1686563"/>
           </a:xfrm>
           <a:prstGeom prst="rect">
             <a:avLst/>
           </a:prstGeom>
-          <a:solidFill>
-            <a:schemeClr val="accent2"/>
-          </a:solidFill>
           <a:ln>
-            <a:noFill/>
-            <a:headEnd type="none" w="med" len="med"/>
-            <a:tailEnd type="none" w="med" len="med"/>
+            <a:solidFill>
+              <a:schemeClr val="tx1">
+                <a:lumMod val="25000"/>
+                <a:lumOff val="75000"/>
+              </a:schemeClr>
+            </a:solidFill>
           </a:ln>
-          <a:effectLst/>
         </p:spPr>
-        <p:style>
-          <a:lnRef idx="1">
-            <a:schemeClr val="accent2"/>
-          </a:lnRef>
-          <a:fillRef idx="3">
-            <a:schemeClr val="accent2"/>
-          </a:fillRef>
-          <a:effectRef idx="2">
-            <a:schemeClr val="accent2"/>
-          </a:effectRef>
-          <a:fontRef idx="minor">
-            <a:schemeClr val="lt1"/>
-          </a:fontRef>
-        </p:style>
-        <p:txBody>
-          <a:bodyPr vert="horz" wrap="square" lIns="91436" tIns="45718" rIns="91436" bIns="45718" numCol="1" rtlCol="0" anchor="ctr" anchorCtr="0" compatLnSpc="1">
-            <a:prstTxWarp prst="textNoShape">
-              <a:avLst/>
-            </a:prstTxWarp>
-          </a:bodyPr>
-          <a:lstStyle/>
-          <a:p>
-            <a:pPr algn="ctr" defTabSz="914099" fontAlgn="base">
-              <a:spcBef>
-                <a:spcPct val="0"/>
-              </a:spcBef>
-              <a:spcAft>
-                <a:spcPct val="0"/>
-              </a:spcAft>
-            </a:pPr>
-            <a:endParaRPr lang="en-US" sz="2200" dirty="0" smtClean="0">
-              <a:gradFill>
-                <a:gsLst>
-                  <a:gs pos="0">
-                    <a:srgbClr val="FFFFFF"/>
-                  </a:gs>
-                  <a:gs pos="100000">
-                    <a:srgbClr val="FFFFFF"/>
-                  </a:gs>
-                </a:gsLst>
-                <a:lin ang="5400000" scaled="0"/>
-              </a:gradFill>
-            </a:endParaRPr>
-          </a:p>
-        </p:txBody>
-      </p:sp>
-      <p:sp>
-        <p:nvSpPr>
-          <p:cNvPr id="15" name="Rectangle 14"/>
-          <p:cNvSpPr/>
-          <p:nvPr/>
-        </p:nvSpPr>
-        <p:spPr bwMode="auto">
-          <a:xfrm>
-            <a:off x="688762" y="3681350"/>
-            <a:ext cx="1472542" cy="866899"/>
-          </a:xfrm>
-          <a:prstGeom prst="rect">
-            <a:avLst/>
-          </a:prstGeom>
-          <a:noFill/>
-          <a:ln w="38100">
-            <a:solidFill>
-              <a:srgbClr val="00AEEF"/>
-            </a:solidFill>
-            <a:headEnd type="none" w="med" len="med"/>
-            <a:tailEnd type="none" w="med" len="med"/>
-          </a:ln>
-          <a:effectLst/>
-        </p:spPr>
-        <p:style>
-          <a:lnRef idx="1">
-            <a:schemeClr val="accent2"/>
-          </a:lnRef>
-          <a:fillRef idx="3">
-            <a:schemeClr val="accent2"/>
-          </a:fillRef>
-          <a:effectRef idx="2">
-            <a:schemeClr val="accent2"/>
-          </a:effectRef>
-          <a:fontRef idx="minor">
-            <a:schemeClr val="lt1"/>
-          </a:fontRef>
-        </p:style>
-        <p:txBody>
-          <a:bodyPr vert="horz" wrap="square" lIns="91436" tIns="45718" rIns="91436" bIns="45718" numCol="1" rtlCol="0" anchor="ctr" anchorCtr="0" compatLnSpc="1">
-            <a:prstTxWarp prst="textNoShape">
-              <a:avLst/>
-            </a:prstTxWarp>
-          </a:bodyPr>
-          <a:lstStyle/>
-          <a:p>
-            <a:pPr algn="ctr" defTabSz="914099" fontAlgn="base">
-              <a:spcBef>
-                <a:spcPct val="0"/>
-              </a:spcBef>
-              <a:spcAft>
-                <a:spcPct val="0"/>
-              </a:spcAft>
-            </a:pPr>
-            <a:endParaRPr lang="en-US" sz="2200" dirty="0" smtClean="0">
-              <a:gradFill>
-                <a:gsLst>
-                  <a:gs pos="0">
-                    <a:srgbClr val="FFFFFF"/>
-                  </a:gs>
-                  <a:gs pos="100000">
-                    <a:srgbClr val="FFFFFF"/>
-                  </a:gs>
-                </a:gsLst>
-                <a:lin ang="5400000" scaled="0"/>
-              </a:gradFill>
-            </a:endParaRPr>
-          </a:p>
-        </p:txBody>
-      </p:sp>
-      <p:sp>
-        <p:nvSpPr>
-          <p:cNvPr id="17" name="Rectangle 16"/>
-          <p:cNvSpPr/>
-          <p:nvPr/>
-        </p:nvSpPr>
-        <p:spPr bwMode="auto">
-          <a:xfrm>
-            <a:off x="2161304" y="4548248"/>
-            <a:ext cx="1472542" cy="866899"/>
-          </a:xfrm>
-          <a:prstGeom prst="rect">
-            <a:avLst/>
-          </a:prstGeom>
-          <a:noFill/>
-          <a:ln w="38100">
-            <a:solidFill>
-              <a:srgbClr val="00AEEF"/>
-            </a:solidFill>
-            <a:headEnd type="none" w="med" len="med"/>
-            <a:tailEnd type="none" w="med" len="med"/>
-          </a:ln>
-          <a:effectLst/>
-        </p:spPr>
-        <p:style>
-          <a:lnRef idx="1">
-            <a:schemeClr val="accent2"/>
-          </a:lnRef>
-          <a:fillRef idx="3">
-            <a:schemeClr val="accent2"/>
-          </a:fillRef>
-          <a:effectRef idx="2">
-            <a:schemeClr val="accent2"/>
-          </a:effectRef>
-          <a:fontRef idx="minor">
-            <a:schemeClr val="lt1"/>
-          </a:fontRef>
-        </p:style>
-        <p:txBody>
-          <a:bodyPr vert="horz" wrap="square" lIns="91436" tIns="45718" rIns="91436" bIns="45718" numCol="1" rtlCol="0" anchor="ctr" anchorCtr="0" compatLnSpc="1">
-            <a:prstTxWarp prst="textNoShape">
-              <a:avLst/>
-            </a:prstTxWarp>
-          </a:bodyPr>
-          <a:lstStyle/>
-          <a:p>
-            <a:pPr algn="ctr" defTabSz="914099" fontAlgn="base">
-              <a:spcBef>
-                <a:spcPct val="0"/>
-              </a:spcBef>
-              <a:spcAft>
-                <a:spcPct val="0"/>
-              </a:spcAft>
-            </a:pPr>
-            <a:endParaRPr lang="en-US" sz="2200" dirty="0">
-              <a:gradFill>
-                <a:gsLst>
-                  <a:gs pos="0">
-                    <a:srgbClr val="FFFFFF"/>
-                  </a:gs>
-                  <a:gs pos="100000">
-                    <a:srgbClr val="FFFFFF"/>
-                  </a:gs>
-                </a:gsLst>
-                <a:lin ang="5400000" scaled="0"/>
-              </a:gradFill>
-            </a:endParaRPr>
-          </a:p>
-        </p:txBody>
-      </p:sp>
-      <p:sp>
-        <p:nvSpPr>
-          <p:cNvPr id="20" name="Rectangle 19"/>
-          <p:cNvSpPr/>
-          <p:nvPr/>
-        </p:nvSpPr>
-        <p:spPr bwMode="auto">
-          <a:xfrm>
-            <a:off x="902519" y="4006249"/>
-            <a:ext cx="95002" cy="148441"/>
-          </a:xfrm>
-          <a:prstGeom prst="rect">
-            <a:avLst/>
-          </a:prstGeom>
-          <a:solidFill>
-            <a:schemeClr val="accent2"/>
-          </a:solidFill>
-          <a:ln>
-            <a:noFill/>
-            <a:headEnd type="none" w="med" len="med"/>
-            <a:tailEnd type="none" w="med" len="med"/>
-          </a:ln>
-          <a:effectLst/>
-        </p:spPr>
-        <p:style>
-          <a:lnRef idx="1">
-            <a:schemeClr val="accent2"/>
-          </a:lnRef>
-          <a:fillRef idx="3">
-            <a:schemeClr val="accent2"/>
-          </a:fillRef>
-          <a:effectRef idx="2">
-            <a:schemeClr val="accent2"/>
-          </a:effectRef>
-          <a:fontRef idx="minor">
-            <a:schemeClr val="lt1"/>
-          </a:fontRef>
-        </p:style>
-        <p:txBody>
-          <a:bodyPr vert="horz" wrap="square" lIns="91436" tIns="45718" rIns="91436" bIns="45718" numCol="1" rtlCol="0" anchor="ctr" anchorCtr="0" compatLnSpc="1">
-            <a:prstTxWarp prst="textNoShape">
-              <a:avLst/>
-            </a:prstTxWarp>
-          </a:bodyPr>
-          <a:lstStyle/>
-          <a:p>
-            <a:pPr algn="ctr" defTabSz="914099" fontAlgn="base">
-              <a:spcBef>
-                <a:spcPct val="0"/>
-              </a:spcBef>
-              <a:spcAft>
-                <a:spcPct val="0"/>
-              </a:spcAft>
-            </a:pPr>
-            <a:endParaRPr lang="en-US" sz="2200" dirty="0" smtClean="0">
-              <a:gradFill>
-                <a:gsLst>
-                  <a:gs pos="0">
-                    <a:srgbClr val="FFFFFF"/>
-                  </a:gs>
-                  <a:gs pos="100000">
-                    <a:srgbClr val="FFFFFF"/>
-                  </a:gs>
-                </a:gsLst>
-                <a:lin ang="5400000" scaled="0"/>
-              </a:gradFill>
-            </a:endParaRPr>
-          </a:p>
-        </p:txBody>
-      </p:sp>
-      <p:sp>
-        <p:nvSpPr>
-          <p:cNvPr id="21" name="Rectangle 20"/>
-          <p:cNvSpPr/>
-          <p:nvPr/>
-        </p:nvSpPr>
-        <p:spPr bwMode="auto">
-          <a:xfrm>
-            <a:off x="1080649" y="4006249"/>
-            <a:ext cx="95002" cy="148441"/>
-          </a:xfrm>
-          <a:prstGeom prst="rect">
-            <a:avLst/>
-          </a:prstGeom>
-          <a:solidFill>
-            <a:schemeClr val="accent2"/>
-          </a:solidFill>
-          <a:ln>
-            <a:noFill/>
-            <a:headEnd type="none" w="med" len="med"/>
-            <a:tailEnd type="none" w="med" len="med"/>
-          </a:ln>
-          <a:effectLst/>
-        </p:spPr>
-        <p:style>
-          <a:lnRef idx="1">
-            <a:schemeClr val="accent2"/>
-          </a:lnRef>
-          <a:fillRef idx="3">
-            <a:schemeClr val="accent2"/>
-          </a:fillRef>
-          <a:effectRef idx="2">
-            <a:schemeClr val="accent2"/>
-          </a:effectRef>
-          <a:fontRef idx="minor">
-            <a:schemeClr val="lt1"/>
-          </a:fontRef>
-        </p:style>
-        <p:txBody>
-          <a:bodyPr vert="horz" wrap="square" lIns="91436" tIns="45718" rIns="91436" bIns="45718" numCol="1" rtlCol="0" anchor="ctr" anchorCtr="0" compatLnSpc="1">
-            <a:prstTxWarp prst="textNoShape">
-              <a:avLst/>
-            </a:prstTxWarp>
-          </a:bodyPr>
-          <a:lstStyle/>
-          <a:p>
-            <a:pPr algn="ctr" defTabSz="914099" fontAlgn="base">
-              <a:spcBef>
-                <a:spcPct val="0"/>
-              </a:spcBef>
-              <a:spcAft>
-                <a:spcPct val="0"/>
-              </a:spcAft>
-            </a:pPr>
-            <a:endParaRPr lang="en-US" sz="2200" dirty="0" smtClean="0">
-              <a:gradFill>
-                <a:gsLst>
-                  <a:gs pos="0">
-                    <a:srgbClr val="FFFFFF"/>
-                  </a:gs>
-                  <a:gs pos="100000">
-                    <a:srgbClr val="FFFFFF"/>
-                  </a:gs>
-                </a:gsLst>
-                <a:lin ang="5400000" scaled="0"/>
-              </a:gradFill>
-            </a:endParaRPr>
-          </a:p>
-        </p:txBody>
-      </p:sp>
-      <p:sp>
-        <p:nvSpPr>
-          <p:cNvPr id="22" name="Rectangle 21"/>
-          <p:cNvSpPr/>
-          <p:nvPr/>
-        </p:nvSpPr>
-        <p:spPr bwMode="auto">
-          <a:xfrm>
-            <a:off x="1258779" y="4006249"/>
-            <a:ext cx="95002" cy="148441"/>
-          </a:xfrm>
-          <a:prstGeom prst="rect">
-            <a:avLst/>
-          </a:prstGeom>
-          <a:solidFill>
-            <a:schemeClr val="accent2"/>
-          </a:solidFill>
-          <a:ln>
-            <a:noFill/>
-            <a:headEnd type="none" w="med" len="med"/>
-            <a:tailEnd type="none" w="med" len="med"/>
-          </a:ln>
-          <a:effectLst/>
-        </p:spPr>
-        <p:style>
-          <a:lnRef idx="1">
-            <a:schemeClr val="accent2"/>
-          </a:lnRef>
-          <a:fillRef idx="3">
-            <a:schemeClr val="accent2"/>
-          </a:fillRef>
-          <a:effectRef idx="2">
-            <a:schemeClr val="accent2"/>
-          </a:effectRef>
-          <a:fontRef idx="minor">
-            <a:schemeClr val="lt1"/>
-          </a:fontRef>
-        </p:style>
-        <p:txBody>
-          <a:bodyPr vert="horz" wrap="square" lIns="91436" tIns="45718" rIns="91436" bIns="45718" numCol="1" rtlCol="0" anchor="ctr" anchorCtr="0" compatLnSpc="1">
-            <a:prstTxWarp prst="textNoShape">
-              <a:avLst/>
-            </a:prstTxWarp>
-          </a:bodyPr>
-          <a:lstStyle/>
-          <a:p>
-            <a:pPr algn="ctr" defTabSz="914099" fontAlgn="base">
-              <a:spcBef>
-                <a:spcPct val="0"/>
-              </a:spcBef>
-              <a:spcAft>
-                <a:spcPct val="0"/>
-              </a:spcAft>
-            </a:pPr>
-            <a:endParaRPr lang="en-US" sz="2200" dirty="0" smtClean="0">
-              <a:gradFill>
-                <a:gsLst>
-                  <a:gs pos="0">
-                    <a:srgbClr val="FFFFFF"/>
-                  </a:gs>
-                  <a:gs pos="100000">
-                    <a:srgbClr val="FFFFFF"/>
-                  </a:gs>
-                </a:gsLst>
-                <a:lin ang="5400000" scaled="0"/>
-              </a:gradFill>
-            </a:endParaRPr>
-          </a:p>
-        </p:txBody>
-      </p:sp>
-      <p:sp>
-        <p:nvSpPr>
-          <p:cNvPr id="23" name="Rectangle 22"/>
-          <p:cNvSpPr/>
-          <p:nvPr/>
-        </p:nvSpPr>
-        <p:spPr bwMode="auto">
-          <a:xfrm>
-            <a:off x="2636317" y="4873148"/>
-            <a:ext cx="95002" cy="148441"/>
-          </a:xfrm>
-          <a:prstGeom prst="rect">
-            <a:avLst/>
-          </a:prstGeom>
-          <a:solidFill>
-            <a:schemeClr val="accent2"/>
-          </a:solidFill>
-          <a:ln>
-            <a:noFill/>
-            <a:headEnd type="none" w="med" len="med"/>
-            <a:tailEnd type="none" w="med" len="med"/>
-          </a:ln>
-          <a:effectLst/>
-        </p:spPr>
-        <p:style>
-          <a:lnRef idx="1">
-            <a:schemeClr val="accent2"/>
-          </a:lnRef>
-          <a:fillRef idx="3">
-            <a:schemeClr val="accent2"/>
-          </a:fillRef>
-          <a:effectRef idx="2">
-            <a:schemeClr val="accent2"/>
-          </a:effectRef>
-          <a:fontRef idx="minor">
-            <a:schemeClr val="lt1"/>
-          </a:fontRef>
-        </p:style>
-        <p:txBody>
-          <a:bodyPr vert="horz" wrap="square" lIns="91436" tIns="45718" rIns="91436" bIns="45718" numCol="1" rtlCol="0" anchor="ctr" anchorCtr="0" compatLnSpc="1">
-            <a:prstTxWarp prst="textNoShape">
-              <a:avLst/>
-            </a:prstTxWarp>
-          </a:bodyPr>
-          <a:lstStyle/>
-          <a:p>
-            <a:pPr algn="ctr" defTabSz="914099" fontAlgn="base">
-              <a:spcBef>
-                <a:spcPct val="0"/>
-              </a:spcBef>
-              <a:spcAft>
-                <a:spcPct val="0"/>
-              </a:spcAft>
-            </a:pPr>
-            <a:endParaRPr lang="en-US" sz="2200" dirty="0" smtClean="0">
-              <a:gradFill>
-                <a:gsLst>
-                  <a:gs pos="0">
-                    <a:srgbClr val="FFFFFF"/>
-                  </a:gs>
-                  <a:gs pos="100000">
-                    <a:srgbClr val="FFFFFF"/>
-                  </a:gs>
-                </a:gsLst>
-                <a:lin ang="5400000" scaled="0"/>
-              </a:gradFill>
-            </a:endParaRPr>
-          </a:p>
-        </p:txBody>
-      </p:sp>
-      <p:sp>
-        <p:nvSpPr>
-          <p:cNvPr id="24" name="Rectangle 23"/>
-          <p:cNvSpPr/>
-          <p:nvPr/>
-        </p:nvSpPr>
-        <p:spPr bwMode="auto">
-          <a:xfrm>
-            <a:off x="2826323" y="4873148"/>
-            <a:ext cx="95002" cy="148441"/>
-          </a:xfrm>
-          <a:prstGeom prst="rect">
-            <a:avLst/>
-          </a:prstGeom>
-          <a:solidFill>
-            <a:schemeClr val="accent2"/>
-          </a:solidFill>
-          <a:ln>
-            <a:noFill/>
-            <a:headEnd type="none" w="med" len="med"/>
-            <a:tailEnd type="none" w="med" len="med"/>
-          </a:ln>
-          <a:effectLst/>
-        </p:spPr>
-        <p:style>
-          <a:lnRef idx="1">
-            <a:schemeClr val="accent2"/>
-          </a:lnRef>
-          <a:fillRef idx="3">
-            <a:schemeClr val="accent2"/>
-          </a:fillRef>
-          <a:effectRef idx="2">
-            <a:schemeClr val="accent2"/>
-          </a:effectRef>
-          <a:fontRef idx="minor">
-            <a:schemeClr val="lt1"/>
-          </a:fontRef>
-        </p:style>
-        <p:txBody>
-          <a:bodyPr vert="horz" wrap="square" lIns="91436" tIns="45718" rIns="91436" bIns="45718" numCol="1" rtlCol="0" anchor="ctr" anchorCtr="0" compatLnSpc="1">
-            <a:prstTxWarp prst="textNoShape">
-              <a:avLst/>
-            </a:prstTxWarp>
-          </a:bodyPr>
-          <a:lstStyle/>
-          <a:p>
-            <a:pPr algn="ctr" defTabSz="914099" fontAlgn="base">
-              <a:spcBef>
-                <a:spcPct val="0"/>
-              </a:spcBef>
-              <a:spcAft>
-                <a:spcPct val="0"/>
-              </a:spcAft>
-            </a:pPr>
-            <a:endParaRPr lang="en-US" sz="2200" dirty="0" smtClean="0">
-              <a:gradFill>
-                <a:gsLst>
-                  <a:gs pos="0">
-                    <a:srgbClr val="FFFFFF"/>
-                  </a:gs>
-                  <a:gs pos="100000">
-                    <a:srgbClr val="FFFFFF"/>
-                  </a:gs>
-                </a:gsLst>
-                <a:lin ang="5400000" scaled="0"/>
-              </a:gradFill>
-            </a:endParaRPr>
-          </a:p>
-        </p:txBody>
-      </p:sp>
-      <p:sp>
-        <p:nvSpPr>
-          <p:cNvPr id="25" name="TextBox 24"/>
-          <p:cNvSpPr txBox="1"/>
-          <p:nvPr/>
-        </p:nvSpPr>
-        <p:spPr>
-          <a:xfrm>
-            <a:off x="688762" y="2666899"/>
-            <a:ext cx="2945084" cy="387798"/>
-          </a:xfrm>
-          <a:prstGeom prst="rect">
-            <a:avLst/>
-          </a:prstGeom>
-          <a:noFill/>
-        </p:spPr>
-        <p:txBody>
-          <a:bodyPr wrap="square" lIns="0" tIns="0" rIns="0" bIns="0" rtlCol="0">
-            <a:spAutoFit/>
-          </a:bodyPr>
-          <a:lstStyle/>
-          <a:p>
-            <a:pPr algn="ctr">
-              <a:lnSpc>
-                <a:spcPct val="90000"/>
-              </a:lnSpc>
-              <a:spcBef>
-                <a:spcPct val="20000"/>
-              </a:spcBef>
-              <a:buSzPct val="80000"/>
-            </a:pPr>
-            <a:r>
-              <a:rPr lang="en-US" sz="2800" dirty="0" smtClean="0">
-                <a:solidFill>
-                  <a:schemeClr val="accent1"/>
-                </a:solidFill>
-              </a:rPr>
-              <a:t>Tumbling Window</a:t>
-            </a:r>
-            <a:endParaRPr lang="en-US" sz="2800" dirty="0">
-              <a:solidFill>
-                <a:schemeClr val="accent1"/>
-              </a:solidFill>
-            </a:endParaRPr>
-          </a:p>
-        </p:txBody>
-      </p:sp>
-      <p:cxnSp>
-        <p:nvCxnSpPr>
-          <p:cNvPr id="26" name="Straight Connector 25"/>
-          <p:cNvCxnSpPr/>
-          <p:nvPr/>
-        </p:nvCxnSpPr>
-        <p:spPr>
-          <a:xfrm>
-            <a:off x="4441370" y="3313215"/>
-            <a:ext cx="2945083" cy="8905"/>
-          </a:xfrm>
-          <a:prstGeom prst="line">
-            <a:avLst/>
-          </a:prstGeom>
-          <a:ln w="38100"/>
-        </p:spPr>
-        <p:style>
-          <a:lnRef idx="1">
-            <a:schemeClr val="accent1"/>
-          </a:lnRef>
-          <a:fillRef idx="0">
-            <a:schemeClr val="accent1"/>
-          </a:fillRef>
-          <a:effectRef idx="0">
-            <a:schemeClr val="accent1"/>
-          </a:effectRef>
-          <a:fontRef idx="minor">
-            <a:schemeClr val="tx1"/>
-          </a:fontRef>
-        </p:style>
-      </p:cxnSp>
-      <p:sp>
-        <p:nvSpPr>
-          <p:cNvPr id="27" name="Rectangle 26"/>
-          <p:cNvSpPr/>
-          <p:nvPr/>
-        </p:nvSpPr>
-        <p:spPr bwMode="auto">
-          <a:xfrm>
-            <a:off x="4655126" y="3247900"/>
-            <a:ext cx="95002" cy="148441"/>
-          </a:xfrm>
-          <a:prstGeom prst="rect">
-            <a:avLst/>
-          </a:prstGeom>
-          <a:solidFill>
-            <a:schemeClr val="accent2"/>
-          </a:solidFill>
-          <a:ln>
-            <a:noFill/>
-            <a:headEnd type="none" w="med" len="med"/>
-            <a:tailEnd type="none" w="med" len="med"/>
-          </a:ln>
-          <a:effectLst/>
-        </p:spPr>
-        <p:style>
-          <a:lnRef idx="1">
-            <a:schemeClr val="accent2"/>
-          </a:lnRef>
-          <a:fillRef idx="3">
-            <a:schemeClr val="accent2"/>
-          </a:fillRef>
-          <a:effectRef idx="2">
-            <a:schemeClr val="accent2"/>
-          </a:effectRef>
-          <a:fontRef idx="minor">
-            <a:schemeClr val="lt1"/>
-          </a:fontRef>
-        </p:style>
-        <p:txBody>
-          <a:bodyPr vert="horz" wrap="square" lIns="91436" tIns="45718" rIns="91436" bIns="45718" numCol="1" rtlCol="0" anchor="ctr" anchorCtr="0" compatLnSpc="1">
-            <a:prstTxWarp prst="textNoShape">
-              <a:avLst/>
-            </a:prstTxWarp>
-          </a:bodyPr>
-          <a:lstStyle/>
-          <a:p>
-            <a:pPr algn="ctr" defTabSz="914099" fontAlgn="base">
-              <a:spcBef>
-                <a:spcPct val="0"/>
-              </a:spcBef>
-              <a:spcAft>
-                <a:spcPct val="0"/>
-              </a:spcAft>
-            </a:pPr>
-            <a:endParaRPr lang="en-US" sz="2200" dirty="0" smtClean="0">
-              <a:gradFill>
-                <a:gsLst>
-                  <a:gs pos="0">
-                    <a:srgbClr val="FFFFFF"/>
-                  </a:gs>
-                  <a:gs pos="100000">
-                    <a:srgbClr val="FFFFFF"/>
-                  </a:gs>
-                </a:gsLst>
-                <a:lin ang="5400000" scaled="0"/>
-              </a:gradFill>
-            </a:endParaRPr>
-          </a:p>
-        </p:txBody>
-      </p:sp>
-      <p:sp>
-        <p:nvSpPr>
-          <p:cNvPr id="28" name="Rectangle 27"/>
-          <p:cNvSpPr/>
-          <p:nvPr/>
-        </p:nvSpPr>
-        <p:spPr bwMode="auto">
-          <a:xfrm>
-            <a:off x="4833256" y="3247900"/>
-            <a:ext cx="95002" cy="148441"/>
-          </a:xfrm>
-          <a:prstGeom prst="rect">
-            <a:avLst/>
-          </a:prstGeom>
-          <a:solidFill>
-            <a:schemeClr val="accent2"/>
-          </a:solidFill>
-          <a:ln>
-            <a:noFill/>
-            <a:headEnd type="none" w="med" len="med"/>
-            <a:tailEnd type="none" w="med" len="med"/>
-          </a:ln>
-          <a:effectLst/>
-        </p:spPr>
-        <p:style>
-          <a:lnRef idx="1">
-            <a:schemeClr val="accent2"/>
-          </a:lnRef>
-          <a:fillRef idx="3">
-            <a:schemeClr val="accent2"/>
-          </a:fillRef>
-          <a:effectRef idx="2">
-            <a:schemeClr val="accent2"/>
-          </a:effectRef>
-          <a:fontRef idx="minor">
-            <a:schemeClr val="lt1"/>
-          </a:fontRef>
-        </p:style>
-        <p:txBody>
-          <a:bodyPr vert="horz" wrap="square" lIns="91436" tIns="45718" rIns="91436" bIns="45718" numCol="1" rtlCol="0" anchor="ctr" anchorCtr="0" compatLnSpc="1">
-            <a:prstTxWarp prst="textNoShape">
-              <a:avLst/>
-            </a:prstTxWarp>
-          </a:bodyPr>
-          <a:lstStyle/>
-          <a:p>
-            <a:pPr algn="ctr" defTabSz="914099" fontAlgn="base">
-              <a:spcBef>
-                <a:spcPct val="0"/>
-              </a:spcBef>
-              <a:spcAft>
-                <a:spcPct val="0"/>
-              </a:spcAft>
-            </a:pPr>
-            <a:endParaRPr lang="en-US" sz="2200" dirty="0" smtClean="0">
-              <a:gradFill>
-                <a:gsLst>
-                  <a:gs pos="0">
-                    <a:srgbClr val="FFFFFF"/>
-                  </a:gs>
-                  <a:gs pos="100000">
-                    <a:srgbClr val="FFFFFF"/>
-                  </a:gs>
-                </a:gsLst>
-                <a:lin ang="5400000" scaled="0"/>
-              </a:gradFill>
-            </a:endParaRPr>
-          </a:p>
-        </p:txBody>
-      </p:sp>
-      <p:sp>
-        <p:nvSpPr>
-          <p:cNvPr id="29" name="Rectangle 28"/>
-          <p:cNvSpPr/>
-          <p:nvPr/>
-        </p:nvSpPr>
-        <p:spPr bwMode="auto">
-          <a:xfrm>
-            <a:off x="5011386" y="3247900"/>
-            <a:ext cx="95002" cy="148441"/>
-          </a:xfrm>
-          <a:prstGeom prst="rect">
-            <a:avLst/>
-          </a:prstGeom>
-          <a:solidFill>
-            <a:schemeClr val="accent2"/>
-          </a:solidFill>
-          <a:ln>
-            <a:noFill/>
-            <a:headEnd type="none" w="med" len="med"/>
-            <a:tailEnd type="none" w="med" len="med"/>
-          </a:ln>
-          <a:effectLst/>
-        </p:spPr>
-        <p:style>
-          <a:lnRef idx="1">
-            <a:schemeClr val="accent2"/>
-          </a:lnRef>
-          <a:fillRef idx="3">
-            <a:schemeClr val="accent2"/>
-          </a:fillRef>
-          <a:effectRef idx="2">
-            <a:schemeClr val="accent2"/>
-          </a:effectRef>
-          <a:fontRef idx="minor">
-            <a:schemeClr val="lt1"/>
-          </a:fontRef>
-        </p:style>
-        <p:txBody>
-          <a:bodyPr vert="horz" wrap="square" lIns="91436" tIns="45718" rIns="91436" bIns="45718" numCol="1" rtlCol="0" anchor="ctr" anchorCtr="0" compatLnSpc="1">
-            <a:prstTxWarp prst="textNoShape">
-              <a:avLst/>
-            </a:prstTxWarp>
-          </a:bodyPr>
-          <a:lstStyle/>
-          <a:p>
-            <a:pPr algn="ctr" defTabSz="914099" fontAlgn="base">
-              <a:spcBef>
-                <a:spcPct val="0"/>
-              </a:spcBef>
-              <a:spcAft>
-                <a:spcPct val="0"/>
-              </a:spcAft>
-            </a:pPr>
-            <a:endParaRPr lang="en-US" sz="2200" dirty="0" smtClean="0">
-              <a:gradFill>
-                <a:gsLst>
-                  <a:gs pos="0">
-                    <a:srgbClr val="FFFFFF"/>
-                  </a:gs>
-                  <a:gs pos="100000">
-                    <a:srgbClr val="FFFFFF"/>
-                  </a:gs>
-                </a:gsLst>
-                <a:lin ang="5400000" scaled="0"/>
-              </a:gradFill>
-            </a:endParaRPr>
-          </a:p>
-        </p:txBody>
-      </p:sp>
-      <p:sp>
-        <p:nvSpPr>
-          <p:cNvPr id="30" name="Rectangle 29"/>
-          <p:cNvSpPr/>
-          <p:nvPr/>
-        </p:nvSpPr>
-        <p:spPr bwMode="auto">
-          <a:xfrm>
-            <a:off x="6388924" y="3247900"/>
-            <a:ext cx="95002" cy="148441"/>
-          </a:xfrm>
-          <a:prstGeom prst="rect">
-            <a:avLst/>
-          </a:prstGeom>
-          <a:solidFill>
-            <a:schemeClr val="accent2"/>
-          </a:solidFill>
-          <a:ln>
-            <a:noFill/>
-            <a:headEnd type="none" w="med" len="med"/>
-            <a:tailEnd type="none" w="med" len="med"/>
-          </a:ln>
-          <a:effectLst/>
-        </p:spPr>
-        <p:style>
-          <a:lnRef idx="1">
-            <a:schemeClr val="accent2"/>
-          </a:lnRef>
-          <a:fillRef idx="3">
-            <a:schemeClr val="accent2"/>
-          </a:fillRef>
-          <a:effectRef idx="2">
-            <a:schemeClr val="accent2"/>
-          </a:effectRef>
-          <a:fontRef idx="minor">
-            <a:schemeClr val="lt1"/>
-          </a:fontRef>
-        </p:style>
-        <p:txBody>
-          <a:bodyPr vert="horz" wrap="square" lIns="91436" tIns="45718" rIns="91436" bIns="45718" numCol="1" rtlCol="0" anchor="ctr" anchorCtr="0" compatLnSpc="1">
-            <a:prstTxWarp prst="textNoShape">
-              <a:avLst/>
-            </a:prstTxWarp>
-          </a:bodyPr>
-          <a:lstStyle/>
-          <a:p>
-            <a:pPr algn="ctr" defTabSz="914099" fontAlgn="base">
-              <a:spcBef>
-                <a:spcPct val="0"/>
-              </a:spcBef>
-              <a:spcAft>
-                <a:spcPct val="0"/>
-              </a:spcAft>
-            </a:pPr>
-            <a:endParaRPr lang="en-US" sz="2200" dirty="0" smtClean="0">
-              <a:gradFill>
-                <a:gsLst>
-                  <a:gs pos="0">
-                    <a:srgbClr val="FFFFFF"/>
-                  </a:gs>
-                  <a:gs pos="100000">
-                    <a:srgbClr val="FFFFFF"/>
-                  </a:gs>
-                </a:gsLst>
-                <a:lin ang="5400000" scaled="0"/>
-              </a:gradFill>
-            </a:endParaRPr>
-          </a:p>
-        </p:txBody>
-      </p:sp>
-      <p:sp>
-        <p:nvSpPr>
-          <p:cNvPr id="31" name="Rectangle 30"/>
-          <p:cNvSpPr/>
-          <p:nvPr/>
-        </p:nvSpPr>
-        <p:spPr bwMode="auto">
-          <a:xfrm>
-            <a:off x="6578930" y="3247900"/>
-            <a:ext cx="95002" cy="148441"/>
-          </a:xfrm>
-          <a:prstGeom prst="rect">
-            <a:avLst/>
-          </a:prstGeom>
-          <a:solidFill>
-            <a:schemeClr val="accent2"/>
-          </a:solidFill>
-          <a:ln>
-            <a:noFill/>
-            <a:headEnd type="none" w="med" len="med"/>
-            <a:tailEnd type="none" w="med" len="med"/>
-          </a:ln>
-          <a:effectLst/>
-        </p:spPr>
-        <p:style>
-          <a:lnRef idx="1">
-            <a:schemeClr val="accent2"/>
-          </a:lnRef>
-          <a:fillRef idx="3">
-            <a:schemeClr val="accent2"/>
-          </a:fillRef>
-          <a:effectRef idx="2">
-            <a:schemeClr val="accent2"/>
-          </a:effectRef>
-          <a:fontRef idx="minor">
-            <a:schemeClr val="lt1"/>
-          </a:fontRef>
-        </p:style>
-        <p:txBody>
-          <a:bodyPr vert="horz" wrap="square" lIns="91436" tIns="45718" rIns="91436" bIns="45718" numCol="1" rtlCol="0" anchor="ctr" anchorCtr="0" compatLnSpc="1">
-            <a:prstTxWarp prst="textNoShape">
-              <a:avLst/>
-            </a:prstTxWarp>
-          </a:bodyPr>
-          <a:lstStyle/>
-          <a:p>
-            <a:pPr algn="ctr" defTabSz="914099" fontAlgn="base">
-              <a:spcBef>
-                <a:spcPct val="0"/>
-              </a:spcBef>
-              <a:spcAft>
-                <a:spcPct val="0"/>
-              </a:spcAft>
-            </a:pPr>
-            <a:endParaRPr lang="en-US" sz="2200" dirty="0" smtClean="0">
-              <a:gradFill>
-                <a:gsLst>
-                  <a:gs pos="0">
-                    <a:srgbClr val="FFFFFF"/>
-                  </a:gs>
-                  <a:gs pos="100000">
-                    <a:srgbClr val="FFFFFF"/>
-                  </a:gs>
-                </a:gsLst>
-                <a:lin ang="5400000" scaled="0"/>
-              </a:gradFill>
-            </a:endParaRPr>
-          </a:p>
-        </p:txBody>
-      </p:sp>
-      <p:sp>
-        <p:nvSpPr>
-          <p:cNvPr id="32" name="Rectangle 31"/>
-          <p:cNvSpPr/>
-          <p:nvPr/>
-        </p:nvSpPr>
-        <p:spPr bwMode="auto">
-          <a:xfrm>
-            <a:off x="4441369" y="3681350"/>
-            <a:ext cx="1472542" cy="866899"/>
-          </a:xfrm>
-          <a:prstGeom prst="rect">
-            <a:avLst/>
-          </a:prstGeom>
-          <a:noFill/>
-          <a:ln w="38100">
-            <a:solidFill>
-              <a:srgbClr val="00AEEF"/>
-            </a:solidFill>
-            <a:headEnd type="none" w="med" len="med"/>
-            <a:tailEnd type="none" w="med" len="med"/>
-          </a:ln>
-          <a:effectLst/>
-        </p:spPr>
-        <p:style>
-          <a:lnRef idx="1">
-            <a:schemeClr val="accent2"/>
-          </a:lnRef>
-          <a:fillRef idx="3">
-            <a:schemeClr val="accent2"/>
-          </a:fillRef>
-          <a:effectRef idx="2">
-            <a:schemeClr val="accent2"/>
-          </a:effectRef>
-          <a:fontRef idx="minor">
-            <a:schemeClr val="lt1"/>
-          </a:fontRef>
-        </p:style>
-        <p:txBody>
-          <a:bodyPr vert="horz" wrap="square" lIns="91436" tIns="45718" rIns="91436" bIns="45718" numCol="1" rtlCol="0" anchor="ctr" anchorCtr="0" compatLnSpc="1">
-            <a:prstTxWarp prst="textNoShape">
-              <a:avLst/>
-            </a:prstTxWarp>
-          </a:bodyPr>
-          <a:lstStyle/>
-          <a:p>
-            <a:pPr algn="ctr" defTabSz="914099" fontAlgn="base">
-              <a:spcBef>
-                <a:spcPct val="0"/>
-              </a:spcBef>
-              <a:spcAft>
-                <a:spcPct val="0"/>
-              </a:spcAft>
-            </a:pPr>
-            <a:endParaRPr lang="en-US" sz="2200" dirty="0" smtClean="0">
-              <a:gradFill>
-                <a:gsLst>
-                  <a:gs pos="0">
-                    <a:srgbClr val="FFFFFF"/>
-                  </a:gs>
-                  <a:gs pos="100000">
-                    <a:srgbClr val="FFFFFF"/>
-                  </a:gs>
-                </a:gsLst>
-                <a:lin ang="5400000" scaled="0"/>
-              </a:gradFill>
-            </a:endParaRPr>
-          </a:p>
-        </p:txBody>
-      </p:sp>
-      <p:sp>
-        <p:nvSpPr>
-          <p:cNvPr id="33" name="Rectangle 32"/>
-          <p:cNvSpPr/>
-          <p:nvPr/>
-        </p:nvSpPr>
-        <p:spPr bwMode="auto">
-          <a:xfrm>
-            <a:off x="5913911" y="5429613"/>
-            <a:ext cx="1472542" cy="866899"/>
-          </a:xfrm>
-          <a:prstGeom prst="rect">
-            <a:avLst/>
-          </a:prstGeom>
-          <a:noFill/>
-          <a:ln w="38100">
-            <a:solidFill>
-              <a:srgbClr val="00AEEF"/>
-            </a:solidFill>
-            <a:headEnd type="none" w="med" len="med"/>
-            <a:tailEnd type="none" w="med" len="med"/>
-          </a:ln>
-          <a:effectLst/>
-        </p:spPr>
-        <p:style>
-          <a:lnRef idx="1">
-            <a:schemeClr val="accent2"/>
-          </a:lnRef>
-          <a:fillRef idx="3">
-            <a:schemeClr val="accent2"/>
-          </a:fillRef>
-          <a:effectRef idx="2">
-            <a:schemeClr val="accent2"/>
-          </a:effectRef>
-          <a:fontRef idx="minor">
-            <a:schemeClr val="lt1"/>
-          </a:fontRef>
-        </p:style>
-        <p:txBody>
-          <a:bodyPr vert="horz" wrap="square" lIns="91436" tIns="45718" rIns="91436" bIns="45718" numCol="1" rtlCol="0" anchor="ctr" anchorCtr="0" compatLnSpc="1">
-            <a:prstTxWarp prst="textNoShape">
-              <a:avLst/>
-            </a:prstTxWarp>
-          </a:bodyPr>
-          <a:lstStyle/>
-          <a:p>
-            <a:pPr algn="ctr" defTabSz="914099" fontAlgn="base">
-              <a:spcBef>
-                <a:spcPct val="0"/>
-              </a:spcBef>
-              <a:spcAft>
-                <a:spcPct val="0"/>
-              </a:spcAft>
-            </a:pPr>
-            <a:endParaRPr lang="en-US" sz="2200" dirty="0">
-              <a:gradFill>
-                <a:gsLst>
-                  <a:gs pos="0">
-                    <a:srgbClr val="FFFFFF"/>
-                  </a:gs>
-                  <a:gs pos="100000">
-                    <a:srgbClr val="FFFFFF"/>
-                  </a:gs>
-                </a:gsLst>
-                <a:lin ang="5400000" scaled="0"/>
-              </a:gradFill>
-            </a:endParaRPr>
-          </a:p>
-        </p:txBody>
-      </p:sp>
-      <p:sp>
-        <p:nvSpPr>
-          <p:cNvPr id="34" name="Rectangle 33"/>
-          <p:cNvSpPr/>
-          <p:nvPr/>
-        </p:nvSpPr>
-        <p:spPr bwMode="auto">
-          <a:xfrm>
-            <a:off x="4655126" y="4006249"/>
-            <a:ext cx="95002" cy="148441"/>
-          </a:xfrm>
-          <a:prstGeom prst="rect">
-            <a:avLst/>
-          </a:prstGeom>
-          <a:solidFill>
-            <a:schemeClr val="accent2"/>
-          </a:solidFill>
-          <a:ln>
-            <a:noFill/>
-            <a:headEnd type="none" w="med" len="med"/>
-            <a:tailEnd type="none" w="med" len="med"/>
-          </a:ln>
-          <a:effectLst/>
-        </p:spPr>
-        <p:style>
-          <a:lnRef idx="1">
-            <a:schemeClr val="accent2"/>
-          </a:lnRef>
-          <a:fillRef idx="3">
-            <a:schemeClr val="accent2"/>
-          </a:fillRef>
-          <a:effectRef idx="2">
-            <a:schemeClr val="accent2"/>
-          </a:effectRef>
-          <a:fontRef idx="minor">
-            <a:schemeClr val="lt1"/>
-          </a:fontRef>
-        </p:style>
-        <p:txBody>
-          <a:bodyPr vert="horz" wrap="square" lIns="91436" tIns="45718" rIns="91436" bIns="45718" numCol="1" rtlCol="0" anchor="ctr" anchorCtr="0" compatLnSpc="1">
-            <a:prstTxWarp prst="textNoShape">
-              <a:avLst/>
-            </a:prstTxWarp>
-          </a:bodyPr>
-          <a:lstStyle/>
-          <a:p>
-            <a:pPr algn="ctr" defTabSz="914099" fontAlgn="base">
-              <a:spcBef>
-                <a:spcPct val="0"/>
-              </a:spcBef>
-              <a:spcAft>
-                <a:spcPct val="0"/>
-              </a:spcAft>
-            </a:pPr>
-            <a:endParaRPr lang="en-US" sz="2200" dirty="0" smtClean="0">
-              <a:gradFill>
-                <a:gsLst>
-                  <a:gs pos="0">
-                    <a:srgbClr val="FFFFFF"/>
-                  </a:gs>
-                  <a:gs pos="100000">
-                    <a:srgbClr val="FFFFFF"/>
-                  </a:gs>
-                </a:gsLst>
-                <a:lin ang="5400000" scaled="0"/>
-              </a:gradFill>
-            </a:endParaRPr>
-          </a:p>
-        </p:txBody>
-      </p:sp>
-      <p:sp>
-        <p:nvSpPr>
-          <p:cNvPr id="35" name="Rectangle 34"/>
-          <p:cNvSpPr/>
-          <p:nvPr/>
-        </p:nvSpPr>
-        <p:spPr bwMode="auto">
-          <a:xfrm>
-            <a:off x="4833256" y="4006249"/>
-            <a:ext cx="95002" cy="148441"/>
-          </a:xfrm>
-          <a:prstGeom prst="rect">
-            <a:avLst/>
-          </a:prstGeom>
-          <a:solidFill>
-            <a:schemeClr val="accent2"/>
-          </a:solidFill>
-          <a:ln>
-            <a:noFill/>
-            <a:headEnd type="none" w="med" len="med"/>
-            <a:tailEnd type="none" w="med" len="med"/>
-          </a:ln>
-          <a:effectLst/>
-        </p:spPr>
-        <p:style>
-          <a:lnRef idx="1">
-            <a:schemeClr val="accent2"/>
-          </a:lnRef>
-          <a:fillRef idx="3">
-            <a:schemeClr val="accent2"/>
-          </a:fillRef>
-          <a:effectRef idx="2">
-            <a:schemeClr val="accent2"/>
-          </a:effectRef>
-          <a:fontRef idx="minor">
-            <a:schemeClr val="lt1"/>
-          </a:fontRef>
-        </p:style>
-        <p:txBody>
-          <a:bodyPr vert="horz" wrap="square" lIns="91436" tIns="45718" rIns="91436" bIns="45718" numCol="1" rtlCol="0" anchor="ctr" anchorCtr="0" compatLnSpc="1">
-            <a:prstTxWarp prst="textNoShape">
-              <a:avLst/>
-            </a:prstTxWarp>
-          </a:bodyPr>
-          <a:lstStyle/>
-          <a:p>
-            <a:pPr algn="ctr" defTabSz="914099" fontAlgn="base">
-              <a:spcBef>
-                <a:spcPct val="0"/>
-              </a:spcBef>
-              <a:spcAft>
-                <a:spcPct val="0"/>
-              </a:spcAft>
-            </a:pPr>
-            <a:endParaRPr lang="en-US" sz="2200" dirty="0" smtClean="0">
-              <a:gradFill>
-                <a:gsLst>
-                  <a:gs pos="0">
-                    <a:srgbClr val="FFFFFF"/>
-                  </a:gs>
-                  <a:gs pos="100000">
-                    <a:srgbClr val="FFFFFF"/>
-                  </a:gs>
-                </a:gsLst>
-                <a:lin ang="5400000" scaled="0"/>
-              </a:gradFill>
-            </a:endParaRPr>
-          </a:p>
-        </p:txBody>
-      </p:sp>
-      <p:sp>
-        <p:nvSpPr>
-          <p:cNvPr id="36" name="Rectangle 35"/>
-          <p:cNvSpPr/>
-          <p:nvPr/>
-        </p:nvSpPr>
-        <p:spPr bwMode="auto">
-          <a:xfrm>
-            <a:off x="5011386" y="4006249"/>
-            <a:ext cx="95002" cy="148441"/>
-          </a:xfrm>
-          <a:prstGeom prst="rect">
-            <a:avLst/>
-          </a:prstGeom>
-          <a:solidFill>
-            <a:schemeClr val="accent2"/>
-          </a:solidFill>
-          <a:ln>
-            <a:noFill/>
-            <a:headEnd type="none" w="med" len="med"/>
-            <a:tailEnd type="none" w="med" len="med"/>
-          </a:ln>
-          <a:effectLst/>
-        </p:spPr>
-        <p:style>
-          <a:lnRef idx="1">
-            <a:schemeClr val="accent2"/>
-          </a:lnRef>
-          <a:fillRef idx="3">
-            <a:schemeClr val="accent2"/>
-          </a:fillRef>
-          <a:effectRef idx="2">
-            <a:schemeClr val="accent2"/>
-          </a:effectRef>
-          <a:fontRef idx="minor">
-            <a:schemeClr val="lt1"/>
-          </a:fontRef>
-        </p:style>
-        <p:txBody>
-          <a:bodyPr vert="horz" wrap="square" lIns="91436" tIns="45718" rIns="91436" bIns="45718" numCol="1" rtlCol="0" anchor="ctr" anchorCtr="0" compatLnSpc="1">
-            <a:prstTxWarp prst="textNoShape">
-              <a:avLst/>
-            </a:prstTxWarp>
-          </a:bodyPr>
-          <a:lstStyle/>
-          <a:p>
-            <a:pPr algn="ctr" defTabSz="914099" fontAlgn="base">
-              <a:spcBef>
-                <a:spcPct val="0"/>
-              </a:spcBef>
-              <a:spcAft>
-                <a:spcPct val="0"/>
-              </a:spcAft>
-            </a:pPr>
-            <a:endParaRPr lang="en-US" sz="2200" dirty="0" smtClean="0">
-              <a:gradFill>
-                <a:gsLst>
-                  <a:gs pos="0">
-                    <a:srgbClr val="FFFFFF"/>
-                  </a:gs>
-                  <a:gs pos="100000">
-                    <a:srgbClr val="FFFFFF"/>
-                  </a:gs>
-                </a:gsLst>
-                <a:lin ang="5400000" scaled="0"/>
-              </a:gradFill>
-            </a:endParaRPr>
-          </a:p>
-        </p:txBody>
-      </p:sp>
-      <p:sp>
-        <p:nvSpPr>
-          <p:cNvPr id="39" name="TextBox 38"/>
-          <p:cNvSpPr txBox="1"/>
-          <p:nvPr/>
-        </p:nvSpPr>
-        <p:spPr>
-          <a:xfrm>
-            <a:off x="4441369" y="2666899"/>
-            <a:ext cx="2945084" cy="387798"/>
-          </a:xfrm>
-          <a:prstGeom prst="rect">
-            <a:avLst/>
-          </a:prstGeom>
-          <a:noFill/>
-        </p:spPr>
-        <p:txBody>
-          <a:bodyPr wrap="square" lIns="0" tIns="0" rIns="0" bIns="0" rtlCol="0">
-            <a:spAutoFit/>
-          </a:bodyPr>
-          <a:lstStyle/>
-          <a:p>
-            <a:pPr algn="ctr">
-              <a:lnSpc>
-                <a:spcPct val="90000"/>
-              </a:lnSpc>
-              <a:spcBef>
-                <a:spcPct val="20000"/>
-              </a:spcBef>
-              <a:buSzPct val="80000"/>
-            </a:pPr>
-            <a:r>
-              <a:rPr lang="en-US" sz="2800" dirty="0" smtClean="0">
-                <a:solidFill>
-                  <a:schemeClr val="accent1"/>
-                </a:solidFill>
-              </a:rPr>
-              <a:t>Hopping Window</a:t>
-            </a:r>
-            <a:endParaRPr lang="en-US" sz="2800" dirty="0">
-              <a:solidFill>
-                <a:schemeClr val="accent1"/>
-              </a:solidFill>
-            </a:endParaRPr>
-          </a:p>
-        </p:txBody>
-      </p:sp>
-      <p:cxnSp>
-        <p:nvCxnSpPr>
-          <p:cNvPr id="40" name="Straight Connector 39"/>
-          <p:cNvCxnSpPr/>
-          <p:nvPr/>
-        </p:nvCxnSpPr>
-        <p:spPr>
-          <a:xfrm>
-            <a:off x="8098970" y="3313215"/>
-            <a:ext cx="2945083" cy="8905"/>
-          </a:xfrm>
-          <a:prstGeom prst="line">
-            <a:avLst/>
-          </a:prstGeom>
-          <a:ln w="38100"/>
-        </p:spPr>
-        <p:style>
-          <a:lnRef idx="1">
-            <a:schemeClr val="accent1"/>
-          </a:lnRef>
-          <a:fillRef idx="0">
-            <a:schemeClr val="accent1"/>
-          </a:fillRef>
-          <a:effectRef idx="0">
-            <a:schemeClr val="accent1"/>
-          </a:effectRef>
-          <a:fontRef idx="minor">
-            <a:schemeClr val="tx1"/>
-          </a:fontRef>
-        </p:style>
-      </p:cxnSp>
-      <p:sp>
-        <p:nvSpPr>
-          <p:cNvPr id="41" name="Rectangle 40"/>
-          <p:cNvSpPr/>
-          <p:nvPr/>
-        </p:nvSpPr>
-        <p:spPr bwMode="auto">
-          <a:xfrm>
-            <a:off x="8312726" y="3247900"/>
-            <a:ext cx="95002" cy="148441"/>
-          </a:xfrm>
-          <a:prstGeom prst="rect">
-            <a:avLst/>
-          </a:prstGeom>
-          <a:solidFill>
-            <a:schemeClr val="accent2"/>
-          </a:solidFill>
-          <a:ln>
-            <a:noFill/>
-            <a:headEnd type="none" w="med" len="med"/>
-            <a:tailEnd type="none" w="med" len="med"/>
-          </a:ln>
-          <a:effectLst/>
-        </p:spPr>
-        <p:style>
-          <a:lnRef idx="1">
-            <a:schemeClr val="accent2"/>
-          </a:lnRef>
-          <a:fillRef idx="3">
-            <a:schemeClr val="accent2"/>
-          </a:fillRef>
-          <a:effectRef idx="2">
-            <a:schemeClr val="accent2"/>
-          </a:effectRef>
-          <a:fontRef idx="minor">
-            <a:schemeClr val="lt1"/>
-          </a:fontRef>
-        </p:style>
-        <p:txBody>
-          <a:bodyPr vert="horz" wrap="square" lIns="91436" tIns="45718" rIns="91436" bIns="45718" numCol="1" rtlCol="0" anchor="ctr" anchorCtr="0" compatLnSpc="1">
-            <a:prstTxWarp prst="textNoShape">
-              <a:avLst/>
-            </a:prstTxWarp>
-          </a:bodyPr>
-          <a:lstStyle/>
-          <a:p>
-            <a:pPr algn="ctr" defTabSz="914099" fontAlgn="base">
-              <a:spcBef>
-                <a:spcPct val="0"/>
-              </a:spcBef>
-              <a:spcAft>
-                <a:spcPct val="0"/>
-              </a:spcAft>
-            </a:pPr>
-            <a:endParaRPr lang="en-US" sz="2200" dirty="0" smtClean="0">
-              <a:gradFill>
-                <a:gsLst>
-                  <a:gs pos="0">
-                    <a:srgbClr val="FFFFFF"/>
-                  </a:gs>
-                  <a:gs pos="100000">
-                    <a:srgbClr val="FFFFFF"/>
-                  </a:gs>
-                </a:gsLst>
-                <a:lin ang="5400000" scaled="0"/>
-              </a:gradFill>
-            </a:endParaRPr>
-          </a:p>
-        </p:txBody>
-      </p:sp>
-      <p:sp>
-        <p:nvSpPr>
-          <p:cNvPr id="42" name="Rectangle 41"/>
-          <p:cNvSpPr/>
-          <p:nvPr/>
-        </p:nvSpPr>
-        <p:spPr bwMode="auto">
-          <a:xfrm>
-            <a:off x="8490856" y="3247900"/>
-            <a:ext cx="95002" cy="148441"/>
-          </a:xfrm>
-          <a:prstGeom prst="rect">
-            <a:avLst/>
-          </a:prstGeom>
-          <a:solidFill>
-            <a:schemeClr val="accent2"/>
-          </a:solidFill>
-          <a:ln>
-            <a:noFill/>
-            <a:headEnd type="none" w="med" len="med"/>
-            <a:tailEnd type="none" w="med" len="med"/>
-          </a:ln>
-          <a:effectLst/>
-        </p:spPr>
-        <p:style>
-          <a:lnRef idx="1">
-            <a:schemeClr val="accent2"/>
-          </a:lnRef>
-          <a:fillRef idx="3">
-            <a:schemeClr val="accent2"/>
-          </a:fillRef>
-          <a:effectRef idx="2">
-            <a:schemeClr val="accent2"/>
-          </a:effectRef>
-          <a:fontRef idx="minor">
-            <a:schemeClr val="lt1"/>
-          </a:fontRef>
-        </p:style>
-        <p:txBody>
-          <a:bodyPr vert="horz" wrap="square" lIns="91436" tIns="45718" rIns="91436" bIns="45718" numCol="1" rtlCol="0" anchor="ctr" anchorCtr="0" compatLnSpc="1">
-            <a:prstTxWarp prst="textNoShape">
-              <a:avLst/>
-            </a:prstTxWarp>
-          </a:bodyPr>
-          <a:lstStyle/>
-          <a:p>
-            <a:pPr algn="ctr" defTabSz="914099" fontAlgn="base">
-              <a:spcBef>
-                <a:spcPct val="0"/>
-              </a:spcBef>
-              <a:spcAft>
-                <a:spcPct val="0"/>
-              </a:spcAft>
-            </a:pPr>
-            <a:endParaRPr lang="en-US" sz="2200" dirty="0" smtClean="0">
-              <a:gradFill>
-                <a:gsLst>
-                  <a:gs pos="0">
-                    <a:srgbClr val="FFFFFF"/>
-                  </a:gs>
-                  <a:gs pos="100000">
-                    <a:srgbClr val="FFFFFF"/>
-                  </a:gs>
-                </a:gsLst>
-                <a:lin ang="5400000" scaled="0"/>
-              </a:gradFill>
-            </a:endParaRPr>
-          </a:p>
-        </p:txBody>
-      </p:sp>
-      <p:sp>
-        <p:nvSpPr>
-          <p:cNvPr id="43" name="Rectangle 42"/>
-          <p:cNvSpPr/>
-          <p:nvPr/>
-        </p:nvSpPr>
-        <p:spPr bwMode="auto">
-          <a:xfrm>
-            <a:off x="8668986" y="3247900"/>
-            <a:ext cx="95002" cy="148441"/>
-          </a:xfrm>
-          <a:prstGeom prst="rect">
-            <a:avLst/>
-          </a:prstGeom>
-          <a:solidFill>
-            <a:schemeClr val="accent2"/>
-          </a:solidFill>
-          <a:ln>
-            <a:noFill/>
-            <a:headEnd type="none" w="med" len="med"/>
-            <a:tailEnd type="none" w="med" len="med"/>
-          </a:ln>
-          <a:effectLst/>
-        </p:spPr>
-        <p:style>
-          <a:lnRef idx="1">
-            <a:schemeClr val="accent2"/>
-          </a:lnRef>
-          <a:fillRef idx="3">
-            <a:schemeClr val="accent2"/>
-          </a:fillRef>
-          <a:effectRef idx="2">
-            <a:schemeClr val="accent2"/>
-          </a:effectRef>
-          <a:fontRef idx="minor">
-            <a:schemeClr val="lt1"/>
-          </a:fontRef>
-        </p:style>
-        <p:txBody>
-          <a:bodyPr vert="horz" wrap="square" lIns="91436" tIns="45718" rIns="91436" bIns="45718" numCol="1" rtlCol="0" anchor="ctr" anchorCtr="0" compatLnSpc="1">
-            <a:prstTxWarp prst="textNoShape">
-              <a:avLst/>
-            </a:prstTxWarp>
-          </a:bodyPr>
-          <a:lstStyle/>
-          <a:p>
-            <a:pPr algn="ctr" defTabSz="914099" fontAlgn="base">
-              <a:spcBef>
-                <a:spcPct val="0"/>
-              </a:spcBef>
-              <a:spcAft>
-                <a:spcPct val="0"/>
-              </a:spcAft>
-            </a:pPr>
-            <a:endParaRPr lang="en-US" sz="2200" dirty="0" smtClean="0">
-              <a:gradFill>
-                <a:gsLst>
-                  <a:gs pos="0">
-                    <a:srgbClr val="FFFFFF"/>
-                  </a:gs>
-                  <a:gs pos="100000">
-                    <a:srgbClr val="FFFFFF"/>
-                  </a:gs>
-                </a:gsLst>
-                <a:lin ang="5400000" scaled="0"/>
-              </a:gradFill>
-            </a:endParaRPr>
-          </a:p>
-        </p:txBody>
-      </p:sp>
-      <p:sp>
-        <p:nvSpPr>
-          <p:cNvPr id="44" name="Rectangle 43"/>
-          <p:cNvSpPr/>
-          <p:nvPr/>
-        </p:nvSpPr>
-        <p:spPr bwMode="auto">
-          <a:xfrm>
-            <a:off x="10046524" y="3247900"/>
-            <a:ext cx="95002" cy="148441"/>
-          </a:xfrm>
-          <a:prstGeom prst="rect">
-            <a:avLst/>
-          </a:prstGeom>
-          <a:solidFill>
-            <a:schemeClr val="accent2"/>
-          </a:solidFill>
-          <a:ln>
-            <a:noFill/>
-            <a:headEnd type="none" w="med" len="med"/>
-            <a:tailEnd type="none" w="med" len="med"/>
-          </a:ln>
-          <a:effectLst/>
-        </p:spPr>
-        <p:style>
-          <a:lnRef idx="1">
-            <a:schemeClr val="accent2"/>
-          </a:lnRef>
-          <a:fillRef idx="3">
-            <a:schemeClr val="accent2"/>
-          </a:fillRef>
-          <a:effectRef idx="2">
-            <a:schemeClr val="accent2"/>
-          </a:effectRef>
-          <a:fontRef idx="minor">
-            <a:schemeClr val="lt1"/>
-          </a:fontRef>
-        </p:style>
-        <p:txBody>
-          <a:bodyPr vert="horz" wrap="square" lIns="91436" tIns="45718" rIns="91436" bIns="45718" numCol="1" rtlCol="0" anchor="ctr" anchorCtr="0" compatLnSpc="1">
-            <a:prstTxWarp prst="textNoShape">
-              <a:avLst/>
-            </a:prstTxWarp>
-          </a:bodyPr>
-          <a:lstStyle/>
-          <a:p>
-            <a:pPr algn="ctr" defTabSz="914099" fontAlgn="base">
-              <a:spcBef>
-                <a:spcPct val="0"/>
-              </a:spcBef>
-              <a:spcAft>
-                <a:spcPct val="0"/>
-              </a:spcAft>
-            </a:pPr>
-            <a:endParaRPr lang="en-US" sz="2200" dirty="0" smtClean="0">
-              <a:gradFill>
-                <a:gsLst>
-                  <a:gs pos="0">
-                    <a:srgbClr val="FFFFFF"/>
-                  </a:gs>
-                  <a:gs pos="100000">
-                    <a:srgbClr val="FFFFFF"/>
-                  </a:gs>
-                </a:gsLst>
-                <a:lin ang="5400000" scaled="0"/>
-              </a:gradFill>
-            </a:endParaRPr>
-          </a:p>
-        </p:txBody>
-      </p:sp>
-      <p:sp>
-        <p:nvSpPr>
-          <p:cNvPr id="45" name="Rectangle 44"/>
-          <p:cNvSpPr/>
-          <p:nvPr/>
-        </p:nvSpPr>
-        <p:spPr bwMode="auto">
-          <a:xfrm>
-            <a:off x="10236530" y="3247900"/>
-            <a:ext cx="95002" cy="148441"/>
-          </a:xfrm>
-          <a:prstGeom prst="rect">
-            <a:avLst/>
-          </a:prstGeom>
-          <a:solidFill>
-            <a:schemeClr val="accent2"/>
-          </a:solidFill>
-          <a:ln>
-            <a:noFill/>
-            <a:headEnd type="none" w="med" len="med"/>
-            <a:tailEnd type="none" w="med" len="med"/>
-          </a:ln>
-          <a:effectLst/>
-        </p:spPr>
-        <p:style>
-          <a:lnRef idx="1">
-            <a:schemeClr val="accent2"/>
-          </a:lnRef>
-          <a:fillRef idx="3">
-            <a:schemeClr val="accent2"/>
-          </a:fillRef>
-          <a:effectRef idx="2">
-            <a:schemeClr val="accent2"/>
-          </a:effectRef>
-          <a:fontRef idx="minor">
-            <a:schemeClr val="lt1"/>
-          </a:fontRef>
-        </p:style>
-        <p:txBody>
-          <a:bodyPr vert="horz" wrap="square" lIns="91436" tIns="45718" rIns="91436" bIns="45718" numCol="1" rtlCol="0" anchor="ctr" anchorCtr="0" compatLnSpc="1">
-            <a:prstTxWarp prst="textNoShape">
-              <a:avLst/>
-            </a:prstTxWarp>
-          </a:bodyPr>
-          <a:lstStyle/>
-          <a:p>
-            <a:pPr algn="ctr" defTabSz="914099" fontAlgn="base">
-              <a:spcBef>
-                <a:spcPct val="0"/>
-              </a:spcBef>
-              <a:spcAft>
-                <a:spcPct val="0"/>
-              </a:spcAft>
-            </a:pPr>
-            <a:endParaRPr lang="en-US" sz="2200" dirty="0" smtClean="0">
-              <a:gradFill>
-                <a:gsLst>
-                  <a:gs pos="0">
-                    <a:srgbClr val="FFFFFF"/>
-                  </a:gs>
-                  <a:gs pos="100000">
-                    <a:srgbClr val="FFFFFF"/>
-                  </a:gs>
-                </a:gsLst>
-                <a:lin ang="5400000" scaled="0"/>
-              </a:gradFill>
-            </a:endParaRPr>
-          </a:p>
-        </p:txBody>
-      </p:sp>
-      <p:sp>
-        <p:nvSpPr>
-          <p:cNvPr id="46" name="Rectangle 45"/>
-          <p:cNvSpPr/>
-          <p:nvPr/>
-        </p:nvSpPr>
-        <p:spPr bwMode="auto">
-          <a:xfrm>
-            <a:off x="8312730" y="3681350"/>
-            <a:ext cx="1472542" cy="866899"/>
-          </a:xfrm>
-          <a:prstGeom prst="rect">
-            <a:avLst/>
-          </a:prstGeom>
-          <a:noFill/>
-          <a:ln w="38100">
-            <a:solidFill>
-              <a:srgbClr val="00AEEF"/>
-            </a:solidFill>
-            <a:headEnd type="none" w="med" len="med"/>
-            <a:tailEnd type="none" w="med" len="med"/>
-          </a:ln>
-          <a:effectLst/>
-        </p:spPr>
-        <p:style>
-          <a:lnRef idx="1">
-            <a:schemeClr val="accent2"/>
-          </a:lnRef>
-          <a:fillRef idx="3">
-            <a:schemeClr val="accent2"/>
-          </a:fillRef>
-          <a:effectRef idx="2">
-            <a:schemeClr val="accent2"/>
-          </a:effectRef>
-          <a:fontRef idx="minor">
-            <a:schemeClr val="lt1"/>
-          </a:fontRef>
-        </p:style>
-        <p:txBody>
-          <a:bodyPr vert="horz" wrap="square" lIns="91436" tIns="45718" rIns="91436" bIns="45718" numCol="1" rtlCol="0" anchor="ctr" anchorCtr="0" compatLnSpc="1">
-            <a:prstTxWarp prst="textNoShape">
-              <a:avLst/>
-            </a:prstTxWarp>
-          </a:bodyPr>
-          <a:lstStyle/>
-          <a:p>
-            <a:pPr algn="ctr" defTabSz="914099" fontAlgn="base">
-              <a:spcBef>
-                <a:spcPct val="0"/>
-              </a:spcBef>
-              <a:spcAft>
-                <a:spcPct val="0"/>
-              </a:spcAft>
-            </a:pPr>
-            <a:endParaRPr lang="en-US" sz="2200" dirty="0" smtClean="0">
-              <a:gradFill>
-                <a:gsLst>
-                  <a:gs pos="0">
-                    <a:srgbClr val="FFFFFF"/>
-                  </a:gs>
-                  <a:gs pos="100000">
-                    <a:srgbClr val="FFFFFF"/>
-                  </a:gs>
-                </a:gsLst>
-                <a:lin ang="5400000" scaled="0"/>
-              </a:gradFill>
-            </a:endParaRPr>
-          </a:p>
-        </p:txBody>
-      </p:sp>
-      <p:sp>
-        <p:nvSpPr>
-          <p:cNvPr id="47" name="Rectangle 46"/>
-          <p:cNvSpPr/>
-          <p:nvPr/>
-        </p:nvSpPr>
-        <p:spPr bwMode="auto">
-          <a:xfrm>
-            <a:off x="10046524" y="4548248"/>
-            <a:ext cx="1472542" cy="866899"/>
-          </a:xfrm>
-          <a:prstGeom prst="rect">
-            <a:avLst/>
-          </a:prstGeom>
-          <a:noFill/>
-          <a:ln w="38100">
-            <a:solidFill>
-              <a:srgbClr val="00AEEF"/>
-            </a:solidFill>
-            <a:headEnd type="none" w="med" len="med"/>
-            <a:tailEnd type="none" w="med" len="med"/>
-          </a:ln>
-          <a:effectLst/>
-        </p:spPr>
-        <p:style>
-          <a:lnRef idx="1">
-            <a:schemeClr val="accent2"/>
-          </a:lnRef>
-          <a:fillRef idx="3">
-            <a:schemeClr val="accent2"/>
-          </a:fillRef>
-          <a:effectRef idx="2">
-            <a:schemeClr val="accent2"/>
-          </a:effectRef>
-          <a:fontRef idx="minor">
-            <a:schemeClr val="lt1"/>
-          </a:fontRef>
-        </p:style>
-        <p:txBody>
-          <a:bodyPr vert="horz" wrap="square" lIns="91436" tIns="45718" rIns="91436" bIns="45718" numCol="1" rtlCol="0" anchor="ctr" anchorCtr="0" compatLnSpc="1">
-            <a:prstTxWarp prst="textNoShape">
-              <a:avLst/>
-            </a:prstTxWarp>
-          </a:bodyPr>
-          <a:lstStyle/>
-          <a:p>
-            <a:pPr algn="ctr" defTabSz="914099" fontAlgn="base">
-              <a:spcBef>
-                <a:spcPct val="0"/>
-              </a:spcBef>
-              <a:spcAft>
-                <a:spcPct val="0"/>
-              </a:spcAft>
-            </a:pPr>
-            <a:endParaRPr lang="en-US" sz="2200" dirty="0">
-              <a:gradFill>
-                <a:gsLst>
-                  <a:gs pos="0">
-                    <a:srgbClr val="FFFFFF"/>
-                  </a:gs>
-                  <a:gs pos="100000">
-                    <a:srgbClr val="FFFFFF"/>
-                  </a:gs>
-                </a:gsLst>
-                <a:lin ang="5400000" scaled="0"/>
-              </a:gradFill>
-            </a:endParaRPr>
-          </a:p>
-        </p:txBody>
-      </p:sp>
-      <p:sp>
-        <p:nvSpPr>
-          <p:cNvPr id="48" name="Rectangle 47"/>
-          <p:cNvSpPr/>
-          <p:nvPr/>
-        </p:nvSpPr>
-        <p:spPr bwMode="auto">
-          <a:xfrm>
-            <a:off x="8312726" y="4006249"/>
-            <a:ext cx="95002" cy="148441"/>
-          </a:xfrm>
-          <a:prstGeom prst="rect">
-            <a:avLst/>
-          </a:prstGeom>
-          <a:solidFill>
-            <a:schemeClr val="accent2"/>
-          </a:solidFill>
-          <a:ln>
-            <a:noFill/>
-            <a:headEnd type="none" w="med" len="med"/>
-            <a:tailEnd type="none" w="med" len="med"/>
-          </a:ln>
-          <a:effectLst/>
-        </p:spPr>
-        <p:style>
-          <a:lnRef idx="1">
-            <a:schemeClr val="accent2"/>
-          </a:lnRef>
-          <a:fillRef idx="3">
-            <a:schemeClr val="accent2"/>
-          </a:fillRef>
-          <a:effectRef idx="2">
-            <a:schemeClr val="accent2"/>
-          </a:effectRef>
-          <a:fontRef idx="minor">
-            <a:schemeClr val="lt1"/>
-          </a:fontRef>
-        </p:style>
-        <p:txBody>
-          <a:bodyPr vert="horz" wrap="square" lIns="91436" tIns="45718" rIns="91436" bIns="45718" numCol="1" rtlCol="0" anchor="ctr" anchorCtr="0" compatLnSpc="1">
-            <a:prstTxWarp prst="textNoShape">
-              <a:avLst/>
-            </a:prstTxWarp>
-          </a:bodyPr>
-          <a:lstStyle/>
-          <a:p>
-            <a:pPr algn="ctr" defTabSz="914099" fontAlgn="base">
-              <a:spcBef>
-                <a:spcPct val="0"/>
-              </a:spcBef>
-              <a:spcAft>
-                <a:spcPct val="0"/>
-              </a:spcAft>
-            </a:pPr>
-            <a:endParaRPr lang="en-US" sz="2200" dirty="0" smtClean="0">
-              <a:gradFill>
-                <a:gsLst>
-                  <a:gs pos="0">
-                    <a:srgbClr val="FFFFFF"/>
-                  </a:gs>
-                  <a:gs pos="100000">
-                    <a:srgbClr val="FFFFFF"/>
-                  </a:gs>
-                </a:gsLst>
-                <a:lin ang="5400000" scaled="0"/>
-              </a:gradFill>
-            </a:endParaRPr>
-          </a:p>
-        </p:txBody>
-      </p:sp>
-      <p:sp>
-        <p:nvSpPr>
-          <p:cNvPr id="49" name="Rectangle 48"/>
-          <p:cNvSpPr/>
-          <p:nvPr/>
-        </p:nvSpPr>
-        <p:spPr bwMode="auto">
-          <a:xfrm>
-            <a:off x="8490856" y="4006249"/>
-            <a:ext cx="95002" cy="148441"/>
-          </a:xfrm>
-          <a:prstGeom prst="rect">
-            <a:avLst/>
-          </a:prstGeom>
-          <a:solidFill>
-            <a:schemeClr val="accent2"/>
-          </a:solidFill>
-          <a:ln>
-            <a:noFill/>
-            <a:headEnd type="none" w="med" len="med"/>
-            <a:tailEnd type="none" w="med" len="med"/>
-          </a:ln>
-          <a:effectLst/>
-        </p:spPr>
-        <p:style>
-          <a:lnRef idx="1">
-            <a:schemeClr val="accent2"/>
-          </a:lnRef>
-          <a:fillRef idx="3">
-            <a:schemeClr val="accent2"/>
-          </a:fillRef>
-          <a:effectRef idx="2">
-            <a:schemeClr val="accent2"/>
-          </a:effectRef>
-          <a:fontRef idx="minor">
-            <a:schemeClr val="lt1"/>
-          </a:fontRef>
-        </p:style>
-        <p:txBody>
-          <a:bodyPr vert="horz" wrap="square" lIns="91436" tIns="45718" rIns="91436" bIns="45718" numCol="1" rtlCol="0" anchor="ctr" anchorCtr="0" compatLnSpc="1">
-            <a:prstTxWarp prst="textNoShape">
-              <a:avLst/>
-            </a:prstTxWarp>
-          </a:bodyPr>
-          <a:lstStyle/>
-          <a:p>
-            <a:pPr algn="ctr" defTabSz="914099" fontAlgn="base">
-              <a:spcBef>
-                <a:spcPct val="0"/>
-              </a:spcBef>
-              <a:spcAft>
-                <a:spcPct val="0"/>
-              </a:spcAft>
-            </a:pPr>
-            <a:endParaRPr lang="en-US" sz="2200" dirty="0" smtClean="0">
-              <a:gradFill>
-                <a:gsLst>
-                  <a:gs pos="0">
-                    <a:srgbClr val="FFFFFF"/>
-                  </a:gs>
-                  <a:gs pos="100000">
-                    <a:srgbClr val="FFFFFF"/>
-                  </a:gs>
-                </a:gsLst>
-                <a:lin ang="5400000" scaled="0"/>
-              </a:gradFill>
-            </a:endParaRPr>
-          </a:p>
-        </p:txBody>
-      </p:sp>
-      <p:sp>
-        <p:nvSpPr>
-          <p:cNvPr id="50" name="Rectangle 49"/>
-          <p:cNvSpPr/>
-          <p:nvPr/>
-        </p:nvSpPr>
-        <p:spPr bwMode="auto">
-          <a:xfrm>
-            <a:off x="8668986" y="4006249"/>
-            <a:ext cx="95002" cy="148441"/>
-          </a:xfrm>
-          <a:prstGeom prst="rect">
-            <a:avLst/>
-          </a:prstGeom>
-          <a:solidFill>
-            <a:schemeClr val="accent2"/>
-          </a:solidFill>
-          <a:ln>
-            <a:noFill/>
-            <a:headEnd type="none" w="med" len="med"/>
-            <a:tailEnd type="none" w="med" len="med"/>
-          </a:ln>
-          <a:effectLst/>
-        </p:spPr>
-        <p:style>
-          <a:lnRef idx="1">
-            <a:schemeClr val="accent2"/>
-          </a:lnRef>
-          <a:fillRef idx="3">
-            <a:schemeClr val="accent2"/>
-          </a:fillRef>
-          <a:effectRef idx="2">
-            <a:schemeClr val="accent2"/>
-          </a:effectRef>
-          <a:fontRef idx="minor">
-            <a:schemeClr val="lt1"/>
-          </a:fontRef>
-        </p:style>
-        <p:txBody>
-          <a:bodyPr vert="horz" wrap="square" lIns="91436" tIns="45718" rIns="91436" bIns="45718" numCol="1" rtlCol="0" anchor="ctr" anchorCtr="0" compatLnSpc="1">
-            <a:prstTxWarp prst="textNoShape">
-              <a:avLst/>
-            </a:prstTxWarp>
-          </a:bodyPr>
-          <a:lstStyle/>
-          <a:p>
-            <a:pPr algn="ctr" defTabSz="914099" fontAlgn="base">
-              <a:spcBef>
-                <a:spcPct val="0"/>
-              </a:spcBef>
-              <a:spcAft>
-                <a:spcPct val="0"/>
-              </a:spcAft>
-            </a:pPr>
-            <a:endParaRPr lang="en-US" sz="2200" dirty="0" smtClean="0">
-              <a:gradFill>
-                <a:gsLst>
-                  <a:gs pos="0">
-                    <a:srgbClr val="FFFFFF"/>
-                  </a:gs>
-                  <a:gs pos="100000">
-                    <a:srgbClr val="FFFFFF"/>
-                  </a:gs>
-                </a:gsLst>
-                <a:lin ang="5400000" scaled="0"/>
-              </a:gradFill>
-            </a:endParaRPr>
-          </a:p>
-        </p:txBody>
-      </p:sp>
-      <p:sp>
-        <p:nvSpPr>
-          <p:cNvPr id="51" name="Rectangle 50"/>
-          <p:cNvSpPr/>
-          <p:nvPr/>
-        </p:nvSpPr>
-        <p:spPr bwMode="auto">
-          <a:xfrm>
-            <a:off x="10046524" y="4873148"/>
-            <a:ext cx="95002" cy="148441"/>
-          </a:xfrm>
-          <a:prstGeom prst="rect">
-            <a:avLst/>
-          </a:prstGeom>
-          <a:solidFill>
-            <a:schemeClr val="accent2"/>
-          </a:solidFill>
-          <a:ln>
-            <a:noFill/>
-            <a:headEnd type="none" w="med" len="med"/>
-            <a:tailEnd type="none" w="med" len="med"/>
-          </a:ln>
-          <a:effectLst/>
-        </p:spPr>
-        <p:style>
-          <a:lnRef idx="1">
-            <a:schemeClr val="accent2"/>
-          </a:lnRef>
-          <a:fillRef idx="3">
-            <a:schemeClr val="accent2"/>
-          </a:fillRef>
-          <a:effectRef idx="2">
-            <a:schemeClr val="accent2"/>
-          </a:effectRef>
-          <a:fontRef idx="minor">
-            <a:schemeClr val="lt1"/>
-          </a:fontRef>
-        </p:style>
-        <p:txBody>
-          <a:bodyPr vert="horz" wrap="square" lIns="91436" tIns="45718" rIns="91436" bIns="45718" numCol="1" rtlCol="0" anchor="ctr" anchorCtr="0" compatLnSpc="1">
-            <a:prstTxWarp prst="textNoShape">
-              <a:avLst/>
-            </a:prstTxWarp>
-          </a:bodyPr>
-          <a:lstStyle/>
-          <a:p>
-            <a:pPr algn="ctr" defTabSz="914099" fontAlgn="base">
-              <a:spcBef>
-                <a:spcPct val="0"/>
-              </a:spcBef>
-              <a:spcAft>
-                <a:spcPct val="0"/>
-              </a:spcAft>
-            </a:pPr>
-            <a:endParaRPr lang="en-US" sz="2200" dirty="0" smtClean="0">
-              <a:gradFill>
-                <a:gsLst>
-                  <a:gs pos="0">
-                    <a:srgbClr val="FFFFFF"/>
-                  </a:gs>
-                  <a:gs pos="100000">
-                    <a:srgbClr val="FFFFFF"/>
-                  </a:gs>
-                </a:gsLst>
-                <a:lin ang="5400000" scaled="0"/>
-              </a:gradFill>
-            </a:endParaRPr>
-          </a:p>
-        </p:txBody>
-      </p:sp>
-      <p:sp>
-        <p:nvSpPr>
-          <p:cNvPr id="52" name="Rectangle 51"/>
-          <p:cNvSpPr/>
-          <p:nvPr/>
-        </p:nvSpPr>
-        <p:spPr bwMode="auto">
-          <a:xfrm>
-            <a:off x="10236530" y="4873148"/>
-            <a:ext cx="95002" cy="148441"/>
-          </a:xfrm>
-          <a:prstGeom prst="rect">
-            <a:avLst/>
-          </a:prstGeom>
-          <a:solidFill>
-            <a:schemeClr val="accent2"/>
-          </a:solidFill>
-          <a:ln>
-            <a:noFill/>
-            <a:headEnd type="none" w="med" len="med"/>
-            <a:tailEnd type="none" w="med" len="med"/>
-          </a:ln>
-          <a:effectLst/>
-        </p:spPr>
-        <p:style>
-          <a:lnRef idx="1">
-            <a:schemeClr val="accent2"/>
-          </a:lnRef>
-          <a:fillRef idx="3">
-            <a:schemeClr val="accent2"/>
-          </a:fillRef>
-          <a:effectRef idx="2">
-            <a:schemeClr val="accent2"/>
-          </a:effectRef>
-          <a:fontRef idx="minor">
-            <a:schemeClr val="lt1"/>
-          </a:fontRef>
-        </p:style>
-        <p:txBody>
-          <a:bodyPr vert="horz" wrap="square" lIns="91436" tIns="45718" rIns="91436" bIns="45718" numCol="1" rtlCol="0" anchor="ctr" anchorCtr="0" compatLnSpc="1">
-            <a:prstTxWarp prst="textNoShape">
-              <a:avLst/>
-            </a:prstTxWarp>
-          </a:bodyPr>
-          <a:lstStyle/>
-          <a:p>
-            <a:pPr algn="ctr" defTabSz="914099" fontAlgn="base">
-              <a:spcBef>
-                <a:spcPct val="0"/>
-              </a:spcBef>
-              <a:spcAft>
-                <a:spcPct val="0"/>
-              </a:spcAft>
-            </a:pPr>
-            <a:endParaRPr lang="en-US" sz="2200" dirty="0" smtClean="0">
-              <a:gradFill>
-                <a:gsLst>
-                  <a:gs pos="0">
-                    <a:srgbClr val="FFFFFF"/>
-                  </a:gs>
-                  <a:gs pos="100000">
-                    <a:srgbClr val="FFFFFF"/>
-                  </a:gs>
-                </a:gsLst>
-                <a:lin ang="5400000" scaled="0"/>
-              </a:gradFill>
-            </a:endParaRPr>
-          </a:p>
-        </p:txBody>
-      </p:sp>
-      <p:sp>
-        <p:nvSpPr>
-          <p:cNvPr id="53" name="TextBox 52"/>
-          <p:cNvSpPr txBox="1"/>
-          <p:nvPr/>
-        </p:nvSpPr>
-        <p:spPr>
-          <a:xfrm>
-            <a:off x="8098969" y="2666899"/>
-            <a:ext cx="2945084" cy="387798"/>
-          </a:xfrm>
-          <a:prstGeom prst="rect">
-            <a:avLst/>
-          </a:prstGeom>
-          <a:noFill/>
-        </p:spPr>
-        <p:txBody>
-          <a:bodyPr wrap="square" lIns="0" tIns="0" rIns="0" bIns="0" rtlCol="0">
-            <a:spAutoFit/>
-          </a:bodyPr>
-          <a:lstStyle/>
-          <a:p>
-            <a:pPr algn="ctr">
-              <a:lnSpc>
-                <a:spcPct val="90000"/>
-              </a:lnSpc>
-              <a:spcBef>
-                <a:spcPct val="20000"/>
-              </a:spcBef>
-              <a:buSzPct val="80000"/>
-            </a:pPr>
-            <a:r>
-              <a:rPr lang="en-US" sz="2800" dirty="0" smtClean="0">
-                <a:solidFill>
-                  <a:schemeClr val="accent1"/>
-                </a:solidFill>
-              </a:rPr>
-              <a:t>Sliding Window</a:t>
-            </a:r>
-            <a:endParaRPr lang="en-US" sz="2800" dirty="0">
-              <a:solidFill>
-                <a:schemeClr val="accent1"/>
-              </a:solidFill>
-            </a:endParaRPr>
-          </a:p>
-        </p:txBody>
-      </p:sp>
-      <p:sp>
-        <p:nvSpPr>
-          <p:cNvPr id="56" name="Rectangle 55"/>
-          <p:cNvSpPr/>
-          <p:nvPr/>
-        </p:nvSpPr>
-        <p:spPr bwMode="auto">
-          <a:xfrm>
-            <a:off x="6388924" y="5788843"/>
-            <a:ext cx="95002" cy="148441"/>
-          </a:xfrm>
-          <a:prstGeom prst="rect">
-            <a:avLst/>
-          </a:prstGeom>
-          <a:solidFill>
-            <a:schemeClr val="accent2"/>
-          </a:solidFill>
-          <a:ln>
-            <a:noFill/>
-            <a:headEnd type="none" w="med" len="med"/>
-            <a:tailEnd type="none" w="med" len="med"/>
-          </a:ln>
-          <a:effectLst/>
-        </p:spPr>
-        <p:style>
-          <a:lnRef idx="1">
-            <a:schemeClr val="accent2"/>
-          </a:lnRef>
-          <a:fillRef idx="3">
-            <a:schemeClr val="accent2"/>
-          </a:fillRef>
-          <a:effectRef idx="2">
-            <a:schemeClr val="accent2"/>
-          </a:effectRef>
-          <a:fontRef idx="minor">
-            <a:schemeClr val="lt1"/>
-          </a:fontRef>
-        </p:style>
-        <p:txBody>
-          <a:bodyPr vert="horz" wrap="square" lIns="91436" tIns="45718" rIns="91436" bIns="45718" numCol="1" rtlCol="0" anchor="ctr" anchorCtr="0" compatLnSpc="1">
-            <a:prstTxWarp prst="textNoShape">
-              <a:avLst/>
-            </a:prstTxWarp>
-          </a:bodyPr>
-          <a:lstStyle/>
-          <a:p>
-            <a:pPr algn="ctr" defTabSz="914099" fontAlgn="base">
-              <a:spcBef>
-                <a:spcPct val="0"/>
-              </a:spcBef>
-              <a:spcAft>
-                <a:spcPct val="0"/>
-              </a:spcAft>
-            </a:pPr>
-            <a:endParaRPr lang="en-US" sz="2200" dirty="0" smtClean="0">
-              <a:gradFill>
-                <a:gsLst>
-                  <a:gs pos="0">
-                    <a:srgbClr val="FFFFFF"/>
-                  </a:gs>
-                  <a:gs pos="100000">
-                    <a:srgbClr val="FFFFFF"/>
-                  </a:gs>
-                </a:gsLst>
-                <a:lin ang="5400000" scaled="0"/>
-              </a:gradFill>
-            </a:endParaRPr>
-          </a:p>
-        </p:txBody>
-      </p:sp>
-      <p:sp>
-        <p:nvSpPr>
-          <p:cNvPr id="57" name="Rectangle 56"/>
-          <p:cNvSpPr/>
-          <p:nvPr/>
-        </p:nvSpPr>
-        <p:spPr bwMode="auto">
-          <a:xfrm>
-            <a:off x="6578930" y="5788843"/>
-            <a:ext cx="95002" cy="148441"/>
-          </a:xfrm>
-          <a:prstGeom prst="rect">
-            <a:avLst/>
-          </a:prstGeom>
-          <a:solidFill>
-            <a:schemeClr val="accent2"/>
-          </a:solidFill>
-          <a:ln>
-            <a:noFill/>
-            <a:headEnd type="none" w="med" len="med"/>
-            <a:tailEnd type="none" w="med" len="med"/>
-          </a:ln>
-          <a:effectLst/>
-        </p:spPr>
-        <p:style>
-          <a:lnRef idx="1">
-            <a:schemeClr val="accent2"/>
-          </a:lnRef>
-          <a:fillRef idx="3">
-            <a:schemeClr val="accent2"/>
-          </a:fillRef>
-          <a:effectRef idx="2">
-            <a:schemeClr val="accent2"/>
-          </a:effectRef>
-          <a:fontRef idx="minor">
-            <a:schemeClr val="lt1"/>
-          </a:fontRef>
-        </p:style>
-        <p:txBody>
-          <a:bodyPr vert="horz" wrap="square" lIns="91436" tIns="45718" rIns="91436" bIns="45718" numCol="1" rtlCol="0" anchor="ctr" anchorCtr="0" compatLnSpc="1">
-            <a:prstTxWarp prst="textNoShape">
-              <a:avLst/>
-            </a:prstTxWarp>
-          </a:bodyPr>
-          <a:lstStyle/>
-          <a:p>
-            <a:pPr algn="ctr" defTabSz="914099" fontAlgn="base">
-              <a:spcBef>
-                <a:spcPct val="0"/>
-              </a:spcBef>
-              <a:spcAft>
-                <a:spcPct val="0"/>
-              </a:spcAft>
-            </a:pPr>
-            <a:endParaRPr lang="en-US" sz="2200" dirty="0" smtClean="0">
-              <a:gradFill>
-                <a:gsLst>
-                  <a:gs pos="0">
-                    <a:srgbClr val="FFFFFF"/>
-                  </a:gs>
-                  <a:gs pos="100000">
-                    <a:srgbClr val="FFFFFF"/>
-                  </a:gs>
-                </a:gsLst>
-                <a:lin ang="5400000" scaled="0"/>
-              </a:gradFill>
-            </a:endParaRPr>
-          </a:p>
-        </p:txBody>
-      </p:sp>
-      <p:sp>
-        <p:nvSpPr>
-          <p:cNvPr id="58" name="Rectangle 57"/>
-          <p:cNvSpPr/>
-          <p:nvPr/>
-        </p:nvSpPr>
-        <p:spPr bwMode="auto">
-          <a:xfrm>
-            <a:off x="5177640" y="4549544"/>
-            <a:ext cx="1472542" cy="866899"/>
-          </a:xfrm>
-          <a:prstGeom prst="rect">
-            <a:avLst/>
-          </a:prstGeom>
-          <a:noFill/>
-          <a:ln w="38100">
-            <a:solidFill>
-              <a:srgbClr val="00AEEF"/>
-            </a:solidFill>
-            <a:headEnd type="none" w="med" len="med"/>
-            <a:tailEnd type="none" w="med" len="med"/>
-          </a:ln>
-          <a:effectLst/>
-        </p:spPr>
-        <p:style>
-          <a:lnRef idx="1">
-            <a:schemeClr val="accent2"/>
-          </a:lnRef>
-          <a:fillRef idx="3">
-            <a:schemeClr val="accent2"/>
-          </a:fillRef>
-          <a:effectRef idx="2">
-            <a:schemeClr val="accent2"/>
-          </a:effectRef>
-          <a:fontRef idx="minor">
-            <a:schemeClr val="lt1"/>
-          </a:fontRef>
-        </p:style>
-        <p:txBody>
-          <a:bodyPr vert="horz" wrap="square" lIns="91436" tIns="45718" rIns="91436" bIns="45718" numCol="1" rtlCol="0" anchor="ctr" anchorCtr="0" compatLnSpc="1">
-            <a:prstTxWarp prst="textNoShape">
-              <a:avLst/>
-            </a:prstTxWarp>
-          </a:bodyPr>
-          <a:lstStyle/>
-          <a:p>
-            <a:pPr algn="ctr" defTabSz="914099" fontAlgn="base">
-              <a:spcBef>
-                <a:spcPct val="0"/>
-              </a:spcBef>
-              <a:spcAft>
-                <a:spcPct val="0"/>
-              </a:spcAft>
-            </a:pPr>
-            <a:endParaRPr lang="en-US" sz="2200" dirty="0" smtClean="0">
-              <a:gradFill>
-                <a:gsLst>
-                  <a:gs pos="0">
-                    <a:srgbClr val="FFFFFF"/>
-                  </a:gs>
-                  <a:gs pos="100000">
-                    <a:srgbClr val="FFFFFF"/>
-                  </a:gs>
-                </a:gsLst>
-                <a:lin ang="5400000" scaled="0"/>
-              </a:gradFill>
-            </a:endParaRPr>
-          </a:p>
-        </p:txBody>
-      </p:sp>
-      <p:sp>
-        <p:nvSpPr>
-          <p:cNvPr id="59" name="Rectangle 58"/>
-          <p:cNvSpPr/>
-          <p:nvPr/>
-        </p:nvSpPr>
-        <p:spPr bwMode="auto">
-          <a:xfrm>
-            <a:off x="6388924" y="4921944"/>
-            <a:ext cx="95002" cy="148441"/>
-          </a:xfrm>
-          <a:prstGeom prst="rect">
-            <a:avLst/>
-          </a:prstGeom>
-          <a:solidFill>
-            <a:schemeClr val="accent2"/>
-          </a:solidFill>
-          <a:ln>
-            <a:noFill/>
-            <a:headEnd type="none" w="med" len="med"/>
-            <a:tailEnd type="none" w="med" len="med"/>
-          </a:ln>
-          <a:effectLst/>
-        </p:spPr>
-        <p:style>
-          <a:lnRef idx="1">
-            <a:schemeClr val="accent2"/>
-          </a:lnRef>
-          <a:fillRef idx="3">
-            <a:schemeClr val="accent2"/>
-          </a:fillRef>
-          <a:effectRef idx="2">
-            <a:schemeClr val="accent2"/>
-          </a:effectRef>
-          <a:fontRef idx="minor">
-            <a:schemeClr val="lt1"/>
-          </a:fontRef>
-        </p:style>
-        <p:txBody>
-          <a:bodyPr vert="horz" wrap="square" lIns="91436" tIns="45718" rIns="91436" bIns="45718" numCol="1" rtlCol="0" anchor="ctr" anchorCtr="0" compatLnSpc="1">
-            <a:prstTxWarp prst="textNoShape">
-              <a:avLst/>
-            </a:prstTxWarp>
-          </a:bodyPr>
-          <a:lstStyle/>
-          <a:p>
-            <a:pPr algn="ctr" defTabSz="914099" fontAlgn="base">
-              <a:spcBef>
-                <a:spcPct val="0"/>
-              </a:spcBef>
-              <a:spcAft>
-                <a:spcPct val="0"/>
-              </a:spcAft>
-            </a:pPr>
-            <a:endParaRPr lang="en-US" sz="2200" dirty="0" smtClean="0">
-              <a:gradFill>
-                <a:gsLst>
-                  <a:gs pos="0">
-                    <a:srgbClr val="FFFFFF"/>
-                  </a:gs>
-                  <a:gs pos="100000">
-                    <a:srgbClr val="FFFFFF"/>
-                  </a:gs>
-                </a:gsLst>
-                <a:lin ang="5400000" scaled="0"/>
-              </a:gradFill>
-            </a:endParaRPr>
-          </a:p>
-        </p:txBody>
-      </p:sp>
-      <p:sp>
-        <p:nvSpPr>
-          <p:cNvPr id="60" name="Rectangle 59"/>
-          <p:cNvSpPr/>
-          <p:nvPr/>
-        </p:nvSpPr>
-        <p:spPr bwMode="auto">
-          <a:xfrm>
-            <a:off x="6578930" y="4921944"/>
-            <a:ext cx="95002" cy="148441"/>
-          </a:xfrm>
-          <a:prstGeom prst="rect">
-            <a:avLst/>
-          </a:prstGeom>
-          <a:solidFill>
-            <a:schemeClr val="accent2"/>
-          </a:solidFill>
-          <a:ln>
-            <a:noFill/>
-            <a:headEnd type="none" w="med" len="med"/>
-            <a:tailEnd type="none" w="med" len="med"/>
-          </a:ln>
-          <a:effectLst/>
-        </p:spPr>
-        <p:style>
-          <a:lnRef idx="1">
-            <a:schemeClr val="accent2"/>
-          </a:lnRef>
-          <a:fillRef idx="3">
-            <a:schemeClr val="accent2"/>
-          </a:fillRef>
-          <a:effectRef idx="2">
-            <a:schemeClr val="accent2"/>
-          </a:effectRef>
-          <a:fontRef idx="minor">
-            <a:schemeClr val="lt1"/>
-          </a:fontRef>
-        </p:style>
-        <p:txBody>
-          <a:bodyPr vert="horz" wrap="square" lIns="91436" tIns="45718" rIns="91436" bIns="45718" numCol="1" rtlCol="0" anchor="ctr" anchorCtr="0" compatLnSpc="1">
-            <a:prstTxWarp prst="textNoShape">
-              <a:avLst/>
-            </a:prstTxWarp>
-          </a:bodyPr>
-          <a:lstStyle/>
-          <a:p>
-            <a:pPr algn="ctr" defTabSz="914099" fontAlgn="base">
-              <a:spcBef>
-                <a:spcPct val="0"/>
-              </a:spcBef>
-              <a:spcAft>
-                <a:spcPct val="0"/>
-              </a:spcAft>
-            </a:pPr>
-            <a:endParaRPr lang="en-US" sz="2200" dirty="0" smtClean="0">
-              <a:gradFill>
-                <a:gsLst>
-                  <a:gs pos="0">
-                    <a:srgbClr val="FFFFFF"/>
-                  </a:gs>
-                  <a:gs pos="100000">
-                    <a:srgbClr val="FFFFFF"/>
-                  </a:gs>
-                </a:gsLst>
-                <a:lin ang="5400000" scaled="0"/>
-              </a:gradFill>
-            </a:endParaRPr>
-          </a:p>
-        </p:txBody>
-      </p:sp>
+      </p:pic>
     </p:spTree>
     <p:extLst>
       <p:ext uri="{BB962C8B-B14F-4D97-AF65-F5344CB8AC3E}">
-        <p14:creationId xmlns:p14="http://schemas.microsoft.com/office/powerpoint/2010/main" val="2778718171"/>
+        <p14:creationId xmlns:p14="http://schemas.microsoft.com/office/powerpoint/2010/main" val="313182630"/>
       </p:ext>
     </p:extLst>
   </p:cSld>
@@ -15479,7 +18043,7 @@
             </a:r>
             <a:r>
               <a:rPr lang="en-US" dirty="0" err="1" smtClean="0"/>
-              <a:t>TumblingWindow</a:t>
+              <a:t>SlidingWindow</a:t>
             </a:r>
             <a:endParaRPr lang="en-US" dirty="0"/>
           </a:p>
@@ -15493,8 +18057,8 @@
         </p:nvSpPr>
         <p:spPr bwMode="auto">
           <a:xfrm>
-            <a:off x="876001" y="1696129"/>
-            <a:ext cx="10438410" cy="1937720"/>
+            <a:off x="876001" y="1696128"/>
+            <a:ext cx="10438410" cy="2604567"/>
           </a:xfrm>
           <a:prstGeom prst="rect">
             <a:avLst/>
@@ -15563,7 +18127,7 @@
                 </a:solidFill>
                 <a:latin typeface="Lucida Console" panose="020B0609040504020204" pitchFamily="49" charset="0"/>
               </a:rPr>
-              <a:t>System.Timestamp</a:t>
+              <a:t>DateAdd</a:t>
             </a:r>
             <a:r>
               <a:rPr lang="en-US" sz="2200" dirty="0">
@@ -15572,7 +18136,7 @@
                 </a:solidFill>
                 <a:latin typeface="Lucida Console" panose="020B0609040504020204" pitchFamily="49" charset="0"/>
               </a:rPr>
-              <a:t> as [Window End</a:t>
+              <a:t>(minute</a:t>
             </a:r>
             <a:r>
               <a:rPr lang="en-US" sz="2200" dirty="0" smtClean="0">
@@ -15581,7 +18145,16 @@
                 </a:solidFill>
                 <a:latin typeface="Lucida Console" panose="020B0609040504020204" pitchFamily="49" charset="0"/>
               </a:rPr>
-              <a:t>],</a:t>
+              <a:t>,-5,System.TimeStamp</a:t>
+            </a:r>
+            <a:r>
+              <a:rPr lang="en-US" sz="2200" dirty="0">
+                <a:solidFill>
+                  <a:schemeClr val="tx1"/>
+                </a:solidFill>
+                <a:latin typeface="Lucida Console" panose="020B0609040504020204" pitchFamily="49" charset="0"/>
+              </a:rPr>
+              <a:t>) AS [Start Time],</a:t>
             </a:r>
           </a:p>
           <a:p>
@@ -15600,7 +18173,7 @@
                 </a:solidFill>
                 <a:latin typeface="Lucida Console" panose="020B0609040504020204" pitchFamily="49" charset="0"/>
               </a:rPr>
-              <a:t> </a:t>
+              <a:t>    </a:t>
             </a:r>
             <a:r>
               <a:rPr lang="en-US" sz="2200" dirty="0" smtClean="0">
@@ -15609,16 +18182,52 @@
                 </a:solidFill>
                 <a:latin typeface="Lucida Console" panose="020B0609040504020204" pitchFamily="49" charset="0"/>
               </a:rPr>
-              <a:t>    COUNT</a:t>
-            </a:r>
-            <a:r>
-              <a:rPr lang="en-US" sz="2200" dirty="0">
+              <a:t> </a:t>
+            </a:r>
+            <a:r>
+              <a:rPr lang="en-US" sz="2200" dirty="0" err="1" smtClean="0">
                 <a:solidFill>
                   <a:schemeClr val="tx1"/>
                 </a:solidFill>
                 <a:latin typeface="Lucida Console" panose="020B0609040504020204" pitchFamily="49" charset="0"/>
               </a:rPr>
-              <a:t>(*) AS Readings</a:t>
+              <a:t>System.TimeStamp</a:t>
+            </a:r>
+            <a:r>
+              <a:rPr lang="en-US" sz="2200" dirty="0" smtClean="0">
+                <a:solidFill>
+                  <a:schemeClr val="tx1"/>
+                </a:solidFill>
+                <a:latin typeface="Lucida Console" panose="020B0609040504020204" pitchFamily="49" charset="0"/>
+              </a:rPr>
+              <a:t> </a:t>
+            </a:r>
+            <a:r>
+              <a:rPr lang="en-US" sz="2200" dirty="0">
+                <a:solidFill>
+                  <a:schemeClr val="tx1"/>
+                </a:solidFill>
+                <a:latin typeface="Lucida Console" panose="020B0609040504020204" pitchFamily="49" charset="0"/>
+              </a:rPr>
+              <a:t>AS [End Time], </a:t>
+            </a:r>
+            <a:r>
+              <a:rPr lang="en-US" sz="2200" dirty="0" err="1">
+                <a:solidFill>
+                  <a:schemeClr val="tx1"/>
+                </a:solidFill>
+                <a:latin typeface="Lucida Console" panose="020B0609040504020204" pitchFamily="49" charset="0"/>
+              </a:rPr>
+              <a:t>TollId</a:t>
+            </a:r>
+            <a:r>
+              <a:rPr lang="en-US" sz="2200" dirty="0">
+                <a:solidFill>
+                  <a:schemeClr val="tx1"/>
+                </a:solidFill>
+                <a:latin typeface="Lucida Console" panose="020B0609040504020204" pitchFamily="49" charset="0"/>
+              </a:rPr>
+              <a:t>, COUNT(*) </a:t>
             </a:r>
           </a:p>
           <a:p>
@@ -15646,7 +18255,7 @@
                 </a:solidFill>
                 <a:latin typeface="Lucida Console" panose="020B0609040504020204" pitchFamily="49" charset="0"/>
               </a:rPr>
-              <a:t>TemperatureData</a:t>
+              <a:t>EntryData</a:t>
             </a:r>
             <a:r>
               <a:rPr lang="en-US" sz="2200" dirty="0">
@@ -15655,8 +18264,23 @@
                 </a:solidFill>
                 <a:latin typeface="Lucida Console" panose="020B0609040504020204" pitchFamily="49" charset="0"/>
               </a:rPr>
-              <a:t> TIMESTAMP BY Time</a:t>
-            </a:r>
+              <a:t> TIMESTAMP BY </a:t>
+            </a:r>
+            <a:r>
+              <a:rPr lang="en-US" sz="2200" dirty="0" err="1">
+                <a:solidFill>
+                  <a:schemeClr val="tx1"/>
+                </a:solidFill>
+                <a:latin typeface="Lucida Console" panose="020B0609040504020204" pitchFamily="49" charset="0"/>
+              </a:rPr>
+              <a:t>EntryTime</a:t>
+            </a:r>
+            <a:endParaRPr lang="en-US" sz="2200" dirty="0">
+              <a:solidFill>
+                <a:schemeClr val="tx1"/>
+              </a:solidFill>
+              <a:latin typeface="Lucida Console" panose="020B0609040504020204" pitchFamily="49" charset="0"/>
+            </a:endParaRPr>
           </a:p>
           <a:p>
             <a:pPr defTabSz="914099" fontAlgn="base">
@@ -15674,52 +18298,123 @@
                 </a:solidFill>
                 <a:latin typeface="Lucida Console" panose="020B0609040504020204" pitchFamily="49" charset="0"/>
               </a:rPr>
-              <a:t> </a:t>
-            </a:r>
-            <a:r>
-              <a:rPr lang="en-US" sz="2200" dirty="0" smtClean="0">
-                <a:solidFill>
-                  <a:schemeClr val="accent1"/>
+              <a:t> WHERE </a:t>
+            </a:r>
+            <a:r>
+              <a:rPr lang="en-US" sz="2200" dirty="0">
+                <a:solidFill>
+                  <a:schemeClr val="tx1"/>
                 </a:solidFill>
                 <a:latin typeface="Lucida Console" panose="020B0609040504020204" pitchFamily="49" charset="0"/>
               </a:rPr>
-              <a:t>GROUP </a:t>
+              <a:t>State = </a:t>
+            </a:r>
+            <a:r>
+              <a:rPr lang="en-US" sz="2200" dirty="0" smtClean="0">
+                <a:solidFill>
+                  <a:schemeClr val="tx1"/>
+                </a:solidFill>
+                <a:latin typeface="Lucida Console" panose="020B0609040504020204" pitchFamily="49" charset="0"/>
+              </a:rPr>
+              <a:t>'NJ'</a:t>
+            </a:r>
+            <a:endParaRPr lang="en-US" sz="2200" dirty="0">
+              <a:solidFill>
+                <a:schemeClr val="tx1"/>
+              </a:solidFill>
+              <a:latin typeface="Lucida Console" panose="020B0609040504020204" pitchFamily="49" charset="0"/>
+            </a:endParaRPr>
+          </a:p>
+          <a:p>
+            <a:pPr defTabSz="914099" fontAlgn="base">
+              <a:spcBef>
+                <a:spcPct val="0"/>
+              </a:spcBef>
+              <a:spcAft>
+                <a:spcPct val="0"/>
+              </a:spcAft>
+            </a:pPr>
+            <a:r>
+              <a:rPr lang="en-US" sz="2200" dirty="0" smtClean="0">
+                <a:solidFill>
+                  <a:schemeClr val="tx1"/>
+                </a:solidFill>
+                <a:latin typeface="Lucida Console" panose="020B0609040504020204" pitchFamily="49" charset="0"/>
+              </a:rPr>
+              <a:t> GROUP </a:t>
             </a:r>
             <a:r>
               <a:rPr lang="en-US" sz="2200" dirty="0">
                 <a:solidFill>
-                  <a:schemeClr val="accent1"/>
+                  <a:schemeClr val="tx1"/>
                 </a:solidFill>
                 <a:latin typeface="Lucida Console" panose="020B0609040504020204" pitchFamily="49" charset="0"/>
               </a:rPr>
               <a:t>BY </a:t>
             </a:r>
             <a:r>
-              <a:rPr lang="en-US" sz="2200" dirty="0" smtClean="0">
-                <a:solidFill>
-                  <a:schemeClr val="accent1"/>
+              <a:rPr lang="en-US" sz="2200" dirty="0" err="1">
+                <a:solidFill>
+                  <a:schemeClr val="tx1"/>
                 </a:solidFill>
                 <a:latin typeface="Lucida Console" panose="020B0609040504020204" pitchFamily="49" charset="0"/>
               </a:rPr>
-              <a:t>TUMBLINGWINDOW(s</a:t>
+              <a:t>TollId</a:t>
             </a:r>
             <a:r>
               <a:rPr lang="en-US" sz="2200" dirty="0">
                 <a:solidFill>
-                  <a:schemeClr val="accent1"/>
+                  <a:schemeClr val="tx1"/>
                 </a:solidFill>
                 <a:latin typeface="Lucida Console" panose="020B0609040504020204" pitchFamily="49" charset="0"/>
               </a:rPr>
-              <a:t>, 5</a:t>
-            </a:r>
-            <a:r>
-              <a:rPr lang="en-US" sz="2200" dirty="0" smtClean="0">
-                <a:solidFill>
-                  <a:schemeClr val="accent1"/>
+              <a:t>, </a:t>
+            </a:r>
+            <a:r>
+              <a:rPr lang="en-US" sz="2200" dirty="0" err="1">
+                <a:solidFill>
+                  <a:schemeClr val="tx1"/>
                 </a:solidFill>
                 <a:latin typeface="Lucida Console" panose="020B0609040504020204" pitchFamily="49" charset="0"/>
               </a:rPr>
-              <a:t>)</a:t>
+              <a:t>SlidingWindow</a:t>
+            </a:r>
+            <a:r>
+              <a:rPr lang="en-US" sz="2200" dirty="0">
+                <a:solidFill>
+                  <a:schemeClr val="tx1"/>
+                </a:solidFill>
+                <a:latin typeface="Lucida Console" panose="020B0609040504020204" pitchFamily="49" charset="0"/>
+              </a:rPr>
+              <a:t>(minute, 5)</a:t>
+            </a:r>
+          </a:p>
+          <a:p>
+            <a:pPr defTabSz="914099" fontAlgn="base">
+              <a:spcBef>
+                <a:spcPct val="0"/>
+              </a:spcBef>
+              <a:spcAft>
+                <a:spcPct val="0"/>
+              </a:spcAft>
+            </a:pPr>
+            <a:r>
+              <a:rPr lang="en-US" sz="2200" dirty="0" smtClean="0">
+                <a:solidFill>
+                  <a:schemeClr val="tx1"/>
+                </a:solidFill>
+                <a:latin typeface="Lucida Console" panose="020B0609040504020204" pitchFamily="49" charset="0"/>
+              </a:rPr>
+              <a:t> HAVING </a:t>
+            </a:r>
+            <a:r>
+              <a:rPr lang="en-US" sz="2200" dirty="0">
+                <a:solidFill>
+                  <a:schemeClr val="tx1"/>
+                </a:solidFill>
+                <a:latin typeface="Lucida Console" panose="020B0609040504020204" pitchFamily="49" charset="0"/>
+              </a:rPr>
+              <a:t>COUNT(*) &gt; 1</a:t>
             </a:r>
             <a:endParaRPr lang="en-US" sz="2200" dirty="0">
               <a:solidFill>
@@ -15732,22 +18427,22 @@
       </p:sp>
       <p:pic>
         <p:nvPicPr>
-          <p:cNvPr id="3" name="Picture 2"/>
+          <p:cNvPr id="6" name="Picture 5"/>
           <p:cNvPicPr>
             <a:picLocks noChangeAspect="1"/>
           </p:cNvPicPr>
           <p:nvPr/>
         </p:nvPicPr>
         <p:blipFill>
-          <a:blip r:embed="rId2"/>
+          <a:blip r:embed="rId3"/>
           <a:stretch>
             <a:fillRect/>
           </a:stretch>
         </p:blipFill>
         <p:spPr>
           <a:xfrm>
-            <a:off x="876001" y="4111336"/>
-            <a:ext cx="10438410" cy="1683822"/>
+            <a:off x="876000" y="4778181"/>
+            <a:ext cx="10438411" cy="907688"/>
           </a:xfrm>
           <a:prstGeom prst="rect">
             <a:avLst/>
@@ -15765,7 +18460,7 @@
     </p:spTree>
     <p:extLst>
       <p:ext uri="{BB962C8B-B14F-4D97-AF65-F5344CB8AC3E}">
-        <p14:creationId xmlns:p14="http://schemas.microsoft.com/office/powerpoint/2010/main" val="3520106061"/>
+        <p14:creationId xmlns:p14="http://schemas.microsoft.com/office/powerpoint/2010/main" val="4173334718"/>
       </p:ext>
     </p:extLst>
   </p:cSld>

--- a/Content/Stream Analytics/Azure Stream Analytics.pptx
+++ b/Content/Stream Analytics/Azure Stream Analytics.pptx
@@ -206,7 +206,7 @@
           <a:p>
             <a:fld id="{2E5CA586-3557-4985-BCD4-35EF5AC8B4A4}" type="datetimeFigureOut">
               <a:rPr lang="en-US" smtClean="0"/>
-              <a:t>10/12/2015</a:t>
+              <a:t>1/4/16</a:t>
             </a:fld>
             <a:endParaRPr lang="en-US"/>
           </a:p>
@@ -708,11 +708,7 @@
             </a:r>
             <a:r>
               <a:rPr lang="en-US" baseline="0" dirty="0" smtClean="0"/>
-              <a:t> </a:t>
-            </a:r>
-            <a:r>
-              <a:rPr lang="en-US" baseline="0" dirty="0" smtClean="0"/>
-              <a:t>between the time the car entered and exited the toll both).</a:t>
+              <a:t> between the time the car entered and exited the toll both).</a:t>
             </a:r>
             <a:endParaRPr lang="en-US" dirty="0"/>
           </a:p>
@@ -7275,7 +7271,7 @@
                 </a:gradFill>
                 <a:cs typeface="Segoe UI" pitchFamily="34" charset="0"/>
               </a:rPr>
-              <a:t>5</a:t>
+              <a:t>6</a:t>
             </a:r>
             <a:r>
               <a:rPr lang="en-US" sz="700" dirty="0" smtClean="0">

--- a/Content/Stream Analytics/Azure Stream Analytics.pptx
+++ b/Content/Stream Analytics/Azure Stream Analytics.pptx
@@ -206,7 +206,7 @@
           <a:p>
             <a:fld id="{2E5CA586-3557-4985-BCD4-35EF5AC8B4A4}" type="datetimeFigureOut">
               <a:rPr lang="en-US" smtClean="0"/>
-              <a:t>1/4/16</a:t>
+              <a:t>1/11/2016</a:t>
             </a:fld>
             <a:endParaRPr lang="en-US"/>
           </a:p>
@@ -518,6 +518,14 @@
           <a:bodyPr/>
           <a:lstStyle/>
           <a:p>
+            <a:r>
+              <a:rPr lang="en-US" dirty="0" smtClean="0"/>
+              <a:t>A good way to characterize Stream Analytics is to say that a database lets you determine</a:t>
+            </a:r>
+            <a:r>
+              <a:rPr lang="en-US" baseline="0" dirty="0" smtClean="0"/>
+              <a:t> how many red cars were sold last year. Stream Analytics lets you determine how many red cars are in the parking lot at any given time.</a:t>
+            </a:r>
             <a:endParaRPr lang="en-US" dirty="0"/>
           </a:p>
         </p:txBody>
@@ -703,12 +711,12 @@
               <a:t> booth (i.e., the </a:t>
             </a:r>
             <a:r>
-              <a:rPr lang="en-US" baseline="0" dirty="0" err="1" smtClean="0"/>
-              <a:t>differencr</a:t>
-            </a:r>
-            <a:r>
               <a:rPr lang="en-US" baseline="0" dirty="0" smtClean="0"/>
-              <a:t> between the time the car entered and exited the toll both).</a:t>
+              <a:t>difference </a:t>
+            </a:r>
+            <a:r>
+              <a:rPr lang="en-US" baseline="0" dirty="0" smtClean="0"/>
+              <a:t>between the time the car entered and exited the toll both).</a:t>
             </a:r>
             <a:endParaRPr lang="en-US" dirty="0"/>
           </a:p>
@@ -794,14 +802,6 @@
           <a:bodyPr/>
           <a:lstStyle/>
           <a:p>
-            <a:r>
-              <a:rPr lang="en-US" dirty="0" smtClean="0"/>
-              <a:t>This query answers the question "how many cars with</a:t>
-            </a:r>
-            <a:r>
-              <a:rPr lang="en-US" baseline="0" dirty="0" smtClean="0"/>
-              <a:t> NY license plates enter toll booth #1 every 5 minutes?"</a:t>
-            </a:r>
             <a:endParaRPr lang="en-US" dirty="0"/>
           </a:p>
         </p:txBody>
@@ -823,6 +823,98 @@
           <a:p>
             <a:fld id="{BC60BE34-BC89-4C98-A56B-79B7A098D024}" type="slidenum">
               <a:rPr lang="en-US" smtClean="0"/>
+              <a:t>6</a:t>
+            </a:fld>
+            <a:endParaRPr lang="en-US"/>
+          </a:p>
+        </p:txBody>
+      </p:sp>
+    </p:spTree>
+    <p:extLst>
+      <p:ext uri="{BB962C8B-B14F-4D97-AF65-F5344CB8AC3E}">
+        <p14:creationId xmlns:p14="http://schemas.microsoft.com/office/powerpoint/2010/main" val="2874853514"/>
+      </p:ext>
+    </p:extLst>
+  </p:cSld>
+  <p:clrMapOvr>
+    <a:masterClrMapping/>
+  </p:clrMapOvr>
+</p:notes>
+</file>
+
+<file path=ppt/notesSlides/notesSlide5.xml><?xml version="1.0" encoding="utf-8"?>
+<p:notes xmlns:a="http://schemas.openxmlformats.org/drawingml/2006/main" xmlns:r="http://schemas.openxmlformats.org/officeDocument/2006/relationships" xmlns:p="http://schemas.openxmlformats.org/presentationml/2006/main">
+  <p:cSld>
+    <p:spTree>
+      <p:nvGrpSpPr>
+        <p:cNvPr id="1" name=""/>
+        <p:cNvGrpSpPr/>
+        <p:nvPr/>
+      </p:nvGrpSpPr>
+      <p:grpSpPr>
+        <a:xfrm>
+          <a:off x="0" y="0"/>
+          <a:ext cx="0" cy="0"/>
+          <a:chOff x="0" y="0"/>
+          <a:chExt cx="0" cy="0"/>
+        </a:xfrm>
+      </p:grpSpPr>
+      <p:sp>
+        <p:nvSpPr>
+          <p:cNvPr id="2" name="Slide Image Placeholder 1"/>
+          <p:cNvSpPr>
+            <a:spLocks noGrp="1" noRot="1" noChangeAspect="1"/>
+          </p:cNvSpPr>
+          <p:nvPr>
+            <p:ph type="sldImg"/>
+          </p:nvPr>
+        </p:nvSpPr>
+        <p:spPr/>
+      </p:sp>
+      <p:sp>
+        <p:nvSpPr>
+          <p:cNvPr id="3" name="Notes Placeholder 2"/>
+          <p:cNvSpPr>
+            <a:spLocks noGrp="1"/>
+          </p:cNvSpPr>
+          <p:nvPr>
+            <p:ph type="body" idx="1"/>
+          </p:nvPr>
+        </p:nvSpPr>
+        <p:spPr/>
+        <p:txBody>
+          <a:bodyPr/>
+          <a:lstStyle/>
+          <a:p>
+            <a:r>
+              <a:rPr lang="en-US" dirty="0" smtClean="0"/>
+              <a:t>This query answers the question "how many cars with</a:t>
+            </a:r>
+            <a:r>
+              <a:rPr lang="en-US" baseline="0" dirty="0" smtClean="0"/>
+              <a:t> NY license plates enter toll booth #1 every 5 minutes?"</a:t>
+            </a:r>
+            <a:endParaRPr lang="en-US" dirty="0"/>
+          </a:p>
+        </p:txBody>
+      </p:sp>
+      <p:sp>
+        <p:nvSpPr>
+          <p:cNvPr id="4" name="Slide Number Placeholder 3"/>
+          <p:cNvSpPr>
+            <a:spLocks noGrp="1"/>
+          </p:cNvSpPr>
+          <p:nvPr>
+            <p:ph type="sldNum" sz="quarter" idx="10"/>
+          </p:nvPr>
+        </p:nvSpPr>
+        <p:spPr/>
+        <p:txBody>
+          <a:bodyPr/>
+          <a:lstStyle/>
+          <a:p>
+            <a:fld id="{BC60BE34-BC89-4C98-A56B-79B7A098D024}" type="slidenum">
+              <a:rPr lang="en-US" smtClean="0"/>
               <a:t>7</a:t>
             </a:fld>
             <a:endParaRPr lang="en-US"/>
@@ -842,7 +934,7 @@
 </p:notes>
 </file>
 
-<file path=ppt/notesSlides/notesSlide5.xml><?xml version="1.0" encoding="utf-8"?>
+<file path=ppt/notesSlides/notesSlide6.xml><?xml version="1.0" encoding="utf-8"?>
 <p:notes xmlns:a="http://schemas.openxmlformats.org/drawingml/2006/main" xmlns:r="http://schemas.openxmlformats.org/officeDocument/2006/relationships" xmlns:p="http://schemas.openxmlformats.org/presentationml/2006/main">
   <p:cSld>
     <p:spTree>
@@ -13604,6 +13696,176 @@
           </a:p>
         </p:txBody>
       </p:sp>
+      <p:sp>
+        <p:nvSpPr>
+          <p:cNvPr id="46" name="Oval 45"/>
+          <p:cNvSpPr/>
+          <p:nvPr/>
+        </p:nvSpPr>
+        <p:spPr bwMode="auto">
+          <a:xfrm>
+            <a:off x="2929815" y="4898870"/>
+            <a:ext cx="298015" cy="301450"/>
+          </a:xfrm>
+          <a:prstGeom prst="ellipse">
+            <a:avLst/>
+          </a:prstGeom>
+          <a:solidFill>
+            <a:schemeClr val="bg1"/>
+          </a:solidFill>
+          <a:ln w="57150">
+            <a:solidFill>
+              <a:srgbClr val="006DD6"/>
+            </a:solidFill>
+            <a:headEnd type="none" w="med" len="med"/>
+            <a:tailEnd type="none" w="med" len="med"/>
+          </a:ln>
+          <a:effectLst/>
+        </p:spPr>
+        <p:style>
+          <a:lnRef idx="1">
+            <a:schemeClr val="accent2"/>
+          </a:lnRef>
+          <a:fillRef idx="3">
+            <a:schemeClr val="accent2"/>
+          </a:fillRef>
+          <a:effectRef idx="2">
+            <a:schemeClr val="accent2"/>
+          </a:effectRef>
+          <a:fontRef idx="minor">
+            <a:schemeClr val="lt1"/>
+          </a:fontRef>
+        </p:style>
+        <p:txBody>
+          <a:bodyPr vert="horz" wrap="square" lIns="91436" tIns="45718" rIns="91436" bIns="45718" numCol="1" rtlCol="0" anchor="ctr" anchorCtr="0" compatLnSpc="1">
+            <a:prstTxWarp prst="textNoShape">
+              <a:avLst/>
+            </a:prstTxWarp>
+          </a:bodyPr>
+          <a:lstStyle/>
+          <a:p>
+            <a:pPr algn="ctr" defTabSz="914099" fontAlgn="base">
+              <a:spcBef>
+                <a:spcPct val="0"/>
+              </a:spcBef>
+              <a:spcAft>
+                <a:spcPct val="0"/>
+              </a:spcAft>
+            </a:pPr>
+            <a:endParaRPr lang="en-US" sz="2200" dirty="0">
+              <a:gradFill>
+                <a:gsLst>
+                  <a:gs pos="0">
+                    <a:srgbClr val="FFFFFF"/>
+                  </a:gs>
+                  <a:gs pos="100000">
+                    <a:srgbClr val="FFFFFF"/>
+                  </a:gs>
+                </a:gsLst>
+                <a:lin ang="5400000" scaled="0"/>
+              </a:gradFill>
+            </a:endParaRPr>
+          </a:p>
+        </p:txBody>
+      </p:sp>
+      <p:cxnSp>
+        <p:nvCxnSpPr>
+          <p:cNvPr id="54" name="Straight Connector 53"/>
+          <p:cNvCxnSpPr/>
+          <p:nvPr/>
+        </p:nvCxnSpPr>
+        <p:spPr>
+          <a:xfrm>
+            <a:off x="3215593" y="5058340"/>
+            <a:ext cx="522391" cy="0"/>
+          </a:xfrm>
+          <a:prstGeom prst="line">
+            <a:avLst/>
+          </a:prstGeom>
+          <a:ln w="57150">
+            <a:solidFill>
+              <a:srgbClr val="006DD6"/>
+            </a:solidFill>
+          </a:ln>
+        </p:spPr>
+        <p:style>
+          <a:lnRef idx="1">
+            <a:schemeClr val="accent1"/>
+          </a:lnRef>
+          <a:fillRef idx="0">
+            <a:schemeClr val="accent1"/>
+          </a:fillRef>
+          <a:effectRef idx="0">
+            <a:schemeClr val="accent1"/>
+          </a:effectRef>
+          <a:fontRef idx="minor">
+            <a:schemeClr val="tx1"/>
+          </a:fontRef>
+        </p:style>
+      </p:cxnSp>
+      <p:sp>
+        <p:nvSpPr>
+          <p:cNvPr id="55" name="TextBox 54"/>
+          <p:cNvSpPr txBox="1"/>
+          <p:nvPr/>
+        </p:nvSpPr>
+        <p:spPr>
+          <a:xfrm>
+            <a:off x="1518742" y="4867921"/>
+            <a:ext cx="1213474" cy="332399"/>
+          </a:xfrm>
+          <a:prstGeom prst="rect">
+            <a:avLst/>
+          </a:prstGeom>
+          <a:noFill/>
+        </p:spPr>
+        <p:txBody>
+          <a:bodyPr wrap="none" lIns="0" tIns="0" rIns="0" bIns="0" rtlCol="0">
+            <a:spAutoFit/>
+          </a:bodyPr>
+          <a:lstStyle/>
+          <a:p>
+            <a:pPr algn="r">
+              <a:lnSpc>
+                <a:spcPct val="90000"/>
+              </a:lnSpc>
+              <a:spcBef>
+                <a:spcPct val="20000"/>
+              </a:spcBef>
+              <a:buSzPct val="80000"/>
+            </a:pPr>
+            <a:r>
+              <a:rPr lang="en-US" sz="2400" dirty="0" err="1" smtClean="0">
+                <a:solidFill>
+                  <a:srgbClr val="006DD6"/>
+                </a:solidFill>
+              </a:rPr>
+              <a:t>IoT</a:t>
+            </a:r>
+            <a:r>
+              <a:rPr lang="en-US" sz="2400" dirty="0" smtClean="0">
+                <a:solidFill>
+                  <a:srgbClr val="006DD6"/>
+                </a:solidFill>
+              </a:rPr>
+              <a:t> </a:t>
+            </a:r>
+            <a:r>
+              <a:rPr lang="en-US" sz="2400" dirty="0" smtClean="0">
+                <a:solidFill>
+                  <a:srgbClr val="006DD6"/>
+                </a:solidFill>
+              </a:rPr>
+              <a:t>Hubs</a:t>
+            </a:r>
+            <a:endParaRPr lang="en-US" sz="2400" dirty="0">
+              <a:solidFill>
+                <a:srgbClr val="006DD6"/>
+              </a:solidFill>
+            </a:endParaRPr>
+          </a:p>
+        </p:txBody>
+      </p:sp>
     </p:spTree>
     <p:extLst>
       <p:ext uri="{BB962C8B-B14F-4D97-AF65-F5344CB8AC3E}">
@@ -18533,7 +18795,7 @@
           <a:p>
             <a:r>
               <a:rPr lang="en-US" dirty="0" smtClean="0"/>
-              <a:t>StreamAnalyticsHOL.pdf</a:t>
+              <a:t>StreamAnalyticsHOL.html</a:t>
             </a:r>
             <a:endParaRPr lang="en-US" dirty="0"/>
           </a:p>

--- a/Content/Stream Analytics/Azure Stream Analytics.pptx
+++ b/Content/Stream Analytics/Azure Stream Analytics.pptx
@@ -206,7 +206,7 @@
           <a:p>
             <a:fld id="{2E5CA586-3557-4985-BCD4-35EF5AC8B4A4}" type="datetimeFigureOut">
               <a:rPr lang="en-US" smtClean="0"/>
-              <a:t>1/11/2016</a:t>
+              <a:t>2/8/2016</a:t>
             </a:fld>
             <a:endParaRPr lang="en-US"/>
           </a:p>
@@ -524,9 +524,8 @@
             </a:r>
             <a:r>
               <a:rPr lang="en-US" baseline="0" dirty="0" smtClean="0"/>
-              <a:t> how many red cars were sold last year. Stream Analytics lets you determine how many red cars are in the parking lot at any given time.</a:t>
-            </a:r>
-            <a:endParaRPr lang="en-US" dirty="0"/>
+              <a:t> how many red cars were sold last year. Stream Analytics lets you determine how many red cars are in the parking lot at any given time. A great example of why it's useful to perform temporal queries on streaming data can be found at http://bit.ly/1SE5g9X ("Connected Cows").</a:t>
+            </a:r>
           </a:p>
         </p:txBody>
       </p:sp>
@@ -708,15 +707,7 @@
             </a:r>
             <a:r>
               <a:rPr lang="en-US" baseline="0" dirty="0" smtClean="0"/>
-              <a:t> booth (i.e., the </a:t>
-            </a:r>
-            <a:r>
-              <a:rPr lang="en-US" baseline="0" dirty="0" smtClean="0"/>
-              <a:t>difference </a:t>
-            </a:r>
-            <a:r>
-              <a:rPr lang="en-US" baseline="0" dirty="0" smtClean="0"/>
-              <a:t>between the time the car entered and exited the toll both).</a:t>
+              <a:t> booth (i.e., the difference between the time the car entered and exited the toll both). And it demonstrates the use of the all-important TIMESTAMP BY extension, which allows you to designate a field in the input as the event time. Without TIMESTAMP BY, the event time is the time at which the event arrived at the input source.</a:t>
             </a:r>
             <a:endParaRPr lang="en-US" dirty="0"/>
           </a:p>
@@ -802,6 +793,26 @@
           <a:bodyPr/>
           <a:lstStyle/>
           <a:p>
+            <a:r>
+              <a:rPr lang="en-US" dirty="0" err="1" smtClean="0"/>
+              <a:t>TumblingWindow</a:t>
+            </a:r>
+            <a:r>
+              <a:rPr lang="en-US" dirty="0" smtClean="0"/>
+              <a:t> allows you to ask questions such as "How many red cars go through my toll</a:t>
+            </a:r>
+            <a:r>
+              <a:rPr lang="en-US" baseline="0" dirty="0" smtClean="0"/>
+              <a:t> booths every 5 minutes?" </a:t>
+            </a:r>
+            <a:r>
+              <a:rPr lang="en-US" baseline="0" dirty="0" err="1" smtClean="0"/>
+              <a:t>SlidingWindow</a:t>
+            </a:r>
+            <a:r>
+              <a:rPr lang="en-US" baseline="0" dirty="0" smtClean="0"/>
+              <a:t> lets you ask "During which 5-minute time periods do 10 or more red cars go through my toll booths?"</a:t>
+            </a:r>
             <a:endParaRPr lang="en-US" dirty="0"/>
           </a:p>
         </p:txBody>
@@ -13848,15 +13859,7 @@
                   <a:srgbClr val="006DD6"/>
                 </a:solidFill>
               </a:rPr>
-              <a:t> </a:t>
-            </a:r>
-            <a:r>
-              <a:rPr lang="en-US" sz="2400" dirty="0" smtClean="0">
-                <a:solidFill>
-                  <a:srgbClr val="006DD6"/>
-                </a:solidFill>
-              </a:rPr>
-              <a:t>Hubs</a:t>
+              <a:t> Hubs</a:t>
             </a:r>
             <a:endParaRPr lang="en-US" sz="2400" dirty="0">
               <a:solidFill>
@@ -14096,7 +14099,25 @@
                 </a:solidFill>
                 <a:latin typeface="Lucida Console" panose="020B0609040504020204" pitchFamily="49" charset="0"/>
               </a:rPr>
-              <a:t> SELECT </a:t>
+              <a:t> </a:t>
+            </a:r>
+            <a:r>
+              <a:rPr lang="en-US" sz="2200" dirty="0" smtClean="0">
+                <a:solidFill>
+                  <a:schemeClr val="accent6"/>
+                </a:solidFill>
+                <a:latin typeface="Lucida Console" panose="020B0609040504020204" pitchFamily="49" charset="0"/>
+              </a:rPr>
+              <a:t>SELECT</a:t>
+            </a:r>
+            <a:r>
+              <a:rPr lang="en-US" sz="2200" dirty="0" smtClean="0">
+                <a:solidFill>
+                  <a:schemeClr val="tx1"/>
+                </a:solidFill>
+                <a:latin typeface="Lucida Console" panose="020B0609040504020204" pitchFamily="49" charset="0"/>
+              </a:rPr>
+              <a:t> </a:t>
             </a:r>
             <a:r>
               <a:rPr lang="en-US" sz="2200" dirty="0" err="1">
@@ -14166,7 +14187,25 @@
                 </a:solidFill>
                 <a:latin typeface="Lucida Console" panose="020B0609040504020204" pitchFamily="49" charset="0"/>
               </a:rPr>
-              <a:t> FROM </a:t>
+              <a:t> </a:t>
+            </a:r>
+            <a:r>
+              <a:rPr lang="en-US" sz="2200" dirty="0" smtClean="0">
+                <a:solidFill>
+                  <a:schemeClr val="accent6"/>
+                </a:solidFill>
+                <a:latin typeface="Lucida Console" panose="020B0609040504020204" pitchFamily="49" charset="0"/>
+              </a:rPr>
+              <a:t>FROM</a:t>
+            </a:r>
+            <a:r>
+              <a:rPr lang="en-US" sz="2200" dirty="0" smtClean="0">
+                <a:solidFill>
+                  <a:schemeClr val="tx1"/>
+                </a:solidFill>
+                <a:latin typeface="Lucida Console" panose="020B0609040504020204" pitchFamily="49" charset="0"/>
+              </a:rPr>
+              <a:t> </a:t>
             </a:r>
             <a:r>
               <a:rPr lang="en-US" sz="2200" dirty="0" err="1">
@@ -14200,16 +14239,83 @@
                 </a:solidFill>
                 <a:latin typeface="Lucida Console" panose="020B0609040504020204" pitchFamily="49" charset="0"/>
               </a:rPr>
-              <a:t> WHERE Make </a:t>
-            </a:r>
-            <a:r>
-              <a:rPr lang="en-US" sz="2200" dirty="0">
-                <a:solidFill>
-                  <a:schemeClr val="tx1"/>
+              <a:t> </a:t>
+            </a:r>
+            <a:r>
+              <a:rPr lang="en-US" sz="2200" dirty="0" smtClean="0">
+                <a:solidFill>
+                  <a:schemeClr val="accent6"/>
                 </a:solidFill>
                 <a:latin typeface="Lucida Console" panose="020B0609040504020204" pitchFamily="49" charset="0"/>
               </a:rPr>
-              <a:t>= 'Honda' AND State = 'NJ'</a:t>
+              <a:t>WHERE</a:t>
+            </a:r>
+            <a:r>
+              <a:rPr lang="en-US" sz="2200" dirty="0" smtClean="0">
+                <a:solidFill>
+                  <a:schemeClr val="tx1"/>
+                </a:solidFill>
+                <a:latin typeface="Lucida Console" panose="020B0609040504020204" pitchFamily="49" charset="0"/>
+              </a:rPr>
+              <a:t> Make </a:t>
+            </a:r>
+            <a:r>
+              <a:rPr lang="en-US" sz="2200" dirty="0">
+                <a:solidFill>
+                  <a:schemeClr val="tx1"/>
+                </a:solidFill>
+                <a:latin typeface="Lucida Console" panose="020B0609040504020204" pitchFamily="49" charset="0"/>
+              </a:rPr>
+              <a:t>= </a:t>
+            </a:r>
+            <a:r>
+              <a:rPr lang="en-US" sz="2200" dirty="0">
+                <a:solidFill>
+                  <a:schemeClr val="accent4">
+                    <a:lumMod val="50000"/>
+                  </a:schemeClr>
+                </a:solidFill>
+                <a:latin typeface="Lucida Console" panose="020B0609040504020204" pitchFamily="49" charset="0"/>
+              </a:rPr>
+              <a:t>'Honda'</a:t>
+            </a:r>
+            <a:r>
+              <a:rPr lang="en-US" sz="2200" dirty="0">
+                <a:solidFill>
+                  <a:schemeClr val="tx1"/>
+                </a:solidFill>
+                <a:latin typeface="Lucida Console" panose="020B0609040504020204" pitchFamily="49" charset="0"/>
+              </a:rPr>
+              <a:t> </a:t>
+            </a:r>
+            <a:r>
+              <a:rPr lang="en-US" sz="2200" dirty="0">
+                <a:solidFill>
+                  <a:schemeClr val="accent6"/>
+                </a:solidFill>
+                <a:latin typeface="Lucida Console" panose="020B0609040504020204" pitchFamily="49" charset="0"/>
+              </a:rPr>
+              <a:t>AND</a:t>
+            </a:r>
+            <a:r>
+              <a:rPr lang="en-US" sz="2200" dirty="0">
+                <a:solidFill>
+                  <a:schemeClr val="tx1"/>
+                </a:solidFill>
+                <a:latin typeface="Lucida Console" panose="020B0609040504020204" pitchFamily="49" charset="0"/>
+              </a:rPr>
+              <a:t> State = </a:t>
+            </a:r>
+            <a:r>
+              <a:rPr lang="en-US" sz="2200" dirty="0">
+                <a:solidFill>
+                  <a:schemeClr val="accent4">
+                    <a:lumMod val="50000"/>
+                  </a:schemeClr>
+                </a:solidFill>
+                <a:latin typeface="Lucida Console" panose="020B0609040504020204" pitchFamily="49" charset="0"/>
+              </a:rPr>
+              <a:t>'NJ'</a:t>
             </a:r>
           </a:p>
         </p:txBody>
@@ -14392,11 +14498,20 @@
             <a:r>
               <a:rPr lang="en-US" sz="2100" dirty="0">
                 <a:solidFill>
-                  <a:schemeClr val="tx1"/>
+                  <a:schemeClr val="accent6"/>
                 </a:solidFill>
                 <a:latin typeface="Lucida Console" panose="020B0609040504020204" pitchFamily="49" charset="0"/>
               </a:rPr>
-              <a:t>SELECT </a:t>
+              <a:t>SELECT</a:t>
+            </a:r>
+            <a:r>
+              <a:rPr lang="en-US" sz="2100" dirty="0">
+                <a:solidFill>
+                  <a:schemeClr val="tx1"/>
+                </a:solidFill>
+                <a:latin typeface="Lucida Console" panose="020B0609040504020204" pitchFamily="49" charset="0"/>
+              </a:rPr>
+              <a:t> </a:t>
             </a:r>
             <a:r>
               <a:rPr lang="en-US" sz="2100" dirty="0" err="1">
@@ -14487,7 +14602,7 @@
                 </a:solidFill>
                 <a:latin typeface="Lucida Console" panose="020B0609040504020204" pitchFamily="49" charset="0"/>
               </a:rPr>
-              <a:t> DATEDIFF(minute</a:t>
+              <a:t>        DATEDIFF(minute</a:t>
             </a:r>
             <a:r>
               <a:rPr lang="en-US" sz="2100" dirty="0">
@@ -14551,7 +14666,25 @@
                 </a:solidFill>
                 <a:latin typeface="Lucida Console" panose="020B0609040504020204" pitchFamily="49" charset="0"/>
               </a:rPr>
-              <a:t> FROM </a:t>
+              <a:t> </a:t>
+            </a:r>
+            <a:r>
+              <a:rPr lang="en-US" sz="2100" dirty="0" smtClean="0">
+                <a:solidFill>
+                  <a:schemeClr val="accent6"/>
+                </a:solidFill>
+                <a:latin typeface="Lucida Console" panose="020B0609040504020204" pitchFamily="49" charset="0"/>
+              </a:rPr>
+              <a:t>FROM</a:t>
+            </a:r>
+            <a:r>
+              <a:rPr lang="en-US" sz="2100" dirty="0" smtClean="0">
+                <a:solidFill>
+                  <a:schemeClr val="tx1"/>
+                </a:solidFill>
+                <a:latin typeface="Lucida Console" panose="020B0609040504020204" pitchFamily="49" charset="0"/>
+              </a:rPr>
+              <a:t> </a:t>
             </a:r>
             <a:r>
               <a:rPr lang="en-US" sz="2100" dirty="0" err="1">
@@ -14569,7 +14702,25 @@
                 </a:solidFill>
                 <a:latin typeface="Lucida Console" panose="020B0609040504020204" pitchFamily="49" charset="0"/>
               </a:rPr>
-              <a:t> EN TIMESTAMP BY </a:t>
+              <a:t> EN </a:t>
+            </a:r>
+            <a:r>
+              <a:rPr lang="en-US" sz="2100" dirty="0">
+                <a:solidFill>
+                  <a:schemeClr val="accent6"/>
+                </a:solidFill>
+                <a:latin typeface="Lucida Console" panose="020B0609040504020204" pitchFamily="49" charset="0"/>
+              </a:rPr>
+              <a:t>TIMESTAMP BY</a:t>
+            </a:r>
+            <a:r>
+              <a:rPr lang="en-US" sz="2100" dirty="0">
+                <a:solidFill>
+                  <a:schemeClr val="tx1"/>
+                </a:solidFill>
+                <a:latin typeface="Lucida Console" panose="020B0609040504020204" pitchFamily="49" charset="0"/>
+              </a:rPr>
+              <a:t> </a:t>
             </a:r>
             <a:r>
               <a:rPr lang="en-US" sz="2100" dirty="0" err="1">
@@ -14603,7 +14754,25 @@
                 </a:solidFill>
                 <a:latin typeface="Lucida Console" panose="020B0609040504020204" pitchFamily="49" charset="0"/>
               </a:rPr>
-              <a:t> JOIN </a:t>
+              <a:t> </a:t>
+            </a:r>
+            <a:r>
+              <a:rPr lang="en-US" sz="2100" dirty="0" smtClean="0">
+                <a:solidFill>
+                  <a:schemeClr val="accent6"/>
+                </a:solidFill>
+                <a:latin typeface="Lucida Console" panose="020B0609040504020204" pitchFamily="49" charset="0"/>
+              </a:rPr>
+              <a:t>JOIN</a:t>
+            </a:r>
+            <a:r>
+              <a:rPr lang="en-US" sz="2100" dirty="0" smtClean="0">
+                <a:solidFill>
+                  <a:schemeClr val="tx1"/>
+                </a:solidFill>
+                <a:latin typeface="Lucida Console" panose="020B0609040504020204" pitchFamily="49" charset="0"/>
+              </a:rPr>
+              <a:t> </a:t>
             </a:r>
             <a:r>
               <a:rPr lang="en-US" sz="2100" dirty="0" err="1">
@@ -14621,7 +14790,16 @@
                 </a:solidFill>
                 <a:latin typeface="Lucida Console" panose="020B0609040504020204" pitchFamily="49" charset="0"/>
               </a:rPr>
-              <a:t> EX TIMESTAMP BY </a:t>
+              <a:t> EX </a:t>
+            </a:r>
+            <a:r>
+              <a:rPr lang="en-US" sz="2100" dirty="0">
+                <a:solidFill>
+                  <a:schemeClr val="accent6"/>
+                </a:solidFill>
+                <a:latin typeface="Lucida Console" panose="020B0609040504020204" pitchFamily="49" charset="0"/>
+              </a:rPr>
+              <a:t>TIMESTAMP BY </a:t>
             </a:r>
             <a:r>
               <a:rPr lang="en-US" sz="2100" dirty="0" err="1">
@@ -14655,7 +14833,25 @@
                 </a:solidFill>
                 <a:latin typeface="Lucida Console" panose="020B0609040504020204" pitchFamily="49" charset="0"/>
               </a:rPr>
-              <a:t> ON </a:t>
+              <a:t>      </a:t>
+            </a:r>
+            <a:r>
+              <a:rPr lang="en-US" sz="2100" dirty="0" smtClean="0">
+                <a:solidFill>
+                  <a:schemeClr val="accent6"/>
+                </a:solidFill>
+                <a:latin typeface="Lucida Console" panose="020B0609040504020204" pitchFamily="49" charset="0"/>
+              </a:rPr>
+              <a:t>ON</a:t>
+            </a:r>
+            <a:r>
+              <a:rPr lang="en-US" sz="2100" dirty="0" smtClean="0">
+                <a:solidFill>
+                  <a:schemeClr val="tx1"/>
+                </a:solidFill>
+                <a:latin typeface="Lucida Console" panose="020B0609040504020204" pitchFamily="49" charset="0"/>
+              </a:rPr>
+              <a:t> </a:t>
             </a:r>
             <a:r>
               <a:rPr lang="en-US" sz="2100" dirty="0" err="1">
@@ -14691,45 +14887,9 @@
                 </a:solidFill>
                 <a:latin typeface="Lucida Console" panose="020B0609040504020204" pitchFamily="49" charset="0"/>
               </a:rPr>
-              <a:t> AND </a:t>
-            </a:r>
-            <a:r>
-              <a:rPr lang="en-US" sz="2100" dirty="0" err="1">
-                <a:solidFill>
-                  <a:schemeClr val="tx1"/>
-                </a:solidFill>
-                <a:latin typeface="Lucida Console" panose="020B0609040504020204" pitchFamily="49" charset="0"/>
-              </a:rPr>
-              <a:t>EN.LicensePlate</a:t>
-            </a:r>
-            <a:r>
-              <a:rPr lang="en-US" sz="2100" dirty="0">
-                <a:solidFill>
-                  <a:schemeClr val="tx1"/>
-                </a:solidFill>
-                <a:latin typeface="Lucida Console" panose="020B0609040504020204" pitchFamily="49" charset="0"/>
-              </a:rPr>
               <a:t> </a:t>
             </a:r>
-            <a:r>
-              <a:rPr lang="en-US" sz="2100" dirty="0" smtClean="0">
-                <a:solidFill>
-                  <a:schemeClr val="tx1"/>
-                </a:solidFill>
-                <a:latin typeface="Lucida Console" panose="020B0609040504020204" pitchFamily="49" charset="0"/>
-              </a:rPr>
-              <a:t>= </a:t>
-            </a:r>
-            <a:r>
-              <a:rPr lang="en-US" sz="2100" dirty="0" err="1" smtClean="0">
-                <a:solidFill>
-                  <a:schemeClr val="tx1"/>
-                </a:solidFill>
-                <a:latin typeface="Lucida Console" panose="020B0609040504020204" pitchFamily="49" charset="0"/>
-              </a:rPr>
-              <a:t>EX.LicensePlate</a:t>
-            </a:r>
-            <a:endParaRPr lang="en-US" sz="2100" dirty="0">
+            <a:endParaRPr lang="en-US" sz="2100" dirty="0" smtClean="0">
               <a:solidFill>
                 <a:schemeClr val="tx1"/>
               </a:solidFill>
@@ -14746,7 +14906,133 @@
               </a:spcAft>
             </a:pPr>
             <a:r>
+              <a:rPr lang="en-US" sz="2100" dirty="0">
+                <a:solidFill>
+                  <a:schemeClr val="tx1"/>
+                </a:solidFill>
+                <a:latin typeface="Lucida Console" panose="020B0609040504020204" pitchFamily="49" charset="0"/>
+              </a:rPr>
+              <a:t> </a:t>
+            </a:r>
+            <a:r>
               <a:rPr lang="en-US" sz="2100" dirty="0" smtClean="0">
+                <a:solidFill>
+                  <a:schemeClr val="tx1"/>
+                </a:solidFill>
+                <a:latin typeface="Lucida Console" panose="020B0609040504020204" pitchFamily="49" charset="0"/>
+              </a:rPr>
+              <a:t>     </a:t>
+            </a:r>
+            <a:r>
+              <a:rPr lang="en-US" sz="2100" dirty="0" smtClean="0">
+                <a:solidFill>
+                  <a:schemeClr val="accent6"/>
+                </a:solidFill>
+                <a:latin typeface="Lucida Console" panose="020B0609040504020204" pitchFamily="49" charset="0"/>
+              </a:rPr>
+              <a:t>AND</a:t>
+            </a:r>
+            <a:r>
+              <a:rPr lang="en-US" sz="2100" dirty="0" smtClean="0">
+                <a:solidFill>
+                  <a:schemeClr val="tx1"/>
+                </a:solidFill>
+                <a:latin typeface="Lucida Console" panose="020B0609040504020204" pitchFamily="49" charset="0"/>
+              </a:rPr>
+              <a:t> </a:t>
+            </a:r>
+            <a:r>
+              <a:rPr lang="en-US" sz="2100" dirty="0" err="1">
+                <a:solidFill>
+                  <a:schemeClr val="tx1"/>
+                </a:solidFill>
+                <a:latin typeface="Lucida Console" panose="020B0609040504020204" pitchFamily="49" charset="0"/>
+              </a:rPr>
+              <a:t>EN.LicensePlate</a:t>
+            </a:r>
+            <a:r>
+              <a:rPr lang="en-US" sz="2100" dirty="0">
+                <a:solidFill>
+                  <a:schemeClr val="tx1"/>
+                </a:solidFill>
+                <a:latin typeface="Lucida Console" panose="020B0609040504020204" pitchFamily="49" charset="0"/>
+              </a:rPr>
+              <a:t> </a:t>
+            </a:r>
+            <a:r>
+              <a:rPr lang="en-US" sz="2100" dirty="0" smtClean="0">
+                <a:solidFill>
+                  <a:schemeClr val="tx1"/>
+                </a:solidFill>
+                <a:latin typeface="Lucida Console" panose="020B0609040504020204" pitchFamily="49" charset="0"/>
+              </a:rPr>
+              <a:t>= </a:t>
+            </a:r>
+            <a:r>
+              <a:rPr lang="en-US" sz="2100" dirty="0" err="1" smtClean="0">
+                <a:solidFill>
+                  <a:schemeClr val="tx1"/>
+                </a:solidFill>
+                <a:latin typeface="Lucida Console" panose="020B0609040504020204" pitchFamily="49" charset="0"/>
+              </a:rPr>
+              <a:t>EX.LicensePlate</a:t>
+            </a:r>
+            <a:endParaRPr lang="en-US" sz="2100" dirty="0">
+              <a:solidFill>
+                <a:schemeClr val="tx1"/>
+              </a:solidFill>
+              <a:latin typeface="Lucida Console" panose="020B0609040504020204" pitchFamily="49" charset="0"/>
+            </a:endParaRPr>
+          </a:p>
+          <a:p>
+            <a:pPr defTabSz="914099" fontAlgn="base">
+              <a:spcBef>
+                <a:spcPct val="0"/>
+              </a:spcBef>
+              <a:spcAft>
+                <a:spcPct val="0"/>
+              </a:spcAft>
+            </a:pPr>
+            <a:r>
+              <a:rPr lang="en-US" sz="2100" dirty="0" smtClean="0">
+                <a:solidFill>
+                  <a:schemeClr val="tx1"/>
+                </a:solidFill>
+                <a:latin typeface="Lucida Console" panose="020B0609040504020204" pitchFamily="49" charset="0"/>
+              </a:rPr>
+              <a:t>      </a:t>
+            </a:r>
+            <a:r>
+              <a:rPr lang="en-US" sz="2100" dirty="0" smtClean="0">
+                <a:solidFill>
+                  <a:schemeClr val="accent6"/>
+                </a:solidFill>
+                <a:latin typeface="Lucida Console" panose="020B0609040504020204" pitchFamily="49" charset="0"/>
+              </a:rPr>
+              <a:t>AND </a:t>
+            </a:r>
+            <a:r>
+              <a:rPr lang="en-US" sz="2100" dirty="0">
+                <a:solidFill>
+                  <a:schemeClr val="tx1"/>
+                </a:solidFill>
+                <a:latin typeface="Lucida Console" panose="020B0609040504020204" pitchFamily="49" charset="0"/>
+              </a:rPr>
+              <a:t>DATEDIFF(minute, EN, EX) BETWEEN </a:t>
+            </a:r>
+            <a:r>
+              <a:rPr lang="en-US" sz="2100" dirty="0">
+                <a:solidFill>
+                  <a:schemeClr val="accent4">
+                    <a:lumMod val="50000"/>
+                  </a:schemeClr>
+                </a:solidFill>
+                <a:latin typeface="Lucida Console" panose="020B0609040504020204" pitchFamily="49" charset="0"/>
+              </a:rPr>
+              <a:t>0</a:t>
+            </a:r>
+            <a:r>
+              <a:rPr lang="en-US" sz="2100" dirty="0">
                 <a:solidFill>
                   <a:schemeClr val="tx1"/>
                 </a:solidFill>
@@ -14757,11 +15043,13 @@
             <a:r>
               <a:rPr lang="en-US" sz="2100" dirty="0">
                 <a:solidFill>
-                  <a:schemeClr val="tx1"/>
+                  <a:schemeClr val="accent4">
+                    <a:lumMod val="50000"/>
+                  </a:schemeClr>
                 </a:solidFill>
                 <a:latin typeface="Lucida Console" panose="020B0609040504020204" pitchFamily="49" charset="0"/>
               </a:rPr>
-              <a:t>DATEDIFF(minute, EN, EX) BETWEEN 0 AND 15</a:t>
+              <a:t>15</a:t>
             </a:r>
           </a:p>
         </p:txBody>
@@ -14883,7 +15171,7 @@
           <a:p>
             <a:r>
               <a:rPr lang="en-US" dirty="0" smtClean="0"/>
-              <a:t>Core requirement for stream-processing systems for counting or aggregating events in a specified time period</a:t>
+              <a:t>Core requirement for stream-processing systems for grouping events into fixed-length periods of time</a:t>
             </a:r>
           </a:p>
         </p:txBody>
@@ -18002,7 +18290,25 @@
                 </a:solidFill>
                 <a:latin typeface="Lucida Console" panose="020B0609040504020204" pitchFamily="49" charset="0"/>
               </a:rPr>
-              <a:t> SELECT </a:t>
+              <a:t> </a:t>
+            </a:r>
+            <a:r>
+              <a:rPr lang="en-US" sz="2200" dirty="0" smtClean="0">
+                <a:solidFill>
+                  <a:schemeClr val="accent6"/>
+                </a:solidFill>
+                <a:latin typeface="Lucida Console" panose="020B0609040504020204" pitchFamily="49" charset="0"/>
+              </a:rPr>
+              <a:t>SELECT</a:t>
+            </a:r>
+            <a:r>
+              <a:rPr lang="en-US" sz="2200" dirty="0" smtClean="0">
+                <a:solidFill>
+                  <a:schemeClr val="tx1"/>
+                </a:solidFill>
+                <a:latin typeface="Lucida Console" panose="020B0609040504020204" pitchFamily="49" charset="0"/>
+              </a:rPr>
+              <a:t> </a:t>
             </a:r>
             <a:r>
               <a:rPr lang="en-US" sz="2200" dirty="0" err="1">
@@ -18029,32 +18335,8 @@
                 </a:solidFill>
                 <a:latin typeface="Lucida Console" panose="020B0609040504020204" pitchFamily="49" charset="0"/>
               </a:rPr>
-              <a:t>(*) FROM </a:t>
-            </a:r>
-            <a:r>
-              <a:rPr lang="en-US" sz="2200" dirty="0" err="1" smtClean="0">
-                <a:solidFill>
-                  <a:schemeClr val="tx1"/>
-                </a:solidFill>
-                <a:latin typeface="Lucida Console" panose="020B0609040504020204" pitchFamily="49" charset="0"/>
-              </a:rPr>
-              <a:t>EntryData</a:t>
-            </a:r>
-            <a:r>
-              <a:rPr lang="en-US" sz="2200" dirty="0" smtClean="0">
-                <a:solidFill>
-                  <a:schemeClr val="tx1"/>
-                </a:solidFill>
-                <a:latin typeface="Lucida Console" panose="020B0609040504020204" pitchFamily="49" charset="0"/>
-              </a:rPr>
-              <a:t> </a:t>
-            </a:r>
-            <a:endParaRPr lang="en-US" sz="2200" dirty="0">
-              <a:solidFill>
-                <a:schemeClr val="tx1"/>
-              </a:solidFill>
-              <a:latin typeface="Lucida Console" panose="020B0609040504020204" pitchFamily="49" charset="0"/>
-            </a:endParaRPr>
+              <a:t>(*) </a:t>
+            </a:r>
           </a:p>
           <a:p>
             <a:pPr defTabSz="914099" fontAlgn="base">
@@ -18066,22 +18348,76 @@
               </a:spcAft>
             </a:pPr>
             <a:r>
-              <a:rPr lang="en-US" sz="2200" dirty="0" smtClean="0">
+              <a:rPr lang="en-US" sz="2200" dirty="0">
                 <a:solidFill>
                   <a:schemeClr val="tx1"/>
                 </a:solidFill>
                 <a:latin typeface="Lucida Console" panose="020B0609040504020204" pitchFamily="49" charset="0"/>
               </a:rPr>
-              <a:t> TIMESTAMP </a:t>
-            </a:r>
-            <a:r>
-              <a:rPr lang="en-US" sz="2200" dirty="0">
-                <a:solidFill>
-                  <a:schemeClr val="tx1"/>
+              <a:t> </a:t>
+            </a:r>
+            <a:r>
+              <a:rPr lang="en-US" sz="2200" dirty="0" smtClean="0">
+                <a:solidFill>
+                  <a:schemeClr val="accent6"/>
                 </a:solidFill>
                 <a:latin typeface="Lucida Console" panose="020B0609040504020204" pitchFamily="49" charset="0"/>
               </a:rPr>
-              <a:t>BY </a:t>
+              <a:t>FROM</a:t>
+            </a:r>
+            <a:r>
+              <a:rPr lang="en-US" sz="2200" dirty="0" smtClean="0">
+                <a:solidFill>
+                  <a:schemeClr val="tx1"/>
+                </a:solidFill>
+                <a:latin typeface="Lucida Console" panose="020B0609040504020204" pitchFamily="49" charset="0"/>
+              </a:rPr>
+              <a:t> </a:t>
+            </a:r>
+            <a:r>
+              <a:rPr lang="en-US" sz="2200" dirty="0" err="1" smtClean="0">
+                <a:solidFill>
+                  <a:schemeClr val="tx1"/>
+                </a:solidFill>
+                <a:latin typeface="Lucida Console" panose="020B0609040504020204" pitchFamily="49" charset="0"/>
+              </a:rPr>
+              <a:t>EntryData</a:t>
+            </a:r>
+            <a:r>
+              <a:rPr lang="en-US" sz="2200" dirty="0" smtClean="0">
+                <a:solidFill>
+                  <a:schemeClr val="tx1"/>
+                </a:solidFill>
+                <a:latin typeface="Lucida Console" panose="020B0609040504020204" pitchFamily="49" charset="0"/>
+              </a:rPr>
+              <a:t> </a:t>
+            </a:r>
+            <a:r>
+              <a:rPr lang="en-US" sz="2200" dirty="0" smtClean="0">
+                <a:solidFill>
+                  <a:schemeClr val="accent6"/>
+                </a:solidFill>
+                <a:latin typeface="Lucida Console" panose="020B0609040504020204" pitchFamily="49" charset="0"/>
+              </a:rPr>
+              <a:t>TIMESTAMP </a:t>
+            </a:r>
+            <a:r>
+              <a:rPr lang="en-US" sz="2200" dirty="0">
+                <a:solidFill>
+                  <a:schemeClr val="accent6"/>
+                </a:solidFill>
+                <a:latin typeface="Lucida Console" panose="020B0609040504020204" pitchFamily="49" charset="0"/>
+              </a:rPr>
+              <a:t>BY</a:t>
+            </a:r>
+            <a:r>
+              <a:rPr lang="en-US" sz="2200" dirty="0">
+                <a:solidFill>
+                  <a:schemeClr val="tx1"/>
+                </a:solidFill>
+                <a:latin typeface="Lucida Console" panose="020B0609040504020204" pitchFamily="49" charset="0"/>
+              </a:rPr>
+              <a:t> </a:t>
             </a:r>
             <a:r>
               <a:rPr lang="en-US" sz="2200" dirty="0" err="1" smtClean="0">
@@ -18115,7 +18451,25 @@
                 </a:solidFill>
                 <a:latin typeface="Lucida Console" panose="020B0609040504020204" pitchFamily="49" charset="0"/>
               </a:rPr>
-              <a:t> WHERE </a:t>
+              <a:t> </a:t>
+            </a:r>
+            <a:r>
+              <a:rPr lang="en-US" sz="2200" dirty="0" smtClean="0">
+                <a:solidFill>
+                  <a:schemeClr val="accent6"/>
+                </a:solidFill>
+                <a:latin typeface="Lucida Console" panose="020B0609040504020204" pitchFamily="49" charset="0"/>
+              </a:rPr>
+              <a:t>WHERE</a:t>
+            </a:r>
+            <a:r>
+              <a:rPr lang="en-US" sz="2200" dirty="0" smtClean="0">
+                <a:solidFill>
+                  <a:schemeClr val="tx1"/>
+                </a:solidFill>
+                <a:latin typeface="Lucida Console" panose="020B0609040504020204" pitchFamily="49" charset="0"/>
+              </a:rPr>
+              <a:t> </a:t>
             </a:r>
             <a:r>
               <a:rPr lang="en-US" sz="2200" dirty="0" err="1">
@@ -18133,12 +18487,34 @@
                 </a:solidFill>
                 <a:latin typeface="Lucida Console" panose="020B0609040504020204" pitchFamily="49" charset="0"/>
               </a:rPr>
-              <a:t> = 1 AND State = </a:t>
+              <a:t> = </a:t>
+            </a:r>
+            <a:r>
+              <a:rPr lang="en-US" sz="2200" dirty="0">
+                <a:solidFill>
+                  <a:schemeClr val="accent4">
+                    <a:lumMod val="50000"/>
+                  </a:schemeClr>
+                </a:solidFill>
+                <a:latin typeface="Lucida Console" panose="020B0609040504020204" pitchFamily="49" charset="0"/>
+              </a:rPr>
+              <a:t>1</a:t>
+            </a:r>
+            <a:r>
+              <a:rPr lang="en-US" sz="2200" dirty="0">
+                <a:solidFill>
+                  <a:schemeClr val="tx1"/>
+                </a:solidFill>
+                <a:latin typeface="Lucida Console" panose="020B0609040504020204" pitchFamily="49" charset="0"/>
+              </a:rPr>
+              <a:t> AND State = </a:t>
             </a:r>
             <a:r>
               <a:rPr lang="en-US" sz="2200" dirty="0" smtClean="0">
                 <a:solidFill>
-                  <a:schemeClr val="tx1"/>
+                  <a:schemeClr val="accent4">
+                    <a:lumMod val="50000"/>
+                  </a:schemeClr>
                 </a:solidFill>
                 <a:latin typeface="Lucida Console" panose="020B0609040504020204" pitchFamily="49" charset="0"/>
               </a:rPr>
@@ -18146,7 +18522,9 @@
             </a:r>
             <a:endParaRPr lang="en-US" sz="2200" dirty="0">
               <a:solidFill>
-                <a:schemeClr val="tx1"/>
+                <a:schemeClr val="accent4">
+                  <a:lumMod val="50000"/>
+                </a:schemeClr>
               </a:solidFill>
               <a:latin typeface="Lucida Console" panose="020B0609040504020204" pitchFamily="49" charset="0"/>
             </a:endParaRPr>
@@ -18172,7 +18550,7 @@
             <a:r>
               <a:rPr lang="en-US" sz="2200" dirty="0" smtClean="0">
                 <a:solidFill>
-                  <a:schemeClr val="tx1"/>
+                  <a:schemeClr val="accent6"/>
                 </a:solidFill>
                 <a:latin typeface="Lucida Console" panose="020B0609040504020204" pitchFamily="49" charset="0"/>
               </a:rPr>
@@ -18181,11 +18559,20 @@
             <a:r>
               <a:rPr lang="en-US" sz="2200" dirty="0">
                 <a:solidFill>
-                  <a:schemeClr val="tx1"/>
+                  <a:schemeClr val="accent6"/>
                 </a:solidFill>
                 <a:latin typeface="Lucida Console" panose="020B0609040504020204" pitchFamily="49" charset="0"/>
               </a:rPr>
-              <a:t>BY </a:t>
+              <a:t>BY</a:t>
+            </a:r>
+            <a:r>
+              <a:rPr lang="en-US" sz="2200" dirty="0">
+                <a:solidFill>
+                  <a:schemeClr val="tx1"/>
+                </a:solidFill>
+                <a:latin typeface="Lucida Console" panose="020B0609040504020204" pitchFamily="49" charset="0"/>
+              </a:rPr>
+              <a:t> </a:t>
             </a:r>
             <a:r>
               <a:rPr lang="en-US" sz="2200" dirty="0" err="1">
@@ -18376,7 +18763,25 @@
                 </a:solidFill>
                 <a:latin typeface="Lucida Console" panose="020B0609040504020204" pitchFamily="49" charset="0"/>
               </a:rPr>
-              <a:t> SELECT </a:t>
+              <a:t> </a:t>
+            </a:r>
+            <a:r>
+              <a:rPr lang="en-US" sz="2200" dirty="0" smtClean="0">
+                <a:solidFill>
+                  <a:schemeClr val="accent6"/>
+                </a:solidFill>
+                <a:latin typeface="Lucida Console" panose="020B0609040504020204" pitchFamily="49" charset="0"/>
+              </a:rPr>
+              <a:t>SELECT</a:t>
+            </a:r>
+            <a:r>
+              <a:rPr lang="en-US" sz="2200" dirty="0" smtClean="0">
+                <a:solidFill>
+                  <a:schemeClr val="tx1"/>
+                </a:solidFill>
+                <a:latin typeface="Lucida Console" panose="020B0609040504020204" pitchFamily="49" charset="0"/>
+              </a:rPr>
+              <a:t> </a:t>
             </a:r>
             <a:r>
               <a:rPr lang="en-US" sz="2200" dirty="0" err="1">
@@ -18440,7 +18845,7 @@
                 </a:solidFill>
                 <a:latin typeface="Lucida Console" panose="020B0609040504020204" pitchFamily="49" charset="0"/>
               </a:rPr>
-              <a:t> </a:t>
+              <a:t>    </a:t>
             </a:r>
             <a:r>
               <a:rPr lang="en-US" sz="2200" dirty="0" err="1" smtClean="0">
@@ -18467,7 +18872,25 @@
                 </a:solidFill>
                 <a:latin typeface="Lucida Console" panose="020B0609040504020204" pitchFamily="49" charset="0"/>
               </a:rPr>
-              <a:t>AS [End Time], </a:t>
+              <a:t>AS </a:t>
+            </a:r>
+            <a:r>
+              <a:rPr lang="en-US" sz="2200" dirty="0" smtClean="0">
+                <a:solidFill>
+                  <a:schemeClr val="tx1"/>
+                </a:solidFill>
+                <a:latin typeface="Lucida Console" panose="020B0609040504020204" pitchFamily="49" charset="0"/>
+              </a:rPr>
+              <a:t>[End </a:t>
+            </a:r>
+            <a:r>
+              <a:rPr lang="en-US" sz="2200" dirty="0">
+                <a:solidFill>
+                  <a:schemeClr val="tx1"/>
+                </a:solidFill>
+                <a:latin typeface="Lucida Console" panose="020B0609040504020204" pitchFamily="49" charset="0"/>
+              </a:rPr>
+              <a:t>Time], </a:t>
             </a:r>
             <a:r>
               <a:rPr lang="en-US" sz="2200" dirty="0" err="1">
@@ -18498,13 +18921,31 @@
               </a:spcAft>
             </a:pPr>
             <a:r>
-              <a:rPr lang="en-US" sz="2200" dirty="0" smtClean="0">
+              <a:rPr lang="en-US" sz="2200" dirty="0">
                 <a:solidFill>
                   <a:schemeClr val="tx1"/>
                 </a:solidFill>
                 <a:latin typeface="Lucida Console" panose="020B0609040504020204" pitchFamily="49" charset="0"/>
               </a:rPr>
-              <a:t> FROM </a:t>
+              <a:t> </a:t>
+            </a:r>
+            <a:r>
+              <a:rPr lang="en-US" sz="2200" dirty="0" smtClean="0">
+                <a:solidFill>
+                  <a:schemeClr val="accent6"/>
+                </a:solidFill>
+                <a:latin typeface="Lucida Console" panose="020B0609040504020204" pitchFamily="49" charset="0"/>
+              </a:rPr>
+              <a:t>FROM</a:t>
+            </a:r>
+            <a:r>
+              <a:rPr lang="en-US" sz="2200" dirty="0" smtClean="0">
+                <a:solidFill>
+                  <a:schemeClr val="tx1"/>
+                </a:solidFill>
+                <a:latin typeface="Lucida Console" panose="020B0609040504020204" pitchFamily="49" charset="0"/>
+              </a:rPr>
+              <a:t> </a:t>
             </a:r>
             <a:r>
               <a:rPr lang="en-US" sz="2200" dirty="0" err="1">
@@ -18522,7 +18963,16 @@
                 </a:solidFill>
                 <a:latin typeface="Lucida Console" panose="020B0609040504020204" pitchFamily="49" charset="0"/>
               </a:rPr>
-              <a:t> TIMESTAMP BY </a:t>
+              <a:t> </a:t>
+            </a:r>
+            <a:r>
+              <a:rPr lang="en-US" sz="2200" dirty="0">
+                <a:solidFill>
+                  <a:schemeClr val="accent6"/>
+                </a:solidFill>
+                <a:latin typeface="Lucida Console" panose="020B0609040504020204" pitchFamily="49" charset="0"/>
+              </a:rPr>
+              <a:t>TIMESTAMP BY </a:t>
             </a:r>
             <a:r>
               <a:rPr lang="en-US" sz="2200" dirty="0" err="1">
@@ -18556,7 +19006,25 @@
                 </a:solidFill>
                 <a:latin typeface="Lucida Console" panose="020B0609040504020204" pitchFamily="49" charset="0"/>
               </a:rPr>
-              <a:t> WHERE </a:t>
+              <a:t> </a:t>
+            </a:r>
+            <a:r>
+              <a:rPr lang="en-US" sz="2200" dirty="0" smtClean="0">
+                <a:solidFill>
+                  <a:schemeClr val="accent6"/>
+                </a:solidFill>
+                <a:latin typeface="Lucida Console" panose="020B0609040504020204" pitchFamily="49" charset="0"/>
+              </a:rPr>
+              <a:t>WHERE</a:t>
+            </a:r>
+            <a:r>
+              <a:rPr lang="en-US" sz="2200" dirty="0" smtClean="0">
+                <a:solidFill>
+                  <a:schemeClr val="tx1"/>
+                </a:solidFill>
+                <a:latin typeface="Lucida Console" panose="020B0609040504020204" pitchFamily="49" charset="0"/>
+              </a:rPr>
+              <a:t> </a:t>
             </a:r>
             <a:r>
               <a:rPr lang="en-US" sz="2200" dirty="0">
@@ -18570,7 +19038,9 @@
             <a:r>
               <a:rPr lang="en-US" sz="2200" dirty="0" smtClean="0">
                 <a:solidFill>
-                  <a:schemeClr val="tx1"/>
+                  <a:schemeClr val="accent4">
+                    <a:lumMod val="50000"/>
+                  </a:schemeClr>
                 </a:solidFill>
                 <a:latin typeface="Lucida Console" panose="020B0609040504020204" pitchFamily="49" charset="0"/>
               </a:rPr>
@@ -18578,7 +19048,9 @@
             </a:r>
             <a:endParaRPr lang="en-US" sz="2200" dirty="0">
               <a:solidFill>
-                <a:schemeClr val="tx1"/>
+                <a:schemeClr val="accent4">
+                  <a:lumMod val="50000"/>
+                </a:schemeClr>
               </a:solidFill>
               <a:latin typeface="Lucida Console" panose="020B0609040504020204" pitchFamily="49" charset="0"/>
             </a:endParaRPr>
@@ -18599,12 +19071,21 @@
                 </a:solidFill>
                 <a:latin typeface="Lucida Console" panose="020B0609040504020204" pitchFamily="49" charset="0"/>
               </a:rPr>
-              <a:t> GROUP </a:t>
+              <a:t> </a:t>
+            </a:r>
+            <a:r>
+              <a:rPr lang="en-US" sz="2200" dirty="0" smtClean="0">
+                <a:solidFill>
+                  <a:schemeClr val="accent6"/>
+                </a:solidFill>
+                <a:latin typeface="Lucida Console" panose="020B0609040504020204" pitchFamily="49" charset="0"/>
+              </a:rPr>
+              <a:t>GROUP </a:t>
             </a:r>
             <a:r>
               <a:rPr lang="en-US" sz="2200" dirty="0">
                 <a:solidFill>
-                  <a:schemeClr val="tx1"/>
+                  <a:schemeClr val="accent6"/>
                 </a:solidFill>
                 <a:latin typeface="Lucida Console" panose="020B0609040504020204" pitchFamily="49" charset="0"/>
               </a:rPr>
@@ -18663,23 +19144,46 @@
                 </a:solidFill>
                 <a:latin typeface="Lucida Console" panose="020B0609040504020204" pitchFamily="49" charset="0"/>
               </a:rPr>
-              <a:t> HAVING </a:t>
-            </a:r>
-            <a:r>
-              <a:rPr lang="en-US" sz="2200" dirty="0">
-                <a:solidFill>
-                  <a:schemeClr val="tx1"/>
+              <a:t> </a:t>
+            </a:r>
+            <a:r>
+              <a:rPr lang="en-US" sz="2200" dirty="0" smtClean="0">
+                <a:solidFill>
+                  <a:schemeClr val="accent6"/>
                 </a:solidFill>
                 <a:latin typeface="Lucida Console" panose="020B0609040504020204" pitchFamily="49" charset="0"/>
               </a:rPr>
-              <a:t>COUNT(*) &gt; 1</a:t>
-            </a:r>
-            <a:endParaRPr lang="en-US" sz="2200" dirty="0">
-              <a:solidFill>
-                <a:schemeClr val="accent1"/>
-              </a:solidFill>
-              <a:latin typeface="Lucida Console" panose="020B0609040504020204" pitchFamily="49" charset="0"/>
-            </a:endParaRPr>
+              <a:t>HAVING</a:t>
+            </a:r>
+            <a:r>
+              <a:rPr lang="en-US" sz="2200" dirty="0" smtClean="0">
+                <a:solidFill>
+                  <a:schemeClr val="tx1"/>
+                </a:solidFill>
+                <a:latin typeface="Lucida Console" panose="020B0609040504020204" pitchFamily="49" charset="0"/>
+              </a:rPr>
+              <a:t> </a:t>
+            </a:r>
+            <a:r>
+              <a:rPr lang="en-US" sz="2200" dirty="0">
+                <a:solidFill>
+                  <a:schemeClr val="tx1"/>
+                </a:solidFill>
+                <a:latin typeface="Lucida Console" panose="020B0609040504020204" pitchFamily="49" charset="0"/>
+              </a:rPr>
+              <a:t>COUNT(*) &gt; </a:t>
+            </a:r>
+            <a:r>
+              <a:rPr lang="en-US" sz="2200" dirty="0">
+                <a:solidFill>
+                  <a:schemeClr val="accent4">
+                    <a:lumMod val="50000"/>
+                  </a:schemeClr>
+                </a:solidFill>
+                <a:latin typeface="Lucida Console" panose="020B0609040504020204" pitchFamily="49" charset="0"/>
+              </a:rPr>
+              <a:t>1</a:t>
+            </a:r>
           </a:p>
         </p:txBody>
       </p:sp>
@@ -18788,14 +19292,19 @@
             <p:ph type="subTitle" idx="1"/>
           </p:nvPr>
         </p:nvSpPr>
-        <p:spPr/>
+        <p:spPr>
+          <a:xfrm>
+            <a:off x="1889617" y="5630475"/>
+            <a:ext cx="5877403" cy="461665"/>
+          </a:xfrm>
+        </p:spPr>
         <p:txBody>
           <a:bodyPr/>
           <a:lstStyle/>
           <a:p>
             <a:r>
               <a:rPr lang="en-US" dirty="0" smtClean="0"/>
-              <a:t>StreamAnalyticsHOL.html</a:t>
+              <a:t>Azure Stream Analytics HOL.html</a:t>
             </a:r>
             <a:endParaRPr lang="en-US" dirty="0"/>
           </a:p>
